--- a/MEAN Stack Workshop.pptx
+++ b/MEAN Stack Workshop.pptx
@@ -5,7 +5,7 @@
     <p:sldMasterId id="2147483660" r:id="rId1"/>
   </p:sldMasterIdLst>
   <p:notesMasterIdLst>
-    <p:notesMasterId r:id="rId35"/>
+    <p:notesMasterId r:id="rId37"/>
   </p:notesMasterIdLst>
   <p:sldIdLst>
     <p:sldId id="256" r:id="rId2"/>
@@ -38,9 +38,11 @@
     <p:sldId id="282" r:id="rId29"/>
     <p:sldId id="283" r:id="rId30"/>
     <p:sldId id="284" r:id="rId31"/>
-    <p:sldId id="285" r:id="rId32"/>
-    <p:sldId id="286" r:id="rId33"/>
-    <p:sldId id="287" r:id="rId34"/>
+    <p:sldId id="290" r:id="rId32"/>
+    <p:sldId id="285" r:id="rId33"/>
+    <p:sldId id="286" r:id="rId34"/>
+    <p:sldId id="287" r:id="rId35"/>
+    <p:sldId id="289" r:id="rId36"/>
   </p:sldIdLst>
   <p:sldSz cx="9144000" cy="6858000" type="screen4x3"/>
   <p:notesSz cx="6858000" cy="9144000"/>
@@ -225,7 +227,7 @@
             <a:fld id="{32B86DEE-773E-43AE-9ECA-E0C79A981448}" type="datetimeFigureOut">
               <a:rPr lang="en-US" smtClean="0"/>
               <a:pPr/>
-              <a:t>12/1/2019</a:t>
+              <a:t>12/4/2019</a:t>
             </a:fld>
             <a:endParaRPr lang="en-US"/>
           </a:p>
@@ -1232,7 +1234,7 @@
             <a:fld id="{051B7C22-4A45-4025-8681-ED0403F46852}" type="datetimeFigureOut">
               <a:rPr lang="en-US" smtClean="0"/>
               <a:pPr/>
-              <a:t>12/1/2019</a:t>
+              <a:t>12/4/2019</a:t>
             </a:fld>
             <a:endParaRPr lang="en-US"/>
           </a:p>
@@ -1417,7 +1419,7 @@
             <a:fld id="{051B7C22-4A45-4025-8681-ED0403F46852}" type="datetimeFigureOut">
               <a:rPr lang="en-US" smtClean="0"/>
               <a:pPr/>
-              <a:t>12/1/2019</a:t>
+              <a:t>12/4/2019</a:t>
             </a:fld>
             <a:endParaRPr lang="en-US"/>
           </a:p>
@@ -1594,7 +1596,7 @@
             <a:fld id="{051B7C22-4A45-4025-8681-ED0403F46852}" type="datetimeFigureOut">
               <a:rPr lang="en-US" smtClean="0"/>
               <a:pPr/>
-              <a:t>12/1/2019</a:t>
+              <a:t>12/4/2019</a:t>
             </a:fld>
             <a:endParaRPr lang="en-US"/>
           </a:p>
@@ -1761,7 +1763,7 @@
             <a:fld id="{051B7C22-4A45-4025-8681-ED0403F46852}" type="datetimeFigureOut">
               <a:rPr lang="en-US" smtClean="0"/>
               <a:pPr/>
-              <a:t>12/1/2019</a:t>
+              <a:t>12/4/2019</a:t>
             </a:fld>
             <a:endParaRPr lang="en-US"/>
           </a:p>
@@ -1984,7 +1986,7 @@
             <a:fld id="{051B7C22-4A45-4025-8681-ED0403F46852}" type="datetimeFigureOut">
               <a:rPr lang="en-US" smtClean="0"/>
               <a:pPr/>
-              <a:t>12/1/2019</a:t>
+              <a:t>12/4/2019</a:t>
             </a:fld>
             <a:endParaRPr lang="en-US"/>
           </a:p>
@@ -2245,7 +2247,7 @@
             <a:fld id="{051B7C22-4A45-4025-8681-ED0403F46852}" type="datetimeFigureOut">
               <a:rPr lang="en-US" smtClean="0"/>
               <a:pPr/>
-              <a:t>12/1/2019</a:t>
+              <a:t>12/4/2019</a:t>
             </a:fld>
             <a:endParaRPr lang="en-US"/>
           </a:p>
@@ -2651,7 +2653,7 @@
             <a:fld id="{051B7C22-4A45-4025-8681-ED0403F46852}" type="datetimeFigureOut">
               <a:rPr lang="en-US" smtClean="0"/>
               <a:pPr/>
-              <a:t>12/1/2019</a:t>
+              <a:t>12/4/2019</a:t>
             </a:fld>
             <a:endParaRPr lang="en-US"/>
           </a:p>
@@ -2784,7 +2786,7 @@
             <a:fld id="{051B7C22-4A45-4025-8681-ED0403F46852}" type="datetimeFigureOut">
               <a:rPr lang="en-US" smtClean="0"/>
               <a:pPr/>
-              <a:t>12/1/2019</a:t>
+              <a:t>12/4/2019</a:t>
             </a:fld>
             <a:endParaRPr lang="en-US"/>
           </a:p>
@@ -2886,7 +2888,7 @@
             <a:fld id="{051B7C22-4A45-4025-8681-ED0403F46852}" type="datetimeFigureOut">
               <a:rPr lang="en-US" smtClean="0"/>
               <a:pPr/>
-              <a:t>12/1/2019</a:t>
+              <a:t>12/4/2019</a:t>
             </a:fld>
             <a:endParaRPr lang="en-US"/>
           </a:p>
@@ -3133,7 +3135,7 @@
             <a:fld id="{051B7C22-4A45-4025-8681-ED0403F46852}" type="datetimeFigureOut">
               <a:rPr lang="en-US" smtClean="0"/>
               <a:pPr/>
-              <a:t>12/1/2019</a:t>
+              <a:t>12/4/2019</a:t>
             </a:fld>
             <a:endParaRPr lang="en-US"/>
           </a:p>
@@ -3379,7 +3381,7 @@
             <a:fld id="{051B7C22-4A45-4025-8681-ED0403F46852}" type="datetimeFigureOut">
               <a:rPr lang="en-US" smtClean="0"/>
               <a:pPr/>
-              <a:t>12/1/2019</a:t>
+              <a:t>12/4/2019</a:t>
             </a:fld>
             <a:endParaRPr lang="en-US"/>
           </a:p>
@@ -4205,7 +4207,7 @@
             <a:fld id="{051B7C22-4A45-4025-8681-ED0403F46852}" type="datetimeFigureOut">
               <a:rPr lang="en-US" smtClean="0"/>
               <a:pPr/>
-              <a:t>12/1/2019</a:t>
+              <a:t>12/4/2019</a:t>
             </a:fld>
             <a:endParaRPr lang="en-US"/>
           </a:p>
@@ -4716,15 +4718,7 @@
           <a:p>
             <a:r>
               <a:rPr lang="en-US" altLang="en-US" dirty="0" smtClean="0"/>
-              <a:t>Read </a:t>
-            </a:r>
-            <a:r>
-              <a:rPr lang="en-US" altLang="en-US" dirty="0" smtClean="0"/>
-              <a:t>data from </a:t>
-            </a:r>
-            <a:r>
-              <a:rPr lang="en-US" altLang="en-US" dirty="0" smtClean="0"/>
-              <a:t>file</a:t>
+              <a:t>Read data from file</a:t>
             </a:r>
           </a:p>
           <a:p>
@@ -4736,15 +4730,7 @@
           <a:p>
             <a:r>
               <a:rPr lang="en-US" altLang="en-US" dirty="0" smtClean="0"/>
-              <a:t>Do </a:t>
-            </a:r>
-            <a:r>
-              <a:rPr lang="en-US" altLang="en-US" dirty="0" smtClean="0"/>
-              <a:t>other </a:t>
-            </a:r>
-            <a:r>
-              <a:rPr lang="en-US" altLang="en-US" dirty="0" smtClean="0"/>
-              <a:t>tasks</a:t>
+              <a:t>Do other tasks</a:t>
             </a:r>
           </a:p>
           <a:p>
@@ -4870,11 +4856,7 @@
             <a:pPr marL="0" indent="0"/>
             <a:r>
               <a:rPr lang="en-US" altLang="en-US" dirty="0" smtClean="0"/>
-              <a:t> Read </a:t>
-            </a:r>
-            <a:r>
-              <a:rPr lang="en-US" altLang="en-US" dirty="0" smtClean="0"/>
-              <a:t>data from file	</a:t>
+              <a:t> Read data from file	</a:t>
             </a:r>
           </a:p>
           <a:p>
@@ -4888,22 +4870,14 @@
             </a:r>
             <a:r>
               <a:rPr lang="en-US" altLang="en-US" sz="2000" dirty="0" smtClean="0"/>
-              <a:t>When </a:t>
-            </a:r>
-            <a:r>
-              <a:rPr lang="en-US" altLang="en-US" sz="2000" dirty="0" smtClean="0"/>
-              <a:t>read data completed, show data</a:t>
+              <a:t>When read data completed, show data</a:t>
             </a:r>
           </a:p>
           <a:p>
             <a:pPr marL="0" indent="0"/>
             <a:r>
               <a:rPr lang="en-US" altLang="en-US" dirty="0" smtClean="0"/>
-              <a:t> Do </a:t>
-            </a:r>
-            <a:r>
-              <a:rPr lang="en-US" altLang="en-US" dirty="0" smtClean="0"/>
-              <a:t>other tasks</a:t>
+              <a:t> Do other tasks</a:t>
             </a:r>
           </a:p>
           <a:p>
@@ -5137,11 +5111,7 @@
             </a:pPr>
             <a:r>
               <a:rPr lang="en-US" altLang="en-US" dirty="0" smtClean="0"/>
-              <a:t>Real-time </a:t>
-            </a:r>
-            <a:r>
-              <a:rPr lang="en-US" altLang="en-US" dirty="0" smtClean="0"/>
-              <a:t>Applications</a:t>
+              <a:t>Real-time Applications</a:t>
             </a:r>
           </a:p>
           <a:p>
@@ -5152,11 +5122,7 @@
             </a:pPr>
             <a:r>
               <a:rPr lang="en-US" altLang="en-US" dirty="0" smtClean="0"/>
-              <a:t>Intelligent </a:t>
-            </a:r>
-            <a:r>
-              <a:rPr lang="en-US" altLang="en-US" dirty="0" smtClean="0"/>
-              <a:t>Proxies</a:t>
+              <a:t>Intelligent Proxies</a:t>
             </a:r>
           </a:p>
           <a:p>
@@ -5167,11 +5133,7 @@
             </a:pPr>
             <a:r>
               <a:rPr lang="en-US" altLang="en-US" dirty="0" smtClean="0"/>
-              <a:t>High </a:t>
-            </a:r>
-            <a:r>
-              <a:rPr lang="en-US" altLang="en-US" dirty="0" smtClean="0"/>
-              <a:t>Concurrency Applications</a:t>
+              <a:t>High Concurrency Applications</a:t>
             </a:r>
           </a:p>
           <a:p>
@@ -5182,11 +5144,7 @@
             </a:pPr>
             <a:r>
               <a:rPr lang="en-US" altLang="en-US" dirty="0" smtClean="0"/>
-              <a:t>Communication </a:t>
-            </a:r>
-            <a:r>
-              <a:rPr lang="en-US" altLang="en-US" dirty="0" smtClean="0"/>
-              <a:t>Hubs</a:t>
+              <a:t>Communication Hubs</a:t>
             </a:r>
           </a:p>
           <a:p>
@@ -5199,7 +5157,6 @@
               <a:rPr lang="en-US" altLang="en-US" dirty="0" smtClean="0"/>
               <a:t>Coordinators</a:t>
             </a:r>
-            <a:endParaRPr lang="en-US" altLang="en-US" dirty="0" smtClean="0"/>
           </a:p>
           <a:p>
             <a:endParaRPr lang="en-US" dirty="0"/>
@@ -5283,11 +5240,7 @@
             </a:pPr>
             <a:r>
               <a:rPr lang="en-US" altLang="en-US" dirty="0" smtClean="0"/>
-              <a:t>Web </a:t>
-            </a:r>
-            <a:r>
-              <a:rPr lang="en-US" altLang="en-US" dirty="0" smtClean="0"/>
-              <a:t>application</a:t>
+              <a:t>Web application</a:t>
             </a:r>
           </a:p>
           <a:p>
@@ -5302,11 +5255,7 @@
             </a:r>
             <a:r>
               <a:rPr lang="en-US" altLang="en-US" dirty="0" smtClean="0"/>
-              <a:t> </a:t>
-            </a:r>
-            <a:r>
-              <a:rPr lang="en-US" altLang="en-US" dirty="0" smtClean="0"/>
-              <a:t>server</a:t>
+              <a:t> server</a:t>
             </a:r>
           </a:p>
           <a:p>
@@ -5317,11 +5266,7 @@
             </a:pPr>
             <a:r>
               <a:rPr lang="en-US" altLang="en-US" dirty="0" smtClean="0"/>
-              <a:t>Ad </a:t>
-            </a:r>
-            <a:r>
-              <a:rPr lang="en-US" altLang="en-US" dirty="0" smtClean="0"/>
-              <a:t>server</a:t>
+              <a:t>Ad server</a:t>
             </a:r>
           </a:p>
           <a:p>
@@ -5332,11 +5277,7 @@
             </a:pPr>
             <a:r>
               <a:rPr lang="en-US" altLang="en-US" dirty="0" smtClean="0"/>
-              <a:t>Proxy </a:t>
-            </a:r>
-            <a:r>
-              <a:rPr lang="en-US" altLang="en-US" dirty="0" smtClean="0"/>
-              <a:t>server</a:t>
+              <a:t>Proxy server</a:t>
             </a:r>
           </a:p>
           <a:p>
@@ -5347,11 +5288,7 @@
             </a:pPr>
             <a:r>
               <a:rPr lang="en-US" altLang="en-US" dirty="0" smtClean="0"/>
-              <a:t>Streaming </a:t>
-            </a:r>
-            <a:r>
-              <a:rPr lang="en-US" altLang="en-US" dirty="0" smtClean="0"/>
-              <a:t>server</a:t>
+              <a:t>Streaming server</a:t>
             </a:r>
           </a:p>
           <a:p>
@@ -5362,11 +5299,7 @@
             </a:pPr>
             <a:r>
               <a:rPr lang="en-US" altLang="en-US" dirty="0" smtClean="0"/>
-              <a:t>Fast </a:t>
-            </a:r>
-            <a:r>
-              <a:rPr lang="en-US" altLang="en-US" dirty="0" smtClean="0"/>
-              <a:t>file upload client</a:t>
+              <a:t>Fast file upload client</a:t>
             </a:r>
           </a:p>
           <a:p>
@@ -5377,11 +5310,7 @@
             </a:pPr>
             <a:r>
               <a:rPr lang="en-US" altLang="en-US" dirty="0" smtClean="0"/>
-              <a:t>Any </a:t>
-            </a:r>
-            <a:r>
-              <a:rPr lang="en-US" altLang="en-US" dirty="0" smtClean="0"/>
-              <a:t>Real-time data apps</a:t>
+              <a:t>Any Real-time data apps</a:t>
             </a:r>
           </a:p>
           <a:p>
@@ -5392,11 +5321,7 @@
             </a:pPr>
             <a:r>
               <a:rPr lang="en-US" altLang="en-US" dirty="0" smtClean="0"/>
-              <a:t>Anything </a:t>
-            </a:r>
-            <a:r>
-              <a:rPr lang="en-US" altLang="en-US" dirty="0" smtClean="0"/>
-              <a:t>with high I/O</a:t>
+              <a:t>Anything with high I/O</a:t>
             </a:r>
           </a:p>
           <a:p>
@@ -5484,13 +5409,7 @@
               <a:rPr lang="en-US" dirty="0" smtClean="0">
                 <a:hlinkClick r:id="rId2"/>
               </a:rPr>
-              <a:t>https://nodejs.org/en/download</a:t>
-            </a:r>
-            <a:r>
-              <a:rPr lang="en-US" dirty="0" smtClean="0">
-                <a:hlinkClick r:id="rId2"/>
-              </a:rPr>
-              <a:t>/</a:t>
+              <a:t>https://nodejs.org/en/download/</a:t>
             </a:r>
             <a:r>
               <a:rPr lang="en-US" dirty="0" smtClean="0"/>
@@ -5518,15 +5437,7 @@
             </a:pPr>
             <a:r>
               <a:rPr lang="en-US" dirty="0" smtClean="0"/>
-              <a:t>	</a:t>
-            </a:r>
-            <a:r>
-              <a:rPr lang="en-US" dirty="0" smtClean="0"/>
-              <a:t>node </a:t>
-            </a:r>
-            <a:r>
-              <a:rPr lang="en-US" dirty="0" smtClean="0"/>
-              <a:t>-v</a:t>
+              <a:t>	node -v</a:t>
             </a:r>
             <a:endParaRPr lang="en-US" dirty="0"/>
           </a:p>
@@ -5660,15 +5571,7 @@
             </a:pPr>
             <a:r>
               <a:rPr lang="en-US" dirty="0" smtClean="0"/>
-              <a:t>const</a:t>
-            </a:r>
-            <a:r>
-              <a:rPr lang="en-US" dirty="0" smtClean="0"/>
-              <a:t> http = require('http</a:t>
-            </a:r>
-            <a:r>
-              <a:rPr lang="en-US" dirty="0" smtClean="0"/>
-              <a:t>');</a:t>
+              <a:t>const http = require('http');</a:t>
             </a:r>
           </a:p>
           <a:p>
@@ -5677,11 +5580,7 @@
             </a:pPr>
             <a:r>
               <a:rPr lang="en-US" dirty="0" smtClean="0"/>
-              <a:t>const</a:t>
-            </a:r>
-            <a:r>
-              <a:rPr lang="en-US" dirty="0" smtClean="0"/>
-              <a:t> server = </a:t>
+              <a:t>const server = </a:t>
             </a:r>
             <a:r>
               <a:rPr lang="en-US" dirty="0" err="1" smtClean="0"/>
@@ -5869,11 +5768,7 @@
             </a:pPr>
             <a:r>
               <a:rPr lang="en-US" dirty="0" smtClean="0"/>
-              <a:t>	const</a:t>
-            </a:r>
-            <a:r>
-              <a:rPr lang="en-US" dirty="0" smtClean="0"/>
-              <a:t> http = require('http');</a:t>
+              <a:t>	const http = require('http');</a:t>
             </a:r>
           </a:p>
           <a:p>
@@ -5918,11 +5813,7 @@
             </a:pPr>
             <a:r>
               <a:rPr lang="en-US" dirty="0" smtClean="0"/>
-              <a:t>	</a:t>
-            </a:r>
-            <a:r>
-              <a:rPr lang="en-US" dirty="0" smtClean="0"/>
-              <a:t>    </a:t>
+              <a:t>	    </a:t>
             </a:r>
             <a:r>
               <a:rPr lang="en-US" dirty="0" err="1" smtClean="0"/>
@@ -5941,7 +5832,6 @@
               <a:rPr lang="en-US" dirty="0" smtClean="0"/>
               <a:t>	}</a:t>
             </a:r>
-            <a:endParaRPr lang="en-US" dirty="0" smtClean="0"/>
           </a:p>
           <a:p>
             <a:pPr>
@@ -5950,10 +5840,6 @@
             <a:r>
               <a:rPr lang="en-US" dirty="0" smtClean="0"/>
               <a:t>	</a:t>
-            </a:r>
-            <a:r>
-              <a:rPr lang="en-US" dirty="0" smtClean="0"/>
-              <a:t/>
             </a:r>
             <a:br>
               <a:rPr lang="en-US" dirty="0" smtClean="0"/>
@@ -5997,11 +5883,7 @@
             </a:r>
             <a:r>
               <a:rPr lang="en-US" dirty="0" smtClean="0"/>
-              <a:t>(8080</a:t>
-            </a:r>
-            <a:r>
-              <a:rPr lang="en-US" dirty="0" smtClean="0"/>
-              <a:t>);</a:t>
+              <a:t>(8080);</a:t>
             </a:r>
           </a:p>
           <a:p>
@@ -6123,11 +6005,7 @@
             </a:r>
             <a:r>
               <a:rPr lang="en-US" sz="1800" dirty="0" smtClean="0"/>
-              <a:t> </a:t>
-            </a:r>
-            <a:r>
-              <a:rPr lang="en-US" sz="1800" dirty="0" smtClean="0"/>
-              <a:t>http = require('http');</a:t>
+              <a:t> http = require('http');</a:t>
             </a:r>
           </a:p>
           <a:p>
@@ -7180,11 +7058,7 @@
             </a:pPr>
             <a:r>
               <a:rPr lang="en-US" sz="6000" dirty="0" smtClean="0"/>
-              <a:t>Solution</a:t>
-            </a:r>
-            <a:r>
-              <a:rPr lang="en-US" sz="6000" dirty="0" smtClean="0"/>
-              <a:t>?</a:t>
+              <a:t>Solution?</a:t>
             </a:r>
             <a:endParaRPr lang="en-US" sz="6000" dirty="0"/>
           </a:p>
@@ -7195,6 +7069,13 @@
   <p:clrMapOvr>
     <a:masterClrMapping/>
   </p:clrMapOvr>
+  <p:timing>
+    <p:tnLst>
+      <p:par>
+        <p:cTn id="1" dur="indefinite" restart="never" nodeType="tmRoot"/>
+      </p:par>
+    </p:tnLst>
+  </p:timing>
 </p:sld>
 </file>
 
@@ -7235,11 +7116,7 @@
             <a:pPr lvl="0"/>
             <a:r>
               <a:rPr lang="en-US" dirty="0" smtClean="0"/>
-              <a:t>Node Package </a:t>
-            </a:r>
-            <a:r>
-              <a:rPr lang="en-US" dirty="0" smtClean="0"/>
-              <a:t>Manager</a:t>
+              <a:t>Node Package Manager</a:t>
             </a:r>
             <a:endParaRPr lang="en-US" dirty="0"/>
           </a:p>
@@ -7264,35 +7141,19 @@
           <a:p>
             <a:r>
               <a:rPr lang="en-US" dirty="0" smtClean="0"/>
-              <a:t>Node Package Manager (NPM) is a command line tool that installs, updates or uninstalls Node.js packages in your </a:t>
-            </a:r>
-            <a:r>
-              <a:rPr lang="en-US" dirty="0" smtClean="0"/>
-              <a:t>application</a:t>
-            </a:r>
-          </a:p>
-          <a:p>
-            <a:r>
-              <a:rPr lang="en-US" dirty="0" smtClean="0"/>
-              <a:t>It is also an online repository for open-source Node.js </a:t>
-            </a:r>
-            <a:r>
-              <a:rPr lang="en-US" dirty="0" smtClean="0"/>
-              <a:t>packages. </a:t>
-            </a:r>
-          </a:p>
-          <a:p>
-            <a:r>
-              <a:rPr lang="en-US" dirty="0" smtClean="0"/>
-              <a:t>The </a:t>
-            </a:r>
-            <a:r>
-              <a:rPr lang="en-US" dirty="0" smtClean="0"/>
-              <a:t>node community around the world creates useful modules and publishes them as packages in this repository</a:t>
-            </a:r>
-            <a:r>
-              <a:rPr lang="en-US" dirty="0" smtClean="0"/>
-              <a:t>. </a:t>
+              <a:t>Node Package Manager (NPM) is a command line tool that installs, updates or uninstalls Node.js packages in your application</a:t>
+            </a:r>
+          </a:p>
+          <a:p>
+            <a:r>
+              <a:rPr lang="en-US" dirty="0" smtClean="0"/>
+              <a:t>It is also an online repository for open-source Node.js packages. </a:t>
+            </a:r>
+          </a:p>
+          <a:p>
+            <a:r>
+              <a:rPr lang="en-US" dirty="0" smtClean="0"/>
+              <a:t>The node community around the world creates useful modules and publishes them as packages in this repository. </a:t>
             </a:r>
           </a:p>
           <a:p>
@@ -7304,19 +7165,7 @@
               <a:rPr lang="en-US" dirty="0" smtClean="0">
                 <a:hlinkClick r:id="rId2"/>
               </a:rPr>
-              <a:t>https</a:t>
-            </a:r>
-            <a:r>
-              <a:rPr lang="en-US" dirty="0" smtClean="0">
-                <a:hlinkClick r:id="rId2"/>
-              </a:rPr>
-              <a:t>://www.npmjs.com</a:t>
-            </a:r>
-            <a:r>
-              <a:rPr lang="en-US" dirty="0" smtClean="0">
-                <a:hlinkClick r:id="rId2"/>
-              </a:rPr>
-              <a:t>/</a:t>
+              <a:t>https://www.npmjs.com/</a:t>
             </a:r>
             <a:r>
               <a:rPr lang="en-US" dirty="0" smtClean="0"/>
@@ -7407,7 +7256,6 @@
               <a:rPr lang="en-US" dirty="0" smtClean="0"/>
               <a:t>{  </a:t>
             </a:r>
-            <a:endParaRPr lang="en-US" dirty="0" smtClean="0"/>
           </a:p>
           <a:p>
             <a:pPr>
@@ -7415,19 +7263,7 @@
             </a:pPr>
             <a:r>
               <a:rPr lang="en-US" dirty="0" smtClean="0"/>
-              <a:t>	</a:t>
-            </a:r>
-            <a:r>
-              <a:rPr lang="en-US" dirty="0" smtClean="0"/>
-              <a:t>"</a:t>
-            </a:r>
-            <a:r>
-              <a:rPr lang="en-US" dirty="0" smtClean="0"/>
-              <a:t>name": </a:t>
-            </a:r>
-            <a:r>
-              <a:rPr lang="en-US" dirty="0" smtClean="0"/>
-              <a:t>“</a:t>
+              <a:t>	"name": “</a:t>
             </a:r>
             <a:r>
               <a:rPr lang="en-US" dirty="0" err="1" smtClean="0"/>
@@ -7444,17 +7280,8 @@
             </a:pPr>
             <a:r>
               <a:rPr lang="en-US" dirty="0" smtClean="0"/>
-              <a:t>	</a:t>
-            </a:r>
-            <a:r>
-              <a:rPr lang="en-US" dirty="0" smtClean="0"/>
-              <a:t>"</a:t>
-            </a:r>
-            <a:r>
-              <a:rPr lang="en-US" dirty="0" smtClean="0"/>
-              <a:t>version": "0.0.0",  </a:t>
-            </a:r>
-            <a:endParaRPr lang="en-US" dirty="0" smtClean="0"/>
+              <a:t>	"version": "0.0.0",  </a:t>
+            </a:r>
           </a:p>
           <a:p>
             <a:pPr>
@@ -7462,23 +7289,7 @@
             </a:pPr>
             <a:r>
               <a:rPr lang="en-US" dirty="0" smtClean="0"/>
-              <a:t>	</a:t>
-            </a:r>
-            <a:r>
-              <a:rPr lang="en-US" dirty="0" smtClean="0"/>
-              <a:t>"</a:t>
-            </a:r>
-            <a:r>
-              <a:rPr lang="en-US" dirty="0" smtClean="0"/>
-              <a:t>description": </a:t>
-            </a:r>
-            <a:r>
-              <a:rPr lang="en-US" dirty="0" smtClean="0"/>
-              <a:t>"</a:t>
-            </a:r>
-            <a:r>
-              <a:rPr lang="en-US" dirty="0" smtClean="0"/>
-              <a:t> </a:t>
+              <a:t>	"description": " </a:t>
             </a:r>
             <a:r>
               <a:rPr lang="en-US" dirty="0" err="1" smtClean="0"/>
@@ -7486,11 +7297,7 @@
             </a:r>
             <a:r>
               <a:rPr lang="en-US" dirty="0" smtClean="0"/>
-              <a:t> </a:t>
-            </a:r>
-            <a:r>
-              <a:rPr lang="en-US" dirty="0" smtClean="0"/>
-              <a:t>with Express dependency",  </a:t>
+              <a:t> with Express dependency",  </a:t>
             </a:r>
           </a:p>
           <a:p>
@@ -7499,17 +7306,8 @@
             </a:pPr>
             <a:r>
               <a:rPr lang="en-US" dirty="0" smtClean="0"/>
-              <a:t>	</a:t>
-            </a:r>
-            <a:r>
-              <a:rPr lang="en-US" dirty="0" smtClean="0"/>
-              <a:t>"</a:t>
-            </a:r>
-            <a:r>
-              <a:rPr lang="en-US" dirty="0" smtClean="0"/>
-              <a:t>main": "app.js",  </a:t>
-            </a:r>
-            <a:endParaRPr lang="en-US" dirty="0" smtClean="0"/>
+              <a:t>	"main": "app.js",  </a:t>
+            </a:r>
           </a:p>
           <a:p>
             <a:pPr>
@@ -7517,17 +7315,8 @@
             </a:pPr>
             <a:r>
               <a:rPr lang="en-US" dirty="0" smtClean="0"/>
-              <a:t>	</a:t>
-            </a:r>
-            <a:r>
-              <a:rPr lang="en-US" dirty="0" smtClean="0"/>
-              <a:t>"</a:t>
-            </a:r>
-            <a:r>
-              <a:rPr lang="en-US" dirty="0" smtClean="0"/>
-              <a:t>author": {    </a:t>
-            </a:r>
-            <a:endParaRPr lang="en-US" dirty="0" smtClean="0"/>
+              <a:t>	"author": {    </a:t>
+            </a:r>
           </a:p>
           <a:p>
             <a:pPr>
@@ -7535,17 +7324,8 @@
             </a:pPr>
             <a:r>
               <a:rPr lang="en-US" dirty="0" smtClean="0"/>
-              <a:t>	</a:t>
-            </a:r>
-            <a:r>
-              <a:rPr lang="en-US" dirty="0" smtClean="0"/>
-              <a:t>	"</a:t>
-            </a:r>
-            <a:r>
-              <a:rPr lang="en-US" dirty="0" smtClean="0"/>
-              <a:t>name": "Dev",    </a:t>
-            </a:r>
-            <a:endParaRPr lang="en-US" dirty="0" smtClean="0"/>
+              <a:t>		"name": "Dev",    </a:t>
+            </a:r>
           </a:p>
           <a:p>
             <a:pPr>
@@ -7553,17 +7333,8 @@
             </a:pPr>
             <a:r>
               <a:rPr lang="en-US" dirty="0" smtClean="0"/>
-              <a:t>	</a:t>
-            </a:r>
-            <a:r>
-              <a:rPr lang="en-US" dirty="0" smtClean="0"/>
-              <a:t>	"</a:t>
-            </a:r>
-            <a:r>
-              <a:rPr lang="en-US" dirty="0" smtClean="0"/>
-              <a:t>email": ""  </a:t>
-            </a:r>
-            <a:endParaRPr lang="en-US" dirty="0" smtClean="0"/>
+              <a:t>		"email": ""  </a:t>
+            </a:r>
           </a:p>
           <a:p>
             <a:pPr>
@@ -7571,11 +7342,7 @@
             </a:pPr>
             <a:r>
               <a:rPr lang="en-US" dirty="0" smtClean="0"/>
-              <a:t>	</a:t>
-            </a:r>
-            <a:r>
-              <a:rPr lang="en-US" dirty="0" smtClean="0"/>
-              <a:t>}, </a:t>
+              <a:t>	}, </a:t>
             </a:r>
           </a:p>
           <a:p>
@@ -7584,13 +7351,8 @@
             </a:pPr>
             <a:r>
               <a:rPr lang="en-US" dirty="0" smtClean="0"/>
-              <a:t>	 </a:t>
-            </a:r>
-            <a:r>
-              <a:rPr lang="en-US" dirty="0" smtClean="0"/>
-              <a:t>"dependencies": {    </a:t>
-            </a:r>
-            <a:endParaRPr lang="en-US" dirty="0" smtClean="0"/>
+              <a:t>	 "dependencies": {    </a:t>
+            </a:r>
           </a:p>
           <a:p>
             <a:pPr>
@@ -7598,17 +7360,8 @@
             </a:pPr>
             <a:r>
               <a:rPr lang="en-US" dirty="0" smtClean="0"/>
-              <a:t>	</a:t>
-            </a:r>
-            <a:r>
-              <a:rPr lang="en-US" dirty="0" smtClean="0"/>
-              <a:t>	"</a:t>
-            </a:r>
-            <a:r>
-              <a:rPr lang="en-US" dirty="0" smtClean="0"/>
-              <a:t>express": "^4.13.3"  </a:t>
-            </a:r>
-            <a:endParaRPr lang="en-US" dirty="0" smtClean="0"/>
+              <a:t>		"express": "^4.13.3"  </a:t>
+            </a:r>
           </a:p>
           <a:p>
             <a:pPr>
@@ -7616,11 +7369,7 @@
             </a:pPr>
             <a:r>
               <a:rPr lang="en-US" dirty="0" smtClean="0"/>
-              <a:t>	</a:t>
-            </a:r>
-            <a:r>
-              <a:rPr lang="en-US" dirty="0" smtClean="0"/>
-              <a:t>}</a:t>
+              <a:t>	}</a:t>
             </a:r>
           </a:p>
           <a:p>
@@ -7640,6 +7389,13 @@
   <p:clrMapOvr>
     <a:masterClrMapping/>
   </p:clrMapOvr>
+  <p:timing>
+    <p:tnLst>
+      <p:par>
+        <p:cTn id="1" dur="indefinite" restart="never" nodeType="tmRoot"/>
+      </p:par>
+    </p:tnLst>
+  </p:timing>
 </p:sld>
 </file>
 
@@ -7700,11 +7456,7 @@
           <a:p>
             <a:r>
               <a:rPr lang="en-US" dirty="0" smtClean="0"/>
-              <a:t>In the Node.js module system, each file is treated as a separate </a:t>
-            </a:r>
-            <a:r>
-              <a:rPr lang="en-US" dirty="0" smtClean="0"/>
-              <a:t>module.</a:t>
+              <a:t>In the Node.js module system, each file is treated as a separate module.</a:t>
             </a:r>
           </a:p>
           <a:p>
@@ -7729,25 +7481,16 @@
             </a:pPr>
             <a:r>
               <a:rPr lang="en-US" sz="1800" dirty="0" smtClean="0"/>
-              <a:t>const </a:t>
-            </a:r>
+              <a:t>const circle = require('./circle.js'); </a:t>
+            </a:r>
+          </a:p>
+          <a:p>
+            <a:pPr lvl="1">
+              <a:buNone/>
+            </a:pPr>
             <a:r>
               <a:rPr lang="en-US" sz="1800" dirty="0" smtClean="0"/>
-              <a:t>circle = require('./circle.js'); </a:t>
-            </a:r>
-            <a:endParaRPr lang="en-US" sz="1800" dirty="0" smtClean="0"/>
-          </a:p>
-          <a:p>
-            <a:pPr lvl="1">
-              <a:buNone/>
-            </a:pPr>
-            <a:r>
-              <a:rPr lang="en-US" sz="1800" dirty="0" smtClean="0"/>
-              <a:t>console.log</a:t>
-            </a:r>
-            <a:r>
-              <a:rPr lang="en-US" sz="1800" dirty="0" smtClean="0"/>
-              <a:t>(`The area of a circle of radius 4 is ${</a:t>
+              <a:t>console.log(`The area of a circle of radius 4 is ${</a:t>
             </a:r>
             <a:r>
               <a:rPr lang="en-US" sz="1800" dirty="0" err="1" smtClean="0"/>
@@ -7755,11 +7498,7 @@
             </a:r>
             <a:r>
               <a:rPr lang="en-US" sz="1800" dirty="0" smtClean="0"/>
-              <a:t>(4</a:t>
-            </a:r>
-            <a:r>
-              <a:rPr lang="en-US" sz="1800" dirty="0" smtClean="0"/>
-              <a:t>)}`);</a:t>
+              <a:t>(4)}`);</a:t>
             </a:r>
           </a:p>
           <a:p>
@@ -7792,7 +7531,6 @@
               <a:rPr lang="pt-BR" sz="1800" dirty="0" smtClean="0"/>
               <a:t>const { PI } = Math; </a:t>
             </a:r>
-            <a:endParaRPr lang="pt-BR" sz="1800" dirty="0" smtClean="0"/>
           </a:p>
           <a:p>
             <a:pPr lvl="1">
@@ -7800,25 +7538,16 @@
             </a:pPr>
             <a:r>
               <a:rPr lang="pt-BR" sz="1800" dirty="0" smtClean="0"/>
-              <a:t>exports.area </a:t>
-            </a:r>
+              <a:t>exports.area = (r) =&gt; PI * r ** 2; </a:t>
+            </a:r>
+          </a:p>
+          <a:p>
+            <a:pPr lvl="1">
+              <a:buNone/>
+            </a:pPr>
             <a:r>
               <a:rPr lang="pt-BR" sz="1800" dirty="0" smtClean="0"/>
-              <a:t>= (r) =&gt; PI * r ** 2; </a:t>
-            </a:r>
-            <a:endParaRPr lang="pt-BR" sz="1800" dirty="0" smtClean="0"/>
-          </a:p>
-          <a:p>
-            <a:pPr lvl="1">
-              <a:buNone/>
-            </a:pPr>
-            <a:r>
-              <a:rPr lang="pt-BR" sz="1800" dirty="0" smtClean="0"/>
-              <a:t>exports.circumference </a:t>
-            </a:r>
-            <a:r>
-              <a:rPr lang="pt-BR" sz="1800" dirty="0" smtClean="0"/>
-              <a:t>= (r) =&gt; 2 * PI * r;</a:t>
+              <a:t>exports.circumference = (r) =&gt; 2 * PI * r;</a:t>
             </a:r>
             <a:endParaRPr lang="en-US" dirty="0"/>
           </a:p>
@@ -7829,6 +7558,13 @@
   <p:clrMapOvr>
     <a:masterClrMapping/>
   </p:clrMapOvr>
+  <p:timing>
+    <p:tnLst>
+      <p:par>
+        <p:cTn id="1" dur="indefinite" restart="never" nodeType="tmRoot"/>
+      </p:par>
+    </p:tnLst>
+  </p:timing>
 </p:sld>
 </file>
 
@@ -7868,11 +7604,7 @@
           <a:p>
             <a:r>
               <a:rPr lang="en-US" dirty="0" smtClean="0"/>
-              <a:t>Node.js Module </a:t>
-            </a:r>
-            <a:r>
-              <a:rPr lang="en-US" dirty="0" smtClean="0"/>
-              <a:t>Types</a:t>
+              <a:t>Node.js Module Types</a:t>
             </a:r>
             <a:endParaRPr lang="en-US" dirty="0"/>
           </a:p>
@@ -7895,11 +7627,7 @@
           <a:p>
             <a:r>
               <a:rPr lang="en-US" dirty="0" smtClean="0"/>
-              <a:t>Node.js includes three types of modules</a:t>
-            </a:r>
-            <a:r>
-              <a:rPr lang="en-US" dirty="0" smtClean="0"/>
-              <a:t>:</a:t>
+              <a:t>Node.js includes three types of modules:</a:t>
             </a:r>
           </a:p>
           <a:p>
@@ -7942,6 +7670,13 @@
   <p:clrMapOvr>
     <a:masterClrMapping/>
   </p:clrMapOvr>
+  <p:timing>
+    <p:tnLst>
+      <p:par>
+        <p:cTn id="1" dur="indefinite" restart="never" nodeType="tmRoot"/>
+      </p:par>
+    </p:tnLst>
+  </p:timing>
 </p:sld>
 </file>
 
@@ -7981,11 +7716,7 @@
           <a:p>
             <a:r>
               <a:rPr lang="en-US" dirty="0" smtClean="0"/>
-              <a:t>Core </a:t>
-            </a:r>
-            <a:r>
-              <a:rPr lang="en-US" dirty="0" smtClean="0"/>
-              <a:t>Modules</a:t>
+              <a:t>Core Modules</a:t>
             </a:r>
             <a:endParaRPr lang="en-US" dirty="0"/>
           </a:p>
@@ -8008,35 +7739,14 @@
           <a:p>
             <a:r>
               <a:rPr lang="en-US" dirty="0" smtClean="0"/>
-              <a:t>The core </a:t>
-            </a:r>
-            <a:r>
-              <a:rPr lang="en-US" dirty="0" smtClean="0"/>
-              <a:t>modules are compiled into its binary distribution and load automatically when Node.js process </a:t>
-            </a:r>
-            <a:r>
-              <a:rPr lang="en-US" dirty="0" smtClean="0"/>
-              <a:t>starts. </a:t>
-            </a:r>
-          </a:p>
-          <a:p>
-            <a:r>
-              <a:rPr lang="en-US" dirty="0" smtClean="0"/>
-              <a:t>To use them in your application, you need to import first </a:t>
-            </a:r>
-            <a:r>
-              <a:rPr lang="en-US" dirty="0" smtClean="0"/>
-              <a:t>in </a:t>
-            </a:r>
-            <a:r>
-              <a:rPr lang="en-US" dirty="0" smtClean="0"/>
-              <a:t>your </a:t>
-            </a:r>
-            <a:r>
-              <a:rPr lang="en-US" dirty="0" smtClean="0"/>
-              <a:t>application.</a:t>
-            </a:r>
-            <a:endParaRPr lang="en-US" dirty="0" smtClean="0"/>
+              <a:t>The core modules are compiled into its binary distribution and load automatically when Node.js process starts. </a:t>
+            </a:r>
+          </a:p>
+          <a:p>
+            <a:r>
+              <a:rPr lang="en-US" dirty="0" smtClean="0"/>
+              <a:t>To use them in your application, you need to import first in your application.</a:t>
+            </a:r>
           </a:p>
           <a:p>
             <a:endParaRPr lang="en-US" dirty="0"/>
@@ -8048,6 +7758,13 @@
   <p:clrMapOvr>
     <a:masterClrMapping/>
   </p:clrMapOvr>
+  <p:timing>
+    <p:tnLst>
+      <p:par>
+        <p:cTn id="1" dur="indefinite" restart="never" nodeType="tmRoot"/>
+      </p:par>
+    </p:tnLst>
+  </p:timing>
 </p:sld>
 </file>
 
@@ -8131,6 +7848,13 @@
   <p:clrMapOvr>
     <a:masterClrMapping/>
   </p:clrMapOvr>
+  <p:timing>
+    <p:tnLst>
+      <p:par>
+        <p:cTn id="1" dur="indefinite" restart="never" nodeType="tmRoot"/>
+      </p:par>
+    </p:tnLst>
+  </p:timing>
 </p:sld>
 </file>
 
@@ -8191,25 +7915,13 @@
           <a:p>
             <a:r>
               <a:rPr lang="en-US" dirty="0" smtClean="0"/>
-              <a:t>Local modules are modules created locally in your Node.js application</a:t>
-            </a:r>
-            <a:r>
-              <a:rPr lang="en-US" dirty="0" smtClean="0"/>
-              <a:t>.</a:t>
-            </a:r>
-          </a:p>
-          <a:p>
-            <a:r>
-              <a:rPr lang="en-US" dirty="0" smtClean="0"/>
-              <a:t>Normally, </a:t>
-            </a:r>
-            <a:r>
-              <a:rPr lang="en-US" dirty="0" smtClean="0"/>
-              <a:t>different functionalities of your application in separate files and </a:t>
-            </a:r>
-            <a:r>
-              <a:rPr lang="en-US" dirty="0" smtClean="0"/>
-              <a:t>folders.</a:t>
+              <a:t>Local modules are modules created locally in your Node.js application.</a:t>
+            </a:r>
+          </a:p>
+          <a:p>
+            <a:r>
+              <a:rPr lang="en-US" dirty="0" smtClean="0"/>
+              <a:t>Normally, different functionalities of your application in separate files and folders.</a:t>
             </a:r>
           </a:p>
           <a:p>
@@ -8221,23 +7933,7 @@
           <a:p>
             <a:r>
               <a:rPr lang="en-US" dirty="0" smtClean="0"/>
-              <a:t>Note : You </a:t>
-            </a:r>
-            <a:r>
-              <a:rPr lang="en-US" dirty="0" smtClean="0"/>
-              <a:t>can also package it and distribute it via NPM, so that Node.js </a:t>
-            </a:r>
-            <a:r>
-              <a:rPr lang="en-US" dirty="0" smtClean="0"/>
-              <a:t>community </a:t>
-            </a:r>
-            <a:r>
-              <a:rPr lang="en-US" dirty="0" smtClean="0"/>
-              <a:t>can use </a:t>
-            </a:r>
-            <a:r>
-              <a:rPr lang="en-US" dirty="0" smtClean="0"/>
-              <a:t>it. </a:t>
+              <a:t>Note : You can also package it and distribute it via NPM, so that Node.js community can use it. </a:t>
             </a:r>
           </a:p>
         </p:txBody>
@@ -8247,6 +7943,13 @@
   <p:clrMapOvr>
     <a:masterClrMapping/>
   </p:clrMapOvr>
+  <p:timing>
+    <p:tnLst>
+      <p:par>
+        <p:cTn id="1" dur="indefinite" restart="never" nodeType="tmRoot"/>
+      </p:par>
+    </p:tnLst>
+  </p:timing>
 </p:sld>
 </file>
 
@@ -8315,31 +8018,19 @@
           <a:p>
             <a:r>
               <a:rPr lang="en-US" dirty="0" smtClean="0"/>
-              <a:t>Node </a:t>
-            </a:r>
-            <a:r>
-              <a:rPr lang="en-US" dirty="0" smtClean="0"/>
-              <a:t>JS</a:t>
-            </a:r>
-          </a:p>
-          <a:p>
-            <a:r>
-              <a:rPr lang="en-US" dirty="0" smtClean="0"/>
-              <a:t>Express </a:t>
-            </a:r>
-            <a:r>
-              <a:rPr lang="en-US" dirty="0" smtClean="0"/>
-              <a:t>JS</a:t>
-            </a:r>
-          </a:p>
-          <a:p>
-            <a:r>
-              <a:rPr lang="en-US" dirty="0" smtClean="0"/>
-              <a:t>Mongo </a:t>
-            </a:r>
-            <a:r>
-              <a:rPr lang="en-US" dirty="0" smtClean="0"/>
-              <a:t>DB</a:t>
+              <a:t>Node JS</a:t>
+            </a:r>
+          </a:p>
+          <a:p>
+            <a:r>
+              <a:rPr lang="en-US" dirty="0" smtClean="0"/>
+              <a:t>Express JS</a:t>
+            </a:r>
+          </a:p>
+          <a:p>
+            <a:r>
+              <a:rPr lang="en-US" dirty="0" smtClean="0"/>
+              <a:t>Mongo DB</a:t>
             </a:r>
           </a:p>
           <a:p>
@@ -8347,7 +8038,6 @@
               <a:rPr lang="en-US" dirty="0" smtClean="0"/>
               <a:t>Angular</a:t>
             </a:r>
-            <a:endParaRPr lang="en-US" dirty="0" smtClean="0"/>
           </a:p>
           <a:p>
             <a:endParaRPr lang="en-US" dirty="0"/>
@@ -8426,15 +8116,7 @@
           <a:p>
             <a:r>
               <a:rPr lang="en-US" dirty="0" smtClean="0"/>
-              <a:t>Third party modules </a:t>
-            </a:r>
-            <a:r>
-              <a:rPr lang="en-US" dirty="0" smtClean="0"/>
-              <a:t>are </a:t>
-            </a:r>
-            <a:r>
-              <a:rPr lang="en-US" dirty="0" smtClean="0"/>
-              <a:t>modules which are exposed publically on NPM.</a:t>
+              <a:t>Third party modules are modules which are exposed publically on NPM.</a:t>
             </a:r>
           </a:p>
           <a:p>
@@ -8468,11 +8150,7 @@
             </a:pPr>
             <a:r>
               <a:rPr lang="en-US" dirty="0" smtClean="0"/>
-              <a:t>const</a:t>
-            </a:r>
-            <a:r>
-              <a:rPr lang="en-US" dirty="0" smtClean="0"/>
-              <a:t> mongoose </a:t>
+              <a:t>const mongoose </a:t>
             </a:r>
             <a:r>
               <a:rPr lang="en-US" b="1" dirty="0" smtClean="0"/>
@@ -8493,6 +8171,13 @@
   <p:clrMapOvr>
     <a:masterClrMapping/>
   </p:clrMapOvr>
+  <p:timing>
+    <p:tnLst>
+      <p:par>
+        <p:cTn id="1" dur="indefinite" restart="never" nodeType="tmRoot"/>
+      </p:par>
+    </p:tnLst>
+  </p:timing>
 </p:sld>
 </file>
 
@@ -8525,14 +8210,12 @@
         </p:nvSpPr>
         <p:spPr/>
         <p:txBody>
-          <a:bodyPr>
-            <a:normAutofit/>
-          </a:bodyPr>
-          <a:lstStyle/>
-          <a:p>
-            <a:r>
-              <a:rPr lang="en-US" dirty="0" smtClean="0"/>
-              <a:t>Practice… Read data from file</a:t>
+          <a:bodyPr/>
+          <a:lstStyle/>
+          <a:p>
+            <a:r>
+              <a:rPr lang="en-US" dirty="0" smtClean="0"/>
+              <a:t>Visit…..</a:t>
             </a:r>
             <a:endParaRPr lang="en-US" dirty="0"/>
           </a:p>
@@ -8553,109 +8236,38 @@
           <a:bodyPr/>
           <a:lstStyle/>
           <a:p>
-            <a:pPr>
-              <a:buNone/>
-            </a:pPr>
-            <a:r>
-              <a:rPr lang="en-US" dirty="0" smtClean="0"/>
-              <a:t>const </a:t>
-            </a:r>
-            <a:r>
-              <a:rPr lang="en-US" dirty="0" err="1" smtClean="0"/>
-              <a:t>fs</a:t>
-            </a:r>
-            <a:r>
-              <a:rPr lang="en-US" dirty="0" smtClean="0"/>
-              <a:t> = require(“</a:t>
-            </a:r>
-            <a:r>
-              <a:rPr lang="en-US" dirty="0" err="1" smtClean="0"/>
-              <a:t>fs</a:t>
-            </a:r>
-            <a:r>
-              <a:rPr lang="en-US" dirty="0" smtClean="0"/>
-              <a:t>”)</a:t>
-            </a:r>
-          </a:p>
-          <a:p>
-            <a:pPr>
-              <a:buNone/>
-            </a:pPr>
+            <a:endParaRPr lang="en-US" dirty="0" smtClean="0">
+              <a:hlinkClick r:id="rId2"/>
+            </a:endParaRPr>
+          </a:p>
+          <a:p>
+            <a:endParaRPr lang="en-US" dirty="0" smtClean="0">
+              <a:hlinkClick r:id="rId2"/>
+            </a:endParaRPr>
+          </a:p>
+          <a:p>
+            <a:r>
+              <a:rPr lang="en-US" dirty="0" smtClean="0">
+                <a:hlinkClick r:id="rId2"/>
+              </a:rPr>
+              <a:t>https</a:t>
+            </a:r>
+            <a:r>
+              <a:rPr lang="en-US" dirty="0" smtClean="0">
+                <a:hlinkClick r:id="rId2"/>
+              </a:rPr>
+              <a:t>://www.npmjs.com</a:t>
+            </a:r>
+            <a:r>
+              <a:rPr lang="en-US" dirty="0" smtClean="0">
+                <a:hlinkClick r:id="rId2"/>
+              </a:rPr>
+              <a:t>/</a:t>
+            </a:r>
             <a:endParaRPr lang="en-US" dirty="0" smtClean="0"/>
           </a:p>
           <a:p>
-            <a:pPr>
-              <a:buNone/>
-            </a:pPr>
-            <a:r>
-              <a:rPr lang="en-US" dirty="0" err="1" smtClean="0"/>
-              <a:t>fs.readFile</a:t>
-            </a:r>
-            <a:r>
-              <a:rPr lang="en-US" dirty="0" smtClean="0"/>
-              <a:t>(‘./data.txt’,’utf8’,(</a:t>
-            </a:r>
-            <a:r>
-              <a:rPr lang="en-US" dirty="0" err="1" smtClean="0"/>
-              <a:t>err,data</a:t>
-            </a:r>
-            <a:r>
-              <a:rPr lang="en-US" dirty="0" smtClean="0"/>
-              <a:t>) =&gt; {</a:t>
-            </a:r>
-          </a:p>
-          <a:p>
-            <a:pPr>
-              <a:buNone/>
-            </a:pPr>
-            <a:r>
-              <a:rPr lang="en-US" dirty="0" smtClean="0"/>
-              <a:t>	if(err){</a:t>
-            </a:r>
-          </a:p>
-          <a:p>
-            <a:pPr>
-              <a:buNone/>
-            </a:pPr>
-            <a:r>
-              <a:rPr lang="en-US" dirty="0" smtClean="0"/>
-              <a:t>	</a:t>
-            </a:r>
-            <a:r>
-              <a:rPr lang="en-US" dirty="0" smtClean="0"/>
-              <a:t>	return </a:t>
-            </a:r>
-            <a:r>
-              <a:rPr lang="en-US" dirty="0" err="1" smtClean="0"/>
-              <a:t>console.error</a:t>
-            </a:r>
-            <a:r>
-              <a:rPr lang="en-US" dirty="0" smtClean="0"/>
-              <a:t>(err);</a:t>
-            </a:r>
-          </a:p>
-          <a:p>
-            <a:pPr>
-              <a:buNone/>
-            </a:pPr>
-            <a:r>
-              <a:rPr lang="en-US" dirty="0" smtClean="0"/>
-              <a:t>	</a:t>
-            </a:r>
-            <a:r>
-              <a:rPr lang="en-US" dirty="0" smtClean="0"/>
-              <a:t>}</a:t>
-            </a:r>
             <a:endParaRPr lang="en-US" dirty="0" smtClean="0"/>
-          </a:p>
-          <a:p>
-            <a:pPr>
-              <a:buNone/>
-            </a:pPr>
-            <a:r>
-              <a:rPr lang="en-US" dirty="0" smtClean="0"/>
-              <a:t>}</a:t>
-            </a:r>
           </a:p>
         </p:txBody>
       </p:sp>
@@ -8664,6 +8276,13 @@
   <p:clrMapOvr>
     <a:masterClrMapping/>
   </p:clrMapOvr>
+  <p:timing>
+    <p:tnLst>
+      <p:par>
+        <p:cTn id="1" dur="indefinite" restart="never" nodeType="tmRoot"/>
+      </p:par>
+    </p:tnLst>
+  </p:timing>
 </p:sld>
 </file>
 
@@ -8696,46 +8315,128 @@
         </p:nvSpPr>
         <p:spPr/>
         <p:txBody>
+          <a:bodyPr>
+            <a:normAutofit/>
+          </a:bodyPr>
+          <a:lstStyle/>
+          <a:p>
+            <a:r>
+              <a:rPr lang="en-US" dirty="0" smtClean="0"/>
+              <a:t>Practice… Read data from file</a:t>
+            </a:r>
+            <a:endParaRPr lang="en-US" dirty="0"/>
+          </a:p>
+        </p:txBody>
+      </p:sp>
+      <p:sp>
+        <p:nvSpPr>
+          <p:cNvPr id="3" name="Content Placeholder 2"/>
+          <p:cNvSpPr>
+            <a:spLocks noGrp="1"/>
+          </p:cNvSpPr>
+          <p:nvPr>
+            <p:ph idx="1"/>
+          </p:nvPr>
+        </p:nvSpPr>
+        <p:spPr/>
+        <p:txBody>
           <a:bodyPr/>
           <a:lstStyle/>
           <a:p>
-            <a:r>
-              <a:rPr lang="en-US" dirty="0" smtClean="0"/>
-              <a:t>Assignment…</a:t>
-            </a:r>
-            <a:endParaRPr lang="en-US" dirty="0"/>
-          </a:p>
-        </p:txBody>
-      </p:sp>
-      <p:sp>
-        <p:nvSpPr>
-          <p:cNvPr id="3" name="Content Placeholder 2"/>
-          <p:cNvSpPr>
-            <a:spLocks noGrp="1"/>
-          </p:cNvSpPr>
-          <p:nvPr>
-            <p:ph idx="1"/>
-          </p:nvPr>
-        </p:nvSpPr>
-        <p:spPr/>
-        <p:txBody>
-          <a:bodyPr/>
-          <a:lstStyle/>
-          <a:p>
-            <a:r>
-              <a:rPr lang="en-US" dirty="0" smtClean="0"/>
-              <a:t>Load HTML from file to page.</a:t>
-            </a:r>
-          </a:p>
-          <a:p>
+            <a:pPr>
+              <a:buNone/>
+            </a:pPr>
+            <a:r>
+              <a:rPr lang="en-US" dirty="0" smtClean="0"/>
+              <a:t>const </a:t>
+            </a:r>
+            <a:r>
+              <a:rPr lang="en-US" dirty="0" err="1" smtClean="0"/>
+              <a:t>fs</a:t>
+            </a:r>
+            <a:r>
+              <a:rPr lang="en-US" dirty="0" smtClean="0"/>
+              <a:t> = require(“</a:t>
+            </a:r>
+            <a:r>
+              <a:rPr lang="en-US" dirty="0" err="1" smtClean="0"/>
+              <a:t>fs</a:t>
+            </a:r>
+            <a:r>
+              <a:rPr lang="en-US" dirty="0" smtClean="0"/>
+              <a:t>”)</a:t>
+            </a:r>
+          </a:p>
+          <a:p>
+            <a:pPr>
+              <a:buNone/>
+            </a:pPr>
             <a:endParaRPr lang="en-US" dirty="0" smtClean="0"/>
           </a:p>
           <a:p>
-            <a:r>
-              <a:rPr lang="en-US" dirty="0" smtClean="0"/>
-              <a:t>Hints : User HTTP and FS modules in code.</a:t>
-            </a:r>
-            <a:endParaRPr lang="en-US" dirty="0"/>
+            <a:pPr>
+              <a:buNone/>
+            </a:pPr>
+            <a:r>
+              <a:rPr lang="en-US" dirty="0" err="1" smtClean="0"/>
+              <a:t>fs.readFile</a:t>
+            </a:r>
+            <a:r>
+              <a:rPr lang="en-US" dirty="0" smtClean="0"/>
+              <a:t>(‘./data.txt’,’utf8’,(</a:t>
+            </a:r>
+            <a:r>
+              <a:rPr lang="en-US" dirty="0" err="1" smtClean="0"/>
+              <a:t>err,data</a:t>
+            </a:r>
+            <a:r>
+              <a:rPr lang="en-US" dirty="0" smtClean="0"/>
+              <a:t>) =&gt; {</a:t>
+            </a:r>
+          </a:p>
+          <a:p>
+            <a:pPr>
+              <a:buNone/>
+            </a:pPr>
+            <a:r>
+              <a:rPr lang="en-US" dirty="0" smtClean="0"/>
+              <a:t>	if(err){</a:t>
+            </a:r>
+          </a:p>
+          <a:p>
+            <a:pPr>
+              <a:buNone/>
+            </a:pPr>
+            <a:r>
+              <a:rPr lang="en-US" dirty="0" smtClean="0"/>
+              <a:t>		return </a:t>
+            </a:r>
+            <a:r>
+              <a:rPr lang="en-US" dirty="0" err="1" smtClean="0"/>
+              <a:t>console.error</a:t>
+            </a:r>
+            <a:r>
+              <a:rPr lang="en-US" dirty="0" smtClean="0"/>
+              <a:t>(err);</a:t>
+            </a:r>
+          </a:p>
+          <a:p>
+            <a:pPr>
+              <a:buNone/>
+            </a:pPr>
+            <a:r>
+              <a:rPr lang="en-US" dirty="0" smtClean="0"/>
+              <a:t>	}</a:t>
+            </a:r>
+          </a:p>
+          <a:p>
+            <a:pPr>
+              <a:buNone/>
+            </a:pPr>
+            <a:r>
+              <a:rPr lang="en-US" dirty="0" smtClean="0"/>
+              <a:t>}</a:t>
+            </a:r>
           </a:p>
         </p:txBody>
       </p:sp>
@@ -8744,6 +8445,13 @@
   <p:clrMapOvr>
     <a:masterClrMapping/>
   </p:clrMapOvr>
+  <p:timing>
+    <p:tnLst>
+      <p:par>
+        <p:cTn id="1" dur="indefinite" restart="never" nodeType="tmRoot"/>
+      </p:par>
+    </p:tnLst>
+  </p:timing>
 </p:sld>
 </file>
 
@@ -8781,15 +8489,95 @@
           <a:p>
             <a:r>
               <a:rPr lang="en-US" dirty="0" smtClean="0"/>
-              <a:t>Practice… </a:t>
-            </a:r>
-            <a:r>
-              <a:rPr lang="en-US" dirty="0" smtClean="0"/>
-              <a:t>Write </a:t>
-            </a:r>
-            <a:r>
-              <a:rPr lang="en-US" dirty="0" smtClean="0"/>
-              <a:t>data from file</a:t>
+              <a:t>Assignment…</a:t>
+            </a:r>
+            <a:endParaRPr lang="en-US" dirty="0"/>
+          </a:p>
+        </p:txBody>
+      </p:sp>
+      <p:sp>
+        <p:nvSpPr>
+          <p:cNvPr id="3" name="Content Placeholder 2"/>
+          <p:cNvSpPr>
+            <a:spLocks noGrp="1"/>
+          </p:cNvSpPr>
+          <p:nvPr>
+            <p:ph idx="1"/>
+          </p:nvPr>
+        </p:nvSpPr>
+        <p:spPr/>
+        <p:txBody>
+          <a:bodyPr/>
+          <a:lstStyle/>
+          <a:p>
+            <a:r>
+              <a:rPr lang="en-US" dirty="0" smtClean="0"/>
+              <a:t>Load HTML from file to page.</a:t>
+            </a:r>
+          </a:p>
+          <a:p>
+            <a:endParaRPr lang="en-US" dirty="0" smtClean="0"/>
+          </a:p>
+          <a:p>
+            <a:r>
+              <a:rPr lang="en-US" dirty="0" smtClean="0"/>
+              <a:t>Hints : </a:t>
+            </a:r>
+            <a:r>
+              <a:rPr lang="en-US" dirty="0" smtClean="0"/>
+              <a:t>Use </a:t>
+            </a:r>
+            <a:r>
+              <a:rPr lang="en-US" dirty="0" smtClean="0"/>
+              <a:t>HTTP and FS modules in code.</a:t>
+            </a:r>
+            <a:endParaRPr lang="en-US" dirty="0"/>
+          </a:p>
+        </p:txBody>
+      </p:sp>
+    </p:spTree>
+  </p:cSld>
+  <p:clrMapOvr>
+    <a:masterClrMapping/>
+  </p:clrMapOvr>
+</p:sld>
+</file>
+
+<file path=ppt/slides/slide34.xml><?xml version="1.0" encoding="utf-8"?>
+<p:sld xmlns:a="http://schemas.openxmlformats.org/drawingml/2006/main" xmlns:r="http://schemas.openxmlformats.org/officeDocument/2006/relationships" xmlns:p="http://schemas.openxmlformats.org/presentationml/2006/main">
+  <p:cSld>
+    <p:spTree>
+      <p:nvGrpSpPr>
+        <p:cNvPr id="1" name=""/>
+        <p:cNvGrpSpPr/>
+        <p:nvPr/>
+      </p:nvGrpSpPr>
+      <p:grpSpPr>
+        <a:xfrm>
+          <a:off x="0" y="0"/>
+          <a:ext cx="0" cy="0"/>
+          <a:chOff x="0" y="0"/>
+          <a:chExt cx="0" cy="0"/>
+        </a:xfrm>
+      </p:grpSpPr>
+      <p:sp>
+        <p:nvSpPr>
+          <p:cNvPr id="2" name="Title 1"/>
+          <p:cNvSpPr>
+            <a:spLocks noGrp="1"/>
+          </p:cNvSpPr>
+          <p:nvPr>
+            <p:ph type="title"/>
+          </p:nvPr>
+        </p:nvSpPr>
+        <p:spPr/>
+        <p:txBody>
+          <a:bodyPr/>
+          <a:lstStyle/>
+          <a:p>
+            <a:r>
+              <a:rPr lang="en-US" dirty="0" smtClean="0"/>
+              <a:t>Practice… Write data from file</a:t>
             </a:r>
             <a:endParaRPr lang="en-US" dirty="0"/>
           </a:p>
@@ -8854,19 +8642,11 @@
             </a:r>
             <a:r>
               <a:rPr lang="en-US" dirty="0" err="1" smtClean="0"/>
-              <a:t>data.txt</a:t>
-            </a:r>
-            <a:r>
-              <a:rPr lang="en-US" dirty="0" err="1" smtClean="0"/>
-              <a:t>’,’This</a:t>
-            </a:r>
-            <a:r>
-              <a:rPr lang="en-US" dirty="0" smtClean="0"/>
-              <a:t> is a message from Node JS’,’utf8</a:t>
-            </a:r>
-            <a:r>
-              <a:rPr lang="en-US" dirty="0" smtClean="0"/>
-              <a:t>’,(</a:t>
+              <a:t>data.txt’,’This</a:t>
+            </a:r>
+            <a:r>
+              <a:rPr lang="en-US" dirty="0" smtClean="0"/>
+              <a:t> is a message from Node JS’,’utf8’,(</a:t>
             </a:r>
             <a:r>
               <a:rPr lang="en-US" dirty="0" err="1" smtClean="0"/>
@@ -8919,6 +8699,119 @@
             <a:r>
               <a:rPr lang="en-US" dirty="0" smtClean="0"/>
               <a:t>}</a:t>
+            </a:r>
+            <a:endParaRPr lang="en-US" dirty="0"/>
+          </a:p>
+        </p:txBody>
+      </p:sp>
+    </p:spTree>
+  </p:cSld>
+  <p:clrMapOvr>
+    <a:masterClrMapping/>
+  </p:clrMapOvr>
+</p:sld>
+</file>
+
+<file path=ppt/slides/slide35.xml><?xml version="1.0" encoding="utf-8"?>
+<p:sld xmlns:a="http://schemas.openxmlformats.org/drawingml/2006/main" xmlns:r="http://schemas.openxmlformats.org/officeDocument/2006/relationships" xmlns:p="http://schemas.openxmlformats.org/presentationml/2006/main">
+  <p:cSld>
+    <p:spTree>
+      <p:nvGrpSpPr>
+        <p:cNvPr id="1" name=""/>
+        <p:cNvGrpSpPr/>
+        <p:nvPr/>
+      </p:nvGrpSpPr>
+      <p:grpSpPr>
+        <a:xfrm>
+          <a:off x="0" y="0"/>
+          <a:ext cx="0" cy="0"/>
+          <a:chOff x="0" y="0"/>
+          <a:chExt cx="0" cy="0"/>
+        </a:xfrm>
+      </p:grpSpPr>
+      <p:sp>
+        <p:nvSpPr>
+          <p:cNvPr id="2" name="Title 1"/>
+          <p:cNvSpPr>
+            <a:spLocks noGrp="1"/>
+          </p:cNvSpPr>
+          <p:nvPr>
+            <p:ph type="title"/>
+          </p:nvPr>
+        </p:nvSpPr>
+        <p:spPr/>
+        <p:txBody>
+          <a:bodyPr/>
+          <a:lstStyle/>
+          <a:p>
+            <a:r>
+              <a:rPr lang="en-US" dirty="0" smtClean="0"/>
+              <a:t>Assignment…</a:t>
+            </a:r>
+            <a:endParaRPr lang="en-US" dirty="0"/>
+          </a:p>
+        </p:txBody>
+      </p:sp>
+      <p:sp>
+        <p:nvSpPr>
+          <p:cNvPr id="3" name="Content Placeholder 2"/>
+          <p:cNvSpPr>
+            <a:spLocks noGrp="1"/>
+          </p:cNvSpPr>
+          <p:nvPr>
+            <p:ph idx="1"/>
+          </p:nvPr>
+        </p:nvSpPr>
+        <p:spPr/>
+        <p:txBody>
+          <a:bodyPr/>
+          <a:lstStyle/>
+          <a:p>
+            <a:r>
+              <a:rPr lang="en-US" dirty="0" smtClean="0"/>
+              <a:t>Write a program which convert CSV file content into JSON data.</a:t>
+            </a:r>
+          </a:p>
+          <a:p>
+            <a:endParaRPr lang="en-US" dirty="0" smtClean="0"/>
+          </a:p>
+          <a:p>
+            <a:r>
+              <a:rPr lang="en-US" dirty="0" smtClean="0"/>
+              <a:t>Write a program which accept </a:t>
+            </a:r>
+            <a:r>
+              <a:rPr lang="en-US" dirty="0" err="1" smtClean="0"/>
+              <a:t>cityname</a:t>
+            </a:r>
+            <a:r>
+              <a:rPr lang="en-US" dirty="0" smtClean="0"/>
+              <a:t> in command line argument and return with message after find the city name on https://www.foodpanda.com.</a:t>
+            </a:r>
+          </a:p>
+          <a:p>
+            <a:pPr lvl="1">
+              <a:buNone/>
+            </a:pPr>
+            <a:r>
+              <a:rPr lang="en-US" dirty="0" smtClean="0"/>
+              <a:t>Output: “</a:t>
+            </a:r>
+            <a:r>
+              <a:rPr lang="en-US" dirty="0" err="1" smtClean="0"/>
+              <a:t>Foodpanda</a:t>
+            </a:r>
+            <a:r>
+              <a:rPr lang="en-US" dirty="0" smtClean="0"/>
+              <a:t> is delivery in &lt;</a:t>
+            </a:r>
+            <a:r>
+              <a:rPr lang="en-US" dirty="0" err="1" smtClean="0"/>
+              <a:t>cityname</a:t>
+            </a:r>
+            <a:r>
+              <a:rPr lang="en-US" dirty="0" smtClean="0"/>
+              <a:t>&gt;”.</a:t>
             </a:r>
             <a:endParaRPr lang="en-US" dirty="0"/>
           </a:p>
@@ -8966,11 +8859,7 @@
           <a:p>
             <a:r>
               <a:rPr lang="en-US" dirty="0" smtClean="0"/>
-              <a:t>Outline : </a:t>
-            </a:r>
-            <a:r>
-              <a:rPr lang="en-US" dirty="0" smtClean="0"/>
-              <a:t>Node JS</a:t>
+              <a:t>Outline : Node JS</a:t>
             </a:r>
             <a:endParaRPr lang="en-US" dirty="0"/>
           </a:p>
@@ -9230,11 +9119,7 @@
           <a:p>
             <a:r>
               <a:rPr lang="en-US" dirty="0" smtClean="0"/>
-              <a:t>Why Node </a:t>
-            </a:r>
-            <a:r>
-              <a:rPr lang="en-US" dirty="0" smtClean="0"/>
-              <a:t>JS?</a:t>
+              <a:t>Why Node JS?</a:t>
             </a:r>
             <a:endParaRPr lang="en-US" dirty="0"/>
           </a:p>
@@ -9259,11 +9144,7 @@
           <a:p>
             <a:r>
               <a:rPr lang="en-US" dirty="0" smtClean="0"/>
-              <a:t>“Node's goal is to provide an easy way to build scalable programs</a:t>
-            </a:r>
-            <a:r>
-              <a:rPr lang="en-US" dirty="0" smtClean="0"/>
-              <a:t>”</a:t>
+              <a:t>“Node's goal is to provide an easy way to build scalable programs”</a:t>
             </a:r>
           </a:p>
           <a:p>
@@ -9407,11 +9288,7 @@
           <a:p>
             <a:r>
               <a:rPr lang="en-US" dirty="0" smtClean="0"/>
-              <a:t>What is Node </a:t>
-            </a:r>
-            <a:r>
-              <a:rPr lang="en-US" dirty="0" smtClean="0"/>
-              <a:t>JS?</a:t>
+              <a:t>What is Node JS?</a:t>
             </a:r>
             <a:endParaRPr lang="en-US" dirty="0"/>
           </a:p>
@@ -9434,13 +9311,8 @@
           <a:p>
             <a:r>
               <a:rPr lang="en-IN" altLang="en-US" dirty="0" smtClean="0"/>
-              <a:t>Asynchronous i/o </a:t>
-            </a:r>
-            <a:r>
-              <a:rPr lang="en-IN" altLang="en-US" dirty="0" smtClean="0"/>
-              <a:t>framework</a:t>
-            </a:r>
-            <a:endParaRPr lang="en-IN" altLang="en-US" dirty="0" smtClean="0"/>
+              <a:t>Asynchronous i/o framework</a:t>
+            </a:r>
           </a:p>
           <a:p>
             <a:r>
@@ -9543,11 +9415,7 @@
           <a:p>
             <a:r>
               <a:rPr lang="en-US" dirty="0" smtClean="0"/>
-              <a:t>What is unique about Node </a:t>
-            </a:r>
-            <a:r>
-              <a:rPr lang="en-US" dirty="0" smtClean="0"/>
-              <a:t>JS</a:t>
+              <a:t>What is unique about Node JS</a:t>
             </a:r>
             <a:endParaRPr lang="en-US" dirty="0"/>
           </a:p>
@@ -9701,11 +9569,7 @@
             </a:r>
             <a:r>
               <a:rPr lang="en-US" dirty="0" smtClean="0"/>
-              <a:t> </a:t>
-            </a:r>
-            <a:r>
-              <a:rPr lang="en-US" dirty="0" smtClean="0"/>
-              <a:t>Non-Blocking</a:t>
+              <a:t> Non-Blocking</a:t>
             </a:r>
             <a:endParaRPr lang="en-US" dirty="0"/>
           </a:p>
@@ -9728,13 +9592,8 @@
           <a:p>
             <a:r>
               <a:rPr lang="en-IN" altLang="en-US" dirty="0" smtClean="0"/>
-              <a:t>Example :: Read data from file and show </a:t>
-            </a:r>
-            <a:r>
-              <a:rPr lang="en-IN" altLang="en-US" dirty="0" smtClean="0"/>
-              <a:t>data</a:t>
-            </a:r>
-            <a:endParaRPr lang="en-IN" altLang="en-US" dirty="0" smtClean="0"/>
+              <a:t>Example :: Read data from file and show data</a:t>
+            </a:r>
           </a:p>
           <a:p>
             <a:endParaRPr lang="en-US" dirty="0"/>

--- a/MEAN Stack Workshop.pptx
+++ b/MEAN Stack Workshop.pptx
@@ -5,7 +5,7 @@
     <p:sldMasterId id="2147483660" r:id="rId1"/>
   </p:sldMasterIdLst>
   <p:notesMasterIdLst>
-    <p:notesMasterId r:id="rId37"/>
+    <p:notesMasterId r:id="rId52"/>
   </p:notesMasterIdLst>
   <p:sldIdLst>
     <p:sldId id="256" r:id="rId2"/>
@@ -43,6 +43,21 @@
     <p:sldId id="286" r:id="rId34"/>
     <p:sldId id="287" r:id="rId35"/>
     <p:sldId id="289" r:id="rId36"/>
+    <p:sldId id="291" r:id="rId37"/>
+    <p:sldId id="292" r:id="rId38"/>
+    <p:sldId id="293" r:id="rId39"/>
+    <p:sldId id="294" r:id="rId40"/>
+    <p:sldId id="295" r:id="rId41"/>
+    <p:sldId id="296" r:id="rId42"/>
+    <p:sldId id="297" r:id="rId43"/>
+    <p:sldId id="298" r:id="rId44"/>
+    <p:sldId id="299" r:id="rId45"/>
+    <p:sldId id="300" r:id="rId46"/>
+    <p:sldId id="301" r:id="rId47"/>
+    <p:sldId id="302" r:id="rId48"/>
+    <p:sldId id="303" r:id="rId49"/>
+    <p:sldId id="304" r:id="rId50"/>
+    <p:sldId id="305" r:id="rId51"/>
   </p:sldIdLst>
   <p:sldSz cx="9144000" cy="6858000" type="screen4x3"/>
   <p:notesSz cx="6858000" cy="9144000"/>
@@ -227,7 +242,7 @@
             <a:fld id="{32B86DEE-773E-43AE-9ECA-E0C79A981448}" type="datetimeFigureOut">
               <a:rPr lang="en-US" smtClean="0"/>
               <a:pPr/>
-              <a:t>12/4/2019</a:t>
+              <a:t>12/16/2019</a:t>
             </a:fld>
             <a:endParaRPr lang="en-US"/>
           </a:p>
@@ -1234,7 +1249,7 @@
             <a:fld id="{051B7C22-4A45-4025-8681-ED0403F46852}" type="datetimeFigureOut">
               <a:rPr lang="en-US" smtClean="0"/>
               <a:pPr/>
-              <a:t>12/4/2019</a:t>
+              <a:t>12/16/2019</a:t>
             </a:fld>
             <a:endParaRPr lang="en-US"/>
           </a:p>
@@ -1419,7 +1434,7 @@
             <a:fld id="{051B7C22-4A45-4025-8681-ED0403F46852}" type="datetimeFigureOut">
               <a:rPr lang="en-US" smtClean="0"/>
               <a:pPr/>
-              <a:t>12/4/2019</a:t>
+              <a:t>12/16/2019</a:t>
             </a:fld>
             <a:endParaRPr lang="en-US"/>
           </a:p>
@@ -1596,7 +1611,7 @@
             <a:fld id="{051B7C22-4A45-4025-8681-ED0403F46852}" type="datetimeFigureOut">
               <a:rPr lang="en-US" smtClean="0"/>
               <a:pPr/>
-              <a:t>12/4/2019</a:t>
+              <a:t>12/16/2019</a:t>
             </a:fld>
             <a:endParaRPr lang="en-US"/>
           </a:p>
@@ -1763,7 +1778,7 @@
             <a:fld id="{051B7C22-4A45-4025-8681-ED0403F46852}" type="datetimeFigureOut">
               <a:rPr lang="en-US" smtClean="0"/>
               <a:pPr/>
-              <a:t>12/4/2019</a:t>
+              <a:t>12/16/2019</a:t>
             </a:fld>
             <a:endParaRPr lang="en-US"/>
           </a:p>
@@ -1986,7 +2001,7 @@
             <a:fld id="{051B7C22-4A45-4025-8681-ED0403F46852}" type="datetimeFigureOut">
               <a:rPr lang="en-US" smtClean="0"/>
               <a:pPr/>
-              <a:t>12/4/2019</a:t>
+              <a:t>12/16/2019</a:t>
             </a:fld>
             <a:endParaRPr lang="en-US"/>
           </a:p>
@@ -2247,7 +2262,7 @@
             <a:fld id="{051B7C22-4A45-4025-8681-ED0403F46852}" type="datetimeFigureOut">
               <a:rPr lang="en-US" smtClean="0"/>
               <a:pPr/>
-              <a:t>12/4/2019</a:t>
+              <a:t>12/16/2019</a:t>
             </a:fld>
             <a:endParaRPr lang="en-US"/>
           </a:p>
@@ -2653,7 +2668,7 @@
             <a:fld id="{051B7C22-4A45-4025-8681-ED0403F46852}" type="datetimeFigureOut">
               <a:rPr lang="en-US" smtClean="0"/>
               <a:pPr/>
-              <a:t>12/4/2019</a:t>
+              <a:t>12/16/2019</a:t>
             </a:fld>
             <a:endParaRPr lang="en-US"/>
           </a:p>
@@ -2786,7 +2801,7 @@
             <a:fld id="{051B7C22-4A45-4025-8681-ED0403F46852}" type="datetimeFigureOut">
               <a:rPr lang="en-US" smtClean="0"/>
               <a:pPr/>
-              <a:t>12/4/2019</a:t>
+              <a:t>12/16/2019</a:t>
             </a:fld>
             <a:endParaRPr lang="en-US"/>
           </a:p>
@@ -2888,7 +2903,7 @@
             <a:fld id="{051B7C22-4A45-4025-8681-ED0403F46852}" type="datetimeFigureOut">
               <a:rPr lang="en-US" smtClean="0"/>
               <a:pPr/>
-              <a:t>12/4/2019</a:t>
+              <a:t>12/16/2019</a:t>
             </a:fld>
             <a:endParaRPr lang="en-US"/>
           </a:p>
@@ -3135,7 +3150,7 @@
             <a:fld id="{051B7C22-4A45-4025-8681-ED0403F46852}" type="datetimeFigureOut">
               <a:rPr lang="en-US" smtClean="0"/>
               <a:pPr/>
-              <a:t>12/4/2019</a:t>
+              <a:t>12/16/2019</a:t>
             </a:fld>
             <a:endParaRPr lang="en-US"/>
           </a:p>
@@ -3381,7 +3396,7 @@
             <a:fld id="{051B7C22-4A45-4025-8681-ED0403F46852}" type="datetimeFigureOut">
               <a:rPr lang="en-US" smtClean="0"/>
               <a:pPr/>
-              <a:t>12/4/2019</a:t>
+              <a:t>12/16/2019</a:t>
             </a:fld>
             <a:endParaRPr lang="en-US"/>
           </a:p>
@@ -4207,7 +4222,7 @@
             <a:fld id="{051B7C22-4A45-4025-8681-ED0403F46852}" type="datetimeFigureOut">
               <a:rPr lang="en-US" smtClean="0"/>
               <a:pPr/>
-              <a:t>12/4/2019</a:t>
+              <a:t>12/16/2019</a:t>
             </a:fld>
             <a:endParaRPr lang="en-US"/>
           </a:p>
@@ -4646,6 +4661,32 @@
           </a:p>
         </p:txBody>
       </p:sp>
+      <p:pic>
+        <p:nvPicPr>
+          <p:cNvPr id="4" name="Picture 2" descr="C:\Users\Anand Kumar\Desktop\logo (1).png"/>
+          <p:cNvPicPr>
+            <a:picLocks noChangeAspect="1" noChangeArrowheads="1"/>
+          </p:cNvPicPr>
+          <p:nvPr/>
+        </p:nvPicPr>
+        <p:blipFill>
+          <a:blip r:embed="rId2"/>
+          <a:srcRect/>
+          <a:stretch>
+            <a:fillRect/>
+          </a:stretch>
+        </p:blipFill>
+        <p:spPr bwMode="auto">
+          <a:xfrm>
+            <a:off x="533400" y="5105400"/>
+            <a:ext cx="4114800" cy="1008530"/>
+          </a:xfrm>
+          <a:prstGeom prst="rect">
+            <a:avLst/>
+          </a:prstGeom>
+          <a:noFill/>
+        </p:spPr>
+      </p:pic>
     </p:spTree>
   </p:cSld>
   <p:clrMapOvr>
@@ -8250,19 +8291,7 @@
               <a:rPr lang="en-US" dirty="0" smtClean="0">
                 <a:hlinkClick r:id="rId2"/>
               </a:rPr>
-              <a:t>https</a:t>
-            </a:r>
-            <a:r>
-              <a:rPr lang="en-US" dirty="0" smtClean="0">
-                <a:hlinkClick r:id="rId2"/>
-              </a:rPr>
-              <a:t>://www.npmjs.com</a:t>
-            </a:r>
-            <a:r>
-              <a:rPr lang="en-US" dirty="0" smtClean="0">
-                <a:hlinkClick r:id="rId2"/>
-              </a:rPr>
-              <a:t>/</a:t>
+              <a:t>https://www.npmjs.com/</a:t>
             </a:r>
             <a:endParaRPr lang="en-US" dirty="0" smtClean="0"/>
           </a:p>
@@ -8521,15 +8550,7 @@
           <a:p>
             <a:r>
               <a:rPr lang="en-US" dirty="0" smtClean="0"/>
-              <a:t>Hints : </a:t>
-            </a:r>
-            <a:r>
-              <a:rPr lang="en-US" dirty="0" smtClean="0"/>
-              <a:t>Use </a:t>
-            </a:r>
-            <a:r>
-              <a:rPr lang="en-US" dirty="0" smtClean="0"/>
-              <a:t>HTTP and FS modules in code.</a:t>
+              <a:t>Hints : Use HTTP and FS modules in code.</a:t>
             </a:r>
             <a:endParaRPr lang="en-US" dirty="0"/>
           </a:p>
@@ -8825,6 +8846,458 @@
 </p:sld>
 </file>
 
+<file path=ppt/slides/slide36.xml><?xml version="1.0" encoding="utf-8"?>
+<p:sld xmlns:a="http://schemas.openxmlformats.org/drawingml/2006/main" xmlns:r="http://schemas.openxmlformats.org/officeDocument/2006/relationships" xmlns:p="http://schemas.openxmlformats.org/presentationml/2006/main">
+  <p:cSld>
+    <p:spTree>
+      <p:nvGrpSpPr>
+        <p:cNvPr id="1" name=""/>
+        <p:cNvGrpSpPr/>
+        <p:nvPr/>
+      </p:nvGrpSpPr>
+      <p:grpSpPr>
+        <a:xfrm>
+          <a:off x="0" y="0"/>
+          <a:ext cx="0" cy="0"/>
+          <a:chOff x="0" y="0"/>
+          <a:chExt cx="0" cy="0"/>
+        </a:xfrm>
+      </p:grpSpPr>
+      <p:sp>
+        <p:nvSpPr>
+          <p:cNvPr id="2" name="Title 1"/>
+          <p:cNvSpPr>
+            <a:spLocks noGrp="1"/>
+          </p:cNvSpPr>
+          <p:nvPr>
+            <p:ph type="title"/>
+          </p:nvPr>
+        </p:nvSpPr>
+        <p:spPr/>
+        <p:txBody>
+          <a:bodyPr/>
+          <a:lstStyle/>
+          <a:p>
+            <a:r>
+              <a:rPr lang="en-US" dirty="0" smtClean="0"/>
+              <a:t>Event &amp; Event Emitter</a:t>
+            </a:r>
+            <a:endParaRPr lang="en-US" dirty="0"/>
+          </a:p>
+        </p:txBody>
+      </p:sp>
+      <p:sp>
+        <p:nvSpPr>
+          <p:cNvPr id="3" name="Content Placeholder 2"/>
+          <p:cNvSpPr>
+            <a:spLocks noGrp="1"/>
+          </p:cNvSpPr>
+          <p:nvPr>
+            <p:ph idx="1"/>
+          </p:nvPr>
+        </p:nvSpPr>
+        <p:spPr/>
+        <p:txBody>
+          <a:bodyPr>
+            <a:normAutofit/>
+          </a:bodyPr>
+          <a:lstStyle/>
+          <a:p>
+            <a:pPr lvl="1">
+              <a:buNone/>
+            </a:pPr>
+            <a:endParaRPr lang="en-US" sz="2000" dirty="0" smtClean="0"/>
+          </a:p>
+          <a:p>
+            <a:pPr lvl="1">
+              <a:buNone/>
+            </a:pPr>
+            <a:endParaRPr lang="en-US" sz="2000" dirty="0" smtClean="0"/>
+          </a:p>
+          <a:p>
+            <a:pPr lvl="1">
+              <a:buNone/>
+            </a:pPr>
+            <a:r>
+              <a:rPr lang="en-US" sz="2000" dirty="0" smtClean="0"/>
+              <a:t>$('#</a:t>
+            </a:r>
+            <a:r>
+              <a:rPr lang="en-US" sz="2000" dirty="0" err="1" smtClean="0"/>
+              <a:t>toBeClicked</a:t>
+            </a:r>
+            <a:r>
+              <a:rPr lang="en-US" sz="2000" dirty="0" smtClean="0"/>
+              <a:t>').on('click', function() { alert('clicked') })</a:t>
+            </a:r>
+          </a:p>
+          <a:p>
+            <a:endParaRPr lang="en-US" sz="2200" dirty="0" smtClean="0"/>
+          </a:p>
+          <a:p>
+            <a:endParaRPr lang="en-US" sz="2400" dirty="0" smtClean="0"/>
+          </a:p>
+          <a:p>
+            <a:r>
+              <a:rPr lang="en-US" sz="2400" dirty="0" smtClean="0"/>
+              <a:t>Here we handle a </a:t>
+            </a:r>
+            <a:r>
+              <a:rPr lang="en-US" sz="2400" b="1" i="1" dirty="0" smtClean="0"/>
+              <a:t>click</a:t>
+            </a:r>
+            <a:r>
+              <a:rPr lang="en-US" sz="2400" i="1" dirty="0" smtClean="0"/>
+              <a:t> event</a:t>
+            </a:r>
+            <a:r>
+              <a:rPr lang="en-US" sz="2400" dirty="0" smtClean="0"/>
+              <a:t> on the element with id ‘</a:t>
+            </a:r>
+            <a:r>
+              <a:rPr lang="en-US" sz="2400" dirty="0" err="1" smtClean="0"/>
+              <a:t>toBeClicked</a:t>
+            </a:r>
+            <a:r>
+              <a:rPr lang="en-US" sz="2400" dirty="0" smtClean="0"/>
+              <a:t>’. When the element is clicked, a ‘click’ event is emitted which is handled.</a:t>
+            </a:r>
+          </a:p>
+          <a:p>
+            <a:endParaRPr lang="en-US" sz="2200" dirty="0" smtClean="0"/>
+          </a:p>
+        </p:txBody>
+      </p:sp>
+    </p:spTree>
+  </p:cSld>
+  <p:clrMapOvr>
+    <a:masterClrMapping/>
+  </p:clrMapOvr>
+</p:sld>
+</file>
+
+<file path=ppt/slides/slide37.xml><?xml version="1.0" encoding="utf-8"?>
+<p:sld xmlns:a="http://schemas.openxmlformats.org/drawingml/2006/main" xmlns:r="http://schemas.openxmlformats.org/officeDocument/2006/relationships" xmlns:p="http://schemas.openxmlformats.org/presentationml/2006/main">
+  <p:cSld>
+    <p:spTree>
+      <p:nvGrpSpPr>
+        <p:cNvPr id="1" name=""/>
+        <p:cNvGrpSpPr/>
+        <p:nvPr/>
+      </p:nvGrpSpPr>
+      <p:grpSpPr>
+        <a:xfrm>
+          <a:off x="0" y="0"/>
+          <a:ext cx="0" cy="0"/>
+          <a:chOff x="0" y="0"/>
+          <a:chExt cx="0" cy="0"/>
+        </a:xfrm>
+      </p:grpSpPr>
+      <p:sp>
+        <p:nvSpPr>
+          <p:cNvPr id="2" name="Title 1"/>
+          <p:cNvSpPr>
+            <a:spLocks noGrp="1"/>
+          </p:cNvSpPr>
+          <p:nvPr>
+            <p:ph type="title"/>
+          </p:nvPr>
+        </p:nvSpPr>
+        <p:spPr/>
+        <p:txBody>
+          <a:bodyPr/>
+          <a:lstStyle/>
+          <a:p>
+            <a:r>
+              <a:rPr lang="en-US" dirty="0" smtClean="0"/>
+              <a:t>Event &amp; Event Emitter</a:t>
+            </a:r>
+            <a:endParaRPr lang="en-US" dirty="0"/>
+          </a:p>
+        </p:txBody>
+      </p:sp>
+      <p:sp>
+        <p:nvSpPr>
+          <p:cNvPr id="3" name="Content Placeholder 2"/>
+          <p:cNvSpPr>
+            <a:spLocks noGrp="1"/>
+          </p:cNvSpPr>
+          <p:nvPr>
+            <p:ph idx="1"/>
+          </p:nvPr>
+        </p:nvSpPr>
+        <p:spPr/>
+        <p:txBody>
+          <a:bodyPr>
+            <a:normAutofit/>
+          </a:bodyPr>
+          <a:lstStyle/>
+          <a:p>
+            <a:r>
+              <a:rPr lang="en-US" dirty="0" err="1" smtClean="0"/>
+              <a:t>EventEmitters</a:t>
+            </a:r>
+            <a:r>
+              <a:rPr lang="en-US" dirty="0" smtClean="0"/>
+              <a:t> are basically an Object that creates/dispatches multiple signals types on demand and usually use Strings to define the message name.</a:t>
+            </a:r>
+          </a:p>
+          <a:p>
+            <a:r>
+              <a:rPr lang="en-US" dirty="0" smtClean="0"/>
+              <a:t>Node.js uses </a:t>
+            </a:r>
+            <a:r>
+              <a:rPr lang="en-US" dirty="0" err="1" smtClean="0"/>
+              <a:t>EventEmitter</a:t>
+            </a:r>
+            <a:r>
+              <a:rPr lang="en-US" dirty="0" smtClean="0"/>
+              <a:t> internally a lot but creates some callback-like APIs to abstract/simplify the process, like the </a:t>
+            </a:r>
+            <a:r>
+              <a:rPr lang="en-US" dirty="0" err="1" smtClean="0"/>
+              <a:t>http.createServer</a:t>
+            </a:r>
+            <a:r>
+              <a:rPr lang="en-US" dirty="0" smtClean="0"/>
+              <a:t> method:</a:t>
+            </a:r>
+          </a:p>
+          <a:p>
+            <a:pPr lvl="1"/>
+            <a:r>
+              <a:rPr lang="en-US" dirty="0" err="1" smtClean="0"/>
+              <a:t>http.createServer</a:t>
+            </a:r>
+            <a:r>
+              <a:rPr lang="en-US" dirty="0" smtClean="0"/>
+              <a:t>(</a:t>
+            </a:r>
+            <a:r>
+              <a:rPr lang="en-US" dirty="0" err="1" smtClean="0"/>
+              <a:t>sample_function</a:t>
+            </a:r>
+            <a:r>
+              <a:rPr lang="en-US" dirty="0" smtClean="0"/>
+              <a:t>).listen(8080);</a:t>
+            </a:r>
+          </a:p>
+          <a:p>
+            <a:pPr lvl="1"/>
+            <a:endParaRPr lang="en-US" dirty="0" smtClean="0"/>
+          </a:p>
+        </p:txBody>
+      </p:sp>
+    </p:spTree>
+  </p:cSld>
+  <p:clrMapOvr>
+    <a:masterClrMapping/>
+  </p:clrMapOvr>
+</p:sld>
+</file>
+
+<file path=ppt/slides/slide38.xml><?xml version="1.0" encoding="utf-8"?>
+<p:sld xmlns:a="http://schemas.openxmlformats.org/drawingml/2006/main" xmlns:r="http://schemas.openxmlformats.org/officeDocument/2006/relationships" xmlns:p="http://schemas.openxmlformats.org/presentationml/2006/main">
+  <p:cSld>
+    <p:spTree>
+      <p:nvGrpSpPr>
+        <p:cNvPr id="1" name=""/>
+        <p:cNvGrpSpPr/>
+        <p:nvPr/>
+      </p:nvGrpSpPr>
+      <p:grpSpPr>
+        <a:xfrm>
+          <a:off x="0" y="0"/>
+          <a:ext cx="0" cy="0"/>
+          <a:chOff x="0" y="0"/>
+          <a:chExt cx="0" cy="0"/>
+        </a:xfrm>
+      </p:grpSpPr>
+      <p:sp>
+        <p:nvSpPr>
+          <p:cNvPr id="2" name="Title 1"/>
+          <p:cNvSpPr>
+            <a:spLocks noGrp="1"/>
+          </p:cNvSpPr>
+          <p:nvPr>
+            <p:ph type="title"/>
+          </p:nvPr>
+        </p:nvSpPr>
+        <p:spPr/>
+        <p:txBody>
+          <a:bodyPr/>
+          <a:lstStyle/>
+          <a:p>
+            <a:r>
+              <a:rPr lang="en-US" dirty="0" smtClean="0"/>
+              <a:t>Event &amp; Event Emitter</a:t>
+            </a:r>
+            <a:endParaRPr lang="en-US" dirty="0"/>
+          </a:p>
+        </p:txBody>
+      </p:sp>
+      <p:sp>
+        <p:nvSpPr>
+          <p:cNvPr id="3" name="Content Placeholder 2"/>
+          <p:cNvSpPr>
+            <a:spLocks noGrp="1"/>
+          </p:cNvSpPr>
+          <p:nvPr>
+            <p:ph idx="1"/>
+          </p:nvPr>
+        </p:nvSpPr>
+        <p:spPr/>
+        <p:txBody>
+          <a:bodyPr>
+            <a:normAutofit/>
+          </a:bodyPr>
+          <a:lstStyle/>
+          <a:p>
+            <a:pPr lvl="1"/>
+            <a:endParaRPr lang="en-US" dirty="0" smtClean="0"/>
+          </a:p>
+        </p:txBody>
+      </p:sp>
+      <p:pic>
+        <p:nvPicPr>
+          <p:cNvPr id="2050" name="Picture 2" descr="C:\Users\Anand Kumar\Desktop\Capture1.PNG"/>
+          <p:cNvPicPr>
+            <a:picLocks noChangeAspect="1" noChangeArrowheads="1"/>
+          </p:cNvPicPr>
+          <p:nvPr/>
+        </p:nvPicPr>
+        <p:blipFill>
+          <a:blip r:embed="rId2"/>
+          <a:srcRect/>
+          <a:stretch>
+            <a:fillRect/>
+          </a:stretch>
+        </p:blipFill>
+        <p:spPr bwMode="auto">
+          <a:xfrm>
+            <a:off x="1524000" y="2362200"/>
+            <a:ext cx="5181600" cy="4042528"/>
+          </a:xfrm>
+          <a:prstGeom prst="rect">
+            <a:avLst/>
+          </a:prstGeom>
+          <a:noFill/>
+        </p:spPr>
+      </p:pic>
+    </p:spTree>
+  </p:cSld>
+  <p:clrMapOvr>
+    <a:masterClrMapping/>
+  </p:clrMapOvr>
+</p:sld>
+</file>
+
+<file path=ppt/slides/slide39.xml><?xml version="1.0" encoding="utf-8"?>
+<p:sld xmlns:a="http://schemas.openxmlformats.org/drawingml/2006/main" xmlns:r="http://schemas.openxmlformats.org/officeDocument/2006/relationships" xmlns:p="http://schemas.openxmlformats.org/presentationml/2006/main">
+  <p:cSld>
+    <p:spTree>
+      <p:nvGrpSpPr>
+        <p:cNvPr id="1" name=""/>
+        <p:cNvGrpSpPr/>
+        <p:nvPr/>
+      </p:nvGrpSpPr>
+      <p:grpSpPr>
+        <a:xfrm>
+          <a:off x="0" y="0"/>
+          <a:ext cx="0" cy="0"/>
+          <a:chOff x="0" y="0"/>
+          <a:chExt cx="0" cy="0"/>
+        </a:xfrm>
+      </p:grpSpPr>
+      <p:sp>
+        <p:nvSpPr>
+          <p:cNvPr id="2" name="Title 1"/>
+          <p:cNvSpPr>
+            <a:spLocks noGrp="1"/>
+          </p:cNvSpPr>
+          <p:nvPr>
+            <p:ph type="title"/>
+          </p:nvPr>
+        </p:nvSpPr>
+        <p:spPr/>
+        <p:txBody>
+          <a:bodyPr/>
+          <a:lstStyle/>
+          <a:p>
+            <a:r>
+              <a:rPr lang="en-US" dirty="0" smtClean="0"/>
+              <a:t>Example..</a:t>
+            </a:r>
+            <a:endParaRPr lang="en-US" dirty="0"/>
+          </a:p>
+        </p:txBody>
+      </p:sp>
+      <p:sp>
+        <p:nvSpPr>
+          <p:cNvPr id="3" name="Content Placeholder 2"/>
+          <p:cNvSpPr>
+            <a:spLocks noGrp="1"/>
+          </p:cNvSpPr>
+          <p:nvPr>
+            <p:ph idx="1"/>
+          </p:nvPr>
+        </p:nvSpPr>
+        <p:spPr/>
+        <p:txBody>
+          <a:bodyPr>
+            <a:normAutofit/>
+          </a:bodyPr>
+          <a:lstStyle/>
+          <a:p>
+            <a:pPr>
+              <a:buNone/>
+            </a:pPr>
+            <a:endParaRPr lang="en-US" dirty="0"/>
+          </a:p>
+        </p:txBody>
+      </p:sp>
+      <p:pic>
+        <p:nvPicPr>
+          <p:cNvPr id="1026" name="Picture 2"/>
+          <p:cNvPicPr>
+            <a:picLocks noChangeAspect="1" noChangeArrowheads="1"/>
+          </p:cNvPicPr>
+          <p:nvPr/>
+        </p:nvPicPr>
+        <p:blipFill>
+          <a:blip r:embed="rId2"/>
+          <a:srcRect/>
+          <a:stretch>
+            <a:fillRect/>
+          </a:stretch>
+        </p:blipFill>
+        <p:spPr bwMode="auto">
+          <a:xfrm>
+            <a:off x="533400" y="2286000"/>
+            <a:ext cx="7808068" cy="3657600"/>
+          </a:xfrm>
+          <a:prstGeom prst="rect">
+            <a:avLst/>
+          </a:prstGeom>
+          <a:noFill/>
+          <a:ln w="9525">
+            <a:noFill/>
+            <a:miter lim="800000"/>
+            <a:headEnd/>
+            <a:tailEnd/>
+          </a:ln>
+          <a:effectLst/>
+        </p:spPr>
+      </p:pic>
+    </p:spTree>
+  </p:cSld>
+  <p:clrMapOvr>
+    <a:masterClrMapping/>
+  </p:clrMapOvr>
+</p:sld>
+</file>
+
 <file path=ppt/slides/slide4.xml><?xml version="1.0" encoding="utf-8"?>
 <p:sld xmlns:a="http://schemas.openxmlformats.org/drawingml/2006/main" xmlns:r="http://schemas.openxmlformats.org/officeDocument/2006/relationships" xmlns:p="http://schemas.openxmlformats.org/presentationml/2006/main">
   <p:cSld>
@@ -8958,6 +9431,1264 @@
       </p:par>
     </p:tnLst>
   </p:timing>
+</p:sld>
+</file>
+
+<file path=ppt/slides/slide40.xml><?xml version="1.0" encoding="utf-8"?>
+<p:sld xmlns:a="http://schemas.openxmlformats.org/drawingml/2006/main" xmlns:r="http://schemas.openxmlformats.org/officeDocument/2006/relationships" xmlns:p="http://schemas.openxmlformats.org/presentationml/2006/main">
+  <p:cSld>
+    <p:spTree>
+      <p:nvGrpSpPr>
+        <p:cNvPr id="1" name=""/>
+        <p:cNvGrpSpPr/>
+        <p:nvPr/>
+      </p:nvGrpSpPr>
+      <p:grpSpPr>
+        <a:xfrm>
+          <a:off x="0" y="0"/>
+          <a:ext cx="0" cy="0"/>
+          <a:chOff x="0" y="0"/>
+          <a:chExt cx="0" cy="0"/>
+        </a:xfrm>
+      </p:grpSpPr>
+      <p:sp>
+        <p:nvSpPr>
+          <p:cNvPr id="2" name="Title 1"/>
+          <p:cNvSpPr>
+            <a:spLocks noGrp="1"/>
+          </p:cNvSpPr>
+          <p:nvPr>
+            <p:ph type="title"/>
+          </p:nvPr>
+        </p:nvSpPr>
+        <p:spPr/>
+        <p:txBody>
+          <a:bodyPr/>
+          <a:lstStyle/>
+          <a:p>
+            <a:r>
+              <a:rPr lang="en-US" dirty="0" smtClean="0"/>
+              <a:t>Streams &amp; Buffers</a:t>
+            </a:r>
+            <a:endParaRPr lang="en-US" dirty="0"/>
+          </a:p>
+        </p:txBody>
+      </p:sp>
+      <p:sp>
+        <p:nvSpPr>
+          <p:cNvPr id="3" name="Content Placeholder 2"/>
+          <p:cNvSpPr>
+            <a:spLocks noGrp="1"/>
+          </p:cNvSpPr>
+          <p:nvPr>
+            <p:ph idx="1"/>
+          </p:nvPr>
+        </p:nvSpPr>
+        <p:spPr/>
+        <p:txBody>
+          <a:bodyPr>
+            <a:normAutofit fontScale="77500" lnSpcReduction="20000"/>
+          </a:bodyPr>
+          <a:lstStyle/>
+          <a:p>
+            <a:r>
+              <a:rPr lang="en-US" b="1" dirty="0" smtClean="0"/>
+              <a:t>Types of Streams</a:t>
+            </a:r>
+          </a:p>
+          <a:p>
+            <a:pPr lvl="1"/>
+            <a:r>
+              <a:rPr lang="en-US" dirty="0" smtClean="0"/>
+              <a:t>Readable streams </a:t>
+            </a:r>
+          </a:p>
+          <a:p>
+            <a:pPr lvl="2"/>
+            <a:r>
+              <a:rPr lang="en-US" dirty="0" smtClean="0"/>
+              <a:t>To create a stream of data for reading (reading a large file in chunks).</a:t>
+            </a:r>
+          </a:p>
+          <a:p>
+            <a:pPr lvl="1"/>
+            <a:r>
+              <a:rPr lang="en-US" dirty="0" smtClean="0"/>
+              <a:t>Writable streams </a:t>
+            </a:r>
+          </a:p>
+          <a:p>
+            <a:pPr lvl="2"/>
+            <a:r>
+              <a:rPr lang="en-US" dirty="0" smtClean="0"/>
+              <a:t>To create a stream of data for writing (writing a large amount of data to a file).</a:t>
+            </a:r>
+          </a:p>
+          <a:p>
+            <a:pPr lvl="1"/>
+            <a:r>
+              <a:rPr lang="en-US" dirty="0" smtClean="0"/>
+              <a:t>Duplex streams </a:t>
+            </a:r>
+          </a:p>
+          <a:p>
+            <a:pPr lvl="2"/>
+            <a:r>
+              <a:rPr lang="en-US" dirty="0" smtClean="0"/>
+              <a:t>To create a stream that is both readable and writable at the same time. We can read and write to a duplex stream (a socket connection between a client and a server).</a:t>
+            </a:r>
+          </a:p>
+          <a:p>
+            <a:pPr lvl="1"/>
+            <a:r>
+              <a:rPr lang="en-US" dirty="0" smtClean="0"/>
+              <a:t>Transform streams </a:t>
+            </a:r>
+          </a:p>
+          <a:p>
+            <a:pPr lvl="2"/>
+            <a:r>
+              <a:rPr lang="en-US" dirty="0" smtClean="0"/>
+              <a:t>To create a stream that is readable and writable, but the data can be modified while reading and writing to the stream (compressing data by the client and server before while requesting).</a:t>
+            </a:r>
+          </a:p>
+          <a:p>
+            <a:pPr lvl="1"/>
+            <a:endParaRPr lang="en-US" dirty="0"/>
+          </a:p>
+        </p:txBody>
+      </p:sp>
+    </p:spTree>
+  </p:cSld>
+  <p:clrMapOvr>
+    <a:masterClrMapping/>
+  </p:clrMapOvr>
+</p:sld>
+</file>
+
+<file path=ppt/slides/slide41.xml><?xml version="1.0" encoding="utf-8"?>
+<p:sld xmlns:a="http://schemas.openxmlformats.org/drawingml/2006/main" xmlns:r="http://schemas.openxmlformats.org/officeDocument/2006/relationships" xmlns:p="http://schemas.openxmlformats.org/presentationml/2006/main">
+  <p:cSld>
+    <p:spTree>
+      <p:nvGrpSpPr>
+        <p:cNvPr id="1" name=""/>
+        <p:cNvGrpSpPr/>
+        <p:nvPr/>
+      </p:nvGrpSpPr>
+      <p:grpSpPr>
+        <a:xfrm>
+          <a:off x="0" y="0"/>
+          <a:ext cx="0" cy="0"/>
+          <a:chOff x="0" y="0"/>
+          <a:chExt cx="0" cy="0"/>
+        </a:xfrm>
+      </p:grpSpPr>
+      <p:sp>
+        <p:nvSpPr>
+          <p:cNvPr id="2" name="Title 1"/>
+          <p:cNvSpPr>
+            <a:spLocks noGrp="1"/>
+          </p:cNvSpPr>
+          <p:nvPr>
+            <p:ph type="title"/>
+          </p:nvPr>
+        </p:nvSpPr>
+        <p:spPr/>
+        <p:txBody>
+          <a:bodyPr/>
+          <a:lstStyle/>
+          <a:p>
+            <a:r>
+              <a:rPr lang="en-US" dirty="0" smtClean="0"/>
+              <a:t>Streams &amp; Buffers</a:t>
+            </a:r>
+            <a:endParaRPr lang="en-US" dirty="0"/>
+          </a:p>
+        </p:txBody>
+      </p:sp>
+      <p:sp>
+        <p:nvSpPr>
+          <p:cNvPr id="3" name="Content Placeholder 2"/>
+          <p:cNvSpPr>
+            <a:spLocks noGrp="1"/>
+          </p:cNvSpPr>
+          <p:nvPr>
+            <p:ph idx="1"/>
+          </p:nvPr>
+        </p:nvSpPr>
+        <p:spPr/>
+        <p:txBody>
+          <a:bodyPr>
+            <a:normAutofit lnSpcReduction="10000"/>
+          </a:bodyPr>
+          <a:lstStyle/>
+          <a:p>
+            <a:r>
+              <a:rPr lang="en-US" dirty="0" smtClean="0"/>
+              <a:t>Streams work on a concept called </a:t>
+            </a:r>
+            <a:r>
+              <a:rPr lang="en-US" i="1" dirty="0" smtClean="0"/>
+              <a:t>buffer</a:t>
+            </a:r>
+            <a:r>
+              <a:rPr lang="en-US" dirty="0" smtClean="0"/>
+              <a:t>.</a:t>
+            </a:r>
+          </a:p>
+          <a:p>
+            <a:pPr lvl="1"/>
+            <a:r>
+              <a:rPr lang="en-US" dirty="0" smtClean="0"/>
+              <a:t>A </a:t>
+            </a:r>
+            <a:r>
+              <a:rPr lang="en-US" i="1" dirty="0" smtClean="0"/>
+              <a:t>buffer</a:t>
+            </a:r>
+            <a:r>
+              <a:rPr lang="en-US" dirty="0" smtClean="0"/>
+              <a:t> is a temporary memory that a stream takes to hold some data until it is consumed.</a:t>
+            </a:r>
+          </a:p>
+          <a:p>
+            <a:r>
+              <a:rPr lang="en-US" dirty="0" smtClean="0"/>
+              <a:t>If we try to push some data into the stream, the data is pushed into the stream buffer. The pushed data sits in the buffer until the data is consumed.</a:t>
+            </a:r>
+          </a:p>
+          <a:p>
+            <a:r>
+              <a:rPr lang="en-US" dirty="0" smtClean="0"/>
+              <a:t>If the buffer is full and we try to push data to a stream, the stream does not accept that data and returns with a false value for the push action.</a:t>
+            </a:r>
+          </a:p>
+          <a:p>
+            <a:endParaRPr lang="en-US" dirty="0"/>
+          </a:p>
+        </p:txBody>
+      </p:sp>
+    </p:spTree>
+  </p:cSld>
+  <p:clrMapOvr>
+    <a:masterClrMapping/>
+  </p:clrMapOvr>
+</p:sld>
+</file>
+
+<file path=ppt/slides/slide42.xml><?xml version="1.0" encoding="utf-8"?>
+<p:sld xmlns:a="http://schemas.openxmlformats.org/drawingml/2006/main" xmlns:r="http://schemas.openxmlformats.org/officeDocument/2006/relationships" xmlns:p="http://schemas.openxmlformats.org/presentationml/2006/main">
+  <p:cSld>
+    <p:spTree>
+      <p:nvGrpSpPr>
+        <p:cNvPr id="1" name=""/>
+        <p:cNvGrpSpPr/>
+        <p:nvPr/>
+      </p:nvGrpSpPr>
+      <p:grpSpPr>
+        <a:xfrm>
+          <a:off x="0" y="0"/>
+          <a:ext cx="0" cy="0"/>
+          <a:chOff x="0" y="0"/>
+          <a:chExt cx="0" cy="0"/>
+        </a:xfrm>
+      </p:grpSpPr>
+      <p:sp>
+        <p:nvSpPr>
+          <p:cNvPr id="2" name="Title 1"/>
+          <p:cNvSpPr>
+            <a:spLocks noGrp="1"/>
+          </p:cNvSpPr>
+          <p:nvPr>
+            <p:ph type="title"/>
+          </p:nvPr>
+        </p:nvSpPr>
+        <p:spPr/>
+        <p:txBody>
+          <a:bodyPr/>
+          <a:lstStyle/>
+          <a:p>
+            <a:endParaRPr lang="en-US"/>
+          </a:p>
+        </p:txBody>
+      </p:sp>
+      <p:pic>
+        <p:nvPicPr>
+          <p:cNvPr id="1026" name="Picture 2"/>
+          <p:cNvPicPr>
+            <a:picLocks noGrp="1" noChangeAspect="1" noChangeArrowheads="1"/>
+          </p:cNvPicPr>
+          <p:nvPr>
+            <p:ph idx="1"/>
+          </p:nvPr>
+        </p:nvPicPr>
+        <p:blipFill>
+          <a:blip r:embed="rId2"/>
+          <a:srcRect/>
+          <a:stretch>
+            <a:fillRect/>
+          </a:stretch>
+        </p:blipFill>
+        <p:spPr bwMode="auto">
+          <a:xfrm>
+            <a:off x="1143000" y="1143000"/>
+            <a:ext cx="6738916" cy="5157334"/>
+          </a:xfrm>
+          <a:prstGeom prst="rect">
+            <a:avLst/>
+          </a:prstGeom>
+          <a:noFill/>
+          <a:ln w="9525">
+            <a:noFill/>
+            <a:miter lim="800000"/>
+            <a:headEnd/>
+            <a:tailEnd/>
+          </a:ln>
+          <a:effectLst/>
+        </p:spPr>
+      </p:pic>
+    </p:spTree>
+  </p:cSld>
+  <p:clrMapOvr>
+    <a:masterClrMapping/>
+  </p:clrMapOvr>
+  <p:timing>
+    <p:tnLst>
+      <p:par>
+        <p:cTn id="1" dur="indefinite" restart="never" nodeType="tmRoot"/>
+      </p:par>
+    </p:tnLst>
+  </p:timing>
+</p:sld>
+</file>
+
+<file path=ppt/slides/slide43.xml><?xml version="1.0" encoding="utf-8"?>
+<p:sld xmlns:a="http://schemas.openxmlformats.org/drawingml/2006/main" xmlns:r="http://schemas.openxmlformats.org/officeDocument/2006/relationships" xmlns:p="http://schemas.openxmlformats.org/presentationml/2006/main">
+  <p:cSld>
+    <p:spTree>
+      <p:nvGrpSpPr>
+        <p:cNvPr id="1" name=""/>
+        <p:cNvGrpSpPr/>
+        <p:nvPr/>
+      </p:nvGrpSpPr>
+      <p:grpSpPr>
+        <a:xfrm>
+          <a:off x="0" y="0"/>
+          <a:ext cx="0" cy="0"/>
+          <a:chOff x="0" y="0"/>
+          <a:chExt cx="0" cy="0"/>
+        </a:xfrm>
+      </p:grpSpPr>
+      <p:sp>
+        <p:nvSpPr>
+          <p:cNvPr id="2" name="Title 1"/>
+          <p:cNvSpPr>
+            <a:spLocks noGrp="1"/>
+          </p:cNvSpPr>
+          <p:nvPr>
+            <p:ph type="title"/>
+          </p:nvPr>
+        </p:nvSpPr>
+        <p:spPr/>
+        <p:txBody>
+          <a:bodyPr/>
+          <a:lstStyle/>
+          <a:p>
+            <a:r>
+              <a:rPr lang="en-US" dirty="0" smtClean="0"/>
+              <a:t>Outline : Express JS</a:t>
+            </a:r>
+            <a:endParaRPr lang="en-US" dirty="0"/>
+          </a:p>
+        </p:txBody>
+      </p:sp>
+      <p:sp>
+        <p:nvSpPr>
+          <p:cNvPr id="3" name="Content Placeholder 2"/>
+          <p:cNvSpPr>
+            <a:spLocks noGrp="1"/>
+          </p:cNvSpPr>
+          <p:nvPr>
+            <p:ph idx="1"/>
+          </p:nvPr>
+        </p:nvSpPr>
+        <p:spPr/>
+        <p:txBody>
+          <a:bodyPr>
+            <a:normAutofit lnSpcReduction="10000"/>
+          </a:bodyPr>
+          <a:lstStyle/>
+          <a:p>
+            <a:pPr lvl="0"/>
+            <a:r>
+              <a:rPr lang="en-US" dirty="0" smtClean="0"/>
+              <a:t>Introduction to Express JS</a:t>
+            </a:r>
+          </a:p>
+          <a:p>
+            <a:pPr lvl="0"/>
+            <a:r>
+              <a:rPr lang="en-US" dirty="0" smtClean="0"/>
+              <a:t>Routing</a:t>
+            </a:r>
+          </a:p>
+          <a:p>
+            <a:pPr lvl="0"/>
+            <a:r>
+              <a:rPr lang="en-US" dirty="0" smtClean="0"/>
+              <a:t>HTTP Interaction</a:t>
+            </a:r>
+          </a:p>
+          <a:p>
+            <a:pPr lvl="0"/>
+            <a:r>
+              <a:rPr lang="en-US" dirty="0" smtClean="0"/>
+              <a:t>Handling Form Data</a:t>
+            </a:r>
+          </a:p>
+          <a:p>
+            <a:pPr lvl="0"/>
+            <a:r>
+              <a:rPr lang="en-US" dirty="0" smtClean="0"/>
+              <a:t>Handling Query Parameters</a:t>
+            </a:r>
+          </a:p>
+          <a:p>
+            <a:pPr lvl="0"/>
+            <a:r>
+              <a:rPr lang="en-US" dirty="0" smtClean="0"/>
+              <a:t>Cookies and Sessions</a:t>
+            </a:r>
+          </a:p>
+          <a:p>
+            <a:pPr lvl="0"/>
+            <a:r>
+              <a:rPr lang="en-US" dirty="0" smtClean="0"/>
+              <a:t>User Authentication</a:t>
+            </a:r>
+          </a:p>
+          <a:p>
+            <a:pPr lvl="0"/>
+            <a:r>
+              <a:rPr lang="en-US" dirty="0" smtClean="0"/>
+              <a:t>Error Handling</a:t>
+            </a:r>
+          </a:p>
+          <a:p>
+            <a:pPr lvl="0"/>
+            <a:r>
+              <a:rPr lang="en-US" dirty="0" smtClean="0"/>
+              <a:t>Creating and Consuming </a:t>
+            </a:r>
+            <a:r>
+              <a:rPr lang="en-US" dirty="0" err="1" smtClean="0"/>
+              <a:t>RESTful</a:t>
+            </a:r>
+            <a:r>
+              <a:rPr lang="en-US" dirty="0" smtClean="0"/>
+              <a:t> Services</a:t>
+            </a:r>
+          </a:p>
+          <a:p>
+            <a:r>
+              <a:rPr lang="en-US" dirty="0" smtClean="0"/>
+              <a:t>Using Templates</a:t>
+            </a:r>
+            <a:endParaRPr lang="en-US" dirty="0"/>
+          </a:p>
+        </p:txBody>
+      </p:sp>
+    </p:spTree>
+  </p:cSld>
+  <p:clrMapOvr>
+    <a:masterClrMapping/>
+  </p:clrMapOvr>
+  <p:transition/>
+  <p:timing>
+    <p:tnLst>
+      <p:par>
+        <p:cTn id="1" dur="indefinite" restart="never" nodeType="tmRoot"/>
+      </p:par>
+    </p:tnLst>
+  </p:timing>
+</p:sld>
+</file>
+
+<file path=ppt/slides/slide44.xml><?xml version="1.0" encoding="utf-8"?>
+<p:sld xmlns:a="http://schemas.openxmlformats.org/drawingml/2006/main" xmlns:r="http://schemas.openxmlformats.org/officeDocument/2006/relationships" xmlns:p="http://schemas.openxmlformats.org/presentationml/2006/main">
+  <p:cSld>
+    <p:spTree>
+      <p:nvGrpSpPr>
+        <p:cNvPr id="1" name=""/>
+        <p:cNvGrpSpPr/>
+        <p:nvPr/>
+      </p:nvGrpSpPr>
+      <p:grpSpPr>
+        <a:xfrm>
+          <a:off x="0" y="0"/>
+          <a:ext cx="0" cy="0"/>
+          <a:chOff x="0" y="0"/>
+          <a:chExt cx="0" cy="0"/>
+        </a:xfrm>
+      </p:grpSpPr>
+      <p:sp>
+        <p:nvSpPr>
+          <p:cNvPr id="2" name="Title 1"/>
+          <p:cNvSpPr>
+            <a:spLocks noGrp="1"/>
+          </p:cNvSpPr>
+          <p:nvPr>
+            <p:ph type="title"/>
+          </p:nvPr>
+        </p:nvSpPr>
+        <p:spPr/>
+        <p:txBody>
+          <a:bodyPr>
+            <a:normAutofit/>
+          </a:bodyPr>
+          <a:lstStyle/>
+          <a:p>
+            <a:pPr lvl="0"/>
+            <a:r>
+              <a:rPr lang="en-US" dirty="0" smtClean="0"/>
+              <a:t>Introduction to Express JS</a:t>
+            </a:r>
+            <a:endParaRPr lang="en-US" dirty="0"/>
+          </a:p>
+        </p:txBody>
+      </p:sp>
+      <p:sp>
+        <p:nvSpPr>
+          <p:cNvPr id="3" name="Content Placeholder 2"/>
+          <p:cNvSpPr>
+            <a:spLocks noGrp="1"/>
+          </p:cNvSpPr>
+          <p:nvPr>
+            <p:ph idx="1"/>
+          </p:nvPr>
+        </p:nvSpPr>
+        <p:spPr/>
+        <p:txBody>
+          <a:bodyPr>
+            <a:normAutofit lnSpcReduction="10000"/>
+          </a:bodyPr>
+          <a:lstStyle/>
+          <a:p>
+            <a:r>
+              <a:rPr lang="en-US" dirty="0" smtClean="0"/>
+              <a:t>Express is a small web framework that sits on top of </a:t>
+            </a:r>
+            <a:r>
+              <a:rPr lang="en-US" dirty="0" err="1" smtClean="0"/>
+              <a:t>Node.js’s</a:t>
+            </a:r>
+            <a:r>
+              <a:rPr lang="en-US" dirty="0" smtClean="0"/>
+              <a:t> web server functionality to </a:t>
+            </a:r>
+            <a:r>
+              <a:rPr lang="en-US" b="1" dirty="0" smtClean="0"/>
+              <a:t>simplify its APIs and add helpful new features</a:t>
+            </a:r>
+            <a:r>
+              <a:rPr lang="en-US" dirty="0" smtClean="0"/>
+              <a:t>.</a:t>
+            </a:r>
+          </a:p>
+          <a:p>
+            <a:r>
+              <a:rPr lang="en-US" dirty="0" smtClean="0"/>
+              <a:t>It makes it easier to organize your application’s functionality with </a:t>
+            </a:r>
+            <a:r>
+              <a:rPr lang="en-US" b="1" dirty="0" smtClean="0"/>
+              <a:t>middle ware </a:t>
+            </a:r>
+            <a:r>
+              <a:rPr lang="en-US" dirty="0" smtClean="0"/>
+              <a:t>and </a:t>
+            </a:r>
+            <a:r>
+              <a:rPr lang="en-US" b="1" dirty="0" smtClean="0"/>
+              <a:t>routing</a:t>
+            </a:r>
+            <a:r>
+              <a:rPr lang="en-US" dirty="0" smtClean="0"/>
+              <a:t>.</a:t>
+            </a:r>
+          </a:p>
+          <a:p>
+            <a:r>
+              <a:rPr lang="en-US" dirty="0" smtClean="0"/>
+              <a:t>It adds helpful </a:t>
+            </a:r>
+            <a:r>
+              <a:rPr lang="en-US" b="1" dirty="0" smtClean="0"/>
+              <a:t>utilities</a:t>
+            </a:r>
+            <a:r>
+              <a:rPr lang="en-US" dirty="0" smtClean="0"/>
+              <a:t> to </a:t>
+            </a:r>
+            <a:r>
+              <a:rPr lang="en-US" dirty="0" err="1" smtClean="0"/>
+              <a:t>Node.js’s</a:t>
+            </a:r>
+            <a:r>
+              <a:rPr lang="en-US" dirty="0" smtClean="0"/>
+              <a:t> HTTP objects.</a:t>
+            </a:r>
+          </a:p>
+          <a:p>
+            <a:r>
+              <a:rPr lang="en-US" dirty="0" smtClean="0"/>
+              <a:t>It facilitates the </a:t>
+            </a:r>
+            <a:r>
+              <a:rPr lang="en-US" b="1" dirty="0" smtClean="0"/>
+              <a:t>rendering of dynamic</a:t>
+            </a:r>
+            <a:r>
+              <a:rPr lang="en-US" dirty="0" smtClean="0"/>
+              <a:t> HTTP objects.</a:t>
+            </a:r>
+            <a:endParaRPr lang="en-US" dirty="0"/>
+          </a:p>
+        </p:txBody>
+      </p:sp>
+    </p:spTree>
+  </p:cSld>
+  <p:clrMapOvr>
+    <a:masterClrMapping/>
+  </p:clrMapOvr>
+</p:sld>
+</file>
+
+<file path=ppt/slides/slide45.xml><?xml version="1.0" encoding="utf-8"?>
+<p:sld xmlns:a="http://schemas.openxmlformats.org/drawingml/2006/main" xmlns:r="http://schemas.openxmlformats.org/officeDocument/2006/relationships" xmlns:p="http://schemas.openxmlformats.org/presentationml/2006/main">
+  <p:cSld>
+    <p:spTree>
+      <p:nvGrpSpPr>
+        <p:cNvPr id="1" name=""/>
+        <p:cNvGrpSpPr/>
+        <p:nvPr/>
+      </p:nvGrpSpPr>
+      <p:grpSpPr>
+        <a:xfrm>
+          <a:off x="0" y="0"/>
+          <a:ext cx="0" cy="0"/>
+          <a:chOff x="0" y="0"/>
+          <a:chExt cx="0" cy="0"/>
+        </a:xfrm>
+      </p:grpSpPr>
+      <p:sp>
+        <p:nvSpPr>
+          <p:cNvPr id="2" name="Title 1"/>
+          <p:cNvSpPr>
+            <a:spLocks noGrp="1"/>
+          </p:cNvSpPr>
+          <p:nvPr>
+            <p:ph type="title"/>
+          </p:nvPr>
+        </p:nvSpPr>
+        <p:spPr/>
+        <p:txBody>
+          <a:bodyPr/>
+          <a:lstStyle/>
+          <a:p>
+            <a:r>
+              <a:rPr lang="en-US" dirty="0" smtClean="0"/>
+              <a:t>Introduction to Express….. Setup</a:t>
+            </a:r>
+            <a:endParaRPr lang="en-US" dirty="0"/>
+          </a:p>
+        </p:txBody>
+      </p:sp>
+      <p:sp>
+        <p:nvSpPr>
+          <p:cNvPr id="3" name="Content Placeholder 2"/>
+          <p:cNvSpPr>
+            <a:spLocks noGrp="1"/>
+          </p:cNvSpPr>
+          <p:nvPr>
+            <p:ph idx="1"/>
+          </p:nvPr>
+        </p:nvSpPr>
+        <p:spPr/>
+        <p:txBody>
+          <a:bodyPr/>
+          <a:lstStyle/>
+          <a:p>
+            <a:pPr lvl="2">
+              <a:buNone/>
+            </a:pPr>
+            <a:r>
+              <a:rPr lang="en-US" dirty="0" err="1" smtClean="0"/>
+              <a:t>npm</a:t>
+            </a:r>
+            <a:r>
+              <a:rPr lang="en-US" dirty="0" smtClean="0"/>
+              <a:t> install express</a:t>
+            </a:r>
+          </a:p>
+          <a:p>
+            <a:endParaRPr lang="en-US" dirty="0"/>
+          </a:p>
+        </p:txBody>
+      </p:sp>
+      <p:pic>
+        <p:nvPicPr>
+          <p:cNvPr id="2051" name="Picture 3"/>
+          <p:cNvPicPr>
+            <a:picLocks noChangeAspect="1" noChangeArrowheads="1"/>
+          </p:cNvPicPr>
+          <p:nvPr/>
+        </p:nvPicPr>
+        <p:blipFill>
+          <a:blip r:embed="rId2"/>
+          <a:srcRect/>
+          <a:stretch>
+            <a:fillRect/>
+          </a:stretch>
+        </p:blipFill>
+        <p:spPr bwMode="auto">
+          <a:xfrm>
+            <a:off x="838200" y="3124200"/>
+            <a:ext cx="7331964" cy="2590800"/>
+          </a:xfrm>
+          <a:prstGeom prst="rect">
+            <a:avLst/>
+          </a:prstGeom>
+          <a:noFill/>
+          <a:ln w="9525">
+            <a:noFill/>
+            <a:miter lim="800000"/>
+            <a:headEnd/>
+            <a:tailEnd/>
+          </a:ln>
+          <a:effectLst/>
+        </p:spPr>
+      </p:pic>
+    </p:spTree>
+  </p:cSld>
+  <p:clrMapOvr>
+    <a:masterClrMapping/>
+  </p:clrMapOvr>
+</p:sld>
+</file>
+
+<file path=ppt/slides/slide46.xml><?xml version="1.0" encoding="utf-8"?>
+<p:sld xmlns:a="http://schemas.openxmlformats.org/drawingml/2006/main" xmlns:r="http://schemas.openxmlformats.org/officeDocument/2006/relationships" xmlns:p="http://schemas.openxmlformats.org/presentationml/2006/main">
+  <p:cSld>
+    <p:spTree>
+      <p:nvGrpSpPr>
+        <p:cNvPr id="1" name=""/>
+        <p:cNvGrpSpPr/>
+        <p:nvPr/>
+      </p:nvGrpSpPr>
+      <p:grpSpPr>
+        <a:xfrm>
+          <a:off x="0" y="0"/>
+          <a:ext cx="0" cy="0"/>
+          <a:chOff x="0" y="0"/>
+          <a:chExt cx="0" cy="0"/>
+        </a:xfrm>
+      </p:grpSpPr>
+      <p:sp>
+        <p:nvSpPr>
+          <p:cNvPr id="2" name="Title 1"/>
+          <p:cNvSpPr>
+            <a:spLocks noGrp="1"/>
+          </p:cNvSpPr>
+          <p:nvPr>
+            <p:ph type="title"/>
+          </p:nvPr>
+        </p:nvSpPr>
+        <p:spPr/>
+        <p:txBody>
+          <a:bodyPr>
+            <a:normAutofit fontScale="90000"/>
+          </a:bodyPr>
+          <a:lstStyle/>
+          <a:p>
+            <a:r>
+              <a:rPr lang="en-US" dirty="0" smtClean="0"/>
+              <a:t>Introduction to Express….. How to Serve Static Assets</a:t>
+            </a:r>
+            <a:r>
+              <a:rPr lang="en-US" b="1" dirty="0" smtClean="0"/>
+              <a:t/>
+            </a:r>
+            <a:br>
+              <a:rPr lang="en-US" b="1" dirty="0" smtClean="0"/>
+            </a:br>
+            <a:endParaRPr lang="en-US" dirty="0"/>
+          </a:p>
+        </p:txBody>
+      </p:sp>
+      <p:sp>
+        <p:nvSpPr>
+          <p:cNvPr id="3" name="Content Placeholder 2"/>
+          <p:cNvSpPr>
+            <a:spLocks noGrp="1"/>
+          </p:cNvSpPr>
+          <p:nvPr>
+            <p:ph idx="1"/>
+          </p:nvPr>
+        </p:nvSpPr>
+        <p:spPr/>
+        <p:txBody>
+          <a:bodyPr/>
+          <a:lstStyle/>
+          <a:p>
+            <a:r>
+              <a:rPr lang="en-US" dirty="0" smtClean="0"/>
+              <a:t>An actual HTML file with styling.</a:t>
+            </a:r>
+          </a:p>
+          <a:p>
+            <a:endParaRPr lang="en-US" dirty="0"/>
+          </a:p>
+        </p:txBody>
+      </p:sp>
+      <p:pic>
+        <p:nvPicPr>
+          <p:cNvPr id="4099" name="Picture 3"/>
+          <p:cNvPicPr>
+            <a:picLocks noChangeAspect="1" noChangeArrowheads="1"/>
+          </p:cNvPicPr>
+          <p:nvPr/>
+        </p:nvPicPr>
+        <p:blipFill>
+          <a:blip r:embed="rId2"/>
+          <a:srcRect/>
+          <a:stretch>
+            <a:fillRect/>
+          </a:stretch>
+        </p:blipFill>
+        <p:spPr bwMode="auto">
+          <a:xfrm>
+            <a:off x="838200" y="2971800"/>
+            <a:ext cx="2731168" cy="1600200"/>
+          </a:xfrm>
+          <a:prstGeom prst="rect">
+            <a:avLst/>
+          </a:prstGeom>
+          <a:noFill/>
+          <a:ln w="9525">
+            <a:noFill/>
+            <a:miter lim="800000"/>
+            <a:headEnd/>
+            <a:tailEnd/>
+          </a:ln>
+          <a:effectLst/>
+        </p:spPr>
+      </p:pic>
+      <p:pic>
+        <p:nvPicPr>
+          <p:cNvPr id="4100" name="Picture 4"/>
+          <p:cNvPicPr>
+            <a:picLocks noChangeAspect="1" noChangeArrowheads="1"/>
+          </p:cNvPicPr>
+          <p:nvPr/>
+        </p:nvPicPr>
+        <p:blipFill>
+          <a:blip r:embed="rId3"/>
+          <a:srcRect/>
+          <a:stretch>
+            <a:fillRect/>
+          </a:stretch>
+        </p:blipFill>
+        <p:spPr bwMode="auto">
+          <a:xfrm>
+            <a:off x="838200" y="4876800"/>
+            <a:ext cx="5690681" cy="762000"/>
+          </a:xfrm>
+          <a:prstGeom prst="rect">
+            <a:avLst/>
+          </a:prstGeom>
+          <a:noFill/>
+          <a:ln w="9525">
+            <a:noFill/>
+            <a:miter lim="800000"/>
+            <a:headEnd/>
+            <a:tailEnd/>
+          </a:ln>
+          <a:effectLst/>
+        </p:spPr>
+      </p:pic>
+    </p:spTree>
+  </p:cSld>
+  <p:clrMapOvr>
+    <a:masterClrMapping/>
+  </p:clrMapOvr>
+</p:sld>
+</file>
+
+<file path=ppt/slides/slide47.xml><?xml version="1.0" encoding="utf-8"?>
+<p:sld xmlns:a="http://schemas.openxmlformats.org/drawingml/2006/main" xmlns:r="http://schemas.openxmlformats.org/officeDocument/2006/relationships" xmlns:p="http://schemas.openxmlformats.org/presentationml/2006/main">
+  <p:cSld>
+    <p:spTree>
+      <p:nvGrpSpPr>
+        <p:cNvPr id="1" name=""/>
+        <p:cNvGrpSpPr/>
+        <p:nvPr/>
+      </p:nvGrpSpPr>
+      <p:grpSpPr>
+        <a:xfrm>
+          <a:off x="0" y="0"/>
+          <a:ext cx="0" cy="0"/>
+          <a:chOff x="0" y="0"/>
+          <a:chExt cx="0" cy="0"/>
+        </a:xfrm>
+      </p:grpSpPr>
+      <p:sp>
+        <p:nvSpPr>
+          <p:cNvPr id="2" name="Title 1"/>
+          <p:cNvSpPr>
+            <a:spLocks noGrp="1"/>
+          </p:cNvSpPr>
+          <p:nvPr>
+            <p:ph type="title"/>
+          </p:nvPr>
+        </p:nvSpPr>
+        <p:spPr/>
+        <p:txBody>
+          <a:bodyPr/>
+          <a:lstStyle/>
+          <a:p>
+            <a:r>
+              <a:rPr lang="en-US" dirty="0" smtClean="0"/>
+              <a:t>Example…</a:t>
+            </a:r>
+            <a:endParaRPr lang="en-US" dirty="0"/>
+          </a:p>
+        </p:txBody>
+      </p:sp>
+      <p:sp>
+        <p:nvSpPr>
+          <p:cNvPr id="3" name="Content Placeholder 2"/>
+          <p:cNvSpPr>
+            <a:spLocks noGrp="1"/>
+          </p:cNvSpPr>
+          <p:nvPr>
+            <p:ph idx="1"/>
+          </p:nvPr>
+        </p:nvSpPr>
+        <p:spPr/>
+        <p:txBody>
+          <a:bodyPr/>
+          <a:lstStyle/>
+          <a:p>
+            <a:endParaRPr lang="en-US"/>
+          </a:p>
+        </p:txBody>
+      </p:sp>
+      <p:pic>
+        <p:nvPicPr>
+          <p:cNvPr id="5122" name="Picture 2"/>
+          <p:cNvPicPr>
+            <a:picLocks noChangeAspect="1" noChangeArrowheads="1"/>
+          </p:cNvPicPr>
+          <p:nvPr/>
+        </p:nvPicPr>
+        <p:blipFill>
+          <a:blip r:embed="rId2"/>
+          <a:srcRect/>
+          <a:stretch>
+            <a:fillRect/>
+          </a:stretch>
+        </p:blipFill>
+        <p:spPr bwMode="auto">
+          <a:xfrm>
+            <a:off x="533400" y="2286000"/>
+            <a:ext cx="8107631" cy="3886200"/>
+          </a:xfrm>
+          <a:prstGeom prst="rect">
+            <a:avLst/>
+          </a:prstGeom>
+          <a:noFill/>
+          <a:ln w="9525">
+            <a:noFill/>
+            <a:miter lim="800000"/>
+            <a:headEnd/>
+            <a:tailEnd/>
+          </a:ln>
+          <a:effectLst/>
+        </p:spPr>
+      </p:pic>
+    </p:spTree>
+  </p:cSld>
+  <p:clrMapOvr>
+    <a:masterClrMapping/>
+  </p:clrMapOvr>
+</p:sld>
+</file>
+
+<file path=ppt/slides/slide48.xml><?xml version="1.0" encoding="utf-8"?>
+<p:sld xmlns:a="http://schemas.openxmlformats.org/drawingml/2006/main" xmlns:r="http://schemas.openxmlformats.org/officeDocument/2006/relationships" xmlns:p="http://schemas.openxmlformats.org/presentationml/2006/main">
+  <p:cSld>
+    <p:spTree>
+      <p:nvGrpSpPr>
+        <p:cNvPr id="1" name=""/>
+        <p:cNvGrpSpPr/>
+        <p:nvPr/>
+      </p:nvGrpSpPr>
+      <p:grpSpPr>
+        <a:xfrm>
+          <a:off x="0" y="0"/>
+          <a:ext cx="0" cy="0"/>
+          <a:chOff x="0" y="0"/>
+          <a:chExt cx="0" cy="0"/>
+        </a:xfrm>
+      </p:grpSpPr>
+      <p:sp>
+        <p:nvSpPr>
+          <p:cNvPr id="2" name="Title 1"/>
+          <p:cNvSpPr>
+            <a:spLocks noGrp="1"/>
+          </p:cNvSpPr>
+          <p:nvPr>
+            <p:ph type="title"/>
+          </p:nvPr>
+        </p:nvSpPr>
+        <p:spPr/>
+        <p:txBody>
+          <a:bodyPr>
+            <a:normAutofit fontScale="90000"/>
+          </a:bodyPr>
+          <a:lstStyle/>
+          <a:p>
+            <a:r>
+              <a:rPr lang="en-US" dirty="0" smtClean="0"/>
+              <a:t>Introduction to Express….. How to Serve JSON</a:t>
+            </a:r>
+            <a:r>
+              <a:rPr lang="en-US" b="1" dirty="0" smtClean="0"/>
+              <a:t/>
+            </a:r>
+            <a:br>
+              <a:rPr lang="en-US" b="1" dirty="0" smtClean="0"/>
+            </a:br>
+            <a:endParaRPr lang="en-US" dirty="0"/>
+          </a:p>
+        </p:txBody>
+      </p:sp>
+      <p:sp>
+        <p:nvSpPr>
+          <p:cNvPr id="3" name="Content Placeholder 2"/>
+          <p:cNvSpPr>
+            <a:spLocks noGrp="1"/>
+          </p:cNvSpPr>
+          <p:nvPr>
+            <p:ph idx="1"/>
+          </p:nvPr>
+        </p:nvSpPr>
+        <p:spPr/>
+        <p:txBody>
+          <a:bodyPr/>
+          <a:lstStyle/>
+          <a:p>
+            <a:endParaRPr lang="en-US"/>
+          </a:p>
+        </p:txBody>
+      </p:sp>
+      <p:pic>
+        <p:nvPicPr>
+          <p:cNvPr id="6146" name="Picture 2"/>
+          <p:cNvPicPr>
+            <a:picLocks noChangeAspect="1" noChangeArrowheads="1"/>
+          </p:cNvPicPr>
+          <p:nvPr/>
+        </p:nvPicPr>
+        <p:blipFill>
+          <a:blip r:embed="rId2"/>
+          <a:srcRect/>
+          <a:stretch>
+            <a:fillRect/>
+          </a:stretch>
+        </p:blipFill>
+        <p:spPr bwMode="auto">
+          <a:xfrm>
+            <a:off x="990599" y="2743200"/>
+            <a:ext cx="7572375" cy="1143000"/>
+          </a:xfrm>
+          <a:prstGeom prst="rect">
+            <a:avLst/>
+          </a:prstGeom>
+          <a:noFill/>
+          <a:ln w="9525">
+            <a:noFill/>
+            <a:miter lim="800000"/>
+            <a:headEnd/>
+            <a:tailEnd/>
+          </a:ln>
+          <a:effectLst/>
+        </p:spPr>
+      </p:pic>
+    </p:spTree>
+  </p:cSld>
+  <p:clrMapOvr>
+    <a:masterClrMapping/>
+  </p:clrMapOvr>
+</p:sld>
+</file>
+
+<file path=ppt/slides/slide49.xml><?xml version="1.0" encoding="utf-8"?>
+<p:sld xmlns:a="http://schemas.openxmlformats.org/drawingml/2006/main" xmlns:r="http://schemas.openxmlformats.org/officeDocument/2006/relationships" xmlns:p="http://schemas.openxmlformats.org/presentationml/2006/main">
+  <p:cSld>
+    <p:spTree>
+      <p:nvGrpSpPr>
+        <p:cNvPr id="1" name=""/>
+        <p:cNvGrpSpPr/>
+        <p:nvPr/>
+      </p:nvGrpSpPr>
+      <p:grpSpPr>
+        <a:xfrm>
+          <a:off x="0" y="0"/>
+          <a:ext cx="0" cy="0"/>
+          <a:chOff x="0" y="0"/>
+          <a:chExt cx="0" cy="0"/>
+        </a:xfrm>
+      </p:grpSpPr>
+      <p:sp>
+        <p:nvSpPr>
+          <p:cNvPr id="2" name="Title 1"/>
+          <p:cNvSpPr>
+            <a:spLocks noGrp="1"/>
+          </p:cNvSpPr>
+          <p:nvPr>
+            <p:ph type="title"/>
+          </p:nvPr>
+        </p:nvSpPr>
+        <p:spPr/>
+        <p:txBody>
+          <a:bodyPr>
+            <a:normAutofit fontScale="90000"/>
+          </a:bodyPr>
+          <a:lstStyle/>
+          <a:p>
+            <a:r>
+              <a:rPr lang="en-US" dirty="0" smtClean="0"/>
+              <a:t>Introduction to Express….. Middleware</a:t>
+            </a:r>
+            <a:r>
+              <a:rPr lang="en-US" b="1" dirty="0" smtClean="0"/>
+              <a:t/>
+            </a:r>
+            <a:br>
+              <a:rPr lang="en-US" b="1" dirty="0" smtClean="0"/>
+            </a:br>
+            <a:endParaRPr lang="en-US" dirty="0"/>
+          </a:p>
+        </p:txBody>
+      </p:sp>
+      <p:pic>
+        <p:nvPicPr>
+          <p:cNvPr id="7170" name="Picture 2"/>
+          <p:cNvPicPr>
+            <a:picLocks noChangeAspect="1" noChangeArrowheads="1"/>
+          </p:cNvPicPr>
+          <p:nvPr/>
+        </p:nvPicPr>
+        <p:blipFill>
+          <a:blip r:embed="rId2"/>
+          <a:srcRect/>
+          <a:stretch>
+            <a:fillRect/>
+          </a:stretch>
+        </p:blipFill>
+        <p:spPr bwMode="auto">
+          <a:xfrm>
+            <a:off x="609600" y="1981200"/>
+            <a:ext cx="7102415" cy="1524000"/>
+          </a:xfrm>
+          <a:prstGeom prst="rect">
+            <a:avLst/>
+          </a:prstGeom>
+          <a:noFill/>
+          <a:ln w="9525">
+            <a:noFill/>
+            <a:miter lim="800000"/>
+            <a:headEnd/>
+            <a:tailEnd/>
+          </a:ln>
+          <a:effectLst/>
+        </p:spPr>
+      </p:pic>
+      <p:pic>
+        <p:nvPicPr>
+          <p:cNvPr id="7171" name="Picture 3"/>
+          <p:cNvPicPr>
+            <a:picLocks noGrp="1" noChangeAspect="1" noChangeArrowheads="1"/>
+          </p:cNvPicPr>
+          <p:nvPr>
+            <p:ph idx="1"/>
+          </p:nvPr>
+        </p:nvPicPr>
+        <p:blipFill>
+          <a:blip r:embed="rId3"/>
+          <a:srcRect/>
+          <a:stretch>
+            <a:fillRect/>
+          </a:stretch>
+        </p:blipFill>
+        <p:spPr bwMode="auto">
+          <a:xfrm>
+            <a:off x="609600" y="3657600"/>
+            <a:ext cx="7044267" cy="1219200"/>
+          </a:xfrm>
+          <a:prstGeom prst="rect">
+            <a:avLst/>
+          </a:prstGeom>
+          <a:noFill/>
+          <a:ln w="9525">
+            <a:noFill/>
+            <a:miter lim="800000"/>
+            <a:headEnd/>
+            <a:tailEnd/>
+          </a:ln>
+          <a:effectLst/>
+        </p:spPr>
+      </p:pic>
+      <p:pic>
+        <p:nvPicPr>
+          <p:cNvPr id="7172" name="Picture 4"/>
+          <p:cNvPicPr>
+            <a:picLocks noChangeAspect="1" noChangeArrowheads="1"/>
+          </p:cNvPicPr>
+          <p:nvPr/>
+        </p:nvPicPr>
+        <p:blipFill>
+          <a:blip r:embed="rId4"/>
+          <a:srcRect/>
+          <a:stretch>
+            <a:fillRect/>
+          </a:stretch>
+        </p:blipFill>
+        <p:spPr bwMode="auto">
+          <a:xfrm>
+            <a:off x="609600" y="5029200"/>
+            <a:ext cx="7350369" cy="914400"/>
+          </a:xfrm>
+          <a:prstGeom prst="rect">
+            <a:avLst/>
+          </a:prstGeom>
+          <a:noFill/>
+          <a:ln w="9525">
+            <a:noFill/>
+            <a:miter lim="800000"/>
+            <a:headEnd/>
+            <a:tailEnd/>
+          </a:ln>
+          <a:effectLst/>
+        </p:spPr>
+      </p:pic>
+    </p:spTree>
+  </p:cSld>
+  <p:clrMapOvr>
+    <a:masterClrMapping/>
+  </p:clrMapOvr>
 </p:sld>
 </file>
 
@@ -9080,6 +10811,85 @@
       </p:par>
     </p:tnLst>
   </p:timing>
+</p:sld>
+</file>
+
+<file path=ppt/slides/slide50.xml><?xml version="1.0" encoding="utf-8"?>
+<p:sld xmlns:a="http://schemas.openxmlformats.org/drawingml/2006/main" xmlns:r="http://schemas.openxmlformats.org/officeDocument/2006/relationships" xmlns:p="http://schemas.openxmlformats.org/presentationml/2006/main">
+  <p:cSld>
+    <p:spTree>
+      <p:nvGrpSpPr>
+        <p:cNvPr id="1" name=""/>
+        <p:cNvGrpSpPr/>
+        <p:nvPr/>
+      </p:nvGrpSpPr>
+      <p:grpSpPr>
+        <a:xfrm>
+          <a:off x="0" y="0"/>
+          <a:ext cx="0" cy="0"/>
+          <a:chOff x="0" y="0"/>
+          <a:chExt cx="0" cy="0"/>
+        </a:xfrm>
+      </p:grpSpPr>
+      <p:sp>
+        <p:nvSpPr>
+          <p:cNvPr id="2" name="Title 1"/>
+          <p:cNvSpPr>
+            <a:spLocks noGrp="1"/>
+          </p:cNvSpPr>
+          <p:nvPr>
+            <p:ph type="title"/>
+          </p:nvPr>
+        </p:nvSpPr>
+        <p:spPr/>
+        <p:txBody>
+          <a:bodyPr/>
+          <a:lstStyle/>
+          <a:p>
+            <a:endParaRPr lang="en-US"/>
+          </a:p>
+        </p:txBody>
+      </p:sp>
+      <p:pic>
+        <p:nvPicPr>
+          <p:cNvPr id="8194" name="Picture 2"/>
+          <p:cNvPicPr>
+            <a:picLocks noGrp="1" noChangeAspect="1" noChangeArrowheads="1"/>
+          </p:cNvPicPr>
+          <p:nvPr>
+            <p:ph idx="1"/>
+          </p:nvPr>
+        </p:nvPicPr>
+        <p:blipFill>
+          <a:blip r:embed="rId2"/>
+          <a:srcRect/>
+          <a:stretch>
+            <a:fillRect/>
+          </a:stretch>
+        </p:blipFill>
+        <p:spPr bwMode="auto">
+          <a:xfrm>
+            <a:off x="1295400" y="609600"/>
+            <a:ext cx="6541610" cy="6248400"/>
+          </a:xfrm>
+          <a:prstGeom prst="rect">
+            <a:avLst/>
+          </a:prstGeom>
+          <a:noFill/>
+          <a:ln w="9525">
+            <a:noFill/>
+            <a:miter lim="800000"/>
+            <a:headEnd/>
+            <a:tailEnd/>
+          </a:ln>
+          <a:effectLst/>
+        </p:spPr>
+      </p:pic>
+    </p:spTree>
+  </p:cSld>
+  <p:clrMapOvr>
+    <a:masterClrMapping/>
+  </p:clrMapOvr>
 </p:sld>
 </file>
 

--- a/MEAN Stack Workshop.pptx
+++ b/MEAN Stack Workshop.pptx
@@ -5,7 +5,7 @@
     <p:sldMasterId id="2147483660" r:id="rId1"/>
   </p:sldMasterIdLst>
   <p:notesMasterIdLst>
-    <p:notesMasterId r:id="rId52"/>
+    <p:notesMasterId r:id="rId62"/>
   </p:notesMasterIdLst>
   <p:sldIdLst>
     <p:sldId id="256" r:id="rId2"/>
@@ -58,6 +58,16 @@
     <p:sldId id="303" r:id="rId49"/>
     <p:sldId id="304" r:id="rId50"/>
     <p:sldId id="305" r:id="rId51"/>
+    <p:sldId id="306" r:id="rId52"/>
+    <p:sldId id="308" r:id="rId53"/>
+    <p:sldId id="310" r:id="rId54"/>
+    <p:sldId id="309" r:id="rId55"/>
+    <p:sldId id="307" r:id="rId56"/>
+    <p:sldId id="311" r:id="rId57"/>
+    <p:sldId id="312" r:id="rId58"/>
+    <p:sldId id="313" r:id="rId59"/>
+    <p:sldId id="314" r:id="rId60"/>
+    <p:sldId id="315" r:id="rId61"/>
   </p:sldIdLst>
   <p:sldSz cx="9144000" cy="6858000" type="screen4x3"/>
   <p:notesSz cx="6858000" cy="9144000"/>
@@ -242,7 +252,7 @@
             <a:fld id="{32B86DEE-773E-43AE-9ECA-E0C79A981448}" type="datetimeFigureOut">
               <a:rPr lang="en-US" smtClean="0"/>
               <a:pPr/>
-              <a:t>12/16/2019</a:t>
+              <a:t>12/18/2019</a:t>
             </a:fld>
             <a:endParaRPr lang="en-US"/>
           </a:p>
@@ -1249,7 +1259,7 @@
             <a:fld id="{051B7C22-4A45-4025-8681-ED0403F46852}" type="datetimeFigureOut">
               <a:rPr lang="en-US" smtClean="0"/>
               <a:pPr/>
-              <a:t>12/16/2019</a:t>
+              <a:t>12/18/2019</a:t>
             </a:fld>
             <a:endParaRPr lang="en-US"/>
           </a:p>
@@ -1434,7 +1444,7 @@
             <a:fld id="{051B7C22-4A45-4025-8681-ED0403F46852}" type="datetimeFigureOut">
               <a:rPr lang="en-US" smtClean="0"/>
               <a:pPr/>
-              <a:t>12/16/2019</a:t>
+              <a:t>12/18/2019</a:t>
             </a:fld>
             <a:endParaRPr lang="en-US"/>
           </a:p>
@@ -1611,7 +1621,7 @@
             <a:fld id="{051B7C22-4A45-4025-8681-ED0403F46852}" type="datetimeFigureOut">
               <a:rPr lang="en-US" smtClean="0"/>
               <a:pPr/>
-              <a:t>12/16/2019</a:t>
+              <a:t>12/18/2019</a:t>
             </a:fld>
             <a:endParaRPr lang="en-US"/>
           </a:p>
@@ -1778,7 +1788,7 @@
             <a:fld id="{051B7C22-4A45-4025-8681-ED0403F46852}" type="datetimeFigureOut">
               <a:rPr lang="en-US" smtClean="0"/>
               <a:pPr/>
-              <a:t>12/16/2019</a:t>
+              <a:t>12/18/2019</a:t>
             </a:fld>
             <a:endParaRPr lang="en-US"/>
           </a:p>
@@ -2001,7 +2011,7 @@
             <a:fld id="{051B7C22-4A45-4025-8681-ED0403F46852}" type="datetimeFigureOut">
               <a:rPr lang="en-US" smtClean="0"/>
               <a:pPr/>
-              <a:t>12/16/2019</a:t>
+              <a:t>12/18/2019</a:t>
             </a:fld>
             <a:endParaRPr lang="en-US"/>
           </a:p>
@@ -2262,7 +2272,7 @@
             <a:fld id="{051B7C22-4A45-4025-8681-ED0403F46852}" type="datetimeFigureOut">
               <a:rPr lang="en-US" smtClean="0"/>
               <a:pPr/>
-              <a:t>12/16/2019</a:t>
+              <a:t>12/18/2019</a:t>
             </a:fld>
             <a:endParaRPr lang="en-US"/>
           </a:p>
@@ -2668,7 +2678,7 @@
             <a:fld id="{051B7C22-4A45-4025-8681-ED0403F46852}" type="datetimeFigureOut">
               <a:rPr lang="en-US" smtClean="0"/>
               <a:pPr/>
-              <a:t>12/16/2019</a:t>
+              <a:t>12/18/2019</a:t>
             </a:fld>
             <a:endParaRPr lang="en-US"/>
           </a:p>
@@ -2801,7 +2811,7 @@
             <a:fld id="{051B7C22-4A45-4025-8681-ED0403F46852}" type="datetimeFigureOut">
               <a:rPr lang="en-US" smtClean="0"/>
               <a:pPr/>
-              <a:t>12/16/2019</a:t>
+              <a:t>12/18/2019</a:t>
             </a:fld>
             <a:endParaRPr lang="en-US"/>
           </a:p>
@@ -2903,7 +2913,7 @@
             <a:fld id="{051B7C22-4A45-4025-8681-ED0403F46852}" type="datetimeFigureOut">
               <a:rPr lang="en-US" smtClean="0"/>
               <a:pPr/>
-              <a:t>12/16/2019</a:t>
+              <a:t>12/18/2019</a:t>
             </a:fld>
             <a:endParaRPr lang="en-US"/>
           </a:p>
@@ -3150,7 +3160,7 @@
             <a:fld id="{051B7C22-4A45-4025-8681-ED0403F46852}" type="datetimeFigureOut">
               <a:rPr lang="en-US" smtClean="0"/>
               <a:pPr/>
-              <a:t>12/16/2019</a:t>
+              <a:t>12/18/2019</a:t>
             </a:fld>
             <a:endParaRPr lang="en-US"/>
           </a:p>
@@ -3396,7 +3406,7 @@
             <a:fld id="{051B7C22-4A45-4025-8681-ED0403F46852}" type="datetimeFigureOut">
               <a:rPr lang="en-US" smtClean="0"/>
               <a:pPr/>
-              <a:t>12/16/2019</a:t>
+              <a:t>12/18/2019</a:t>
             </a:fld>
             <a:endParaRPr lang="en-US"/>
           </a:p>
@@ -4222,7 +4232,7 @@
             <a:fld id="{051B7C22-4A45-4025-8681-ED0403F46852}" type="datetimeFigureOut">
               <a:rPr lang="en-US" smtClean="0"/>
               <a:pPr/>
-              <a:t>12/16/2019</a:t>
+              <a:t>12/18/2019</a:t>
             </a:fld>
             <a:endParaRPr lang="en-US"/>
           </a:p>
@@ -10893,6 +10903,888 @@
 </p:sld>
 </file>
 
+<file path=ppt/slides/slide51.xml><?xml version="1.0" encoding="utf-8"?>
+<p:sld xmlns:a="http://schemas.openxmlformats.org/drawingml/2006/main" xmlns:r="http://schemas.openxmlformats.org/officeDocument/2006/relationships" xmlns:p="http://schemas.openxmlformats.org/presentationml/2006/main">
+  <p:cSld>
+    <p:spTree>
+      <p:nvGrpSpPr>
+        <p:cNvPr id="1" name=""/>
+        <p:cNvGrpSpPr/>
+        <p:nvPr/>
+      </p:nvGrpSpPr>
+      <p:grpSpPr>
+        <a:xfrm>
+          <a:off x="0" y="0"/>
+          <a:ext cx="0" cy="0"/>
+          <a:chOff x="0" y="0"/>
+          <a:chExt cx="0" cy="0"/>
+        </a:xfrm>
+      </p:grpSpPr>
+      <p:sp>
+        <p:nvSpPr>
+          <p:cNvPr id="2" name="Title 1"/>
+          <p:cNvSpPr>
+            <a:spLocks noGrp="1"/>
+          </p:cNvSpPr>
+          <p:nvPr>
+            <p:ph type="title"/>
+          </p:nvPr>
+        </p:nvSpPr>
+        <p:spPr/>
+        <p:txBody>
+          <a:bodyPr/>
+          <a:lstStyle/>
+          <a:p>
+            <a:r>
+              <a:rPr lang="en-US" dirty="0" smtClean="0"/>
+              <a:t>Routing</a:t>
+            </a:r>
+            <a:endParaRPr lang="en-US" dirty="0"/>
+          </a:p>
+        </p:txBody>
+      </p:sp>
+      <p:sp>
+        <p:nvSpPr>
+          <p:cNvPr id="3" name="Content Placeholder 2"/>
+          <p:cNvSpPr>
+            <a:spLocks noGrp="1"/>
+          </p:cNvSpPr>
+          <p:nvPr>
+            <p:ph idx="1"/>
+          </p:nvPr>
+        </p:nvSpPr>
+        <p:spPr/>
+        <p:txBody>
+          <a:bodyPr/>
+          <a:lstStyle/>
+          <a:p>
+            <a:r>
+              <a:rPr lang="en-US" b="1" i="1" dirty="0" smtClean="0"/>
+              <a:t>Routing</a:t>
+            </a:r>
+            <a:r>
+              <a:rPr lang="en-US" dirty="0" smtClean="0"/>
+              <a:t> refers to determining how an application responds to a client request to a particular endpoint.</a:t>
+            </a:r>
+          </a:p>
+          <a:p>
+            <a:pPr lvl="1"/>
+            <a:r>
+              <a:rPr lang="en-US" dirty="0" err="1" smtClean="0"/>
+              <a:t>i.e</a:t>
+            </a:r>
+            <a:r>
+              <a:rPr lang="en-US" dirty="0" smtClean="0"/>
+              <a:t>, a URI (or path) and a specific HTTP request method (GET, POST, and so on)</a:t>
+            </a:r>
+          </a:p>
+          <a:p>
+            <a:endParaRPr lang="en-US" dirty="0"/>
+          </a:p>
+        </p:txBody>
+      </p:sp>
+      <p:pic>
+        <p:nvPicPr>
+          <p:cNvPr id="1026" name="Picture 2"/>
+          <p:cNvPicPr>
+            <a:picLocks noChangeAspect="1" noChangeArrowheads="1"/>
+          </p:cNvPicPr>
+          <p:nvPr/>
+        </p:nvPicPr>
+        <p:blipFill>
+          <a:blip r:embed="rId2"/>
+          <a:srcRect/>
+          <a:stretch>
+            <a:fillRect/>
+          </a:stretch>
+        </p:blipFill>
+        <p:spPr bwMode="auto">
+          <a:xfrm>
+            <a:off x="1752600" y="4800600"/>
+            <a:ext cx="4362450" cy="914400"/>
+          </a:xfrm>
+          <a:prstGeom prst="rect">
+            <a:avLst/>
+          </a:prstGeom>
+          <a:noFill/>
+          <a:ln w="9525">
+            <a:noFill/>
+            <a:miter lim="800000"/>
+            <a:headEnd/>
+            <a:tailEnd/>
+          </a:ln>
+          <a:effectLst/>
+        </p:spPr>
+      </p:pic>
+    </p:spTree>
+  </p:cSld>
+  <p:clrMapOvr>
+    <a:masterClrMapping/>
+  </p:clrMapOvr>
+</p:sld>
+</file>
+
+<file path=ppt/slides/slide52.xml><?xml version="1.0" encoding="utf-8"?>
+<p:sld xmlns:a="http://schemas.openxmlformats.org/drawingml/2006/main" xmlns:r="http://schemas.openxmlformats.org/officeDocument/2006/relationships" xmlns:p="http://schemas.openxmlformats.org/presentationml/2006/main">
+  <p:cSld>
+    <p:spTree>
+      <p:nvGrpSpPr>
+        <p:cNvPr id="1" name=""/>
+        <p:cNvGrpSpPr/>
+        <p:nvPr/>
+      </p:nvGrpSpPr>
+      <p:grpSpPr>
+        <a:xfrm>
+          <a:off x="0" y="0"/>
+          <a:ext cx="0" cy="0"/>
+          <a:chOff x="0" y="0"/>
+          <a:chExt cx="0" cy="0"/>
+        </a:xfrm>
+      </p:grpSpPr>
+      <p:sp>
+        <p:nvSpPr>
+          <p:cNvPr id="2" name="Title 1"/>
+          <p:cNvSpPr>
+            <a:spLocks noGrp="1"/>
+          </p:cNvSpPr>
+          <p:nvPr>
+            <p:ph type="title"/>
+          </p:nvPr>
+        </p:nvSpPr>
+        <p:spPr/>
+        <p:txBody>
+          <a:bodyPr/>
+          <a:lstStyle/>
+          <a:p>
+            <a:r>
+              <a:rPr lang="en-US" dirty="0" smtClean="0"/>
+              <a:t>Routing… Example</a:t>
+            </a:r>
+            <a:endParaRPr lang="en-US" dirty="0"/>
+          </a:p>
+        </p:txBody>
+      </p:sp>
+      <p:pic>
+        <p:nvPicPr>
+          <p:cNvPr id="4" name="Content Placeholder 3"/>
+          <p:cNvPicPr>
+            <a:picLocks noGrp="1" noChangeAspect="1" noChangeArrowheads="1"/>
+          </p:cNvPicPr>
+          <p:nvPr>
+            <p:ph idx="1"/>
+          </p:nvPr>
+        </p:nvPicPr>
+        <p:blipFill>
+          <a:blip r:embed="rId2"/>
+          <a:srcRect/>
+          <a:stretch>
+            <a:fillRect/>
+          </a:stretch>
+        </p:blipFill>
+        <p:spPr bwMode="auto">
+          <a:xfrm>
+            <a:off x="990600" y="2819400"/>
+            <a:ext cx="6770387" cy="2392363"/>
+          </a:xfrm>
+          <a:prstGeom prst="rect">
+            <a:avLst/>
+          </a:prstGeom>
+          <a:noFill/>
+          <a:ln w="9525">
+            <a:noFill/>
+            <a:miter lim="800000"/>
+            <a:headEnd/>
+            <a:tailEnd/>
+          </a:ln>
+          <a:effectLst/>
+        </p:spPr>
+      </p:pic>
+    </p:spTree>
+  </p:cSld>
+  <p:clrMapOvr>
+    <a:masterClrMapping/>
+  </p:clrMapOvr>
+</p:sld>
+</file>
+
+<file path=ppt/slides/slide53.xml><?xml version="1.0" encoding="utf-8"?>
+<p:sld xmlns:a="http://schemas.openxmlformats.org/drawingml/2006/main" xmlns:r="http://schemas.openxmlformats.org/officeDocument/2006/relationships" xmlns:p="http://schemas.openxmlformats.org/presentationml/2006/main">
+  <p:cSld>
+    <p:spTree>
+      <p:nvGrpSpPr>
+        <p:cNvPr id="1" name=""/>
+        <p:cNvGrpSpPr/>
+        <p:nvPr/>
+      </p:nvGrpSpPr>
+      <p:grpSpPr>
+        <a:xfrm>
+          <a:off x="0" y="0"/>
+          <a:ext cx="0" cy="0"/>
+          <a:chOff x="0" y="0"/>
+          <a:chExt cx="0" cy="0"/>
+        </a:xfrm>
+      </p:grpSpPr>
+      <p:sp>
+        <p:nvSpPr>
+          <p:cNvPr id="2" name="Title 1"/>
+          <p:cNvSpPr>
+            <a:spLocks noGrp="1"/>
+          </p:cNvSpPr>
+          <p:nvPr>
+            <p:ph type="title"/>
+          </p:nvPr>
+        </p:nvSpPr>
+        <p:spPr/>
+        <p:txBody>
+          <a:bodyPr/>
+          <a:lstStyle/>
+          <a:p>
+            <a:r>
+              <a:rPr lang="en-US" dirty="0" smtClean="0"/>
+              <a:t>Routing… Example</a:t>
+            </a:r>
+            <a:endParaRPr lang="en-US" dirty="0"/>
+          </a:p>
+        </p:txBody>
+      </p:sp>
+      <p:sp>
+        <p:nvSpPr>
+          <p:cNvPr id="3" name="Content Placeholder 2"/>
+          <p:cNvSpPr>
+            <a:spLocks noGrp="1"/>
+          </p:cNvSpPr>
+          <p:nvPr>
+            <p:ph idx="1"/>
+          </p:nvPr>
+        </p:nvSpPr>
+        <p:spPr/>
+        <p:txBody>
+          <a:bodyPr/>
+          <a:lstStyle/>
+          <a:p>
+            <a:r>
+              <a:rPr lang="en-US" dirty="0" smtClean="0"/>
+              <a:t>http://localhost:3000/users/34/books/8989</a:t>
+            </a:r>
+            <a:endParaRPr lang="en-US" dirty="0"/>
+          </a:p>
+        </p:txBody>
+      </p:sp>
+      <p:pic>
+        <p:nvPicPr>
+          <p:cNvPr id="4099" name="Picture 3"/>
+          <p:cNvPicPr>
+            <a:picLocks noChangeAspect="1" noChangeArrowheads="1"/>
+          </p:cNvPicPr>
+          <p:nvPr/>
+        </p:nvPicPr>
+        <p:blipFill>
+          <a:blip r:embed="rId2"/>
+          <a:srcRect/>
+          <a:stretch>
+            <a:fillRect/>
+          </a:stretch>
+        </p:blipFill>
+        <p:spPr bwMode="auto">
+          <a:xfrm>
+            <a:off x="762000" y="3429000"/>
+            <a:ext cx="7302500" cy="1666875"/>
+          </a:xfrm>
+          <a:prstGeom prst="rect">
+            <a:avLst/>
+          </a:prstGeom>
+          <a:noFill/>
+          <a:ln w="9525">
+            <a:noFill/>
+            <a:miter lim="800000"/>
+            <a:headEnd/>
+            <a:tailEnd/>
+          </a:ln>
+          <a:effectLst/>
+        </p:spPr>
+      </p:pic>
+    </p:spTree>
+  </p:cSld>
+  <p:clrMapOvr>
+    <a:masterClrMapping/>
+  </p:clrMapOvr>
+</p:sld>
+</file>
+
+<file path=ppt/slides/slide54.xml><?xml version="1.0" encoding="utf-8"?>
+<p:sld xmlns:a="http://schemas.openxmlformats.org/drawingml/2006/main" xmlns:r="http://schemas.openxmlformats.org/officeDocument/2006/relationships" xmlns:p="http://schemas.openxmlformats.org/presentationml/2006/main">
+  <p:cSld>
+    <p:spTree>
+      <p:nvGrpSpPr>
+        <p:cNvPr id="1" name=""/>
+        <p:cNvGrpSpPr/>
+        <p:nvPr/>
+      </p:nvGrpSpPr>
+      <p:grpSpPr>
+        <a:xfrm>
+          <a:off x="0" y="0"/>
+          <a:ext cx="0" cy="0"/>
+          <a:chOff x="0" y="0"/>
+          <a:chExt cx="0" cy="0"/>
+        </a:xfrm>
+      </p:grpSpPr>
+      <p:sp>
+        <p:nvSpPr>
+          <p:cNvPr id="2" name="Title 1"/>
+          <p:cNvSpPr>
+            <a:spLocks noGrp="1"/>
+          </p:cNvSpPr>
+          <p:nvPr>
+            <p:ph type="title"/>
+          </p:nvPr>
+        </p:nvSpPr>
+        <p:spPr/>
+        <p:txBody>
+          <a:bodyPr/>
+          <a:lstStyle/>
+          <a:p>
+            <a:r>
+              <a:rPr lang="en-US" dirty="0" smtClean="0"/>
+              <a:t>Routing… Response Methods</a:t>
+            </a:r>
+            <a:endParaRPr lang="en-US" dirty="0"/>
+          </a:p>
+        </p:txBody>
+      </p:sp>
+      <p:sp>
+        <p:nvSpPr>
+          <p:cNvPr id="3" name="Content Placeholder 2"/>
+          <p:cNvSpPr>
+            <a:spLocks noGrp="1"/>
+          </p:cNvSpPr>
+          <p:nvPr>
+            <p:ph idx="1"/>
+          </p:nvPr>
+        </p:nvSpPr>
+        <p:spPr/>
+        <p:txBody>
+          <a:bodyPr/>
+          <a:lstStyle/>
+          <a:p>
+            <a:endParaRPr lang="en-US" dirty="0"/>
+          </a:p>
+        </p:txBody>
+      </p:sp>
+      <p:pic>
+        <p:nvPicPr>
+          <p:cNvPr id="3074" name="Picture 2"/>
+          <p:cNvPicPr>
+            <a:picLocks noChangeAspect="1" noChangeArrowheads="1"/>
+          </p:cNvPicPr>
+          <p:nvPr/>
+        </p:nvPicPr>
+        <p:blipFill>
+          <a:blip r:embed="rId2"/>
+          <a:srcRect/>
+          <a:stretch>
+            <a:fillRect/>
+          </a:stretch>
+        </p:blipFill>
+        <p:spPr bwMode="auto">
+          <a:xfrm>
+            <a:off x="609599" y="2362200"/>
+            <a:ext cx="7991019" cy="3352800"/>
+          </a:xfrm>
+          <a:prstGeom prst="rect">
+            <a:avLst/>
+          </a:prstGeom>
+          <a:noFill/>
+          <a:ln w="9525">
+            <a:noFill/>
+            <a:miter lim="800000"/>
+            <a:headEnd/>
+            <a:tailEnd/>
+          </a:ln>
+          <a:effectLst/>
+        </p:spPr>
+      </p:pic>
+    </p:spTree>
+  </p:cSld>
+  <p:clrMapOvr>
+    <a:masterClrMapping/>
+  </p:clrMapOvr>
+</p:sld>
+</file>
+
+<file path=ppt/slides/slide55.xml><?xml version="1.0" encoding="utf-8"?>
+<p:sld xmlns:a="http://schemas.openxmlformats.org/drawingml/2006/main" xmlns:r="http://schemas.openxmlformats.org/officeDocument/2006/relationships" xmlns:p="http://schemas.openxmlformats.org/presentationml/2006/main">
+  <p:cSld>
+    <p:spTree>
+      <p:nvGrpSpPr>
+        <p:cNvPr id="1" name=""/>
+        <p:cNvGrpSpPr/>
+        <p:nvPr/>
+      </p:nvGrpSpPr>
+      <p:grpSpPr>
+        <a:xfrm>
+          <a:off x="0" y="0"/>
+          <a:ext cx="0" cy="0"/>
+          <a:chOff x="0" y="0"/>
+          <a:chExt cx="0" cy="0"/>
+        </a:xfrm>
+      </p:grpSpPr>
+      <p:sp>
+        <p:nvSpPr>
+          <p:cNvPr id="2" name="Title 1"/>
+          <p:cNvSpPr>
+            <a:spLocks noGrp="1"/>
+          </p:cNvSpPr>
+          <p:nvPr>
+            <p:ph type="title"/>
+          </p:nvPr>
+        </p:nvSpPr>
+        <p:spPr/>
+        <p:txBody>
+          <a:bodyPr>
+            <a:normAutofit/>
+          </a:bodyPr>
+          <a:lstStyle/>
+          <a:p>
+            <a:r>
+              <a:rPr lang="en-US" dirty="0" smtClean="0"/>
+              <a:t>HTTP Interaction…. Methods</a:t>
+            </a:r>
+            <a:endParaRPr lang="en-US" dirty="0"/>
+          </a:p>
+        </p:txBody>
+      </p:sp>
+      <p:sp>
+        <p:nvSpPr>
+          <p:cNvPr id="5" name="Content Placeholder 4"/>
+          <p:cNvSpPr>
+            <a:spLocks noGrp="1"/>
+          </p:cNvSpPr>
+          <p:nvPr>
+            <p:ph idx="1"/>
+          </p:nvPr>
+        </p:nvSpPr>
+        <p:spPr/>
+        <p:txBody>
+          <a:bodyPr/>
+          <a:lstStyle/>
+          <a:p>
+            <a:endParaRPr lang="en-US"/>
+          </a:p>
+        </p:txBody>
+      </p:sp>
+      <p:pic>
+        <p:nvPicPr>
+          <p:cNvPr id="2051" name="Picture 3"/>
+          <p:cNvPicPr>
+            <a:picLocks noChangeAspect="1" noChangeArrowheads="1"/>
+          </p:cNvPicPr>
+          <p:nvPr/>
+        </p:nvPicPr>
+        <p:blipFill>
+          <a:blip r:embed="rId2"/>
+          <a:srcRect/>
+          <a:stretch>
+            <a:fillRect/>
+          </a:stretch>
+        </p:blipFill>
+        <p:spPr bwMode="auto">
+          <a:xfrm>
+            <a:off x="485775" y="2624138"/>
+            <a:ext cx="8172450" cy="2405062"/>
+          </a:xfrm>
+          <a:prstGeom prst="rect">
+            <a:avLst/>
+          </a:prstGeom>
+          <a:noFill/>
+          <a:ln w="9525">
+            <a:noFill/>
+            <a:miter lim="800000"/>
+            <a:headEnd/>
+            <a:tailEnd/>
+          </a:ln>
+          <a:effectLst/>
+        </p:spPr>
+      </p:pic>
+    </p:spTree>
+  </p:cSld>
+  <p:clrMapOvr>
+    <a:masterClrMapping/>
+  </p:clrMapOvr>
+</p:sld>
+</file>
+
+<file path=ppt/slides/slide56.xml><?xml version="1.0" encoding="utf-8"?>
+<p:sld xmlns:a="http://schemas.openxmlformats.org/drawingml/2006/main" xmlns:r="http://schemas.openxmlformats.org/officeDocument/2006/relationships" xmlns:p="http://schemas.openxmlformats.org/presentationml/2006/main">
+  <p:cSld>
+    <p:spTree>
+      <p:nvGrpSpPr>
+        <p:cNvPr id="1" name=""/>
+        <p:cNvGrpSpPr/>
+        <p:nvPr/>
+      </p:nvGrpSpPr>
+      <p:grpSpPr>
+        <a:xfrm>
+          <a:off x="0" y="0"/>
+          <a:ext cx="0" cy="0"/>
+          <a:chOff x="0" y="0"/>
+          <a:chExt cx="0" cy="0"/>
+        </a:xfrm>
+      </p:grpSpPr>
+      <p:sp>
+        <p:nvSpPr>
+          <p:cNvPr id="2" name="Title 1"/>
+          <p:cNvSpPr>
+            <a:spLocks noGrp="1"/>
+          </p:cNvSpPr>
+          <p:nvPr>
+            <p:ph type="title"/>
+          </p:nvPr>
+        </p:nvSpPr>
+        <p:spPr/>
+        <p:txBody>
+          <a:bodyPr/>
+          <a:lstStyle/>
+          <a:p>
+            <a:r>
+              <a:rPr lang="en-US" dirty="0" smtClean="0"/>
+              <a:t>Practice….</a:t>
+            </a:r>
+            <a:endParaRPr lang="en-US" dirty="0"/>
+          </a:p>
+        </p:txBody>
+      </p:sp>
+      <p:sp>
+        <p:nvSpPr>
+          <p:cNvPr id="5" name="Content Placeholder 4"/>
+          <p:cNvSpPr>
+            <a:spLocks noGrp="1"/>
+          </p:cNvSpPr>
+          <p:nvPr>
+            <p:ph idx="1"/>
+          </p:nvPr>
+        </p:nvSpPr>
+        <p:spPr/>
+        <p:txBody>
+          <a:bodyPr/>
+          <a:lstStyle/>
+          <a:p>
+            <a:r>
+              <a:rPr lang="en-US" dirty="0" smtClean="0"/>
+              <a:t>GET</a:t>
+            </a:r>
+          </a:p>
+          <a:p>
+            <a:r>
+              <a:rPr lang="en-US" dirty="0" smtClean="0"/>
+              <a:t>POST</a:t>
+            </a:r>
+          </a:p>
+          <a:p>
+            <a:r>
+              <a:rPr lang="en-US" dirty="0" smtClean="0"/>
+              <a:t>PUT</a:t>
+            </a:r>
+          </a:p>
+          <a:p>
+            <a:r>
+              <a:rPr lang="en-US" dirty="0" smtClean="0"/>
+              <a:t>DELETE</a:t>
+            </a:r>
+            <a:endParaRPr lang="en-US" dirty="0"/>
+          </a:p>
+        </p:txBody>
+      </p:sp>
+      <p:pic>
+        <p:nvPicPr>
+          <p:cNvPr id="6" name="Picture 2"/>
+          <p:cNvPicPr>
+            <a:picLocks noChangeAspect="1" noChangeArrowheads="1"/>
+          </p:cNvPicPr>
+          <p:nvPr/>
+        </p:nvPicPr>
+        <p:blipFill>
+          <a:blip r:embed="rId2"/>
+          <a:srcRect/>
+          <a:stretch>
+            <a:fillRect/>
+          </a:stretch>
+        </p:blipFill>
+        <p:spPr bwMode="auto">
+          <a:xfrm>
+            <a:off x="2460052" y="2209800"/>
+            <a:ext cx="5869559" cy="3200400"/>
+          </a:xfrm>
+          <a:prstGeom prst="rect">
+            <a:avLst/>
+          </a:prstGeom>
+          <a:noFill/>
+          <a:ln w="9525">
+            <a:noFill/>
+            <a:miter lim="800000"/>
+            <a:headEnd/>
+            <a:tailEnd/>
+          </a:ln>
+          <a:effectLst/>
+        </p:spPr>
+      </p:pic>
+    </p:spTree>
+  </p:cSld>
+  <p:clrMapOvr>
+    <a:masterClrMapping/>
+  </p:clrMapOvr>
+</p:sld>
+</file>
+
+<file path=ppt/slides/slide57.xml><?xml version="1.0" encoding="utf-8"?>
+<p:sld xmlns:a="http://schemas.openxmlformats.org/drawingml/2006/main" xmlns:r="http://schemas.openxmlformats.org/officeDocument/2006/relationships" xmlns:p="http://schemas.openxmlformats.org/presentationml/2006/main">
+  <p:cSld>
+    <p:spTree>
+      <p:nvGrpSpPr>
+        <p:cNvPr id="1" name=""/>
+        <p:cNvGrpSpPr/>
+        <p:nvPr/>
+      </p:nvGrpSpPr>
+      <p:grpSpPr>
+        <a:xfrm>
+          <a:off x="0" y="0"/>
+          <a:ext cx="0" cy="0"/>
+          <a:chOff x="0" y="0"/>
+          <a:chExt cx="0" cy="0"/>
+        </a:xfrm>
+      </p:grpSpPr>
+      <p:sp>
+        <p:nvSpPr>
+          <p:cNvPr id="2" name="Title 1"/>
+          <p:cNvSpPr>
+            <a:spLocks noGrp="1"/>
+          </p:cNvSpPr>
+          <p:nvPr>
+            <p:ph type="title"/>
+          </p:nvPr>
+        </p:nvSpPr>
+        <p:spPr/>
+        <p:txBody>
+          <a:bodyPr/>
+          <a:lstStyle/>
+          <a:p>
+            <a:endParaRPr lang="en-US" dirty="0"/>
+          </a:p>
+        </p:txBody>
+      </p:sp>
+      <p:sp>
+        <p:nvSpPr>
+          <p:cNvPr id="3" name="Content Placeholder 2"/>
+          <p:cNvSpPr>
+            <a:spLocks noGrp="1"/>
+          </p:cNvSpPr>
+          <p:nvPr>
+            <p:ph idx="1"/>
+          </p:nvPr>
+        </p:nvSpPr>
+        <p:spPr/>
+        <p:txBody>
+          <a:bodyPr/>
+          <a:lstStyle/>
+          <a:p>
+            <a:endParaRPr lang="en-US" dirty="0" smtClean="0"/>
+          </a:p>
+          <a:p>
+            <a:endParaRPr lang="en-US" dirty="0" smtClean="0"/>
+          </a:p>
+          <a:p>
+            <a:endParaRPr lang="en-US" dirty="0" smtClean="0"/>
+          </a:p>
+          <a:p>
+            <a:pPr algn="ctr">
+              <a:buNone/>
+            </a:pPr>
+            <a:r>
+              <a:rPr lang="en-US" dirty="0" smtClean="0"/>
+              <a:t>Handling Form Data??</a:t>
+            </a:r>
+            <a:endParaRPr lang="en-US" dirty="0"/>
+          </a:p>
+        </p:txBody>
+      </p:sp>
+    </p:spTree>
+  </p:cSld>
+  <p:clrMapOvr>
+    <a:masterClrMapping/>
+  </p:clrMapOvr>
+</p:sld>
+</file>
+
+<file path=ppt/slides/slide58.xml><?xml version="1.0" encoding="utf-8"?>
+<p:sld xmlns:a="http://schemas.openxmlformats.org/drawingml/2006/main" xmlns:r="http://schemas.openxmlformats.org/officeDocument/2006/relationships" xmlns:p="http://schemas.openxmlformats.org/presentationml/2006/main">
+  <p:cSld>
+    <p:spTree>
+      <p:nvGrpSpPr>
+        <p:cNvPr id="1" name=""/>
+        <p:cNvGrpSpPr/>
+        <p:nvPr/>
+      </p:nvGrpSpPr>
+      <p:grpSpPr>
+        <a:xfrm>
+          <a:off x="0" y="0"/>
+          <a:ext cx="0" cy="0"/>
+          <a:chOff x="0" y="0"/>
+          <a:chExt cx="0" cy="0"/>
+        </a:xfrm>
+      </p:grpSpPr>
+      <p:sp>
+        <p:nvSpPr>
+          <p:cNvPr id="2" name="Title 1"/>
+          <p:cNvSpPr>
+            <a:spLocks noGrp="1"/>
+          </p:cNvSpPr>
+          <p:nvPr>
+            <p:ph type="title"/>
+          </p:nvPr>
+        </p:nvSpPr>
+        <p:spPr/>
+        <p:txBody>
+          <a:bodyPr/>
+          <a:lstStyle/>
+          <a:p>
+            <a:r>
+              <a:rPr lang="en-US" dirty="0" smtClean="0"/>
+              <a:t>Cookies and Sessions</a:t>
+            </a:r>
+            <a:endParaRPr lang="en-US" dirty="0"/>
+          </a:p>
+        </p:txBody>
+      </p:sp>
+      <p:sp>
+        <p:nvSpPr>
+          <p:cNvPr id="3" name="Content Placeholder 2"/>
+          <p:cNvSpPr>
+            <a:spLocks noGrp="1"/>
+          </p:cNvSpPr>
+          <p:nvPr>
+            <p:ph idx="1"/>
+          </p:nvPr>
+        </p:nvSpPr>
+        <p:spPr/>
+        <p:txBody>
+          <a:bodyPr/>
+          <a:lstStyle/>
+          <a:p>
+            <a:pPr algn="ctr"/>
+            <a:endParaRPr lang="en-US" dirty="0" smtClean="0"/>
+          </a:p>
+          <a:p>
+            <a:pPr algn="ctr"/>
+            <a:endParaRPr lang="en-US" dirty="0" smtClean="0"/>
+          </a:p>
+          <a:p>
+            <a:pPr algn="ctr"/>
+            <a:endParaRPr lang="en-US" dirty="0" smtClean="0"/>
+          </a:p>
+          <a:p>
+            <a:pPr algn="ctr">
+              <a:buNone/>
+            </a:pPr>
+            <a:r>
+              <a:rPr lang="en-US" dirty="0" smtClean="0">
+                <a:hlinkClick r:id="rId2"/>
+              </a:rPr>
+              <a:t>https://www.npmjs.com/package/cookie-session</a:t>
+            </a:r>
+            <a:endParaRPr lang="en-US" dirty="0"/>
+          </a:p>
+        </p:txBody>
+      </p:sp>
+    </p:spTree>
+  </p:cSld>
+  <p:clrMapOvr>
+    <a:masterClrMapping/>
+  </p:clrMapOvr>
+</p:sld>
+</file>
+
+<file path=ppt/slides/slide59.xml><?xml version="1.0" encoding="utf-8"?>
+<p:sld xmlns:a="http://schemas.openxmlformats.org/drawingml/2006/main" xmlns:r="http://schemas.openxmlformats.org/officeDocument/2006/relationships" xmlns:p="http://schemas.openxmlformats.org/presentationml/2006/main">
+  <p:cSld>
+    <p:spTree>
+      <p:nvGrpSpPr>
+        <p:cNvPr id="1" name=""/>
+        <p:cNvGrpSpPr/>
+        <p:nvPr/>
+      </p:nvGrpSpPr>
+      <p:grpSpPr>
+        <a:xfrm>
+          <a:off x="0" y="0"/>
+          <a:ext cx="0" cy="0"/>
+          <a:chOff x="0" y="0"/>
+          <a:chExt cx="0" cy="0"/>
+        </a:xfrm>
+      </p:grpSpPr>
+      <p:sp>
+        <p:nvSpPr>
+          <p:cNvPr id="2" name="Title 1"/>
+          <p:cNvSpPr>
+            <a:spLocks noGrp="1"/>
+          </p:cNvSpPr>
+          <p:nvPr>
+            <p:ph type="title"/>
+          </p:nvPr>
+        </p:nvSpPr>
+        <p:spPr/>
+        <p:txBody>
+          <a:bodyPr/>
+          <a:lstStyle/>
+          <a:p>
+            <a:r>
+              <a:rPr lang="en-US" dirty="0" smtClean="0"/>
+              <a:t>Consuming external service</a:t>
+            </a:r>
+            <a:endParaRPr lang="en-US" dirty="0"/>
+          </a:p>
+        </p:txBody>
+      </p:sp>
+      <p:pic>
+        <p:nvPicPr>
+          <p:cNvPr id="7170" name="Picture 2"/>
+          <p:cNvPicPr>
+            <a:picLocks noGrp="1" noChangeAspect="1" noChangeArrowheads="1"/>
+          </p:cNvPicPr>
+          <p:nvPr>
+            <p:ph idx="1"/>
+          </p:nvPr>
+        </p:nvPicPr>
+        <p:blipFill>
+          <a:blip r:embed="rId2"/>
+          <a:srcRect/>
+          <a:stretch>
+            <a:fillRect/>
+          </a:stretch>
+        </p:blipFill>
+        <p:spPr bwMode="auto">
+          <a:xfrm>
+            <a:off x="1447800" y="2057400"/>
+            <a:ext cx="5695950" cy="4954041"/>
+          </a:xfrm>
+          <a:prstGeom prst="rect">
+            <a:avLst/>
+          </a:prstGeom>
+          <a:noFill/>
+          <a:ln w="9525">
+            <a:noFill/>
+            <a:miter lim="800000"/>
+            <a:headEnd/>
+            <a:tailEnd/>
+          </a:ln>
+          <a:effectLst/>
+        </p:spPr>
+      </p:pic>
+    </p:spTree>
+  </p:cSld>
+  <p:clrMapOvr>
+    <a:masterClrMapping/>
+  </p:clrMapOvr>
+</p:sld>
+</file>
+
 <file path=ppt/slides/slide6.xml><?xml version="1.0" encoding="utf-8"?>
 <p:sld xmlns:a="http://schemas.openxmlformats.org/drawingml/2006/main" xmlns:r="http://schemas.openxmlformats.org/officeDocument/2006/relationships" xmlns:p="http://schemas.openxmlformats.org/presentationml/2006/main">
   <p:cSld>
@@ -11059,6 +11951,137 @@
       </p:par>
     </p:tnLst>
   </p:timing>
+</p:sld>
+</file>
+
+<file path=ppt/slides/slide60.xml><?xml version="1.0" encoding="utf-8"?>
+<p:sld xmlns:a="http://schemas.openxmlformats.org/drawingml/2006/main" xmlns:r="http://schemas.openxmlformats.org/officeDocument/2006/relationships" xmlns:p="http://schemas.openxmlformats.org/presentationml/2006/main">
+  <p:cSld>
+    <p:spTree>
+      <p:nvGrpSpPr>
+        <p:cNvPr id="1" name=""/>
+        <p:cNvGrpSpPr/>
+        <p:nvPr/>
+      </p:nvGrpSpPr>
+      <p:grpSpPr>
+        <a:xfrm>
+          <a:off x="0" y="0"/>
+          <a:ext cx="0" cy="0"/>
+          <a:chOff x="0" y="0"/>
+          <a:chExt cx="0" cy="0"/>
+        </a:xfrm>
+      </p:grpSpPr>
+      <p:sp>
+        <p:nvSpPr>
+          <p:cNvPr id="2" name="Title 1"/>
+          <p:cNvSpPr>
+            <a:spLocks noGrp="1"/>
+          </p:cNvSpPr>
+          <p:nvPr>
+            <p:ph type="title"/>
+          </p:nvPr>
+        </p:nvSpPr>
+        <p:spPr/>
+        <p:txBody>
+          <a:bodyPr/>
+          <a:lstStyle/>
+          <a:p>
+            <a:r>
+              <a:rPr lang="en-US" dirty="0" smtClean="0"/>
+              <a:t>Assignments..</a:t>
+            </a:r>
+            <a:endParaRPr lang="en-US" dirty="0"/>
+          </a:p>
+        </p:txBody>
+      </p:sp>
+      <p:sp>
+        <p:nvSpPr>
+          <p:cNvPr id="3" name="Content Placeholder 2"/>
+          <p:cNvSpPr>
+            <a:spLocks noGrp="1"/>
+          </p:cNvSpPr>
+          <p:nvPr>
+            <p:ph idx="1"/>
+          </p:nvPr>
+        </p:nvSpPr>
+        <p:spPr/>
+        <p:txBody>
+          <a:bodyPr/>
+          <a:lstStyle/>
+          <a:p>
+            <a:r>
+              <a:rPr lang="en-US" dirty="0" smtClean="0"/>
+              <a:t>Create a POST service, which </a:t>
+            </a:r>
+            <a:r>
+              <a:rPr lang="en-US" dirty="0" err="1" smtClean="0"/>
+              <a:t>respone</a:t>
+            </a:r>
+            <a:r>
+              <a:rPr lang="en-US" dirty="0" smtClean="0"/>
+              <a:t> the </a:t>
+            </a:r>
+            <a:r>
+              <a:rPr lang="en-US" dirty="0" err="1" smtClean="0"/>
+              <a:t>json</a:t>
+            </a:r>
+            <a:r>
+              <a:rPr lang="en-US" dirty="0" smtClean="0"/>
+              <a:t> data after converting from </a:t>
+            </a:r>
+            <a:r>
+              <a:rPr lang="en-US" dirty="0" err="1" smtClean="0"/>
+              <a:t>csv</a:t>
+            </a:r>
+            <a:r>
+              <a:rPr lang="en-US" dirty="0" smtClean="0"/>
+              <a:t> file.</a:t>
+            </a:r>
+          </a:p>
+          <a:p>
+            <a:r>
+              <a:rPr lang="en-US" dirty="0" smtClean="0"/>
+              <a:t>Create a GET service, which return all </a:t>
+            </a:r>
+            <a:r>
+              <a:rPr lang="en-US" dirty="0" err="1" smtClean="0"/>
+              <a:t>foodpanda</a:t>
+            </a:r>
+            <a:r>
+              <a:rPr lang="en-US" dirty="0" smtClean="0"/>
+              <a:t> delivery cities names.</a:t>
+            </a:r>
+          </a:p>
+          <a:p>
+            <a:r>
+              <a:rPr lang="en-US" dirty="0" smtClean="0"/>
+              <a:t>Create a Application which post a registration form to API, which stores the values in a file. Send </a:t>
+            </a:r>
+            <a:r>
+              <a:rPr lang="en-US" b="1" dirty="0" smtClean="0"/>
+              <a:t>Success </a:t>
+            </a:r>
+            <a:r>
+              <a:rPr lang="en-US" dirty="0" smtClean="0"/>
+              <a:t>or </a:t>
+            </a:r>
+            <a:r>
+              <a:rPr lang="en-US" b="1" dirty="0" smtClean="0"/>
+              <a:t>Fail</a:t>
+            </a:r>
+            <a:r>
+              <a:rPr lang="en-US" dirty="0" smtClean="0"/>
+              <a:t> in response only.</a:t>
+            </a:r>
+            <a:endParaRPr lang="en-US" dirty="0"/>
+          </a:p>
+        </p:txBody>
+      </p:sp>
+    </p:spTree>
+  </p:cSld>
+  <p:clrMapOvr>
+    <a:masterClrMapping/>
+  </p:clrMapOvr>
 </p:sld>
 </file>
 

--- a/MEAN Stack Workshop.pptx
+++ b/MEAN Stack Workshop.pptx
@@ -5,7 +5,7 @@
     <p:sldMasterId id="2147483660" r:id="rId1"/>
   </p:sldMasterIdLst>
   <p:notesMasterIdLst>
-    <p:notesMasterId r:id="rId62"/>
+    <p:notesMasterId r:id="rId75"/>
   </p:notesMasterIdLst>
   <p:sldIdLst>
     <p:sldId id="256" r:id="rId2"/>
@@ -68,6 +68,19 @@
     <p:sldId id="313" r:id="rId59"/>
     <p:sldId id="314" r:id="rId60"/>
     <p:sldId id="315" r:id="rId61"/>
+    <p:sldId id="316" r:id="rId62"/>
+    <p:sldId id="317" r:id="rId63"/>
+    <p:sldId id="318" r:id="rId64"/>
+    <p:sldId id="319" r:id="rId65"/>
+    <p:sldId id="320" r:id="rId66"/>
+    <p:sldId id="321" r:id="rId67"/>
+    <p:sldId id="322" r:id="rId68"/>
+    <p:sldId id="323" r:id="rId69"/>
+    <p:sldId id="324" r:id="rId70"/>
+    <p:sldId id="325" r:id="rId71"/>
+    <p:sldId id="326" r:id="rId72"/>
+    <p:sldId id="327" r:id="rId73"/>
+    <p:sldId id="328" r:id="rId74"/>
   </p:sldIdLst>
   <p:sldSz cx="9144000" cy="6858000" type="screen4x3"/>
   <p:notesSz cx="6858000" cy="9144000"/>
@@ -252,7 +265,7 @@
             <a:fld id="{32B86DEE-773E-43AE-9ECA-E0C79A981448}" type="datetimeFigureOut">
               <a:rPr lang="en-US" smtClean="0"/>
               <a:pPr/>
-              <a:t>12/18/2019</a:t>
+              <a:t>12/23/2019</a:t>
             </a:fld>
             <a:endParaRPr lang="en-US"/>
           </a:p>
@@ -1259,7 +1272,7 @@
             <a:fld id="{051B7C22-4A45-4025-8681-ED0403F46852}" type="datetimeFigureOut">
               <a:rPr lang="en-US" smtClean="0"/>
               <a:pPr/>
-              <a:t>12/18/2019</a:t>
+              <a:t>12/23/2019</a:t>
             </a:fld>
             <a:endParaRPr lang="en-US"/>
           </a:p>
@@ -1444,7 +1457,7 @@
             <a:fld id="{051B7C22-4A45-4025-8681-ED0403F46852}" type="datetimeFigureOut">
               <a:rPr lang="en-US" smtClean="0"/>
               <a:pPr/>
-              <a:t>12/18/2019</a:t>
+              <a:t>12/23/2019</a:t>
             </a:fld>
             <a:endParaRPr lang="en-US"/>
           </a:p>
@@ -1621,7 +1634,7 @@
             <a:fld id="{051B7C22-4A45-4025-8681-ED0403F46852}" type="datetimeFigureOut">
               <a:rPr lang="en-US" smtClean="0"/>
               <a:pPr/>
-              <a:t>12/18/2019</a:t>
+              <a:t>12/23/2019</a:t>
             </a:fld>
             <a:endParaRPr lang="en-US"/>
           </a:p>
@@ -1788,7 +1801,7 @@
             <a:fld id="{051B7C22-4A45-4025-8681-ED0403F46852}" type="datetimeFigureOut">
               <a:rPr lang="en-US" smtClean="0"/>
               <a:pPr/>
-              <a:t>12/18/2019</a:t>
+              <a:t>12/23/2019</a:t>
             </a:fld>
             <a:endParaRPr lang="en-US"/>
           </a:p>
@@ -2011,7 +2024,7 @@
             <a:fld id="{051B7C22-4A45-4025-8681-ED0403F46852}" type="datetimeFigureOut">
               <a:rPr lang="en-US" smtClean="0"/>
               <a:pPr/>
-              <a:t>12/18/2019</a:t>
+              <a:t>12/23/2019</a:t>
             </a:fld>
             <a:endParaRPr lang="en-US"/>
           </a:p>
@@ -2272,7 +2285,7 @@
             <a:fld id="{051B7C22-4A45-4025-8681-ED0403F46852}" type="datetimeFigureOut">
               <a:rPr lang="en-US" smtClean="0"/>
               <a:pPr/>
-              <a:t>12/18/2019</a:t>
+              <a:t>12/23/2019</a:t>
             </a:fld>
             <a:endParaRPr lang="en-US"/>
           </a:p>
@@ -2678,7 +2691,7 @@
             <a:fld id="{051B7C22-4A45-4025-8681-ED0403F46852}" type="datetimeFigureOut">
               <a:rPr lang="en-US" smtClean="0"/>
               <a:pPr/>
-              <a:t>12/18/2019</a:t>
+              <a:t>12/23/2019</a:t>
             </a:fld>
             <a:endParaRPr lang="en-US"/>
           </a:p>
@@ -2811,7 +2824,7 @@
             <a:fld id="{051B7C22-4A45-4025-8681-ED0403F46852}" type="datetimeFigureOut">
               <a:rPr lang="en-US" smtClean="0"/>
               <a:pPr/>
-              <a:t>12/18/2019</a:t>
+              <a:t>12/23/2019</a:t>
             </a:fld>
             <a:endParaRPr lang="en-US"/>
           </a:p>
@@ -2913,7 +2926,7 @@
             <a:fld id="{051B7C22-4A45-4025-8681-ED0403F46852}" type="datetimeFigureOut">
               <a:rPr lang="en-US" smtClean="0"/>
               <a:pPr/>
-              <a:t>12/18/2019</a:t>
+              <a:t>12/23/2019</a:t>
             </a:fld>
             <a:endParaRPr lang="en-US"/>
           </a:p>
@@ -3160,7 +3173,7 @@
             <a:fld id="{051B7C22-4A45-4025-8681-ED0403F46852}" type="datetimeFigureOut">
               <a:rPr lang="en-US" smtClean="0"/>
               <a:pPr/>
-              <a:t>12/18/2019</a:t>
+              <a:t>12/23/2019</a:t>
             </a:fld>
             <a:endParaRPr lang="en-US"/>
           </a:p>
@@ -3406,7 +3419,7 @@
             <a:fld id="{051B7C22-4A45-4025-8681-ED0403F46852}" type="datetimeFigureOut">
               <a:rPr lang="en-US" smtClean="0"/>
               <a:pPr/>
-              <a:t>12/18/2019</a:t>
+              <a:t>12/23/2019</a:t>
             </a:fld>
             <a:endParaRPr lang="en-US"/>
           </a:p>
@@ -4232,7 +4245,7 @@
             <a:fld id="{051B7C22-4A45-4025-8681-ED0403F46852}" type="datetimeFigureOut">
               <a:rPr lang="en-US" smtClean="0"/>
               <a:pPr/>
-              <a:t>12/18/2019</a:t>
+              <a:t>12/23/2019</a:t>
             </a:fld>
             <a:endParaRPr lang="en-US"/>
           </a:p>
@@ -11104,6 +11117,13 @@
   <p:clrMapOvr>
     <a:masterClrMapping/>
   </p:clrMapOvr>
+  <p:timing>
+    <p:tnLst>
+      <p:par>
+        <p:cTn id="1" dur="indefinite" restart="never" nodeType="tmRoot"/>
+      </p:par>
+    </p:tnLst>
+  </p:timing>
 </p:sld>
 </file>
 
@@ -11208,6 +11228,13 @@
   <p:clrMapOvr>
     <a:masterClrMapping/>
   </p:clrMapOvr>
+  <p:timing>
+    <p:tnLst>
+      <p:par>
+        <p:cTn id="1" dur="indefinite" restart="never" nodeType="tmRoot"/>
+      </p:par>
+    </p:tnLst>
+  </p:timing>
 </p:sld>
 </file>
 
@@ -11308,6 +11335,13 @@
   <p:clrMapOvr>
     <a:masterClrMapping/>
   </p:clrMapOvr>
+  <p:timing>
+    <p:tnLst>
+      <p:par>
+        <p:cTn id="1" dur="indefinite" restart="never" nodeType="tmRoot"/>
+      </p:par>
+    </p:tnLst>
+  </p:timing>
 </p:sld>
 </file>
 
@@ -11410,6 +11444,13 @@
   <p:clrMapOvr>
     <a:masterClrMapping/>
   </p:clrMapOvr>
+  <p:timing>
+    <p:tnLst>
+      <p:par>
+        <p:cTn id="1" dur="indefinite" restart="never" nodeType="tmRoot"/>
+      </p:par>
+    </p:tnLst>
+  </p:timing>
 </p:sld>
 </file>
 
@@ -11532,6 +11573,13 @@
   <p:clrMapOvr>
     <a:masterClrMapping/>
   </p:clrMapOvr>
+  <p:timing>
+    <p:tnLst>
+      <p:par>
+        <p:cTn id="1" dur="indefinite" restart="never" nodeType="tmRoot"/>
+      </p:par>
+    </p:tnLst>
+  </p:timing>
 </p:sld>
 </file>
 
@@ -11611,6 +11659,13 @@
   <p:clrMapOvr>
     <a:masterClrMapping/>
   </p:clrMapOvr>
+  <p:timing>
+    <p:tnLst>
+      <p:par>
+        <p:cTn id="1" dur="indefinite" restart="never" nodeType="tmRoot"/>
+      </p:par>
+    </p:tnLst>
+  </p:timing>
 </p:sld>
 </file>
 
@@ -11699,6 +11754,13 @@
   <p:clrMapOvr>
     <a:masterClrMapping/>
   </p:clrMapOvr>
+  <p:timing>
+    <p:tnLst>
+      <p:par>
+        <p:cTn id="1" dur="indefinite" restart="never" nodeType="tmRoot"/>
+      </p:par>
+    </p:tnLst>
+  </p:timing>
 </p:sld>
 </file>
 
@@ -11782,6 +11844,13 @@
   <p:clrMapOvr>
     <a:masterClrMapping/>
   </p:clrMapOvr>
+  <p:timing>
+    <p:tnLst>
+      <p:par>
+        <p:cTn id="1" dur="indefinite" restart="never" nodeType="tmRoot"/>
+      </p:par>
+    </p:tnLst>
+  </p:timing>
 </p:sld>
 </file>
 
@@ -12082,6 +12151,3776 @@
   <p:clrMapOvr>
     <a:masterClrMapping/>
   </p:clrMapOvr>
+  <p:timing>
+    <p:tnLst>
+      <p:par>
+        <p:cTn id="1" dur="indefinite" restart="never" nodeType="tmRoot"/>
+      </p:par>
+    </p:tnLst>
+  </p:timing>
+</p:sld>
+</file>
+
+<file path=ppt/slides/slide61.xml><?xml version="1.0" encoding="utf-8"?>
+<p:sld xmlns:a="http://schemas.openxmlformats.org/drawingml/2006/main" xmlns:r="http://schemas.openxmlformats.org/officeDocument/2006/relationships" xmlns:p="http://schemas.openxmlformats.org/presentationml/2006/main">
+  <p:cSld>
+    <p:spTree>
+      <p:nvGrpSpPr>
+        <p:cNvPr id="1" name=""/>
+        <p:cNvGrpSpPr/>
+        <p:nvPr/>
+      </p:nvGrpSpPr>
+      <p:grpSpPr>
+        <a:xfrm>
+          <a:off x="0" y="0"/>
+          <a:ext cx="0" cy="0"/>
+          <a:chOff x="0" y="0"/>
+          <a:chExt cx="0" cy="0"/>
+        </a:xfrm>
+      </p:grpSpPr>
+      <p:sp>
+        <p:nvSpPr>
+          <p:cNvPr id="2" name="Title 1"/>
+          <p:cNvSpPr>
+            <a:spLocks noGrp="1"/>
+          </p:cNvSpPr>
+          <p:nvPr>
+            <p:ph type="title"/>
+          </p:nvPr>
+        </p:nvSpPr>
+        <p:spPr/>
+        <p:txBody>
+          <a:bodyPr/>
+          <a:lstStyle/>
+          <a:p>
+            <a:r>
+              <a:rPr lang="en-US" dirty="0" smtClean="0"/>
+              <a:t>Outline : Mongo DB</a:t>
+            </a:r>
+            <a:endParaRPr lang="en-US" dirty="0"/>
+          </a:p>
+        </p:txBody>
+      </p:sp>
+      <p:sp>
+        <p:nvSpPr>
+          <p:cNvPr id="3" name="Content Placeholder 2"/>
+          <p:cNvSpPr>
+            <a:spLocks noGrp="1"/>
+          </p:cNvSpPr>
+          <p:nvPr>
+            <p:ph idx="1"/>
+          </p:nvPr>
+        </p:nvSpPr>
+        <p:spPr/>
+        <p:txBody>
+          <a:bodyPr/>
+          <a:lstStyle/>
+          <a:p>
+            <a:r>
+              <a:rPr lang="en-US" dirty="0" smtClean="0"/>
+              <a:t>Introduction</a:t>
+            </a:r>
+          </a:p>
+          <a:p>
+            <a:r>
+              <a:rPr lang="en-US" dirty="0" smtClean="0"/>
+              <a:t>Who are using Mongo</a:t>
+            </a:r>
+          </a:p>
+          <a:p>
+            <a:r>
+              <a:rPr lang="en-US" dirty="0" smtClean="0"/>
+              <a:t>RDBMS </a:t>
+            </a:r>
+            <a:r>
+              <a:rPr lang="en-US" dirty="0" err="1" smtClean="0"/>
+              <a:t>vs</a:t>
+            </a:r>
+            <a:r>
+              <a:rPr lang="en-US" dirty="0" smtClean="0"/>
+              <a:t> </a:t>
+            </a:r>
+            <a:r>
+              <a:rPr lang="en-US" dirty="0" err="1" smtClean="0"/>
+              <a:t>NoSql</a:t>
+            </a:r>
+            <a:endParaRPr lang="en-US" dirty="0" smtClean="0"/>
+          </a:p>
+          <a:p>
+            <a:r>
+              <a:rPr lang="en-US" dirty="0" smtClean="0"/>
+              <a:t>Usages</a:t>
+            </a:r>
+          </a:p>
+          <a:p>
+            <a:r>
+              <a:rPr lang="en-US" dirty="0" smtClean="0"/>
+              <a:t>CRUD</a:t>
+            </a:r>
+          </a:p>
+          <a:p>
+            <a:r>
+              <a:rPr lang="en-US" dirty="0" smtClean="0"/>
+              <a:t>CRUD Examples</a:t>
+            </a:r>
+          </a:p>
+          <a:p>
+            <a:r>
+              <a:rPr lang="en-US" dirty="0" smtClean="0"/>
+              <a:t>Features</a:t>
+            </a:r>
+          </a:p>
+          <a:p>
+            <a:r>
+              <a:rPr lang="en-US" dirty="0" err="1" smtClean="0"/>
+              <a:t>Sharding</a:t>
+            </a:r>
+            <a:endParaRPr lang="en-US" dirty="0" smtClean="0"/>
+          </a:p>
+          <a:p>
+            <a:r>
+              <a:rPr lang="en-US" dirty="0" smtClean="0"/>
+              <a:t>Other </a:t>
+            </a:r>
+            <a:r>
+              <a:rPr lang="en-US" dirty="0" err="1" smtClean="0"/>
+              <a:t>Featrues</a:t>
+            </a:r>
+            <a:endParaRPr lang="en-US" dirty="0" smtClean="0"/>
+          </a:p>
+          <a:p>
+            <a:endParaRPr lang="en-US" dirty="0" smtClean="0"/>
+          </a:p>
+          <a:p>
+            <a:endParaRPr lang="en-US" dirty="0" smtClean="0"/>
+          </a:p>
+          <a:p>
+            <a:endParaRPr lang="en-US" dirty="0"/>
+          </a:p>
+        </p:txBody>
+      </p:sp>
+    </p:spTree>
+  </p:cSld>
+  <p:clrMapOvr>
+    <a:masterClrMapping/>
+  </p:clrMapOvr>
+  <p:timing>
+    <p:tnLst>
+      <p:par>
+        <p:cTn id="1" dur="indefinite" restart="never" nodeType="tmRoot"/>
+      </p:par>
+    </p:tnLst>
+  </p:timing>
+</p:sld>
+</file>
+
+<file path=ppt/slides/slide62.xml><?xml version="1.0" encoding="utf-8"?>
+<p:sld xmlns:a="http://schemas.openxmlformats.org/drawingml/2006/main" xmlns:r="http://schemas.openxmlformats.org/officeDocument/2006/relationships" xmlns:p="http://schemas.openxmlformats.org/presentationml/2006/main">
+  <p:cSld>
+    <p:spTree>
+      <p:nvGrpSpPr>
+        <p:cNvPr id="1" name=""/>
+        <p:cNvGrpSpPr/>
+        <p:nvPr/>
+      </p:nvGrpSpPr>
+      <p:grpSpPr>
+        <a:xfrm>
+          <a:off x="0" y="0"/>
+          <a:ext cx="0" cy="0"/>
+          <a:chOff x="0" y="0"/>
+          <a:chExt cx="0" cy="0"/>
+        </a:xfrm>
+      </p:grpSpPr>
+      <p:sp>
+        <p:nvSpPr>
+          <p:cNvPr id="2" name="Title 1"/>
+          <p:cNvSpPr>
+            <a:spLocks noGrp="1"/>
+          </p:cNvSpPr>
+          <p:nvPr>
+            <p:ph type="title"/>
+          </p:nvPr>
+        </p:nvSpPr>
+        <p:spPr/>
+        <p:txBody>
+          <a:bodyPr/>
+          <a:lstStyle/>
+          <a:p>
+            <a:r>
+              <a:rPr lang="en-US" dirty="0" smtClean="0"/>
+              <a:t>Mongo DB</a:t>
+            </a:r>
+            <a:endParaRPr lang="en-US" dirty="0"/>
+          </a:p>
+        </p:txBody>
+      </p:sp>
+      <p:sp>
+        <p:nvSpPr>
+          <p:cNvPr id="3" name="Content Placeholder 2"/>
+          <p:cNvSpPr>
+            <a:spLocks noGrp="1"/>
+          </p:cNvSpPr>
+          <p:nvPr>
+            <p:ph idx="1"/>
+          </p:nvPr>
+        </p:nvSpPr>
+        <p:spPr/>
+        <p:txBody>
+          <a:bodyPr>
+            <a:normAutofit lnSpcReduction="10000"/>
+          </a:bodyPr>
+          <a:lstStyle/>
+          <a:p>
+            <a:r>
+              <a:rPr lang="en-US" dirty="0" err="1" smtClean="0"/>
+              <a:t>MongoDB</a:t>
+            </a:r>
+            <a:r>
+              <a:rPr lang="en-US" dirty="0" smtClean="0"/>
+              <a:t> is an open-source database that uses a document-oriented data model and a non-structured query language. </a:t>
+            </a:r>
+          </a:p>
+          <a:p>
+            <a:r>
+              <a:rPr lang="en-US" dirty="0" smtClean="0"/>
+              <a:t>It is one of the most powerful </a:t>
+            </a:r>
+            <a:r>
+              <a:rPr lang="en-US" dirty="0" err="1" smtClean="0">
+                <a:hlinkClick r:id="rId2"/>
+              </a:rPr>
+              <a:t>NoSQL</a:t>
+            </a:r>
+            <a:r>
+              <a:rPr lang="en-US" dirty="0" smtClean="0"/>
+              <a:t> systems and databases around, today.</a:t>
+            </a:r>
+          </a:p>
+          <a:p>
+            <a:r>
+              <a:rPr lang="en-US" dirty="0" smtClean="0"/>
+              <a:t>It is an architecture that is built on collections and documents.</a:t>
+            </a:r>
+          </a:p>
+          <a:p>
+            <a:r>
+              <a:rPr lang="en-US" dirty="0" smtClean="0"/>
+              <a:t>This database uses a document storage format called BSON which is a binary style of </a:t>
+            </a:r>
+            <a:r>
+              <a:rPr lang="en-US" dirty="0" smtClean="0">
+                <a:hlinkClick r:id="rId3"/>
+              </a:rPr>
+              <a:t>JSON</a:t>
+            </a:r>
+            <a:r>
+              <a:rPr lang="en-US" dirty="0" smtClean="0"/>
+              <a:t> documents</a:t>
+            </a:r>
+            <a:endParaRPr lang="en-US" dirty="0"/>
+          </a:p>
+        </p:txBody>
+      </p:sp>
+    </p:spTree>
+  </p:cSld>
+  <p:clrMapOvr>
+    <a:masterClrMapping/>
+  </p:clrMapOvr>
+  <p:timing>
+    <p:tnLst>
+      <p:par>
+        <p:cTn id="1" dur="indefinite" restart="never" nodeType="tmRoot"/>
+      </p:par>
+    </p:tnLst>
+  </p:timing>
+</p:sld>
+</file>
+
+<file path=ppt/slides/slide63.xml><?xml version="1.0" encoding="utf-8"?>
+<p:sld xmlns:a="http://schemas.openxmlformats.org/drawingml/2006/main" xmlns:r="http://schemas.openxmlformats.org/officeDocument/2006/relationships" xmlns:p="http://schemas.openxmlformats.org/presentationml/2006/main">
+  <p:cSld>
+    <p:spTree>
+      <p:nvGrpSpPr>
+        <p:cNvPr id="1" name=""/>
+        <p:cNvGrpSpPr/>
+        <p:nvPr/>
+      </p:nvGrpSpPr>
+      <p:grpSpPr>
+        <a:xfrm>
+          <a:off x="0" y="0"/>
+          <a:ext cx="0" cy="0"/>
+          <a:chOff x="0" y="0"/>
+          <a:chExt cx="0" cy="0"/>
+        </a:xfrm>
+      </p:grpSpPr>
+      <p:sp>
+        <p:nvSpPr>
+          <p:cNvPr id="2" name="Title 1"/>
+          <p:cNvSpPr>
+            <a:spLocks noGrp="1"/>
+          </p:cNvSpPr>
+          <p:nvPr>
+            <p:ph type="title"/>
+          </p:nvPr>
+        </p:nvSpPr>
+        <p:spPr/>
+        <p:txBody>
+          <a:bodyPr/>
+          <a:lstStyle/>
+          <a:p>
+            <a:r>
+              <a:rPr lang="en-US" dirty="0" smtClean="0"/>
+              <a:t>Who using Mongo</a:t>
+            </a:r>
+            <a:endParaRPr lang="en-US" dirty="0"/>
+          </a:p>
+        </p:txBody>
+      </p:sp>
+      <p:sp>
+        <p:nvSpPr>
+          <p:cNvPr id="3" name="Content Placeholder 2"/>
+          <p:cNvSpPr>
+            <a:spLocks noGrp="1"/>
+          </p:cNvSpPr>
+          <p:nvPr>
+            <p:ph idx="1"/>
+          </p:nvPr>
+        </p:nvSpPr>
+        <p:spPr/>
+        <p:txBody>
+          <a:bodyPr/>
+          <a:lstStyle/>
+          <a:p>
+            <a:endParaRPr lang="en-US" dirty="0"/>
+          </a:p>
+        </p:txBody>
+      </p:sp>
+      <p:pic>
+        <p:nvPicPr>
+          <p:cNvPr id="18" name="Picture 5" descr="../_images/logo-sourceforge.png"/>
+          <p:cNvPicPr>
+            <a:picLocks noChangeAspect="1" noChangeArrowheads="1"/>
+          </p:cNvPicPr>
+          <p:nvPr/>
+        </p:nvPicPr>
+        <p:blipFill>
+          <a:blip r:embed="rId2"/>
+          <a:srcRect/>
+          <a:stretch>
+            <a:fillRect/>
+          </a:stretch>
+        </p:blipFill>
+        <p:spPr bwMode="auto">
+          <a:xfrm>
+            <a:off x="4441825" y="2433638"/>
+            <a:ext cx="2089150" cy="342900"/>
+          </a:xfrm>
+          <a:prstGeom prst="rect">
+            <a:avLst/>
+          </a:prstGeom>
+          <a:noFill/>
+          <a:ln w="9525">
+            <a:noFill/>
+            <a:miter lim="800000"/>
+            <a:headEnd/>
+            <a:tailEnd/>
+          </a:ln>
+        </p:spPr>
+      </p:pic>
+      <p:pic>
+        <p:nvPicPr>
+          <p:cNvPr id="19" name="Picture 7" descr="../_images/sap_logo.gif"/>
+          <p:cNvPicPr>
+            <a:picLocks noChangeAspect="1" noChangeArrowheads="1"/>
+          </p:cNvPicPr>
+          <p:nvPr/>
+        </p:nvPicPr>
+        <p:blipFill>
+          <a:blip r:embed="rId3"/>
+          <a:srcRect/>
+          <a:stretch>
+            <a:fillRect/>
+          </a:stretch>
+        </p:blipFill>
+        <p:spPr bwMode="auto">
+          <a:xfrm>
+            <a:off x="2570163" y="2817813"/>
+            <a:ext cx="1528762" cy="795337"/>
+          </a:xfrm>
+          <a:prstGeom prst="rect">
+            <a:avLst/>
+          </a:prstGeom>
+          <a:noFill/>
+          <a:ln w="9525">
+            <a:noFill/>
+            <a:miter lim="800000"/>
+            <a:headEnd/>
+            <a:tailEnd/>
+          </a:ln>
+        </p:spPr>
+      </p:pic>
+      <p:pic>
+        <p:nvPicPr>
+          <p:cNvPr id="20" name="Picture 11" descr="../_images/firebase.png"/>
+          <p:cNvPicPr>
+            <a:picLocks noChangeAspect="1" noChangeArrowheads="1"/>
+          </p:cNvPicPr>
+          <p:nvPr/>
+        </p:nvPicPr>
+        <p:blipFill>
+          <a:blip r:embed="rId4"/>
+          <a:srcRect/>
+          <a:stretch>
+            <a:fillRect/>
+          </a:stretch>
+        </p:blipFill>
+        <p:spPr bwMode="auto">
+          <a:xfrm>
+            <a:off x="531813" y="2176463"/>
+            <a:ext cx="2171700" cy="428625"/>
+          </a:xfrm>
+          <a:prstGeom prst="rect">
+            <a:avLst/>
+          </a:prstGeom>
+          <a:noFill/>
+          <a:ln w="9525">
+            <a:noFill/>
+            <a:miter lim="800000"/>
+            <a:headEnd/>
+            <a:tailEnd/>
+          </a:ln>
+        </p:spPr>
+      </p:pic>
+      <p:pic>
+        <p:nvPicPr>
+          <p:cNvPr id="21" name="Picture 16" descr="../_images/savingstar_logo.png"/>
+          <p:cNvPicPr>
+            <a:picLocks noChangeAspect="1" noChangeArrowheads="1"/>
+          </p:cNvPicPr>
+          <p:nvPr/>
+        </p:nvPicPr>
+        <p:blipFill>
+          <a:blip r:embed="rId5"/>
+          <a:srcRect/>
+          <a:stretch>
+            <a:fillRect/>
+          </a:stretch>
+        </p:blipFill>
+        <p:spPr bwMode="auto">
+          <a:xfrm>
+            <a:off x="381000" y="4319588"/>
+            <a:ext cx="2087563" cy="414337"/>
+          </a:xfrm>
+          <a:prstGeom prst="rect">
+            <a:avLst/>
+          </a:prstGeom>
+          <a:noFill/>
+          <a:ln w="9525">
+            <a:noFill/>
+            <a:miter lim="800000"/>
+            <a:headEnd/>
+            <a:tailEnd/>
+          </a:ln>
+        </p:spPr>
+      </p:pic>
+      <p:pic>
+        <p:nvPicPr>
+          <p:cNvPr id="22" name="Picture 20" descr="../_images/ign.png"/>
+          <p:cNvPicPr>
+            <a:picLocks noChangeAspect="1" noChangeArrowheads="1"/>
+          </p:cNvPicPr>
+          <p:nvPr/>
+        </p:nvPicPr>
+        <p:blipFill>
+          <a:blip r:embed="rId6"/>
+          <a:srcRect/>
+          <a:stretch>
+            <a:fillRect/>
+          </a:stretch>
+        </p:blipFill>
+        <p:spPr bwMode="auto">
+          <a:xfrm>
+            <a:off x="7016750" y="4787900"/>
+            <a:ext cx="1439863" cy="508000"/>
+          </a:xfrm>
+          <a:prstGeom prst="rect">
+            <a:avLst/>
+          </a:prstGeom>
+          <a:noFill/>
+          <a:ln w="9525">
+            <a:noFill/>
+            <a:miter lim="800000"/>
+            <a:headEnd/>
+            <a:tailEnd/>
+          </a:ln>
+        </p:spPr>
+      </p:pic>
+      <p:pic>
+        <p:nvPicPr>
+          <p:cNvPr id="23" name="Picture 22" descr="../_images/highfive.png"/>
+          <p:cNvPicPr>
+            <a:picLocks noChangeAspect="1" noChangeArrowheads="1"/>
+          </p:cNvPicPr>
+          <p:nvPr/>
+        </p:nvPicPr>
+        <p:blipFill>
+          <a:blip r:embed="rId7"/>
+          <a:srcRect/>
+          <a:stretch>
+            <a:fillRect/>
+          </a:stretch>
+        </p:blipFill>
+        <p:spPr bwMode="auto">
+          <a:xfrm>
+            <a:off x="381000" y="5410200"/>
+            <a:ext cx="1323975" cy="814388"/>
+          </a:xfrm>
+          <a:prstGeom prst="rect">
+            <a:avLst/>
+          </a:prstGeom>
+          <a:noFill/>
+          <a:ln w="9525">
+            <a:noFill/>
+            <a:miter lim="800000"/>
+            <a:headEnd/>
+            <a:tailEnd/>
+          </a:ln>
+        </p:spPr>
+      </p:pic>
+      <p:pic>
+        <p:nvPicPr>
+          <p:cNvPr id="24" name="Picture 24" descr="../_images/national-archives.jpg"/>
+          <p:cNvPicPr>
+            <a:picLocks noChangeAspect="1" noChangeArrowheads="1"/>
+          </p:cNvPicPr>
+          <p:nvPr/>
+        </p:nvPicPr>
+        <p:blipFill>
+          <a:blip r:embed="rId8"/>
+          <a:srcRect/>
+          <a:stretch>
+            <a:fillRect/>
+          </a:stretch>
+        </p:blipFill>
+        <p:spPr bwMode="auto">
+          <a:xfrm>
+            <a:off x="2211388" y="5427663"/>
+            <a:ext cx="1565275" cy="1235075"/>
+          </a:xfrm>
+          <a:prstGeom prst="rect">
+            <a:avLst/>
+          </a:prstGeom>
+          <a:noFill/>
+          <a:ln w="9525">
+            <a:noFill/>
+            <a:miter lim="800000"/>
+            <a:headEnd/>
+            <a:tailEnd/>
+          </a:ln>
+        </p:spPr>
+      </p:pic>
+      <p:pic>
+        <p:nvPicPr>
+          <p:cNvPr id="25" name="Picture 26" descr="../_images/the-guardian-logo.jpg"/>
+          <p:cNvPicPr>
+            <a:picLocks noChangeAspect="1" noChangeArrowheads="1"/>
+          </p:cNvPicPr>
+          <p:nvPr/>
+        </p:nvPicPr>
+        <p:blipFill>
+          <a:blip r:embed="rId9"/>
+          <a:srcRect/>
+          <a:stretch>
+            <a:fillRect/>
+          </a:stretch>
+        </p:blipFill>
+        <p:spPr bwMode="auto">
+          <a:xfrm>
+            <a:off x="4365625" y="3478213"/>
+            <a:ext cx="2025650" cy="358775"/>
+          </a:xfrm>
+          <a:prstGeom prst="rect">
+            <a:avLst/>
+          </a:prstGeom>
+          <a:noFill/>
+          <a:ln w="9525">
+            <a:noFill/>
+            <a:miter lim="800000"/>
+            <a:headEnd/>
+            <a:tailEnd/>
+          </a:ln>
+        </p:spPr>
+      </p:pic>
+      <p:pic>
+        <p:nvPicPr>
+          <p:cNvPr id="26" name="Picture 28" descr="../_images/logo-times.gif"/>
+          <p:cNvPicPr>
+            <a:picLocks noChangeAspect="1" noChangeArrowheads="1"/>
+          </p:cNvPicPr>
+          <p:nvPr/>
+        </p:nvPicPr>
+        <p:blipFill>
+          <a:blip r:embed="rId10"/>
+          <a:srcRect/>
+          <a:stretch>
+            <a:fillRect/>
+          </a:stretch>
+        </p:blipFill>
+        <p:spPr bwMode="auto">
+          <a:xfrm>
+            <a:off x="6235700" y="6070600"/>
+            <a:ext cx="2160588" cy="327025"/>
+          </a:xfrm>
+          <a:prstGeom prst="rect">
+            <a:avLst/>
+          </a:prstGeom>
+          <a:noFill/>
+          <a:ln w="9525">
+            <a:noFill/>
+            <a:miter lim="800000"/>
+            <a:headEnd/>
+            <a:tailEnd/>
+          </a:ln>
+        </p:spPr>
+      </p:pic>
+      <p:pic>
+        <p:nvPicPr>
+          <p:cNvPr id="27" name="Picture 30" descr="../_images/bitly.png"/>
+          <p:cNvPicPr>
+            <a:picLocks noChangeAspect="1" noChangeArrowheads="1"/>
+          </p:cNvPicPr>
+          <p:nvPr/>
+        </p:nvPicPr>
+        <p:blipFill>
+          <a:blip r:embed="rId11"/>
+          <a:srcRect/>
+          <a:stretch>
+            <a:fillRect/>
+          </a:stretch>
+        </p:blipFill>
+        <p:spPr bwMode="auto">
+          <a:xfrm>
+            <a:off x="7016750" y="3478213"/>
+            <a:ext cx="1008063" cy="581025"/>
+          </a:xfrm>
+          <a:prstGeom prst="rect">
+            <a:avLst/>
+          </a:prstGeom>
+          <a:noFill/>
+          <a:ln w="9525">
+            <a:noFill/>
+            <a:miter lim="800000"/>
+            <a:headEnd/>
+            <a:tailEnd/>
+          </a:ln>
+        </p:spPr>
+      </p:pic>
+      <p:pic>
+        <p:nvPicPr>
+          <p:cNvPr id="28" name="Picture 32" descr="../_images/gh.png"/>
+          <p:cNvPicPr>
+            <a:picLocks noChangeAspect="1" noChangeArrowheads="1"/>
+          </p:cNvPicPr>
+          <p:nvPr/>
+        </p:nvPicPr>
+        <p:blipFill>
+          <a:blip r:embed="rId12"/>
+          <a:srcRect/>
+          <a:stretch>
+            <a:fillRect/>
+          </a:stretch>
+        </p:blipFill>
+        <p:spPr bwMode="auto">
+          <a:xfrm>
+            <a:off x="4370388" y="6045200"/>
+            <a:ext cx="1008062" cy="457200"/>
+          </a:xfrm>
+          <a:prstGeom prst="rect">
+            <a:avLst/>
+          </a:prstGeom>
+          <a:noFill/>
+          <a:ln w="9525">
+            <a:noFill/>
+            <a:miter lim="800000"/>
+            <a:headEnd/>
+            <a:tailEnd/>
+          </a:ln>
+        </p:spPr>
+      </p:pic>
+      <p:pic>
+        <p:nvPicPr>
+          <p:cNvPr id="29" name="Picture 34" descr="../_images/foursquare.png"/>
+          <p:cNvPicPr>
+            <a:picLocks noChangeAspect="1" noChangeArrowheads="1"/>
+          </p:cNvPicPr>
+          <p:nvPr/>
+        </p:nvPicPr>
+        <p:blipFill>
+          <a:blip r:embed="rId13"/>
+          <a:srcRect/>
+          <a:stretch>
+            <a:fillRect/>
+          </a:stretch>
+        </p:blipFill>
+        <p:spPr bwMode="auto">
+          <a:xfrm>
+            <a:off x="2651125" y="4606925"/>
+            <a:ext cx="1714500" cy="457200"/>
+          </a:xfrm>
+          <a:prstGeom prst="rect">
+            <a:avLst/>
+          </a:prstGeom>
+          <a:noFill/>
+          <a:ln w="9525">
+            <a:noFill/>
+            <a:miter lim="800000"/>
+            <a:headEnd/>
+            <a:tailEnd/>
+          </a:ln>
+        </p:spPr>
+      </p:pic>
+      <p:pic>
+        <p:nvPicPr>
+          <p:cNvPr id="30" name="Picture 36" descr="../_images/collegehumor.png"/>
+          <p:cNvPicPr>
+            <a:picLocks noChangeAspect="1" noChangeArrowheads="1"/>
+          </p:cNvPicPr>
+          <p:nvPr/>
+        </p:nvPicPr>
+        <p:blipFill>
+          <a:blip r:embed="rId14"/>
+          <a:srcRect/>
+          <a:stretch>
+            <a:fillRect/>
+          </a:stretch>
+        </p:blipFill>
+        <p:spPr bwMode="auto">
+          <a:xfrm>
+            <a:off x="5019675" y="4318000"/>
+            <a:ext cx="1371600" cy="361950"/>
+          </a:xfrm>
+          <a:prstGeom prst="rect">
+            <a:avLst/>
+          </a:prstGeom>
+          <a:noFill/>
+          <a:ln w="9525">
+            <a:noFill/>
+            <a:miter lim="800000"/>
+            <a:headEnd/>
+            <a:tailEnd/>
+          </a:ln>
+        </p:spPr>
+      </p:pic>
+      <p:pic>
+        <p:nvPicPr>
+          <p:cNvPr id="31" name="Picture 38" descr="../_images/doodle.png"/>
+          <p:cNvPicPr>
+            <a:picLocks noChangeAspect="1" noChangeArrowheads="1"/>
+          </p:cNvPicPr>
+          <p:nvPr/>
+        </p:nvPicPr>
+        <p:blipFill>
+          <a:blip r:embed="rId15"/>
+          <a:srcRect/>
+          <a:stretch>
+            <a:fillRect/>
+          </a:stretch>
+        </p:blipFill>
+        <p:spPr bwMode="auto">
+          <a:xfrm>
+            <a:off x="336550" y="3368675"/>
+            <a:ext cx="1495425" cy="333375"/>
+          </a:xfrm>
+          <a:prstGeom prst="rect">
+            <a:avLst/>
+          </a:prstGeom>
+          <a:noFill/>
+          <a:ln w="9525">
+            <a:noFill/>
+            <a:miter lim="800000"/>
+            <a:headEnd/>
+            <a:tailEnd/>
+          </a:ln>
+        </p:spPr>
+      </p:pic>
+    </p:spTree>
+  </p:cSld>
+  <p:clrMapOvr>
+    <a:masterClrMapping/>
+  </p:clrMapOvr>
+  <p:timing>
+    <p:tnLst>
+      <p:par>
+        <p:cTn id="1" dur="indefinite" restart="never" nodeType="tmRoot"/>
+      </p:par>
+    </p:tnLst>
+  </p:timing>
+</p:sld>
+</file>
+
+<file path=ppt/slides/slide64.xml><?xml version="1.0" encoding="utf-8"?>
+<p:sld xmlns:a="http://schemas.openxmlformats.org/drawingml/2006/main" xmlns:r="http://schemas.openxmlformats.org/officeDocument/2006/relationships" xmlns:p="http://schemas.openxmlformats.org/presentationml/2006/main">
+  <p:cSld>
+    <p:spTree>
+      <p:nvGrpSpPr>
+        <p:cNvPr id="1" name=""/>
+        <p:cNvGrpSpPr/>
+        <p:nvPr/>
+      </p:nvGrpSpPr>
+      <p:grpSpPr>
+        <a:xfrm>
+          <a:off x="0" y="0"/>
+          <a:ext cx="0" cy="0"/>
+          <a:chOff x="0" y="0"/>
+          <a:chExt cx="0" cy="0"/>
+        </a:xfrm>
+      </p:grpSpPr>
+      <p:sp>
+        <p:nvSpPr>
+          <p:cNvPr id="2" name="Title 1"/>
+          <p:cNvSpPr>
+            <a:spLocks noGrp="1"/>
+          </p:cNvSpPr>
+          <p:nvPr>
+            <p:ph type="title"/>
+          </p:nvPr>
+        </p:nvSpPr>
+        <p:spPr/>
+        <p:txBody>
+          <a:bodyPr/>
+          <a:lstStyle/>
+          <a:p>
+            <a:r>
+              <a:rPr lang="en-US" dirty="0" smtClean="0"/>
+              <a:t>RDBMS </a:t>
+            </a:r>
+            <a:r>
+              <a:rPr lang="en-US" dirty="0" err="1" smtClean="0"/>
+              <a:t>vs</a:t>
+            </a:r>
+            <a:r>
+              <a:rPr lang="en-US" dirty="0" smtClean="0"/>
+              <a:t> </a:t>
+            </a:r>
+            <a:r>
+              <a:rPr lang="en-US" dirty="0" err="1" smtClean="0"/>
+              <a:t>NoSQL</a:t>
+            </a:r>
+            <a:endParaRPr lang="en-US" dirty="0"/>
+          </a:p>
+        </p:txBody>
+      </p:sp>
+      <p:sp>
+        <p:nvSpPr>
+          <p:cNvPr id="3" name="Content Placeholder 2"/>
+          <p:cNvSpPr>
+            <a:spLocks noGrp="1"/>
+          </p:cNvSpPr>
+          <p:nvPr>
+            <p:ph idx="1"/>
+          </p:nvPr>
+        </p:nvSpPr>
+        <p:spPr/>
+        <p:txBody>
+          <a:bodyPr/>
+          <a:lstStyle/>
+          <a:p>
+            <a:endParaRPr lang="en-US" dirty="0"/>
+          </a:p>
+        </p:txBody>
+      </p:sp>
+      <p:graphicFrame>
+        <p:nvGraphicFramePr>
+          <p:cNvPr id="4" name="Táblázat 1"/>
+          <p:cNvGraphicFramePr>
+            <a:graphicFrameLocks noGrp="1"/>
+          </p:cNvGraphicFramePr>
+          <p:nvPr/>
+        </p:nvGraphicFramePr>
+        <p:xfrm>
+          <a:off x="1600200" y="2362200"/>
+          <a:ext cx="4251948" cy="4145280"/>
+        </p:xfrm>
+        <a:graphic>
+          <a:graphicData uri="http://schemas.openxmlformats.org/drawingml/2006/table">
+            <a:tbl>
+              <a:tblPr firstRow="1" bandRow="1">
+                <a:tableStyleId>{5C22544A-7EE6-4342-B048-85BDC9FD1C3A}</a:tableStyleId>
+              </a:tblPr>
+              <a:tblGrid>
+                <a:gridCol w="1312609"/>
+                <a:gridCol w="428104"/>
+                <a:gridCol w="2511235"/>
+              </a:tblGrid>
+              <a:tr h="370840">
+                <a:tc>
+                  <a:txBody>
+                    <a:bodyPr/>
+                    <a:lstStyle/>
+                    <a:p>
+                      <a:r>
+                        <a:rPr lang="hu-HU" dirty="0" smtClean="0"/>
+                        <a:t>RDBMS</a:t>
+                      </a:r>
+                      <a:endParaRPr lang="hu-HU" dirty="0"/>
+                    </a:p>
+                  </a:txBody>
+                  <a:tcPr/>
+                </a:tc>
+                <a:tc>
+                  <a:txBody>
+                    <a:bodyPr/>
+                    <a:lstStyle/>
+                    <a:p>
+                      <a:endParaRPr lang="hu-HU" dirty="0"/>
+                    </a:p>
+                  </a:txBody>
+                  <a:tcPr/>
+                </a:tc>
+                <a:tc>
+                  <a:txBody>
+                    <a:bodyPr/>
+                    <a:lstStyle/>
+                    <a:p>
+                      <a:r>
+                        <a:rPr lang="hu-HU" dirty="0" err="1" smtClean="0"/>
+                        <a:t>MongoDB</a:t>
+                      </a:r>
+                      <a:endParaRPr lang="hu-HU" dirty="0"/>
+                    </a:p>
+                  </a:txBody>
+                  <a:tcPr/>
+                </a:tc>
+              </a:tr>
+              <a:tr h="370840">
+                <a:tc>
+                  <a:txBody>
+                    <a:bodyPr/>
+                    <a:lstStyle/>
+                    <a:p>
+                      <a:r>
+                        <a:rPr lang="hu-HU" dirty="0" err="1" smtClean="0"/>
+                        <a:t>Database</a:t>
+                      </a:r>
+                      <a:endParaRPr lang="hu-HU" dirty="0"/>
+                    </a:p>
+                  </a:txBody>
+                  <a:tcPr/>
+                </a:tc>
+                <a:tc>
+                  <a:txBody>
+                    <a:bodyPr/>
+                    <a:lstStyle/>
+                    <a:p>
+                      <a:endParaRPr lang="hu-HU" dirty="0"/>
+                    </a:p>
+                  </a:txBody>
+                  <a:tcPr/>
+                </a:tc>
+                <a:tc>
+                  <a:txBody>
+                    <a:bodyPr/>
+                    <a:lstStyle/>
+                    <a:p>
+                      <a:r>
+                        <a:rPr lang="hu-HU" dirty="0" err="1" smtClean="0"/>
+                        <a:t>Database</a:t>
+                      </a:r>
+                      <a:endParaRPr lang="hu-HU" dirty="0"/>
+                    </a:p>
+                  </a:txBody>
+                  <a:tcPr/>
+                </a:tc>
+              </a:tr>
+              <a:tr h="370840">
+                <a:tc>
+                  <a:txBody>
+                    <a:bodyPr/>
+                    <a:lstStyle/>
+                    <a:p>
+                      <a:r>
+                        <a:rPr lang="hu-HU" dirty="0" err="1" smtClean="0"/>
+                        <a:t>Table</a:t>
+                      </a:r>
+                      <a:r>
+                        <a:rPr lang="hu-HU" dirty="0" smtClean="0"/>
+                        <a:t>, </a:t>
+                      </a:r>
+                      <a:r>
+                        <a:rPr lang="hu-HU" dirty="0" err="1" smtClean="0"/>
+                        <a:t>View</a:t>
+                      </a:r>
+                      <a:endParaRPr lang="hu-HU" dirty="0"/>
+                    </a:p>
+                  </a:txBody>
+                  <a:tcPr/>
+                </a:tc>
+                <a:tc>
+                  <a:txBody>
+                    <a:bodyPr/>
+                    <a:lstStyle/>
+                    <a:p>
+                      <a:endParaRPr lang="hu-HU" dirty="0"/>
+                    </a:p>
+                  </a:txBody>
+                  <a:tcPr/>
+                </a:tc>
+                <a:tc>
+                  <a:txBody>
+                    <a:bodyPr/>
+                    <a:lstStyle/>
+                    <a:p>
+                      <a:r>
+                        <a:rPr lang="hu-HU" dirty="0" err="1" smtClean="0"/>
+                        <a:t>Collection</a:t>
+                      </a:r>
+                      <a:endParaRPr lang="hu-HU" dirty="0"/>
+                    </a:p>
+                  </a:txBody>
+                  <a:tcPr/>
+                </a:tc>
+              </a:tr>
+              <a:tr h="370840">
+                <a:tc>
+                  <a:txBody>
+                    <a:bodyPr/>
+                    <a:lstStyle/>
+                    <a:p>
+                      <a:r>
+                        <a:rPr lang="hu-HU" dirty="0" err="1" smtClean="0"/>
+                        <a:t>Row</a:t>
+                      </a:r>
+                      <a:endParaRPr lang="hu-HU" dirty="0"/>
+                    </a:p>
+                  </a:txBody>
+                  <a:tcPr/>
+                </a:tc>
+                <a:tc>
+                  <a:txBody>
+                    <a:bodyPr/>
+                    <a:lstStyle/>
+                    <a:p>
+                      <a:endParaRPr lang="hu-HU" dirty="0"/>
+                    </a:p>
+                  </a:txBody>
+                  <a:tcPr/>
+                </a:tc>
+                <a:tc>
+                  <a:txBody>
+                    <a:bodyPr/>
+                    <a:lstStyle/>
+                    <a:p>
+                      <a:r>
+                        <a:rPr lang="hu-HU" dirty="0" err="1" smtClean="0"/>
+                        <a:t>Document</a:t>
+                      </a:r>
+                      <a:r>
+                        <a:rPr lang="hu-HU" dirty="0" smtClean="0"/>
+                        <a:t> (JSON, BSON)</a:t>
+                      </a:r>
+                      <a:endParaRPr lang="hu-HU" dirty="0"/>
+                    </a:p>
+                  </a:txBody>
+                  <a:tcPr/>
+                </a:tc>
+              </a:tr>
+              <a:tr h="370840">
+                <a:tc>
+                  <a:txBody>
+                    <a:bodyPr/>
+                    <a:lstStyle/>
+                    <a:p>
+                      <a:r>
+                        <a:rPr lang="hu-HU" dirty="0" err="1" smtClean="0"/>
+                        <a:t>Column</a:t>
+                      </a:r>
+                      <a:endParaRPr lang="hu-HU" dirty="0"/>
+                    </a:p>
+                  </a:txBody>
+                  <a:tcPr/>
+                </a:tc>
+                <a:tc>
+                  <a:txBody>
+                    <a:bodyPr/>
+                    <a:lstStyle/>
+                    <a:p>
+                      <a:endParaRPr lang="hu-HU" dirty="0"/>
+                    </a:p>
+                  </a:txBody>
+                  <a:tcPr/>
+                </a:tc>
+                <a:tc>
+                  <a:txBody>
+                    <a:bodyPr/>
+                    <a:lstStyle/>
+                    <a:p>
+                      <a:r>
+                        <a:rPr lang="hu-HU" dirty="0" err="1" smtClean="0"/>
+                        <a:t>Field</a:t>
+                      </a:r>
+                      <a:endParaRPr lang="hu-HU" dirty="0"/>
+                    </a:p>
+                  </a:txBody>
+                  <a:tcPr/>
+                </a:tc>
+              </a:tr>
+              <a:tr h="370840">
+                <a:tc>
+                  <a:txBody>
+                    <a:bodyPr/>
+                    <a:lstStyle/>
+                    <a:p>
+                      <a:r>
+                        <a:rPr lang="hu-HU" dirty="0" smtClean="0"/>
+                        <a:t>Index</a:t>
+                      </a:r>
+                      <a:endParaRPr lang="hu-HU" dirty="0"/>
+                    </a:p>
+                  </a:txBody>
+                  <a:tcPr/>
+                </a:tc>
+                <a:tc>
+                  <a:txBody>
+                    <a:bodyPr/>
+                    <a:lstStyle/>
+                    <a:p>
+                      <a:endParaRPr lang="hu-HU" dirty="0"/>
+                    </a:p>
+                  </a:txBody>
+                  <a:tcPr/>
+                </a:tc>
+                <a:tc>
+                  <a:txBody>
+                    <a:bodyPr/>
+                    <a:lstStyle/>
+                    <a:p>
+                      <a:r>
+                        <a:rPr lang="hu-HU" dirty="0" smtClean="0"/>
+                        <a:t>Index</a:t>
+                      </a:r>
+                      <a:endParaRPr lang="hu-HU" dirty="0"/>
+                    </a:p>
+                  </a:txBody>
+                  <a:tcPr/>
+                </a:tc>
+              </a:tr>
+              <a:tr h="370840">
+                <a:tc>
+                  <a:txBody>
+                    <a:bodyPr/>
+                    <a:lstStyle/>
+                    <a:p>
+                      <a:r>
+                        <a:rPr lang="hu-HU" b="0" dirty="0" err="1" smtClean="0"/>
+                        <a:t>Join</a:t>
+                      </a:r>
+                      <a:endParaRPr lang="hu-HU" b="0" dirty="0"/>
+                    </a:p>
+                  </a:txBody>
+                  <a:tcPr/>
+                </a:tc>
+                <a:tc>
+                  <a:txBody>
+                    <a:bodyPr/>
+                    <a:lstStyle/>
+                    <a:p>
+                      <a:endParaRPr lang="hu-HU" b="0" dirty="0"/>
+                    </a:p>
+                  </a:txBody>
+                  <a:tcPr/>
+                </a:tc>
+                <a:tc>
+                  <a:txBody>
+                    <a:bodyPr/>
+                    <a:lstStyle/>
+                    <a:p>
+                      <a:r>
+                        <a:rPr lang="hu-HU" b="0" dirty="0" err="1" smtClean="0"/>
+                        <a:t>Embedded</a:t>
+                      </a:r>
+                      <a:r>
+                        <a:rPr lang="hu-HU" b="0" dirty="0" smtClean="0"/>
+                        <a:t> </a:t>
+                      </a:r>
+                      <a:r>
+                        <a:rPr lang="hu-HU" b="0" dirty="0" err="1" smtClean="0"/>
+                        <a:t>Document</a:t>
+                      </a:r>
+                      <a:endParaRPr lang="hu-HU" b="0" dirty="0"/>
+                    </a:p>
+                  </a:txBody>
+                  <a:tcPr/>
+                </a:tc>
+              </a:tr>
+              <a:tr h="370840">
+                <a:tc>
+                  <a:txBody>
+                    <a:bodyPr/>
+                    <a:lstStyle/>
+                    <a:p>
+                      <a:r>
+                        <a:rPr lang="hu-HU" dirty="0" err="1" smtClean="0"/>
+                        <a:t>Foreign</a:t>
+                      </a:r>
+                      <a:r>
+                        <a:rPr lang="hu-HU" dirty="0" smtClean="0"/>
+                        <a:t> Key</a:t>
+                      </a:r>
+                      <a:endParaRPr lang="hu-HU" dirty="0"/>
+                    </a:p>
+                  </a:txBody>
+                  <a:tcPr/>
+                </a:tc>
+                <a:tc>
+                  <a:txBody>
+                    <a:bodyPr/>
+                    <a:lstStyle/>
+                    <a:p>
+                      <a:endParaRPr lang="hu-HU" dirty="0"/>
+                    </a:p>
+                  </a:txBody>
+                  <a:tcPr/>
+                </a:tc>
+                <a:tc>
+                  <a:txBody>
+                    <a:bodyPr/>
+                    <a:lstStyle/>
+                    <a:p>
+                      <a:r>
+                        <a:rPr lang="hu-HU" dirty="0" err="1" smtClean="0"/>
+                        <a:t>Reference</a:t>
+                      </a:r>
+                      <a:endParaRPr lang="hu-HU" dirty="0"/>
+                    </a:p>
+                  </a:txBody>
+                  <a:tcPr/>
+                </a:tc>
+              </a:tr>
+              <a:tr h="370840">
+                <a:tc>
+                  <a:txBody>
+                    <a:bodyPr/>
+                    <a:lstStyle/>
+                    <a:p>
+                      <a:r>
+                        <a:rPr lang="hu-HU" dirty="0" err="1" smtClean="0"/>
+                        <a:t>Partition</a:t>
+                      </a:r>
+                      <a:endParaRPr lang="hu-HU" dirty="0"/>
+                    </a:p>
+                  </a:txBody>
+                  <a:tcPr/>
+                </a:tc>
+                <a:tc>
+                  <a:txBody>
+                    <a:bodyPr/>
+                    <a:lstStyle/>
+                    <a:p>
+                      <a:endParaRPr lang="hu-HU" dirty="0"/>
+                    </a:p>
+                  </a:txBody>
+                  <a:tcPr/>
+                </a:tc>
+                <a:tc>
+                  <a:txBody>
+                    <a:bodyPr/>
+                    <a:lstStyle/>
+                    <a:p>
+                      <a:r>
+                        <a:rPr lang="hu-HU" dirty="0" err="1" smtClean="0"/>
+                        <a:t>Shard</a:t>
+                      </a:r>
+                      <a:endParaRPr lang="hu-HU" dirty="0"/>
+                    </a:p>
+                  </a:txBody>
+                  <a:tcPr/>
+                </a:tc>
+              </a:tr>
+            </a:tbl>
+          </a:graphicData>
+        </a:graphic>
+      </p:graphicFrame>
+    </p:spTree>
+  </p:cSld>
+  <p:clrMapOvr>
+    <a:masterClrMapping/>
+  </p:clrMapOvr>
+  <p:timing>
+    <p:tnLst>
+      <p:par>
+        <p:cTn id="1" dur="indefinite" restart="never" nodeType="tmRoot"/>
+      </p:par>
+    </p:tnLst>
+  </p:timing>
+</p:sld>
+</file>
+
+<file path=ppt/slides/slide65.xml><?xml version="1.0" encoding="utf-8"?>
+<p:sld xmlns:a="http://schemas.openxmlformats.org/drawingml/2006/main" xmlns:r="http://schemas.openxmlformats.org/officeDocument/2006/relationships" xmlns:p="http://schemas.openxmlformats.org/presentationml/2006/main">
+  <p:cSld>
+    <p:spTree>
+      <p:nvGrpSpPr>
+        <p:cNvPr id="1" name=""/>
+        <p:cNvGrpSpPr/>
+        <p:nvPr/>
+      </p:nvGrpSpPr>
+      <p:grpSpPr>
+        <a:xfrm>
+          <a:off x="0" y="0"/>
+          <a:ext cx="0" cy="0"/>
+          <a:chOff x="0" y="0"/>
+          <a:chExt cx="0" cy="0"/>
+        </a:xfrm>
+      </p:grpSpPr>
+      <p:sp>
+        <p:nvSpPr>
+          <p:cNvPr id="2" name="Title 1"/>
+          <p:cNvSpPr>
+            <a:spLocks noGrp="1"/>
+          </p:cNvSpPr>
+          <p:nvPr>
+            <p:ph type="title"/>
+          </p:nvPr>
+        </p:nvSpPr>
+        <p:spPr/>
+        <p:txBody>
+          <a:bodyPr/>
+          <a:lstStyle/>
+          <a:p>
+            <a:r>
+              <a:rPr lang="en-US" dirty="0" smtClean="0"/>
+              <a:t>Usage…</a:t>
+            </a:r>
+            <a:endParaRPr lang="en-US" dirty="0"/>
+          </a:p>
+        </p:txBody>
+      </p:sp>
+      <p:sp>
+        <p:nvSpPr>
+          <p:cNvPr id="3" name="Content Placeholder 2"/>
+          <p:cNvSpPr>
+            <a:spLocks noGrp="1"/>
+          </p:cNvSpPr>
+          <p:nvPr>
+            <p:ph idx="1"/>
+          </p:nvPr>
+        </p:nvSpPr>
+        <p:spPr/>
+        <p:txBody>
+          <a:bodyPr/>
+          <a:lstStyle/>
+          <a:p>
+            <a:endParaRPr lang="en-US" dirty="0"/>
+          </a:p>
+        </p:txBody>
+      </p:sp>
+      <p:sp>
+        <p:nvSpPr>
+          <p:cNvPr id="4" name="Lekerekített téglalap 12"/>
+          <p:cNvSpPr/>
+          <p:nvPr/>
+        </p:nvSpPr>
+        <p:spPr>
+          <a:xfrm>
+            <a:off x="2209800" y="2341563"/>
+            <a:ext cx="4665663" cy="4516437"/>
+          </a:xfrm>
+          <a:prstGeom prst="roundRect">
+            <a:avLst/>
+          </a:prstGeom>
+        </p:spPr>
+        <p:style>
+          <a:lnRef idx="2">
+            <a:schemeClr val="accent1">
+              <a:shade val="50000"/>
+            </a:schemeClr>
+          </a:lnRef>
+          <a:fillRef idx="1">
+            <a:schemeClr val="accent1"/>
+          </a:fillRef>
+          <a:effectRef idx="0">
+            <a:schemeClr val="accent1"/>
+          </a:effectRef>
+          <a:fontRef idx="minor">
+            <a:schemeClr val="lt1"/>
+          </a:fontRef>
+        </p:style>
+        <p:txBody>
+          <a:bodyPr anchor="ctr"/>
+          <a:lstStyle/>
+          <a:p>
+            <a:pPr>
+              <a:defRPr/>
+            </a:pPr>
+            <a:r>
+              <a:rPr lang="hu-HU" sz="2000" dirty="0"/>
+              <a:t>&gt; </a:t>
+            </a:r>
+            <a:r>
+              <a:rPr lang="hu-HU" sz="2000" dirty="0" err="1"/>
+              <a:t>db.user.findOne</a:t>
+            </a:r>
+            <a:r>
+              <a:rPr lang="hu-HU" sz="2000" dirty="0"/>
+              <a:t>({</a:t>
+            </a:r>
+            <a:r>
+              <a:rPr lang="hu-HU" sz="2000" dirty="0" err="1"/>
+              <a:t>age</a:t>
+            </a:r>
+            <a:r>
+              <a:rPr lang="hu-HU" sz="2000" dirty="0"/>
+              <a:t>:39})</a:t>
+            </a:r>
+          </a:p>
+          <a:p>
+            <a:pPr>
+              <a:defRPr/>
+            </a:pPr>
+            <a:r>
+              <a:rPr lang="hu-HU" sz="2000" dirty="0"/>
+              <a:t>{</a:t>
+            </a:r>
+          </a:p>
+          <a:p>
+            <a:pPr>
+              <a:defRPr/>
+            </a:pPr>
+            <a:r>
+              <a:rPr lang="hu-HU" sz="2000" dirty="0"/>
+              <a:t>        "_</a:t>
+            </a:r>
+            <a:r>
+              <a:rPr lang="hu-HU" sz="2000" dirty="0" err="1"/>
+              <a:t>id</a:t>
+            </a:r>
+            <a:r>
+              <a:rPr lang="hu-HU" sz="2000" dirty="0"/>
+              <a:t>" : </a:t>
+            </a:r>
+            <a:r>
+              <a:rPr lang="hu-HU" sz="2000" dirty="0" err="1"/>
+              <a:t>ObjectId</a:t>
+            </a:r>
+            <a:r>
+              <a:rPr lang="hu-HU" sz="2000" dirty="0"/>
+              <a:t>("5114e0bd42…"),</a:t>
+            </a:r>
+          </a:p>
+          <a:p>
+            <a:pPr>
+              <a:defRPr/>
+            </a:pPr>
+            <a:r>
+              <a:rPr lang="hu-HU" sz="2000" dirty="0"/>
+              <a:t>        "</a:t>
+            </a:r>
+            <a:r>
+              <a:rPr lang="hu-HU" sz="2000" dirty="0" err="1"/>
+              <a:t>first</a:t>
+            </a:r>
+            <a:r>
+              <a:rPr lang="hu-HU" sz="2000" dirty="0"/>
+              <a:t>" : "John",</a:t>
+            </a:r>
+          </a:p>
+          <a:p>
+            <a:pPr>
+              <a:defRPr/>
+            </a:pPr>
+            <a:r>
+              <a:rPr lang="hu-HU" sz="2000" dirty="0"/>
+              <a:t>        "</a:t>
+            </a:r>
+            <a:r>
+              <a:rPr lang="hu-HU" sz="2000" dirty="0" err="1"/>
+              <a:t>last</a:t>
+            </a:r>
+            <a:r>
+              <a:rPr lang="hu-HU" sz="2000" dirty="0"/>
+              <a:t>" : "</a:t>
+            </a:r>
+            <a:r>
+              <a:rPr lang="hu-HU" sz="2000" dirty="0" err="1"/>
+              <a:t>Doe</a:t>
+            </a:r>
+            <a:r>
+              <a:rPr lang="hu-HU" sz="2000" dirty="0"/>
+              <a:t>",</a:t>
+            </a:r>
+          </a:p>
+          <a:p>
+            <a:pPr>
+              <a:defRPr/>
+            </a:pPr>
+            <a:r>
+              <a:rPr lang="hu-HU" sz="2000" dirty="0"/>
+              <a:t>        "</a:t>
+            </a:r>
+            <a:r>
+              <a:rPr lang="hu-HU" sz="2000" dirty="0" err="1"/>
+              <a:t>age</a:t>
+            </a:r>
+            <a:r>
+              <a:rPr lang="hu-HU" sz="2000" dirty="0"/>
+              <a:t>" : 39, </a:t>
+            </a:r>
+          </a:p>
+          <a:p>
+            <a:pPr>
+              <a:defRPr/>
+            </a:pPr>
+            <a:r>
+              <a:rPr lang="hu-HU" sz="2000" dirty="0"/>
+              <a:t>       "</a:t>
+            </a:r>
+            <a:r>
+              <a:rPr lang="hu-HU" sz="2000" dirty="0" err="1"/>
+              <a:t>interests</a:t>
+            </a:r>
+            <a:r>
+              <a:rPr lang="hu-HU" sz="2000" dirty="0"/>
+              <a:t>" : [</a:t>
+            </a:r>
+          </a:p>
+          <a:p>
+            <a:pPr>
+              <a:defRPr/>
+            </a:pPr>
+            <a:r>
+              <a:rPr lang="hu-HU" sz="2000" dirty="0"/>
+              <a:t>                "</a:t>
+            </a:r>
+            <a:r>
+              <a:rPr lang="hu-HU" sz="2000" dirty="0" err="1"/>
+              <a:t>Reading</a:t>
+            </a:r>
+            <a:r>
+              <a:rPr lang="hu-HU" sz="2000" dirty="0"/>
+              <a:t>",</a:t>
+            </a:r>
+          </a:p>
+          <a:p>
+            <a:pPr>
+              <a:defRPr/>
+            </a:pPr>
+            <a:r>
+              <a:rPr lang="hu-HU" sz="2000" dirty="0"/>
+              <a:t>                "Mountain </a:t>
+            </a:r>
+            <a:r>
+              <a:rPr lang="hu-HU" sz="2000" dirty="0" err="1"/>
+              <a:t>Biking</a:t>
+            </a:r>
+            <a:r>
+              <a:rPr lang="hu-HU" sz="2000" dirty="0"/>
+              <a:t> ]</a:t>
+            </a:r>
+          </a:p>
+          <a:p>
+            <a:pPr>
+              <a:defRPr/>
+            </a:pPr>
+            <a:r>
+              <a:rPr lang="hu-HU" sz="2000" dirty="0"/>
+              <a:t>       </a:t>
+            </a:r>
+            <a:r>
+              <a:rPr lang="en-US" sz="2000" dirty="0"/>
+              <a:t>"favorites": { </a:t>
+            </a:r>
+            <a:endParaRPr lang="hu-HU" sz="2000" dirty="0"/>
+          </a:p>
+          <a:p>
+            <a:pPr>
+              <a:defRPr/>
+            </a:pPr>
+            <a:r>
+              <a:rPr lang="hu-HU" sz="2000" dirty="0"/>
+              <a:t>               </a:t>
+            </a:r>
+            <a:r>
+              <a:rPr lang="en-US" sz="2000" dirty="0"/>
+              <a:t>"color": "Blue", </a:t>
+            </a:r>
+            <a:endParaRPr lang="hu-HU" sz="2000" dirty="0"/>
+          </a:p>
+          <a:p>
+            <a:pPr>
+              <a:defRPr/>
+            </a:pPr>
+            <a:r>
+              <a:rPr lang="hu-HU" sz="2000" dirty="0"/>
+              <a:t>               </a:t>
+            </a:r>
+            <a:r>
+              <a:rPr lang="en-US" sz="2000" dirty="0"/>
+              <a:t>"sport": "Soccer"} </a:t>
+            </a:r>
+            <a:endParaRPr lang="hu-HU" sz="2000" b="1" dirty="0"/>
+          </a:p>
+          <a:p>
+            <a:pPr>
+              <a:defRPr/>
+            </a:pPr>
+            <a:r>
+              <a:rPr lang="hu-HU" sz="2000" dirty="0"/>
+              <a:t>}</a:t>
+            </a:r>
+          </a:p>
+        </p:txBody>
+      </p:sp>
+    </p:spTree>
+  </p:cSld>
+  <p:clrMapOvr>
+    <a:masterClrMapping/>
+  </p:clrMapOvr>
+  <p:timing>
+    <p:tnLst>
+      <p:par>
+        <p:cTn id="1" dur="indefinite" restart="never" nodeType="tmRoot"/>
+      </p:par>
+    </p:tnLst>
+  </p:timing>
+</p:sld>
+</file>
+
+<file path=ppt/slides/slide66.xml><?xml version="1.0" encoding="utf-8"?>
+<p:sld xmlns:a="http://schemas.openxmlformats.org/drawingml/2006/main" xmlns:r="http://schemas.openxmlformats.org/officeDocument/2006/relationships" xmlns:p="http://schemas.openxmlformats.org/presentationml/2006/main">
+  <p:cSld>
+    <p:spTree>
+      <p:nvGrpSpPr>
+        <p:cNvPr id="1" name=""/>
+        <p:cNvGrpSpPr/>
+        <p:nvPr/>
+      </p:nvGrpSpPr>
+      <p:grpSpPr>
+        <a:xfrm>
+          <a:off x="0" y="0"/>
+          <a:ext cx="0" cy="0"/>
+          <a:chOff x="0" y="0"/>
+          <a:chExt cx="0" cy="0"/>
+        </a:xfrm>
+      </p:grpSpPr>
+      <p:sp>
+        <p:nvSpPr>
+          <p:cNvPr id="2" name="Title 1"/>
+          <p:cNvSpPr>
+            <a:spLocks noGrp="1"/>
+          </p:cNvSpPr>
+          <p:nvPr>
+            <p:ph type="title"/>
+          </p:nvPr>
+        </p:nvSpPr>
+        <p:spPr/>
+        <p:txBody>
+          <a:bodyPr/>
+          <a:lstStyle/>
+          <a:p>
+            <a:r>
+              <a:rPr lang="en-US" dirty="0" smtClean="0"/>
+              <a:t>CRUD</a:t>
+            </a:r>
+            <a:endParaRPr lang="en-US" dirty="0"/>
+          </a:p>
+        </p:txBody>
+      </p:sp>
+      <p:sp>
+        <p:nvSpPr>
+          <p:cNvPr id="3" name="Content Placeholder 2"/>
+          <p:cNvSpPr>
+            <a:spLocks noGrp="1"/>
+          </p:cNvSpPr>
+          <p:nvPr>
+            <p:ph idx="1"/>
+          </p:nvPr>
+        </p:nvSpPr>
+        <p:spPr/>
+        <p:txBody>
+          <a:bodyPr>
+            <a:normAutofit fontScale="92500" lnSpcReduction="20000"/>
+          </a:bodyPr>
+          <a:lstStyle/>
+          <a:p>
+            <a:r>
+              <a:rPr lang="hu-HU" dirty="0" smtClean="0"/>
+              <a:t>Create</a:t>
+            </a:r>
+          </a:p>
+          <a:p>
+            <a:pPr lvl="1"/>
+            <a:r>
+              <a:rPr lang="hu-HU" dirty="0" smtClean="0"/>
+              <a:t>db.collection.insert( &lt;document&gt; ) </a:t>
+            </a:r>
+          </a:p>
+          <a:p>
+            <a:pPr lvl="1"/>
+            <a:r>
+              <a:rPr lang="hu-HU" dirty="0" smtClean="0"/>
+              <a:t>db.collection.save( &lt;document&gt; ) </a:t>
+            </a:r>
+          </a:p>
+          <a:p>
+            <a:pPr lvl="1"/>
+            <a:r>
+              <a:rPr lang="hu-HU" dirty="0" smtClean="0"/>
+              <a:t>db.collection.update( &lt;query&gt;, &lt;update&gt;, { upsert: true } ) </a:t>
+            </a:r>
+          </a:p>
+          <a:p>
+            <a:r>
+              <a:rPr lang="hu-HU" dirty="0" smtClean="0"/>
+              <a:t>Read</a:t>
+            </a:r>
+          </a:p>
+          <a:p>
+            <a:pPr lvl="1"/>
+            <a:r>
+              <a:rPr lang="hu-HU" dirty="0" smtClean="0"/>
+              <a:t>db.collection.find( &lt;query&gt;, &lt;projection&gt; )</a:t>
+            </a:r>
+          </a:p>
+          <a:p>
+            <a:pPr lvl="1"/>
+            <a:r>
+              <a:rPr lang="hu-HU" dirty="0" smtClean="0"/>
+              <a:t>db.collection.findOne( &lt;query&gt;, &lt;projection&gt; ) </a:t>
+            </a:r>
+          </a:p>
+          <a:p>
+            <a:r>
+              <a:rPr lang="hu-HU" dirty="0" smtClean="0"/>
+              <a:t>Update</a:t>
+            </a:r>
+          </a:p>
+          <a:p>
+            <a:pPr lvl="1"/>
+            <a:r>
+              <a:rPr lang="hu-HU" dirty="0" smtClean="0"/>
+              <a:t>db.collection.update( &lt;query&gt;, &lt;update&gt;, &lt;options&gt; ) </a:t>
+            </a:r>
+          </a:p>
+          <a:p>
+            <a:r>
+              <a:rPr lang="hu-HU" dirty="0" smtClean="0"/>
+              <a:t>Delete</a:t>
+            </a:r>
+          </a:p>
+          <a:p>
+            <a:pPr lvl="1"/>
+            <a:r>
+              <a:rPr lang="hu-HU" dirty="0" smtClean="0"/>
+              <a:t>db.collection.remove( &lt;query&gt;, &lt;justOne&gt; ) </a:t>
+            </a:r>
+          </a:p>
+          <a:p>
+            <a:pPr>
+              <a:buNone/>
+            </a:pPr>
+            <a:endParaRPr lang="en-US" dirty="0"/>
+          </a:p>
+        </p:txBody>
+      </p:sp>
+    </p:spTree>
+  </p:cSld>
+  <p:clrMapOvr>
+    <a:masterClrMapping/>
+  </p:clrMapOvr>
+  <p:timing>
+    <p:tnLst>
+      <p:par>
+        <p:cTn id="1" dur="indefinite" restart="never" nodeType="tmRoot"/>
+      </p:par>
+    </p:tnLst>
+  </p:timing>
+</p:sld>
+</file>
+
+<file path=ppt/slides/slide67.xml><?xml version="1.0" encoding="utf-8"?>
+<p:sld xmlns:a="http://schemas.openxmlformats.org/drawingml/2006/main" xmlns:r="http://schemas.openxmlformats.org/officeDocument/2006/relationships" xmlns:p="http://schemas.openxmlformats.org/presentationml/2006/main">
+  <p:cSld>
+    <p:spTree>
+      <p:nvGrpSpPr>
+        <p:cNvPr id="1" name=""/>
+        <p:cNvGrpSpPr/>
+        <p:nvPr/>
+      </p:nvGrpSpPr>
+      <p:grpSpPr>
+        <a:xfrm>
+          <a:off x="0" y="0"/>
+          <a:ext cx="0" cy="0"/>
+          <a:chOff x="0" y="0"/>
+          <a:chExt cx="0" cy="0"/>
+        </a:xfrm>
+      </p:grpSpPr>
+      <p:sp>
+        <p:nvSpPr>
+          <p:cNvPr id="2" name="Title 1"/>
+          <p:cNvSpPr>
+            <a:spLocks noGrp="1"/>
+          </p:cNvSpPr>
+          <p:nvPr>
+            <p:ph type="title"/>
+          </p:nvPr>
+        </p:nvSpPr>
+        <p:spPr/>
+        <p:txBody>
+          <a:bodyPr/>
+          <a:lstStyle/>
+          <a:p>
+            <a:r>
+              <a:rPr lang="hu-HU" dirty="0" smtClean="0">
+                <a:latin typeface="Arial" pitchFamily="34" charset="0"/>
+              </a:rPr>
+              <a:t>CRUD example</a:t>
+            </a:r>
+            <a:endParaRPr lang="en-US" dirty="0"/>
+          </a:p>
+        </p:txBody>
+      </p:sp>
+      <p:sp>
+        <p:nvSpPr>
+          <p:cNvPr id="3" name="Content Placeholder 2"/>
+          <p:cNvSpPr>
+            <a:spLocks noGrp="1"/>
+          </p:cNvSpPr>
+          <p:nvPr>
+            <p:ph idx="1"/>
+          </p:nvPr>
+        </p:nvSpPr>
+        <p:spPr/>
+        <p:txBody>
+          <a:bodyPr/>
+          <a:lstStyle/>
+          <a:p>
+            <a:endParaRPr lang="en-US" dirty="0"/>
+          </a:p>
+        </p:txBody>
+      </p:sp>
+      <p:sp>
+        <p:nvSpPr>
+          <p:cNvPr id="4" name="Lekerekített téglalap 12"/>
+          <p:cNvSpPr/>
+          <p:nvPr/>
+        </p:nvSpPr>
+        <p:spPr>
+          <a:xfrm>
+            <a:off x="609601" y="2286000"/>
+            <a:ext cx="3457574" cy="1981199"/>
+          </a:xfrm>
+          <a:prstGeom prst="roundRect">
+            <a:avLst/>
+          </a:prstGeom>
+        </p:spPr>
+        <p:style>
+          <a:lnRef idx="2">
+            <a:schemeClr val="accent1">
+              <a:shade val="50000"/>
+            </a:schemeClr>
+          </a:lnRef>
+          <a:fillRef idx="1">
+            <a:schemeClr val="accent1"/>
+          </a:fillRef>
+          <a:effectRef idx="0">
+            <a:schemeClr val="accent1"/>
+          </a:effectRef>
+          <a:fontRef idx="minor">
+            <a:schemeClr val="lt1"/>
+          </a:fontRef>
+        </p:style>
+        <p:txBody>
+          <a:bodyPr anchor="ctr"/>
+          <a:lstStyle/>
+          <a:p>
+            <a:pPr>
+              <a:tabLst>
+                <a:tab pos="536575" algn="l"/>
+              </a:tabLst>
+            </a:pPr>
+            <a:r>
+              <a:rPr lang="hu-HU" sz="2000" dirty="0">
+                <a:solidFill>
+                  <a:srgbClr val="FFFFFF"/>
+                </a:solidFill>
+              </a:rPr>
+              <a:t>&gt; db.user.</a:t>
+            </a:r>
+            <a:r>
+              <a:rPr lang="hu-HU" sz="2000" dirty="0">
+                <a:solidFill>
+                  <a:srgbClr val="FFFFFF"/>
+                </a:solidFill>
+                <a:latin typeface="Arial" pitchFamily="34" charset="0"/>
+              </a:rPr>
+              <a:t>insert</a:t>
+            </a:r>
+            <a:r>
+              <a:rPr lang="hu-HU" sz="2000" dirty="0">
+                <a:solidFill>
+                  <a:srgbClr val="FFFFFF"/>
+                </a:solidFill>
+              </a:rPr>
+              <a:t>({</a:t>
+            </a:r>
+          </a:p>
+          <a:p>
+            <a:pPr>
+              <a:tabLst>
+                <a:tab pos="536575" algn="l"/>
+              </a:tabLst>
+            </a:pPr>
+            <a:r>
+              <a:rPr lang="hu-HU" sz="2000" dirty="0">
+                <a:solidFill>
+                  <a:srgbClr val="FFFFFF"/>
+                </a:solidFill>
+                <a:latin typeface="Arial" pitchFamily="34" charset="0"/>
+              </a:rPr>
+              <a:t>	</a:t>
+            </a:r>
+            <a:r>
+              <a:rPr lang="hu-HU" sz="2000" dirty="0">
+                <a:solidFill>
+                  <a:srgbClr val="FFFFFF"/>
+                </a:solidFill>
+              </a:rPr>
+              <a:t>first: </a:t>
+            </a:r>
+            <a:r>
+              <a:rPr lang="hu-HU" dirty="0">
+                <a:solidFill>
+                  <a:srgbClr val="FFFFFF"/>
+                </a:solidFill>
+                <a:latin typeface="Arial" pitchFamily="34" charset="0"/>
+              </a:rPr>
+              <a:t>"John",</a:t>
+            </a:r>
+          </a:p>
+          <a:p>
+            <a:pPr>
+              <a:tabLst>
+                <a:tab pos="536575" algn="l"/>
+              </a:tabLst>
+            </a:pPr>
+            <a:r>
+              <a:rPr lang="hu-HU" dirty="0">
+                <a:solidFill>
+                  <a:srgbClr val="FFFFFF"/>
+                </a:solidFill>
+                <a:latin typeface="Arial" pitchFamily="34" charset="0"/>
+              </a:rPr>
+              <a:t>	last : "Doe",</a:t>
+            </a:r>
+          </a:p>
+          <a:p>
+            <a:pPr>
+              <a:tabLst>
+                <a:tab pos="536575" algn="l"/>
+              </a:tabLst>
+            </a:pPr>
+            <a:r>
+              <a:rPr lang="hu-HU" dirty="0">
+                <a:solidFill>
+                  <a:srgbClr val="FFFFFF"/>
+                </a:solidFill>
+                <a:latin typeface="Arial" pitchFamily="34" charset="0"/>
+              </a:rPr>
+              <a:t>	age: 39</a:t>
+            </a:r>
+          </a:p>
+          <a:p>
+            <a:pPr>
+              <a:tabLst>
+                <a:tab pos="536575" algn="l"/>
+              </a:tabLst>
+            </a:pPr>
+            <a:r>
+              <a:rPr lang="hu-HU" sz="2000" dirty="0">
+                <a:solidFill>
+                  <a:srgbClr val="FFFFFF"/>
+                </a:solidFill>
+              </a:rPr>
+              <a:t>})</a:t>
+            </a:r>
+          </a:p>
+        </p:txBody>
+      </p:sp>
+      <p:sp>
+        <p:nvSpPr>
+          <p:cNvPr id="5" name="Lekerekített téglalap 12"/>
+          <p:cNvSpPr/>
+          <p:nvPr/>
+        </p:nvSpPr>
+        <p:spPr>
+          <a:xfrm>
+            <a:off x="4568826" y="2286000"/>
+            <a:ext cx="3457574" cy="1981199"/>
+          </a:xfrm>
+          <a:prstGeom prst="roundRect">
+            <a:avLst/>
+          </a:prstGeom>
+        </p:spPr>
+        <p:style>
+          <a:lnRef idx="2">
+            <a:schemeClr val="accent1">
+              <a:shade val="50000"/>
+            </a:schemeClr>
+          </a:lnRef>
+          <a:fillRef idx="1">
+            <a:schemeClr val="accent1"/>
+          </a:fillRef>
+          <a:effectRef idx="0">
+            <a:schemeClr val="accent1"/>
+          </a:effectRef>
+          <a:fontRef idx="minor">
+            <a:schemeClr val="lt1"/>
+          </a:fontRef>
+        </p:style>
+        <p:txBody>
+          <a:bodyPr anchor="ctr"/>
+          <a:lstStyle/>
+          <a:p>
+            <a:pPr>
+              <a:tabLst>
+                <a:tab pos="536575" algn="l"/>
+              </a:tabLst>
+            </a:pPr>
+            <a:r>
+              <a:rPr lang="hu-HU" dirty="0">
+                <a:solidFill>
+                  <a:srgbClr val="FFFFFF"/>
+                </a:solidFill>
+                <a:latin typeface="Arial" pitchFamily="34" charset="0"/>
+              </a:rPr>
+              <a:t>&gt; db.user.find ()</a:t>
+            </a:r>
+          </a:p>
+          <a:p>
+            <a:pPr>
+              <a:tabLst>
+                <a:tab pos="536575" algn="l"/>
+              </a:tabLst>
+            </a:pPr>
+            <a:r>
+              <a:rPr lang="en-US" dirty="0">
+                <a:solidFill>
+                  <a:srgbClr val="FFFFFF"/>
+                </a:solidFill>
+                <a:latin typeface="Arial" pitchFamily="34" charset="0"/>
+              </a:rPr>
+              <a:t>{ </a:t>
+            </a:r>
+            <a:endParaRPr lang="hu-HU" dirty="0">
+              <a:solidFill>
+                <a:srgbClr val="FFFFFF"/>
+              </a:solidFill>
+              <a:latin typeface="Arial" pitchFamily="34" charset="0"/>
+            </a:endParaRPr>
+          </a:p>
+          <a:p>
+            <a:pPr>
+              <a:tabLst>
+                <a:tab pos="536575" algn="l"/>
+              </a:tabLst>
+            </a:pPr>
+            <a:r>
+              <a:rPr lang="hu-HU" dirty="0">
+                <a:solidFill>
+                  <a:srgbClr val="FFFFFF"/>
+                </a:solidFill>
+                <a:latin typeface="Arial" pitchFamily="34" charset="0"/>
+              </a:rPr>
+              <a:t>	</a:t>
+            </a:r>
+            <a:r>
+              <a:rPr lang="en-US" b="1" dirty="0">
+                <a:solidFill>
+                  <a:schemeClr val="hlink"/>
+                </a:solidFill>
+                <a:latin typeface="Arial" pitchFamily="34" charset="0"/>
+              </a:rPr>
+              <a:t>"_id" :</a:t>
+            </a:r>
+            <a:r>
+              <a:rPr lang="hu-HU" b="1" dirty="0">
+                <a:solidFill>
+                  <a:schemeClr val="hlink"/>
+                </a:solidFill>
+                <a:latin typeface="Arial" pitchFamily="34" charset="0"/>
+              </a:rPr>
+              <a:t> </a:t>
+            </a:r>
+            <a:r>
+              <a:rPr lang="en-US" sz="1600" b="1" dirty="0" err="1">
+                <a:solidFill>
+                  <a:schemeClr val="hlink"/>
+                </a:solidFill>
+                <a:latin typeface="Arial" pitchFamily="34" charset="0"/>
+              </a:rPr>
+              <a:t>ObjectId</a:t>
+            </a:r>
+            <a:r>
+              <a:rPr lang="en-US" sz="1600" b="1" dirty="0">
+                <a:solidFill>
+                  <a:schemeClr val="hlink"/>
+                </a:solidFill>
+                <a:latin typeface="Arial" pitchFamily="34" charset="0"/>
+              </a:rPr>
+              <a:t>("51</a:t>
+            </a:r>
+            <a:r>
+              <a:rPr lang="hu-HU" sz="1600" b="1" dirty="0">
+                <a:solidFill>
+                  <a:schemeClr val="hlink"/>
+                </a:solidFill>
+                <a:latin typeface="Arial" pitchFamily="34" charset="0"/>
+              </a:rPr>
+              <a:t>…</a:t>
+            </a:r>
+            <a:r>
+              <a:rPr lang="en-US" sz="1600" b="1" dirty="0">
+                <a:solidFill>
+                  <a:schemeClr val="hlink"/>
+                </a:solidFill>
+                <a:latin typeface="Arial" pitchFamily="34" charset="0"/>
+              </a:rPr>
+              <a:t>"),</a:t>
+            </a:r>
+          </a:p>
+          <a:p>
+            <a:pPr>
+              <a:tabLst>
+                <a:tab pos="536575" algn="l"/>
+              </a:tabLst>
+            </a:pPr>
+            <a:r>
+              <a:rPr lang="hu-HU" dirty="0">
+                <a:solidFill>
+                  <a:srgbClr val="FFFFFF"/>
+                </a:solidFill>
+                <a:latin typeface="Arial" pitchFamily="34" charset="0"/>
+              </a:rPr>
+              <a:t>	</a:t>
+            </a:r>
+            <a:r>
+              <a:rPr lang="en-US" dirty="0">
+                <a:solidFill>
+                  <a:srgbClr val="FFFFFF"/>
+                </a:solidFill>
+                <a:latin typeface="Arial" pitchFamily="34" charset="0"/>
+              </a:rPr>
+              <a:t>"first" : "John",</a:t>
+            </a:r>
+          </a:p>
+          <a:p>
+            <a:pPr>
+              <a:tabLst>
+                <a:tab pos="536575" algn="l"/>
+              </a:tabLst>
+            </a:pPr>
+            <a:r>
+              <a:rPr lang="hu-HU" dirty="0">
+                <a:solidFill>
+                  <a:srgbClr val="FFFFFF"/>
+                </a:solidFill>
+                <a:latin typeface="Arial" pitchFamily="34" charset="0"/>
+              </a:rPr>
+              <a:t>	</a:t>
+            </a:r>
+            <a:r>
+              <a:rPr lang="en-US" dirty="0">
+                <a:solidFill>
+                  <a:srgbClr val="FFFFFF"/>
+                </a:solidFill>
+                <a:latin typeface="Arial" pitchFamily="34" charset="0"/>
+              </a:rPr>
+              <a:t>"last" : "Doe",</a:t>
+            </a:r>
+            <a:endParaRPr lang="hu-HU" dirty="0">
+              <a:solidFill>
+                <a:srgbClr val="FFFFFF"/>
+              </a:solidFill>
+              <a:latin typeface="Arial" pitchFamily="34" charset="0"/>
+            </a:endParaRPr>
+          </a:p>
+          <a:p>
+            <a:pPr>
+              <a:tabLst>
+                <a:tab pos="536575" algn="l"/>
+              </a:tabLst>
+            </a:pPr>
+            <a:r>
+              <a:rPr lang="hu-HU" dirty="0">
+                <a:solidFill>
+                  <a:srgbClr val="FFFFFF"/>
+                </a:solidFill>
+                <a:latin typeface="Arial" pitchFamily="34" charset="0"/>
+              </a:rPr>
+              <a:t>	</a:t>
+            </a:r>
+            <a:r>
+              <a:rPr lang="en-US" dirty="0">
+                <a:solidFill>
+                  <a:srgbClr val="FFFFFF"/>
+                </a:solidFill>
+                <a:latin typeface="Arial" pitchFamily="34" charset="0"/>
+              </a:rPr>
+              <a:t>"age" : 39 </a:t>
+            </a:r>
+            <a:endParaRPr lang="hu-HU" dirty="0">
+              <a:solidFill>
+                <a:srgbClr val="FFFFFF"/>
+              </a:solidFill>
+              <a:latin typeface="Arial" pitchFamily="34" charset="0"/>
+            </a:endParaRPr>
+          </a:p>
+          <a:p>
+            <a:pPr>
+              <a:tabLst>
+                <a:tab pos="536575" algn="l"/>
+              </a:tabLst>
+            </a:pPr>
+            <a:r>
+              <a:rPr lang="en-US" dirty="0">
+                <a:solidFill>
+                  <a:srgbClr val="FFFFFF"/>
+                </a:solidFill>
+                <a:latin typeface="Arial" pitchFamily="34" charset="0"/>
+              </a:rPr>
+              <a:t>}</a:t>
+            </a:r>
+            <a:endParaRPr lang="hu-HU" dirty="0">
+              <a:solidFill>
+                <a:srgbClr val="FFFFFF"/>
+              </a:solidFill>
+              <a:latin typeface="Arial" pitchFamily="34" charset="0"/>
+            </a:endParaRPr>
+          </a:p>
+        </p:txBody>
+      </p:sp>
+      <p:sp>
+        <p:nvSpPr>
+          <p:cNvPr id="6" name="Lekerekített téglalap 12"/>
+          <p:cNvSpPr/>
+          <p:nvPr/>
+        </p:nvSpPr>
+        <p:spPr>
+          <a:xfrm>
+            <a:off x="609601" y="4495800"/>
+            <a:ext cx="3457574" cy="2174875"/>
+          </a:xfrm>
+          <a:prstGeom prst="roundRect">
+            <a:avLst/>
+          </a:prstGeom>
+        </p:spPr>
+        <p:style>
+          <a:lnRef idx="2">
+            <a:schemeClr val="accent1">
+              <a:shade val="50000"/>
+            </a:schemeClr>
+          </a:lnRef>
+          <a:fillRef idx="1">
+            <a:schemeClr val="accent1"/>
+          </a:fillRef>
+          <a:effectRef idx="0">
+            <a:schemeClr val="accent1"/>
+          </a:effectRef>
+          <a:fontRef idx="minor">
+            <a:schemeClr val="lt1"/>
+          </a:fontRef>
+        </p:style>
+        <p:txBody>
+          <a:bodyPr anchor="ctr"/>
+          <a:lstStyle/>
+          <a:p>
+            <a:pPr>
+              <a:tabLst>
+                <a:tab pos="536575" algn="l"/>
+                <a:tab pos="893763" algn="l"/>
+                <a:tab pos="1250950" algn="l"/>
+              </a:tabLst>
+            </a:pPr>
+            <a:r>
+              <a:rPr lang="hu-HU" dirty="0">
+                <a:solidFill>
+                  <a:srgbClr val="FFFFFF"/>
+                </a:solidFill>
+                <a:latin typeface="Arial" pitchFamily="34" charset="0"/>
+              </a:rPr>
+              <a:t>&gt; db.user.update(</a:t>
+            </a:r>
+          </a:p>
+          <a:p>
+            <a:pPr>
+              <a:tabLst>
+                <a:tab pos="536575" algn="l"/>
+                <a:tab pos="893763" algn="l"/>
+                <a:tab pos="1250950" algn="l"/>
+              </a:tabLst>
+            </a:pPr>
+            <a:r>
+              <a:rPr lang="hu-HU" dirty="0">
+                <a:solidFill>
+                  <a:srgbClr val="FFFFFF"/>
+                </a:solidFill>
+                <a:latin typeface="Arial" pitchFamily="34" charset="0"/>
+              </a:rPr>
+              <a:t>	{"_id" : ObjectId("51…")},</a:t>
+            </a:r>
+          </a:p>
+          <a:p>
+            <a:pPr>
+              <a:tabLst>
+                <a:tab pos="536575" algn="l"/>
+                <a:tab pos="893763" algn="l"/>
+                <a:tab pos="1250950" algn="l"/>
+              </a:tabLst>
+            </a:pPr>
+            <a:r>
+              <a:rPr lang="hu-HU" dirty="0">
+                <a:solidFill>
+                  <a:srgbClr val="FFFFFF"/>
+                </a:solidFill>
+                <a:latin typeface="Arial" pitchFamily="34" charset="0"/>
+              </a:rPr>
+              <a:t>	{</a:t>
+            </a:r>
+          </a:p>
+          <a:p>
+            <a:pPr>
+              <a:tabLst>
+                <a:tab pos="536575" algn="l"/>
+                <a:tab pos="893763" algn="l"/>
+                <a:tab pos="1250950" algn="l"/>
+              </a:tabLst>
+            </a:pPr>
+            <a:r>
+              <a:rPr lang="hu-HU" dirty="0">
+                <a:solidFill>
+                  <a:srgbClr val="FFFFFF"/>
+                </a:solidFill>
+                <a:latin typeface="Arial" pitchFamily="34" charset="0"/>
+              </a:rPr>
+              <a:t>		</a:t>
+            </a:r>
+            <a:r>
+              <a:rPr lang="hu-HU" b="1" dirty="0">
+                <a:solidFill>
+                  <a:schemeClr val="hlink"/>
+                </a:solidFill>
+                <a:latin typeface="Arial" pitchFamily="34" charset="0"/>
+              </a:rPr>
+              <a:t>$set</a:t>
+            </a:r>
+            <a:r>
+              <a:rPr lang="hu-HU" dirty="0">
+                <a:solidFill>
+                  <a:srgbClr val="FFFFFF"/>
+                </a:solidFill>
+                <a:latin typeface="Arial" pitchFamily="34" charset="0"/>
+              </a:rPr>
+              <a:t>: {</a:t>
+            </a:r>
+          </a:p>
+          <a:p>
+            <a:pPr>
+              <a:tabLst>
+                <a:tab pos="536575" algn="l"/>
+                <a:tab pos="893763" algn="l"/>
+                <a:tab pos="1250950" algn="l"/>
+              </a:tabLst>
+            </a:pPr>
+            <a:r>
+              <a:rPr lang="hu-HU" dirty="0">
+                <a:solidFill>
+                  <a:srgbClr val="FFFFFF"/>
+                </a:solidFill>
+                <a:latin typeface="Arial" pitchFamily="34" charset="0"/>
+              </a:rPr>
+              <a:t>			age: 40,</a:t>
+            </a:r>
+          </a:p>
+          <a:p>
+            <a:pPr>
+              <a:tabLst>
+                <a:tab pos="536575" algn="l"/>
+                <a:tab pos="893763" algn="l"/>
+                <a:tab pos="1250950" algn="l"/>
+              </a:tabLst>
+            </a:pPr>
+            <a:r>
+              <a:rPr lang="hu-HU" dirty="0">
+                <a:solidFill>
+                  <a:srgbClr val="FFFFFF"/>
+                </a:solidFill>
+                <a:latin typeface="Arial" pitchFamily="34" charset="0"/>
+              </a:rPr>
+              <a:t>		 	salary: 7000}</a:t>
+            </a:r>
+          </a:p>
+          <a:p>
+            <a:pPr>
+              <a:tabLst>
+                <a:tab pos="536575" algn="l"/>
+                <a:tab pos="893763" algn="l"/>
+                <a:tab pos="1250950" algn="l"/>
+              </a:tabLst>
+            </a:pPr>
+            <a:r>
+              <a:rPr lang="hu-HU" dirty="0">
+                <a:solidFill>
+                  <a:srgbClr val="FFFFFF"/>
+                </a:solidFill>
+                <a:latin typeface="Arial" pitchFamily="34" charset="0"/>
+              </a:rPr>
+              <a:t>	}</a:t>
+            </a:r>
+          </a:p>
+          <a:p>
+            <a:pPr>
+              <a:tabLst>
+                <a:tab pos="536575" algn="l"/>
+                <a:tab pos="893763" algn="l"/>
+                <a:tab pos="1250950" algn="l"/>
+              </a:tabLst>
+            </a:pPr>
+            <a:r>
+              <a:rPr lang="hu-HU" dirty="0">
+                <a:solidFill>
+                  <a:srgbClr val="FFFFFF"/>
+                </a:solidFill>
+                <a:latin typeface="Arial" pitchFamily="34" charset="0"/>
+              </a:rPr>
+              <a:t>)</a:t>
+            </a:r>
+          </a:p>
+        </p:txBody>
+      </p:sp>
+      <p:sp>
+        <p:nvSpPr>
+          <p:cNvPr id="7" name="Lekerekített téglalap 12"/>
+          <p:cNvSpPr/>
+          <p:nvPr/>
+        </p:nvSpPr>
+        <p:spPr>
+          <a:xfrm>
+            <a:off x="4568826" y="4419600"/>
+            <a:ext cx="3457574" cy="2251075"/>
+          </a:xfrm>
+          <a:prstGeom prst="roundRect">
+            <a:avLst/>
+          </a:prstGeom>
+        </p:spPr>
+        <p:style>
+          <a:lnRef idx="2">
+            <a:schemeClr val="accent1">
+              <a:shade val="50000"/>
+            </a:schemeClr>
+          </a:lnRef>
+          <a:fillRef idx="1">
+            <a:schemeClr val="accent1"/>
+          </a:fillRef>
+          <a:effectRef idx="0">
+            <a:schemeClr val="accent1"/>
+          </a:effectRef>
+          <a:fontRef idx="minor">
+            <a:schemeClr val="lt1"/>
+          </a:fontRef>
+        </p:style>
+        <p:txBody>
+          <a:bodyPr anchor="ctr"/>
+          <a:lstStyle/>
+          <a:p>
+            <a:pPr>
+              <a:tabLst>
+                <a:tab pos="536575" algn="l"/>
+              </a:tabLst>
+            </a:pPr>
+            <a:r>
+              <a:rPr lang="hu-HU" sz="2000" dirty="0">
+                <a:solidFill>
+                  <a:srgbClr val="FFFFFF"/>
+                </a:solidFill>
+                <a:latin typeface="Arial" pitchFamily="34" charset="0"/>
+              </a:rPr>
+              <a:t>&gt; db.user.remove({</a:t>
+            </a:r>
+          </a:p>
+          <a:p>
+            <a:pPr>
+              <a:tabLst>
+                <a:tab pos="536575" algn="l"/>
+              </a:tabLst>
+            </a:pPr>
+            <a:r>
+              <a:rPr lang="hu-HU" sz="2000" dirty="0">
+                <a:solidFill>
+                  <a:srgbClr val="FFFFFF"/>
+                </a:solidFill>
+                <a:latin typeface="Arial" pitchFamily="34" charset="0"/>
+              </a:rPr>
+              <a:t>	</a:t>
+            </a:r>
+            <a:r>
+              <a:rPr lang="hu-HU" sz="2000" dirty="0" smtClean="0">
+                <a:solidFill>
+                  <a:srgbClr val="FFFFFF"/>
+                </a:solidFill>
+                <a:latin typeface="Arial" pitchFamily="34" charset="0"/>
+              </a:rPr>
+              <a:t>“</a:t>
+            </a:r>
+            <a:r>
+              <a:rPr lang="en-US" sz="2000" dirty="0" err="1" smtClean="0">
+                <a:solidFill>
+                  <a:srgbClr val="FFFFFF"/>
+                </a:solidFill>
+                <a:latin typeface="Arial" pitchFamily="34" charset="0"/>
+              </a:rPr>
+              <a:t>ObjectId</a:t>
+            </a:r>
+            <a:r>
+              <a:rPr lang="hu-HU" sz="2000" dirty="0" smtClean="0">
+                <a:solidFill>
+                  <a:srgbClr val="FFFFFF"/>
+                </a:solidFill>
+                <a:latin typeface="Arial" pitchFamily="34" charset="0"/>
+              </a:rPr>
+              <a:t>": </a:t>
+            </a:r>
+            <a:r>
+              <a:rPr lang="en-US" sz="2000" dirty="0" smtClean="0">
+                <a:solidFill>
+                  <a:srgbClr val="FFFFFF"/>
+                </a:solidFill>
+                <a:latin typeface="Arial" pitchFamily="34" charset="0"/>
+              </a:rPr>
+              <a:t>51..</a:t>
+            </a:r>
+            <a:r>
+              <a:rPr lang="hu-HU" sz="2000" dirty="0" smtClean="0">
+                <a:solidFill>
+                  <a:srgbClr val="FFFFFF"/>
+                </a:solidFill>
+                <a:latin typeface="Arial" pitchFamily="34" charset="0"/>
+              </a:rPr>
+              <a:t> </a:t>
+            </a:r>
+            <a:endParaRPr lang="hu-HU" sz="2000" dirty="0">
+              <a:solidFill>
+                <a:srgbClr val="FFFFFF"/>
+              </a:solidFill>
+              <a:latin typeface="Arial" pitchFamily="34" charset="0"/>
+            </a:endParaRPr>
+          </a:p>
+          <a:p>
+            <a:pPr>
+              <a:tabLst>
+                <a:tab pos="536575" algn="l"/>
+              </a:tabLst>
+            </a:pPr>
+            <a:r>
+              <a:rPr lang="hu-HU" sz="2000" dirty="0">
+                <a:solidFill>
+                  <a:srgbClr val="FFFFFF"/>
+                </a:solidFill>
+                <a:latin typeface="Arial" pitchFamily="34" charset="0"/>
+              </a:rPr>
+              <a:t>})</a:t>
+            </a:r>
+          </a:p>
+        </p:txBody>
+      </p:sp>
+    </p:spTree>
+  </p:cSld>
+  <p:clrMapOvr>
+    <a:masterClrMapping/>
+  </p:clrMapOvr>
+  <p:timing>
+    <p:tnLst>
+      <p:par>
+        <p:cTn id="1" dur="indefinite" restart="never" nodeType="tmRoot"/>
+      </p:par>
+    </p:tnLst>
+  </p:timing>
+</p:sld>
+</file>
+
+<file path=ppt/slides/slide68.xml><?xml version="1.0" encoding="utf-8"?>
+<p:sld xmlns:a="http://schemas.openxmlformats.org/drawingml/2006/main" xmlns:r="http://schemas.openxmlformats.org/officeDocument/2006/relationships" xmlns:p="http://schemas.openxmlformats.org/presentationml/2006/main">
+  <p:cSld>
+    <p:spTree>
+      <p:nvGrpSpPr>
+        <p:cNvPr id="1" name=""/>
+        <p:cNvGrpSpPr/>
+        <p:nvPr/>
+      </p:nvGrpSpPr>
+      <p:grpSpPr>
+        <a:xfrm>
+          <a:off x="0" y="0"/>
+          <a:ext cx="0" cy="0"/>
+          <a:chOff x="0" y="0"/>
+          <a:chExt cx="0" cy="0"/>
+        </a:xfrm>
+      </p:grpSpPr>
+      <p:sp>
+        <p:nvSpPr>
+          <p:cNvPr id="2" name="Title 1"/>
+          <p:cNvSpPr>
+            <a:spLocks noGrp="1"/>
+          </p:cNvSpPr>
+          <p:nvPr>
+            <p:ph type="title"/>
+          </p:nvPr>
+        </p:nvSpPr>
+        <p:spPr/>
+        <p:txBody>
+          <a:bodyPr/>
+          <a:lstStyle/>
+          <a:p>
+            <a:r>
+              <a:rPr lang="hu-HU" dirty="0" smtClean="0"/>
+              <a:t>Features</a:t>
+            </a:r>
+            <a:endParaRPr lang="en-US" dirty="0"/>
+          </a:p>
+        </p:txBody>
+      </p:sp>
+      <p:sp>
+        <p:nvSpPr>
+          <p:cNvPr id="3" name="Content Placeholder 2"/>
+          <p:cNvSpPr>
+            <a:spLocks noGrp="1"/>
+          </p:cNvSpPr>
+          <p:nvPr>
+            <p:ph idx="1"/>
+          </p:nvPr>
+        </p:nvSpPr>
+        <p:spPr/>
+        <p:txBody>
+          <a:bodyPr/>
+          <a:lstStyle/>
+          <a:p>
+            <a:r>
+              <a:rPr lang="hu-HU" dirty="0" smtClean="0"/>
+              <a:t>Document-Oriented storege</a:t>
+            </a:r>
+          </a:p>
+          <a:p>
+            <a:r>
+              <a:rPr lang="hu-HU" dirty="0" smtClean="0"/>
+              <a:t>Full Index Support</a:t>
+            </a:r>
+          </a:p>
+          <a:p>
+            <a:r>
+              <a:rPr lang="hu-HU" dirty="0" smtClean="0"/>
+              <a:t>Replication &amp; High Availability</a:t>
+            </a:r>
+          </a:p>
+          <a:p>
+            <a:r>
+              <a:rPr lang="hu-HU" dirty="0" smtClean="0"/>
+              <a:t>Auto-Sharding</a:t>
+            </a:r>
+          </a:p>
+          <a:p>
+            <a:r>
+              <a:rPr lang="hu-HU" dirty="0" smtClean="0"/>
+              <a:t>Querying</a:t>
+            </a:r>
+          </a:p>
+          <a:p>
+            <a:r>
+              <a:rPr lang="hu-HU" dirty="0" smtClean="0"/>
+              <a:t>Fast In-Place Updates</a:t>
+            </a:r>
+          </a:p>
+          <a:p>
+            <a:r>
+              <a:rPr lang="hu-HU" dirty="0" smtClean="0"/>
+              <a:t>Map/Reduce</a:t>
+            </a:r>
+          </a:p>
+          <a:p>
+            <a:endParaRPr lang="en-US" dirty="0"/>
+          </a:p>
+        </p:txBody>
+      </p:sp>
+    </p:spTree>
+  </p:cSld>
+  <p:clrMapOvr>
+    <a:masterClrMapping/>
+  </p:clrMapOvr>
+  <p:timing>
+    <p:tnLst>
+      <p:par>
+        <p:cTn id="1" dur="indefinite" restart="never" nodeType="tmRoot"/>
+      </p:par>
+    </p:tnLst>
+  </p:timing>
+</p:sld>
+</file>
+
+<file path=ppt/slides/slide69.xml><?xml version="1.0" encoding="utf-8"?>
+<p:sld xmlns:a="http://schemas.openxmlformats.org/drawingml/2006/main" xmlns:r="http://schemas.openxmlformats.org/officeDocument/2006/relationships" xmlns:p="http://schemas.openxmlformats.org/presentationml/2006/main">
+  <p:cSld>
+    <p:spTree>
+      <p:nvGrpSpPr>
+        <p:cNvPr id="1" name=""/>
+        <p:cNvGrpSpPr/>
+        <p:nvPr/>
+      </p:nvGrpSpPr>
+      <p:grpSpPr>
+        <a:xfrm>
+          <a:off x="0" y="0"/>
+          <a:ext cx="0" cy="0"/>
+          <a:chOff x="0" y="0"/>
+          <a:chExt cx="0" cy="0"/>
+        </a:xfrm>
+      </p:grpSpPr>
+      <p:sp>
+        <p:nvSpPr>
+          <p:cNvPr id="2" name="Title 1"/>
+          <p:cNvSpPr>
+            <a:spLocks noGrp="1"/>
+          </p:cNvSpPr>
+          <p:nvPr>
+            <p:ph type="title"/>
+          </p:nvPr>
+        </p:nvSpPr>
+        <p:spPr/>
+        <p:txBody>
+          <a:bodyPr/>
+          <a:lstStyle/>
+          <a:p>
+            <a:r>
+              <a:rPr lang="hu-HU" dirty="0" smtClean="0"/>
+              <a:t>Sharding</a:t>
+            </a:r>
+            <a:endParaRPr lang="en-US" dirty="0"/>
+          </a:p>
+        </p:txBody>
+      </p:sp>
+      <p:sp>
+        <p:nvSpPr>
+          <p:cNvPr id="3" name="Content Placeholder 2"/>
+          <p:cNvSpPr>
+            <a:spLocks noGrp="1"/>
+          </p:cNvSpPr>
+          <p:nvPr>
+            <p:ph idx="1"/>
+          </p:nvPr>
+        </p:nvSpPr>
+        <p:spPr/>
+        <p:txBody>
+          <a:bodyPr/>
+          <a:lstStyle/>
+          <a:p>
+            <a:endParaRPr lang="en-US" dirty="0"/>
+          </a:p>
+        </p:txBody>
+      </p:sp>
+      <p:sp>
+        <p:nvSpPr>
+          <p:cNvPr id="5" name="Rectangle 4"/>
+          <p:cNvSpPr txBox="1">
+            <a:spLocks noChangeArrowheads="1"/>
+          </p:cNvSpPr>
+          <p:nvPr/>
+        </p:nvSpPr>
+        <p:spPr>
+          <a:xfrm>
+            <a:off x="228600" y="1981200"/>
+            <a:ext cx="3657600" cy="4589463"/>
+          </a:xfrm>
+          <a:prstGeom prst="rect">
+            <a:avLst/>
+          </a:prstGeom>
+        </p:spPr>
+        <p:txBody>
+          <a:bodyPr vert="horz">
+            <a:normAutofit/>
+          </a:bodyPr>
+          <a:lstStyle/>
+          <a:p>
+            <a:pPr marL="365760" marR="0" lvl="0" indent="-256032" algn="l" defTabSz="914400" rtl="0" eaLnBrk="1" fontAlgn="auto" latinLnBrk="0" hangingPunct="1">
+              <a:lnSpc>
+                <a:spcPct val="100000"/>
+              </a:lnSpc>
+              <a:spcBef>
+                <a:spcPts val="300"/>
+              </a:spcBef>
+              <a:spcAft>
+                <a:spcPts val="0"/>
+              </a:spcAft>
+              <a:buClr>
+                <a:schemeClr val="accent3"/>
+              </a:buClr>
+              <a:buSzTx/>
+              <a:buFont typeface="Georgia"/>
+              <a:buChar char="•"/>
+              <a:tabLst/>
+              <a:defRPr/>
+            </a:pPr>
+            <a:r>
+              <a:rPr kumimoji="0" lang="hu-HU" sz="2800" b="0" i="0" u="none" strike="noStrike" kern="1200" cap="none" spc="0" normalizeH="0" baseline="0" noProof="0" dirty="0" smtClean="0">
+                <a:ln>
+                  <a:noFill/>
+                </a:ln>
+                <a:solidFill>
+                  <a:schemeClr val="tx1"/>
+                </a:solidFill>
+                <a:effectLst/>
+                <a:uLnTx/>
+                <a:uFillTx/>
+                <a:latin typeface="+mn-lt"/>
+                <a:ea typeface="+mn-ea"/>
+                <a:cs typeface="+mn-cs"/>
+              </a:rPr>
+              <a:t>Partition your data</a:t>
+            </a:r>
+          </a:p>
+          <a:p>
+            <a:pPr marL="365760" marR="0" lvl="0" indent="-256032" algn="l" defTabSz="914400" rtl="0" eaLnBrk="1" fontAlgn="auto" latinLnBrk="0" hangingPunct="1">
+              <a:lnSpc>
+                <a:spcPct val="100000"/>
+              </a:lnSpc>
+              <a:spcBef>
+                <a:spcPts val="300"/>
+              </a:spcBef>
+              <a:spcAft>
+                <a:spcPts val="0"/>
+              </a:spcAft>
+              <a:buClr>
+                <a:schemeClr val="accent3"/>
+              </a:buClr>
+              <a:buSzTx/>
+              <a:buFont typeface="Georgia"/>
+              <a:buChar char="•"/>
+              <a:tabLst/>
+              <a:defRPr/>
+            </a:pPr>
+            <a:r>
+              <a:rPr kumimoji="0" lang="hu-HU" sz="2800" b="0" i="0" u="none" strike="noStrike" kern="1200" cap="none" spc="0" normalizeH="0" baseline="0" noProof="0" dirty="0" smtClean="0">
+                <a:ln>
+                  <a:noFill/>
+                </a:ln>
+                <a:solidFill>
+                  <a:schemeClr val="tx1"/>
+                </a:solidFill>
+                <a:effectLst/>
+                <a:uLnTx/>
+                <a:uFillTx/>
+                <a:latin typeface="+mn-lt"/>
+                <a:ea typeface="+mn-ea"/>
+                <a:cs typeface="+mn-cs"/>
+              </a:rPr>
+              <a:t>Scale write throughput</a:t>
+            </a:r>
+          </a:p>
+          <a:p>
+            <a:pPr marL="365760" marR="0" lvl="0" indent="-256032" algn="l" defTabSz="914400" rtl="0" eaLnBrk="1" fontAlgn="auto" latinLnBrk="0" hangingPunct="1">
+              <a:lnSpc>
+                <a:spcPct val="100000"/>
+              </a:lnSpc>
+              <a:spcBef>
+                <a:spcPts val="300"/>
+              </a:spcBef>
+              <a:spcAft>
+                <a:spcPts val="0"/>
+              </a:spcAft>
+              <a:buClr>
+                <a:schemeClr val="accent3"/>
+              </a:buClr>
+              <a:buSzTx/>
+              <a:buFont typeface="Georgia"/>
+              <a:buChar char="•"/>
+              <a:tabLst/>
+              <a:defRPr/>
+            </a:pPr>
+            <a:r>
+              <a:rPr kumimoji="0" lang="hu-HU" sz="2800" b="0" i="0" u="none" strike="noStrike" kern="1200" cap="none" spc="0" normalizeH="0" baseline="0" noProof="0" dirty="0" smtClean="0">
+                <a:ln>
+                  <a:noFill/>
+                </a:ln>
+                <a:solidFill>
+                  <a:schemeClr val="tx1"/>
+                </a:solidFill>
+                <a:effectLst/>
+                <a:uLnTx/>
+                <a:uFillTx/>
+                <a:latin typeface="+mn-lt"/>
+                <a:ea typeface="+mn-ea"/>
+                <a:cs typeface="+mn-cs"/>
+              </a:rPr>
+              <a:t>Increase capacity</a:t>
+            </a:r>
+            <a:endParaRPr kumimoji="0" lang="hu-HU" sz="1000" b="0" i="0" u="none" strike="noStrike" kern="1200" cap="none" spc="0" normalizeH="0" baseline="0" noProof="0" dirty="0" smtClean="0">
+              <a:ln>
+                <a:noFill/>
+              </a:ln>
+              <a:solidFill>
+                <a:schemeClr val="tx1"/>
+              </a:solidFill>
+              <a:effectLst/>
+              <a:uLnTx/>
+              <a:uFillTx/>
+              <a:latin typeface="+mn-lt"/>
+              <a:ea typeface="+mn-ea"/>
+              <a:cs typeface="+mn-cs"/>
+            </a:endParaRPr>
+          </a:p>
+          <a:p>
+            <a:pPr marL="365760" marR="0" lvl="0" indent="-256032" algn="l" defTabSz="914400" rtl="0" eaLnBrk="1" fontAlgn="auto" latinLnBrk="0" hangingPunct="1">
+              <a:lnSpc>
+                <a:spcPct val="100000"/>
+              </a:lnSpc>
+              <a:spcBef>
+                <a:spcPts val="300"/>
+              </a:spcBef>
+              <a:spcAft>
+                <a:spcPts val="0"/>
+              </a:spcAft>
+              <a:buClr>
+                <a:schemeClr val="accent3"/>
+              </a:buClr>
+              <a:buSzTx/>
+              <a:buFont typeface="Georgia"/>
+              <a:buChar char="•"/>
+              <a:tabLst/>
+              <a:defRPr/>
+            </a:pPr>
+            <a:r>
+              <a:rPr kumimoji="0" lang="hu-HU" sz="2800" b="0" i="0" u="none" strike="noStrike" kern="1200" cap="none" spc="0" normalizeH="0" baseline="0" noProof="0" dirty="0" smtClean="0">
+                <a:ln>
+                  <a:noFill/>
+                </a:ln>
+                <a:solidFill>
+                  <a:schemeClr val="tx1"/>
+                </a:solidFill>
+                <a:effectLst/>
+                <a:uLnTx/>
+                <a:uFillTx/>
+                <a:latin typeface="+mn-lt"/>
+                <a:ea typeface="+mn-ea"/>
+                <a:cs typeface="+mn-cs"/>
+              </a:rPr>
+              <a:t>Auto-balancing</a:t>
+            </a:r>
+          </a:p>
+          <a:p>
+            <a:pPr marL="365760" marR="0" lvl="0" indent="-256032" algn="l" defTabSz="914400" rtl="0" eaLnBrk="1" fontAlgn="auto" latinLnBrk="0" hangingPunct="1">
+              <a:lnSpc>
+                <a:spcPct val="100000"/>
+              </a:lnSpc>
+              <a:spcBef>
+                <a:spcPts val="300"/>
+              </a:spcBef>
+              <a:spcAft>
+                <a:spcPts val="0"/>
+              </a:spcAft>
+              <a:buClr>
+                <a:schemeClr val="accent3"/>
+              </a:buClr>
+              <a:buSzTx/>
+              <a:buFont typeface="Georgia"/>
+              <a:buChar char="•"/>
+              <a:tabLst/>
+              <a:defRPr/>
+            </a:pPr>
+            <a:endParaRPr kumimoji="0" lang="hu-HU" sz="2800" b="0" i="0" u="none" strike="noStrike" kern="1200" cap="none" spc="0" normalizeH="0" baseline="0" noProof="0" dirty="0" smtClean="0">
+              <a:ln>
+                <a:noFill/>
+              </a:ln>
+              <a:solidFill>
+                <a:schemeClr val="tx1"/>
+              </a:solidFill>
+              <a:effectLst/>
+              <a:uLnTx/>
+              <a:uFillTx/>
+              <a:latin typeface="+mn-lt"/>
+              <a:ea typeface="+mn-ea"/>
+              <a:cs typeface="+mn-cs"/>
+            </a:endParaRPr>
+          </a:p>
+        </p:txBody>
+      </p:sp>
+      <p:sp>
+        <p:nvSpPr>
+          <p:cNvPr id="6" name="Rectangle 6"/>
+          <p:cNvSpPr>
+            <a:spLocks noChangeArrowheads="1"/>
+          </p:cNvSpPr>
+          <p:nvPr/>
+        </p:nvSpPr>
+        <p:spPr bwMode="auto">
+          <a:xfrm>
+            <a:off x="1120775" y="4987925"/>
+            <a:ext cx="1728787" cy="287338"/>
+          </a:xfrm>
+          <a:prstGeom prst="rect">
+            <a:avLst/>
+          </a:prstGeom>
+          <a:solidFill>
+            <a:srgbClr val="3366FF"/>
+          </a:solidFill>
+          <a:ln w="9525">
+            <a:solidFill>
+              <a:schemeClr val="tx1"/>
+            </a:solidFill>
+            <a:miter lim="800000"/>
+            <a:headEnd/>
+            <a:tailEnd/>
+          </a:ln>
+          <a:effectLst/>
+        </p:spPr>
+        <p:txBody>
+          <a:bodyPr wrap="none" anchor="ctr"/>
+          <a:lstStyle/>
+          <a:p>
+            <a:pPr algn="ctr"/>
+            <a:r>
+              <a:rPr lang="hu-HU">
+                <a:solidFill>
+                  <a:schemeClr val="bg1"/>
+                </a:solidFill>
+              </a:rPr>
+              <a:t>Host1:10000</a:t>
+            </a:r>
+          </a:p>
+        </p:txBody>
+      </p:sp>
+      <p:sp>
+        <p:nvSpPr>
+          <p:cNvPr id="7" name="Rectangle 7"/>
+          <p:cNvSpPr>
+            <a:spLocks noChangeArrowheads="1"/>
+          </p:cNvSpPr>
+          <p:nvPr/>
+        </p:nvSpPr>
+        <p:spPr bwMode="auto">
+          <a:xfrm>
+            <a:off x="3063875" y="4987925"/>
+            <a:ext cx="1728787" cy="287338"/>
+          </a:xfrm>
+          <a:prstGeom prst="rect">
+            <a:avLst/>
+          </a:prstGeom>
+          <a:solidFill>
+            <a:srgbClr val="3366FF"/>
+          </a:solidFill>
+          <a:ln w="9525">
+            <a:solidFill>
+              <a:schemeClr val="tx1"/>
+            </a:solidFill>
+            <a:miter lim="800000"/>
+            <a:headEnd/>
+            <a:tailEnd/>
+          </a:ln>
+          <a:effectLst/>
+        </p:spPr>
+        <p:txBody>
+          <a:bodyPr wrap="none" anchor="ctr"/>
+          <a:lstStyle/>
+          <a:p>
+            <a:pPr algn="ctr"/>
+            <a:r>
+              <a:rPr lang="hu-HU">
+                <a:solidFill>
+                  <a:schemeClr val="bg1"/>
+                </a:solidFill>
+              </a:rPr>
+              <a:t>Host2:10010</a:t>
+            </a:r>
+          </a:p>
+        </p:txBody>
+      </p:sp>
+      <p:sp>
+        <p:nvSpPr>
+          <p:cNvPr id="8" name="Rectangle 8"/>
+          <p:cNvSpPr>
+            <a:spLocks noChangeArrowheads="1"/>
+          </p:cNvSpPr>
+          <p:nvPr/>
+        </p:nvSpPr>
+        <p:spPr bwMode="auto">
+          <a:xfrm>
+            <a:off x="471487" y="5780088"/>
+            <a:ext cx="1728788" cy="287337"/>
+          </a:xfrm>
+          <a:prstGeom prst="rect">
+            <a:avLst/>
+          </a:prstGeom>
+          <a:solidFill>
+            <a:srgbClr val="FFCC00"/>
+          </a:solidFill>
+          <a:ln w="9525">
+            <a:solidFill>
+              <a:schemeClr val="tx1"/>
+            </a:solidFill>
+            <a:miter lim="800000"/>
+            <a:headEnd/>
+            <a:tailEnd/>
+          </a:ln>
+          <a:effectLst/>
+        </p:spPr>
+        <p:txBody>
+          <a:bodyPr wrap="none" anchor="ctr"/>
+          <a:lstStyle/>
+          <a:p>
+            <a:pPr algn="ctr"/>
+            <a:r>
+              <a:rPr lang="hu-HU">
+                <a:solidFill>
+                  <a:schemeClr val="bg1"/>
+                </a:solidFill>
+              </a:rPr>
+              <a:t>Host3:20000</a:t>
+            </a:r>
+          </a:p>
+        </p:txBody>
+      </p:sp>
+      <p:sp>
+        <p:nvSpPr>
+          <p:cNvPr id="9" name="Text Box 9"/>
+          <p:cNvSpPr txBox="1">
+            <a:spLocks noChangeArrowheads="1"/>
+          </p:cNvSpPr>
+          <p:nvPr/>
+        </p:nvSpPr>
+        <p:spPr bwMode="auto">
+          <a:xfrm>
+            <a:off x="1481137" y="4627563"/>
+            <a:ext cx="1079500" cy="366712"/>
+          </a:xfrm>
+          <a:prstGeom prst="rect">
+            <a:avLst/>
+          </a:prstGeom>
+          <a:noFill/>
+          <a:ln w="9525">
+            <a:noFill/>
+            <a:miter lim="800000"/>
+            <a:headEnd/>
+            <a:tailEnd/>
+          </a:ln>
+          <a:effectLst/>
+        </p:spPr>
+        <p:txBody>
+          <a:bodyPr>
+            <a:spAutoFit/>
+          </a:bodyPr>
+          <a:lstStyle/>
+          <a:p>
+            <a:pPr algn="ctr">
+              <a:spcBef>
+                <a:spcPct val="50000"/>
+              </a:spcBef>
+            </a:pPr>
+            <a:r>
+              <a:rPr lang="hu-HU"/>
+              <a:t>shard</a:t>
+            </a:r>
+            <a:r>
+              <a:rPr lang="hu-HU" baseline="-25000"/>
+              <a:t>1</a:t>
+            </a:r>
+          </a:p>
+        </p:txBody>
+      </p:sp>
+      <p:sp>
+        <p:nvSpPr>
+          <p:cNvPr id="10" name="Text Box 10"/>
+          <p:cNvSpPr txBox="1">
+            <a:spLocks noChangeArrowheads="1"/>
+          </p:cNvSpPr>
+          <p:nvPr/>
+        </p:nvSpPr>
+        <p:spPr bwMode="auto">
+          <a:xfrm>
+            <a:off x="3425825" y="4627563"/>
+            <a:ext cx="1079500" cy="366712"/>
+          </a:xfrm>
+          <a:prstGeom prst="rect">
+            <a:avLst/>
+          </a:prstGeom>
+          <a:noFill/>
+          <a:ln w="9525">
+            <a:noFill/>
+            <a:miter lim="800000"/>
+            <a:headEnd/>
+            <a:tailEnd/>
+          </a:ln>
+          <a:effectLst/>
+        </p:spPr>
+        <p:txBody>
+          <a:bodyPr>
+            <a:spAutoFit/>
+          </a:bodyPr>
+          <a:lstStyle/>
+          <a:p>
+            <a:pPr algn="ctr">
+              <a:spcBef>
+                <a:spcPct val="50000"/>
+              </a:spcBef>
+            </a:pPr>
+            <a:r>
+              <a:rPr lang="hu-HU"/>
+              <a:t>shard</a:t>
+            </a:r>
+            <a:r>
+              <a:rPr lang="hu-HU" baseline="-25000"/>
+              <a:t>2</a:t>
+            </a:r>
+          </a:p>
+        </p:txBody>
+      </p:sp>
+      <p:sp>
+        <p:nvSpPr>
+          <p:cNvPr id="11" name="Rectangle 11"/>
+          <p:cNvSpPr>
+            <a:spLocks noChangeArrowheads="1"/>
+          </p:cNvSpPr>
+          <p:nvPr/>
+        </p:nvSpPr>
+        <p:spPr bwMode="auto">
+          <a:xfrm>
+            <a:off x="2776537" y="6356350"/>
+            <a:ext cx="1728788" cy="287338"/>
+          </a:xfrm>
+          <a:prstGeom prst="rect">
+            <a:avLst/>
+          </a:prstGeom>
+          <a:solidFill>
+            <a:srgbClr val="339966"/>
+          </a:solidFill>
+          <a:ln w="9525">
+            <a:solidFill>
+              <a:schemeClr val="tx1"/>
+            </a:solidFill>
+            <a:miter lim="800000"/>
+            <a:headEnd/>
+            <a:tailEnd/>
+          </a:ln>
+          <a:effectLst/>
+        </p:spPr>
+        <p:txBody>
+          <a:bodyPr wrap="none" anchor="ctr"/>
+          <a:lstStyle/>
+          <a:p>
+            <a:pPr algn="ctr"/>
+            <a:r>
+              <a:rPr lang="hu-HU">
+                <a:solidFill>
+                  <a:schemeClr val="bg1"/>
+                </a:solidFill>
+              </a:rPr>
+              <a:t>Host4:30000</a:t>
+            </a:r>
+          </a:p>
+        </p:txBody>
+      </p:sp>
+      <p:sp>
+        <p:nvSpPr>
+          <p:cNvPr id="12" name="Text Box 12"/>
+          <p:cNvSpPr txBox="1">
+            <a:spLocks noChangeArrowheads="1"/>
+          </p:cNvSpPr>
+          <p:nvPr/>
+        </p:nvSpPr>
+        <p:spPr bwMode="auto">
+          <a:xfrm>
+            <a:off x="833437" y="5419725"/>
+            <a:ext cx="1079500" cy="366713"/>
+          </a:xfrm>
+          <a:prstGeom prst="rect">
+            <a:avLst/>
+          </a:prstGeom>
+          <a:noFill/>
+          <a:ln w="9525">
+            <a:noFill/>
+            <a:miter lim="800000"/>
+            <a:headEnd/>
+            <a:tailEnd/>
+          </a:ln>
+          <a:effectLst/>
+        </p:spPr>
+        <p:txBody>
+          <a:bodyPr>
+            <a:spAutoFit/>
+          </a:bodyPr>
+          <a:lstStyle/>
+          <a:p>
+            <a:pPr algn="ctr">
+              <a:spcBef>
+                <a:spcPct val="50000"/>
+              </a:spcBef>
+            </a:pPr>
+            <a:r>
+              <a:rPr lang="hu-HU"/>
+              <a:t>configdb</a:t>
+            </a:r>
+          </a:p>
+        </p:txBody>
+      </p:sp>
+      <p:sp>
+        <p:nvSpPr>
+          <p:cNvPr id="13" name="Line 13"/>
+          <p:cNvSpPr>
+            <a:spLocks noChangeShapeType="1"/>
+          </p:cNvSpPr>
+          <p:nvPr/>
+        </p:nvSpPr>
+        <p:spPr bwMode="auto">
+          <a:xfrm flipV="1">
+            <a:off x="2200275" y="5348288"/>
+            <a:ext cx="144462" cy="360362"/>
+          </a:xfrm>
+          <a:prstGeom prst="line">
+            <a:avLst/>
+          </a:prstGeom>
+          <a:noFill/>
+          <a:ln w="25400">
+            <a:solidFill>
+              <a:srgbClr val="33CCCC"/>
+            </a:solidFill>
+            <a:round/>
+            <a:headEnd/>
+            <a:tailEnd/>
+          </a:ln>
+          <a:effectLst/>
+        </p:spPr>
+        <p:txBody>
+          <a:bodyPr/>
+          <a:lstStyle/>
+          <a:p>
+            <a:endParaRPr lang="en-US"/>
+          </a:p>
+        </p:txBody>
+      </p:sp>
+      <p:sp>
+        <p:nvSpPr>
+          <p:cNvPr id="14" name="Line 14"/>
+          <p:cNvSpPr>
+            <a:spLocks noChangeShapeType="1"/>
+          </p:cNvSpPr>
+          <p:nvPr/>
+        </p:nvSpPr>
+        <p:spPr bwMode="auto">
+          <a:xfrm flipV="1">
+            <a:off x="2271712" y="5419725"/>
+            <a:ext cx="1009650" cy="431800"/>
+          </a:xfrm>
+          <a:prstGeom prst="line">
+            <a:avLst/>
+          </a:prstGeom>
+          <a:noFill/>
+          <a:ln w="25400">
+            <a:solidFill>
+              <a:srgbClr val="33CCCC"/>
+            </a:solidFill>
+            <a:round/>
+            <a:headEnd/>
+            <a:tailEnd/>
+          </a:ln>
+          <a:effectLst/>
+        </p:spPr>
+        <p:txBody>
+          <a:bodyPr/>
+          <a:lstStyle/>
+          <a:p>
+            <a:endParaRPr lang="en-US"/>
+          </a:p>
+        </p:txBody>
+      </p:sp>
+      <p:sp>
+        <p:nvSpPr>
+          <p:cNvPr id="15" name="Line 15"/>
+          <p:cNvSpPr>
+            <a:spLocks noChangeShapeType="1"/>
+          </p:cNvSpPr>
+          <p:nvPr/>
+        </p:nvSpPr>
+        <p:spPr bwMode="auto">
+          <a:xfrm>
+            <a:off x="2128837" y="6140450"/>
+            <a:ext cx="576263" cy="287338"/>
+          </a:xfrm>
+          <a:prstGeom prst="line">
+            <a:avLst/>
+          </a:prstGeom>
+          <a:noFill/>
+          <a:ln w="25400">
+            <a:solidFill>
+              <a:srgbClr val="33CCCC"/>
+            </a:solidFill>
+            <a:round/>
+            <a:headEnd/>
+            <a:tailEnd/>
+          </a:ln>
+          <a:effectLst/>
+        </p:spPr>
+        <p:txBody>
+          <a:bodyPr/>
+          <a:lstStyle/>
+          <a:p>
+            <a:endParaRPr lang="en-US"/>
+          </a:p>
+        </p:txBody>
+      </p:sp>
+      <p:sp>
+        <p:nvSpPr>
+          <p:cNvPr id="16" name="Line 16"/>
+          <p:cNvSpPr>
+            <a:spLocks noChangeShapeType="1"/>
+          </p:cNvSpPr>
+          <p:nvPr/>
+        </p:nvSpPr>
+        <p:spPr bwMode="auto">
+          <a:xfrm flipV="1">
+            <a:off x="3929062" y="5419725"/>
+            <a:ext cx="0" cy="863600"/>
+          </a:xfrm>
+          <a:prstGeom prst="line">
+            <a:avLst/>
+          </a:prstGeom>
+          <a:noFill/>
+          <a:ln w="25400">
+            <a:solidFill>
+              <a:srgbClr val="33CCCC"/>
+            </a:solidFill>
+            <a:round/>
+            <a:headEnd/>
+            <a:tailEnd/>
+          </a:ln>
+          <a:effectLst/>
+        </p:spPr>
+        <p:txBody>
+          <a:bodyPr/>
+          <a:lstStyle/>
+          <a:p>
+            <a:endParaRPr lang="en-US"/>
+          </a:p>
+        </p:txBody>
+      </p:sp>
+      <p:sp>
+        <p:nvSpPr>
+          <p:cNvPr id="17" name="Line 20"/>
+          <p:cNvSpPr>
+            <a:spLocks noChangeShapeType="1"/>
+          </p:cNvSpPr>
+          <p:nvPr/>
+        </p:nvSpPr>
+        <p:spPr bwMode="auto">
+          <a:xfrm flipH="1" flipV="1">
+            <a:off x="2632075" y="5348288"/>
+            <a:ext cx="792162" cy="935037"/>
+          </a:xfrm>
+          <a:prstGeom prst="line">
+            <a:avLst/>
+          </a:prstGeom>
+          <a:noFill/>
+          <a:ln w="25400">
+            <a:solidFill>
+              <a:srgbClr val="33CCCC"/>
+            </a:solidFill>
+            <a:round/>
+            <a:headEnd/>
+            <a:tailEnd/>
+          </a:ln>
+          <a:effectLst/>
+        </p:spPr>
+        <p:txBody>
+          <a:bodyPr/>
+          <a:lstStyle/>
+          <a:p>
+            <a:endParaRPr lang="en-US"/>
+          </a:p>
+        </p:txBody>
+      </p:sp>
+      <p:sp>
+        <p:nvSpPr>
+          <p:cNvPr id="18" name="AutoShape 21"/>
+          <p:cNvSpPr>
+            <a:spLocks noChangeArrowheads="1"/>
+          </p:cNvSpPr>
+          <p:nvPr/>
+        </p:nvSpPr>
+        <p:spPr bwMode="auto">
+          <a:xfrm>
+            <a:off x="6089650" y="6213475"/>
+            <a:ext cx="1439862" cy="431800"/>
+          </a:xfrm>
+          <a:prstGeom prst="roundRect">
+            <a:avLst>
+              <a:gd name="adj" fmla="val 16667"/>
+            </a:avLst>
+          </a:prstGeom>
+          <a:solidFill>
+            <a:srgbClr val="993366"/>
+          </a:solidFill>
+          <a:ln w="9525">
+            <a:solidFill>
+              <a:schemeClr val="tx1"/>
+            </a:solidFill>
+            <a:round/>
+            <a:headEnd/>
+            <a:tailEnd/>
+          </a:ln>
+          <a:effectLst/>
+        </p:spPr>
+        <p:txBody>
+          <a:bodyPr wrap="none" anchor="ctr"/>
+          <a:lstStyle/>
+          <a:p>
+            <a:pPr algn="ctr"/>
+            <a:r>
+              <a:rPr lang="hu-HU">
+                <a:solidFill>
+                  <a:schemeClr val="bg1"/>
+                </a:solidFill>
+              </a:rPr>
+              <a:t>Client</a:t>
+            </a:r>
+          </a:p>
+        </p:txBody>
+      </p:sp>
+      <p:sp>
+        <p:nvSpPr>
+          <p:cNvPr id="19" name="AutoShape 22"/>
+          <p:cNvSpPr>
+            <a:spLocks noChangeArrowheads="1"/>
+          </p:cNvSpPr>
+          <p:nvPr/>
+        </p:nvSpPr>
+        <p:spPr bwMode="auto">
+          <a:xfrm rot="5400000">
+            <a:off x="5081588" y="6140450"/>
+            <a:ext cx="360362" cy="649287"/>
+          </a:xfrm>
+          <a:prstGeom prst="upDownArrow">
+            <a:avLst>
+              <a:gd name="adj1" fmla="val 50000"/>
+              <a:gd name="adj2" fmla="val 36035"/>
+            </a:avLst>
+          </a:prstGeom>
+          <a:solidFill>
+            <a:schemeClr val="accent1"/>
+          </a:solidFill>
+          <a:ln w="25400">
+            <a:solidFill>
+              <a:schemeClr val="tx1"/>
+            </a:solidFill>
+            <a:miter lim="800000"/>
+            <a:headEnd/>
+            <a:tailEnd/>
+          </a:ln>
+          <a:effectLst/>
+        </p:spPr>
+        <p:txBody>
+          <a:bodyPr wrap="none" anchor="ctr"/>
+          <a:lstStyle/>
+          <a:p>
+            <a:endParaRPr lang="en-US"/>
+          </a:p>
+        </p:txBody>
+      </p:sp>
+      <p:pic>
+        <p:nvPicPr>
+          <p:cNvPr id="20" name="Picture 31" descr="scaled"/>
+          <p:cNvPicPr>
+            <a:picLocks noChangeAspect="1" noChangeArrowheads="1"/>
+          </p:cNvPicPr>
+          <p:nvPr/>
+        </p:nvPicPr>
+        <p:blipFill>
+          <a:blip r:embed="rId2"/>
+          <a:srcRect/>
+          <a:stretch>
+            <a:fillRect/>
+          </a:stretch>
+        </p:blipFill>
+        <p:spPr bwMode="auto">
+          <a:xfrm>
+            <a:off x="4648200" y="1676400"/>
+            <a:ext cx="3400425" cy="2457450"/>
+          </a:xfrm>
+          <a:prstGeom prst="rect">
+            <a:avLst/>
+          </a:prstGeom>
+          <a:noFill/>
+        </p:spPr>
+      </p:pic>
+      <p:grpSp>
+        <p:nvGrpSpPr>
+          <p:cNvPr id="21" name="Group 36"/>
+          <p:cNvGrpSpPr>
+            <a:grpSpLocks/>
+          </p:cNvGrpSpPr>
+          <p:nvPr/>
+        </p:nvGrpSpPr>
+        <p:grpSpPr bwMode="auto">
+          <a:xfrm>
+            <a:off x="4648200" y="1892300"/>
+            <a:ext cx="3384550" cy="2232025"/>
+            <a:chOff x="3061" y="1026"/>
+            <a:chExt cx="2132" cy="1406"/>
+          </a:xfrm>
+        </p:grpSpPr>
+        <p:sp>
+          <p:nvSpPr>
+            <p:cNvPr id="22" name="Rectangle 32"/>
+            <p:cNvSpPr>
+              <a:spLocks noChangeArrowheads="1"/>
+            </p:cNvSpPr>
+            <p:nvPr/>
+          </p:nvSpPr>
+          <p:spPr bwMode="auto">
+            <a:xfrm>
+              <a:off x="3061" y="1026"/>
+              <a:ext cx="2132" cy="389"/>
+            </a:xfrm>
+            <a:prstGeom prst="rect">
+              <a:avLst/>
+            </a:prstGeom>
+            <a:noFill/>
+            <a:ln w="25400">
+              <a:solidFill>
+                <a:schemeClr val="tx1"/>
+              </a:solidFill>
+              <a:miter lim="800000"/>
+              <a:headEnd/>
+              <a:tailEnd/>
+            </a:ln>
+            <a:effectLst/>
+          </p:spPr>
+          <p:txBody>
+            <a:bodyPr wrap="none" anchor="ctr"/>
+            <a:lstStyle/>
+            <a:p>
+              <a:endParaRPr lang="en-US"/>
+            </a:p>
+          </p:txBody>
+        </p:sp>
+        <p:sp>
+          <p:nvSpPr>
+            <p:cNvPr id="23" name="Rectangle 33"/>
+            <p:cNvSpPr>
+              <a:spLocks noChangeArrowheads="1"/>
+            </p:cNvSpPr>
+            <p:nvPr/>
+          </p:nvSpPr>
+          <p:spPr bwMode="auto">
+            <a:xfrm>
+              <a:off x="3061" y="1661"/>
+              <a:ext cx="2132" cy="384"/>
+            </a:xfrm>
+            <a:prstGeom prst="rect">
+              <a:avLst/>
+            </a:prstGeom>
+            <a:noFill/>
+            <a:ln w="25400">
+              <a:solidFill>
+                <a:schemeClr val="tx1"/>
+              </a:solidFill>
+              <a:miter lim="800000"/>
+              <a:headEnd/>
+              <a:tailEnd/>
+            </a:ln>
+            <a:effectLst/>
+          </p:spPr>
+          <p:txBody>
+            <a:bodyPr wrap="none" anchor="ctr"/>
+            <a:lstStyle/>
+            <a:p>
+              <a:endParaRPr lang="en-US"/>
+            </a:p>
+          </p:txBody>
+        </p:sp>
+        <p:sp>
+          <p:nvSpPr>
+            <p:cNvPr id="24" name="Rectangle 34"/>
+            <p:cNvSpPr>
+              <a:spLocks noChangeArrowheads="1"/>
+            </p:cNvSpPr>
+            <p:nvPr/>
+          </p:nvSpPr>
+          <p:spPr bwMode="auto">
+            <a:xfrm>
+              <a:off x="3061" y="1415"/>
+              <a:ext cx="2132" cy="246"/>
+            </a:xfrm>
+            <a:prstGeom prst="rect">
+              <a:avLst/>
+            </a:prstGeom>
+            <a:noFill/>
+            <a:ln w="25400">
+              <a:solidFill>
+                <a:schemeClr val="tx1"/>
+              </a:solidFill>
+              <a:miter lim="800000"/>
+              <a:headEnd/>
+              <a:tailEnd/>
+            </a:ln>
+            <a:effectLst/>
+          </p:spPr>
+          <p:txBody>
+            <a:bodyPr wrap="none" anchor="ctr"/>
+            <a:lstStyle/>
+            <a:p>
+              <a:endParaRPr lang="en-US"/>
+            </a:p>
+          </p:txBody>
+        </p:sp>
+        <p:sp>
+          <p:nvSpPr>
+            <p:cNvPr id="25" name="Rectangle 35"/>
+            <p:cNvSpPr>
+              <a:spLocks noChangeArrowheads="1"/>
+            </p:cNvSpPr>
+            <p:nvPr/>
+          </p:nvSpPr>
+          <p:spPr bwMode="auto">
+            <a:xfrm>
+              <a:off x="3061" y="2045"/>
+              <a:ext cx="2132" cy="387"/>
+            </a:xfrm>
+            <a:prstGeom prst="rect">
+              <a:avLst/>
+            </a:prstGeom>
+            <a:noFill/>
+            <a:ln w="25400">
+              <a:solidFill>
+                <a:schemeClr val="tx1"/>
+              </a:solidFill>
+              <a:miter lim="800000"/>
+              <a:headEnd/>
+              <a:tailEnd/>
+            </a:ln>
+            <a:effectLst/>
+          </p:spPr>
+          <p:txBody>
+            <a:bodyPr wrap="none" anchor="ctr"/>
+            <a:lstStyle/>
+            <a:p>
+              <a:endParaRPr lang="en-US"/>
+            </a:p>
+          </p:txBody>
+        </p:sp>
+      </p:grpSp>
+    </p:spTree>
+  </p:cSld>
+  <p:clrMapOvr>
+    <a:masterClrMapping/>
+  </p:clrMapOvr>
+  <p:timing>
+    <p:tnLst>
+      <p:par>
+        <p:cTn id="1" dur="indefinite" restart="never" nodeType="tmRoot"/>
+      </p:par>
+    </p:tnLst>
+  </p:timing>
 </p:sld>
 </file>
 
@@ -12193,6 +16032,405 @@
             </a:r>
           </a:p>
           <a:p>
+            <a:endParaRPr lang="en-US" dirty="0"/>
+          </a:p>
+        </p:txBody>
+      </p:sp>
+    </p:spTree>
+  </p:cSld>
+  <p:clrMapOvr>
+    <a:masterClrMapping/>
+  </p:clrMapOvr>
+  <p:timing>
+    <p:tnLst>
+      <p:par>
+        <p:cTn id="1" dur="indefinite" restart="never" nodeType="tmRoot"/>
+      </p:par>
+    </p:tnLst>
+  </p:timing>
+</p:sld>
+</file>
+
+<file path=ppt/slides/slide70.xml><?xml version="1.0" encoding="utf-8"?>
+<p:sld xmlns:a="http://schemas.openxmlformats.org/drawingml/2006/main" xmlns:r="http://schemas.openxmlformats.org/officeDocument/2006/relationships" xmlns:p="http://schemas.openxmlformats.org/presentationml/2006/main">
+  <p:cSld>
+    <p:spTree>
+      <p:nvGrpSpPr>
+        <p:cNvPr id="1" name=""/>
+        <p:cNvGrpSpPr/>
+        <p:nvPr/>
+      </p:nvGrpSpPr>
+      <p:grpSpPr>
+        <a:xfrm>
+          <a:off x="0" y="0"/>
+          <a:ext cx="0" cy="0"/>
+          <a:chOff x="0" y="0"/>
+          <a:chExt cx="0" cy="0"/>
+        </a:xfrm>
+      </p:grpSpPr>
+      <p:sp>
+        <p:nvSpPr>
+          <p:cNvPr id="2" name="Title 1"/>
+          <p:cNvSpPr>
+            <a:spLocks noGrp="1"/>
+          </p:cNvSpPr>
+          <p:nvPr>
+            <p:ph type="title"/>
+          </p:nvPr>
+        </p:nvSpPr>
+        <p:spPr/>
+        <p:txBody>
+          <a:bodyPr/>
+          <a:lstStyle/>
+          <a:p>
+            <a:r>
+              <a:rPr lang="hu-HU" dirty="0" smtClean="0"/>
+              <a:t>Other features</a:t>
+            </a:r>
+            <a:endParaRPr lang="en-US" dirty="0"/>
+          </a:p>
+        </p:txBody>
+      </p:sp>
+      <p:sp>
+        <p:nvSpPr>
+          <p:cNvPr id="3" name="Content Placeholder 2"/>
+          <p:cNvSpPr>
+            <a:spLocks noGrp="1"/>
+          </p:cNvSpPr>
+          <p:nvPr>
+            <p:ph idx="1"/>
+          </p:nvPr>
+        </p:nvSpPr>
+        <p:spPr/>
+        <p:txBody>
+          <a:bodyPr/>
+          <a:lstStyle/>
+          <a:p>
+            <a:r>
+              <a:rPr lang="hu-HU" dirty="0" smtClean="0"/>
+              <a:t>Easy to install and use</a:t>
+            </a:r>
+          </a:p>
+          <a:p>
+            <a:r>
+              <a:rPr lang="hu-HU" dirty="0" smtClean="0"/>
+              <a:t>Detailed documentation</a:t>
+            </a:r>
+          </a:p>
+          <a:p>
+            <a:r>
+              <a:rPr lang="hu-HU" dirty="0" smtClean="0"/>
+              <a:t>Various APIs</a:t>
+            </a:r>
+          </a:p>
+          <a:p>
+            <a:pPr lvl="1"/>
+            <a:r>
+              <a:rPr lang="hu-HU" dirty="0" smtClean="0"/>
+              <a:t>JavaScript, Python, Ruby, Perl, Java, Java, Scala, C#, C++, Haskell, Erlang</a:t>
+            </a:r>
+          </a:p>
+          <a:p>
+            <a:r>
+              <a:rPr lang="hu-HU" dirty="0" smtClean="0"/>
+              <a:t>Community</a:t>
+            </a:r>
+          </a:p>
+          <a:p>
+            <a:r>
+              <a:rPr lang="hu-HU" dirty="0" smtClean="0"/>
+              <a:t>Open source</a:t>
+            </a:r>
+          </a:p>
+          <a:p>
+            <a:endParaRPr lang="en-US" dirty="0"/>
+          </a:p>
+        </p:txBody>
+      </p:sp>
+    </p:spTree>
+  </p:cSld>
+  <p:clrMapOvr>
+    <a:masterClrMapping/>
+  </p:clrMapOvr>
+  <p:timing>
+    <p:tnLst>
+      <p:par>
+        <p:cTn id="1" dur="indefinite" restart="never" nodeType="tmRoot"/>
+      </p:par>
+    </p:tnLst>
+  </p:timing>
+</p:sld>
+</file>
+
+<file path=ppt/slides/slide71.xml><?xml version="1.0" encoding="utf-8"?>
+<p:sld xmlns:a="http://schemas.openxmlformats.org/drawingml/2006/main" xmlns:r="http://schemas.openxmlformats.org/officeDocument/2006/relationships" xmlns:p="http://schemas.openxmlformats.org/presentationml/2006/main">
+  <p:cSld>
+    <p:spTree>
+      <p:nvGrpSpPr>
+        <p:cNvPr id="1" name=""/>
+        <p:cNvGrpSpPr/>
+        <p:nvPr/>
+      </p:nvGrpSpPr>
+      <p:grpSpPr>
+        <a:xfrm>
+          <a:off x="0" y="0"/>
+          <a:ext cx="0" cy="0"/>
+          <a:chOff x="0" y="0"/>
+          <a:chExt cx="0" cy="0"/>
+        </a:xfrm>
+      </p:grpSpPr>
+      <p:sp>
+        <p:nvSpPr>
+          <p:cNvPr id="2" name="Title 1"/>
+          <p:cNvSpPr>
+            <a:spLocks noGrp="1"/>
+          </p:cNvSpPr>
+          <p:nvPr>
+            <p:ph type="title"/>
+          </p:nvPr>
+        </p:nvSpPr>
+        <p:spPr/>
+        <p:txBody>
+          <a:bodyPr/>
+          <a:lstStyle/>
+          <a:p>
+            <a:r>
+              <a:rPr lang="en-US" dirty="0" smtClean="0"/>
+              <a:t>Mongo DB Installation</a:t>
+            </a:r>
+            <a:endParaRPr lang="en-US" dirty="0"/>
+          </a:p>
+        </p:txBody>
+      </p:sp>
+      <p:sp>
+        <p:nvSpPr>
+          <p:cNvPr id="3" name="Content Placeholder 2"/>
+          <p:cNvSpPr>
+            <a:spLocks noGrp="1"/>
+          </p:cNvSpPr>
+          <p:nvPr>
+            <p:ph idx="1"/>
+          </p:nvPr>
+        </p:nvSpPr>
+        <p:spPr/>
+        <p:txBody>
+          <a:bodyPr/>
+          <a:lstStyle/>
+          <a:p>
+            <a:r>
+              <a:rPr lang="en-US" dirty="0" smtClean="0"/>
+              <a:t>Download</a:t>
+            </a:r>
+            <a:endParaRPr lang="en-US" dirty="0" smtClean="0">
+              <a:hlinkClick r:id="rId2"/>
+            </a:endParaRPr>
+          </a:p>
+          <a:p>
+            <a:pPr lvl="1"/>
+            <a:r>
+              <a:rPr lang="en-US" dirty="0" smtClean="0">
+                <a:hlinkClick r:id="rId2"/>
+              </a:rPr>
+              <a:t>https://www.mongodb.com/download-center/community</a:t>
+            </a:r>
+            <a:endParaRPr lang="en-US" dirty="0" smtClean="0"/>
+          </a:p>
+          <a:p>
+            <a:pPr lvl="1"/>
+            <a:endParaRPr lang="en-US" dirty="0" smtClean="0"/>
+          </a:p>
+          <a:p>
+            <a:pPr lvl="1"/>
+            <a:endParaRPr lang="en-US" dirty="0" smtClean="0"/>
+          </a:p>
+          <a:p>
+            <a:pPr lvl="1"/>
+            <a:endParaRPr lang="en-US" dirty="0" smtClean="0"/>
+          </a:p>
+          <a:p>
+            <a:r>
+              <a:rPr lang="en-US" dirty="0" smtClean="0"/>
+              <a:t>Installation</a:t>
+            </a:r>
+            <a:endParaRPr lang="en-US" dirty="0"/>
+          </a:p>
+        </p:txBody>
+      </p:sp>
+    </p:spTree>
+  </p:cSld>
+  <p:clrMapOvr>
+    <a:masterClrMapping/>
+  </p:clrMapOvr>
+  <p:timing>
+    <p:tnLst>
+      <p:par>
+        <p:cTn id="1" dur="indefinite" restart="never" nodeType="tmRoot"/>
+      </p:par>
+    </p:tnLst>
+  </p:timing>
+</p:sld>
+</file>
+
+<file path=ppt/slides/slide72.xml><?xml version="1.0" encoding="utf-8"?>
+<p:sld xmlns:a="http://schemas.openxmlformats.org/drawingml/2006/main" xmlns:r="http://schemas.openxmlformats.org/officeDocument/2006/relationships" xmlns:p="http://schemas.openxmlformats.org/presentationml/2006/main">
+  <p:cSld>
+    <p:spTree>
+      <p:nvGrpSpPr>
+        <p:cNvPr id="1" name=""/>
+        <p:cNvGrpSpPr/>
+        <p:nvPr/>
+      </p:nvGrpSpPr>
+      <p:grpSpPr>
+        <a:xfrm>
+          <a:off x="0" y="0"/>
+          <a:ext cx="0" cy="0"/>
+          <a:chOff x="0" y="0"/>
+          <a:chExt cx="0" cy="0"/>
+        </a:xfrm>
+      </p:grpSpPr>
+      <p:sp>
+        <p:nvSpPr>
+          <p:cNvPr id="2" name="Title 1"/>
+          <p:cNvSpPr>
+            <a:spLocks noGrp="1"/>
+          </p:cNvSpPr>
+          <p:nvPr>
+            <p:ph type="title"/>
+          </p:nvPr>
+        </p:nvSpPr>
+        <p:spPr/>
+        <p:txBody>
+          <a:bodyPr/>
+          <a:lstStyle/>
+          <a:p>
+            <a:endParaRPr lang="en-US" dirty="0"/>
+          </a:p>
+        </p:txBody>
+      </p:sp>
+      <p:sp>
+        <p:nvSpPr>
+          <p:cNvPr id="3" name="Content Placeholder 2"/>
+          <p:cNvSpPr>
+            <a:spLocks noGrp="1"/>
+          </p:cNvSpPr>
+          <p:nvPr>
+            <p:ph idx="1"/>
+          </p:nvPr>
+        </p:nvSpPr>
+        <p:spPr/>
+        <p:txBody>
+          <a:bodyPr/>
+          <a:lstStyle/>
+          <a:p>
+            <a:endParaRPr lang="en-US" dirty="0" smtClean="0"/>
+          </a:p>
+          <a:p>
+            <a:endParaRPr lang="en-US" dirty="0" smtClean="0"/>
+          </a:p>
+          <a:p>
+            <a:endParaRPr lang="en-US" dirty="0" smtClean="0"/>
+          </a:p>
+          <a:p>
+            <a:pPr algn="ctr"/>
+            <a:r>
+              <a:rPr lang="en-US" dirty="0" smtClean="0"/>
+              <a:t>Mongo DB Tool Experience</a:t>
+            </a:r>
+            <a:endParaRPr lang="en-US" dirty="0"/>
+          </a:p>
+        </p:txBody>
+      </p:sp>
+    </p:spTree>
+  </p:cSld>
+  <p:clrMapOvr>
+    <a:masterClrMapping/>
+  </p:clrMapOvr>
+  <p:timing>
+    <p:tnLst>
+      <p:par>
+        <p:cTn id="1" dur="indefinite" restart="never" nodeType="tmRoot"/>
+      </p:par>
+    </p:tnLst>
+  </p:timing>
+</p:sld>
+</file>
+
+<file path=ppt/slides/slide73.xml><?xml version="1.0" encoding="utf-8"?>
+<p:sld xmlns:a="http://schemas.openxmlformats.org/drawingml/2006/main" xmlns:r="http://schemas.openxmlformats.org/officeDocument/2006/relationships" xmlns:p="http://schemas.openxmlformats.org/presentationml/2006/main">
+  <p:cSld>
+    <p:spTree>
+      <p:nvGrpSpPr>
+        <p:cNvPr id="1" name=""/>
+        <p:cNvGrpSpPr/>
+        <p:nvPr/>
+      </p:nvGrpSpPr>
+      <p:grpSpPr>
+        <a:xfrm>
+          <a:off x="0" y="0"/>
+          <a:ext cx="0" cy="0"/>
+          <a:chOff x="0" y="0"/>
+          <a:chExt cx="0" cy="0"/>
+        </a:xfrm>
+      </p:grpSpPr>
+      <p:sp>
+        <p:nvSpPr>
+          <p:cNvPr id="2" name="Title 1"/>
+          <p:cNvSpPr>
+            <a:spLocks noGrp="1"/>
+          </p:cNvSpPr>
+          <p:nvPr>
+            <p:ph type="title"/>
+          </p:nvPr>
+        </p:nvSpPr>
+        <p:spPr/>
+        <p:txBody>
+          <a:bodyPr/>
+          <a:lstStyle/>
+          <a:p>
+            <a:r>
+              <a:rPr lang="en-US" dirty="0" smtClean="0"/>
+              <a:t>Practice.. </a:t>
+            </a:r>
+            <a:endParaRPr lang="en-US" dirty="0"/>
+          </a:p>
+        </p:txBody>
+      </p:sp>
+      <p:sp>
+        <p:nvSpPr>
+          <p:cNvPr id="3" name="Content Placeholder 2"/>
+          <p:cNvSpPr>
+            <a:spLocks noGrp="1"/>
+          </p:cNvSpPr>
+          <p:nvPr>
+            <p:ph idx="1"/>
+          </p:nvPr>
+        </p:nvSpPr>
+        <p:spPr/>
+        <p:txBody>
+          <a:bodyPr/>
+          <a:lstStyle/>
+          <a:p>
+            <a:pPr algn="ctr"/>
+            <a:endParaRPr lang="en-US" dirty="0" smtClean="0"/>
+          </a:p>
+          <a:p>
+            <a:pPr algn="ctr"/>
+            <a:endParaRPr lang="en-US" dirty="0" smtClean="0"/>
+          </a:p>
+          <a:p>
+            <a:pPr algn="ctr">
+              <a:buNone/>
+            </a:pPr>
+            <a:endParaRPr lang="en-US" dirty="0" smtClean="0"/>
+          </a:p>
+          <a:p>
+            <a:pPr algn="ctr">
+              <a:buNone/>
+            </a:pPr>
+            <a:r>
+              <a:rPr lang="en-US" dirty="0" err="1" smtClean="0"/>
+              <a:t>Mongo+ExpressJS</a:t>
+            </a:r>
             <a:endParaRPr lang="en-US" dirty="0"/>
           </a:p>
         </p:txBody>

--- a/MEAN Stack Workshop.pptx
+++ b/MEAN Stack Workshop.pptx
@@ -5,7 +5,7 @@
     <p:sldMasterId id="2147483660" r:id="rId1"/>
   </p:sldMasterIdLst>
   <p:notesMasterIdLst>
-    <p:notesMasterId r:id="rId105"/>
+    <p:notesMasterId r:id="rId114"/>
   </p:notesMasterIdLst>
   <p:sldIdLst>
     <p:sldId id="256" r:id="rId2"/>
@@ -111,6 +111,15 @@
     <p:sldId id="357" r:id="rId102"/>
     <p:sldId id="358" r:id="rId103"/>
     <p:sldId id="359" r:id="rId104"/>
+    <p:sldId id="360" r:id="rId105"/>
+    <p:sldId id="361" r:id="rId106"/>
+    <p:sldId id="362" r:id="rId107"/>
+    <p:sldId id="363" r:id="rId108"/>
+    <p:sldId id="364" r:id="rId109"/>
+    <p:sldId id="365" r:id="rId110"/>
+    <p:sldId id="366" r:id="rId111"/>
+    <p:sldId id="367" r:id="rId112"/>
+    <p:sldId id="368" r:id="rId113"/>
   </p:sldIdLst>
   <p:sldSz cx="9144000" cy="6858000" type="screen4x3"/>
   <p:notesSz cx="6858000" cy="9144000"/>
@@ -311,7 +320,7 @@
             <a:fld id="{32B86DEE-773E-43AE-9ECA-E0C79A981448}" type="datetimeFigureOut">
               <a:rPr lang="en-US" smtClean="0"/>
               <a:pPr/>
-              <a:t>12/26/2019</a:t>
+              <a:t>1/1/2020</a:t>
             </a:fld>
             <a:endParaRPr lang="en-US"/>
           </a:p>
@@ -1315,7 +1324,7 @@
             <a:fld id="{051B7C22-4A45-4025-8681-ED0403F46852}" type="datetimeFigureOut">
               <a:rPr lang="en-US" smtClean="0"/>
               <a:pPr/>
-              <a:t>12/26/2019</a:t>
+              <a:t>1/1/2020</a:t>
             </a:fld>
             <a:endParaRPr lang="en-US"/>
           </a:p>
@@ -1499,7 +1508,7 @@
             <a:fld id="{051B7C22-4A45-4025-8681-ED0403F46852}" type="datetimeFigureOut">
               <a:rPr lang="en-US" smtClean="0"/>
               <a:pPr/>
-              <a:t>12/26/2019</a:t>
+              <a:t>1/1/2020</a:t>
             </a:fld>
             <a:endParaRPr lang="en-US"/>
           </a:p>
@@ -1675,7 +1684,7 @@
             <a:fld id="{051B7C22-4A45-4025-8681-ED0403F46852}" type="datetimeFigureOut">
               <a:rPr lang="en-US" smtClean="0"/>
               <a:pPr/>
-              <a:t>12/26/2019</a:t>
+              <a:t>1/1/2020</a:t>
             </a:fld>
             <a:endParaRPr lang="en-US"/>
           </a:p>
@@ -1841,7 +1850,7 @@
             <a:fld id="{051B7C22-4A45-4025-8681-ED0403F46852}" type="datetimeFigureOut">
               <a:rPr lang="en-US" smtClean="0"/>
               <a:pPr/>
-              <a:t>12/26/2019</a:t>
+              <a:t>1/1/2020</a:t>
             </a:fld>
             <a:endParaRPr lang="en-US"/>
           </a:p>
@@ -2063,7 +2072,7 @@
             <a:fld id="{051B7C22-4A45-4025-8681-ED0403F46852}" type="datetimeFigureOut">
               <a:rPr lang="en-US" smtClean="0"/>
               <a:pPr/>
-              <a:t>12/26/2019</a:t>
+              <a:t>1/1/2020</a:t>
             </a:fld>
             <a:endParaRPr lang="en-US"/>
           </a:p>
@@ -2323,7 +2332,7 @@
             <a:fld id="{051B7C22-4A45-4025-8681-ED0403F46852}" type="datetimeFigureOut">
               <a:rPr lang="en-US" smtClean="0"/>
               <a:pPr/>
-              <a:t>12/26/2019</a:t>
+              <a:t>1/1/2020</a:t>
             </a:fld>
             <a:endParaRPr lang="en-US"/>
           </a:p>
@@ -2728,7 +2737,7 @@
             <a:fld id="{051B7C22-4A45-4025-8681-ED0403F46852}" type="datetimeFigureOut">
               <a:rPr lang="en-US" smtClean="0"/>
               <a:pPr/>
-              <a:t>12/26/2019</a:t>
+              <a:t>1/1/2020</a:t>
             </a:fld>
             <a:endParaRPr lang="en-US"/>
           </a:p>
@@ -2860,7 +2869,7 @@
             <a:fld id="{051B7C22-4A45-4025-8681-ED0403F46852}" type="datetimeFigureOut">
               <a:rPr lang="en-US" smtClean="0"/>
               <a:pPr/>
-              <a:t>12/26/2019</a:t>
+              <a:t>1/1/2020</a:t>
             </a:fld>
             <a:endParaRPr lang="en-US"/>
           </a:p>
@@ -2962,7 +2971,7 @@
             <a:fld id="{051B7C22-4A45-4025-8681-ED0403F46852}" type="datetimeFigureOut">
               <a:rPr lang="en-US" smtClean="0"/>
               <a:pPr/>
-              <a:t>12/26/2019</a:t>
+              <a:t>1/1/2020</a:t>
             </a:fld>
             <a:endParaRPr lang="en-US"/>
           </a:p>
@@ -3208,7 +3217,7 @@
             <a:fld id="{051B7C22-4A45-4025-8681-ED0403F46852}" type="datetimeFigureOut">
               <a:rPr lang="en-US" smtClean="0"/>
               <a:pPr/>
-              <a:t>12/26/2019</a:t>
+              <a:t>1/1/2020</a:t>
             </a:fld>
             <a:endParaRPr lang="en-US"/>
           </a:p>
@@ -3453,7 +3462,7 @@
             <a:fld id="{051B7C22-4A45-4025-8681-ED0403F46852}" type="datetimeFigureOut">
               <a:rPr lang="en-US" smtClean="0"/>
               <a:pPr/>
-              <a:t>12/26/2019</a:t>
+              <a:t>1/1/2020</a:t>
             </a:fld>
             <a:endParaRPr lang="en-US"/>
           </a:p>
@@ -4277,7 +4286,7 @@
             <a:fld id="{051B7C22-4A45-4025-8681-ED0403F46852}" type="datetimeFigureOut">
               <a:rPr lang="en-US" smtClean="0"/>
               <a:pPr/>
-              <a:t>12/26/2019</a:t>
+              <a:t>1/1/2020</a:t>
             </a:fld>
             <a:endParaRPr lang="en-US"/>
           </a:p>
@@ -5426,6 +5435,765 @@
 </p:sld>
 </file>
 
+<file path=ppt/slides/slide104.xml><?xml version="1.0" encoding="utf-8"?>
+<p:sld xmlns:a="http://schemas.openxmlformats.org/drawingml/2006/main" xmlns:r="http://schemas.openxmlformats.org/officeDocument/2006/relationships" xmlns:p="http://schemas.openxmlformats.org/presentationml/2006/main">
+  <p:cSld>
+    <p:spTree>
+      <p:nvGrpSpPr>
+        <p:cNvPr id="1" name=""/>
+        <p:cNvGrpSpPr/>
+        <p:nvPr/>
+      </p:nvGrpSpPr>
+      <p:grpSpPr>
+        <a:xfrm>
+          <a:off x="0" y="0"/>
+          <a:ext cx="0" cy="0"/>
+          <a:chOff x="0" y="0"/>
+          <a:chExt cx="0" cy="0"/>
+        </a:xfrm>
+      </p:grpSpPr>
+      <p:sp>
+        <p:nvSpPr>
+          <p:cNvPr id="2" name="Title 1">
+            <a:extLst>
+              <a:ext uri="{FF2B5EF4-FFF2-40B4-BE49-F238E27FC236}">
+                <a16:creationId xmlns:a16="http://schemas.microsoft.com/office/drawing/2014/main" id="{7D2DD04F-37EE-4DE8-ADB4-91CE756533C7}"/>
+              </a:ext>
+            </a:extLst>
+          </p:cNvPr>
+          <p:cNvSpPr>
+            <a:spLocks noGrp="1"/>
+          </p:cNvSpPr>
+          <p:nvPr>
+            <p:ph type="title"/>
+          </p:nvPr>
+        </p:nvSpPr>
+        <p:spPr/>
+        <p:txBody>
+          <a:bodyPr/>
+          <a:lstStyle/>
+          <a:p>
+            <a:r>
+              <a:rPr lang="en-US" dirty="0"/>
+              <a:t>Pipes</a:t>
+            </a:r>
+          </a:p>
+        </p:txBody>
+      </p:sp>
+      <p:sp>
+        <p:nvSpPr>
+          <p:cNvPr id="3" name="Content Placeholder 2">
+            <a:extLst>
+              <a:ext uri="{FF2B5EF4-FFF2-40B4-BE49-F238E27FC236}">
+                <a16:creationId xmlns:a16="http://schemas.microsoft.com/office/drawing/2014/main" id="{5140EAD8-896B-4D55-84E7-707A13BE066C}"/>
+              </a:ext>
+            </a:extLst>
+          </p:cNvPr>
+          <p:cNvSpPr>
+            <a:spLocks noGrp="1"/>
+          </p:cNvSpPr>
+          <p:nvPr>
+            <p:ph idx="1"/>
+          </p:nvPr>
+        </p:nvSpPr>
+        <p:spPr/>
+        <p:txBody>
+          <a:bodyPr/>
+          <a:lstStyle/>
+          <a:p>
+            <a:r>
+              <a:rPr lang="en-US" dirty="0"/>
+              <a:t>There are many circumstances where we may have to change the appearance of the data before presenting it the user.</a:t>
+            </a:r>
+          </a:p>
+          <a:p>
+            <a:endParaRPr lang="en-US" dirty="0"/>
+          </a:p>
+          <a:p>
+            <a:r>
+              <a:rPr lang="en-US" b="1" dirty="0"/>
+              <a:t>Expression</a:t>
+            </a:r>
+            <a:r>
+              <a:rPr lang="en-US" dirty="0"/>
+              <a:t> : is the expression, which you want to transform</a:t>
+            </a:r>
+          </a:p>
+          <a:p>
+            <a:r>
+              <a:rPr lang="en-US" b="1" dirty="0"/>
+              <a:t>|</a:t>
+            </a:r>
+            <a:r>
+              <a:rPr lang="en-US" dirty="0"/>
+              <a:t> : is the Pipe Character</a:t>
+            </a:r>
+          </a:p>
+          <a:p>
+            <a:r>
+              <a:rPr lang="en-US" b="1" dirty="0" err="1"/>
+              <a:t>pipeOperator</a:t>
+            </a:r>
+            <a:r>
+              <a:rPr lang="en-US" dirty="0"/>
+              <a:t> : name of the Pipe</a:t>
+            </a:r>
+          </a:p>
+          <a:p>
+            <a:r>
+              <a:rPr lang="en-US" b="1" dirty="0" err="1"/>
+              <a:t>pipeArguments</a:t>
+            </a:r>
+            <a:r>
+              <a:rPr lang="en-US" dirty="0"/>
+              <a:t>: arguments to the Pipe</a:t>
+            </a:r>
+          </a:p>
+          <a:p>
+            <a:endParaRPr lang="en-US" dirty="0"/>
+          </a:p>
+        </p:txBody>
+      </p:sp>
+      <p:pic>
+        <p:nvPicPr>
+          <p:cNvPr id="5" name="Picture 4">
+            <a:extLst>
+              <a:ext uri="{FF2B5EF4-FFF2-40B4-BE49-F238E27FC236}">
+                <a16:creationId xmlns:a16="http://schemas.microsoft.com/office/drawing/2014/main" id="{522FB627-BD4F-4F21-90D3-C4A20E028B64}"/>
+              </a:ext>
+            </a:extLst>
+          </p:cNvPr>
+          <p:cNvPicPr>
+            <a:picLocks noChangeAspect="1"/>
+          </p:cNvPicPr>
+          <p:nvPr/>
+        </p:nvPicPr>
+        <p:blipFill>
+          <a:blip r:embed="rId2"/>
+          <a:stretch>
+            <a:fillRect/>
+          </a:stretch>
+        </p:blipFill>
+        <p:spPr>
+          <a:xfrm>
+            <a:off x="4953000" y="3429000"/>
+            <a:ext cx="3267075" cy="657225"/>
+          </a:xfrm>
+          <a:prstGeom prst="rect">
+            <a:avLst/>
+          </a:prstGeom>
+        </p:spPr>
+      </p:pic>
+    </p:spTree>
+    <p:extLst>
+      <p:ext uri="{BB962C8B-B14F-4D97-AF65-F5344CB8AC3E}">
+        <p14:creationId xmlns:p14="http://schemas.microsoft.com/office/powerpoint/2010/main" val="114939283"/>
+      </p:ext>
+    </p:extLst>
+  </p:cSld>
+  <p:clrMapOvr>
+    <a:masterClrMapping/>
+  </p:clrMapOvr>
+</p:sld>
+</file>
+
+<file path=ppt/slides/slide105.xml><?xml version="1.0" encoding="utf-8"?>
+<p:sld xmlns:a="http://schemas.openxmlformats.org/drawingml/2006/main" xmlns:r="http://schemas.openxmlformats.org/officeDocument/2006/relationships" xmlns:p="http://schemas.openxmlformats.org/presentationml/2006/main">
+  <p:cSld>
+    <p:spTree>
+      <p:nvGrpSpPr>
+        <p:cNvPr id="1" name=""/>
+        <p:cNvGrpSpPr/>
+        <p:nvPr/>
+      </p:nvGrpSpPr>
+      <p:grpSpPr>
+        <a:xfrm>
+          <a:off x="0" y="0"/>
+          <a:ext cx="0" cy="0"/>
+          <a:chOff x="0" y="0"/>
+          <a:chExt cx="0" cy="0"/>
+        </a:xfrm>
+      </p:grpSpPr>
+      <p:sp>
+        <p:nvSpPr>
+          <p:cNvPr id="2" name="Title 1">
+            <a:extLst>
+              <a:ext uri="{FF2B5EF4-FFF2-40B4-BE49-F238E27FC236}">
+                <a16:creationId xmlns:a16="http://schemas.microsoft.com/office/drawing/2014/main" id="{7D2DD04F-37EE-4DE8-ADB4-91CE756533C7}"/>
+              </a:ext>
+            </a:extLst>
+          </p:cNvPr>
+          <p:cNvSpPr>
+            <a:spLocks noGrp="1"/>
+          </p:cNvSpPr>
+          <p:nvPr>
+            <p:ph type="title"/>
+          </p:nvPr>
+        </p:nvSpPr>
+        <p:spPr/>
+        <p:txBody>
+          <a:bodyPr/>
+          <a:lstStyle/>
+          <a:p>
+            <a:r>
+              <a:rPr lang="en-US" dirty="0"/>
+              <a:t>Pipes… Example</a:t>
+            </a:r>
+          </a:p>
+        </p:txBody>
+      </p:sp>
+      <p:sp>
+        <p:nvSpPr>
+          <p:cNvPr id="3" name="Content Placeholder 2">
+            <a:extLst>
+              <a:ext uri="{FF2B5EF4-FFF2-40B4-BE49-F238E27FC236}">
+                <a16:creationId xmlns:a16="http://schemas.microsoft.com/office/drawing/2014/main" id="{5140EAD8-896B-4D55-84E7-707A13BE066C}"/>
+              </a:ext>
+            </a:extLst>
+          </p:cNvPr>
+          <p:cNvSpPr>
+            <a:spLocks noGrp="1"/>
+          </p:cNvSpPr>
+          <p:nvPr>
+            <p:ph idx="1"/>
+          </p:nvPr>
+        </p:nvSpPr>
+        <p:spPr/>
+        <p:txBody>
+          <a:bodyPr/>
+          <a:lstStyle/>
+          <a:p>
+            <a:endParaRPr lang="en-US" dirty="0"/>
+          </a:p>
+        </p:txBody>
+      </p:sp>
+      <p:pic>
+        <p:nvPicPr>
+          <p:cNvPr id="4" name="Picture 3">
+            <a:extLst>
+              <a:ext uri="{FF2B5EF4-FFF2-40B4-BE49-F238E27FC236}">
+                <a16:creationId xmlns:a16="http://schemas.microsoft.com/office/drawing/2014/main" id="{91A1F3B1-45D1-4CDF-865F-AA91EB72A981}"/>
+              </a:ext>
+            </a:extLst>
+          </p:cNvPr>
+          <p:cNvPicPr>
+            <a:picLocks noChangeAspect="1"/>
+          </p:cNvPicPr>
+          <p:nvPr/>
+        </p:nvPicPr>
+        <p:blipFill>
+          <a:blip r:embed="rId2"/>
+          <a:stretch>
+            <a:fillRect/>
+          </a:stretch>
+        </p:blipFill>
+        <p:spPr>
+          <a:xfrm>
+            <a:off x="609600" y="2438400"/>
+            <a:ext cx="4219222" cy="2971800"/>
+          </a:xfrm>
+          <a:prstGeom prst="rect">
+            <a:avLst/>
+          </a:prstGeom>
+        </p:spPr>
+      </p:pic>
+      <p:pic>
+        <p:nvPicPr>
+          <p:cNvPr id="6" name="Picture 5">
+            <a:extLst>
+              <a:ext uri="{FF2B5EF4-FFF2-40B4-BE49-F238E27FC236}">
+                <a16:creationId xmlns:a16="http://schemas.microsoft.com/office/drawing/2014/main" id="{FB81DFDA-3E98-4D57-828A-9CF8A28AC383}"/>
+              </a:ext>
+            </a:extLst>
+          </p:cNvPr>
+          <p:cNvPicPr>
+            <a:picLocks noChangeAspect="1"/>
+          </p:cNvPicPr>
+          <p:nvPr/>
+        </p:nvPicPr>
+        <p:blipFill>
+          <a:blip r:embed="rId3"/>
+          <a:stretch>
+            <a:fillRect/>
+          </a:stretch>
+        </p:blipFill>
+        <p:spPr>
+          <a:xfrm>
+            <a:off x="5093311" y="2895600"/>
+            <a:ext cx="3412514" cy="657225"/>
+          </a:xfrm>
+          <a:prstGeom prst="rect">
+            <a:avLst/>
+          </a:prstGeom>
+        </p:spPr>
+      </p:pic>
+    </p:spTree>
+    <p:extLst>
+      <p:ext uri="{BB962C8B-B14F-4D97-AF65-F5344CB8AC3E}">
+        <p14:creationId xmlns:p14="http://schemas.microsoft.com/office/powerpoint/2010/main" val="2421850466"/>
+      </p:ext>
+    </p:extLst>
+  </p:cSld>
+  <p:clrMapOvr>
+    <a:masterClrMapping/>
+  </p:clrMapOvr>
+</p:sld>
+</file>
+
+<file path=ppt/slides/slide106.xml><?xml version="1.0" encoding="utf-8"?>
+<p:sld xmlns:a="http://schemas.openxmlformats.org/drawingml/2006/main" xmlns:r="http://schemas.openxmlformats.org/officeDocument/2006/relationships" xmlns:p="http://schemas.openxmlformats.org/presentationml/2006/main">
+  <p:cSld>
+    <p:spTree>
+      <p:nvGrpSpPr>
+        <p:cNvPr id="1" name=""/>
+        <p:cNvGrpSpPr/>
+        <p:nvPr/>
+      </p:nvGrpSpPr>
+      <p:grpSpPr>
+        <a:xfrm>
+          <a:off x="0" y="0"/>
+          <a:ext cx="0" cy="0"/>
+          <a:chOff x="0" y="0"/>
+          <a:chExt cx="0" cy="0"/>
+        </a:xfrm>
+      </p:grpSpPr>
+      <p:sp>
+        <p:nvSpPr>
+          <p:cNvPr id="2" name="Title 1">
+            <a:extLst>
+              <a:ext uri="{FF2B5EF4-FFF2-40B4-BE49-F238E27FC236}">
+                <a16:creationId xmlns:a16="http://schemas.microsoft.com/office/drawing/2014/main" id="{33BFD545-0B22-4CCB-BF2B-8358F0DFB066}"/>
+              </a:ext>
+            </a:extLst>
+          </p:cNvPr>
+          <p:cNvSpPr>
+            <a:spLocks noGrp="1"/>
+          </p:cNvSpPr>
+          <p:nvPr>
+            <p:ph type="title"/>
+          </p:nvPr>
+        </p:nvSpPr>
+        <p:spPr/>
+        <p:txBody>
+          <a:bodyPr/>
+          <a:lstStyle/>
+          <a:p>
+            <a:r>
+              <a:rPr lang="en-US" dirty="0"/>
+              <a:t>Pipes…Built-in</a:t>
+            </a:r>
+          </a:p>
+        </p:txBody>
+      </p:sp>
+      <p:sp>
+        <p:nvSpPr>
+          <p:cNvPr id="3" name="Content Placeholder 2">
+            <a:extLst>
+              <a:ext uri="{FF2B5EF4-FFF2-40B4-BE49-F238E27FC236}">
+                <a16:creationId xmlns:a16="http://schemas.microsoft.com/office/drawing/2014/main" id="{75DC1864-6327-4FD3-B56A-434BC495B6C0}"/>
+              </a:ext>
+            </a:extLst>
+          </p:cNvPr>
+          <p:cNvSpPr>
+            <a:spLocks noGrp="1"/>
+          </p:cNvSpPr>
+          <p:nvPr>
+            <p:ph idx="1"/>
+          </p:nvPr>
+        </p:nvSpPr>
+        <p:spPr/>
+        <p:txBody>
+          <a:bodyPr/>
+          <a:lstStyle/>
+          <a:p>
+            <a:endParaRPr lang="en-US"/>
+          </a:p>
+        </p:txBody>
+      </p:sp>
+      <p:pic>
+        <p:nvPicPr>
+          <p:cNvPr id="4" name="Picture 3">
+            <a:extLst>
+              <a:ext uri="{FF2B5EF4-FFF2-40B4-BE49-F238E27FC236}">
+                <a16:creationId xmlns:a16="http://schemas.microsoft.com/office/drawing/2014/main" id="{F75B5702-5CCE-40EA-BAE7-731E229AA549}"/>
+              </a:ext>
+            </a:extLst>
+          </p:cNvPr>
+          <p:cNvPicPr>
+            <a:picLocks noChangeAspect="1"/>
+          </p:cNvPicPr>
+          <p:nvPr/>
+        </p:nvPicPr>
+        <p:blipFill>
+          <a:blip r:embed="rId2"/>
+          <a:stretch>
+            <a:fillRect/>
+          </a:stretch>
+        </p:blipFill>
+        <p:spPr>
+          <a:xfrm>
+            <a:off x="685800" y="2743200"/>
+            <a:ext cx="2296924" cy="2550795"/>
+          </a:xfrm>
+          <a:prstGeom prst="rect">
+            <a:avLst/>
+          </a:prstGeom>
+        </p:spPr>
+      </p:pic>
+    </p:spTree>
+    <p:extLst>
+      <p:ext uri="{BB962C8B-B14F-4D97-AF65-F5344CB8AC3E}">
+        <p14:creationId xmlns:p14="http://schemas.microsoft.com/office/powerpoint/2010/main" val="2137432257"/>
+      </p:ext>
+    </p:extLst>
+  </p:cSld>
+  <p:clrMapOvr>
+    <a:masterClrMapping/>
+  </p:clrMapOvr>
+</p:sld>
+</file>
+
+<file path=ppt/slides/slide107.xml><?xml version="1.0" encoding="utf-8"?>
+<p:sld xmlns:a="http://schemas.openxmlformats.org/drawingml/2006/main" xmlns:r="http://schemas.openxmlformats.org/officeDocument/2006/relationships" xmlns:p="http://schemas.openxmlformats.org/presentationml/2006/main">
+  <p:cSld>
+    <p:spTree>
+      <p:nvGrpSpPr>
+        <p:cNvPr id="1" name=""/>
+        <p:cNvGrpSpPr/>
+        <p:nvPr/>
+      </p:nvGrpSpPr>
+      <p:grpSpPr>
+        <a:xfrm>
+          <a:off x="0" y="0"/>
+          <a:ext cx="0" cy="0"/>
+          <a:chOff x="0" y="0"/>
+          <a:chExt cx="0" cy="0"/>
+        </a:xfrm>
+      </p:grpSpPr>
+      <p:sp>
+        <p:nvSpPr>
+          <p:cNvPr id="2" name="Title 1">
+            <a:extLst>
+              <a:ext uri="{FF2B5EF4-FFF2-40B4-BE49-F238E27FC236}">
+                <a16:creationId xmlns:a16="http://schemas.microsoft.com/office/drawing/2014/main" id="{33BFD545-0B22-4CCB-BF2B-8358F0DFB066}"/>
+              </a:ext>
+            </a:extLst>
+          </p:cNvPr>
+          <p:cNvSpPr>
+            <a:spLocks noGrp="1"/>
+          </p:cNvSpPr>
+          <p:nvPr>
+            <p:ph type="title"/>
+          </p:nvPr>
+        </p:nvSpPr>
+        <p:spPr/>
+        <p:txBody>
+          <a:bodyPr/>
+          <a:lstStyle/>
+          <a:p>
+            <a:endParaRPr lang="en-US" dirty="0"/>
+          </a:p>
+        </p:txBody>
+      </p:sp>
+      <p:sp>
+        <p:nvSpPr>
+          <p:cNvPr id="3" name="Content Placeholder 2">
+            <a:extLst>
+              <a:ext uri="{FF2B5EF4-FFF2-40B4-BE49-F238E27FC236}">
+                <a16:creationId xmlns:a16="http://schemas.microsoft.com/office/drawing/2014/main" id="{75DC1864-6327-4FD3-B56A-434BC495B6C0}"/>
+              </a:ext>
+            </a:extLst>
+          </p:cNvPr>
+          <p:cNvSpPr>
+            <a:spLocks noGrp="1"/>
+          </p:cNvSpPr>
+          <p:nvPr>
+            <p:ph idx="1"/>
+          </p:nvPr>
+        </p:nvSpPr>
+        <p:spPr/>
+        <p:txBody>
+          <a:bodyPr/>
+          <a:lstStyle/>
+          <a:p>
+            <a:endParaRPr lang="en-US"/>
+          </a:p>
+        </p:txBody>
+      </p:sp>
+      <p:pic>
+        <p:nvPicPr>
+          <p:cNvPr id="5" name="Picture 4">
+            <a:extLst>
+              <a:ext uri="{FF2B5EF4-FFF2-40B4-BE49-F238E27FC236}">
+                <a16:creationId xmlns:a16="http://schemas.microsoft.com/office/drawing/2014/main" id="{5492763B-8688-4953-AAFF-98AF62371931}"/>
+              </a:ext>
+            </a:extLst>
+          </p:cNvPr>
+          <p:cNvPicPr>
+            <a:picLocks noChangeAspect="1"/>
+          </p:cNvPicPr>
+          <p:nvPr/>
+        </p:nvPicPr>
+        <p:blipFill>
+          <a:blip r:embed="rId2"/>
+          <a:stretch>
+            <a:fillRect/>
+          </a:stretch>
+        </p:blipFill>
+        <p:spPr>
+          <a:xfrm>
+            <a:off x="685800" y="1447800"/>
+            <a:ext cx="7736754" cy="4876800"/>
+          </a:xfrm>
+          <a:prstGeom prst="rect">
+            <a:avLst/>
+          </a:prstGeom>
+        </p:spPr>
+      </p:pic>
+    </p:spTree>
+    <p:extLst>
+      <p:ext uri="{BB962C8B-B14F-4D97-AF65-F5344CB8AC3E}">
+        <p14:creationId xmlns:p14="http://schemas.microsoft.com/office/powerpoint/2010/main" val="2493095389"/>
+      </p:ext>
+    </p:extLst>
+  </p:cSld>
+  <p:clrMapOvr>
+    <a:masterClrMapping/>
+  </p:clrMapOvr>
+</p:sld>
+</file>
+
+<file path=ppt/slides/slide108.xml><?xml version="1.0" encoding="utf-8"?>
+<p:sld xmlns:a="http://schemas.openxmlformats.org/drawingml/2006/main" xmlns:r="http://schemas.openxmlformats.org/officeDocument/2006/relationships" xmlns:p="http://schemas.openxmlformats.org/presentationml/2006/main">
+  <p:cSld>
+    <p:spTree>
+      <p:nvGrpSpPr>
+        <p:cNvPr id="1" name=""/>
+        <p:cNvGrpSpPr/>
+        <p:nvPr/>
+      </p:nvGrpSpPr>
+      <p:grpSpPr>
+        <a:xfrm>
+          <a:off x="0" y="0"/>
+          <a:ext cx="0" cy="0"/>
+          <a:chOff x="0" y="0"/>
+          <a:chExt cx="0" cy="0"/>
+        </a:xfrm>
+      </p:grpSpPr>
+      <p:sp>
+        <p:nvSpPr>
+          <p:cNvPr id="2" name="Title 1">
+            <a:extLst>
+              <a:ext uri="{FF2B5EF4-FFF2-40B4-BE49-F238E27FC236}">
+                <a16:creationId xmlns:a16="http://schemas.microsoft.com/office/drawing/2014/main" id="{33BFD545-0B22-4CCB-BF2B-8358F0DFB066}"/>
+              </a:ext>
+            </a:extLst>
+          </p:cNvPr>
+          <p:cNvSpPr>
+            <a:spLocks noGrp="1"/>
+          </p:cNvSpPr>
+          <p:nvPr>
+            <p:ph type="title"/>
+          </p:nvPr>
+        </p:nvSpPr>
+        <p:spPr/>
+        <p:txBody>
+          <a:bodyPr/>
+          <a:lstStyle/>
+          <a:p>
+            <a:r>
+              <a:rPr lang="en-US" dirty="0"/>
+              <a:t>Pipes… </a:t>
+            </a:r>
+            <a:r>
+              <a:rPr lang="en-US" dirty="0" err="1"/>
+              <a:t>Exmple</a:t>
+            </a:r>
+            <a:endParaRPr lang="en-US" dirty="0"/>
+          </a:p>
+        </p:txBody>
+      </p:sp>
+      <p:sp>
+        <p:nvSpPr>
+          <p:cNvPr id="3" name="Content Placeholder 2">
+            <a:extLst>
+              <a:ext uri="{FF2B5EF4-FFF2-40B4-BE49-F238E27FC236}">
+                <a16:creationId xmlns:a16="http://schemas.microsoft.com/office/drawing/2014/main" id="{75DC1864-6327-4FD3-B56A-434BC495B6C0}"/>
+              </a:ext>
+            </a:extLst>
+          </p:cNvPr>
+          <p:cNvSpPr>
+            <a:spLocks noGrp="1"/>
+          </p:cNvSpPr>
+          <p:nvPr>
+            <p:ph idx="1"/>
+          </p:nvPr>
+        </p:nvSpPr>
+        <p:spPr/>
+        <p:txBody>
+          <a:bodyPr/>
+          <a:lstStyle/>
+          <a:p>
+            <a:endParaRPr lang="en-US"/>
+          </a:p>
+        </p:txBody>
+      </p:sp>
+      <p:pic>
+        <p:nvPicPr>
+          <p:cNvPr id="4" name="Picture 3">
+            <a:extLst>
+              <a:ext uri="{FF2B5EF4-FFF2-40B4-BE49-F238E27FC236}">
+                <a16:creationId xmlns:a16="http://schemas.microsoft.com/office/drawing/2014/main" id="{F61726FD-75DB-47FC-93F5-86895BAD53FE}"/>
+              </a:ext>
+            </a:extLst>
+          </p:cNvPr>
+          <p:cNvPicPr>
+            <a:picLocks noChangeAspect="1"/>
+          </p:cNvPicPr>
+          <p:nvPr/>
+        </p:nvPicPr>
+        <p:blipFill>
+          <a:blip r:embed="rId2"/>
+          <a:stretch>
+            <a:fillRect/>
+          </a:stretch>
+        </p:blipFill>
+        <p:spPr>
+          <a:xfrm>
+            <a:off x="209550" y="885824"/>
+            <a:ext cx="8724900" cy="5286375"/>
+          </a:xfrm>
+          <a:prstGeom prst="rect">
+            <a:avLst/>
+          </a:prstGeom>
+        </p:spPr>
+      </p:pic>
+    </p:spTree>
+    <p:extLst>
+      <p:ext uri="{BB962C8B-B14F-4D97-AF65-F5344CB8AC3E}">
+        <p14:creationId xmlns:p14="http://schemas.microsoft.com/office/powerpoint/2010/main" val="1232412425"/>
+      </p:ext>
+    </p:extLst>
+  </p:cSld>
+  <p:clrMapOvr>
+    <a:masterClrMapping/>
+  </p:clrMapOvr>
+</p:sld>
+</file>
+
+<file path=ppt/slides/slide109.xml><?xml version="1.0" encoding="utf-8"?>
+<p:sld xmlns:a="http://schemas.openxmlformats.org/drawingml/2006/main" xmlns:r="http://schemas.openxmlformats.org/officeDocument/2006/relationships" xmlns:p="http://schemas.openxmlformats.org/presentationml/2006/main">
+  <p:cSld>
+    <p:spTree>
+      <p:nvGrpSpPr>
+        <p:cNvPr id="1" name=""/>
+        <p:cNvGrpSpPr/>
+        <p:nvPr/>
+      </p:nvGrpSpPr>
+      <p:grpSpPr>
+        <a:xfrm>
+          <a:off x="0" y="0"/>
+          <a:ext cx="0" cy="0"/>
+          <a:chOff x="0" y="0"/>
+          <a:chExt cx="0" cy="0"/>
+        </a:xfrm>
+      </p:grpSpPr>
+      <p:sp>
+        <p:nvSpPr>
+          <p:cNvPr id="2" name="Title 1">
+            <a:extLst>
+              <a:ext uri="{FF2B5EF4-FFF2-40B4-BE49-F238E27FC236}">
+                <a16:creationId xmlns:a16="http://schemas.microsoft.com/office/drawing/2014/main" id="{33BFD545-0B22-4CCB-BF2B-8358F0DFB066}"/>
+              </a:ext>
+            </a:extLst>
+          </p:cNvPr>
+          <p:cNvSpPr>
+            <a:spLocks noGrp="1"/>
+          </p:cNvSpPr>
+          <p:nvPr>
+            <p:ph type="title"/>
+          </p:nvPr>
+        </p:nvSpPr>
+        <p:spPr/>
+        <p:txBody>
+          <a:bodyPr/>
+          <a:lstStyle/>
+          <a:p>
+            <a:r>
+              <a:rPr lang="en-US" dirty="0"/>
+              <a:t>Pipes… Custom</a:t>
+            </a:r>
+          </a:p>
+        </p:txBody>
+      </p:sp>
+      <p:sp>
+        <p:nvSpPr>
+          <p:cNvPr id="3" name="Content Placeholder 2">
+            <a:extLst>
+              <a:ext uri="{FF2B5EF4-FFF2-40B4-BE49-F238E27FC236}">
+                <a16:creationId xmlns:a16="http://schemas.microsoft.com/office/drawing/2014/main" id="{75DC1864-6327-4FD3-B56A-434BC495B6C0}"/>
+              </a:ext>
+            </a:extLst>
+          </p:cNvPr>
+          <p:cNvSpPr>
+            <a:spLocks noGrp="1"/>
+          </p:cNvSpPr>
+          <p:nvPr>
+            <p:ph idx="1"/>
+          </p:nvPr>
+        </p:nvSpPr>
+        <p:spPr/>
+        <p:txBody>
+          <a:bodyPr/>
+          <a:lstStyle/>
+          <a:p>
+            <a:endParaRPr lang="en-US"/>
+          </a:p>
+        </p:txBody>
+      </p:sp>
+      <p:pic>
+        <p:nvPicPr>
+          <p:cNvPr id="4" name="Picture 3">
+            <a:extLst>
+              <a:ext uri="{FF2B5EF4-FFF2-40B4-BE49-F238E27FC236}">
+                <a16:creationId xmlns:a16="http://schemas.microsoft.com/office/drawing/2014/main" id="{7D79211D-DDEB-40B4-985A-AC8B55897DF4}"/>
+              </a:ext>
+            </a:extLst>
+          </p:cNvPr>
+          <p:cNvPicPr>
+            <a:picLocks noChangeAspect="1"/>
+          </p:cNvPicPr>
+          <p:nvPr/>
+        </p:nvPicPr>
+        <p:blipFill>
+          <a:blip r:embed="rId2"/>
+          <a:stretch>
+            <a:fillRect/>
+          </a:stretch>
+        </p:blipFill>
+        <p:spPr>
+          <a:xfrm>
+            <a:off x="1600200" y="2057400"/>
+            <a:ext cx="5029200" cy="4644803"/>
+          </a:xfrm>
+          <a:prstGeom prst="rect">
+            <a:avLst/>
+          </a:prstGeom>
+        </p:spPr>
+      </p:pic>
+    </p:spTree>
+    <p:extLst>
+      <p:ext uri="{BB962C8B-B14F-4D97-AF65-F5344CB8AC3E}">
+        <p14:creationId xmlns:p14="http://schemas.microsoft.com/office/powerpoint/2010/main" val="2540488250"/>
+      </p:ext>
+    </p:extLst>
+  </p:cSld>
+  <p:clrMapOvr>
+    <a:masterClrMapping/>
+  </p:clrMapOvr>
+</p:sld>
+</file>
+
 <file path=ppt/slides/slide11.xml><?xml version="1.0" encoding="utf-8"?>
 <p:sld xmlns:a="http://schemas.openxmlformats.org/drawingml/2006/main" xmlns:r="http://schemas.openxmlformats.org/officeDocument/2006/relationships" xmlns:p="http://schemas.openxmlformats.org/presentationml/2006/main">
   <p:cSld>
@@ -5554,6 +6322,333 @@
         </p:txBody>
       </p:sp>
     </p:spTree>
+  </p:cSld>
+  <p:clrMapOvr>
+    <a:masterClrMapping/>
+  </p:clrMapOvr>
+</p:sld>
+</file>
+
+<file path=ppt/slides/slide110.xml><?xml version="1.0" encoding="utf-8"?>
+<p:sld xmlns:a="http://schemas.openxmlformats.org/drawingml/2006/main" xmlns:r="http://schemas.openxmlformats.org/officeDocument/2006/relationships" xmlns:p="http://schemas.openxmlformats.org/presentationml/2006/main">
+  <p:cSld>
+    <p:spTree>
+      <p:nvGrpSpPr>
+        <p:cNvPr id="1" name=""/>
+        <p:cNvGrpSpPr/>
+        <p:nvPr/>
+      </p:nvGrpSpPr>
+      <p:grpSpPr>
+        <a:xfrm>
+          <a:off x="0" y="0"/>
+          <a:ext cx="0" cy="0"/>
+          <a:chOff x="0" y="0"/>
+          <a:chExt cx="0" cy="0"/>
+        </a:xfrm>
+      </p:grpSpPr>
+      <p:sp>
+        <p:nvSpPr>
+          <p:cNvPr id="2" name="Title 1">
+            <a:extLst>
+              <a:ext uri="{FF2B5EF4-FFF2-40B4-BE49-F238E27FC236}">
+                <a16:creationId xmlns:a16="http://schemas.microsoft.com/office/drawing/2014/main" id="{33BFD545-0B22-4CCB-BF2B-8358F0DFB066}"/>
+              </a:ext>
+            </a:extLst>
+          </p:cNvPr>
+          <p:cNvSpPr>
+            <a:spLocks noGrp="1"/>
+          </p:cNvSpPr>
+          <p:nvPr>
+            <p:ph type="title"/>
+          </p:nvPr>
+        </p:nvSpPr>
+        <p:spPr/>
+        <p:txBody>
+          <a:bodyPr/>
+          <a:lstStyle/>
+          <a:p>
+            <a:r>
+              <a:rPr lang="en-US" dirty="0"/>
+              <a:t>Pipes… Custom</a:t>
+            </a:r>
+          </a:p>
+        </p:txBody>
+      </p:sp>
+      <p:sp>
+        <p:nvSpPr>
+          <p:cNvPr id="3" name="Content Placeholder 2">
+            <a:extLst>
+              <a:ext uri="{FF2B5EF4-FFF2-40B4-BE49-F238E27FC236}">
+                <a16:creationId xmlns:a16="http://schemas.microsoft.com/office/drawing/2014/main" id="{75DC1864-6327-4FD3-B56A-434BC495B6C0}"/>
+              </a:ext>
+            </a:extLst>
+          </p:cNvPr>
+          <p:cNvSpPr>
+            <a:spLocks noGrp="1"/>
+          </p:cNvSpPr>
+          <p:nvPr>
+            <p:ph idx="1"/>
+          </p:nvPr>
+        </p:nvSpPr>
+        <p:spPr/>
+        <p:txBody>
+          <a:bodyPr/>
+          <a:lstStyle/>
+          <a:p>
+            <a:endParaRPr lang="en-US"/>
+          </a:p>
+        </p:txBody>
+      </p:sp>
+      <p:pic>
+        <p:nvPicPr>
+          <p:cNvPr id="6" name="Picture 5">
+            <a:extLst>
+              <a:ext uri="{FF2B5EF4-FFF2-40B4-BE49-F238E27FC236}">
+                <a16:creationId xmlns:a16="http://schemas.microsoft.com/office/drawing/2014/main" id="{DE34AA4E-3086-485A-B990-005F3820EB1A}"/>
+              </a:ext>
+            </a:extLst>
+          </p:cNvPr>
+          <p:cNvPicPr>
+            <a:picLocks noChangeAspect="1"/>
+          </p:cNvPicPr>
+          <p:nvPr/>
+        </p:nvPicPr>
+        <p:blipFill>
+          <a:blip r:embed="rId2"/>
+          <a:stretch>
+            <a:fillRect/>
+          </a:stretch>
+        </p:blipFill>
+        <p:spPr>
+          <a:xfrm>
+            <a:off x="1600200" y="2209800"/>
+            <a:ext cx="5760720" cy="4114800"/>
+          </a:xfrm>
+          <a:prstGeom prst="rect">
+            <a:avLst/>
+          </a:prstGeom>
+        </p:spPr>
+      </p:pic>
+    </p:spTree>
+    <p:extLst>
+      <p:ext uri="{BB962C8B-B14F-4D97-AF65-F5344CB8AC3E}">
+        <p14:creationId xmlns:p14="http://schemas.microsoft.com/office/powerpoint/2010/main" val="1913897865"/>
+      </p:ext>
+    </p:extLst>
+  </p:cSld>
+  <p:clrMapOvr>
+    <a:masterClrMapping/>
+  </p:clrMapOvr>
+</p:sld>
+</file>
+
+<file path=ppt/slides/slide111.xml><?xml version="1.0" encoding="utf-8"?>
+<p:sld xmlns:a="http://schemas.openxmlformats.org/drawingml/2006/main" xmlns:r="http://schemas.openxmlformats.org/officeDocument/2006/relationships" xmlns:p="http://schemas.openxmlformats.org/presentationml/2006/main">
+  <p:cSld>
+    <p:spTree>
+      <p:nvGrpSpPr>
+        <p:cNvPr id="1" name=""/>
+        <p:cNvGrpSpPr/>
+        <p:nvPr/>
+      </p:nvGrpSpPr>
+      <p:grpSpPr>
+        <a:xfrm>
+          <a:off x="0" y="0"/>
+          <a:ext cx="0" cy="0"/>
+          <a:chOff x="0" y="0"/>
+          <a:chExt cx="0" cy="0"/>
+        </a:xfrm>
+      </p:grpSpPr>
+      <p:sp>
+        <p:nvSpPr>
+          <p:cNvPr id="2" name="Title 1">
+            <a:extLst>
+              <a:ext uri="{FF2B5EF4-FFF2-40B4-BE49-F238E27FC236}">
+                <a16:creationId xmlns:a16="http://schemas.microsoft.com/office/drawing/2014/main" id="{33BFD545-0B22-4CCB-BF2B-8358F0DFB066}"/>
+              </a:ext>
+            </a:extLst>
+          </p:cNvPr>
+          <p:cNvSpPr>
+            <a:spLocks noGrp="1"/>
+          </p:cNvSpPr>
+          <p:nvPr>
+            <p:ph type="title"/>
+          </p:nvPr>
+        </p:nvSpPr>
+        <p:spPr/>
+        <p:txBody>
+          <a:bodyPr/>
+          <a:lstStyle/>
+          <a:p>
+            <a:r>
+              <a:rPr lang="en-US" dirty="0"/>
+              <a:t>Pipes… Custom</a:t>
+            </a:r>
+          </a:p>
+        </p:txBody>
+      </p:sp>
+      <p:sp>
+        <p:nvSpPr>
+          <p:cNvPr id="3" name="Content Placeholder 2">
+            <a:extLst>
+              <a:ext uri="{FF2B5EF4-FFF2-40B4-BE49-F238E27FC236}">
+                <a16:creationId xmlns:a16="http://schemas.microsoft.com/office/drawing/2014/main" id="{75DC1864-6327-4FD3-B56A-434BC495B6C0}"/>
+              </a:ext>
+            </a:extLst>
+          </p:cNvPr>
+          <p:cNvSpPr>
+            <a:spLocks noGrp="1"/>
+          </p:cNvSpPr>
+          <p:nvPr>
+            <p:ph idx="1"/>
+          </p:nvPr>
+        </p:nvSpPr>
+        <p:spPr/>
+        <p:txBody>
+          <a:bodyPr/>
+          <a:lstStyle/>
+          <a:p>
+            <a:endParaRPr lang="en-US"/>
+          </a:p>
+        </p:txBody>
+      </p:sp>
+      <p:pic>
+        <p:nvPicPr>
+          <p:cNvPr id="4" name="Picture 3">
+            <a:extLst>
+              <a:ext uri="{FF2B5EF4-FFF2-40B4-BE49-F238E27FC236}">
+                <a16:creationId xmlns:a16="http://schemas.microsoft.com/office/drawing/2014/main" id="{6562F103-1504-4042-930D-E7BAE55681D7}"/>
+              </a:ext>
+            </a:extLst>
+          </p:cNvPr>
+          <p:cNvPicPr>
+            <a:picLocks noChangeAspect="1"/>
+          </p:cNvPicPr>
+          <p:nvPr/>
+        </p:nvPicPr>
+        <p:blipFill>
+          <a:blip r:embed="rId2"/>
+          <a:stretch>
+            <a:fillRect/>
+          </a:stretch>
+        </p:blipFill>
+        <p:spPr>
+          <a:xfrm>
+            <a:off x="1676400" y="1981200"/>
+            <a:ext cx="5258304" cy="4495800"/>
+          </a:xfrm>
+          <a:prstGeom prst="rect">
+            <a:avLst/>
+          </a:prstGeom>
+        </p:spPr>
+      </p:pic>
+    </p:spTree>
+    <p:extLst>
+      <p:ext uri="{BB962C8B-B14F-4D97-AF65-F5344CB8AC3E}">
+        <p14:creationId xmlns:p14="http://schemas.microsoft.com/office/powerpoint/2010/main" val="3270197062"/>
+      </p:ext>
+    </p:extLst>
+  </p:cSld>
+  <p:clrMapOvr>
+    <a:masterClrMapping/>
+  </p:clrMapOvr>
+</p:sld>
+</file>
+
+<file path=ppt/slides/slide112.xml><?xml version="1.0" encoding="utf-8"?>
+<p:sld xmlns:a="http://schemas.openxmlformats.org/drawingml/2006/main" xmlns:r="http://schemas.openxmlformats.org/officeDocument/2006/relationships" xmlns:p="http://schemas.openxmlformats.org/presentationml/2006/main">
+  <p:cSld>
+    <p:spTree>
+      <p:nvGrpSpPr>
+        <p:cNvPr id="1" name=""/>
+        <p:cNvGrpSpPr/>
+        <p:nvPr/>
+      </p:nvGrpSpPr>
+      <p:grpSpPr>
+        <a:xfrm>
+          <a:off x="0" y="0"/>
+          <a:ext cx="0" cy="0"/>
+          <a:chOff x="0" y="0"/>
+          <a:chExt cx="0" cy="0"/>
+        </a:xfrm>
+      </p:grpSpPr>
+      <p:sp>
+        <p:nvSpPr>
+          <p:cNvPr id="2" name="Title 1">
+            <a:extLst>
+              <a:ext uri="{FF2B5EF4-FFF2-40B4-BE49-F238E27FC236}">
+                <a16:creationId xmlns:a16="http://schemas.microsoft.com/office/drawing/2014/main" id="{5E5EDC75-B011-40BA-A300-46C9266A3AF7}"/>
+              </a:ext>
+            </a:extLst>
+          </p:cNvPr>
+          <p:cNvSpPr>
+            <a:spLocks noGrp="1"/>
+          </p:cNvSpPr>
+          <p:nvPr>
+            <p:ph type="title"/>
+          </p:nvPr>
+        </p:nvSpPr>
+        <p:spPr/>
+        <p:txBody>
+          <a:bodyPr/>
+          <a:lstStyle/>
+          <a:p>
+            <a:r>
+              <a:rPr lang="en-US" dirty="0"/>
+              <a:t>Practice</a:t>
+            </a:r>
+          </a:p>
+        </p:txBody>
+      </p:sp>
+      <p:sp>
+        <p:nvSpPr>
+          <p:cNvPr id="3" name="Content Placeholder 2">
+            <a:extLst>
+              <a:ext uri="{FF2B5EF4-FFF2-40B4-BE49-F238E27FC236}">
+                <a16:creationId xmlns:a16="http://schemas.microsoft.com/office/drawing/2014/main" id="{E7CFEE2D-5118-41F3-B723-B6522085D802}"/>
+              </a:ext>
+            </a:extLst>
+          </p:cNvPr>
+          <p:cNvSpPr>
+            <a:spLocks noGrp="1"/>
+          </p:cNvSpPr>
+          <p:nvPr>
+            <p:ph idx="1"/>
+          </p:nvPr>
+        </p:nvSpPr>
+        <p:spPr/>
+        <p:txBody>
+          <a:bodyPr/>
+          <a:lstStyle/>
+          <a:p>
+            <a:r>
+              <a:rPr lang="en-US" dirty="0"/>
+              <a:t>Create a new project</a:t>
+            </a:r>
+          </a:p>
+          <a:p>
+            <a:pPr lvl="1"/>
+            <a:r>
+              <a:rPr lang="en-US" dirty="0"/>
+              <a:t> ng new </a:t>
+            </a:r>
+            <a:r>
+              <a:rPr lang="en-US" dirty="0" err="1"/>
+              <a:t>insurance_app</a:t>
+            </a:r>
+            <a:endParaRPr lang="en-US" dirty="0"/>
+          </a:p>
+          <a:p>
+            <a:endParaRPr lang="en-US" dirty="0"/>
+          </a:p>
+        </p:txBody>
+      </p:sp>
+    </p:spTree>
+    <p:extLst>
+      <p:ext uri="{BB962C8B-B14F-4D97-AF65-F5344CB8AC3E}">
+        <p14:creationId xmlns:p14="http://schemas.microsoft.com/office/powerpoint/2010/main" val="842297007"/>
+      </p:ext>
+    </p:extLst>
   </p:cSld>
   <p:clrMapOvr>
     <a:masterClrMapping/>

--- a/MEAN Stack Workshop.pptx
+++ b/MEAN Stack Workshop.pptx
@@ -5,7 +5,7 @@
     <p:sldMasterId id="2147483660" r:id="rId1"/>
   </p:sldMasterIdLst>
   <p:notesMasterIdLst>
-    <p:notesMasterId r:id="rId114"/>
+    <p:notesMasterId r:id="rId130"/>
   </p:notesMasterIdLst>
   <p:sldIdLst>
     <p:sldId id="256" r:id="rId2"/>
@@ -120,6 +120,22 @@
     <p:sldId id="366" r:id="rId111"/>
     <p:sldId id="367" r:id="rId112"/>
     <p:sldId id="368" r:id="rId113"/>
+    <p:sldId id="369" r:id="rId114"/>
+    <p:sldId id="370" r:id="rId115"/>
+    <p:sldId id="371" r:id="rId116"/>
+    <p:sldId id="372" r:id="rId117"/>
+    <p:sldId id="373" r:id="rId118"/>
+    <p:sldId id="374" r:id="rId119"/>
+    <p:sldId id="375" r:id="rId120"/>
+    <p:sldId id="376" r:id="rId121"/>
+    <p:sldId id="377" r:id="rId122"/>
+    <p:sldId id="378" r:id="rId123"/>
+    <p:sldId id="379" r:id="rId124"/>
+    <p:sldId id="380" r:id="rId125"/>
+    <p:sldId id="381" r:id="rId126"/>
+    <p:sldId id="382" r:id="rId127"/>
+    <p:sldId id="383" r:id="rId128"/>
+    <p:sldId id="384" r:id="rId129"/>
   </p:sldIdLst>
   <p:sldSz cx="9144000" cy="6858000" type="screen4x3"/>
   <p:notesSz cx="6858000" cy="9144000"/>
@@ -220,7 +236,7 @@
   </p:defaultTextStyle>
   <p:extLst>
     <p:ext uri="{EFAFB233-063F-42B5-8137-9DF3F51BA10A}">
-      <p15:sldGuideLst xmlns:p15="http://schemas.microsoft.com/office/powerpoint/2012/main">
+      <p15:sldGuideLst xmlns:p15="http://schemas.microsoft.com/office/powerpoint/2012/main" xmlns="">
         <p15:guide id="1" orient="horz" pos="2160">
           <p15:clr>
             <a:srgbClr val="A4A3A4"/>
@@ -4909,7 +4925,7 @@
           <p:cNvPr id="2" name="Title 1">
             <a:extLst>
               <a:ext uri="{FF2B5EF4-FFF2-40B4-BE49-F238E27FC236}">
-                <a16:creationId xmlns:a16="http://schemas.microsoft.com/office/drawing/2014/main" id="{99A646D1-9F4F-48CF-BAB0-342067F29B39}"/>
+                <a16:creationId xmlns:a16="http://schemas.microsoft.com/office/drawing/2014/main" xmlns="" id="{99A646D1-9F4F-48CF-BAB0-342067F29B39}"/>
               </a:ext>
             </a:extLst>
           </p:cNvPr>
@@ -4937,7 +4953,7 @@
           <p:cNvPr id="3" name="Content Placeholder 2">
             <a:extLst>
               <a:ext uri="{FF2B5EF4-FFF2-40B4-BE49-F238E27FC236}">
-                <a16:creationId xmlns:a16="http://schemas.microsoft.com/office/drawing/2014/main" id="{8D43E271-D18B-499C-A02A-A9D53E47B31E}"/>
+                <a16:creationId xmlns:a16="http://schemas.microsoft.com/office/drawing/2014/main" xmlns="" id="{8D43E271-D18B-499C-A02A-A9D53E47B31E}"/>
               </a:ext>
             </a:extLst>
           </p:cNvPr>
@@ -4999,7 +5015,7 @@
     </p:spTree>
     <p:extLst>
       <p:ext uri="{BB962C8B-B14F-4D97-AF65-F5344CB8AC3E}">
-        <p14:creationId xmlns:p14="http://schemas.microsoft.com/office/powerpoint/2010/main" val="2205095223"/>
+        <p14:creationId xmlns:p14="http://schemas.microsoft.com/office/powerpoint/2010/main" xmlns="" val="2205095223"/>
       </p:ext>
     </p:extLst>
   </p:cSld>
@@ -5031,7 +5047,7 @@
           <p:cNvPr id="2" name="Title 1">
             <a:extLst>
               <a:ext uri="{FF2B5EF4-FFF2-40B4-BE49-F238E27FC236}">
-                <a16:creationId xmlns:a16="http://schemas.microsoft.com/office/drawing/2014/main" id="{D6FA9611-86DC-42C5-A195-40C3BDAC274D}"/>
+                <a16:creationId xmlns:a16="http://schemas.microsoft.com/office/drawing/2014/main" xmlns="" id="{D6FA9611-86DC-42C5-A195-40C3BDAC274D}"/>
               </a:ext>
             </a:extLst>
           </p:cNvPr>
@@ -5066,7 +5082,7 @@
           <p:cNvPr id="3" name="Content Placeholder 2">
             <a:extLst>
               <a:ext uri="{FF2B5EF4-FFF2-40B4-BE49-F238E27FC236}">
-                <a16:creationId xmlns:a16="http://schemas.microsoft.com/office/drawing/2014/main" id="{725A3939-56DC-490A-BEBB-4AF1DBFC5941}"/>
+                <a16:creationId xmlns:a16="http://schemas.microsoft.com/office/drawing/2014/main" xmlns="" id="{725A3939-56DC-490A-BEBB-4AF1DBFC5941}"/>
               </a:ext>
             </a:extLst>
           </p:cNvPr>
@@ -5116,7 +5132,7 @@
           <p:cNvPr id="4" name="Picture 3">
             <a:extLst>
               <a:ext uri="{FF2B5EF4-FFF2-40B4-BE49-F238E27FC236}">
-                <a16:creationId xmlns:a16="http://schemas.microsoft.com/office/drawing/2014/main" id="{1400BC32-9CD4-4928-9D34-2CFE9F619F20}"/>
+                <a16:creationId xmlns:a16="http://schemas.microsoft.com/office/drawing/2014/main" xmlns="" id="{1400BC32-9CD4-4928-9D34-2CFE9F619F20}"/>
               </a:ext>
             </a:extLst>
           </p:cNvPr>
@@ -5144,7 +5160,7 @@
     </p:spTree>
     <p:extLst>
       <p:ext uri="{BB962C8B-B14F-4D97-AF65-F5344CB8AC3E}">
-        <p14:creationId xmlns:p14="http://schemas.microsoft.com/office/powerpoint/2010/main" val="1942055489"/>
+        <p14:creationId xmlns:p14="http://schemas.microsoft.com/office/powerpoint/2010/main" xmlns="" val="1942055489"/>
       </p:ext>
     </p:extLst>
   </p:cSld>
@@ -5176,7 +5192,7 @@
           <p:cNvPr id="2" name="Title 1">
             <a:extLst>
               <a:ext uri="{FF2B5EF4-FFF2-40B4-BE49-F238E27FC236}">
-                <a16:creationId xmlns:a16="http://schemas.microsoft.com/office/drawing/2014/main" id="{D6FA9611-86DC-42C5-A195-40C3BDAC274D}"/>
+                <a16:creationId xmlns:a16="http://schemas.microsoft.com/office/drawing/2014/main" xmlns="" id="{D6FA9611-86DC-42C5-A195-40C3BDAC274D}"/>
               </a:ext>
             </a:extLst>
           </p:cNvPr>
@@ -5211,7 +5227,7 @@
           <p:cNvPr id="3" name="Content Placeholder 2">
             <a:extLst>
               <a:ext uri="{FF2B5EF4-FFF2-40B4-BE49-F238E27FC236}">
-                <a16:creationId xmlns:a16="http://schemas.microsoft.com/office/drawing/2014/main" id="{725A3939-56DC-490A-BEBB-4AF1DBFC5941}"/>
+                <a16:creationId xmlns:a16="http://schemas.microsoft.com/office/drawing/2014/main" xmlns="" id="{725A3939-56DC-490A-BEBB-4AF1DBFC5941}"/>
               </a:ext>
             </a:extLst>
           </p:cNvPr>
@@ -5264,7 +5280,7 @@
           <p:cNvPr id="5" name="Picture 4">
             <a:extLst>
               <a:ext uri="{FF2B5EF4-FFF2-40B4-BE49-F238E27FC236}">
-                <a16:creationId xmlns:a16="http://schemas.microsoft.com/office/drawing/2014/main" id="{6B4F13B2-2D35-4C30-977A-633AB0A98591}"/>
+                <a16:creationId xmlns:a16="http://schemas.microsoft.com/office/drawing/2014/main" xmlns="" id="{6B4F13B2-2D35-4C30-977A-633AB0A98591}"/>
               </a:ext>
             </a:extLst>
           </p:cNvPr>
@@ -5292,7 +5308,7 @@
     </p:spTree>
     <p:extLst>
       <p:ext uri="{BB962C8B-B14F-4D97-AF65-F5344CB8AC3E}">
-        <p14:creationId xmlns:p14="http://schemas.microsoft.com/office/powerpoint/2010/main" val="2977201770"/>
+        <p14:creationId xmlns:p14="http://schemas.microsoft.com/office/powerpoint/2010/main" xmlns="" val="2977201770"/>
       </p:ext>
     </p:extLst>
   </p:cSld>
@@ -5324,7 +5340,7 @@
           <p:cNvPr id="2" name="Title 1">
             <a:extLst>
               <a:ext uri="{FF2B5EF4-FFF2-40B4-BE49-F238E27FC236}">
-                <a16:creationId xmlns:a16="http://schemas.microsoft.com/office/drawing/2014/main" id="{D6FA9611-86DC-42C5-A195-40C3BDAC274D}"/>
+                <a16:creationId xmlns:a16="http://schemas.microsoft.com/office/drawing/2014/main" xmlns="" id="{D6FA9611-86DC-42C5-A195-40C3BDAC274D}"/>
               </a:ext>
             </a:extLst>
           </p:cNvPr>
@@ -5359,7 +5375,7 @@
           <p:cNvPr id="3" name="Content Placeholder 2">
             <a:extLst>
               <a:ext uri="{FF2B5EF4-FFF2-40B4-BE49-F238E27FC236}">
-                <a16:creationId xmlns:a16="http://schemas.microsoft.com/office/drawing/2014/main" id="{725A3939-56DC-490A-BEBB-4AF1DBFC5941}"/>
+                <a16:creationId xmlns:a16="http://schemas.microsoft.com/office/drawing/2014/main" xmlns="" id="{725A3939-56DC-490A-BEBB-4AF1DBFC5941}"/>
               </a:ext>
             </a:extLst>
           </p:cNvPr>
@@ -5397,7 +5413,7 @@
           <p:cNvPr id="4" name="Picture 3">
             <a:extLst>
               <a:ext uri="{FF2B5EF4-FFF2-40B4-BE49-F238E27FC236}">
-                <a16:creationId xmlns:a16="http://schemas.microsoft.com/office/drawing/2014/main" id="{8D92ADBB-DFFE-4CE8-9969-2839BF0F1CAD}"/>
+                <a16:creationId xmlns:a16="http://schemas.microsoft.com/office/drawing/2014/main" xmlns="" id="{8D92ADBB-DFFE-4CE8-9969-2839BF0F1CAD}"/>
               </a:ext>
             </a:extLst>
           </p:cNvPr>
@@ -5425,7 +5441,7 @@
     </p:spTree>
     <p:extLst>
       <p:ext uri="{BB962C8B-B14F-4D97-AF65-F5344CB8AC3E}">
-        <p14:creationId xmlns:p14="http://schemas.microsoft.com/office/powerpoint/2010/main" val="17663716"/>
+        <p14:creationId xmlns:p14="http://schemas.microsoft.com/office/powerpoint/2010/main" xmlns="" val="17663716"/>
       </p:ext>
     </p:extLst>
   </p:cSld>
@@ -5457,7 +5473,7 @@
           <p:cNvPr id="2" name="Title 1">
             <a:extLst>
               <a:ext uri="{FF2B5EF4-FFF2-40B4-BE49-F238E27FC236}">
-                <a16:creationId xmlns:a16="http://schemas.microsoft.com/office/drawing/2014/main" id="{7D2DD04F-37EE-4DE8-ADB4-91CE756533C7}"/>
+                <a16:creationId xmlns:a16="http://schemas.microsoft.com/office/drawing/2014/main" xmlns="" id="{7D2DD04F-37EE-4DE8-ADB4-91CE756533C7}"/>
               </a:ext>
             </a:extLst>
           </p:cNvPr>
@@ -5485,7 +5501,7 @@
           <p:cNvPr id="3" name="Content Placeholder 2">
             <a:extLst>
               <a:ext uri="{FF2B5EF4-FFF2-40B4-BE49-F238E27FC236}">
-                <a16:creationId xmlns:a16="http://schemas.microsoft.com/office/drawing/2014/main" id="{5140EAD8-896B-4D55-84E7-707A13BE066C}"/>
+                <a16:creationId xmlns:a16="http://schemas.microsoft.com/office/drawing/2014/main" xmlns="" id="{5140EAD8-896B-4D55-84E7-707A13BE066C}"/>
               </a:ext>
             </a:extLst>
           </p:cNvPr>
@@ -5559,7 +5575,7 @@
           <p:cNvPr id="5" name="Picture 4">
             <a:extLst>
               <a:ext uri="{FF2B5EF4-FFF2-40B4-BE49-F238E27FC236}">
-                <a16:creationId xmlns:a16="http://schemas.microsoft.com/office/drawing/2014/main" id="{522FB627-BD4F-4F21-90D3-C4A20E028B64}"/>
+                <a16:creationId xmlns:a16="http://schemas.microsoft.com/office/drawing/2014/main" xmlns="" id="{522FB627-BD4F-4F21-90D3-C4A20E028B64}"/>
               </a:ext>
             </a:extLst>
           </p:cNvPr>
@@ -5587,7 +5603,7 @@
     </p:spTree>
     <p:extLst>
       <p:ext uri="{BB962C8B-B14F-4D97-AF65-F5344CB8AC3E}">
-        <p14:creationId xmlns:p14="http://schemas.microsoft.com/office/powerpoint/2010/main" val="114939283"/>
+        <p14:creationId xmlns:p14="http://schemas.microsoft.com/office/powerpoint/2010/main" xmlns="" val="114939283"/>
       </p:ext>
     </p:extLst>
   </p:cSld>
@@ -5619,7 +5635,7 @@
           <p:cNvPr id="2" name="Title 1">
             <a:extLst>
               <a:ext uri="{FF2B5EF4-FFF2-40B4-BE49-F238E27FC236}">
-                <a16:creationId xmlns:a16="http://schemas.microsoft.com/office/drawing/2014/main" id="{7D2DD04F-37EE-4DE8-ADB4-91CE756533C7}"/>
+                <a16:creationId xmlns:a16="http://schemas.microsoft.com/office/drawing/2014/main" xmlns="" id="{7D2DD04F-37EE-4DE8-ADB4-91CE756533C7}"/>
               </a:ext>
             </a:extLst>
           </p:cNvPr>
@@ -5647,7 +5663,7 @@
           <p:cNvPr id="3" name="Content Placeholder 2">
             <a:extLst>
               <a:ext uri="{FF2B5EF4-FFF2-40B4-BE49-F238E27FC236}">
-                <a16:creationId xmlns:a16="http://schemas.microsoft.com/office/drawing/2014/main" id="{5140EAD8-896B-4D55-84E7-707A13BE066C}"/>
+                <a16:creationId xmlns:a16="http://schemas.microsoft.com/office/drawing/2014/main" xmlns="" id="{5140EAD8-896B-4D55-84E7-707A13BE066C}"/>
               </a:ext>
             </a:extLst>
           </p:cNvPr>
@@ -5672,7 +5688,7 @@
           <p:cNvPr id="4" name="Picture 3">
             <a:extLst>
               <a:ext uri="{FF2B5EF4-FFF2-40B4-BE49-F238E27FC236}">
-                <a16:creationId xmlns:a16="http://schemas.microsoft.com/office/drawing/2014/main" id="{91A1F3B1-45D1-4CDF-865F-AA91EB72A981}"/>
+                <a16:creationId xmlns:a16="http://schemas.microsoft.com/office/drawing/2014/main" xmlns="" id="{91A1F3B1-45D1-4CDF-865F-AA91EB72A981}"/>
               </a:ext>
             </a:extLst>
           </p:cNvPr>
@@ -5702,7 +5718,7 @@
           <p:cNvPr id="6" name="Picture 5">
             <a:extLst>
               <a:ext uri="{FF2B5EF4-FFF2-40B4-BE49-F238E27FC236}">
-                <a16:creationId xmlns:a16="http://schemas.microsoft.com/office/drawing/2014/main" id="{FB81DFDA-3E98-4D57-828A-9CF8A28AC383}"/>
+                <a16:creationId xmlns:a16="http://schemas.microsoft.com/office/drawing/2014/main" xmlns="" id="{FB81DFDA-3E98-4D57-828A-9CF8A28AC383}"/>
               </a:ext>
             </a:extLst>
           </p:cNvPr>
@@ -5730,7 +5746,7 @@
     </p:spTree>
     <p:extLst>
       <p:ext uri="{BB962C8B-B14F-4D97-AF65-F5344CB8AC3E}">
-        <p14:creationId xmlns:p14="http://schemas.microsoft.com/office/powerpoint/2010/main" val="2421850466"/>
+        <p14:creationId xmlns:p14="http://schemas.microsoft.com/office/powerpoint/2010/main" xmlns="" val="2421850466"/>
       </p:ext>
     </p:extLst>
   </p:cSld>
@@ -5762,7 +5778,7 @@
           <p:cNvPr id="2" name="Title 1">
             <a:extLst>
               <a:ext uri="{FF2B5EF4-FFF2-40B4-BE49-F238E27FC236}">
-                <a16:creationId xmlns:a16="http://schemas.microsoft.com/office/drawing/2014/main" id="{33BFD545-0B22-4CCB-BF2B-8358F0DFB066}"/>
+                <a16:creationId xmlns:a16="http://schemas.microsoft.com/office/drawing/2014/main" xmlns="" id="{33BFD545-0B22-4CCB-BF2B-8358F0DFB066}"/>
               </a:ext>
             </a:extLst>
           </p:cNvPr>
@@ -5790,7 +5806,7 @@
           <p:cNvPr id="3" name="Content Placeholder 2">
             <a:extLst>
               <a:ext uri="{FF2B5EF4-FFF2-40B4-BE49-F238E27FC236}">
-                <a16:creationId xmlns:a16="http://schemas.microsoft.com/office/drawing/2014/main" id="{75DC1864-6327-4FD3-B56A-434BC495B6C0}"/>
+                <a16:creationId xmlns:a16="http://schemas.microsoft.com/office/drawing/2014/main" xmlns="" id="{75DC1864-6327-4FD3-B56A-434BC495B6C0}"/>
               </a:ext>
             </a:extLst>
           </p:cNvPr>
@@ -5815,7 +5831,7 @@
           <p:cNvPr id="4" name="Picture 3">
             <a:extLst>
               <a:ext uri="{FF2B5EF4-FFF2-40B4-BE49-F238E27FC236}">
-                <a16:creationId xmlns:a16="http://schemas.microsoft.com/office/drawing/2014/main" id="{F75B5702-5CCE-40EA-BAE7-731E229AA549}"/>
+                <a16:creationId xmlns:a16="http://schemas.microsoft.com/office/drawing/2014/main" xmlns="" id="{F75B5702-5CCE-40EA-BAE7-731E229AA549}"/>
               </a:ext>
             </a:extLst>
           </p:cNvPr>
@@ -5843,7 +5859,7 @@
     </p:spTree>
     <p:extLst>
       <p:ext uri="{BB962C8B-B14F-4D97-AF65-F5344CB8AC3E}">
-        <p14:creationId xmlns:p14="http://schemas.microsoft.com/office/powerpoint/2010/main" val="2137432257"/>
+        <p14:creationId xmlns:p14="http://schemas.microsoft.com/office/powerpoint/2010/main" xmlns="" val="2137432257"/>
       </p:ext>
     </p:extLst>
   </p:cSld>
@@ -5875,7 +5891,7 @@
           <p:cNvPr id="2" name="Title 1">
             <a:extLst>
               <a:ext uri="{FF2B5EF4-FFF2-40B4-BE49-F238E27FC236}">
-                <a16:creationId xmlns:a16="http://schemas.microsoft.com/office/drawing/2014/main" id="{33BFD545-0B22-4CCB-BF2B-8358F0DFB066}"/>
+                <a16:creationId xmlns:a16="http://schemas.microsoft.com/office/drawing/2014/main" xmlns="" id="{33BFD545-0B22-4CCB-BF2B-8358F0DFB066}"/>
               </a:ext>
             </a:extLst>
           </p:cNvPr>
@@ -5900,7 +5916,7 @@
           <p:cNvPr id="3" name="Content Placeholder 2">
             <a:extLst>
               <a:ext uri="{FF2B5EF4-FFF2-40B4-BE49-F238E27FC236}">
-                <a16:creationId xmlns:a16="http://schemas.microsoft.com/office/drawing/2014/main" id="{75DC1864-6327-4FD3-B56A-434BC495B6C0}"/>
+                <a16:creationId xmlns:a16="http://schemas.microsoft.com/office/drawing/2014/main" xmlns="" id="{75DC1864-6327-4FD3-B56A-434BC495B6C0}"/>
               </a:ext>
             </a:extLst>
           </p:cNvPr>
@@ -5925,7 +5941,7 @@
           <p:cNvPr id="5" name="Picture 4">
             <a:extLst>
               <a:ext uri="{FF2B5EF4-FFF2-40B4-BE49-F238E27FC236}">
-                <a16:creationId xmlns:a16="http://schemas.microsoft.com/office/drawing/2014/main" id="{5492763B-8688-4953-AAFF-98AF62371931}"/>
+                <a16:creationId xmlns:a16="http://schemas.microsoft.com/office/drawing/2014/main" xmlns="" id="{5492763B-8688-4953-AAFF-98AF62371931}"/>
               </a:ext>
             </a:extLst>
           </p:cNvPr>
@@ -5953,7 +5969,7 @@
     </p:spTree>
     <p:extLst>
       <p:ext uri="{BB962C8B-B14F-4D97-AF65-F5344CB8AC3E}">
-        <p14:creationId xmlns:p14="http://schemas.microsoft.com/office/powerpoint/2010/main" val="2493095389"/>
+        <p14:creationId xmlns:p14="http://schemas.microsoft.com/office/powerpoint/2010/main" xmlns="" val="2493095389"/>
       </p:ext>
     </p:extLst>
   </p:cSld>
@@ -5985,7 +6001,7 @@
           <p:cNvPr id="2" name="Title 1">
             <a:extLst>
               <a:ext uri="{FF2B5EF4-FFF2-40B4-BE49-F238E27FC236}">
-                <a16:creationId xmlns:a16="http://schemas.microsoft.com/office/drawing/2014/main" id="{33BFD545-0B22-4CCB-BF2B-8358F0DFB066}"/>
+                <a16:creationId xmlns:a16="http://schemas.microsoft.com/office/drawing/2014/main" xmlns="" id="{33BFD545-0B22-4CCB-BF2B-8358F0DFB066}"/>
               </a:ext>
             </a:extLst>
           </p:cNvPr>
@@ -6018,7 +6034,7 @@
           <p:cNvPr id="3" name="Content Placeholder 2">
             <a:extLst>
               <a:ext uri="{FF2B5EF4-FFF2-40B4-BE49-F238E27FC236}">
-                <a16:creationId xmlns:a16="http://schemas.microsoft.com/office/drawing/2014/main" id="{75DC1864-6327-4FD3-B56A-434BC495B6C0}"/>
+                <a16:creationId xmlns:a16="http://schemas.microsoft.com/office/drawing/2014/main" xmlns="" id="{75DC1864-6327-4FD3-B56A-434BC495B6C0}"/>
               </a:ext>
             </a:extLst>
           </p:cNvPr>
@@ -6043,7 +6059,7 @@
           <p:cNvPr id="4" name="Picture 3">
             <a:extLst>
               <a:ext uri="{FF2B5EF4-FFF2-40B4-BE49-F238E27FC236}">
-                <a16:creationId xmlns:a16="http://schemas.microsoft.com/office/drawing/2014/main" id="{F61726FD-75DB-47FC-93F5-86895BAD53FE}"/>
+                <a16:creationId xmlns:a16="http://schemas.microsoft.com/office/drawing/2014/main" xmlns="" id="{F61726FD-75DB-47FC-93F5-86895BAD53FE}"/>
               </a:ext>
             </a:extLst>
           </p:cNvPr>
@@ -6071,7 +6087,7 @@
     </p:spTree>
     <p:extLst>
       <p:ext uri="{BB962C8B-B14F-4D97-AF65-F5344CB8AC3E}">
-        <p14:creationId xmlns:p14="http://schemas.microsoft.com/office/powerpoint/2010/main" val="1232412425"/>
+        <p14:creationId xmlns:p14="http://schemas.microsoft.com/office/powerpoint/2010/main" xmlns="" val="1232412425"/>
       </p:ext>
     </p:extLst>
   </p:cSld>
@@ -6103,7 +6119,7 @@
           <p:cNvPr id="2" name="Title 1">
             <a:extLst>
               <a:ext uri="{FF2B5EF4-FFF2-40B4-BE49-F238E27FC236}">
-                <a16:creationId xmlns:a16="http://schemas.microsoft.com/office/drawing/2014/main" id="{33BFD545-0B22-4CCB-BF2B-8358F0DFB066}"/>
+                <a16:creationId xmlns:a16="http://schemas.microsoft.com/office/drawing/2014/main" xmlns="" id="{33BFD545-0B22-4CCB-BF2B-8358F0DFB066}"/>
               </a:ext>
             </a:extLst>
           </p:cNvPr>
@@ -6131,7 +6147,7 @@
           <p:cNvPr id="3" name="Content Placeholder 2">
             <a:extLst>
               <a:ext uri="{FF2B5EF4-FFF2-40B4-BE49-F238E27FC236}">
-                <a16:creationId xmlns:a16="http://schemas.microsoft.com/office/drawing/2014/main" id="{75DC1864-6327-4FD3-B56A-434BC495B6C0}"/>
+                <a16:creationId xmlns:a16="http://schemas.microsoft.com/office/drawing/2014/main" xmlns="" id="{75DC1864-6327-4FD3-B56A-434BC495B6C0}"/>
               </a:ext>
             </a:extLst>
           </p:cNvPr>
@@ -6156,7 +6172,7 @@
           <p:cNvPr id="4" name="Picture 3">
             <a:extLst>
               <a:ext uri="{FF2B5EF4-FFF2-40B4-BE49-F238E27FC236}">
-                <a16:creationId xmlns:a16="http://schemas.microsoft.com/office/drawing/2014/main" id="{7D79211D-DDEB-40B4-985A-AC8B55897DF4}"/>
+                <a16:creationId xmlns:a16="http://schemas.microsoft.com/office/drawing/2014/main" xmlns="" id="{7D79211D-DDEB-40B4-985A-AC8B55897DF4}"/>
               </a:ext>
             </a:extLst>
           </p:cNvPr>
@@ -6184,7 +6200,7 @@
     </p:spTree>
     <p:extLst>
       <p:ext uri="{BB962C8B-B14F-4D97-AF65-F5344CB8AC3E}">
-        <p14:creationId xmlns:p14="http://schemas.microsoft.com/office/powerpoint/2010/main" val="2540488250"/>
+        <p14:creationId xmlns:p14="http://schemas.microsoft.com/office/powerpoint/2010/main" xmlns="" val="2540488250"/>
       </p:ext>
     </p:extLst>
   </p:cSld>
@@ -6351,7 +6367,7 @@
           <p:cNvPr id="2" name="Title 1">
             <a:extLst>
               <a:ext uri="{FF2B5EF4-FFF2-40B4-BE49-F238E27FC236}">
-                <a16:creationId xmlns:a16="http://schemas.microsoft.com/office/drawing/2014/main" id="{33BFD545-0B22-4CCB-BF2B-8358F0DFB066}"/>
+                <a16:creationId xmlns:a16="http://schemas.microsoft.com/office/drawing/2014/main" xmlns="" id="{33BFD545-0B22-4CCB-BF2B-8358F0DFB066}"/>
               </a:ext>
             </a:extLst>
           </p:cNvPr>
@@ -6379,7 +6395,7 @@
           <p:cNvPr id="3" name="Content Placeholder 2">
             <a:extLst>
               <a:ext uri="{FF2B5EF4-FFF2-40B4-BE49-F238E27FC236}">
-                <a16:creationId xmlns:a16="http://schemas.microsoft.com/office/drawing/2014/main" id="{75DC1864-6327-4FD3-B56A-434BC495B6C0}"/>
+                <a16:creationId xmlns:a16="http://schemas.microsoft.com/office/drawing/2014/main" xmlns="" id="{75DC1864-6327-4FD3-B56A-434BC495B6C0}"/>
               </a:ext>
             </a:extLst>
           </p:cNvPr>
@@ -6404,7 +6420,7 @@
           <p:cNvPr id="6" name="Picture 5">
             <a:extLst>
               <a:ext uri="{FF2B5EF4-FFF2-40B4-BE49-F238E27FC236}">
-                <a16:creationId xmlns:a16="http://schemas.microsoft.com/office/drawing/2014/main" id="{DE34AA4E-3086-485A-B990-005F3820EB1A}"/>
+                <a16:creationId xmlns:a16="http://schemas.microsoft.com/office/drawing/2014/main" xmlns="" id="{DE34AA4E-3086-485A-B990-005F3820EB1A}"/>
               </a:ext>
             </a:extLst>
           </p:cNvPr>
@@ -6432,7 +6448,7 @@
     </p:spTree>
     <p:extLst>
       <p:ext uri="{BB962C8B-B14F-4D97-AF65-F5344CB8AC3E}">
-        <p14:creationId xmlns:p14="http://schemas.microsoft.com/office/powerpoint/2010/main" val="1913897865"/>
+        <p14:creationId xmlns:p14="http://schemas.microsoft.com/office/powerpoint/2010/main" xmlns="" val="1913897865"/>
       </p:ext>
     </p:extLst>
   </p:cSld>
@@ -6464,7 +6480,7 @@
           <p:cNvPr id="2" name="Title 1">
             <a:extLst>
               <a:ext uri="{FF2B5EF4-FFF2-40B4-BE49-F238E27FC236}">
-                <a16:creationId xmlns:a16="http://schemas.microsoft.com/office/drawing/2014/main" id="{33BFD545-0B22-4CCB-BF2B-8358F0DFB066}"/>
+                <a16:creationId xmlns:a16="http://schemas.microsoft.com/office/drawing/2014/main" xmlns="" id="{33BFD545-0B22-4CCB-BF2B-8358F0DFB066}"/>
               </a:ext>
             </a:extLst>
           </p:cNvPr>
@@ -6492,7 +6508,7 @@
           <p:cNvPr id="3" name="Content Placeholder 2">
             <a:extLst>
               <a:ext uri="{FF2B5EF4-FFF2-40B4-BE49-F238E27FC236}">
-                <a16:creationId xmlns:a16="http://schemas.microsoft.com/office/drawing/2014/main" id="{75DC1864-6327-4FD3-B56A-434BC495B6C0}"/>
+                <a16:creationId xmlns:a16="http://schemas.microsoft.com/office/drawing/2014/main" xmlns="" id="{75DC1864-6327-4FD3-B56A-434BC495B6C0}"/>
               </a:ext>
             </a:extLst>
           </p:cNvPr>
@@ -6517,7 +6533,7 @@
           <p:cNvPr id="4" name="Picture 3">
             <a:extLst>
               <a:ext uri="{FF2B5EF4-FFF2-40B4-BE49-F238E27FC236}">
-                <a16:creationId xmlns:a16="http://schemas.microsoft.com/office/drawing/2014/main" id="{6562F103-1504-4042-930D-E7BAE55681D7}"/>
+                <a16:creationId xmlns:a16="http://schemas.microsoft.com/office/drawing/2014/main" xmlns="" id="{6562F103-1504-4042-930D-E7BAE55681D7}"/>
               </a:ext>
             </a:extLst>
           </p:cNvPr>
@@ -6545,7 +6561,7 @@
     </p:spTree>
     <p:extLst>
       <p:ext uri="{BB962C8B-B14F-4D97-AF65-F5344CB8AC3E}">
-        <p14:creationId xmlns:p14="http://schemas.microsoft.com/office/powerpoint/2010/main" val="3270197062"/>
+        <p14:creationId xmlns:p14="http://schemas.microsoft.com/office/powerpoint/2010/main" xmlns="" val="3270197062"/>
       </p:ext>
     </p:extLst>
   </p:cSld>
@@ -6577,7 +6593,7 @@
           <p:cNvPr id="2" name="Title 1">
             <a:extLst>
               <a:ext uri="{FF2B5EF4-FFF2-40B4-BE49-F238E27FC236}">
-                <a16:creationId xmlns:a16="http://schemas.microsoft.com/office/drawing/2014/main" id="{5E5EDC75-B011-40BA-A300-46C9266A3AF7}"/>
+                <a16:creationId xmlns:a16="http://schemas.microsoft.com/office/drawing/2014/main" xmlns="" id="{5E5EDC75-B011-40BA-A300-46C9266A3AF7}"/>
               </a:ext>
             </a:extLst>
           </p:cNvPr>
@@ -6594,9 +6610,10 @@
           <a:lstStyle/>
           <a:p>
             <a:r>
-              <a:rPr lang="en-US" dirty="0"/>
-              <a:t>Practice</a:t>
-            </a:r>
+              <a:rPr lang="en-US" dirty="0" smtClean="0"/>
+              <a:t>HTTP</a:t>
+            </a:r>
+            <a:endParaRPr lang="en-US" dirty="0"/>
           </a:p>
         </p:txBody>
       </p:sp>
@@ -6605,7 +6622,7 @@
           <p:cNvPr id="3" name="Content Placeholder 2">
             <a:extLst>
               <a:ext uri="{FF2B5EF4-FFF2-40B4-BE49-F238E27FC236}">
-                <a16:creationId xmlns:a16="http://schemas.microsoft.com/office/drawing/2014/main" id="{E7CFEE2D-5118-41F3-B723-B6522085D802}"/>
+                <a16:creationId xmlns:a16="http://schemas.microsoft.com/office/drawing/2014/main" xmlns="" id="{E7CFEE2D-5118-41F3-B723-B6522085D802}"/>
               </a:ext>
             </a:extLst>
           </p:cNvPr>
@@ -6622,23 +6639,55 @@
           <a:lstStyle/>
           <a:p>
             <a:r>
-              <a:rPr lang="en-US" dirty="0"/>
-              <a:t>Create a new project</a:t>
-            </a:r>
-          </a:p>
-          <a:p>
-            <a:pPr lvl="1"/>
-            <a:r>
-              <a:rPr lang="en-US" dirty="0"/>
-              <a:t> ng new </a:t>
-            </a:r>
-            <a:r>
-              <a:rPr lang="en-US" dirty="0" err="1"/>
-              <a:t>insurance_app</a:t>
-            </a:r>
-            <a:endParaRPr lang="en-US" dirty="0"/>
-          </a:p>
-          <a:p>
+              <a:rPr lang="en-US" dirty="0" smtClean="0"/>
+              <a:t>T</a:t>
+            </a:r>
+            <a:r>
+              <a:rPr lang="en-US" dirty="0" smtClean="0"/>
+              <a:t>he</a:t>
+            </a:r>
+            <a:r>
+              <a:rPr lang="en-US" dirty="0" smtClean="0"/>
+              <a:t> </a:t>
+            </a:r>
+            <a:r>
+              <a:rPr lang="en-US" dirty="0" err="1" smtClean="0"/>
+              <a:t>HttpClient</a:t>
+            </a:r>
+            <a:r>
+              <a:rPr lang="en-US" dirty="0" smtClean="0"/>
+              <a:t> is a separate model in Angular and is available under the @angular/common/http package</a:t>
+            </a:r>
+            <a:r>
+              <a:rPr lang="en-US" dirty="0" smtClean="0"/>
+              <a:t>.</a:t>
+            </a:r>
+          </a:p>
+          <a:p>
+            <a:r>
+              <a:rPr lang="en-US" dirty="0" err="1" smtClean="0"/>
+              <a:t>HttpClient.Get</a:t>
+            </a:r>
+            <a:r>
+              <a:rPr lang="en-US" dirty="0" smtClean="0"/>
+              <a:t> method </a:t>
+            </a:r>
+            <a:r>
+              <a:rPr lang="en-US" dirty="0" smtClean="0"/>
+              <a:t>will be used to </a:t>
+            </a:r>
+            <a:r>
+              <a:rPr lang="en-US" dirty="0" smtClean="0"/>
+              <a:t>send an </a:t>
+            </a:r>
+            <a:r>
+              <a:rPr lang="en-US" dirty="0" smtClean="0"/>
+              <a:t>HTTP Request </a:t>
+            </a:r>
+            <a:r>
+              <a:rPr lang="en-US" dirty="0" smtClean="0"/>
+              <a:t>and Subscribe to the response Asynchronously.</a:t>
+            </a:r>
             <a:endParaRPr lang="en-US" dirty="0"/>
           </a:p>
         </p:txBody>
@@ -6646,9 +6695,836 @@
     </p:spTree>
     <p:extLst>
       <p:ext uri="{BB962C8B-B14F-4D97-AF65-F5344CB8AC3E}">
-        <p14:creationId xmlns:p14="http://schemas.microsoft.com/office/powerpoint/2010/main" val="842297007"/>
+        <p14:creationId xmlns:p14="http://schemas.microsoft.com/office/powerpoint/2010/main" xmlns="" val="842297007"/>
       </p:ext>
     </p:extLst>
+  </p:cSld>
+  <p:clrMapOvr>
+    <a:masterClrMapping/>
+  </p:clrMapOvr>
+</p:sld>
+</file>
+
+<file path=ppt/slides/slide113.xml><?xml version="1.0" encoding="utf-8"?>
+<p:sld xmlns:a="http://schemas.openxmlformats.org/drawingml/2006/main" xmlns:r="http://schemas.openxmlformats.org/officeDocument/2006/relationships" xmlns:p="http://schemas.openxmlformats.org/presentationml/2006/main">
+  <p:cSld>
+    <p:spTree>
+      <p:nvGrpSpPr>
+        <p:cNvPr id="1" name=""/>
+        <p:cNvGrpSpPr/>
+        <p:nvPr/>
+      </p:nvGrpSpPr>
+      <p:grpSpPr>
+        <a:xfrm>
+          <a:off x="0" y="0"/>
+          <a:ext cx="0" cy="0"/>
+          <a:chOff x="0" y="0"/>
+          <a:chExt cx="0" cy="0"/>
+        </a:xfrm>
+      </p:grpSpPr>
+      <p:sp>
+        <p:nvSpPr>
+          <p:cNvPr id="2" name="Title 1">
+            <a:extLst>
+              <a:ext uri="{FF2B5EF4-FFF2-40B4-BE49-F238E27FC236}">
+                <a16:creationId xmlns:a16="http://schemas.microsoft.com/office/drawing/2014/main" xmlns="" id="{5E5EDC75-B011-40BA-A300-46C9266A3AF7}"/>
+              </a:ext>
+            </a:extLst>
+          </p:cNvPr>
+          <p:cNvSpPr>
+            <a:spLocks noGrp="1"/>
+          </p:cNvSpPr>
+          <p:nvPr>
+            <p:ph type="title"/>
+          </p:nvPr>
+        </p:nvSpPr>
+        <p:spPr/>
+        <p:txBody>
+          <a:bodyPr>
+            <a:normAutofit/>
+          </a:bodyPr>
+          <a:lstStyle/>
+          <a:p>
+            <a:r>
+              <a:rPr lang="en-US" dirty="0" smtClean="0"/>
+              <a:t>Installing</a:t>
+            </a:r>
+            <a:r>
+              <a:rPr lang="en-US" b="1" dirty="0" smtClean="0"/>
+              <a:t> </a:t>
+            </a:r>
+            <a:r>
+              <a:rPr lang="en-US" dirty="0" smtClean="0"/>
+              <a:t>the new HTTP module</a:t>
+            </a:r>
+            <a:endParaRPr lang="en-US" dirty="0"/>
+          </a:p>
+        </p:txBody>
+      </p:sp>
+      <p:sp>
+        <p:nvSpPr>
+          <p:cNvPr id="3" name="Content Placeholder 2">
+            <a:extLst>
+              <a:ext uri="{FF2B5EF4-FFF2-40B4-BE49-F238E27FC236}">
+                <a16:creationId xmlns:a16="http://schemas.microsoft.com/office/drawing/2014/main" xmlns="" id="{E7CFEE2D-5118-41F3-B723-B6522085D802}"/>
+              </a:ext>
+            </a:extLst>
+          </p:cNvPr>
+          <p:cNvSpPr>
+            <a:spLocks noGrp="1"/>
+          </p:cNvSpPr>
+          <p:nvPr>
+            <p:ph idx="1"/>
+          </p:nvPr>
+        </p:nvSpPr>
+        <p:spPr/>
+        <p:txBody>
+          <a:bodyPr/>
+          <a:lstStyle/>
+          <a:p>
+            <a:r>
+              <a:rPr lang="en-US" dirty="0" smtClean="0"/>
+              <a:t>In order to install the HTTP module, we need to import it in our root module </a:t>
+            </a:r>
+            <a:r>
+              <a:rPr lang="en-US" dirty="0" err="1" smtClean="0"/>
+              <a:t>HttpClientModule</a:t>
+            </a:r>
+            <a:endParaRPr lang="en-US" dirty="0"/>
+          </a:p>
+        </p:txBody>
+      </p:sp>
+      <p:pic>
+        <p:nvPicPr>
+          <p:cNvPr id="1027" name="Picture 3"/>
+          <p:cNvPicPr>
+            <a:picLocks noChangeAspect="1" noChangeArrowheads="1"/>
+          </p:cNvPicPr>
+          <p:nvPr/>
+        </p:nvPicPr>
+        <p:blipFill>
+          <a:blip r:embed="rId2"/>
+          <a:srcRect/>
+          <a:stretch>
+            <a:fillRect/>
+          </a:stretch>
+        </p:blipFill>
+        <p:spPr bwMode="auto">
+          <a:xfrm>
+            <a:off x="1905000" y="3126129"/>
+            <a:ext cx="4038600" cy="3731871"/>
+          </a:xfrm>
+          <a:prstGeom prst="rect">
+            <a:avLst/>
+          </a:prstGeom>
+          <a:noFill/>
+          <a:ln w="9525">
+            <a:noFill/>
+            <a:miter lim="800000"/>
+            <a:headEnd/>
+            <a:tailEnd/>
+          </a:ln>
+          <a:effectLst/>
+        </p:spPr>
+      </p:pic>
+    </p:spTree>
+    <p:extLst>
+      <p:ext uri="{BB962C8B-B14F-4D97-AF65-F5344CB8AC3E}">
+        <p14:creationId xmlns:p14="http://schemas.microsoft.com/office/powerpoint/2010/main" xmlns="" val="842297007"/>
+      </p:ext>
+    </p:extLst>
+  </p:cSld>
+  <p:clrMapOvr>
+    <a:masterClrMapping/>
+  </p:clrMapOvr>
+</p:sld>
+</file>
+
+<file path=ppt/slides/slide114.xml><?xml version="1.0" encoding="utf-8"?>
+<p:sld xmlns:a="http://schemas.openxmlformats.org/drawingml/2006/main" xmlns:r="http://schemas.openxmlformats.org/officeDocument/2006/relationships" xmlns:p="http://schemas.openxmlformats.org/presentationml/2006/main">
+  <p:cSld>
+    <p:spTree>
+      <p:nvGrpSpPr>
+        <p:cNvPr id="1" name=""/>
+        <p:cNvGrpSpPr/>
+        <p:nvPr/>
+      </p:nvGrpSpPr>
+      <p:grpSpPr>
+        <a:xfrm>
+          <a:off x="0" y="0"/>
+          <a:ext cx="0" cy="0"/>
+          <a:chOff x="0" y="0"/>
+          <a:chExt cx="0" cy="0"/>
+        </a:xfrm>
+      </p:grpSpPr>
+      <p:sp>
+        <p:nvSpPr>
+          <p:cNvPr id="2" name="Title 1">
+            <a:extLst>
+              <a:ext uri="{FF2B5EF4-FFF2-40B4-BE49-F238E27FC236}">
+                <a16:creationId xmlns:a16="http://schemas.microsoft.com/office/drawing/2014/main" xmlns="" id="{5E5EDC75-B011-40BA-A300-46C9266A3AF7}"/>
+              </a:ext>
+            </a:extLst>
+          </p:cNvPr>
+          <p:cNvSpPr>
+            <a:spLocks noGrp="1"/>
+          </p:cNvSpPr>
+          <p:nvPr>
+            <p:ph type="title"/>
+          </p:nvPr>
+        </p:nvSpPr>
+        <p:spPr/>
+        <p:txBody>
+          <a:bodyPr>
+            <a:normAutofit/>
+          </a:bodyPr>
+          <a:lstStyle/>
+          <a:p>
+            <a:r>
+              <a:rPr lang="en-US" dirty="0" smtClean="0"/>
+              <a:t>Example of an HTTP GET</a:t>
+            </a:r>
+            <a:endParaRPr lang="en-US" dirty="0"/>
+          </a:p>
+        </p:txBody>
+      </p:sp>
+      <p:sp>
+        <p:nvSpPr>
+          <p:cNvPr id="3" name="Content Placeholder 2">
+            <a:extLst>
+              <a:ext uri="{FF2B5EF4-FFF2-40B4-BE49-F238E27FC236}">
+                <a16:creationId xmlns:a16="http://schemas.microsoft.com/office/drawing/2014/main" xmlns="" id="{E7CFEE2D-5118-41F3-B723-B6522085D802}"/>
+              </a:ext>
+            </a:extLst>
+          </p:cNvPr>
+          <p:cNvSpPr>
+            <a:spLocks noGrp="1"/>
+          </p:cNvSpPr>
+          <p:nvPr>
+            <p:ph idx="1"/>
+          </p:nvPr>
+        </p:nvSpPr>
+        <p:spPr/>
+        <p:txBody>
+          <a:bodyPr/>
+          <a:lstStyle/>
+          <a:p>
+            <a:endParaRPr lang="en-US" dirty="0"/>
+          </a:p>
+        </p:txBody>
+      </p:sp>
+      <p:pic>
+        <p:nvPicPr>
+          <p:cNvPr id="2050" name="Picture 2"/>
+          <p:cNvPicPr>
+            <a:picLocks noChangeAspect="1" noChangeArrowheads="1"/>
+          </p:cNvPicPr>
+          <p:nvPr/>
+        </p:nvPicPr>
+        <p:blipFill>
+          <a:blip r:embed="rId2"/>
+          <a:srcRect/>
+          <a:stretch>
+            <a:fillRect/>
+          </a:stretch>
+        </p:blipFill>
+        <p:spPr bwMode="auto">
+          <a:xfrm>
+            <a:off x="1905000" y="1905000"/>
+            <a:ext cx="4591050" cy="4953000"/>
+          </a:xfrm>
+          <a:prstGeom prst="rect">
+            <a:avLst/>
+          </a:prstGeom>
+          <a:noFill/>
+          <a:ln w="9525">
+            <a:noFill/>
+            <a:miter lim="800000"/>
+            <a:headEnd/>
+            <a:tailEnd/>
+          </a:ln>
+          <a:effectLst/>
+        </p:spPr>
+      </p:pic>
+    </p:spTree>
+    <p:extLst>
+      <p:ext uri="{BB962C8B-B14F-4D97-AF65-F5344CB8AC3E}">
+        <p14:creationId xmlns:p14="http://schemas.microsoft.com/office/powerpoint/2010/main" xmlns="" val="842297007"/>
+      </p:ext>
+    </p:extLst>
+  </p:cSld>
+  <p:clrMapOvr>
+    <a:masterClrMapping/>
+  </p:clrMapOvr>
+</p:sld>
+</file>
+
+<file path=ppt/slides/slide115.xml><?xml version="1.0" encoding="utf-8"?>
+<p:sld xmlns:a="http://schemas.openxmlformats.org/drawingml/2006/main" xmlns:r="http://schemas.openxmlformats.org/officeDocument/2006/relationships" xmlns:p="http://schemas.openxmlformats.org/presentationml/2006/main">
+  <p:cSld>
+    <p:spTree>
+      <p:nvGrpSpPr>
+        <p:cNvPr id="1" name=""/>
+        <p:cNvGrpSpPr/>
+        <p:nvPr/>
+      </p:nvGrpSpPr>
+      <p:grpSpPr>
+        <a:xfrm>
+          <a:off x="0" y="0"/>
+          <a:ext cx="0" cy="0"/>
+          <a:chOff x="0" y="0"/>
+          <a:chExt cx="0" cy="0"/>
+        </a:xfrm>
+      </p:grpSpPr>
+      <p:sp>
+        <p:nvSpPr>
+          <p:cNvPr id="2" name="Title 1">
+            <a:extLst>
+              <a:ext uri="{FF2B5EF4-FFF2-40B4-BE49-F238E27FC236}">
+                <a16:creationId xmlns:a16="http://schemas.microsoft.com/office/drawing/2014/main" xmlns="" id="{5E5EDC75-B011-40BA-A300-46C9266A3AF7}"/>
+              </a:ext>
+            </a:extLst>
+          </p:cNvPr>
+          <p:cNvSpPr>
+            <a:spLocks noGrp="1"/>
+          </p:cNvSpPr>
+          <p:nvPr>
+            <p:ph type="title"/>
+          </p:nvPr>
+        </p:nvSpPr>
+        <p:spPr/>
+        <p:txBody>
+          <a:bodyPr>
+            <a:normAutofit/>
+          </a:bodyPr>
+          <a:lstStyle/>
+          <a:p>
+            <a:r>
+              <a:rPr lang="en-US" dirty="0" smtClean="0"/>
+              <a:t>Example of an HTTP GET</a:t>
+            </a:r>
+            <a:endParaRPr lang="en-US" dirty="0"/>
+          </a:p>
+        </p:txBody>
+      </p:sp>
+      <p:sp>
+        <p:nvSpPr>
+          <p:cNvPr id="3" name="Content Placeholder 2">
+            <a:extLst>
+              <a:ext uri="{FF2B5EF4-FFF2-40B4-BE49-F238E27FC236}">
+                <a16:creationId xmlns:a16="http://schemas.microsoft.com/office/drawing/2014/main" xmlns="" id="{E7CFEE2D-5118-41F3-B723-B6522085D802}"/>
+              </a:ext>
+            </a:extLst>
+          </p:cNvPr>
+          <p:cNvSpPr>
+            <a:spLocks noGrp="1"/>
+          </p:cNvSpPr>
+          <p:nvPr>
+            <p:ph idx="1"/>
+          </p:nvPr>
+        </p:nvSpPr>
+        <p:spPr/>
+        <p:txBody>
+          <a:bodyPr/>
+          <a:lstStyle/>
+          <a:p>
+            <a:endParaRPr lang="en-US" dirty="0"/>
+          </a:p>
+        </p:txBody>
+      </p:sp>
+      <p:pic>
+        <p:nvPicPr>
+          <p:cNvPr id="3074" name="Picture 2"/>
+          <p:cNvPicPr>
+            <a:picLocks noChangeAspect="1" noChangeArrowheads="1"/>
+          </p:cNvPicPr>
+          <p:nvPr/>
+        </p:nvPicPr>
+        <p:blipFill>
+          <a:blip r:embed="rId2"/>
+          <a:srcRect/>
+          <a:stretch>
+            <a:fillRect/>
+          </a:stretch>
+        </p:blipFill>
+        <p:spPr bwMode="auto">
+          <a:xfrm>
+            <a:off x="1524000" y="2286000"/>
+            <a:ext cx="4953000" cy="4027439"/>
+          </a:xfrm>
+          <a:prstGeom prst="rect">
+            <a:avLst/>
+          </a:prstGeom>
+          <a:noFill/>
+          <a:ln w="9525">
+            <a:noFill/>
+            <a:miter lim="800000"/>
+            <a:headEnd/>
+            <a:tailEnd/>
+          </a:ln>
+          <a:effectLst/>
+        </p:spPr>
+      </p:pic>
+    </p:spTree>
+    <p:extLst>
+      <p:ext uri="{BB962C8B-B14F-4D97-AF65-F5344CB8AC3E}">
+        <p14:creationId xmlns:p14="http://schemas.microsoft.com/office/powerpoint/2010/main" xmlns="" val="842297007"/>
+      </p:ext>
+    </p:extLst>
+  </p:cSld>
+  <p:clrMapOvr>
+    <a:masterClrMapping/>
+  </p:clrMapOvr>
+</p:sld>
+</file>
+
+<file path=ppt/slides/slide116.xml><?xml version="1.0" encoding="utf-8"?>
+<p:sld xmlns:a="http://schemas.openxmlformats.org/drawingml/2006/main" xmlns:r="http://schemas.openxmlformats.org/officeDocument/2006/relationships" xmlns:p="http://schemas.openxmlformats.org/presentationml/2006/main">
+  <p:cSld>
+    <p:spTree>
+      <p:nvGrpSpPr>
+        <p:cNvPr id="1" name=""/>
+        <p:cNvGrpSpPr/>
+        <p:nvPr/>
+      </p:nvGrpSpPr>
+      <p:grpSpPr>
+        <a:xfrm>
+          <a:off x="0" y="0"/>
+          <a:ext cx="0" cy="0"/>
+          <a:chOff x="0" y="0"/>
+          <a:chExt cx="0" cy="0"/>
+        </a:xfrm>
+      </p:grpSpPr>
+      <p:sp>
+        <p:nvSpPr>
+          <p:cNvPr id="2" name="Title 1">
+            <a:extLst>
+              <a:ext uri="{FF2B5EF4-FFF2-40B4-BE49-F238E27FC236}">
+                <a16:creationId xmlns:a16="http://schemas.microsoft.com/office/drawing/2014/main" xmlns="" id="{5E5EDC75-B011-40BA-A300-46C9266A3AF7}"/>
+              </a:ext>
+            </a:extLst>
+          </p:cNvPr>
+          <p:cNvSpPr>
+            <a:spLocks noGrp="1"/>
+          </p:cNvSpPr>
+          <p:nvPr>
+            <p:ph type="title"/>
+          </p:nvPr>
+        </p:nvSpPr>
+        <p:spPr/>
+        <p:txBody>
+          <a:bodyPr>
+            <a:normAutofit/>
+          </a:bodyPr>
+          <a:lstStyle/>
+          <a:p>
+            <a:r>
+              <a:rPr lang="en-US" dirty="0" smtClean="0"/>
+              <a:t>HTTP Request </a:t>
+            </a:r>
+            <a:r>
+              <a:rPr lang="en-US" dirty="0" smtClean="0"/>
+              <a:t>Parameters</a:t>
+            </a:r>
+            <a:endParaRPr lang="en-US" dirty="0"/>
+          </a:p>
+        </p:txBody>
+      </p:sp>
+      <p:sp>
+        <p:nvSpPr>
+          <p:cNvPr id="3" name="Content Placeholder 2">
+            <a:extLst>
+              <a:ext uri="{FF2B5EF4-FFF2-40B4-BE49-F238E27FC236}">
+                <a16:creationId xmlns:a16="http://schemas.microsoft.com/office/drawing/2014/main" xmlns="" id="{E7CFEE2D-5118-41F3-B723-B6522085D802}"/>
+              </a:ext>
+            </a:extLst>
+          </p:cNvPr>
+          <p:cNvSpPr>
+            <a:spLocks noGrp="1"/>
+          </p:cNvSpPr>
+          <p:nvPr>
+            <p:ph idx="1"/>
+          </p:nvPr>
+        </p:nvSpPr>
+        <p:spPr/>
+        <p:txBody>
+          <a:bodyPr/>
+          <a:lstStyle/>
+          <a:p>
+            <a:endParaRPr lang="en-US" dirty="0"/>
+          </a:p>
+        </p:txBody>
+      </p:sp>
+      <p:pic>
+        <p:nvPicPr>
+          <p:cNvPr id="4098" name="Picture 2"/>
+          <p:cNvPicPr>
+            <a:picLocks noChangeAspect="1" noChangeArrowheads="1"/>
+          </p:cNvPicPr>
+          <p:nvPr/>
+        </p:nvPicPr>
+        <p:blipFill>
+          <a:blip r:embed="rId2"/>
+          <a:srcRect/>
+          <a:stretch>
+            <a:fillRect/>
+          </a:stretch>
+        </p:blipFill>
+        <p:spPr bwMode="auto">
+          <a:xfrm>
+            <a:off x="1447800" y="2362200"/>
+            <a:ext cx="5562600" cy="3912676"/>
+          </a:xfrm>
+          <a:prstGeom prst="rect">
+            <a:avLst/>
+          </a:prstGeom>
+          <a:noFill/>
+          <a:ln w="9525">
+            <a:noFill/>
+            <a:miter lim="800000"/>
+            <a:headEnd/>
+            <a:tailEnd/>
+          </a:ln>
+          <a:effectLst/>
+        </p:spPr>
+      </p:pic>
+    </p:spTree>
+    <p:extLst>
+      <p:ext uri="{BB962C8B-B14F-4D97-AF65-F5344CB8AC3E}">
+        <p14:creationId xmlns:p14="http://schemas.microsoft.com/office/powerpoint/2010/main" xmlns="" val="842297007"/>
+      </p:ext>
+    </p:extLst>
+  </p:cSld>
+  <p:clrMapOvr>
+    <a:masterClrMapping/>
+  </p:clrMapOvr>
+</p:sld>
+</file>
+
+<file path=ppt/slides/slide117.xml><?xml version="1.0" encoding="utf-8"?>
+<p:sld xmlns:a="http://schemas.openxmlformats.org/drawingml/2006/main" xmlns:r="http://schemas.openxmlformats.org/officeDocument/2006/relationships" xmlns:p="http://schemas.openxmlformats.org/presentationml/2006/main">
+  <p:cSld>
+    <p:spTree>
+      <p:nvGrpSpPr>
+        <p:cNvPr id="1" name=""/>
+        <p:cNvGrpSpPr/>
+        <p:nvPr/>
+      </p:nvGrpSpPr>
+      <p:grpSpPr>
+        <a:xfrm>
+          <a:off x="0" y="0"/>
+          <a:ext cx="0" cy="0"/>
+          <a:chOff x="0" y="0"/>
+          <a:chExt cx="0" cy="0"/>
+        </a:xfrm>
+      </p:grpSpPr>
+      <p:sp>
+        <p:nvSpPr>
+          <p:cNvPr id="2" name="Title 1">
+            <a:extLst>
+              <a:ext uri="{FF2B5EF4-FFF2-40B4-BE49-F238E27FC236}">
+                <a16:creationId xmlns:a16="http://schemas.microsoft.com/office/drawing/2014/main" xmlns="" id="{5E5EDC75-B011-40BA-A300-46C9266A3AF7}"/>
+              </a:ext>
+            </a:extLst>
+          </p:cNvPr>
+          <p:cNvSpPr>
+            <a:spLocks noGrp="1"/>
+          </p:cNvSpPr>
+          <p:nvPr>
+            <p:ph type="title"/>
+          </p:nvPr>
+        </p:nvSpPr>
+        <p:spPr/>
+        <p:txBody>
+          <a:bodyPr>
+            <a:normAutofit/>
+          </a:bodyPr>
+          <a:lstStyle/>
+          <a:p>
+            <a:r>
+              <a:rPr lang="en-US" dirty="0" smtClean="0"/>
+              <a:t>HTTP Headers</a:t>
+            </a:r>
+            <a:endParaRPr lang="en-US" dirty="0"/>
+          </a:p>
+        </p:txBody>
+      </p:sp>
+      <p:sp>
+        <p:nvSpPr>
+          <p:cNvPr id="3" name="Content Placeholder 2">
+            <a:extLst>
+              <a:ext uri="{FF2B5EF4-FFF2-40B4-BE49-F238E27FC236}">
+                <a16:creationId xmlns:a16="http://schemas.microsoft.com/office/drawing/2014/main" xmlns="" id="{E7CFEE2D-5118-41F3-B723-B6522085D802}"/>
+              </a:ext>
+            </a:extLst>
+          </p:cNvPr>
+          <p:cNvSpPr>
+            <a:spLocks noGrp="1"/>
+          </p:cNvSpPr>
+          <p:nvPr>
+            <p:ph idx="1"/>
+          </p:nvPr>
+        </p:nvSpPr>
+        <p:spPr/>
+        <p:txBody>
+          <a:bodyPr/>
+          <a:lstStyle/>
+          <a:p>
+            <a:endParaRPr lang="en-US" dirty="0"/>
+          </a:p>
+        </p:txBody>
+      </p:sp>
+      <p:pic>
+        <p:nvPicPr>
+          <p:cNvPr id="5122" name="Picture 2"/>
+          <p:cNvPicPr>
+            <a:picLocks noChangeAspect="1" noChangeArrowheads="1"/>
+          </p:cNvPicPr>
+          <p:nvPr/>
+        </p:nvPicPr>
+        <p:blipFill>
+          <a:blip r:embed="rId2"/>
+          <a:srcRect/>
+          <a:stretch>
+            <a:fillRect/>
+          </a:stretch>
+        </p:blipFill>
+        <p:spPr bwMode="auto">
+          <a:xfrm>
+            <a:off x="1524000" y="2438400"/>
+            <a:ext cx="6340694" cy="3429000"/>
+          </a:xfrm>
+          <a:prstGeom prst="rect">
+            <a:avLst/>
+          </a:prstGeom>
+          <a:noFill/>
+          <a:ln w="9525">
+            <a:noFill/>
+            <a:miter lim="800000"/>
+            <a:headEnd/>
+            <a:tailEnd/>
+          </a:ln>
+          <a:effectLst/>
+        </p:spPr>
+      </p:pic>
+    </p:spTree>
+    <p:extLst>
+      <p:ext uri="{BB962C8B-B14F-4D97-AF65-F5344CB8AC3E}">
+        <p14:creationId xmlns:p14="http://schemas.microsoft.com/office/powerpoint/2010/main" xmlns="" val="842297007"/>
+      </p:ext>
+    </p:extLst>
+  </p:cSld>
+  <p:clrMapOvr>
+    <a:masterClrMapping/>
+  </p:clrMapOvr>
+</p:sld>
+</file>
+
+<file path=ppt/slides/slide118.xml><?xml version="1.0" encoding="utf-8"?>
+<p:sld xmlns:a="http://schemas.openxmlformats.org/drawingml/2006/main" xmlns:r="http://schemas.openxmlformats.org/officeDocument/2006/relationships" xmlns:p="http://schemas.openxmlformats.org/presentationml/2006/main">
+  <p:cSld>
+    <p:spTree>
+      <p:nvGrpSpPr>
+        <p:cNvPr id="1" name=""/>
+        <p:cNvGrpSpPr/>
+        <p:nvPr/>
+      </p:nvGrpSpPr>
+      <p:grpSpPr>
+        <a:xfrm>
+          <a:off x="0" y="0"/>
+          <a:ext cx="0" cy="0"/>
+          <a:chOff x="0" y="0"/>
+          <a:chExt cx="0" cy="0"/>
+        </a:xfrm>
+      </p:grpSpPr>
+      <p:sp>
+        <p:nvSpPr>
+          <p:cNvPr id="2" name="Title 1"/>
+          <p:cNvSpPr>
+            <a:spLocks noGrp="1"/>
+          </p:cNvSpPr>
+          <p:nvPr>
+            <p:ph type="title"/>
+          </p:nvPr>
+        </p:nvSpPr>
+        <p:spPr/>
+        <p:txBody>
+          <a:bodyPr>
+            <a:normAutofit/>
+          </a:bodyPr>
+          <a:lstStyle/>
+          <a:p>
+            <a:r>
+              <a:rPr lang="en-US" dirty="0" smtClean="0"/>
+              <a:t>HTTP </a:t>
+            </a:r>
+            <a:r>
+              <a:rPr lang="en-US" dirty="0" smtClean="0"/>
+              <a:t>PUT</a:t>
+            </a:r>
+            <a:endParaRPr lang="en-US" dirty="0"/>
+          </a:p>
+        </p:txBody>
+      </p:sp>
+      <p:sp>
+        <p:nvSpPr>
+          <p:cNvPr id="3" name="Content Placeholder 2"/>
+          <p:cNvSpPr>
+            <a:spLocks noGrp="1"/>
+          </p:cNvSpPr>
+          <p:nvPr>
+            <p:ph idx="1"/>
+          </p:nvPr>
+        </p:nvSpPr>
+        <p:spPr/>
+        <p:txBody>
+          <a:bodyPr/>
+          <a:lstStyle/>
+          <a:p>
+            <a:endParaRPr lang="en-US"/>
+          </a:p>
+        </p:txBody>
+      </p:sp>
+      <p:pic>
+        <p:nvPicPr>
+          <p:cNvPr id="6146" name="Picture 2"/>
+          <p:cNvPicPr>
+            <a:picLocks noChangeAspect="1" noChangeArrowheads="1"/>
+          </p:cNvPicPr>
+          <p:nvPr/>
+        </p:nvPicPr>
+        <p:blipFill>
+          <a:blip r:embed="rId2"/>
+          <a:srcRect/>
+          <a:stretch>
+            <a:fillRect/>
+          </a:stretch>
+        </p:blipFill>
+        <p:spPr bwMode="auto">
+          <a:xfrm>
+            <a:off x="3505200" y="609600"/>
+            <a:ext cx="5200650" cy="6067425"/>
+          </a:xfrm>
+          <a:prstGeom prst="rect">
+            <a:avLst/>
+          </a:prstGeom>
+          <a:noFill/>
+          <a:ln w="9525">
+            <a:noFill/>
+            <a:miter lim="800000"/>
+            <a:headEnd/>
+            <a:tailEnd/>
+          </a:ln>
+          <a:effectLst/>
+        </p:spPr>
+      </p:pic>
+    </p:spTree>
+  </p:cSld>
+  <p:clrMapOvr>
+    <a:masterClrMapping/>
+  </p:clrMapOvr>
+</p:sld>
+</file>
+
+<file path=ppt/slides/slide119.xml><?xml version="1.0" encoding="utf-8"?>
+<p:sld xmlns:a="http://schemas.openxmlformats.org/drawingml/2006/main" xmlns:r="http://schemas.openxmlformats.org/officeDocument/2006/relationships" xmlns:p="http://schemas.openxmlformats.org/presentationml/2006/main">
+  <p:cSld>
+    <p:spTree>
+      <p:nvGrpSpPr>
+        <p:cNvPr id="1" name=""/>
+        <p:cNvGrpSpPr/>
+        <p:nvPr/>
+      </p:nvGrpSpPr>
+      <p:grpSpPr>
+        <a:xfrm>
+          <a:off x="0" y="0"/>
+          <a:ext cx="0" cy="0"/>
+          <a:chOff x="0" y="0"/>
+          <a:chExt cx="0" cy="0"/>
+        </a:xfrm>
+      </p:grpSpPr>
+      <p:sp>
+        <p:nvSpPr>
+          <p:cNvPr id="2" name="Title 1"/>
+          <p:cNvSpPr>
+            <a:spLocks noGrp="1"/>
+          </p:cNvSpPr>
+          <p:nvPr>
+            <p:ph type="title"/>
+          </p:nvPr>
+        </p:nvSpPr>
+        <p:spPr/>
+        <p:txBody>
+          <a:bodyPr>
+            <a:normAutofit/>
+          </a:bodyPr>
+          <a:lstStyle/>
+          <a:p>
+            <a:r>
+              <a:rPr lang="en-US" dirty="0" smtClean="0"/>
+              <a:t>HTTP </a:t>
+            </a:r>
+            <a:r>
+              <a:rPr lang="en-US" dirty="0" smtClean="0"/>
+              <a:t>PATCH</a:t>
+            </a:r>
+            <a:endParaRPr lang="en-US" dirty="0"/>
+          </a:p>
+        </p:txBody>
+      </p:sp>
+      <p:sp>
+        <p:nvSpPr>
+          <p:cNvPr id="3" name="Content Placeholder 2"/>
+          <p:cNvSpPr>
+            <a:spLocks noGrp="1"/>
+          </p:cNvSpPr>
+          <p:nvPr>
+            <p:ph idx="1"/>
+          </p:nvPr>
+        </p:nvSpPr>
+        <p:spPr/>
+        <p:txBody>
+          <a:bodyPr/>
+          <a:lstStyle/>
+          <a:p>
+            <a:endParaRPr lang="en-US" dirty="0"/>
+          </a:p>
+        </p:txBody>
+      </p:sp>
+      <p:pic>
+        <p:nvPicPr>
+          <p:cNvPr id="7170" name="Picture 2"/>
+          <p:cNvPicPr>
+            <a:picLocks noChangeAspect="1" noChangeArrowheads="1"/>
+          </p:cNvPicPr>
+          <p:nvPr/>
+        </p:nvPicPr>
+        <p:blipFill>
+          <a:blip r:embed="rId2"/>
+          <a:srcRect/>
+          <a:stretch>
+            <a:fillRect/>
+          </a:stretch>
+        </p:blipFill>
+        <p:spPr bwMode="auto">
+          <a:xfrm>
+            <a:off x="1295400" y="1981200"/>
+            <a:ext cx="5638800" cy="4458875"/>
+          </a:xfrm>
+          <a:prstGeom prst="rect">
+            <a:avLst/>
+          </a:prstGeom>
+          <a:noFill/>
+          <a:ln w="9525">
+            <a:noFill/>
+            <a:miter lim="800000"/>
+            <a:headEnd/>
+            <a:tailEnd/>
+          </a:ln>
+          <a:effectLst/>
+        </p:spPr>
+      </p:pic>
+    </p:spTree>
   </p:cSld>
   <p:clrMapOvr>
     <a:masterClrMapping/>
@@ -6737,6 +7613,1041 @@
           </a:ln>
         </p:spPr>
       </p:pic>
+    </p:spTree>
+  </p:cSld>
+  <p:clrMapOvr>
+    <a:masterClrMapping/>
+  </p:clrMapOvr>
+</p:sld>
+</file>
+
+<file path=ppt/slides/slide120.xml><?xml version="1.0" encoding="utf-8"?>
+<p:sld xmlns:a="http://schemas.openxmlformats.org/drawingml/2006/main" xmlns:r="http://schemas.openxmlformats.org/officeDocument/2006/relationships" xmlns:p="http://schemas.openxmlformats.org/presentationml/2006/main">
+  <p:cSld>
+    <p:spTree>
+      <p:nvGrpSpPr>
+        <p:cNvPr id="1" name=""/>
+        <p:cNvGrpSpPr/>
+        <p:nvPr/>
+      </p:nvGrpSpPr>
+      <p:grpSpPr>
+        <a:xfrm>
+          <a:off x="0" y="0"/>
+          <a:ext cx="0" cy="0"/>
+          <a:chOff x="0" y="0"/>
+          <a:chExt cx="0" cy="0"/>
+        </a:xfrm>
+      </p:grpSpPr>
+      <p:sp>
+        <p:nvSpPr>
+          <p:cNvPr id="2" name="Title 1"/>
+          <p:cNvSpPr>
+            <a:spLocks noGrp="1"/>
+          </p:cNvSpPr>
+          <p:nvPr>
+            <p:ph type="title"/>
+          </p:nvPr>
+        </p:nvSpPr>
+        <p:spPr/>
+        <p:txBody>
+          <a:bodyPr>
+            <a:normAutofit/>
+          </a:bodyPr>
+          <a:lstStyle/>
+          <a:p>
+            <a:r>
+              <a:rPr lang="en-US" dirty="0" smtClean="0"/>
+              <a:t>HTTP </a:t>
+            </a:r>
+            <a:r>
+              <a:rPr lang="en-US" dirty="0" smtClean="0"/>
+              <a:t>DELETE</a:t>
+            </a:r>
+            <a:endParaRPr lang="en-US" dirty="0"/>
+          </a:p>
+        </p:txBody>
+      </p:sp>
+      <p:sp>
+        <p:nvSpPr>
+          <p:cNvPr id="3" name="Content Placeholder 2"/>
+          <p:cNvSpPr>
+            <a:spLocks noGrp="1"/>
+          </p:cNvSpPr>
+          <p:nvPr>
+            <p:ph idx="1"/>
+          </p:nvPr>
+        </p:nvSpPr>
+        <p:spPr/>
+        <p:txBody>
+          <a:bodyPr/>
+          <a:lstStyle/>
+          <a:p>
+            <a:endParaRPr lang="en-US" dirty="0"/>
+          </a:p>
+        </p:txBody>
+      </p:sp>
+      <p:pic>
+        <p:nvPicPr>
+          <p:cNvPr id="8194" name="Picture 2"/>
+          <p:cNvPicPr>
+            <a:picLocks noChangeAspect="1" noChangeArrowheads="1"/>
+          </p:cNvPicPr>
+          <p:nvPr/>
+        </p:nvPicPr>
+        <p:blipFill>
+          <a:blip r:embed="rId2"/>
+          <a:srcRect/>
+          <a:stretch>
+            <a:fillRect/>
+          </a:stretch>
+        </p:blipFill>
+        <p:spPr bwMode="auto">
+          <a:xfrm>
+            <a:off x="1066800" y="2133600"/>
+            <a:ext cx="6314628" cy="4191000"/>
+          </a:xfrm>
+          <a:prstGeom prst="rect">
+            <a:avLst/>
+          </a:prstGeom>
+          <a:noFill/>
+          <a:ln w="9525">
+            <a:noFill/>
+            <a:miter lim="800000"/>
+            <a:headEnd/>
+            <a:tailEnd/>
+          </a:ln>
+          <a:effectLst/>
+        </p:spPr>
+      </p:pic>
+    </p:spTree>
+  </p:cSld>
+  <p:clrMapOvr>
+    <a:masterClrMapping/>
+  </p:clrMapOvr>
+</p:sld>
+</file>
+
+<file path=ppt/slides/slide121.xml><?xml version="1.0" encoding="utf-8"?>
+<p:sld xmlns:a="http://schemas.openxmlformats.org/drawingml/2006/main" xmlns:r="http://schemas.openxmlformats.org/officeDocument/2006/relationships" xmlns:p="http://schemas.openxmlformats.org/presentationml/2006/main">
+  <p:cSld>
+    <p:spTree>
+      <p:nvGrpSpPr>
+        <p:cNvPr id="1" name=""/>
+        <p:cNvGrpSpPr/>
+        <p:nvPr/>
+      </p:nvGrpSpPr>
+      <p:grpSpPr>
+        <a:xfrm>
+          <a:off x="0" y="0"/>
+          <a:ext cx="0" cy="0"/>
+          <a:chOff x="0" y="0"/>
+          <a:chExt cx="0" cy="0"/>
+        </a:xfrm>
+      </p:grpSpPr>
+      <p:sp>
+        <p:nvSpPr>
+          <p:cNvPr id="2" name="Title 1"/>
+          <p:cNvSpPr>
+            <a:spLocks noGrp="1"/>
+          </p:cNvSpPr>
+          <p:nvPr>
+            <p:ph type="title"/>
+          </p:nvPr>
+        </p:nvSpPr>
+        <p:spPr/>
+        <p:txBody>
+          <a:bodyPr>
+            <a:normAutofit/>
+          </a:bodyPr>
+          <a:lstStyle/>
+          <a:p>
+            <a:r>
+              <a:rPr lang="en-US" dirty="0" smtClean="0"/>
+              <a:t>HTTP </a:t>
+            </a:r>
+            <a:r>
+              <a:rPr lang="en-US" dirty="0" smtClean="0"/>
+              <a:t>POST</a:t>
+            </a:r>
+            <a:endParaRPr lang="en-US" dirty="0"/>
+          </a:p>
+        </p:txBody>
+      </p:sp>
+      <p:sp>
+        <p:nvSpPr>
+          <p:cNvPr id="3" name="Content Placeholder 2"/>
+          <p:cNvSpPr>
+            <a:spLocks noGrp="1"/>
+          </p:cNvSpPr>
+          <p:nvPr>
+            <p:ph idx="1"/>
+          </p:nvPr>
+        </p:nvSpPr>
+        <p:spPr/>
+        <p:txBody>
+          <a:bodyPr/>
+          <a:lstStyle/>
+          <a:p>
+            <a:endParaRPr lang="en-US"/>
+          </a:p>
+        </p:txBody>
+      </p:sp>
+      <p:pic>
+        <p:nvPicPr>
+          <p:cNvPr id="9218" name="Picture 2"/>
+          <p:cNvPicPr>
+            <a:picLocks noChangeAspect="1" noChangeArrowheads="1"/>
+          </p:cNvPicPr>
+          <p:nvPr/>
+        </p:nvPicPr>
+        <p:blipFill>
+          <a:blip r:embed="rId2"/>
+          <a:srcRect/>
+          <a:stretch>
+            <a:fillRect/>
+          </a:stretch>
+        </p:blipFill>
+        <p:spPr bwMode="auto">
+          <a:xfrm>
+            <a:off x="1143000" y="1905000"/>
+            <a:ext cx="5105400" cy="4966792"/>
+          </a:xfrm>
+          <a:prstGeom prst="rect">
+            <a:avLst/>
+          </a:prstGeom>
+          <a:noFill/>
+          <a:ln w="9525">
+            <a:noFill/>
+            <a:miter lim="800000"/>
+            <a:headEnd/>
+            <a:tailEnd/>
+          </a:ln>
+          <a:effectLst/>
+        </p:spPr>
+      </p:pic>
+    </p:spTree>
+  </p:cSld>
+  <p:clrMapOvr>
+    <a:masterClrMapping/>
+  </p:clrMapOvr>
+</p:sld>
+</file>
+
+<file path=ppt/slides/slide122.xml><?xml version="1.0" encoding="utf-8"?>
+<p:sld xmlns:a="http://schemas.openxmlformats.org/drawingml/2006/main" xmlns:r="http://schemas.openxmlformats.org/officeDocument/2006/relationships" xmlns:p="http://schemas.openxmlformats.org/presentationml/2006/main">
+  <p:cSld>
+    <p:spTree>
+      <p:nvGrpSpPr>
+        <p:cNvPr id="1" name=""/>
+        <p:cNvGrpSpPr/>
+        <p:nvPr/>
+      </p:nvGrpSpPr>
+      <p:grpSpPr>
+        <a:xfrm>
+          <a:off x="0" y="0"/>
+          <a:ext cx="0" cy="0"/>
+          <a:chOff x="0" y="0"/>
+          <a:chExt cx="0" cy="0"/>
+        </a:xfrm>
+      </p:grpSpPr>
+      <p:sp>
+        <p:nvSpPr>
+          <p:cNvPr id="2" name="Title 1"/>
+          <p:cNvSpPr>
+            <a:spLocks noGrp="1"/>
+          </p:cNvSpPr>
+          <p:nvPr>
+            <p:ph type="title"/>
+          </p:nvPr>
+        </p:nvSpPr>
+        <p:spPr/>
+        <p:txBody>
+          <a:bodyPr/>
+          <a:lstStyle/>
+          <a:p>
+            <a:r>
+              <a:rPr lang="en-US" dirty="0" smtClean="0"/>
+              <a:t>Router</a:t>
+            </a:r>
+            <a:endParaRPr lang="en-US" dirty="0"/>
+          </a:p>
+        </p:txBody>
+      </p:sp>
+      <p:sp>
+        <p:nvSpPr>
+          <p:cNvPr id="3" name="Content Placeholder 2"/>
+          <p:cNvSpPr>
+            <a:spLocks noGrp="1"/>
+          </p:cNvSpPr>
+          <p:nvPr>
+            <p:ph idx="1"/>
+          </p:nvPr>
+        </p:nvSpPr>
+        <p:spPr/>
+        <p:txBody>
+          <a:bodyPr>
+            <a:normAutofit fontScale="92500" lnSpcReduction="10000"/>
+          </a:bodyPr>
+          <a:lstStyle/>
+          <a:p>
+            <a:r>
+              <a:rPr lang="en-US" dirty="0" smtClean="0"/>
+              <a:t>The Router module handles the navigation &amp; Routing in </a:t>
+            </a:r>
+            <a:r>
+              <a:rPr lang="en-US" dirty="0" smtClean="0"/>
+              <a:t>Angular</a:t>
+            </a:r>
+          </a:p>
+          <a:p>
+            <a:r>
+              <a:rPr lang="en-US" dirty="0" smtClean="0"/>
+              <a:t>It provides a complete routing library with the possibility to have multiple </a:t>
+            </a:r>
+            <a:r>
+              <a:rPr lang="en-US" b="1" dirty="0" smtClean="0"/>
+              <a:t>router outlets</a:t>
+            </a:r>
+            <a:r>
+              <a:rPr lang="en-US" dirty="0" smtClean="0"/>
+              <a:t>, different </a:t>
+            </a:r>
+            <a:r>
+              <a:rPr lang="en-US" b="1" dirty="0" smtClean="0"/>
+              <a:t>path matching strategies</a:t>
+            </a:r>
+            <a:r>
+              <a:rPr lang="en-US" dirty="0" smtClean="0"/>
+              <a:t>, </a:t>
+            </a:r>
+            <a:r>
+              <a:rPr lang="en-US" b="1" dirty="0" smtClean="0"/>
+              <a:t>easy access to route parameters </a:t>
+            </a:r>
+            <a:r>
+              <a:rPr lang="en-US" dirty="0" smtClean="0"/>
+              <a:t>and </a:t>
+            </a:r>
+            <a:r>
+              <a:rPr lang="en-US" b="1" dirty="0" smtClean="0"/>
+              <a:t>route guards </a:t>
+            </a:r>
+            <a:r>
+              <a:rPr lang="en-US" dirty="0" smtClean="0"/>
+              <a:t>to protect components from unauthorized access</a:t>
+            </a:r>
+            <a:r>
+              <a:rPr lang="en-US" dirty="0" smtClean="0"/>
+              <a:t>.</a:t>
+            </a:r>
+          </a:p>
+          <a:p>
+            <a:r>
+              <a:rPr lang="en-US" dirty="0" smtClean="0"/>
+              <a:t>The Angular router is a core part of the Angular platform. It enables developers to build Single Page Applications with multiple views and allow navigation between these views.</a:t>
+            </a:r>
+            <a:endParaRPr lang="en-US" dirty="0"/>
+          </a:p>
+        </p:txBody>
+      </p:sp>
+    </p:spTree>
+  </p:cSld>
+  <p:clrMapOvr>
+    <a:masterClrMapping/>
+  </p:clrMapOvr>
+</p:sld>
+</file>
+
+<file path=ppt/slides/slide123.xml><?xml version="1.0" encoding="utf-8"?>
+<p:sld xmlns:a="http://schemas.openxmlformats.org/drawingml/2006/main" xmlns:r="http://schemas.openxmlformats.org/officeDocument/2006/relationships" xmlns:p="http://schemas.openxmlformats.org/presentationml/2006/main">
+  <p:cSld>
+    <p:spTree>
+      <p:nvGrpSpPr>
+        <p:cNvPr id="1" name=""/>
+        <p:cNvGrpSpPr/>
+        <p:nvPr/>
+      </p:nvGrpSpPr>
+      <p:grpSpPr>
+        <a:xfrm>
+          <a:off x="0" y="0"/>
+          <a:ext cx="0" cy="0"/>
+          <a:chOff x="0" y="0"/>
+          <a:chExt cx="0" cy="0"/>
+        </a:xfrm>
+      </p:grpSpPr>
+      <p:sp>
+        <p:nvSpPr>
+          <p:cNvPr id="2" name="Title 1"/>
+          <p:cNvSpPr>
+            <a:spLocks noGrp="1"/>
+          </p:cNvSpPr>
+          <p:nvPr>
+            <p:ph type="title"/>
+          </p:nvPr>
+        </p:nvSpPr>
+        <p:spPr/>
+        <p:txBody>
+          <a:bodyPr>
+            <a:normAutofit/>
+          </a:bodyPr>
+          <a:lstStyle/>
+          <a:p>
+            <a:r>
+              <a:rPr lang="en-US" cap="all" dirty="0" smtClean="0"/>
+              <a:t>THE </a:t>
+            </a:r>
+            <a:r>
+              <a:rPr lang="en-US" cap="all" dirty="0" smtClean="0"/>
+              <a:t>ROUTER-OUTLET</a:t>
+            </a:r>
+            <a:endParaRPr lang="en-US" dirty="0"/>
+          </a:p>
+        </p:txBody>
+      </p:sp>
+      <p:sp>
+        <p:nvSpPr>
+          <p:cNvPr id="3" name="Content Placeholder 2"/>
+          <p:cNvSpPr>
+            <a:spLocks noGrp="1"/>
+          </p:cNvSpPr>
+          <p:nvPr>
+            <p:ph idx="1"/>
+          </p:nvPr>
+        </p:nvSpPr>
+        <p:spPr/>
+        <p:txBody>
+          <a:bodyPr/>
+          <a:lstStyle/>
+          <a:p>
+            <a:r>
+              <a:rPr lang="en-US" dirty="0" smtClean="0"/>
+              <a:t>The Router-Outlet is a directive that’s available from the router library where the Router inserts the component that gets matched based on the current browser’s URL. </a:t>
+            </a:r>
+            <a:endParaRPr lang="en-US" dirty="0"/>
+          </a:p>
+        </p:txBody>
+      </p:sp>
+      <p:pic>
+        <p:nvPicPr>
+          <p:cNvPr id="10242" name="Picture 2"/>
+          <p:cNvPicPr>
+            <a:picLocks noChangeAspect="1" noChangeArrowheads="1"/>
+          </p:cNvPicPr>
+          <p:nvPr/>
+        </p:nvPicPr>
+        <p:blipFill>
+          <a:blip r:embed="rId2"/>
+          <a:srcRect/>
+          <a:stretch>
+            <a:fillRect/>
+          </a:stretch>
+        </p:blipFill>
+        <p:spPr bwMode="auto">
+          <a:xfrm>
+            <a:off x="1600200" y="4267200"/>
+            <a:ext cx="6115352" cy="1219200"/>
+          </a:xfrm>
+          <a:prstGeom prst="rect">
+            <a:avLst/>
+          </a:prstGeom>
+          <a:noFill/>
+          <a:ln w="9525">
+            <a:noFill/>
+            <a:miter lim="800000"/>
+            <a:headEnd/>
+            <a:tailEnd/>
+          </a:ln>
+          <a:effectLst/>
+        </p:spPr>
+      </p:pic>
+    </p:spTree>
+  </p:cSld>
+  <p:clrMapOvr>
+    <a:masterClrMapping/>
+  </p:clrMapOvr>
+</p:sld>
+</file>
+
+<file path=ppt/slides/slide124.xml><?xml version="1.0" encoding="utf-8"?>
+<p:sld xmlns:a="http://schemas.openxmlformats.org/drawingml/2006/main" xmlns:r="http://schemas.openxmlformats.org/officeDocument/2006/relationships" xmlns:p="http://schemas.openxmlformats.org/presentationml/2006/main">
+  <p:cSld>
+    <p:spTree>
+      <p:nvGrpSpPr>
+        <p:cNvPr id="1" name=""/>
+        <p:cNvGrpSpPr/>
+        <p:nvPr/>
+      </p:nvGrpSpPr>
+      <p:grpSpPr>
+        <a:xfrm>
+          <a:off x="0" y="0"/>
+          <a:ext cx="0" cy="0"/>
+          <a:chOff x="0" y="0"/>
+          <a:chExt cx="0" cy="0"/>
+        </a:xfrm>
+      </p:grpSpPr>
+      <p:sp>
+        <p:nvSpPr>
+          <p:cNvPr id="2" name="Title 1"/>
+          <p:cNvSpPr>
+            <a:spLocks noGrp="1"/>
+          </p:cNvSpPr>
+          <p:nvPr>
+            <p:ph type="title"/>
+          </p:nvPr>
+        </p:nvSpPr>
+        <p:spPr/>
+        <p:txBody>
+          <a:bodyPr>
+            <a:normAutofit/>
+          </a:bodyPr>
+          <a:lstStyle/>
+          <a:p>
+            <a:r>
+              <a:rPr lang="en-US" cap="all" dirty="0" smtClean="0"/>
+              <a:t>ROUTES AND </a:t>
+            </a:r>
+            <a:r>
+              <a:rPr lang="en-US" cap="all" dirty="0" smtClean="0"/>
+              <a:t>PATHS</a:t>
+            </a:r>
+            <a:endParaRPr lang="en-US" dirty="0"/>
+          </a:p>
+        </p:txBody>
+      </p:sp>
+      <p:sp>
+        <p:nvSpPr>
+          <p:cNvPr id="3" name="Content Placeholder 2"/>
+          <p:cNvSpPr>
+            <a:spLocks noGrp="1"/>
+          </p:cNvSpPr>
+          <p:nvPr>
+            <p:ph idx="1"/>
+          </p:nvPr>
+        </p:nvSpPr>
+        <p:spPr/>
+        <p:txBody>
+          <a:bodyPr/>
+          <a:lstStyle/>
+          <a:p>
+            <a:r>
+              <a:rPr lang="en-US" dirty="0" smtClean="0"/>
+              <a:t>Routes are definitions (objects) comprised from at least a path and a component (or a </a:t>
+            </a:r>
+            <a:r>
+              <a:rPr lang="en-US" dirty="0" err="1" smtClean="0"/>
+              <a:t>redirectTo</a:t>
+            </a:r>
+            <a:r>
+              <a:rPr lang="en-US" dirty="0" smtClean="0"/>
+              <a:t> path) attributes</a:t>
+            </a:r>
+            <a:r>
+              <a:rPr lang="en-US" dirty="0" smtClean="0"/>
+              <a:t>.</a:t>
+            </a:r>
+          </a:p>
+          <a:p>
+            <a:r>
+              <a:rPr lang="en-US" dirty="0" smtClean="0"/>
+              <a:t>The path refers to the part of the URL that determines a unique view that should be displayed, and component refers to the Angular component that needs to be associated with a path.</a:t>
+            </a:r>
+            <a:endParaRPr lang="en-US" dirty="0"/>
+          </a:p>
+        </p:txBody>
+      </p:sp>
+    </p:spTree>
+  </p:cSld>
+  <p:clrMapOvr>
+    <a:masterClrMapping/>
+  </p:clrMapOvr>
+</p:sld>
+</file>
+
+<file path=ppt/slides/slide125.xml><?xml version="1.0" encoding="utf-8"?>
+<p:sld xmlns:a="http://schemas.openxmlformats.org/drawingml/2006/main" xmlns:r="http://schemas.openxmlformats.org/officeDocument/2006/relationships" xmlns:p="http://schemas.openxmlformats.org/presentationml/2006/main">
+  <p:cSld>
+    <p:spTree>
+      <p:nvGrpSpPr>
+        <p:cNvPr id="1" name=""/>
+        <p:cNvGrpSpPr/>
+        <p:nvPr/>
+      </p:nvGrpSpPr>
+      <p:grpSpPr>
+        <a:xfrm>
+          <a:off x="0" y="0"/>
+          <a:ext cx="0" cy="0"/>
+          <a:chOff x="0" y="0"/>
+          <a:chExt cx="0" cy="0"/>
+        </a:xfrm>
+      </p:grpSpPr>
+      <p:sp>
+        <p:nvSpPr>
+          <p:cNvPr id="2" name="Title 1"/>
+          <p:cNvSpPr>
+            <a:spLocks noGrp="1"/>
+          </p:cNvSpPr>
+          <p:nvPr>
+            <p:ph type="title"/>
+          </p:nvPr>
+        </p:nvSpPr>
+        <p:spPr/>
+        <p:txBody>
+          <a:bodyPr>
+            <a:normAutofit/>
+          </a:bodyPr>
+          <a:lstStyle/>
+          <a:p>
+            <a:r>
+              <a:rPr lang="en-US" cap="all" dirty="0" smtClean="0"/>
+              <a:t>ROUTES AND </a:t>
+            </a:r>
+            <a:r>
+              <a:rPr lang="en-US" cap="all" dirty="0" smtClean="0"/>
+              <a:t>PATHS</a:t>
+            </a:r>
+            <a:endParaRPr lang="en-US" dirty="0"/>
+          </a:p>
+        </p:txBody>
+      </p:sp>
+      <p:sp>
+        <p:nvSpPr>
+          <p:cNvPr id="3" name="Content Placeholder 2"/>
+          <p:cNvSpPr>
+            <a:spLocks noGrp="1"/>
+          </p:cNvSpPr>
+          <p:nvPr>
+            <p:ph idx="1"/>
+          </p:nvPr>
+        </p:nvSpPr>
+        <p:spPr/>
+        <p:txBody>
+          <a:bodyPr/>
+          <a:lstStyle/>
+          <a:p>
+            <a:endParaRPr lang="en-US" dirty="0"/>
+          </a:p>
+        </p:txBody>
+      </p:sp>
+      <p:pic>
+        <p:nvPicPr>
+          <p:cNvPr id="11266" name="Picture 2"/>
+          <p:cNvPicPr>
+            <a:picLocks noChangeAspect="1" noChangeArrowheads="1"/>
+          </p:cNvPicPr>
+          <p:nvPr/>
+        </p:nvPicPr>
+        <p:blipFill>
+          <a:blip r:embed="rId2"/>
+          <a:srcRect/>
+          <a:stretch>
+            <a:fillRect/>
+          </a:stretch>
+        </p:blipFill>
+        <p:spPr bwMode="auto">
+          <a:xfrm>
+            <a:off x="1066800" y="2209800"/>
+            <a:ext cx="5867400" cy="4140302"/>
+          </a:xfrm>
+          <a:prstGeom prst="rect">
+            <a:avLst/>
+          </a:prstGeom>
+          <a:noFill/>
+          <a:ln w="9525">
+            <a:noFill/>
+            <a:miter lim="800000"/>
+            <a:headEnd/>
+            <a:tailEnd/>
+          </a:ln>
+          <a:effectLst/>
+        </p:spPr>
+      </p:pic>
+    </p:spTree>
+  </p:cSld>
+  <p:clrMapOvr>
+    <a:masterClrMapping/>
+  </p:clrMapOvr>
+</p:sld>
+</file>
+
+<file path=ppt/slides/slide126.xml><?xml version="1.0" encoding="utf-8"?>
+<p:sld xmlns:a="http://schemas.openxmlformats.org/drawingml/2006/main" xmlns:r="http://schemas.openxmlformats.org/officeDocument/2006/relationships" xmlns:p="http://schemas.openxmlformats.org/presentationml/2006/main">
+  <p:cSld>
+    <p:spTree>
+      <p:nvGrpSpPr>
+        <p:cNvPr id="1" name=""/>
+        <p:cNvGrpSpPr/>
+        <p:nvPr/>
+      </p:nvGrpSpPr>
+      <p:grpSpPr>
+        <a:xfrm>
+          <a:off x="0" y="0"/>
+          <a:ext cx="0" cy="0"/>
+          <a:chOff x="0" y="0"/>
+          <a:chExt cx="0" cy="0"/>
+        </a:xfrm>
+      </p:grpSpPr>
+      <p:sp>
+        <p:nvSpPr>
+          <p:cNvPr id="2" name="Title 1"/>
+          <p:cNvSpPr>
+            <a:spLocks noGrp="1"/>
+          </p:cNvSpPr>
+          <p:nvPr>
+            <p:ph type="title"/>
+          </p:nvPr>
+        </p:nvSpPr>
+        <p:spPr/>
+        <p:txBody>
+          <a:bodyPr>
+            <a:normAutofit/>
+          </a:bodyPr>
+          <a:lstStyle/>
+          <a:p>
+            <a:r>
+              <a:rPr lang="en-US" cap="all" dirty="0" smtClean="0"/>
+              <a:t>ROUTE MATCHING </a:t>
+            </a:r>
+            <a:r>
+              <a:rPr lang="en-US" cap="all" dirty="0" smtClean="0"/>
+              <a:t>STRATEGIES</a:t>
+            </a:r>
+            <a:endParaRPr lang="en-US" dirty="0"/>
+          </a:p>
+        </p:txBody>
+      </p:sp>
+      <p:sp>
+        <p:nvSpPr>
+          <p:cNvPr id="3" name="Content Placeholder 2"/>
+          <p:cNvSpPr>
+            <a:spLocks noGrp="1"/>
+          </p:cNvSpPr>
+          <p:nvPr>
+            <p:ph idx="1"/>
+          </p:nvPr>
+        </p:nvSpPr>
+        <p:spPr/>
+        <p:txBody>
+          <a:bodyPr/>
+          <a:lstStyle/>
+          <a:p>
+            <a:r>
+              <a:rPr lang="en-US" dirty="0" smtClean="0"/>
+              <a:t>There are two matching strategy available in Angular Route</a:t>
+            </a:r>
+          </a:p>
+          <a:p>
+            <a:pPr lvl="1"/>
+            <a:r>
+              <a:rPr lang="en-US" dirty="0" smtClean="0"/>
+              <a:t>Prefix</a:t>
+            </a:r>
+          </a:p>
+          <a:p>
+            <a:pPr lvl="1"/>
+            <a:r>
+              <a:rPr lang="en-US" dirty="0" smtClean="0"/>
+              <a:t>Full</a:t>
+            </a:r>
+          </a:p>
+          <a:p>
+            <a:endParaRPr lang="en-US" dirty="0"/>
+          </a:p>
+        </p:txBody>
+      </p:sp>
+      <p:pic>
+        <p:nvPicPr>
+          <p:cNvPr id="12291" name="Picture 3"/>
+          <p:cNvPicPr>
+            <a:picLocks noChangeAspect="1" noChangeArrowheads="1"/>
+          </p:cNvPicPr>
+          <p:nvPr/>
+        </p:nvPicPr>
+        <p:blipFill>
+          <a:blip r:embed="rId2"/>
+          <a:srcRect/>
+          <a:stretch>
+            <a:fillRect/>
+          </a:stretch>
+        </p:blipFill>
+        <p:spPr bwMode="auto">
+          <a:xfrm>
+            <a:off x="3352800" y="3352800"/>
+            <a:ext cx="4695825" cy="371475"/>
+          </a:xfrm>
+          <a:prstGeom prst="rect">
+            <a:avLst/>
+          </a:prstGeom>
+          <a:noFill/>
+          <a:ln w="9525">
+            <a:noFill/>
+            <a:miter lim="800000"/>
+            <a:headEnd/>
+            <a:tailEnd/>
+          </a:ln>
+          <a:effectLst/>
+        </p:spPr>
+      </p:pic>
+      <p:pic>
+        <p:nvPicPr>
+          <p:cNvPr id="12292" name="Picture 4"/>
+          <p:cNvPicPr>
+            <a:picLocks noChangeAspect="1" noChangeArrowheads="1"/>
+          </p:cNvPicPr>
+          <p:nvPr/>
+        </p:nvPicPr>
+        <p:blipFill>
+          <a:blip r:embed="rId3"/>
+          <a:srcRect/>
+          <a:stretch>
+            <a:fillRect/>
+          </a:stretch>
+        </p:blipFill>
+        <p:spPr bwMode="auto">
+          <a:xfrm>
+            <a:off x="1295400" y="4191000"/>
+            <a:ext cx="6534150" cy="561975"/>
+          </a:xfrm>
+          <a:prstGeom prst="rect">
+            <a:avLst/>
+          </a:prstGeom>
+          <a:noFill/>
+          <a:ln w="9525">
+            <a:noFill/>
+            <a:miter lim="800000"/>
+            <a:headEnd/>
+            <a:tailEnd/>
+          </a:ln>
+          <a:effectLst/>
+        </p:spPr>
+      </p:pic>
+      <p:pic>
+        <p:nvPicPr>
+          <p:cNvPr id="12293" name="Picture 5"/>
+          <p:cNvPicPr>
+            <a:picLocks noChangeAspect="1" noChangeArrowheads="1"/>
+          </p:cNvPicPr>
+          <p:nvPr/>
+        </p:nvPicPr>
+        <p:blipFill>
+          <a:blip r:embed="rId4"/>
+          <a:srcRect/>
+          <a:stretch>
+            <a:fillRect/>
+          </a:stretch>
+        </p:blipFill>
+        <p:spPr bwMode="auto">
+          <a:xfrm>
+            <a:off x="1295400" y="5105400"/>
+            <a:ext cx="6343650" cy="447675"/>
+          </a:xfrm>
+          <a:prstGeom prst="rect">
+            <a:avLst/>
+          </a:prstGeom>
+          <a:noFill/>
+          <a:ln w="9525">
+            <a:noFill/>
+            <a:miter lim="800000"/>
+            <a:headEnd/>
+            <a:tailEnd/>
+          </a:ln>
+          <a:effectLst/>
+        </p:spPr>
+      </p:pic>
+    </p:spTree>
+  </p:cSld>
+  <p:clrMapOvr>
+    <a:masterClrMapping/>
+  </p:clrMapOvr>
+</p:sld>
+</file>
+
+<file path=ppt/slides/slide127.xml><?xml version="1.0" encoding="utf-8"?>
+<p:sld xmlns:a="http://schemas.openxmlformats.org/drawingml/2006/main" xmlns:r="http://schemas.openxmlformats.org/officeDocument/2006/relationships" xmlns:p="http://schemas.openxmlformats.org/presentationml/2006/main">
+  <p:cSld>
+    <p:spTree>
+      <p:nvGrpSpPr>
+        <p:cNvPr id="1" name=""/>
+        <p:cNvGrpSpPr/>
+        <p:nvPr/>
+      </p:nvGrpSpPr>
+      <p:grpSpPr>
+        <a:xfrm>
+          <a:off x="0" y="0"/>
+          <a:ext cx="0" cy="0"/>
+          <a:chOff x="0" y="0"/>
+          <a:chExt cx="0" cy="0"/>
+        </a:xfrm>
+      </p:grpSpPr>
+      <p:sp>
+        <p:nvSpPr>
+          <p:cNvPr id="2" name="Title 1"/>
+          <p:cNvSpPr>
+            <a:spLocks noGrp="1"/>
+          </p:cNvSpPr>
+          <p:nvPr>
+            <p:ph type="title"/>
+          </p:nvPr>
+        </p:nvSpPr>
+        <p:spPr/>
+        <p:txBody>
+          <a:bodyPr>
+            <a:normAutofit/>
+          </a:bodyPr>
+          <a:lstStyle/>
+          <a:p>
+            <a:r>
+              <a:rPr lang="en-US" cap="all" dirty="0" smtClean="0"/>
+              <a:t>ROUTE </a:t>
+            </a:r>
+            <a:r>
+              <a:rPr lang="en-US" cap="all" dirty="0" smtClean="0"/>
+              <a:t>PARAMS</a:t>
+            </a:r>
+            <a:endParaRPr lang="en-US" dirty="0"/>
+          </a:p>
+        </p:txBody>
+      </p:sp>
+      <p:sp>
+        <p:nvSpPr>
+          <p:cNvPr id="3" name="Content Placeholder 2"/>
+          <p:cNvSpPr>
+            <a:spLocks noGrp="1"/>
+          </p:cNvSpPr>
+          <p:nvPr>
+            <p:ph idx="1"/>
+          </p:nvPr>
+        </p:nvSpPr>
+        <p:spPr/>
+        <p:txBody>
+          <a:bodyPr/>
+          <a:lstStyle/>
+          <a:p>
+            <a:r>
+              <a:rPr lang="en-US" dirty="0" smtClean="0"/>
+              <a:t>We </a:t>
+            </a:r>
+            <a:r>
+              <a:rPr lang="en-US" dirty="0" smtClean="0"/>
+              <a:t>can create a route parameter using the </a:t>
+            </a:r>
+            <a:r>
+              <a:rPr lang="en-US" b="1" dirty="0" smtClean="0"/>
+              <a:t>colon</a:t>
+            </a:r>
+            <a:r>
+              <a:rPr lang="en-US" dirty="0" smtClean="0"/>
+              <a:t> syntax.</a:t>
+            </a:r>
+            <a:endParaRPr lang="en-US" dirty="0"/>
+          </a:p>
+        </p:txBody>
+      </p:sp>
+      <p:pic>
+        <p:nvPicPr>
+          <p:cNvPr id="13314" name="Picture 2"/>
+          <p:cNvPicPr>
+            <a:picLocks noChangeAspect="1" noChangeArrowheads="1"/>
+          </p:cNvPicPr>
+          <p:nvPr/>
+        </p:nvPicPr>
+        <p:blipFill>
+          <a:blip r:embed="rId2"/>
+          <a:srcRect/>
+          <a:stretch>
+            <a:fillRect/>
+          </a:stretch>
+        </p:blipFill>
+        <p:spPr bwMode="auto">
+          <a:xfrm>
+            <a:off x="1752600" y="3810000"/>
+            <a:ext cx="5276850" cy="485775"/>
+          </a:xfrm>
+          <a:prstGeom prst="rect">
+            <a:avLst/>
+          </a:prstGeom>
+          <a:noFill/>
+          <a:ln w="9525">
+            <a:noFill/>
+            <a:miter lim="800000"/>
+            <a:headEnd/>
+            <a:tailEnd/>
+          </a:ln>
+          <a:effectLst/>
+        </p:spPr>
+      </p:pic>
+    </p:spTree>
+  </p:cSld>
+  <p:clrMapOvr>
+    <a:masterClrMapping/>
+  </p:clrMapOvr>
+</p:sld>
+</file>
+
+<file path=ppt/slides/slide128.xml><?xml version="1.0" encoding="utf-8"?>
+<p:sld xmlns:a="http://schemas.openxmlformats.org/drawingml/2006/main" xmlns:r="http://schemas.openxmlformats.org/officeDocument/2006/relationships" xmlns:p="http://schemas.openxmlformats.org/presentationml/2006/main">
+  <p:cSld>
+    <p:spTree>
+      <p:nvGrpSpPr>
+        <p:cNvPr id="1" name=""/>
+        <p:cNvGrpSpPr/>
+        <p:nvPr/>
+      </p:nvGrpSpPr>
+      <p:grpSpPr>
+        <a:xfrm>
+          <a:off x="0" y="0"/>
+          <a:ext cx="0" cy="0"/>
+          <a:chOff x="0" y="0"/>
+          <a:chExt cx="0" cy="0"/>
+        </a:xfrm>
+      </p:grpSpPr>
+      <p:sp>
+        <p:nvSpPr>
+          <p:cNvPr id="2" name="Title 1"/>
+          <p:cNvSpPr>
+            <a:spLocks noGrp="1"/>
+          </p:cNvSpPr>
+          <p:nvPr>
+            <p:ph type="title"/>
+          </p:nvPr>
+        </p:nvSpPr>
+        <p:spPr/>
+        <p:txBody>
+          <a:bodyPr>
+            <a:normAutofit/>
+          </a:bodyPr>
+          <a:lstStyle/>
+          <a:p>
+            <a:r>
+              <a:rPr lang="en-US" cap="all" dirty="0" smtClean="0"/>
+              <a:t>ROUTE </a:t>
+            </a:r>
+            <a:r>
+              <a:rPr lang="en-US" cap="all" dirty="0" smtClean="0"/>
+              <a:t>GUARDS</a:t>
+            </a:r>
+            <a:endParaRPr lang="en-US" dirty="0"/>
+          </a:p>
+        </p:txBody>
+      </p:sp>
+      <p:sp>
+        <p:nvSpPr>
+          <p:cNvPr id="3" name="Content Placeholder 2"/>
+          <p:cNvSpPr>
+            <a:spLocks noGrp="1"/>
+          </p:cNvSpPr>
+          <p:nvPr>
+            <p:ph idx="1"/>
+          </p:nvPr>
+        </p:nvSpPr>
+        <p:spPr/>
+        <p:txBody>
+          <a:bodyPr/>
+          <a:lstStyle/>
+          <a:p>
+            <a:endParaRPr lang="en-US"/>
+          </a:p>
+        </p:txBody>
+      </p:sp>
     </p:spTree>
   </p:cSld>
   <p:clrMapOvr>
@@ -7448,6 +9359,10 @@
             <a:pPr>
               <a:buNone/>
             </a:pPr>
+            <a:r>
+              <a:rPr lang="en-US" dirty="0"/>
+              <a:t/>
+            </a:r>
             <a:br>
               <a:rPr lang="en-US" dirty="0"/>
             </a:br>
@@ -8291,6 +10206,10 @@
             <a:pPr>
               <a:buNone/>
             </a:pPr>
+            <a:r>
+              <a:rPr lang="en-US" dirty="0"/>
+              <a:t/>
+            </a:r>
             <a:br>
               <a:rPr lang="en-US" dirty="0"/>
             </a:br>
@@ -11653,6 +13572,10 @@
             <a:r>
               <a:rPr lang="en-US" dirty="0"/>
               <a:t>Introduction to Express….. How to Serve Static Assets</a:t>
+            </a:r>
+            <a:r>
+              <a:rPr lang="en-US" b="1" dirty="0"/>
+              <a:t/>
             </a:r>
             <a:br>
               <a:rPr lang="en-US" b="1" dirty="0"/>
@@ -11897,6 +13820,10 @@
               <a:rPr lang="en-US" dirty="0"/>
               <a:t>Introduction to Express….. How to Serve JSON</a:t>
             </a:r>
+            <a:r>
+              <a:rPr lang="en-US" b="1" dirty="0"/>
+              <a:t/>
+            </a:r>
             <a:br>
               <a:rPr lang="en-US" b="1" dirty="0"/>
             </a:br>
@@ -12001,6 +13928,10 @@
             <a:r>
               <a:rPr lang="en-US" dirty="0"/>
               <a:t>Introduction to Express….. Middleware</a:t>
+            </a:r>
+            <a:r>
+              <a:rPr lang="en-US" b="1" dirty="0"/>
+              <a:t/>
             </a:r>
             <a:br>
               <a:rPr lang="en-US" b="1" dirty="0"/>
@@ -14337,21 +16268,21 @@
                 <a:gridCol w="1312609">
                   <a:extLst>
                     <a:ext uri="{9D8B030D-6E8A-4147-A177-3AD203B41FA5}">
-                      <a16:colId xmlns:a16="http://schemas.microsoft.com/office/drawing/2014/main" val="20000"/>
+                      <a16:colId xmlns:a16="http://schemas.microsoft.com/office/drawing/2014/main" xmlns="" val="20000"/>
                     </a:ext>
                   </a:extLst>
                 </a:gridCol>
                 <a:gridCol w="428104">
                   <a:extLst>
                     <a:ext uri="{9D8B030D-6E8A-4147-A177-3AD203B41FA5}">
-                      <a16:colId xmlns:a16="http://schemas.microsoft.com/office/drawing/2014/main" val="20001"/>
+                      <a16:colId xmlns:a16="http://schemas.microsoft.com/office/drawing/2014/main" xmlns="" val="20001"/>
                     </a:ext>
                   </a:extLst>
                 </a:gridCol>
                 <a:gridCol w="2511235">
                   <a:extLst>
                     <a:ext uri="{9D8B030D-6E8A-4147-A177-3AD203B41FA5}">
-                      <a16:colId xmlns:a16="http://schemas.microsoft.com/office/drawing/2014/main" val="20002"/>
+                      <a16:colId xmlns:a16="http://schemas.microsoft.com/office/drawing/2014/main" xmlns="" val="20002"/>
                     </a:ext>
                   </a:extLst>
                 </a:gridCol>
@@ -14396,7 +16327,7 @@
                 </a:tc>
                 <a:extLst>
                   <a:ext uri="{0D108BD9-81ED-4DB2-BD59-A6C34878D82A}">
-                    <a16:rowId xmlns:a16="http://schemas.microsoft.com/office/drawing/2014/main" val="10000"/>
+                    <a16:rowId xmlns:a16="http://schemas.microsoft.com/office/drawing/2014/main" xmlns="" val="10000"/>
                   </a:ext>
                 </a:extLst>
               </a:tr>
@@ -14441,7 +16372,7 @@
                 </a:tc>
                 <a:extLst>
                   <a:ext uri="{0D108BD9-81ED-4DB2-BD59-A6C34878D82A}">
-                    <a16:rowId xmlns:a16="http://schemas.microsoft.com/office/drawing/2014/main" val="10001"/>
+                    <a16:rowId xmlns:a16="http://schemas.microsoft.com/office/drawing/2014/main" xmlns="" val="10001"/>
                   </a:ext>
                 </a:extLst>
               </a:tr>
@@ -14494,7 +16425,7 @@
                 </a:tc>
                 <a:extLst>
                   <a:ext uri="{0D108BD9-81ED-4DB2-BD59-A6C34878D82A}">
-                    <a16:rowId xmlns:a16="http://schemas.microsoft.com/office/drawing/2014/main" val="10002"/>
+                    <a16:rowId xmlns:a16="http://schemas.microsoft.com/office/drawing/2014/main" xmlns="" val="10002"/>
                   </a:ext>
                 </a:extLst>
               </a:tr>
@@ -14542,7 +16473,7 @@
                 </a:tc>
                 <a:extLst>
                   <a:ext uri="{0D108BD9-81ED-4DB2-BD59-A6C34878D82A}">
-                    <a16:rowId xmlns:a16="http://schemas.microsoft.com/office/drawing/2014/main" val="10003"/>
+                    <a16:rowId xmlns:a16="http://schemas.microsoft.com/office/drawing/2014/main" xmlns="" val="10003"/>
                   </a:ext>
                 </a:extLst>
               </a:tr>
@@ -14587,7 +16518,7 @@
                 </a:tc>
                 <a:extLst>
                   <a:ext uri="{0D108BD9-81ED-4DB2-BD59-A6C34878D82A}">
-                    <a16:rowId xmlns:a16="http://schemas.microsoft.com/office/drawing/2014/main" val="10004"/>
+                    <a16:rowId xmlns:a16="http://schemas.microsoft.com/office/drawing/2014/main" xmlns="" val="10004"/>
                   </a:ext>
                 </a:extLst>
               </a:tr>
@@ -14630,7 +16561,7 @@
                 </a:tc>
                 <a:extLst>
                   <a:ext uri="{0D108BD9-81ED-4DB2-BD59-A6C34878D82A}">
-                    <a16:rowId xmlns:a16="http://schemas.microsoft.com/office/drawing/2014/main" val="10005"/>
+                    <a16:rowId xmlns:a16="http://schemas.microsoft.com/office/drawing/2014/main" xmlns="" val="10005"/>
                   </a:ext>
                 </a:extLst>
               </a:tr>
@@ -14683,7 +16614,7 @@
                 </a:tc>
                 <a:extLst>
                   <a:ext uri="{0D108BD9-81ED-4DB2-BD59-A6C34878D82A}">
-                    <a16:rowId xmlns:a16="http://schemas.microsoft.com/office/drawing/2014/main" val="10006"/>
+                    <a16:rowId xmlns:a16="http://schemas.microsoft.com/office/drawing/2014/main" xmlns="" val="10006"/>
                   </a:ext>
                 </a:extLst>
               </a:tr>
@@ -14731,7 +16662,7 @@
                 </a:tc>
                 <a:extLst>
                   <a:ext uri="{0D108BD9-81ED-4DB2-BD59-A6C34878D82A}">
-                    <a16:rowId xmlns:a16="http://schemas.microsoft.com/office/drawing/2014/main" val="10007"/>
+                    <a16:rowId xmlns:a16="http://schemas.microsoft.com/office/drawing/2014/main" xmlns="" val="10007"/>
                   </a:ext>
                 </a:extLst>
               </a:tr>
@@ -14776,7 +16707,7 @@
                 </a:tc>
                 <a:extLst>
                   <a:ext uri="{0D108BD9-81ED-4DB2-BD59-A6C34878D82A}">
-                    <a16:rowId xmlns:a16="http://schemas.microsoft.com/office/drawing/2014/main" val="10008"/>
+                    <a16:rowId xmlns:a16="http://schemas.microsoft.com/office/drawing/2014/main" xmlns="" val="10008"/>
                   </a:ext>
                 </a:extLst>
               </a:tr>
@@ -17798,7 +19729,7 @@
     </p:spTree>
     <p:extLst>
       <p:ext uri="{BB962C8B-B14F-4D97-AF65-F5344CB8AC3E}">
-        <p14:creationId xmlns:p14="http://schemas.microsoft.com/office/powerpoint/2010/main" val="1175906984"/>
+        <p14:creationId xmlns:p14="http://schemas.microsoft.com/office/powerpoint/2010/main" xmlns="" val="1175906984"/>
       </p:ext>
     </p:extLst>
   </p:cSld>
@@ -17830,7 +19761,7 @@
           <p:cNvPr id="2" name="Title 1">
             <a:extLst>
               <a:ext uri="{FF2B5EF4-FFF2-40B4-BE49-F238E27FC236}">
-                <a16:creationId xmlns:a16="http://schemas.microsoft.com/office/drawing/2014/main" id="{8EEC2D55-5149-4803-B0EF-289751728D7E}"/>
+                <a16:creationId xmlns:a16="http://schemas.microsoft.com/office/drawing/2014/main" xmlns="" id="{8EEC2D55-5149-4803-B0EF-289751728D7E}"/>
               </a:ext>
             </a:extLst>
           </p:cNvPr>
@@ -17858,7 +19789,7 @@
           <p:cNvPr id="3" name="Content Placeholder 2">
             <a:extLst>
               <a:ext uri="{FF2B5EF4-FFF2-40B4-BE49-F238E27FC236}">
-                <a16:creationId xmlns:a16="http://schemas.microsoft.com/office/drawing/2014/main" id="{60B6BC18-905B-43AB-BB9E-93E3D531E5A8}"/>
+                <a16:creationId xmlns:a16="http://schemas.microsoft.com/office/drawing/2014/main" xmlns="" id="{60B6BC18-905B-43AB-BB9E-93E3D531E5A8}"/>
               </a:ext>
             </a:extLst>
           </p:cNvPr>
@@ -17898,7 +19829,7 @@
     </p:spTree>
     <p:extLst>
       <p:ext uri="{BB962C8B-B14F-4D97-AF65-F5344CB8AC3E}">
-        <p14:creationId xmlns:p14="http://schemas.microsoft.com/office/powerpoint/2010/main" val="32502340"/>
+        <p14:creationId xmlns:p14="http://schemas.microsoft.com/office/powerpoint/2010/main" xmlns="" val="32502340"/>
       </p:ext>
     </p:extLst>
   </p:cSld>
@@ -17930,7 +19861,7 @@
           <p:cNvPr id="2" name="Title 1">
             <a:extLst>
               <a:ext uri="{FF2B5EF4-FFF2-40B4-BE49-F238E27FC236}">
-                <a16:creationId xmlns:a16="http://schemas.microsoft.com/office/drawing/2014/main" id="{832D342F-E565-4599-875E-59A92A87ABDC}"/>
+                <a16:creationId xmlns:a16="http://schemas.microsoft.com/office/drawing/2014/main" xmlns="" id="{832D342F-E565-4599-875E-59A92A87ABDC}"/>
               </a:ext>
             </a:extLst>
           </p:cNvPr>
@@ -17958,7 +19889,7 @@
           <p:cNvPr id="3" name="Content Placeholder 2">
             <a:extLst>
               <a:ext uri="{FF2B5EF4-FFF2-40B4-BE49-F238E27FC236}">
-                <a16:creationId xmlns:a16="http://schemas.microsoft.com/office/drawing/2014/main" id="{03B99A7D-D075-4218-9573-7D089BAF5817}"/>
+                <a16:creationId xmlns:a16="http://schemas.microsoft.com/office/drawing/2014/main" xmlns="" id="{03B99A7D-D075-4218-9573-7D089BAF5817}"/>
               </a:ext>
             </a:extLst>
           </p:cNvPr>
@@ -17996,7 +19927,7 @@
     </p:spTree>
     <p:extLst>
       <p:ext uri="{BB962C8B-B14F-4D97-AF65-F5344CB8AC3E}">
-        <p14:creationId xmlns:p14="http://schemas.microsoft.com/office/powerpoint/2010/main" val="3231591323"/>
+        <p14:creationId xmlns:p14="http://schemas.microsoft.com/office/powerpoint/2010/main" xmlns="" val="3231591323"/>
       </p:ext>
     </p:extLst>
   </p:cSld>
@@ -18028,7 +19959,7 @@
           <p:cNvPr id="2" name="Title 1">
             <a:extLst>
               <a:ext uri="{FF2B5EF4-FFF2-40B4-BE49-F238E27FC236}">
-                <a16:creationId xmlns:a16="http://schemas.microsoft.com/office/drawing/2014/main" id="{832D342F-E565-4599-875E-59A92A87ABDC}"/>
+                <a16:creationId xmlns:a16="http://schemas.microsoft.com/office/drawing/2014/main" xmlns="" id="{832D342F-E565-4599-875E-59A92A87ABDC}"/>
               </a:ext>
             </a:extLst>
           </p:cNvPr>
@@ -18056,7 +19987,7 @@
           <p:cNvPr id="3" name="Content Placeholder 2">
             <a:extLst>
               <a:ext uri="{FF2B5EF4-FFF2-40B4-BE49-F238E27FC236}">
-                <a16:creationId xmlns:a16="http://schemas.microsoft.com/office/drawing/2014/main" id="{03B99A7D-D075-4218-9573-7D089BAF5817}"/>
+                <a16:creationId xmlns:a16="http://schemas.microsoft.com/office/drawing/2014/main" xmlns="" id="{03B99A7D-D075-4218-9573-7D089BAF5817}"/>
               </a:ext>
             </a:extLst>
           </p:cNvPr>
@@ -18094,7 +20025,7 @@
     </p:spTree>
     <p:extLst>
       <p:ext uri="{BB962C8B-B14F-4D97-AF65-F5344CB8AC3E}">
-        <p14:creationId xmlns:p14="http://schemas.microsoft.com/office/powerpoint/2010/main" val="1114242558"/>
+        <p14:creationId xmlns:p14="http://schemas.microsoft.com/office/powerpoint/2010/main" xmlns="" val="1114242558"/>
       </p:ext>
     </p:extLst>
   </p:cSld>
@@ -18126,7 +20057,7 @@
           <p:cNvPr id="2" name="Title 1">
             <a:extLst>
               <a:ext uri="{FF2B5EF4-FFF2-40B4-BE49-F238E27FC236}">
-                <a16:creationId xmlns:a16="http://schemas.microsoft.com/office/drawing/2014/main" id="{B4ED5AAB-5A46-47C4-994B-2E9110324BD0}"/>
+                <a16:creationId xmlns:a16="http://schemas.microsoft.com/office/drawing/2014/main" xmlns="" id="{B4ED5AAB-5A46-47C4-994B-2E9110324BD0}"/>
               </a:ext>
             </a:extLst>
           </p:cNvPr>
@@ -18154,7 +20085,7 @@
           <p:cNvPr id="3" name="Content Placeholder 2">
             <a:extLst>
               <a:ext uri="{FF2B5EF4-FFF2-40B4-BE49-F238E27FC236}">
-                <a16:creationId xmlns:a16="http://schemas.microsoft.com/office/drawing/2014/main" id="{37BD1B3A-DB52-4880-8C0E-DBD66F5F93CE}"/>
+                <a16:creationId xmlns:a16="http://schemas.microsoft.com/office/drawing/2014/main" xmlns="" id="{37BD1B3A-DB52-4880-8C0E-DBD66F5F93CE}"/>
               </a:ext>
             </a:extLst>
           </p:cNvPr>
@@ -18205,7 +20136,7 @@
     </p:spTree>
     <p:extLst>
       <p:ext uri="{BB962C8B-B14F-4D97-AF65-F5344CB8AC3E}">
-        <p14:creationId xmlns:p14="http://schemas.microsoft.com/office/powerpoint/2010/main" val="3277765089"/>
+        <p14:creationId xmlns:p14="http://schemas.microsoft.com/office/powerpoint/2010/main" xmlns="" val="3277765089"/>
       </p:ext>
     </p:extLst>
   </p:cSld>
@@ -18237,7 +20168,7 @@
           <p:cNvPr id="2" name="Title 1">
             <a:extLst>
               <a:ext uri="{FF2B5EF4-FFF2-40B4-BE49-F238E27FC236}">
-                <a16:creationId xmlns:a16="http://schemas.microsoft.com/office/drawing/2014/main" id="{B4ED5AAB-5A46-47C4-994B-2E9110324BD0}"/>
+                <a16:creationId xmlns:a16="http://schemas.microsoft.com/office/drawing/2014/main" xmlns="" id="{B4ED5AAB-5A46-47C4-994B-2E9110324BD0}"/>
               </a:ext>
             </a:extLst>
           </p:cNvPr>
@@ -18265,7 +20196,7 @@
           <p:cNvPr id="3" name="Content Placeholder 2">
             <a:extLst>
               <a:ext uri="{FF2B5EF4-FFF2-40B4-BE49-F238E27FC236}">
-                <a16:creationId xmlns:a16="http://schemas.microsoft.com/office/drawing/2014/main" id="{37BD1B3A-DB52-4880-8C0E-DBD66F5F93CE}"/>
+                <a16:creationId xmlns:a16="http://schemas.microsoft.com/office/drawing/2014/main" xmlns="" id="{37BD1B3A-DB52-4880-8C0E-DBD66F5F93CE}"/>
               </a:ext>
             </a:extLst>
           </p:cNvPr>
@@ -18324,7 +20255,7 @@
     </p:spTree>
     <p:extLst>
       <p:ext uri="{BB962C8B-B14F-4D97-AF65-F5344CB8AC3E}">
-        <p14:creationId xmlns:p14="http://schemas.microsoft.com/office/powerpoint/2010/main" val="2866785911"/>
+        <p14:creationId xmlns:p14="http://schemas.microsoft.com/office/powerpoint/2010/main" xmlns="" val="2866785911"/>
       </p:ext>
     </p:extLst>
   </p:cSld>
@@ -18494,7 +20425,7 @@
           <p:cNvPr id="2" name="Title 1">
             <a:extLst>
               <a:ext uri="{FF2B5EF4-FFF2-40B4-BE49-F238E27FC236}">
-                <a16:creationId xmlns:a16="http://schemas.microsoft.com/office/drawing/2014/main" id="{B4ED5AAB-5A46-47C4-994B-2E9110324BD0}"/>
+                <a16:creationId xmlns:a16="http://schemas.microsoft.com/office/drawing/2014/main" xmlns="" id="{B4ED5AAB-5A46-47C4-994B-2E9110324BD0}"/>
               </a:ext>
             </a:extLst>
           </p:cNvPr>
@@ -18522,7 +20453,7 @@
           <p:cNvPr id="3" name="Content Placeholder 2">
             <a:extLst>
               <a:ext uri="{FF2B5EF4-FFF2-40B4-BE49-F238E27FC236}">
-                <a16:creationId xmlns:a16="http://schemas.microsoft.com/office/drawing/2014/main" id="{37BD1B3A-DB52-4880-8C0E-DBD66F5F93CE}"/>
+                <a16:creationId xmlns:a16="http://schemas.microsoft.com/office/drawing/2014/main" xmlns="" id="{37BD1B3A-DB52-4880-8C0E-DBD66F5F93CE}"/>
               </a:ext>
             </a:extLst>
           </p:cNvPr>
@@ -18573,7 +20504,7 @@
     </p:spTree>
     <p:extLst>
       <p:ext uri="{BB962C8B-B14F-4D97-AF65-F5344CB8AC3E}">
-        <p14:creationId xmlns:p14="http://schemas.microsoft.com/office/powerpoint/2010/main" val="1317634119"/>
+        <p14:creationId xmlns:p14="http://schemas.microsoft.com/office/powerpoint/2010/main" xmlns="" val="1317634119"/>
       </p:ext>
     </p:extLst>
   </p:cSld>
@@ -18605,7 +20536,7 @@
           <p:cNvPr id="2" name="Title 1">
             <a:extLst>
               <a:ext uri="{FF2B5EF4-FFF2-40B4-BE49-F238E27FC236}">
-                <a16:creationId xmlns:a16="http://schemas.microsoft.com/office/drawing/2014/main" id="{963AED7E-1B46-4B55-8444-929B24D03690}"/>
+                <a16:creationId xmlns:a16="http://schemas.microsoft.com/office/drawing/2014/main" xmlns="" id="{963AED7E-1B46-4B55-8444-929B24D03690}"/>
               </a:ext>
             </a:extLst>
           </p:cNvPr>
@@ -18633,7 +20564,7 @@
           <p:cNvPr id="3" name="Content Placeholder 2">
             <a:extLst>
               <a:ext uri="{FF2B5EF4-FFF2-40B4-BE49-F238E27FC236}">
-                <a16:creationId xmlns:a16="http://schemas.microsoft.com/office/drawing/2014/main" id="{81E7D289-20F0-422E-90D8-8AEED9AED7CB}"/>
+                <a16:creationId xmlns:a16="http://schemas.microsoft.com/office/drawing/2014/main" xmlns="" id="{81E7D289-20F0-422E-90D8-8AEED9AED7CB}"/>
               </a:ext>
             </a:extLst>
           </p:cNvPr>
@@ -18695,7 +20626,7 @@
     </p:spTree>
     <p:extLst>
       <p:ext uri="{BB962C8B-B14F-4D97-AF65-F5344CB8AC3E}">
-        <p14:creationId xmlns:p14="http://schemas.microsoft.com/office/powerpoint/2010/main" val="2324978716"/>
+        <p14:creationId xmlns:p14="http://schemas.microsoft.com/office/powerpoint/2010/main" xmlns="" val="2324978716"/>
       </p:ext>
     </p:extLst>
   </p:cSld>
@@ -18727,7 +20658,7 @@
           <p:cNvPr id="2" name="Title 1">
             <a:extLst>
               <a:ext uri="{FF2B5EF4-FFF2-40B4-BE49-F238E27FC236}">
-                <a16:creationId xmlns:a16="http://schemas.microsoft.com/office/drawing/2014/main" id="{963AED7E-1B46-4B55-8444-929B24D03690}"/>
+                <a16:creationId xmlns:a16="http://schemas.microsoft.com/office/drawing/2014/main" xmlns="" id="{963AED7E-1B46-4B55-8444-929B24D03690}"/>
               </a:ext>
             </a:extLst>
           </p:cNvPr>
@@ -18755,7 +20686,7 @@
           <p:cNvPr id="3" name="Content Placeholder 2">
             <a:extLst>
               <a:ext uri="{FF2B5EF4-FFF2-40B4-BE49-F238E27FC236}">
-                <a16:creationId xmlns:a16="http://schemas.microsoft.com/office/drawing/2014/main" id="{81E7D289-20F0-422E-90D8-8AEED9AED7CB}"/>
+                <a16:creationId xmlns:a16="http://schemas.microsoft.com/office/drawing/2014/main" xmlns="" id="{81E7D289-20F0-422E-90D8-8AEED9AED7CB}"/>
               </a:ext>
             </a:extLst>
           </p:cNvPr>
@@ -18783,7 +20714,7 @@
           <p:cNvPr id="1026" name="Picture 2" descr="https://www.tektutorialshub.com/wp-content/uploads/2016/08/Angular-2-Architecture-of-a-simpleTask-List-Application.png">
             <a:extLst>
               <a:ext uri="{FF2B5EF4-FFF2-40B4-BE49-F238E27FC236}">
-                <a16:creationId xmlns:a16="http://schemas.microsoft.com/office/drawing/2014/main" id="{1A5F1BB4-1D5D-48F8-BE60-036786F57804}"/>
+                <a16:creationId xmlns:a16="http://schemas.microsoft.com/office/drawing/2014/main" xmlns="" id="{1A5F1BB4-1D5D-48F8-BE60-036786F57804}"/>
               </a:ext>
             </a:extLst>
           </p:cNvPr>
@@ -18796,7 +20727,7 @@
           <a:blip r:embed="rId2">
             <a:extLst>
               <a:ext uri="{28A0092B-C50C-407E-A947-70E740481C1C}">
-                <a14:useLocalDpi xmlns:a14="http://schemas.microsoft.com/office/drawing/2010/main" val="0"/>
+                <a14:useLocalDpi xmlns:a14="http://schemas.microsoft.com/office/drawing/2010/main" xmlns="" val="0"/>
               </a:ext>
             </a:extLst>
           </a:blip>
@@ -18816,7 +20747,7 @@
           <a:noFill/>
           <a:extLst>
             <a:ext uri="{909E8E84-426E-40DD-AFC4-6F175D3DCCD1}">
-              <a14:hiddenFill xmlns:a14="http://schemas.microsoft.com/office/drawing/2010/main">
+              <a14:hiddenFill xmlns:a14="http://schemas.microsoft.com/office/drawing/2010/main" xmlns="">
                 <a:solidFill>
                   <a:srgbClr val="FFFFFF"/>
                 </a:solidFill>
@@ -18828,7 +20759,7 @@
     </p:spTree>
     <p:extLst>
       <p:ext uri="{BB962C8B-B14F-4D97-AF65-F5344CB8AC3E}">
-        <p14:creationId xmlns:p14="http://schemas.microsoft.com/office/powerpoint/2010/main" val="3130259011"/>
+        <p14:creationId xmlns:p14="http://schemas.microsoft.com/office/powerpoint/2010/main" xmlns="" val="3130259011"/>
       </p:ext>
     </p:extLst>
   </p:cSld>
@@ -18860,7 +20791,7 @@
           <p:cNvPr id="2" name="Title 1">
             <a:extLst>
               <a:ext uri="{FF2B5EF4-FFF2-40B4-BE49-F238E27FC236}">
-                <a16:creationId xmlns:a16="http://schemas.microsoft.com/office/drawing/2014/main" id="{422549AF-7BF7-42D3-B7B2-EB8CFA2DD8B2}"/>
+                <a16:creationId xmlns:a16="http://schemas.microsoft.com/office/drawing/2014/main" xmlns="" id="{422549AF-7BF7-42D3-B7B2-EB8CFA2DD8B2}"/>
               </a:ext>
             </a:extLst>
           </p:cNvPr>
@@ -18888,7 +20819,7 @@
           <p:cNvPr id="3" name="Content Placeholder 2">
             <a:extLst>
               <a:ext uri="{FF2B5EF4-FFF2-40B4-BE49-F238E27FC236}">
-                <a16:creationId xmlns:a16="http://schemas.microsoft.com/office/drawing/2014/main" id="{28635694-C9CE-4A4D-A7FB-A33318ABD9CB}"/>
+                <a16:creationId xmlns:a16="http://schemas.microsoft.com/office/drawing/2014/main" xmlns="" id="{28635694-C9CE-4A4D-A7FB-A33318ABD9CB}"/>
               </a:ext>
             </a:extLst>
           </p:cNvPr>
@@ -18913,7 +20844,7 @@
           <p:cNvPr id="2052" name="Picture 4" descr="https://www.tektutorialshub.com/wp-content/uploads/2016/08/Angular-2-Architecture-Overview-and-Concepts.png">
             <a:extLst>
               <a:ext uri="{FF2B5EF4-FFF2-40B4-BE49-F238E27FC236}">
-                <a16:creationId xmlns:a16="http://schemas.microsoft.com/office/drawing/2014/main" id="{04C834E8-FD98-4367-B748-47B86DB2D11C}"/>
+                <a16:creationId xmlns:a16="http://schemas.microsoft.com/office/drawing/2014/main" xmlns="" id="{04C834E8-FD98-4367-B748-47B86DB2D11C}"/>
               </a:ext>
             </a:extLst>
           </p:cNvPr>
@@ -18926,7 +20857,7 @@
           <a:blip r:embed="rId2">
             <a:extLst>
               <a:ext uri="{28A0092B-C50C-407E-A947-70E740481C1C}">
-                <a14:useLocalDpi xmlns:a14="http://schemas.microsoft.com/office/drawing/2010/main" val="0"/>
+                <a14:useLocalDpi xmlns:a14="http://schemas.microsoft.com/office/drawing/2010/main" xmlns="" val="0"/>
               </a:ext>
             </a:extLst>
           </a:blip>
@@ -18946,7 +20877,7 @@
           <a:noFill/>
           <a:extLst>
             <a:ext uri="{909E8E84-426E-40DD-AFC4-6F175D3DCCD1}">
-              <a14:hiddenFill xmlns:a14="http://schemas.microsoft.com/office/drawing/2010/main">
+              <a14:hiddenFill xmlns:a14="http://schemas.microsoft.com/office/drawing/2010/main" xmlns="">
                 <a:solidFill>
                   <a:srgbClr val="FFFFFF"/>
                 </a:solidFill>
@@ -18958,7 +20889,7 @@
     </p:spTree>
     <p:extLst>
       <p:ext uri="{BB962C8B-B14F-4D97-AF65-F5344CB8AC3E}">
-        <p14:creationId xmlns:p14="http://schemas.microsoft.com/office/powerpoint/2010/main" val="366738908"/>
+        <p14:creationId xmlns:p14="http://schemas.microsoft.com/office/powerpoint/2010/main" xmlns="" val="366738908"/>
       </p:ext>
     </p:extLst>
   </p:cSld>
@@ -18990,7 +20921,7 @@
           <p:cNvPr id="2" name="Title 1">
             <a:extLst>
               <a:ext uri="{FF2B5EF4-FFF2-40B4-BE49-F238E27FC236}">
-                <a16:creationId xmlns:a16="http://schemas.microsoft.com/office/drawing/2014/main" id="{EF7DA71E-CFB2-43EF-8E90-59FBC930408B}"/>
+                <a16:creationId xmlns:a16="http://schemas.microsoft.com/office/drawing/2014/main" xmlns="" id="{EF7DA71E-CFB2-43EF-8E90-59FBC930408B}"/>
               </a:ext>
             </a:extLst>
           </p:cNvPr>
@@ -19018,7 +20949,7 @@
           <p:cNvPr id="3" name="Content Placeholder 2">
             <a:extLst>
               <a:ext uri="{FF2B5EF4-FFF2-40B4-BE49-F238E27FC236}">
-                <a16:creationId xmlns:a16="http://schemas.microsoft.com/office/drawing/2014/main" id="{049B1154-500D-4578-81CD-EDA138B05B83}"/>
+                <a16:creationId xmlns:a16="http://schemas.microsoft.com/office/drawing/2014/main" xmlns="" id="{049B1154-500D-4578-81CD-EDA138B05B83}"/>
               </a:ext>
             </a:extLst>
           </p:cNvPr>
@@ -19090,7 +21021,7 @@
     </p:spTree>
     <p:extLst>
       <p:ext uri="{BB962C8B-B14F-4D97-AF65-F5344CB8AC3E}">
-        <p14:creationId xmlns:p14="http://schemas.microsoft.com/office/powerpoint/2010/main" val="3348442337"/>
+        <p14:creationId xmlns:p14="http://schemas.microsoft.com/office/powerpoint/2010/main" xmlns="" val="3348442337"/>
       </p:ext>
     </p:extLst>
   </p:cSld>
@@ -19122,7 +21053,7 @@
           <p:cNvPr id="2" name="Title 1">
             <a:extLst>
               <a:ext uri="{FF2B5EF4-FFF2-40B4-BE49-F238E27FC236}">
-                <a16:creationId xmlns:a16="http://schemas.microsoft.com/office/drawing/2014/main" id="{A72213CA-9CBC-411F-A76F-418D08503ADD}"/>
+                <a16:creationId xmlns:a16="http://schemas.microsoft.com/office/drawing/2014/main" xmlns="" id="{A72213CA-9CBC-411F-A76F-418D08503ADD}"/>
               </a:ext>
             </a:extLst>
           </p:cNvPr>
@@ -19150,7 +21081,7 @@
           <p:cNvPr id="3" name="Content Placeholder 2">
             <a:extLst>
               <a:ext uri="{FF2B5EF4-FFF2-40B4-BE49-F238E27FC236}">
-                <a16:creationId xmlns:a16="http://schemas.microsoft.com/office/drawing/2014/main" id="{449E51FA-719B-4EBB-825D-4545624EEE77}"/>
+                <a16:creationId xmlns:a16="http://schemas.microsoft.com/office/drawing/2014/main" xmlns="" id="{449E51FA-719B-4EBB-825D-4545624EEE77}"/>
               </a:ext>
             </a:extLst>
           </p:cNvPr>
@@ -19238,7 +21169,7 @@
     </p:spTree>
     <p:extLst>
       <p:ext uri="{BB962C8B-B14F-4D97-AF65-F5344CB8AC3E}">
-        <p14:creationId xmlns:p14="http://schemas.microsoft.com/office/powerpoint/2010/main" val="2097557205"/>
+        <p14:creationId xmlns:p14="http://schemas.microsoft.com/office/powerpoint/2010/main" xmlns="" val="2097557205"/>
       </p:ext>
     </p:extLst>
   </p:cSld>
@@ -19270,7 +21201,7 @@
           <p:cNvPr id="2" name="Title 1">
             <a:extLst>
               <a:ext uri="{FF2B5EF4-FFF2-40B4-BE49-F238E27FC236}">
-                <a16:creationId xmlns:a16="http://schemas.microsoft.com/office/drawing/2014/main" id="{C3901626-8091-46D5-8BD3-B20943B5ACFB}"/>
+                <a16:creationId xmlns:a16="http://schemas.microsoft.com/office/drawing/2014/main" xmlns="" id="{C3901626-8091-46D5-8BD3-B20943B5ACFB}"/>
               </a:ext>
             </a:extLst>
           </p:cNvPr>
@@ -19298,7 +21229,7 @@
           <p:cNvPr id="3" name="Content Placeholder 2">
             <a:extLst>
               <a:ext uri="{FF2B5EF4-FFF2-40B4-BE49-F238E27FC236}">
-                <a16:creationId xmlns:a16="http://schemas.microsoft.com/office/drawing/2014/main" id="{31FFE0CE-1500-49AD-895D-6BF4B9469504}"/>
+                <a16:creationId xmlns:a16="http://schemas.microsoft.com/office/drawing/2014/main" xmlns="" id="{31FFE0CE-1500-49AD-895D-6BF4B9469504}"/>
               </a:ext>
             </a:extLst>
           </p:cNvPr>
@@ -19323,7 +21254,7 @@
           <p:cNvPr id="4" name="Picture 3">
             <a:extLst>
               <a:ext uri="{FF2B5EF4-FFF2-40B4-BE49-F238E27FC236}">
-                <a16:creationId xmlns:a16="http://schemas.microsoft.com/office/drawing/2014/main" id="{47DF9908-9029-4D43-AC2C-DE981CB4890E}"/>
+                <a16:creationId xmlns:a16="http://schemas.microsoft.com/office/drawing/2014/main" xmlns="" id="{47DF9908-9029-4D43-AC2C-DE981CB4890E}"/>
               </a:ext>
             </a:extLst>
           </p:cNvPr>
@@ -19351,7 +21282,7 @@
     </p:spTree>
     <p:extLst>
       <p:ext uri="{BB962C8B-B14F-4D97-AF65-F5344CB8AC3E}">
-        <p14:creationId xmlns:p14="http://schemas.microsoft.com/office/powerpoint/2010/main" val="1781212812"/>
+        <p14:creationId xmlns:p14="http://schemas.microsoft.com/office/powerpoint/2010/main" xmlns="" val="1781212812"/>
       </p:ext>
     </p:extLst>
   </p:cSld>
@@ -19383,7 +21314,7 @@
           <p:cNvPr id="2" name="Title 1">
             <a:extLst>
               <a:ext uri="{FF2B5EF4-FFF2-40B4-BE49-F238E27FC236}">
-                <a16:creationId xmlns:a16="http://schemas.microsoft.com/office/drawing/2014/main" id="{79C3DC18-C688-425C-8810-87A6E308DB16}"/>
+                <a16:creationId xmlns:a16="http://schemas.microsoft.com/office/drawing/2014/main" xmlns="" id="{79C3DC18-C688-425C-8810-87A6E308DB16}"/>
               </a:ext>
             </a:extLst>
           </p:cNvPr>
@@ -19411,7 +21342,7 @@
           <p:cNvPr id="3" name="Content Placeholder 2">
             <a:extLst>
               <a:ext uri="{FF2B5EF4-FFF2-40B4-BE49-F238E27FC236}">
-                <a16:creationId xmlns:a16="http://schemas.microsoft.com/office/drawing/2014/main" id="{98B3D87C-FF39-4A00-9C8E-F669EE1E66A9}"/>
+                <a16:creationId xmlns:a16="http://schemas.microsoft.com/office/drawing/2014/main" xmlns="" id="{98B3D87C-FF39-4A00-9C8E-F669EE1E66A9}"/>
               </a:ext>
             </a:extLst>
           </p:cNvPr>
@@ -19458,7 +21389,7 @@
     </p:spTree>
     <p:extLst>
       <p:ext uri="{BB962C8B-B14F-4D97-AF65-F5344CB8AC3E}">
-        <p14:creationId xmlns:p14="http://schemas.microsoft.com/office/powerpoint/2010/main" val="2590951603"/>
+        <p14:creationId xmlns:p14="http://schemas.microsoft.com/office/powerpoint/2010/main" xmlns="" val="2590951603"/>
       </p:ext>
     </p:extLst>
   </p:cSld>
@@ -19490,7 +21421,7 @@
           <p:cNvPr id="2" name="Title 1">
             <a:extLst>
               <a:ext uri="{FF2B5EF4-FFF2-40B4-BE49-F238E27FC236}">
-                <a16:creationId xmlns:a16="http://schemas.microsoft.com/office/drawing/2014/main" id="{507E8D5B-F265-49C4-9636-4FFF1B3C8B88}"/>
+                <a16:creationId xmlns:a16="http://schemas.microsoft.com/office/drawing/2014/main" xmlns="" id="{507E8D5B-F265-49C4-9636-4FFF1B3C8B88}"/>
               </a:ext>
             </a:extLst>
           </p:cNvPr>
@@ -19518,7 +21449,7 @@
           <p:cNvPr id="3" name="Content Placeholder 2">
             <a:extLst>
               <a:ext uri="{FF2B5EF4-FFF2-40B4-BE49-F238E27FC236}">
-                <a16:creationId xmlns:a16="http://schemas.microsoft.com/office/drawing/2014/main" id="{5744C1A0-4C44-4331-B441-C92E515CA84B}"/>
+                <a16:creationId xmlns:a16="http://schemas.microsoft.com/office/drawing/2014/main" xmlns="" id="{5744C1A0-4C44-4331-B441-C92E515CA84B}"/>
               </a:ext>
             </a:extLst>
           </p:cNvPr>
@@ -19561,7 +21492,7 @@
     </p:spTree>
     <p:extLst>
       <p:ext uri="{BB962C8B-B14F-4D97-AF65-F5344CB8AC3E}">
-        <p14:creationId xmlns:p14="http://schemas.microsoft.com/office/powerpoint/2010/main" val="1927723443"/>
+        <p14:creationId xmlns:p14="http://schemas.microsoft.com/office/powerpoint/2010/main" xmlns="" val="1927723443"/>
       </p:ext>
     </p:extLst>
   </p:cSld>
@@ -19593,7 +21524,7 @@
           <p:cNvPr id="2" name="Title 1">
             <a:extLst>
               <a:ext uri="{FF2B5EF4-FFF2-40B4-BE49-F238E27FC236}">
-                <a16:creationId xmlns:a16="http://schemas.microsoft.com/office/drawing/2014/main" id="{3482096A-8D84-4869-B51A-3D1C7F21535F}"/>
+                <a16:creationId xmlns:a16="http://schemas.microsoft.com/office/drawing/2014/main" xmlns="" id="{3482096A-8D84-4869-B51A-3D1C7F21535F}"/>
               </a:ext>
             </a:extLst>
           </p:cNvPr>
@@ -19621,7 +21552,7 @@
           <p:cNvPr id="3" name="Content Placeholder 2">
             <a:extLst>
               <a:ext uri="{FF2B5EF4-FFF2-40B4-BE49-F238E27FC236}">
-                <a16:creationId xmlns:a16="http://schemas.microsoft.com/office/drawing/2014/main" id="{5B9E95CC-2878-4881-A994-AB8BBE62648E}"/>
+                <a16:creationId xmlns:a16="http://schemas.microsoft.com/office/drawing/2014/main" xmlns="" id="{5B9E95CC-2878-4881-A994-AB8BBE62648E}"/>
               </a:ext>
             </a:extLst>
           </p:cNvPr>
@@ -19677,7 +21608,7 @@
           <p:cNvPr id="4100" name="Picture 4" descr="Building Blocks of Angular Component Template, Metadata and Class">
             <a:extLst>
               <a:ext uri="{FF2B5EF4-FFF2-40B4-BE49-F238E27FC236}">
-                <a16:creationId xmlns:a16="http://schemas.microsoft.com/office/drawing/2014/main" id="{669A76A2-90D2-436E-A281-537A5A4FBE26}"/>
+                <a16:creationId xmlns:a16="http://schemas.microsoft.com/office/drawing/2014/main" xmlns="" id="{669A76A2-90D2-436E-A281-537A5A4FBE26}"/>
               </a:ext>
             </a:extLst>
           </p:cNvPr>
@@ -19690,7 +21621,7 @@
           <a:blip r:embed="rId2">
             <a:extLst>
               <a:ext uri="{28A0092B-C50C-407E-A947-70E740481C1C}">
-                <a14:useLocalDpi xmlns:a14="http://schemas.microsoft.com/office/drawing/2010/main" val="0"/>
+                <a14:useLocalDpi xmlns:a14="http://schemas.microsoft.com/office/drawing/2010/main" xmlns="" val="0"/>
               </a:ext>
             </a:extLst>
           </a:blip>
@@ -19710,7 +21641,7 @@
           <a:noFill/>
           <a:extLst>
             <a:ext uri="{909E8E84-426E-40DD-AFC4-6F175D3DCCD1}">
-              <a14:hiddenFill xmlns:a14="http://schemas.microsoft.com/office/drawing/2010/main">
+              <a14:hiddenFill xmlns:a14="http://schemas.microsoft.com/office/drawing/2010/main" xmlns="">
                 <a:solidFill>
                   <a:srgbClr val="FFFFFF"/>
                 </a:solidFill>
@@ -19722,7 +21653,7 @@
     </p:spTree>
     <p:extLst>
       <p:ext uri="{BB962C8B-B14F-4D97-AF65-F5344CB8AC3E}">
-        <p14:creationId xmlns:p14="http://schemas.microsoft.com/office/powerpoint/2010/main" val="3290780465"/>
+        <p14:creationId xmlns:p14="http://schemas.microsoft.com/office/powerpoint/2010/main" xmlns="" val="3290780465"/>
       </p:ext>
     </p:extLst>
   </p:cSld>
@@ -19868,7 +21799,7 @@
           <p:cNvPr id="2" name="Title 1">
             <a:extLst>
               <a:ext uri="{FF2B5EF4-FFF2-40B4-BE49-F238E27FC236}">
-                <a16:creationId xmlns:a16="http://schemas.microsoft.com/office/drawing/2014/main" id="{E0FD0AA1-E133-4CDD-BCE4-02DD6BB33201}"/>
+                <a16:creationId xmlns:a16="http://schemas.microsoft.com/office/drawing/2014/main" xmlns="" id="{E0FD0AA1-E133-4CDD-BCE4-02DD6BB33201}"/>
               </a:ext>
             </a:extLst>
           </p:cNvPr>
@@ -19906,7 +21837,7 @@
           <p:cNvPr id="3" name="Content Placeholder 2">
             <a:extLst>
               <a:ext uri="{FF2B5EF4-FFF2-40B4-BE49-F238E27FC236}">
-                <a16:creationId xmlns:a16="http://schemas.microsoft.com/office/drawing/2014/main" id="{093D1860-F7FC-432B-9B6F-0C1D80D7760A}"/>
+                <a16:creationId xmlns:a16="http://schemas.microsoft.com/office/drawing/2014/main" xmlns="" id="{093D1860-F7FC-432B-9B6F-0C1D80D7760A}"/>
               </a:ext>
             </a:extLst>
           </p:cNvPr>
@@ -19961,7 +21892,7 @@
     </p:spTree>
     <p:extLst>
       <p:ext uri="{BB962C8B-B14F-4D97-AF65-F5344CB8AC3E}">
-        <p14:creationId xmlns:p14="http://schemas.microsoft.com/office/powerpoint/2010/main" val="1666740136"/>
+        <p14:creationId xmlns:p14="http://schemas.microsoft.com/office/powerpoint/2010/main" xmlns="" val="1666740136"/>
       </p:ext>
     </p:extLst>
   </p:cSld>
@@ -19993,7 +21924,7 @@
           <p:cNvPr id="2" name="Title 1">
             <a:extLst>
               <a:ext uri="{FF2B5EF4-FFF2-40B4-BE49-F238E27FC236}">
-                <a16:creationId xmlns:a16="http://schemas.microsoft.com/office/drawing/2014/main" id="{5CB73AD8-F062-439E-81CD-51B09D647B44}"/>
+                <a16:creationId xmlns:a16="http://schemas.microsoft.com/office/drawing/2014/main" xmlns="" id="{5CB73AD8-F062-439E-81CD-51B09D647B44}"/>
               </a:ext>
             </a:extLst>
           </p:cNvPr>
@@ -20029,7 +21960,7 @@
           <p:cNvPr id="3" name="Content Placeholder 2">
             <a:extLst>
               <a:ext uri="{FF2B5EF4-FFF2-40B4-BE49-F238E27FC236}">
-                <a16:creationId xmlns:a16="http://schemas.microsoft.com/office/drawing/2014/main" id="{B0C6D53E-1377-4920-849B-799E905131FD}"/>
+                <a16:creationId xmlns:a16="http://schemas.microsoft.com/office/drawing/2014/main" xmlns="" id="{B0C6D53E-1377-4920-849B-799E905131FD}"/>
               </a:ext>
             </a:extLst>
           </p:cNvPr>
@@ -20054,7 +21985,7 @@
           <p:cNvPr id="5" name="Picture 4">
             <a:extLst>
               <a:ext uri="{FF2B5EF4-FFF2-40B4-BE49-F238E27FC236}">
-                <a16:creationId xmlns:a16="http://schemas.microsoft.com/office/drawing/2014/main" id="{5F7B1D38-B055-4E4F-97DF-85B666B9FC6C}"/>
+                <a16:creationId xmlns:a16="http://schemas.microsoft.com/office/drawing/2014/main" xmlns="" id="{5F7B1D38-B055-4E4F-97DF-85B666B9FC6C}"/>
               </a:ext>
             </a:extLst>
           </p:cNvPr>
@@ -20082,7 +22013,7 @@
     </p:spTree>
     <p:extLst>
       <p:ext uri="{BB962C8B-B14F-4D97-AF65-F5344CB8AC3E}">
-        <p14:creationId xmlns:p14="http://schemas.microsoft.com/office/powerpoint/2010/main" val="453086124"/>
+        <p14:creationId xmlns:p14="http://schemas.microsoft.com/office/powerpoint/2010/main" xmlns="" val="453086124"/>
       </p:ext>
     </p:extLst>
   </p:cSld>
@@ -20114,7 +22045,7 @@
           <p:cNvPr id="2" name="Title 1">
             <a:extLst>
               <a:ext uri="{FF2B5EF4-FFF2-40B4-BE49-F238E27FC236}">
-                <a16:creationId xmlns:a16="http://schemas.microsoft.com/office/drawing/2014/main" id="{7A6CE868-A736-4E37-87E8-0509154039E1}"/>
+                <a16:creationId xmlns:a16="http://schemas.microsoft.com/office/drawing/2014/main" xmlns="" id="{7A6CE868-A736-4E37-87E8-0509154039E1}"/>
               </a:ext>
             </a:extLst>
           </p:cNvPr>
@@ -20142,7 +22073,7 @@
           <p:cNvPr id="3" name="Content Placeholder 2">
             <a:extLst>
               <a:ext uri="{FF2B5EF4-FFF2-40B4-BE49-F238E27FC236}">
-                <a16:creationId xmlns:a16="http://schemas.microsoft.com/office/drawing/2014/main" id="{3D11E519-E905-4623-AF0F-3F06F2FD27AB}"/>
+                <a16:creationId xmlns:a16="http://schemas.microsoft.com/office/drawing/2014/main" xmlns="" id="{3D11E519-E905-4623-AF0F-3F06F2FD27AB}"/>
               </a:ext>
             </a:extLst>
           </p:cNvPr>
@@ -20184,7 +22115,7 @@
     </p:spTree>
     <p:extLst>
       <p:ext uri="{BB962C8B-B14F-4D97-AF65-F5344CB8AC3E}">
-        <p14:creationId xmlns:p14="http://schemas.microsoft.com/office/powerpoint/2010/main" val="876587309"/>
+        <p14:creationId xmlns:p14="http://schemas.microsoft.com/office/powerpoint/2010/main" xmlns="" val="876587309"/>
       </p:ext>
     </p:extLst>
   </p:cSld>
@@ -20216,7 +22147,7 @@
           <p:cNvPr id="2" name="Title 1">
             <a:extLst>
               <a:ext uri="{FF2B5EF4-FFF2-40B4-BE49-F238E27FC236}">
-                <a16:creationId xmlns:a16="http://schemas.microsoft.com/office/drawing/2014/main" id="{7A6CE868-A736-4E37-87E8-0509154039E1}"/>
+                <a16:creationId xmlns:a16="http://schemas.microsoft.com/office/drawing/2014/main" xmlns="" id="{7A6CE868-A736-4E37-87E8-0509154039E1}"/>
               </a:ext>
             </a:extLst>
           </p:cNvPr>
@@ -20244,7 +22175,7 @@
           <p:cNvPr id="3" name="Content Placeholder 2">
             <a:extLst>
               <a:ext uri="{FF2B5EF4-FFF2-40B4-BE49-F238E27FC236}">
-                <a16:creationId xmlns:a16="http://schemas.microsoft.com/office/drawing/2014/main" id="{3D11E519-E905-4623-AF0F-3F06F2FD27AB}"/>
+                <a16:creationId xmlns:a16="http://schemas.microsoft.com/office/drawing/2014/main" xmlns="" id="{3D11E519-E905-4623-AF0F-3F06F2FD27AB}"/>
               </a:ext>
             </a:extLst>
           </p:cNvPr>
@@ -20269,7 +22200,7 @@
           <p:cNvPr id="4" name="Picture 3">
             <a:extLst>
               <a:ext uri="{FF2B5EF4-FFF2-40B4-BE49-F238E27FC236}">
-                <a16:creationId xmlns:a16="http://schemas.microsoft.com/office/drawing/2014/main" id="{9F80CB7F-93E0-487E-B9CD-EC96016537B9}"/>
+                <a16:creationId xmlns:a16="http://schemas.microsoft.com/office/drawing/2014/main" xmlns="" id="{9F80CB7F-93E0-487E-B9CD-EC96016537B9}"/>
               </a:ext>
             </a:extLst>
           </p:cNvPr>
@@ -20297,7 +22228,7 @@
     </p:spTree>
     <p:extLst>
       <p:ext uri="{BB962C8B-B14F-4D97-AF65-F5344CB8AC3E}">
-        <p14:creationId xmlns:p14="http://schemas.microsoft.com/office/powerpoint/2010/main" val="4064380270"/>
+        <p14:creationId xmlns:p14="http://schemas.microsoft.com/office/powerpoint/2010/main" xmlns="" val="4064380270"/>
       </p:ext>
     </p:extLst>
   </p:cSld>
@@ -20329,7 +22260,7 @@
           <p:cNvPr id="2" name="Title 1">
             <a:extLst>
               <a:ext uri="{FF2B5EF4-FFF2-40B4-BE49-F238E27FC236}">
-                <a16:creationId xmlns:a16="http://schemas.microsoft.com/office/drawing/2014/main" id="{CC206211-C1DA-4D5E-95ED-C628F0ACF8C5}"/>
+                <a16:creationId xmlns:a16="http://schemas.microsoft.com/office/drawing/2014/main" xmlns="" id="{CC206211-C1DA-4D5E-95ED-C628F0ACF8C5}"/>
               </a:ext>
             </a:extLst>
           </p:cNvPr>
@@ -20362,7 +22293,7 @@
           <p:cNvPr id="3" name="Content Placeholder 2">
             <a:extLst>
               <a:ext uri="{FF2B5EF4-FFF2-40B4-BE49-F238E27FC236}">
-                <a16:creationId xmlns:a16="http://schemas.microsoft.com/office/drawing/2014/main" id="{6047B98C-4E65-4CF4-953F-BC1A0F4835FA}"/>
+                <a16:creationId xmlns:a16="http://schemas.microsoft.com/office/drawing/2014/main" xmlns="" id="{6047B98C-4E65-4CF4-953F-BC1A0F4835FA}"/>
               </a:ext>
             </a:extLst>
           </p:cNvPr>
@@ -20414,7 +22345,7 @@
     </p:spTree>
     <p:extLst>
       <p:ext uri="{BB962C8B-B14F-4D97-AF65-F5344CB8AC3E}">
-        <p14:creationId xmlns:p14="http://schemas.microsoft.com/office/powerpoint/2010/main" val="2444979793"/>
+        <p14:creationId xmlns:p14="http://schemas.microsoft.com/office/powerpoint/2010/main" xmlns="" val="2444979793"/>
       </p:ext>
     </p:extLst>
   </p:cSld>
@@ -20446,7 +22377,7 @@
           <p:cNvPr id="2" name="Title 1">
             <a:extLst>
               <a:ext uri="{FF2B5EF4-FFF2-40B4-BE49-F238E27FC236}">
-                <a16:creationId xmlns:a16="http://schemas.microsoft.com/office/drawing/2014/main" id="{E9E9EB54-1C01-4D8D-B5E1-513A32843026}"/>
+                <a16:creationId xmlns:a16="http://schemas.microsoft.com/office/drawing/2014/main" xmlns="" id="{E9E9EB54-1C01-4D8D-B5E1-513A32843026}"/>
               </a:ext>
             </a:extLst>
           </p:cNvPr>
@@ -20474,7 +22405,7 @@
           <p:cNvPr id="3" name="Content Placeholder 2">
             <a:extLst>
               <a:ext uri="{FF2B5EF4-FFF2-40B4-BE49-F238E27FC236}">
-                <a16:creationId xmlns:a16="http://schemas.microsoft.com/office/drawing/2014/main" id="{308C1543-8879-4EA4-B4A2-BF8EE98D4424}"/>
+                <a16:creationId xmlns:a16="http://schemas.microsoft.com/office/drawing/2014/main" xmlns="" id="{308C1543-8879-4EA4-B4A2-BF8EE98D4424}"/>
               </a:ext>
             </a:extLst>
           </p:cNvPr>
@@ -20533,7 +22464,7 @@
     </p:spTree>
     <p:extLst>
       <p:ext uri="{BB962C8B-B14F-4D97-AF65-F5344CB8AC3E}">
-        <p14:creationId xmlns:p14="http://schemas.microsoft.com/office/powerpoint/2010/main" val="2818046210"/>
+        <p14:creationId xmlns:p14="http://schemas.microsoft.com/office/powerpoint/2010/main" xmlns="" val="2818046210"/>
       </p:ext>
     </p:extLst>
   </p:cSld>
@@ -20565,7 +22496,7 @@
           <p:cNvPr id="2" name="Title 1">
             <a:extLst>
               <a:ext uri="{FF2B5EF4-FFF2-40B4-BE49-F238E27FC236}">
-                <a16:creationId xmlns:a16="http://schemas.microsoft.com/office/drawing/2014/main" id="{99A646D1-9F4F-48CF-BAB0-342067F29B39}"/>
+                <a16:creationId xmlns:a16="http://schemas.microsoft.com/office/drawing/2014/main" xmlns="" id="{99A646D1-9F4F-48CF-BAB0-342067F29B39}"/>
               </a:ext>
             </a:extLst>
           </p:cNvPr>
@@ -20593,7 +22524,7 @@
           <p:cNvPr id="3" name="Content Placeholder 2">
             <a:extLst>
               <a:ext uri="{FF2B5EF4-FFF2-40B4-BE49-F238E27FC236}">
-                <a16:creationId xmlns:a16="http://schemas.microsoft.com/office/drawing/2014/main" id="{8D43E271-D18B-499C-A02A-A9D53E47B31E}"/>
+                <a16:creationId xmlns:a16="http://schemas.microsoft.com/office/drawing/2014/main" xmlns="" id="{8D43E271-D18B-499C-A02A-A9D53E47B31E}"/>
               </a:ext>
             </a:extLst>
           </p:cNvPr>
@@ -20653,7 +22584,7 @@
     </p:spTree>
     <p:extLst>
       <p:ext uri="{BB962C8B-B14F-4D97-AF65-F5344CB8AC3E}">
-        <p14:creationId xmlns:p14="http://schemas.microsoft.com/office/powerpoint/2010/main" val="2248074531"/>
+        <p14:creationId xmlns:p14="http://schemas.microsoft.com/office/powerpoint/2010/main" xmlns="" val="2248074531"/>
       </p:ext>
     </p:extLst>
   </p:cSld>
@@ -20685,7 +22616,7 @@
           <p:cNvPr id="2" name="Title 1">
             <a:extLst>
               <a:ext uri="{FF2B5EF4-FFF2-40B4-BE49-F238E27FC236}">
-                <a16:creationId xmlns:a16="http://schemas.microsoft.com/office/drawing/2014/main" id="{28CEFD36-9EEE-44BD-A618-24395E57390C}"/>
+                <a16:creationId xmlns:a16="http://schemas.microsoft.com/office/drawing/2014/main" xmlns="" id="{28CEFD36-9EEE-44BD-A618-24395E57390C}"/>
               </a:ext>
             </a:extLst>
           </p:cNvPr>
@@ -20718,7 +22649,7 @@
           <p:cNvPr id="3" name="Content Placeholder 2">
             <a:extLst>
               <a:ext uri="{FF2B5EF4-FFF2-40B4-BE49-F238E27FC236}">
-                <a16:creationId xmlns:a16="http://schemas.microsoft.com/office/drawing/2014/main" id="{FB1C2EE1-559D-43FA-956B-FEEB8107E418}"/>
+                <a16:creationId xmlns:a16="http://schemas.microsoft.com/office/drawing/2014/main" xmlns="" id="{FB1C2EE1-559D-43FA-956B-FEEB8107E418}"/>
               </a:ext>
             </a:extLst>
           </p:cNvPr>
@@ -20762,7 +22693,7 @@
           <p:cNvPr id="4" name="Picture 3">
             <a:extLst>
               <a:ext uri="{FF2B5EF4-FFF2-40B4-BE49-F238E27FC236}">
-                <a16:creationId xmlns:a16="http://schemas.microsoft.com/office/drawing/2014/main" id="{9E881970-47E2-410F-80B2-0457887DE709}"/>
+                <a16:creationId xmlns:a16="http://schemas.microsoft.com/office/drawing/2014/main" xmlns="" id="{9E881970-47E2-410F-80B2-0457887DE709}"/>
               </a:ext>
             </a:extLst>
           </p:cNvPr>
@@ -20790,7 +22721,7 @@
     </p:spTree>
     <p:extLst>
       <p:ext uri="{BB962C8B-B14F-4D97-AF65-F5344CB8AC3E}">
-        <p14:creationId xmlns:p14="http://schemas.microsoft.com/office/powerpoint/2010/main" val="49964833"/>
+        <p14:creationId xmlns:p14="http://schemas.microsoft.com/office/powerpoint/2010/main" xmlns="" val="49964833"/>
       </p:ext>
     </p:extLst>
   </p:cSld>
@@ -20822,7 +22753,7 @@
           <p:cNvPr id="2" name="Title 1">
             <a:extLst>
               <a:ext uri="{FF2B5EF4-FFF2-40B4-BE49-F238E27FC236}">
-                <a16:creationId xmlns:a16="http://schemas.microsoft.com/office/drawing/2014/main" id="{28CEFD36-9EEE-44BD-A618-24395E57390C}"/>
+                <a16:creationId xmlns:a16="http://schemas.microsoft.com/office/drawing/2014/main" xmlns="" id="{28CEFD36-9EEE-44BD-A618-24395E57390C}"/>
               </a:ext>
             </a:extLst>
           </p:cNvPr>
@@ -20857,7 +22788,7 @@
           <p:cNvPr id="3" name="Content Placeholder 2">
             <a:extLst>
               <a:ext uri="{FF2B5EF4-FFF2-40B4-BE49-F238E27FC236}">
-                <a16:creationId xmlns:a16="http://schemas.microsoft.com/office/drawing/2014/main" id="{FB1C2EE1-559D-43FA-956B-FEEB8107E418}"/>
+                <a16:creationId xmlns:a16="http://schemas.microsoft.com/office/drawing/2014/main" xmlns="" id="{FB1C2EE1-559D-43FA-956B-FEEB8107E418}"/>
               </a:ext>
             </a:extLst>
           </p:cNvPr>
@@ -20917,7 +22848,7 @@
           <p:cNvPr id="5" name="Picture 4">
             <a:extLst>
               <a:ext uri="{FF2B5EF4-FFF2-40B4-BE49-F238E27FC236}">
-                <a16:creationId xmlns:a16="http://schemas.microsoft.com/office/drawing/2014/main" id="{336CCE73-FD10-490D-AF41-08A787EEE45F}"/>
+                <a16:creationId xmlns:a16="http://schemas.microsoft.com/office/drawing/2014/main" xmlns="" id="{336CCE73-FD10-490D-AF41-08A787EEE45F}"/>
               </a:ext>
             </a:extLst>
           </p:cNvPr>
@@ -20945,7 +22876,7 @@
     </p:spTree>
     <p:extLst>
       <p:ext uri="{BB962C8B-B14F-4D97-AF65-F5344CB8AC3E}">
-        <p14:creationId xmlns:p14="http://schemas.microsoft.com/office/powerpoint/2010/main" val="3584886726"/>
+        <p14:creationId xmlns:p14="http://schemas.microsoft.com/office/powerpoint/2010/main" xmlns="" val="3584886726"/>
       </p:ext>
     </p:extLst>
   </p:cSld>
@@ -20977,7 +22908,7 @@
           <p:cNvPr id="2" name="Title 1">
             <a:extLst>
               <a:ext uri="{FF2B5EF4-FFF2-40B4-BE49-F238E27FC236}">
-                <a16:creationId xmlns:a16="http://schemas.microsoft.com/office/drawing/2014/main" id="{28CEFD36-9EEE-44BD-A618-24395E57390C}"/>
+                <a16:creationId xmlns:a16="http://schemas.microsoft.com/office/drawing/2014/main" xmlns="" id="{28CEFD36-9EEE-44BD-A618-24395E57390C}"/>
               </a:ext>
             </a:extLst>
           </p:cNvPr>
@@ -21012,7 +22943,7 @@
           <p:cNvPr id="3" name="Content Placeholder 2">
             <a:extLst>
               <a:ext uri="{FF2B5EF4-FFF2-40B4-BE49-F238E27FC236}">
-                <a16:creationId xmlns:a16="http://schemas.microsoft.com/office/drawing/2014/main" id="{FB1C2EE1-559D-43FA-956B-FEEB8107E418}"/>
+                <a16:creationId xmlns:a16="http://schemas.microsoft.com/office/drawing/2014/main" xmlns="" id="{FB1C2EE1-559D-43FA-956B-FEEB8107E418}"/>
               </a:ext>
             </a:extLst>
           </p:cNvPr>
@@ -21048,7 +22979,7 @@
           <p:cNvPr id="4" name="Picture 3">
             <a:extLst>
               <a:ext uri="{FF2B5EF4-FFF2-40B4-BE49-F238E27FC236}">
-                <a16:creationId xmlns:a16="http://schemas.microsoft.com/office/drawing/2014/main" id="{CDDDD3DB-37E1-4718-A6D2-51B5C4FF4CCC}"/>
+                <a16:creationId xmlns:a16="http://schemas.microsoft.com/office/drawing/2014/main" xmlns="" id="{CDDDD3DB-37E1-4718-A6D2-51B5C4FF4CCC}"/>
               </a:ext>
             </a:extLst>
           </p:cNvPr>
@@ -21076,7 +23007,7 @@
     </p:spTree>
     <p:extLst>
       <p:ext uri="{BB962C8B-B14F-4D97-AF65-F5344CB8AC3E}">
-        <p14:creationId xmlns:p14="http://schemas.microsoft.com/office/powerpoint/2010/main" val="2113172796"/>
+        <p14:creationId xmlns:p14="http://schemas.microsoft.com/office/powerpoint/2010/main" xmlns="" val="2113172796"/>
       </p:ext>
     </p:extLst>
   </p:cSld>

--- a/MEAN Stack Workshop.pptx
+++ b/MEAN Stack Workshop.pptx
@@ -5,7 +5,7 @@
     <p:sldMasterId id="2147483660" r:id="rId1"/>
   </p:sldMasterIdLst>
   <p:notesMasterIdLst>
-    <p:notesMasterId r:id="rId130"/>
+    <p:notesMasterId r:id="rId158"/>
   </p:notesMasterIdLst>
   <p:sldIdLst>
     <p:sldId id="256" r:id="rId2"/>
@@ -136,6 +136,34 @@
     <p:sldId id="382" r:id="rId127"/>
     <p:sldId id="383" r:id="rId128"/>
     <p:sldId id="384" r:id="rId129"/>
+    <p:sldId id="385" r:id="rId130"/>
+    <p:sldId id="386" r:id="rId131"/>
+    <p:sldId id="387" r:id="rId132"/>
+    <p:sldId id="388" r:id="rId133"/>
+    <p:sldId id="389" r:id="rId134"/>
+    <p:sldId id="390" r:id="rId135"/>
+    <p:sldId id="391" r:id="rId136"/>
+    <p:sldId id="392" r:id="rId137"/>
+    <p:sldId id="393" r:id="rId138"/>
+    <p:sldId id="394" r:id="rId139"/>
+    <p:sldId id="395" r:id="rId140"/>
+    <p:sldId id="396" r:id="rId141"/>
+    <p:sldId id="397" r:id="rId142"/>
+    <p:sldId id="398" r:id="rId143"/>
+    <p:sldId id="399" r:id="rId144"/>
+    <p:sldId id="400" r:id="rId145"/>
+    <p:sldId id="401" r:id="rId146"/>
+    <p:sldId id="402" r:id="rId147"/>
+    <p:sldId id="403" r:id="rId148"/>
+    <p:sldId id="404" r:id="rId149"/>
+    <p:sldId id="405" r:id="rId150"/>
+    <p:sldId id="406" r:id="rId151"/>
+    <p:sldId id="407" r:id="rId152"/>
+    <p:sldId id="408" r:id="rId153"/>
+    <p:sldId id="409" r:id="rId154"/>
+    <p:sldId id="410" r:id="rId155"/>
+    <p:sldId id="411" r:id="rId156"/>
+    <p:sldId id="412" r:id="rId157"/>
   </p:sldIdLst>
   <p:sldSz cx="9144000" cy="6858000" type="screen4x3"/>
   <p:notesSz cx="6858000" cy="9144000"/>
@@ -236,7 +264,7 @@
   </p:defaultTextStyle>
   <p:extLst>
     <p:ext uri="{EFAFB233-063F-42B5-8137-9DF3F51BA10A}">
-      <p15:sldGuideLst xmlns:p15="http://schemas.microsoft.com/office/powerpoint/2012/main" xmlns="">
+      <p15:sldGuideLst xmlns="" xmlns:p15="http://schemas.microsoft.com/office/powerpoint/2012/main">
         <p15:guide id="1" orient="horz" pos="2160">
           <p15:clr>
             <a:srgbClr val="A4A3A4"/>
@@ -336,7 +364,7 @@
             <a:fld id="{32B86DEE-773E-43AE-9ECA-E0C79A981448}" type="datetimeFigureOut">
               <a:rPr lang="en-US" smtClean="0"/>
               <a:pPr/>
-              <a:t>1/1/2020</a:t>
+              <a:t>1/6/2020</a:t>
             </a:fld>
             <a:endParaRPr lang="en-US"/>
           </a:p>
@@ -1340,7 +1368,7 @@
             <a:fld id="{051B7C22-4A45-4025-8681-ED0403F46852}" type="datetimeFigureOut">
               <a:rPr lang="en-US" smtClean="0"/>
               <a:pPr/>
-              <a:t>1/1/2020</a:t>
+              <a:t>1/6/2020</a:t>
             </a:fld>
             <a:endParaRPr lang="en-US"/>
           </a:p>
@@ -1524,7 +1552,7 @@
             <a:fld id="{051B7C22-4A45-4025-8681-ED0403F46852}" type="datetimeFigureOut">
               <a:rPr lang="en-US" smtClean="0"/>
               <a:pPr/>
-              <a:t>1/1/2020</a:t>
+              <a:t>1/6/2020</a:t>
             </a:fld>
             <a:endParaRPr lang="en-US"/>
           </a:p>
@@ -1700,7 +1728,7 @@
             <a:fld id="{051B7C22-4A45-4025-8681-ED0403F46852}" type="datetimeFigureOut">
               <a:rPr lang="en-US" smtClean="0"/>
               <a:pPr/>
-              <a:t>1/1/2020</a:t>
+              <a:t>1/6/2020</a:t>
             </a:fld>
             <a:endParaRPr lang="en-US"/>
           </a:p>
@@ -1866,7 +1894,7 @@
             <a:fld id="{051B7C22-4A45-4025-8681-ED0403F46852}" type="datetimeFigureOut">
               <a:rPr lang="en-US" smtClean="0"/>
               <a:pPr/>
-              <a:t>1/1/2020</a:t>
+              <a:t>1/6/2020</a:t>
             </a:fld>
             <a:endParaRPr lang="en-US"/>
           </a:p>
@@ -2088,7 +2116,7 @@
             <a:fld id="{051B7C22-4A45-4025-8681-ED0403F46852}" type="datetimeFigureOut">
               <a:rPr lang="en-US" smtClean="0"/>
               <a:pPr/>
-              <a:t>1/1/2020</a:t>
+              <a:t>1/6/2020</a:t>
             </a:fld>
             <a:endParaRPr lang="en-US"/>
           </a:p>
@@ -2348,7 +2376,7 @@
             <a:fld id="{051B7C22-4A45-4025-8681-ED0403F46852}" type="datetimeFigureOut">
               <a:rPr lang="en-US" smtClean="0"/>
               <a:pPr/>
-              <a:t>1/1/2020</a:t>
+              <a:t>1/6/2020</a:t>
             </a:fld>
             <a:endParaRPr lang="en-US"/>
           </a:p>
@@ -2753,7 +2781,7 @@
             <a:fld id="{051B7C22-4A45-4025-8681-ED0403F46852}" type="datetimeFigureOut">
               <a:rPr lang="en-US" smtClean="0"/>
               <a:pPr/>
-              <a:t>1/1/2020</a:t>
+              <a:t>1/6/2020</a:t>
             </a:fld>
             <a:endParaRPr lang="en-US"/>
           </a:p>
@@ -2885,7 +2913,7 @@
             <a:fld id="{051B7C22-4A45-4025-8681-ED0403F46852}" type="datetimeFigureOut">
               <a:rPr lang="en-US" smtClean="0"/>
               <a:pPr/>
-              <a:t>1/1/2020</a:t>
+              <a:t>1/6/2020</a:t>
             </a:fld>
             <a:endParaRPr lang="en-US"/>
           </a:p>
@@ -2987,7 +3015,7 @@
             <a:fld id="{051B7C22-4A45-4025-8681-ED0403F46852}" type="datetimeFigureOut">
               <a:rPr lang="en-US" smtClean="0"/>
               <a:pPr/>
-              <a:t>1/1/2020</a:t>
+              <a:t>1/6/2020</a:t>
             </a:fld>
             <a:endParaRPr lang="en-US"/>
           </a:p>
@@ -3233,7 +3261,7 @@
             <a:fld id="{051B7C22-4A45-4025-8681-ED0403F46852}" type="datetimeFigureOut">
               <a:rPr lang="en-US" smtClean="0"/>
               <a:pPr/>
-              <a:t>1/1/2020</a:t>
+              <a:t>1/6/2020</a:t>
             </a:fld>
             <a:endParaRPr lang="en-US"/>
           </a:p>
@@ -3478,7 +3506,7 @@
             <a:fld id="{051B7C22-4A45-4025-8681-ED0403F46852}" type="datetimeFigureOut">
               <a:rPr lang="en-US" smtClean="0"/>
               <a:pPr/>
-              <a:t>1/1/2020</a:t>
+              <a:t>1/6/2020</a:t>
             </a:fld>
             <a:endParaRPr lang="en-US"/>
           </a:p>
@@ -4302,7 +4330,7 @@
             <a:fld id="{051B7C22-4A45-4025-8681-ED0403F46852}" type="datetimeFigureOut">
               <a:rPr lang="en-US" smtClean="0"/>
               <a:pPr/>
-              <a:t>1/1/2020</a:t>
+              <a:t>1/6/2020</a:t>
             </a:fld>
             <a:endParaRPr lang="en-US"/>
           </a:p>
@@ -4925,7 +4953,7 @@
           <p:cNvPr id="2" name="Title 1">
             <a:extLst>
               <a:ext uri="{FF2B5EF4-FFF2-40B4-BE49-F238E27FC236}">
-                <a16:creationId xmlns:a16="http://schemas.microsoft.com/office/drawing/2014/main" xmlns="" id="{99A646D1-9F4F-48CF-BAB0-342067F29B39}"/>
+                <a16:creationId xmlns="" xmlns:a16="http://schemas.microsoft.com/office/drawing/2014/main" id="{99A646D1-9F4F-48CF-BAB0-342067F29B39}"/>
               </a:ext>
             </a:extLst>
           </p:cNvPr>
@@ -4953,7 +4981,7 @@
           <p:cNvPr id="3" name="Content Placeholder 2">
             <a:extLst>
               <a:ext uri="{FF2B5EF4-FFF2-40B4-BE49-F238E27FC236}">
-                <a16:creationId xmlns:a16="http://schemas.microsoft.com/office/drawing/2014/main" xmlns="" id="{8D43E271-D18B-499C-A02A-A9D53E47B31E}"/>
+                <a16:creationId xmlns="" xmlns:a16="http://schemas.microsoft.com/office/drawing/2014/main" id="{8D43E271-D18B-499C-A02A-A9D53E47B31E}"/>
               </a:ext>
             </a:extLst>
           </p:cNvPr>
@@ -5015,13 +5043,20 @@
     </p:spTree>
     <p:extLst>
       <p:ext uri="{BB962C8B-B14F-4D97-AF65-F5344CB8AC3E}">
-        <p14:creationId xmlns:p14="http://schemas.microsoft.com/office/powerpoint/2010/main" xmlns="" val="2205095223"/>
+        <p14:creationId xmlns="" xmlns:p14="http://schemas.microsoft.com/office/powerpoint/2010/main" val="2205095223"/>
       </p:ext>
     </p:extLst>
   </p:cSld>
   <p:clrMapOvr>
     <a:masterClrMapping/>
   </p:clrMapOvr>
+  <p:timing>
+    <p:tnLst>
+      <p:par>
+        <p:cTn id="1" dur="indefinite" restart="never" nodeType="tmRoot"/>
+      </p:par>
+    </p:tnLst>
+  </p:timing>
 </p:sld>
 </file>
 
@@ -5047,7 +5082,7 @@
           <p:cNvPr id="2" name="Title 1">
             <a:extLst>
               <a:ext uri="{FF2B5EF4-FFF2-40B4-BE49-F238E27FC236}">
-                <a16:creationId xmlns:a16="http://schemas.microsoft.com/office/drawing/2014/main" xmlns="" id="{D6FA9611-86DC-42C5-A195-40C3BDAC274D}"/>
+                <a16:creationId xmlns="" xmlns:a16="http://schemas.microsoft.com/office/drawing/2014/main" id="{D6FA9611-86DC-42C5-A195-40C3BDAC274D}"/>
               </a:ext>
             </a:extLst>
           </p:cNvPr>
@@ -5082,7 +5117,7 @@
           <p:cNvPr id="3" name="Content Placeholder 2">
             <a:extLst>
               <a:ext uri="{FF2B5EF4-FFF2-40B4-BE49-F238E27FC236}">
-                <a16:creationId xmlns:a16="http://schemas.microsoft.com/office/drawing/2014/main" xmlns="" id="{725A3939-56DC-490A-BEBB-4AF1DBFC5941}"/>
+                <a16:creationId xmlns="" xmlns:a16="http://schemas.microsoft.com/office/drawing/2014/main" id="{725A3939-56DC-490A-BEBB-4AF1DBFC5941}"/>
               </a:ext>
             </a:extLst>
           </p:cNvPr>
@@ -5132,7 +5167,7 @@
           <p:cNvPr id="4" name="Picture 3">
             <a:extLst>
               <a:ext uri="{FF2B5EF4-FFF2-40B4-BE49-F238E27FC236}">
-                <a16:creationId xmlns:a16="http://schemas.microsoft.com/office/drawing/2014/main" xmlns="" id="{1400BC32-9CD4-4928-9D34-2CFE9F619F20}"/>
+                <a16:creationId xmlns="" xmlns:a16="http://schemas.microsoft.com/office/drawing/2014/main" id="{1400BC32-9CD4-4928-9D34-2CFE9F619F20}"/>
               </a:ext>
             </a:extLst>
           </p:cNvPr>
@@ -5160,13 +5195,20 @@
     </p:spTree>
     <p:extLst>
       <p:ext uri="{BB962C8B-B14F-4D97-AF65-F5344CB8AC3E}">
-        <p14:creationId xmlns:p14="http://schemas.microsoft.com/office/powerpoint/2010/main" xmlns="" val="1942055489"/>
+        <p14:creationId xmlns="" xmlns:p14="http://schemas.microsoft.com/office/powerpoint/2010/main" val="1942055489"/>
       </p:ext>
     </p:extLst>
   </p:cSld>
   <p:clrMapOvr>
     <a:masterClrMapping/>
   </p:clrMapOvr>
+  <p:timing>
+    <p:tnLst>
+      <p:par>
+        <p:cTn id="1" dur="indefinite" restart="never" nodeType="tmRoot"/>
+      </p:par>
+    </p:tnLst>
+  </p:timing>
 </p:sld>
 </file>
 
@@ -5192,7 +5234,7 @@
           <p:cNvPr id="2" name="Title 1">
             <a:extLst>
               <a:ext uri="{FF2B5EF4-FFF2-40B4-BE49-F238E27FC236}">
-                <a16:creationId xmlns:a16="http://schemas.microsoft.com/office/drawing/2014/main" xmlns="" id="{D6FA9611-86DC-42C5-A195-40C3BDAC274D}"/>
+                <a16:creationId xmlns="" xmlns:a16="http://schemas.microsoft.com/office/drawing/2014/main" id="{D6FA9611-86DC-42C5-A195-40C3BDAC274D}"/>
               </a:ext>
             </a:extLst>
           </p:cNvPr>
@@ -5227,7 +5269,7 @@
           <p:cNvPr id="3" name="Content Placeholder 2">
             <a:extLst>
               <a:ext uri="{FF2B5EF4-FFF2-40B4-BE49-F238E27FC236}">
-                <a16:creationId xmlns:a16="http://schemas.microsoft.com/office/drawing/2014/main" xmlns="" id="{725A3939-56DC-490A-BEBB-4AF1DBFC5941}"/>
+                <a16:creationId xmlns="" xmlns:a16="http://schemas.microsoft.com/office/drawing/2014/main" id="{725A3939-56DC-490A-BEBB-4AF1DBFC5941}"/>
               </a:ext>
             </a:extLst>
           </p:cNvPr>
@@ -5280,7 +5322,7 @@
           <p:cNvPr id="5" name="Picture 4">
             <a:extLst>
               <a:ext uri="{FF2B5EF4-FFF2-40B4-BE49-F238E27FC236}">
-                <a16:creationId xmlns:a16="http://schemas.microsoft.com/office/drawing/2014/main" xmlns="" id="{6B4F13B2-2D35-4C30-977A-633AB0A98591}"/>
+                <a16:creationId xmlns="" xmlns:a16="http://schemas.microsoft.com/office/drawing/2014/main" id="{6B4F13B2-2D35-4C30-977A-633AB0A98591}"/>
               </a:ext>
             </a:extLst>
           </p:cNvPr>
@@ -5308,13 +5350,20 @@
     </p:spTree>
     <p:extLst>
       <p:ext uri="{BB962C8B-B14F-4D97-AF65-F5344CB8AC3E}">
-        <p14:creationId xmlns:p14="http://schemas.microsoft.com/office/powerpoint/2010/main" xmlns="" val="2977201770"/>
+        <p14:creationId xmlns="" xmlns:p14="http://schemas.microsoft.com/office/powerpoint/2010/main" val="2977201770"/>
       </p:ext>
     </p:extLst>
   </p:cSld>
   <p:clrMapOvr>
     <a:masterClrMapping/>
   </p:clrMapOvr>
+  <p:timing>
+    <p:tnLst>
+      <p:par>
+        <p:cTn id="1" dur="indefinite" restart="never" nodeType="tmRoot"/>
+      </p:par>
+    </p:tnLst>
+  </p:timing>
 </p:sld>
 </file>
 
@@ -5340,7 +5389,7 @@
           <p:cNvPr id="2" name="Title 1">
             <a:extLst>
               <a:ext uri="{FF2B5EF4-FFF2-40B4-BE49-F238E27FC236}">
-                <a16:creationId xmlns:a16="http://schemas.microsoft.com/office/drawing/2014/main" xmlns="" id="{D6FA9611-86DC-42C5-A195-40C3BDAC274D}"/>
+                <a16:creationId xmlns="" xmlns:a16="http://schemas.microsoft.com/office/drawing/2014/main" id="{D6FA9611-86DC-42C5-A195-40C3BDAC274D}"/>
               </a:ext>
             </a:extLst>
           </p:cNvPr>
@@ -5375,7 +5424,7 @@
           <p:cNvPr id="3" name="Content Placeholder 2">
             <a:extLst>
               <a:ext uri="{FF2B5EF4-FFF2-40B4-BE49-F238E27FC236}">
-                <a16:creationId xmlns:a16="http://schemas.microsoft.com/office/drawing/2014/main" xmlns="" id="{725A3939-56DC-490A-BEBB-4AF1DBFC5941}"/>
+                <a16:creationId xmlns="" xmlns:a16="http://schemas.microsoft.com/office/drawing/2014/main" id="{725A3939-56DC-490A-BEBB-4AF1DBFC5941}"/>
               </a:ext>
             </a:extLst>
           </p:cNvPr>
@@ -5413,7 +5462,7 @@
           <p:cNvPr id="4" name="Picture 3">
             <a:extLst>
               <a:ext uri="{FF2B5EF4-FFF2-40B4-BE49-F238E27FC236}">
-                <a16:creationId xmlns:a16="http://schemas.microsoft.com/office/drawing/2014/main" xmlns="" id="{8D92ADBB-DFFE-4CE8-9969-2839BF0F1CAD}"/>
+                <a16:creationId xmlns="" xmlns:a16="http://schemas.microsoft.com/office/drawing/2014/main" id="{8D92ADBB-DFFE-4CE8-9969-2839BF0F1CAD}"/>
               </a:ext>
             </a:extLst>
           </p:cNvPr>
@@ -5441,13 +5490,20 @@
     </p:spTree>
     <p:extLst>
       <p:ext uri="{BB962C8B-B14F-4D97-AF65-F5344CB8AC3E}">
-        <p14:creationId xmlns:p14="http://schemas.microsoft.com/office/powerpoint/2010/main" xmlns="" val="17663716"/>
+        <p14:creationId xmlns="" xmlns:p14="http://schemas.microsoft.com/office/powerpoint/2010/main" val="17663716"/>
       </p:ext>
     </p:extLst>
   </p:cSld>
   <p:clrMapOvr>
     <a:masterClrMapping/>
   </p:clrMapOvr>
+  <p:timing>
+    <p:tnLst>
+      <p:par>
+        <p:cTn id="1" dur="indefinite" restart="never" nodeType="tmRoot"/>
+      </p:par>
+    </p:tnLst>
+  </p:timing>
 </p:sld>
 </file>
 
@@ -5473,7 +5529,7 @@
           <p:cNvPr id="2" name="Title 1">
             <a:extLst>
               <a:ext uri="{FF2B5EF4-FFF2-40B4-BE49-F238E27FC236}">
-                <a16:creationId xmlns:a16="http://schemas.microsoft.com/office/drawing/2014/main" xmlns="" id="{7D2DD04F-37EE-4DE8-ADB4-91CE756533C7}"/>
+                <a16:creationId xmlns="" xmlns:a16="http://schemas.microsoft.com/office/drawing/2014/main" id="{7D2DD04F-37EE-4DE8-ADB4-91CE756533C7}"/>
               </a:ext>
             </a:extLst>
           </p:cNvPr>
@@ -5501,7 +5557,7 @@
           <p:cNvPr id="3" name="Content Placeholder 2">
             <a:extLst>
               <a:ext uri="{FF2B5EF4-FFF2-40B4-BE49-F238E27FC236}">
-                <a16:creationId xmlns:a16="http://schemas.microsoft.com/office/drawing/2014/main" xmlns="" id="{5140EAD8-896B-4D55-84E7-707A13BE066C}"/>
+                <a16:creationId xmlns="" xmlns:a16="http://schemas.microsoft.com/office/drawing/2014/main" id="{5140EAD8-896B-4D55-84E7-707A13BE066C}"/>
               </a:ext>
             </a:extLst>
           </p:cNvPr>
@@ -5575,7 +5631,7 @@
           <p:cNvPr id="5" name="Picture 4">
             <a:extLst>
               <a:ext uri="{FF2B5EF4-FFF2-40B4-BE49-F238E27FC236}">
-                <a16:creationId xmlns:a16="http://schemas.microsoft.com/office/drawing/2014/main" xmlns="" id="{522FB627-BD4F-4F21-90D3-C4A20E028B64}"/>
+                <a16:creationId xmlns="" xmlns:a16="http://schemas.microsoft.com/office/drawing/2014/main" id="{522FB627-BD4F-4F21-90D3-C4A20E028B64}"/>
               </a:ext>
             </a:extLst>
           </p:cNvPr>
@@ -5603,13 +5659,20 @@
     </p:spTree>
     <p:extLst>
       <p:ext uri="{BB962C8B-B14F-4D97-AF65-F5344CB8AC3E}">
-        <p14:creationId xmlns:p14="http://schemas.microsoft.com/office/powerpoint/2010/main" xmlns="" val="114939283"/>
+        <p14:creationId xmlns="" xmlns:p14="http://schemas.microsoft.com/office/powerpoint/2010/main" val="114939283"/>
       </p:ext>
     </p:extLst>
   </p:cSld>
   <p:clrMapOvr>
     <a:masterClrMapping/>
   </p:clrMapOvr>
+  <p:timing>
+    <p:tnLst>
+      <p:par>
+        <p:cTn id="1" dur="indefinite" restart="never" nodeType="tmRoot"/>
+      </p:par>
+    </p:tnLst>
+  </p:timing>
 </p:sld>
 </file>
 
@@ -5635,7 +5698,7 @@
           <p:cNvPr id="2" name="Title 1">
             <a:extLst>
               <a:ext uri="{FF2B5EF4-FFF2-40B4-BE49-F238E27FC236}">
-                <a16:creationId xmlns:a16="http://schemas.microsoft.com/office/drawing/2014/main" xmlns="" id="{7D2DD04F-37EE-4DE8-ADB4-91CE756533C7}"/>
+                <a16:creationId xmlns="" xmlns:a16="http://schemas.microsoft.com/office/drawing/2014/main" id="{7D2DD04F-37EE-4DE8-ADB4-91CE756533C7}"/>
               </a:ext>
             </a:extLst>
           </p:cNvPr>
@@ -5663,7 +5726,7 @@
           <p:cNvPr id="3" name="Content Placeholder 2">
             <a:extLst>
               <a:ext uri="{FF2B5EF4-FFF2-40B4-BE49-F238E27FC236}">
-                <a16:creationId xmlns:a16="http://schemas.microsoft.com/office/drawing/2014/main" xmlns="" id="{5140EAD8-896B-4D55-84E7-707A13BE066C}"/>
+                <a16:creationId xmlns="" xmlns:a16="http://schemas.microsoft.com/office/drawing/2014/main" id="{5140EAD8-896B-4D55-84E7-707A13BE066C}"/>
               </a:ext>
             </a:extLst>
           </p:cNvPr>
@@ -5688,7 +5751,7 @@
           <p:cNvPr id="4" name="Picture 3">
             <a:extLst>
               <a:ext uri="{FF2B5EF4-FFF2-40B4-BE49-F238E27FC236}">
-                <a16:creationId xmlns:a16="http://schemas.microsoft.com/office/drawing/2014/main" xmlns="" id="{91A1F3B1-45D1-4CDF-865F-AA91EB72A981}"/>
+                <a16:creationId xmlns="" xmlns:a16="http://schemas.microsoft.com/office/drawing/2014/main" id="{91A1F3B1-45D1-4CDF-865F-AA91EB72A981}"/>
               </a:ext>
             </a:extLst>
           </p:cNvPr>
@@ -5718,7 +5781,7 @@
           <p:cNvPr id="6" name="Picture 5">
             <a:extLst>
               <a:ext uri="{FF2B5EF4-FFF2-40B4-BE49-F238E27FC236}">
-                <a16:creationId xmlns:a16="http://schemas.microsoft.com/office/drawing/2014/main" xmlns="" id="{FB81DFDA-3E98-4D57-828A-9CF8A28AC383}"/>
+                <a16:creationId xmlns="" xmlns:a16="http://schemas.microsoft.com/office/drawing/2014/main" id="{FB81DFDA-3E98-4D57-828A-9CF8A28AC383}"/>
               </a:ext>
             </a:extLst>
           </p:cNvPr>
@@ -5746,13 +5809,20 @@
     </p:spTree>
     <p:extLst>
       <p:ext uri="{BB962C8B-B14F-4D97-AF65-F5344CB8AC3E}">
-        <p14:creationId xmlns:p14="http://schemas.microsoft.com/office/powerpoint/2010/main" xmlns="" val="2421850466"/>
+        <p14:creationId xmlns="" xmlns:p14="http://schemas.microsoft.com/office/powerpoint/2010/main" val="2421850466"/>
       </p:ext>
     </p:extLst>
   </p:cSld>
   <p:clrMapOvr>
     <a:masterClrMapping/>
   </p:clrMapOvr>
+  <p:timing>
+    <p:tnLst>
+      <p:par>
+        <p:cTn id="1" dur="indefinite" restart="never" nodeType="tmRoot"/>
+      </p:par>
+    </p:tnLst>
+  </p:timing>
 </p:sld>
 </file>
 
@@ -5778,7 +5848,7 @@
           <p:cNvPr id="2" name="Title 1">
             <a:extLst>
               <a:ext uri="{FF2B5EF4-FFF2-40B4-BE49-F238E27FC236}">
-                <a16:creationId xmlns:a16="http://schemas.microsoft.com/office/drawing/2014/main" xmlns="" id="{33BFD545-0B22-4CCB-BF2B-8358F0DFB066}"/>
+                <a16:creationId xmlns="" xmlns:a16="http://schemas.microsoft.com/office/drawing/2014/main" id="{33BFD545-0B22-4CCB-BF2B-8358F0DFB066}"/>
               </a:ext>
             </a:extLst>
           </p:cNvPr>
@@ -5806,7 +5876,7 @@
           <p:cNvPr id="3" name="Content Placeholder 2">
             <a:extLst>
               <a:ext uri="{FF2B5EF4-FFF2-40B4-BE49-F238E27FC236}">
-                <a16:creationId xmlns:a16="http://schemas.microsoft.com/office/drawing/2014/main" xmlns="" id="{75DC1864-6327-4FD3-B56A-434BC495B6C0}"/>
+                <a16:creationId xmlns="" xmlns:a16="http://schemas.microsoft.com/office/drawing/2014/main" id="{75DC1864-6327-4FD3-B56A-434BC495B6C0}"/>
               </a:ext>
             </a:extLst>
           </p:cNvPr>
@@ -5831,7 +5901,7 @@
           <p:cNvPr id="4" name="Picture 3">
             <a:extLst>
               <a:ext uri="{FF2B5EF4-FFF2-40B4-BE49-F238E27FC236}">
-                <a16:creationId xmlns:a16="http://schemas.microsoft.com/office/drawing/2014/main" xmlns="" id="{F75B5702-5CCE-40EA-BAE7-731E229AA549}"/>
+                <a16:creationId xmlns="" xmlns:a16="http://schemas.microsoft.com/office/drawing/2014/main" id="{F75B5702-5CCE-40EA-BAE7-731E229AA549}"/>
               </a:ext>
             </a:extLst>
           </p:cNvPr>
@@ -5859,13 +5929,20 @@
     </p:spTree>
     <p:extLst>
       <p:ext uri="{BB962C8B-B14F-4D97-AF65-F5344CB8AC3E}">
-        <p14:creationId xmlns:p14="http://schemas.microsoft.com/office/powerpoint/2010/main" xmlns="" val="2137432257"/>
+        <p14:creationId xmlns="" xmlns:p14="http://schemas.microsoft.com/office/powerpoint/2010/main" val="2137432257"/>
       </p:ext>
     </p:extLst>
   </p:cSld>
   <p:clrMapOvr>
     <a:masterClrMapping/>
   </p:clrMapOvr>
+  <p:timing>
+    <p:tnLst>
+      <p:par>
+        <p:cTn id="1" dur="indefinite" restart="never" nodeType="tmRoot"/>
+      </p:par>
+    </p:tnLst>
+  </p:timing>
 </p:sld>
 </file>
 
@@ -5891,7 +5968,7 @@
           <p:cNvPr id="2" name="Title 1">
             <a:extLst>
               <a:ext uri="{FF2B5EF4-FFF2-40B4-BE49-F238E27FC236}">
-                <a16:creationId xmlns:a16="http://schemas.microsoft.com/office/drawing/2014/main" xmlns="" id="{33BFD545-0B22-4CCB-BF2B-8358F0DFB066}"/>
+                <a16:creationId xmlns="" xmlns:a16="http://schemas.microsoft.com/office/drawing/2014/main" id="{33BFD545-0B22-4CCB-BF2B-8358F0DFB066}"/>
               </a:ext>
             </a:extLst>
           </p:cNvPr>
@@ -5916,7 +5993,7 @@
           <p:cNvPr id="3" name="Content Placeholder 2">
             <a:extLst>
               <a:ext uri="{FF2B5EF4-FFF2-40B4-BE49-F238E27FC236}">
-                <a16:creationId xmlns:a16="http://schemas.microsoft.com/office/drawing/2014/main" xmlns="" id="{75DC1864-6327-4FD3-B56A-434BC495B6C0}"/>
+                <a16:creationId xmlns="" xmlns:a16="http://schemas.microsoft.com/office/drawing/2014/main" id="{75DC1864-6327-4FD3-B56A-434BC495B6C0}"/>
               </a:ext>
             </a:extLst>
           </p:cNvPr>
@@ -5941,7 +6018,7 @@
           <p:cNvPr id="5" name="Picture 4">
             <a:extLst>
               <a:ext uri="{FF2B5EF4-FFF2-40B4-BE49-F238E27FC236}">
-                <a16:creationId xmlns:a16="http://schemas.microsoft.com/office/drawing/2014/main" xmlns="" id="{5492763B-8688-4953-AAFF-98AF62371931}"/>
+                <a16:creationId xmlns="" xmlns:a16="http://schemas.microsoft.com/office/drawing/2014/main" id="{5492763B-8688-4953-AAFF-98AF62371931}"/>
               </a:ext>
             </a:extLst>
           </p:cNvPr>
@@ -5969,13 +6046,20 @@
     </p:spTree>
     <p:extLst>
       <p:ext uri="{BB962C8B-B14F-4D97-AF65-F5344CB8AC3E}">
-        <p14:creationId xmlns:p14="http://schemas.microsoft.com/office/powerpoint/2010/main" xmlns="" val="2493095389"/>
+        <p14:creationId xmlns="" xmlns:p14="http://schemas.microsoft.com/office/powerpoint/2010/main" val="2493095389"/>
       </p:ext>
     </p:extLst>
   </p:cSld>
   <p:clrMapOvr>
     <a:masterClrMapping/>
   </p:clrMapOvr>
+  <p:timing>
+    <p:tnLst>
+      <p:par>
+        <p:cTn id="1" dur="indefinite" restart="never" nodeType="tmRoot"/>
+      </p:par>
+    </p:tnLst>
+  </p:timing>
 </p:sld>
 </file>
 
@@ -6001,7 +6085,7 @@
           <p:cNvPr id="2" name="Title 1">
             <a:extLst>
               <a:ext uri="{FF2B5EF4-FFF2-40B4-BE49-F238E27FC236}">
-                <a16:creationId xmlns:a16="http://schemas.microsoft.com/office/drawing/2014/main" xmlns="" id="{33BFD545-0B22-4CCB-BF2B-8358F0DFB066}"/>
+                <a16:creationId xmlns="" xmlns:a16="http://schemas.microsoft.com/office/drawing/2014/main" id="{33BFD545-0B22-4CCB-BF2B-8358F0DFB066}"/>
               </a:ext>
             </a:extLst>
           </p:cNvPr>
@@ -6034,7 +6118,7 @@
           <p:cNvPr id="3" name="Content Placeholder 2">
             <a:extLst>
               <a:ext uri="{FF2B5EF4-FFF2-40B4-BE49-F238E27FC236}">
-                <a16:creationId xmlns:a16="http://schemas.microsoft.com/office/drawing/2014/main" xmlns="" id="{75DC1864-6327-4FD3-B56A-434BC495B6C0}"/>
+                <a16:creationId xmlns="" xmlns:a16="http://schemas.microsoft.com/office/drawing/2014/main" id="{75DC1864-6327-4FD3-B56A-434BC495B6C0}"/>
               </a:ext>
             </a:extLst>
           </p:cNvPr>
@@ -6059,7 +6143,7 @@
           <p:cNvPr id="4" name="Picture 3">
             <a:extLst>
               <a:ext uri="{FF2B5EF4-FFF2-40B4-BE49-F238E27FC236}">
-                <a16:creationId xmlns:a16="http://schemas.microsoft.com/office/drawing/2014/main" xmlns="" id="{F61726FD-75DB-47FC-93F5-86895BAD53FE}"/>
+                <a16:creationId xmlns="" xmlns:a16="http://schemas.microsoft.com/office/drawing/2014/main" id="{F61726FD-75DB-47FC-93F5-86895BAD53FE}"/>
               </a:ext>
             </a:extLst>
           </p:cNvPr>
@@ -6087,13 +6171,20 @@
     </p:spTree>
     <p:extLst>
       <p:ext uri="{BB962C8B-B14F-4D97-AF65-F5344CB8AC3E}">
-        <p14:creationId xmlns:p14="http://schemas.microsoft.com/office/powerpoint/2010/main" xmlns="" val="1232412425"/>
+        <p14:creationId xmlns="" xmlns:p14="http://schemas.microsoft.com/office/powerpoint/2010/main" val="1232412425"/>
       </p:ext>
     </p:extLst>
   </p:cSld>
   <p:clrMapOvr>
     <a:masterClrMapping/>
   </p:clrMapOvr>
+  <p:timing>
+    <p:tnLst>
+      <p:par>
+        <p:cTn id="1" dur="indefinite" restart="never" nodeType="tmRoot"/>
+      </p:par>
+    </p:tnLst>
+  </p:timing>
 </p:sld>
 </file>
 
@@ -6119,7 +6210,7 @@
           <p:cNvPr id="2" name="Title 1">
             <a:extLst>
               <a:ext uri="{FF2B5EF4-FFF2-40B4-BE49-F238E27FC236}">
-                <a16:creationId xmlns:a16="http://schemas.microsoft.com/office/drawing/2014/main" xmlns="" id="{33BFD545-0B22-4CCB-BF2B-8358F0DFB066}"/>
+                <a16:creationId xmlns="" xmlns:a16="http://schemas.microsoft.com/office/drawing/2014/main" id="{33BFD545-0B22-4CCB-BF2B-8358F0DFB066}"/>
               </a:ext>
             </a:extLst>
           </p:cNvPr>
@@ -6147,7 +6238,7 @@
           <p:cNvPr id="3" name="Content Placeholder 2">
             <a:extLst>
               <a:ext uri="{FF2B5EF4-FFF2-40B4-BE49-F238E27FC236}">
-                <a16:creationId xmlns:a16="http://schemas.microsoft.com/office/drawing/2014/main" xmlns="" id="{75DC1864-6327-4FD3-B56A-434BC495B6C0}"/>
+                <a16:creationId xmlns="" xmlns:a16="http://schemas.microsoft.com/office/drawing/2014/main" id="{75DC1864-6327-4FD3-B56A-434BC495B6C0}"/>
               </a:ext>
             </a:extLst>
           </p:cNvPr>
@@ -6172,7 +6263,7 @@
           <p:cNvPr id="4" name="Picture 3">
             <a:extLst>
               <a:ext uri="{FF2B5EF4-FFF2-40B4-BE49-F238E27FC236}">
-                <a16:creationId xmlns:a16="http://schemas.microsoft.com/office/drawing/2014/main" xmlns="" id="{7D79211D-DDEB-40B4-985A-AC8B55897DF4}"/>
+                <a16:creationId xmlns="" xmlns:a16="http://schemas.microsoft.com/office/drawing/2014/main" id="{7D79211D-DDEB-40B4-985A-AC8B55897DF4}"/>
               </a:ext>
             </a:extLst>
           </p:cNvPr>
@@ -6200,13 +6291,20 @@
     </p:spTree>
     <p:extLst>
       <p:ext uri="{BB962C8B-B14F-4D97-AF65-F5344CB8AC3E}">
-        <p14:creationId xmlns:p14="http://schemas.microsoft.com/office/powerpoint/2010/main" xmlns="" val="2540488250"/>
+        <p14:creationId xmlns="" xmlns:p14="http://schemas.microsoft.com/office/powerpoint/2010/main" val="2540488250"/>
       </p:ext>
     </p:extLst>
   </p:cSld>
   <p:clrMapOvr>
     <a:masterClrMapping/>
   </p:clrMapOvr>
+  <p:timing>
+    <p:tnLst>
+      <p:par>
+        <p:cTn id="1" dur="indefinite" restart="never" nodeType="tmRoot"/>
+      </p:par>
+    </p:tnLst>
+  </p:timing>
 </p:sld>
 </file>
 
@@ -6367,7 +6465,7 @@
           <p:cNvPr id="2" name="Title 1">
             <a:extLst>
               <a:ext uri="{FF2B5EF4-FFF2-40B4-BE49-F238E27FC236}">
-                <a16:creationId xmlns:a16="http://schemas.microsoft.com/office/drawing/2014/main" xmlns="" id="{33BFD545-0B22-4CCB-BF2B-8358F0DFB066}"/>
+                <a16:creationId xmlns="" xmlns:a16="http://schemas.microsoft.com/office/drawing/2014/main" id="{33BFD545-0B22-4CCB-BF2B-8358F0DFB066}"/>
               </a:ext>
             </a:extLst>
           </p:cNvPr>
@@ -6395,7 +6493,7 @@
           <p:cNvPr id="3" name="Content Placeholder 2">
             <a:extLst>
               <a:ext uri="{FF2B5EF4-FFF2-40B4-BE49-F238E27FC236}">
-                <a16:creationId xmlns:a16="http://schemas.microsoft.com/office/drawing/2014/main" xmlns="" id="{75DC1864-6327-4FD3-B56A-434BC495B6C0}"/>
+                <a16:creationId xmlns="" xmlns:a16="http://schemas.microsoft.com/office/drawing/2014/main" id="{75DC1864-6327-4FD3-B56A-434BC495B6C0}"/>
               </a:ext>
             </a:extLst>
           </p:cNvPr>
@@ -6420,7 +6518,7 @@
           <p:cNvPr id="6" name="Picture 5">
             <a:extLst>
               <a:ext uri="{FF2B5EF4-FFF2-40B4-BE49-F238E27FC236}">
-                <a16:creationId xmlns:a16="http://schemas.microsoft.com/office/drawing/2014/main" xmlns="" id="{DE34AA4E-3086-485A-B990-005F3820EB1A}"/>
+                <a16:creationId xmlns="" xmlns:a16="http://schemas.microsoft.com/office/drawing/2014/main" id="{DE34AA4E-3086-485A-B990-005F3820EB1A}"/>
               </a:ext>
             </a:extLst>
           </p:cNvPr>
@@ -6448,13 +6546,20 @@
     </p:spTree>
     <p:extLst>
       <p:ext uri="{BB962C8B-B14F-4D97-AF65-F5344CB8AC3E}">
-        <p14:creationId xmlns:p14="http://schemas.microsoft.com/office/powerpoint/2010/main" xmlns="" val="1913897865"/>
+        <p14:creationId xmlns="" xmlns:p14="http://schemas.microsoft.com/office/powerpoint/2010/main" val="1913897865"/>
       </p:ext>
     </p:extLst>
   </p:cSld>
   <p:clrMapOvr>
     <a:masterClrMapping/>
   </p:clrMapOvr>
+  <p:timing>
+    <p:tnLst>
+      <p:par>
+        <p:cTn id="1" dur="indefinite" restart="never" nodeType="tmRoot"/>
+      </p:par>
+    </p:tnLst>
+  </p:timing>
 </p:sld>
 </file>
 
@@ -6480,7 +6585,7 @@
           <p:cNvPr id="2" name="Title 1">
             <a:extLst>
               <a:ext uri="{FF2B5EF4-FFF2-40B4-BE49-F238E27FC236}">
-                <a16:creationId xmlns:a16="http://schemas.microsoft.com/office/drawing/2014/main" xmlns="" id="{33BFD545-0B22-4CCB-BF2B-8358F0DFB066}"/>
+                <a16:creationId xmlns="" xmlns:a16="http://schemas.microsoft.com/office/drawing/2014/main" id="{33BFD545-0B22-4CCB-BF2B-8358F0DFB066}"/>
               </a:ext>
             </a:extLst>
           </p:cNvPr>
@@ -6508,7 +6613,7 @@
           <p:cNvPr id="3" name="Content Placeholder 2">
             <a:extLst>
               <a:ext uri="{FF2B5EF4-FFF2-40B4-BE49-F238E27FC236}">
-                <a16:creationId xmlns:a16="http://schemas.microsoft.com/office/drawing/2014/main" xmlns="" id="{75DC1864-6327-4FD3-B56A-434BC495B6C0}"/>
+                <a16:creationId xmlns="" xmlns:a16="http://schemas.microsoft.com/office/drawing/2014/main" id="{75DC1864-6327-4FD3-B56A-434BC495B6C0}"/>
               </a:ext>
             </a:extLst>
           </p:cNvPr>
@@ -6533,7 +6638,7 @@
           <p:cNvPr id="4" name="Picture 3">
             <a:extLst>
               <a:ext uri="{FF2B5EF4-FFF2-40B4-BE49-F238E27FC236}">
-                <a16:creationId xmlns:a16="http://schemas.microsoft.com/office/drawing/2014/main" xmlns="" id="{6562F103-1504-4042-930D-E7BAE55681D7}"/>
+                <a16:creationId xmlns="" xmlns:a16="http://schemas.microsoft.com/office/drawing/2014/main" id="{6562F103-1504-4042-930D-E7BAE55681D7}"/>
               </a:ext>
             </a:extLst>
           </p:cNvPr>
@@ -6561,13 +6666,20 @@
     </p:spTree>
     <p:extLst>
       <p:ext uri="{BB962C8B-B14F-4D97-AF65-F5344CB8AC3E}">
-        <p14:creationId xmlns:p14="http://schemas.microsoft.com/office/powerpoint/2010/main" xmlns="" val="3270197062"/>
+        <p14:creationId xmlns="" xmlns:p14="http://schemas.microsoft.com/office/powerpoint/2010/main" val="3270197062"/>
       </p:ext>
     </p:extLst>
   </p:cSld>
   <p:clrMapOvr>
     <a:masterClrMapping/>
   </p:clrMapOvr>
+  <p:timing>
+    <p:tnLst>
+      <p:par>
+        <p:cTn id="1" dur="indefinite" restart="never" nodeType="tmRoot"/>
+      </p:par>
+    </p:tnLst>
+  </p:timing>
 </p:sld>
 </file>
 
@@ -6593,7 +6705,7 @@
           <p:cNvPr id="2" name="Title 1">
             <a:extLst>
               <a:ext uri="{FF2B5EF4-FFF2-40B4-BE49-F238E27FC236}">
-                <a16:creationId xmlns:a16="http://schemas.microsoft.com/office/drawing/2014/main" xmlns="" id="{5E5EDC75-B011-40BA-A300-46C9266A3AF7}"/>
+                <a16:creationId xmlns="" xmlns:a16="http://schemas.microsoft.com/office/drawing/2014/main" id="{5E5EDC75-B011-40BA-A300-46C9266A3AF7}"/>
               </a:ext>
             </a:extLst>
           </p:cNvPr>
@@ -6622,7 +6734,7 @@
           <p:cNvPr id="3" name="Content Placeholder 2">
             <a:extLst>
               <a:ext uri="{FF2B5EF4-FFF2-40B4-BE49-F238E27FC236}">
-                <a16:creationId xmlns:a16="http://schemas.microsoft.com/office/drawing/2014/main" xmlns="" id="{E7CFEE2D-5118-41F3-B723-B6522085D802}"/>
+                <a16:creationId xmlns="" xmlns:a16="http://schemas.microsoft.com/office/drawing/2014/main" id="{E7CFEE2D-5118-41F3-B723-B6522085D802}"/>
               </a:ext>
             </a:extLst>
           </p:cNvPr>
@@ -6640,15 +6752,7 @@
           <a:p>
             <a:r>
               <a:rPr lang="en-US" dirty="0" smtClean="0"/>
-              <a:t>T</a:t>
-            </a:r>
-            <a:r>
-              <a:rPr lang="en-US" dirty="0" smtClean="0"/>
-              <a:t>he</a:t>
-            </a:r>
-            <a:r>
-              <a:rPr lang="en-US" dirty="0" smtClean="0"/>
-              <a:t> </a:t>
+              <a:t>The </a:t>
             </a:r>
             <a:r>
               <a:rPr lang="en-US" dirty="0" err="1" smtClean="0"/>
@@ -6656,11 +6760,7 @@
             </a:r>
             <a:r>
               <a:rPr lang="en-US" dirty="0" smtClean="0"/>
-              <a:t> is a separate model in Angular and is available under the @angular/common/http package</a:t>
-            </a:r>
-            <a:r>
-              <a:rPr lang="en-US" dirty="0" smtClean="0"/>
-              <a:t>.</a:t>
+              <a:t> is a separate model in Angular and is available under the @angular/common/http package.</a:t>
             </a:r>
           </a:p>
           <a:p>
@@ -6670,23 +6770,7 @@
             </a:r>
             <a:r>
               <a:rPr lang="en-US" dirty="0" smtClean="0"/>
-              <a:t> method </a:t>
-            </a:r>
-            <a:r>
-              <a:rPr lang="en-US" dirty="0" smtClean="0"/>
-              <a:t>will be used to </a:t>
-            </a:r>
-            <a:r>
-              <a:rPr lang="en-US" dirty="0" smtClean="0"/>
-              <a:t>send an </a:t>
-            </a:r>
-            <a:r>
-              <a:rPr lang="en-US" dirty="0" smtClean="0"/>
-              <a:t>HTTP Request </a:t>
-            </a:r>
-            <a:r>
-              <a:rPr lang="en-US" dirty="0" smtClean="0"/>
-              <a:t>and Subscribe to the response Asynchronously.</a:t>
+              <a:t> method will be used to send an HTTP Request and Subscribe to the response Asynchronously.</a:t>
             </a:r>
             <a:endParaRPr lang="en-US" dirty="0"/>
           </a:p>
@@ -6695,13 +6779,20 @@
     </p:spTree>
     <p:extLst>
       <p:ext uri="{BB962C8B-B14F-4D97-AF65-F5344CB8AC3E}">
-        <p14:creationId xmlns:p14="http://schemas.microsoft.com/office/powerpoint/2010/main" xmlns="" val="842297007"/>
+        <p14:creationId xmlns="" xmlns:p14="http://schemas.microsoft.com/office/powerpoint/2010/main" val="842297007"/>
       </p:ext>
     </p:extLst>
   </p:cSld>
   <p:clrMapOvr>
     <a:masterClrMapping/>
   </p:clrMapOvr>
+  <p:timing>
+    <p:tnLst>
+      <p:par>
+        <p:cTn id="1" dur="indefinite" restart="never" nodeType="tmRoot"/>
+      </p:par>
+    </p:tnLst>
+  </p:timing>
 </p:sld>
 </file>
 
@@ -6727,7 +6818,7 @@
           <p:cNvPr id="2" name="Title 1">
             <a:extLst>
               <a:ext uri="{FF2B5EF4-FFF2-40B4-BE49-F238E27FC236}">
-                <a16:creationId xmlns:a16="http://schemas.microsoft.com/office/drawing/2014/main" xmlns="" id="{5E5EDC75-B011-40BA-A300-46C9266A3AF7}"/>
+                <a16:creationId xmlns="" xmlns:a16="http://schemas.microsoft.com/office/drawing/2014/main" id="{5E5EDC75-B011-40BA-A300-46C9266A3AF7}"/>
               </a:ext>
             </a:extLst>
           </p:cNvPr>
@@ -6766,7 +6857,7 @@
           <p:cNvPr id="3" name="Content Placeholder 2">
             <a:extLst>
               <a:ext uri="{FF2B5EF4-FFF2-40B4-BE49-F238E27FC236}">
-                <a16:creationId xmlns:a16="http://schemas.microsoft.com/office/drawing/2014/main" xmlns="" id="{E7CFEE2D-5118-41F3-B723-B6522085D802}"/>
+                <a16:creationId xmlns="" xmlns:a16="http://schemas.microsoft.com/office/drawing/2014/main" id="{E7CFEE2D-5118-41F3-B723-B6522085D802}"/>
               </a:ext>
             </a:extLst>
           </p:cNvPr>
@@ -6830,13 +6921,20 @@
     </p:spTree>
     <p:extLst>
       <p:ext uri="{BB962C8B-B14F-4D97-AF65-F5344CB8AC3E}">
-        <p14:creationId xmlns:p14="http://schemas.microsoft.com/office/powerpoint/2010/main" xmlns="" val="842297007"/>
+        <p14:creationId xmlns="" xmlns:p14="http://schemas.microsoft.com/office/powerpoint/2010/main" val="842297007"/>
       </p:ext>
     </p:extLst>
   </p:cSld>
   <p:clrMapOvr>
     <a:masterClrMapping/>
   </p:clrMapOvr>
+  <p:timing>
+    <p:tnLst>
+      <p:par>
+        <p:cTn id="1" dur="indefinite" restart="never" nodeType="tmRoot"/>
+      </p:par>
+    </p:tnLst>
+  </p:timing>
 </p:sld>
 </file>
 
@@ -6862,7 +6960,7 @@
           <p:cNvPr id="2" name="Title 1">
             <a:extLst>
               <a:ext uri="{FF2B5EF4-FFF2-40B4-BE49-F238E27FC236}">
-                <a16:creationId xmlns:a16="http://schemas.microsoft.com/office/drawing/2014/main" xmlns="" id="{5E5EDC75-B011-40BA-A300-46C9266A3AF7}"/>
+                <a16:creationId xmlns="" xmlns:a16="http://schemas.microsoft.com/office/drawing/2014/main" id="{5E5EDC75-B011-40BA-A300-46C9266A3AF7}"/>
               </a:ext>
             </a:extLst>
           </p:cNvPr>
@@ -6893,7 +6991,7 @@
           <p:cNvPr id="3" name="Content Placeholder 2">
             <a:extLst>
               <a:ext uri="{FF2B5EF4-FFF2-40B4-BE49-F238E27FC236}">
-                <a16:creationId xmlns:a16="http://schemas.microsoft.com/office/drawing/2014/main" xmlns="" id="{E7CFEE2D-5118-41F3-B723-B6522085D802}"/>
+                <a16:creationId xmlns="" xmlns:a16="http://schemas.microsoft.com/office/drawing/2014/main" id="{E7CFEE2D-5118-41F3-B723-B6522085D802}"/>
               </a:ext>
             </a:extLst>
           </p:cNvPr>
@@ -6949,13 +7047,20 @@
     </p:spTree>
     <p:extLst>
       <p:ext uri="{BB962C8B-B14F-4D97-AF65-F5344CB8AC3E}">
-        <p14:creationId xmlns:p14="http://schemas.microsoft.com/office/powerpoint/2010/main" xmlns="" val="842297007"/>
+        <p14:creationId xmlns="" xmlns:p14="http://schemas.microsoft.com/office/powerpoint/2010/main" val="842297007"/>
       </p:ext>
     </p:extLst>
   </p:cSld>
   <p:clrMapOvr>
     <a:masterClrMapping/>
   </p:clrMapOvr>
+  <p:timing>
+    <p:tnLst>
+      <p:par>
+        <p:cTn id="1" dur="indefinite" restart="never" nodeType="tmRoot"/>
+      </p:par>
+    </p:tnLst>
+  </p:timing>
 </p:sld>
 </file>
 
@@ -6981,7 +7086,7 @@
           <p:cNvPr id="2" name="Title 1">
             <a:extLst>
               <a:ext uri="{FF2B5EF4-FFF2-40B4-BE49-F238E27FC236}">
-                <a16:creationId xmlns:a16="http://schemas.microsoft.com/office/drawing/2014/main" xmlns="" id="{5E5EDC75-B011-40BA-A300-46C9266A3AF7}"/>
+                <a16:creationId xmlns="" xmlns:a16="http://schemas.microsoft.com/office/drawing/2014/main" id="{5E5EDC75-B011-40BA-A300-46C9266A3AF7}"/>
               </a:ext>
             </a:extLst>
           </p:cNvPr>
@@ -7012,7 +7117,7 @@
           <p:cNvPr id="3" name="Content Placeholder 2">
             <a:extLst>
               <a:ext uri="{FF2B5EF4-FFF2-40B4-BE49-F238E27FC236}">
-                <a16:creationId xmlns:a16="http://schemas.microsoft.com/office/drawing/2014/main" xmlns="" id="{E7CFEE2D-5118-41F3-B723-B6522085D802}"/>
+                <a16:creationId xmlns="" xmlns:a16="http://schemas.microsoft.com/office/drawing/2014/main" id="{E7CFEE2D-5118-41F3-B723-B6522085D802}"/>
               </a:ext>
             </a:extLst>
           </p:cNvPr>
@@ -7068,13 +7173,20 @@
     </p:spTree>
     <p:extLst>
       <p:ext uri="{BB962C8B-B14F-4D97-AF65-F5344CB8AC3E}">
-        <p14:creationId xmlns:p14="http://schemas.microsoft.com/office/powerpoint/2010/main" xmlns="" val="842297007"/>
+        <p14:creationId xmlns="" xmlns:p14="http://schemas.microsoft.com/office/powerpoint/2010/main" val="842297007"/>
       </p:ext>
     </p:extLst>
   </p:cSld>
   <p:clrMapOvr>
     <a:masterClrMapping/>
   </p:clrMapOvr>
+  <p:timing>
+    <p:tnLst>
+      <p:par>
+        <p:cTn id="1" dur="indefinite" restart="never" nodeType="tmRoot"/>
+      </p:par>
+    </p:tnLst>
+  </p:timing>
 </p:sld>
 </file>
 
@@ -7100,7 +7212,7 @@
           <p:cNvPr id="2" name="Title 1">
             <a:extLst>
               <a:ext uri="{FF2B5EF4-FFF2-40B4-BE49-F238E27FC236}">
-                <a16:creationId xmlns:a16="http://schemas.microsoft.com/office/drawing/2014/main" xmlns="" id="{5E5EDC75-B011-40BA-A300-46C9266A3AF7}"/>
+                <a16:creationId xmlns="" xmlns:a16="http://schemas.microsoft.com/office/drawing/2014/main" id="{5E5EDC75-B011-40BA-A300-46C9266A3AF7}"/>
               </a:ext>
             </a:extLst>
           </p:cNvPr>
@@ -7120,11 +7232,7 @@
           <a:p>
             <a:r>
               <a:rPr lang="en-US" dirty="0" smtClean="0"/>
-              <a:t>HTTP Request </a:t>
-            </a:r>
-            <a:r>
-              <a:rPr lang="en-US" dirty="0" smtClean="0"/>
-              <a:t>Parameters</a:t>
+              <a:t>HTTP Request Parameters</a:t>
             </a:r>
             <a:endParaRPr lang="en-US" dirty="0"/>
           </a:p>
@@ -7135,7 +7243,7 @@
           <p:cNvPr id="3" name="Content Placeholder 2">
             <a:extLst>
               <a:ext uri="{FF2B5EF4-FFF2-40B4-BE49-F238E27FC236}">
-                <a16:creationId xmlns:a16="http://schemas.microsoft.com/office/drawing/2014/main" xmlns="" id="{E7CFEE2D-5118-41F3-B723-B6522085D802}"/>
+                <a16:creationId xmlns="" xmlns:a16="http://schemas.microsoft.com/office/drawing/2014/main" id="{E7CFEE2D-5118-41F3-B723-B6522085D802}"/>
               </a:ext>
             </a:extLst>
           </p:cNvPr>
@@ -7191,13 +7299,20 @@
     </p:spTree>
     <p:extLst>
       <p:ext uri="{BB962C8B-B14F-4D97-AF65-F5344CB8AC3E}">
-        <p14:creationId xmlns:p14="http://schemas.microsoft.com/office/powerpoint/2010/main" xmlns="" val="842297007"/>
+        <p14:creationId xmlns="" xmlns:p14="http://schemas.microsoft.com/office/powerpoint/2010/main" val="842297007"/>
       </p:ext>
     </p:extLst>
   </p:cSld>
   <p:clrMapOvr>
     <a:masterClrMapping/>
   </p:clrMapOvr>
+  <p:timing>
+    <p:tnLst>
+      <p:par>
+        <p:cTn id="1" dur="indefinite" restart="never" nodeType="tmRoot"/>
+      </p:par>
+    </p:tnLst>
+  </p:timing>
 </p:sld>
 </file>
 
@@ -7223,7 +7338,7 @@
           <p:cNvPr id="2" name="Title 1">
             <a:extLst>
               <a:ext uri="{FF2B5EF4-FFF2-40B4-BE49-F238E27FC236}">
-                <a16:creationId xmlns:a16="http://schemas.microsoft.com/office/drawing/2014/main" xmlns="" id="{5E5EDC75-B011-40BA-A300-46C9266A3AF7}"/>
+                <a16:creationId xmlns="" xmlns:a16="http://schemas.microsoft.com/office/drawing/2014/main" id="{5E5EDC75-B011-40BA-A300-46C9266A3AF7}"/>
               </a:ext>
             </a:extLst>
           </p:cNvPr>
@@ -7254,7 +7369,7 @@
           <p:cNvPr id="3" name="Content Placeholder 2">
             <a:extLst>
               <a:ext uri="{FF2B5EF4-FFF2-40B4-BE49-F238E27FC236}">
-                <a16:creationId xmlns:a16="http://schemas.microsoft.com/office/drawing/2014/main" xmlns="" id="{E7CFEE2D-5118-41F3-B723-B6522085D802}"/>
+                <a16:creationId xmlns="" xmlns:a16="http://schemas.microsoft.com/office/drawing/2014/main" id="{E7CFEE2D-5118-41F3-B723-B6522085D802}"/>
               </a:ext>
             </a:extLst>
           </p:cNvPr>
@@ -7310,13 +7425,20 @@
     </p:spTree>
     <p:extLst>
       <p:ext uri="{BB962C8B-B14F-4D97-AF65-F5344CB8AC3E}">
-        <p14:creationId xmlns:p14="http://schemas.microsoft.com/office/powerpoint/2010/main" xmlns="" val="842297007"/>
+        <p14:creationId xmlns="" xmlns:p14="http://schemas.microsoft.com/office/powerpoint/2010/main" val="842297007"/>
       </p:ext>
     </p:extLst>
   </p:cSld>
   <p:clrMapOvr>
     <a:masterClrMapping/>
   </p:clrMapOvr>
+  <p:timing>
+    <p:tnLst>
+      <p:par>
+        <p:cTn id="1" dur="indefinite" restart="never" nodeType="tmRoot"/>
+      </p:par>
+    </p:tnLst>
+  </p:timing>
 </p:sld>
 </file>
 
@@ -7356,11 +7478,7 @@
           <a:p>
             <a:r>
               <a:rPr lang="en-US" dirty="0" smtClean="0"/>
-              <a:t>HTTP </a:t>
-            </a:r>
-            <a:r>
-              <a:rPr lang="en-US" dirty="0" smtClean="0"/>
-              <a:t>PUT</a:t>
+              <a:t>HTTP PUT</a:t>
             </a:r>
             <a:endParaRPr lang="en-US" dirty="0"/>
           </a:p>
@@ -7423,6 +7541,13 @@
   <p:clrMapOvr>
     <a:masterClrMapping/>
   </p:clrMapOvr>
+  <p:timing>
+    <p:tnLst>
+      <p:par>
+        <p:cTn id="1" dur="indefinite" restart="never" nodeType="tmRoot"/>
+      </p:par>
+    </p:tnLst>
+  </p:timing>
 </p:sld>
 </file>
 
@@ -7462,11 +7587,7 @@
           <a:p>
             <a:r>
               <a:rPr lang="en-US" dirty="0" smtClean="0"/>
-              <a:t>HTTP </a:t>
-            </a:r>
-            <a:r>
-              <a:rPr lang="en-US" dirty="0" smtClean="0"/>
-              <a:t>PATCH</a:t>
+              <a:t>HTTP PATCH</a:t>
             </a:r>
             <a:endParaRPr lang="en-US" dirty="0"/>
           </a:p>
@@ -7529,6 +7650,13 @@
   <p:clrMapOvr>
     <a:masterClrMapping/>
   </p:clrMapOvr>
+  <p:timing>
+    <p:tnLst>
+      <p:par>
+        <p:cTn id="1" dur="indefinite" restart="never" nodeType="tmRoot"/>
+      </p:par>
+    </p:tnLst>
+  </p:timing>
 </p:sld>
 </file>
 
@@ -7657,11 +7785,7 @@
           <a:p>
             <a:r>
               <a:rPr lang="en-US" dirty="0" smtClean="0"/>
-              <a:t>HTTP </a:t>
-            </a:r>
-            <a:r>
-              <a:rPr lang="en-US" dirty="0" smtClean="0"/>
-              <a:t>DELETE</a:t>
+              <a:t>HTTP DELETE</a:t>
             </a:r>
             <a:endParaRPr lang="en-US" dirty="0"/>
           </a:p>
@@ -7724,6 +7848,13 @@
   <p:clrMapOvr>
     <a:masterClrMapping/>
   </p:clrMapOvr>
+  <p:timing>
+    <p:tnLst>
+      <p:par>
+        <p:cTn id="1" dur="indefinite" restart="never" nodeType="tmRoot"/>
+      </p:par>
+    </p:tnLst>
+  </p:timing>
 </p:sld>
 </file>
 
@@ -7763,11 +7894,7 @@
           <a:p>
             <a:r>
               <a:rPr lang="en-US" dirty="0" smtClean="0"/>
-              <a:t>HTTP </a:t>
-            </a:r>
-            <a:r>
-              <a:rPr lang="en-US" dirty="0" smtClean="0"/>
-              <a:t>POST</a:t>
+              <a:t>HTTP POST</a:t>
             </a:r>
             <a:endParaRPr lang="en-US" dirty="0"/>
           </a:p>
@@ -7830,6 +7957,13 @@
   <p:clrMapOvr>
     <a:masterClrMapping/>
   </p:clrMapOvr>
+  <p:timing>
+    <p:tnLst>
+      <p:par>
+        <p:cTn id="1" dur="indefinite" restart="never" nodeType="tmRoot"/>
+      </p:par>
+    </p:tnLst>
+  </p:timing>
 </p:sld>
 </file>
 
@@ -7892,11 +8026,7 @@
           <a:p>
             <a:r>
               <a:rPr lang="en-US" dirty="0" smtClean="0"/>
-              <a:t>The Router module handles the navigation &amp; Routing in </a:t>
-            </a:r>
-            <a:r>
-              <a:rPr lang="en-US" dirty="0" smtClean="0"/>
-              <a:t>Angular</a:t>
+              <a:t>The Router module handles the navigation &amp; Routing in Angular</a:t>
             </a:r>
           </a:p>
           <a:p>
@@ -7934,11 +8064,7 @@
             </a:r>
             <a:r>
               <a:rPr lang="en-US" dirty="0" smtClean="0"/>
-              <a:t>to protect components from unauthorized access</a:t>
-            </a:r>
-            <a:r>
-              <a:rPr lang="en-US" dirty="0" smtClean="0"/>
-              <a:t>.</a:t>
+              <a:t>to protect components from unauthorized access.</a:t>
             </a:r>
           </a:p>
           <a:p>
@@ -7955,6 +8081,13 @@
   <p:clrMapOvr>
     <a:masterClrMapping/>
   </p:clrMapOvr>
+  <p:timing>
+    <p:tnLst>
+      <p:par>
+        <p:cTn id="1" dur="indefinite" restart="never" nodeType="tmRoot"/>
+      </p:par>
+    </p:tnLst>
+  </p:timing>
 </p:sld>
 </file>
 
@@ -7994,11 +8127,7 @@
           <a:p>
             <a:r>
               <a:rPr lang="en-US" cap="all" dirty="0" smtClean="0"/>
-              <a:t>THE </a:t>
-            </a:r>
-            <a:r>
-              <a:rPr lang="en-US" cap="all" dirty="0" smtClean="0"/>
-              <a:t>ROUTER-OUTLET</a:t>
+              <a:t>THE ROUTER-OUTLET</a:t>
             </a:r>
             <a:endParaRPr lang="en-US" dirty="0"/>
           </a:p>
@@ -8065,6 +8194,13 @@
   <p:clrMapOvr>
     <a:masterClrMapping/>
   </p:clrMapOvr>
+  <p:timing>
+    <p:tnLst>
+      <p:par>
+        <p:cTn id="1" dur="indefinite" restart="never" nodeType="tmRoot"/>
+      </p:par>
+    </p:tnLst>
+  </p:timing>
 </p:sld>
 </file>
 
@@ -8104,11 +8240,7 @@
           <a:p>
             <a:r>
               <a:rPr lang="en-US" cap="all" dirty="0" smtClean="0"/>
-              <a:t>ROUTES AND </a:t>
-            </a:r>
-            <a:r>
-              <a:rPr lang="en-US" cap="all" dirty="0" smtClean="0"/>
-              <a:t>PATHS</a:t>
+              <a:t>ROUTES AND PATHS</a:t>
             </a:r>
             <a:endParaRPr lang="en-US" dirty="0"/>
           </a:p>
@@ -8139,11 +8271,7 @@
             </a:r>
             <a:r>
               <a:rPr lang="en-US" dirty="0" smtClean="0"/>
-              <a:t> path) attributes</a:t>
-            </a:r>
-            <a:r>
-              <a:rPr lang="en-US" dirty="0" smtClean="0"/>
-              <a:t>.</a:t>
+              <a:t> path) attributes.</a:t>
             </a:r>
           </a:p>
           <a:p>
@@ -8160,6 +8288,13 @@
   <p:clrMapOvr>
     <a:masterClrMapping/>
   </p:clrMapOvr>
+  <p:timing>
+    <p:tnLst>
+      <p:par>
+        <p:cTn id="1" dur="indefinite" restart="never" nodeType="tmRoot"/>
+      </p:par>
+    </p:tnLst>
+  </p:timing>
 </p:sld>
 </file>
 
@@ -8199,11 +8334,7 @@
           <a:p>
             <a:r>
               <a:rPr lang="en-US" cap="all" dirty="0" smtClean="0"/>
-              <a:t>ROUTES AND </a:t>
-            </a:r>
-            <a:r>
-              <a:rPr lang="en-US" cap="all" dirty="0" smtClean="0"/>
-              <a:t>PATHS</a:t>
+              <a:t>ROUTES AND PATHS</a:t>
             </a:r>
             <a:endParaRPr lang="en-US" dirty="0"/>
           </a:p>
@@ -8266,6 +8397,13 @@
   <p:clrMapOvr>
     <a:masterClrMapping/>
   </p:clrMapOvr>
+  <p:timing>
+    <p:tnLst>
+      <p:par>
+        <p:cTn id="1" dur="indefinite" restart="never" nodeType="tmRoot"/>
+      </p:par>
+    </p:tnLst>
+  </p:timing>
 </p:sld>
 </file>
 
@@ -8305,11 +8443,7 @@
           <a:p>
             <a:r>
               <a:rPr lang="en-US" cap="all" dirty="0" smtClean="0"/>
-              <a:t>ROUTE MATCHING </a:t>
-            </a:r>
-            <a:r>
-              <a:rPr lang="en-US" cap="all" dirty="0" smtClean="0"/>
-              <a:t>STRATEGIES</a:t>
+              <a:t>ROUTE MATCHING STRATEGIES</a:t>
             </a:r>
             <a:endParaRPr lang="en-US" dirty="0"/>
           </a:p>
@@ -8458,6 +8592,13 @@
   <p:clrMapOvr>
     <a:masterClrMapping/>
   </p:clrMapOvr>
+  <p:timing>
+    <p:tnLst>
+      <p:par>
+        <p:cTn id="1" dur="indefinite" restart="never" nodeType="tmRoot"/>
+      </p:par>
+    </p:tnLst>
+  </p:timing>
 </p:sld>
 </file>
 
@@ -8497,11 +8638,7 @@
           <a:p>
             <a:r>
               <a:rPr lang="en-US" cap="all" dirty="0" smtClean="0"/>
-              <a:t>ROUTE </a:t>
-            </a:r>
-            <a:r>
-              <a:rPr lang="en-US" cap="all" dirty="0" smtClean="0"/>
-              <a:t>PARAMS</a:t>
+              <a:t>ROUTE PARAMS</a:t>
             </a:r>
             <a:endParaRPr lang="en-US" dirty="0"/>
           </a:p>
@@ -8524,11 +8661,7 @@
           <a:p>
             <a:r>
               <a:rPr lang="en-US" dirty="0" smtClean="0"/>
-              <a:t>We </a:t>
-            </a:r>
-            <a:r>
-              <a:rPr lang="en-US" dirty="0" smtClean="0"/>
-              <a:t>can create a route parameter using the </a:t>
+              <a:t>We can create a route parameter using the </a:t>
             </a:r>
             <a:r>
               <a:rPr lang="en-US" b="1" dirty="0" smtClean="0"/>
@@ -8580,6 +8713,13 @@
   <p:clrMapOvr>
     <a:masterClrMapping/>
   </p:clrMapOvr>
+  <p:timing>
+    <p:tnLst>
+      <p:par>
+        <p:cTn id="1" dur="indefinite" restart="never" nodeType="tmRoot"/>
+      </p:par>
+    </p:tnLst>
+  </p:timing>
 </p:sld>
 </file>
 
@@ -8619,11 +8759,7 @@
           <a:p>
             <a:r>
               <a:rPr lang="en-US" cap="all" dirty="0" smtClean="0"/>
-              <a:t>ROUTE </a:t>
-            </a:r>
-            <a:r>
-              <a:rPr lang="en-US" cap="all" dirty="0" smtClean="0"/>
-              <a:t>GUARDS</a:t>
+              <a:t>ROUTE GUARDS</a:t>
             </a:r>
             <a:endParaRPr lang="en-US" dirty="0"/>
           </a:p>
@@ -8641,10 +8777,86 @@
         </p:nvSpPr>
         <p:spPr/>
         <p:txBody>
-          <a:bodyPr/>
-          <a:lstStyle/>
-          <a:p>
-            <a:endParaRPr lang="en-US"/>
+          <a:bodyPr>
+            <a:normAutofit fontScale="85000" lnSpcReduction="10000"/>
+          </a:bodyPr>
+          <a:lstStyle/>
+          <a:p>
+            <a:r>
+              <a:rPr lang="en-US" dirty="0" smtClean="0"/>
+              <a:t>The Angular router’s navigation guards allow to grant or remove access to certain parts of the navigation</a:t>
+            </a:r>
+            <a:r>
+              <a:rPr lang="en-US" dirty="0" smtClean="0"/>
+              <a:t>.</a:t>
+            </a:r>
+          </a:p>
+          <a:p>
+            <a:r>
+              <a:rPr lang="en-US" dirty="0" smtClean="0"/>
+              <a:t>Here are the 4 types of routing guards available</a:t>
+            </a:r>
+            <a:r>
+              <a:rPr lang="en-US" dirty="0" smtClean="0"/>
+              <a:t>:</a:t>
+            </a:r>
+          </a:p>
+          <a:p>
+            <a:pPr lvl="1"/>
+            <a:r>
+              <a:rPr lang="en-US" b="1" dirty="0" err="1" smtClean="0"/>
+              <a:t>CanActivate</a:t>
+            </a:r>
+            <a:r>
+              <a:rPr lang="en-US" dirty="0" smtClean="0"/>
+              <a:t>: Controls if a route can be activated</a:t>
+            </a:r>
+            <a:r>
+              <a:rPr lang="en-US" dirty="0" smtClean="0"/>
+              <a:t>.</a:t>
+            </a:r>
+          </a:p>
+          <a:p>
+            <a:pPr lvl="1"/>
+            <a:r>
+              <a:rPr lang="en-US" b="1" dirty="0" err="1" smtClean="0"/>
+              <a:t>CanActivateChild</a:t>
+            </a:r>
+            <a:r>
+              <a:rPr lang="en-US" dirty="0" smtClean="0"/>
+              <a:t>: Controls if children of a route can be activated</a:t>
+            </a:r>
+            <a:r>
+              <a:rPr lang="en-US" dirty="0" smtClean="0"/>
+              <a:t>.</a:t>
+            </a:r>
+          </a:p>
+          <a:p>
+            <a:pPr lvl="1"/>
+            <a:r>
+              <a:rPr lang="en-US" b="1" dirty="0" err="1" smtClean="0"/>
+              <a:t>CanLoad</a:t>
+            </a:r>
+            <a:r>
+              <a:rPr lang="en-US" dirty="0" smtClean="0"/>
+              <a:t>: Controls if a route can even be loaded. This becomes useful for feature modules that are lazy loaded. They won’t even load if the guard returns false</a:t>
+            </a:r>
+            <a:r>
+              <a:rPr lang="en-US" dirty="0" smtClean="0"/>
+              <a:t>.</a:t>
+            </a:r>
+          </a:p>
+          <a:p>
+            <a:pPr lvl="1"/>
+            <a:r>
+              <a:rPr lang="en-US" b="1" dirty="0" err="1" smtClean="0"/>
+              <a:t>CanDeactivate</a:t>
+            </a:r>
+            <a:r>
+              <a:rPr lang="en-US" dirty="0" smtClean="0"/>
+              <a:t>: Controls if the user can leave a route. Note that this guard doesn’t prevent the user from closing the browser tab or navigating to a different address. It only prevents actions from within the application itself.</a:t>
+            </a:r>
+            <a:endParaRPr lang="en-US" dirty="0"/>
           </a:p>
         </p:txBody>
       </p:sp>
@@ -8653,6 +8865,103 @@
   <p:clrMapOvr>
     <a:masterClrMapping/>
   </p:clrMapOvr>
+  <p:timing>
+    <p:tnLst>
+      <p:par>
+        <p:cTn id="1" dur="indefinite" restart="never" nodeType="tmRoot"/>
+      </p:par>
+    </p:tnLst>
+  </p:timing>
+</p:sld>
+</file>
+
+<file path=ppt/slides/slide129.xml><?xml version="1.0" encoding="utf-8"?>
+<p:sld xmlns:a="http://schemas.openxmlformats.org/drawingml/2006/main" xmlns:r="http://schemas.openxmlformats.org/officeDocument/2006/relationships" xmlns:p="http://schemas.openxmlformats.org/presentationml/2006/main">
+  <p:cSld>
+    <p:spTree>
+      <p:nvGrpSpPr>
+        <p:cNvPr id="1" name=""/>
+        <p:cNvGrpSpPr/>
+        <p:nvPr/>
+      </p:nvGrpSpPr>
+      <p:grpSpPr>
+        <a:xfrm>
+          <a:off x="0" y="0"/>
+          <a:ext cx="0" cy="0"/>
+          <a:chOff x="0" y="0"/>
+          <a:chExt cx="0" cy="0"/>
+        </a:xfrm>
+      </p:grpSpPr>
+      <p:sp>
+        <p:nvSpPr>
+          <p:cNvPr id="2" name="Title 1"/>
+          <p:cNvSpPr>
+            <a:spLocks noGrp="1"/>
+          </p:cNvSpPr>
+          <p:nvPr>
+            <p:ph type="title"/>
+          </p:nvPr>
+        </p:nvSpPr>
+        <p:spPr/>
+        <p:txBody>
+          <a:bodyPr/>
+          <a:lstStyle/>
+          <a:p>
+            <a:r>
+              <a:rPr lang="en-US" cap="all" dirty="0" smtClean="0"/>
+              <a:t>ROUTE </a:t>
+            </a:r>
+            <a:r>
+              <a:rPr lang="en-US" cap="all" dirty="0" smtClean="0"/>
+              <a:t>GUARDS… Example</a:t>
+            </a:r>
+            <a:endParaRPr lang="en-US" dirty="0"/>
+          </a:p>
+        </p:txBody>
+      </p:sp>
+      <p:sp>
+        <p:nvSpPr>
+          <p:cNvPr id="3" name="Content Placeholder 2"/>
+          <p:cNvSpPr>
+            <a:spLocks noGrp="1"/>
+          </p:cNvSpPr>
+          <p:nvPr>
+            <p:ph idx="1"/>
+          </p:nvPr>
+        </p:nvSpPr>
+        <p:spPr/>
+        <p:txBody>
+          <a:bodyPr/>
+          <a:lstStyle/>
+          <a:p>
+            <a:r>
+              <a:rPr lang="en-US" dirty="0" smtClean="0"/>
+              <a:t>Let’s see an example with a </a:t>
+            </a:r>
+            <a:r>
+              <a:rPr lang="en-US" dirty="0" err="1" smtClean="0"/>
+              <a:t>CanActivate</a:t>
+            </a:r>
+            <a:r>
+              <a:rPr lang="en-US" dirty="0" smtClean="0"/>
+              <a:t> route guard where we ask an auth service if the user is authenticated</a:t>
+            </a:r>
+            <a:endParaRPr lang="en-US" dirty="0"/>
+          </a:p>
+        </p:txBody>
+      </p:sp>
+    </p:spTree>
+  </p:cSld>
+  <p:clrMapOvr>
+    <a:masterClrMapping/>
+  </p:clrMapOvr>
+  <p:timing>
+    <p:tnLst>
+      <p:par>
+        <p:cTn id="1" dur="indefinite" restart="never" nodeType="tmRoot"/>
+      </p:par>
+    </p:tnLst>
+  </p:timing>
 </p:sld>
 </file>
 
@@ -8788,6 +9097,1292 @@
 </p:sld>
 </file>
 
+<file path=ppt/slides/slide130.xml><?xml version="1.0" encoding="utf-8"?>
+<p:sld xmlns:a="http://schemas.openxmlformats.org/drawingml/2006/main" xmlns:r="http://schemas.openxmlformats.org/officeDocument/2006/relationships" xmlns:p="http://schemas.openxmlformats.org/presentationml/2006/main">
+  <p:cSld>
+    <p:spTree>
+      <p:nvGrpSpPr>
+        <p:cNvPr id="1" name=""/>
+        <p:cNvGrpSpPr/>
+        <p:nvPr/>
+      </p:nvGrpSpPr>
+      <p:grpSpPr>
+        <a:xfrm>
+          <a:off x="0" y="0"/>
+          <a:ext cx="0" cy="0"/>
+          <a:chOff x="0" y="0"/>
+          <a:chExt cx="0" cy="0"/>
+        </a:xfrm>
+      </p:grpSpPr>
+      <p:sp>
+        <p:nvSpPr>
+          <p:cNvPr id="2" name="Title 1"/>
+          <p:cNvSpPr>
+            <a:spLocks noGrp="1"/>
+          </p:cNvSpPr>
+          <p:nvPr>
+            <p:ph type="title"/>
+          </p:nvPr>
+        </p:nvSpPr>
+        <p:spPr/>
+        <p:txBody>
+          <a:bodyPr/>
+          <a:lstStyle/>
+          <a:p>
+            <a:r>
+              <a:rPr lang="en-US" dirty="0" smtClean="0"/>
+              <a:t>can-activate-</a:t>
+            </a:r>
+            <a:r>
+              <a:rPr lang="en-US" dirty="0" err="1" smtClean="0"/>
+              <a:t>route.guard.ts</a:t>
+            </a:r>
+            <a:endParaRPr lang="en-US" dirty="0"/>
+          </a:p>
+        </p:txBody>
+      </p:sp>
+      <p:sp>
+        <p:nvSpPr>
+          <p:cNvPr id="3" name="Content Placeholder 2"/>
+          <p:cNvSpPr>
+            <a:spLocks noGrp="1"/>
+          </p:cNvSpPr>
+          <p:nvPr>
+            <p:ph idx="1"/>
+          </p:nvPr>
+        </p:nvSpPr>
+        <p:spPr/>
+        <p:txBody>
+          <a:bodyPr/>
+          <a:lstStyle/>
+          <a:p>
+            <a:endParaRPr lang="en-US" dirty="0"/>
+          </a:p>
+        </p:txBody>
+      </p:sp>
+      <p:pic>
+        <p:nvPicPr>
+          <p:cNvPr id="1026" name="Picture 2"/>
+          <p:cNvPicPr>
+            <a:picLocks noChangeAspect="1" noChangeArrowheads="1"/>
+          </p:cNvPicPr>
+          <p:nvPr/>
+        </p:nvPicPr>
+        <p:blipFill>
+          <a:blip r:embed="rId2"/>
+          <a:srcRect/>
+          <a:stretch>
+            <a:fillRect/>
+          </a:stretch>
+        </p:blipFill>
+        <p:spPr bwMode="auto">
+          <a:xfrm>
+            <a:off x="228600" y="2133600"/>
+            <a:ext cx="8424546" cy="4419600"/>
+          </a:xfrm>
+          <a:prstGeom prst="rect">
+            <a:avLst/>
+          </a:prstGeom>
+          <a:noFill/>
+          <a:ln w="9525">
+            <a:noFill/>
+            <a:miter lim="800000"/>
+            <a:headEnd/>
+            <a:tailEnd/>
+          </a:ln>
+          <a:effectLst/>
+        </p:spPr>
+      </p:pic>
+    </p:spTree>
+  </p:cSld>
+  <p:clrMapOvr>
+    <a:masterClrMapping/>
+  </p:clrMapOvr>
+  <p:timing>
+    <p:tnLst>
+      <p:par>
+        <p:cTn id="1" dur="indefinite" restart="never" nodeType="tmRoot"/>
+      </p:par>
+    </p:tnLst>
+  </p:timing>
+</p:sld>
+</file>
+
+<file path=ppt/slides/slide131.xml><?xml version="1.0" encoding="utf-8"?>
+<p:sld xmlns:a="http://schemas.openxmlformats.org/drawingml/2006/main" xmlns:r="http://schemas.openxmlformats.org/officeDocument/2006/relationships" xmlns:p="http://schemas.openxmlformats.org/presentationml/2006/main">
+  <p:cSld>
+    <p:spTree>
+      <p:nvGrpSpPr>
+        <p:cNvPr id="1" name=""/>
+        <p:cNvGrpSpPr/>
+        <p:nvPr/>
+      </p:nvGrpSpPr>
+      <p:grpSpPr>
+        <a:xfrm>
+          <a:off x="0" y="0"/>
+          <a:ext cx="0" cy="0"/>
+          <a:chOff x="0" y="0"/>
+          <a:chExt cx="0" cy="0"/>
+        </a:xfrm>
+      </p:grpSpPr>
+      <p:sp>
+        <p:nvSpPr>
+          <p:cNvPr id="2" name="Title 1"/>
+          <p:cNvSpPr>
+            <a:spLocks noGrp="1"/>
+          </p:cNvSpPr>
+          <p:nvPr>
+            <p:ph type="title"/>
+          </p:nvPr>
+        </p:nvSpPr>
+        <p:spPr/>
+        <p:txBody>
+          <a:bodyPr/>
+          <a:lstStyle/>
+          <a:p>
+            <a:r>
+              <a:rPr lang="en-US" cap="all" dirty="0" smtClean="0"/>
+              <a:t>ROUTE GUARDS… Example</a:t>
+            </a:r>
+            <a:endParaRPr lang="en-US" dirty="0"/>
+          </a:p>
+        </p:txBody>
+      </p:sp>
+      <p:sp>
+        <p:nvSpPr>
+          <p:cNvPr id="3" name="Content Placeholder 2"/>
+          <p:cNvSpPr>
+            <a:spLocks noGrp="1"/>
+          </p:cNvSpPr>
+          <p:nvPr>
+            <p:ph idx="1"/>
+          </p:nvPr>
+        </p:nvSpPr>
+        <p:spPr/>
+        <p:txBody>
+          <a:bodyPr/>
+          <a:lstStyle/>
+          <a:p>
+            <a:r>
+              <a:rPr lang="en-US" dirty="0" smtClean="0"/>
+              <a:t>In order to use them, route guards should be </a:t>
+            </a:r>
+            <a:r>
+              <a:rPr lang="en-US" dirty="0" smtClean="0"/>
+              <a:t>provided </a:t>
+            </a:r>
+            <a:r>
+              <a:rPr lang="en-US" dirty="0" smtClean="0"/>
+              <a:t>just like </a:t>
+            </a:r>
+            <a:r>
+              <a:rPr lang="en-US" dirty="0" smtClean="0"/>
+              <a:t>services</a:t>
+            </a:r>
+          </a:p>
+          <a:p>
+            <a:r>
+              <a:rPr lang="en-US" dirty="0" err="1" smtClean="0"/>
+              <a:t>app.module.ts</a:t>
+            </a:r>
+            <a:endParaRPr lang="en-US" dirty="0"/>
+          </a:p>
+        </p:txBody>
+      </p:sp>
+      <p:pic>
+        <p:nvPicPr>
+          <p:cNvPr id="2050" name="Picture 2"/>
+          <p:cNvPicPr>
+            <a:picLocks noChangeAspect="1" noChangeArrowheads="1"/>
+          </p:cNvPicPr>
+          <p:nvPr/>
+        </p:nvPicPr>
+        <p:blipFill>
+          <a:blip r:embed="rId2"/>
+          <a:srcRect/>
+          <a:stretch>
+            <a:fillRect/>
+          </a:stretch>
+        </p:blipFill>
+        <p:spPr bwMode="auto">
+          <a:xfrm>
+            <a:off x="3505200" y="3204780"/>
+            <a:ext cx="5381625" cy="3653220"/>
+          </a:xfrm>
+          <a:prstGeom prst="rect">
+            <a:avLst/>
+          </a:prstGeom>
+          <a:noFill/>
+          <a:ln w="9525">
+            <a:noFill/>
+            <a:miter lim="800000"/>
+            <a:headEnd/>
+            <a:tailEnd/>
+          </a:ln>
+          <a:effectLst/>
+        </p:spPr>
+      </p:pic>
+    </p:spTree>
+  </p:cSld>
+  <p:clrMapOvr>
+    <a:masterClrMapping/>
+  </p:clrMapOvr>
+  <p:timing>
+    <p:tnLst>
+      <p:par>
+        <p:cTn id="1" dur="indefinite" restart="never" nodeType="tmRoot"/>
+      </p:par>
+    </p:tnLst>
+  </p:timing>
+</p:sld>
+</file>
+
+<file path=ppt/slides/slide132.xml><?xml version="1.0" encoding="utf-8"?>
+<p:sld xmlns:a="http://schemas.openxmlformats.org/drawingml/2006/main" xmlns:r="http://schemas.openxmlformats.org/officeDocument/2006/relationships" xmlns:p="http://schemas.openxmlformats.org/presentationml/2006/main">
+  <p:cSld>
+    <p:spTree>
+      <p:nvGrpSpPr>
+        <p:cNvPr id="1" name=""/>
+        <p:cNvGrpSpPr/>
+        <p:nvPr/>
+      </p:nvGrpSpPr>
+      <p:grpSpPr>
+        <a:xfrm>
+          <a:off x="0" y="0"/>
+          <a:ext cx="0" cy="0"/>
+          <a:chOff x="0" y="0"/>
+          <a:chExt cx="0" cy="0"/>
+        </a:xfrm>
+      </p:grpSpPr>
+      <p:sp>
+        <p:nvSpPr>
+          <p:cNvPr id="2" name="Title 1"/>
+          <p:cNvSpPr>
+            <a:spLocks noGrp="1"/>
+          </p:cNvSpPr>
+          <p:nvPr>
+            <p:ph type="title"/>
+          </p:nvPr>
+        </p:nvSpPr>
+        <p:spPr/>
+        <p:txBody>
+          <a:bodyPr/>
+          <a:lstStyle/>
+          <a:p>
+            <a:r>
+              <a:rPr lang="en-US" dirty="0" smtClean="0"/>
+              <a:t>app-</a:t>
+            </a:r>
+            <a:r>
+              <a:rPr lang="en-US" dirty="0" err="1" smtClean="0"/>
+              <a:t>routing.module.ts</a:t>
+            </a:r>
+            <a:endParaRPr lang="en-US" dirty="0"/>
+          </a:p>
+        </p:txBody>
+      </p:sp>
+      <p:sp>
+        <p:nvSpPr>
+          <p:cNvPr id="3" name="Content Placeholder 2"/>
+          <p:cNvSpPr>
+            <a:spLocks noGrp="1"/>
+          </p:cNvSpPr>
+          <p:nvPr>
+            <p:ph idx="1"/>
+          </p:nvPr>
+        </p:nvSpPr>
+        <p:spPr/>
+        <p:txBody>
+          <a:bodyPr/>
+          <a:lstStyle/>
+          <a:p>
+            <a:endParaRPr lang="en-US"/>
+          </a:p>
+        </p:txBody>
+      </p:sp>
+      <p:pic>
+        <p:nvPicPr>
+          <p:cNvPr id="3074" name="Picture 2"/>
+          <p:cNvPicPr>
+            <a:picLocks noChangeAspect="1" noChangeArrowheads="1"/>
+          </p:cNvPicPr>
+          <p:nvPr/>
+        </p:nvPicPr>
+        <p:blipFill>
+          <a:blip r:embed="rId2"/>
+          <a:srcRect/>
+          <a:stretch>
+            <a:fillRect/>
+          </a:stretch>
+        </p:blipFill>
+        <p:spPr bwMode="auto">
+          <a:xfrm>
+            <a:off x="1828800" y="2101510"/>
+            <a:ext cx="6019800" cy="4756490"/>
+          </a:xfrm>
+          <a:prstGeom prst="rect">
+            <a:avLst/>
+          </a:prstGeom>
+          <a:noFill/>
+          <a:ln w="9525">
+            <a:noFill/>
+            <a:miter lim="800000"/>
+            <a:headEnd/>
+            <a:tailEnd/>
+          </a:ln>
+          <a:effectLst/>
+        </p:spPr>
+      </p:pic>
+    </p:spTree>
+  </p:cSld>
+  <p:clrMapOvr>
+    <a:masterClrMapping/>
+  </p:clrMapOvr>
+  <p:timing>
+    <p:tnLst>
+      <p:par>
+        <p:cTn id="1" dur="indefinite" restart="never" nodeType="tmRoot"/>
+      </p:par>
+    </p:tnLst>
+  </p:timing>
+</p:sld>
+</file>
+
+<file path=ppt/slides/slide133.xml><?xml version="1.0" encoding="utf-8"?>
+<p:sld xmlns:a="http://schemas.openxmlformats.org/drawingml/2006/main" xmlns:r="http://schemas.openxmlformats.org/officeDocument/2006/relationships" xmlns:p="http://schemas.openxmlformats.org/presentationml/2006/main">
+  <p:cSld>
+    <p:spTree>
+      <p:nvGrpSpPr>
+        <p:cNvPr id="1" name=""/>
+        <p:cNvGrpSpPr/>
+        <p:nvPr/>
+      </p:nvGrpSpPr>
+      <p:grpSpPr>
+        <a:xfrm>
+          <a:off x="0" y="0"/>
+          <a:ext cx="0" cy="0"/>
+          <a:chOff x="0" y="0"/>
+          <a:chExt cx="0" cy="0"/>
+        </a:xfrm>
+      </p:grpSpPr>
+      <p:sp>
+        <p:nvSpPr>
+          <p:cNvPr id="2" name="Title 1"/>
+          <p:cNvSpPr>
+            <a:spLocks noGrp="1"/>
+          </p:cNvSpPr>
+          <p:nvPr>
+            <p:ph type="title"/>
+          </p:nvPr>
+        </p:nvSpPr>
+        <p:spPr/>
+        <p:txBody>
+          <a:bodyPr/>
+          <a:lstStyle/>
+          <a:p>
+            <a:r>
+              <a:rPr lang="en-US" dirty="0" smtClean="0"/>
+              <a:t>Practice.</a:t>
+            </a:r>
+            <a:endParaRPr lang="en-US" dirty="0"/>
+          </a:p>
+        </p:txBody>
+      </p:sp>
+      <p:sp>
+        <p:nvSpPr>
+          <p:cNvPr id="3" name="Content Placeholder 2"/>
+          <p:cNvSpPr>
+            <a:spLocks noGrp="1"/>
+          </p:cNvSpPr>
+          <p:nvPr>
+            <p:ph idx="1"/>
+          </p:nvPr>
+        </p:nvSpPr>
+        <p:spPr/>
+        <p:txBody>
+          <a:bodyPr>
+            <a:normAutofit/>
+          </a:bodyPr>
+          <a:lstStyle/>
+          <a:p>
+            <a:r>
+              <a:rPr lang="en-US" dirty="0" smtClean="0"/>
+              <a:t>Install the Angular CLI</a:t>
+            </a:r>
+          </a:p>
+          <a:p>
+            <a:pPr lvl="1"/>
+            <a:r>
+              <a:rPr lang="en-US" dirty="0" err="1" smtClean="0"/>
+              <a:t>npm</a:t>
+            </a:r>
+            <a:r>
+              <a:rPr lang="en-US" dirty="0" smtClean="0"/>
+              <a:t> install -g @angular/</a:t>
+            </a:r>
+            <a:r>
+              <a:rPr lang="en-US" dirty="0" err="1" smtClean="0"/>
+              <a:t>cli</a:t>
+            </a:r>
+            <a:endParaRPr lang="en-US" dirty="0" smtClean="0"/>
+          </a:p>
+          <a:p>
+            <a:r>
+              <a:rPr lang="en-US" dirty="0" smtClean="0"/>
+              <a:t>Validate Angular CLI Version</a:t>
+            </a:r>
+          </a:p>
+          <a:p>
+            <a:pPr lvl="1"/>
+            <a:r>
+              <a:rPr lang="en-US" dirty="0" err="1" smtClean="0"/>
+              <a:t>ng</a:t>
+            </a:r>
+            <a:r>
+              <a:rPr lang="en-US" dirty="0" smtClean="0"/>
+              <a:t> --version</a:t>
+            </a:r>
+          </a:p>
+          <a:p>
+            <a:r>
+              <a:rPr lang="en-US" dirty="0" smtClean="0"/>
+              <a:t>Create a workspace and initial application</a:t>
+            </a:r>
+          </a:p>
+          <a:p>
+            <a:pPr lvl="1"/>
+            <a:r>
+              <a:rPr lang="en-US" dirty="0" err="1" smtClean="0"/>
+              <a:t>ng</a:t>
+            </a:r>
+            <a:r>
+              <a:rPr lang="en-US" dirty="0" smtClean="0"/>
+              <a:t> new </a:t>
+            </a:r>
+            <a:r>
+              <a:rPr lang="en-US" dirty="0" err="1" smtClean="0"/>
+              <a:t>myfirstproject</a:t>
+            </a:r>
+            <a:r>
+              <a:rPr lang="en-US" dirty="0" smtClean="0"/>
+              <a:t> --style=</a:t>
+            </a:r>
+            <a:r>
+              <a:rPr lang="en-US" dirty="0" err="1" smtClean="0"/>
+              <a:t>scss</a:t>
+            </a:r>
+            <a:r>
+              <a:rPr lang="en-US" dirty="0" smtClean="0"/>
+              <a:t> --routing</a:t>
+            </a:r>
+          </a:p>
+          <a:p>
+            <a:r>
+              <a:rPr lang="en-US" dirty="0" smtClean="0"/>
+              <a:t>Run </a:t>
+            </a:r>
+            <a:r>
+              <a:rPr lang="en-US" dirty="0" smtClean="0"/>
+              <a:t>the application</a:t>
+            </a:r>
+          </a:p>
+          <a:p>
+            <a:pPr lvl="1"/>
+            <a:r>
+              <a:rPr lang="en-US" dirty="0" err="1" smtClean="0"/>
+              <a:t>cd</a:t>
+            </a:r>
+            <a:r>
+              <a:rPr lang="en-US" dirty="0" smtClean="0"/>
+              <a:t> </a:t>
+            </a:r>
+            <a:r>
+              <a:rPr lang="en-US" dirty="0" err="1" smtClean="0"/>
+              <a:t>myfirstproject</a:t>
+            </a:r>
+            <a:r>
+              <a:rPr lang="en-US" dirty="0" smtClean="0"/>
+              <a:t> </a:t>
+            </a:r>
+            <a:endParaRPr lang="en-US" dirty="0" smtClean="0"/>
+          </a:p>
+          <a:p>
+            <a:pPr lvl="1"/>
+            <a:r>
+              <a:rPr lang="en-US" dirty="0" err="1" smtClean="0"/>
+              <a:t>ng</a:t>
+            </a:r>
+            <a:r>
+              <a:rPr lang="en-US" dirty="0" smtClean="0"/>
+              <a:t> </a:t>
+            </a:r>
+            <a:r>
+              <a:rPr lang="en-US" dirty="0" smtClean="0"/>
+              <a:t>serve –o</a:t>
+            </a:r>
+          </a:p>
+        </p:txBody>
+      </p:sp>
+    </p:spTree>
+  </p:cSld>
+  <p:clrMapOvr>
+    <a:masterClrMapping/>
+  </p:clrMapOvr>
+  <p:timing>
+    <p:tnLst>
+      <p:par>
+        <p:cTn id="1" dur="indefinite" restart="never" nodeType="tmRoot"/>
+      </p:par>
+    </p:tnLst>
+  </p:timing>
+</p:sld>
+</file>
+
+<file path=ppt/slides/slide134.xml><?xml version="1.0" encoding="utf-8"?>
+<p:sld xmlns:a="http://schemas.openxmlformats.org/drawingml/2006/main" xmlns:r="http://schemas.openxmlformats.org/officeDocument/2006/relationships" xmlns:p="http://schemas.openxmlformats.org/presentationml/2006/main">
+  <p:cSld>
+    <p:spTree>
+      <p:nvGrpSpPr>
+        <p:cNvPr id="1" name=""/>
+        <p:cNvGrpSpPr/>
+        <p:nvPr/>
+      </p:nvGrpSpPr>
+      <p:grpSpPr>
+        <a:xfrm>
+          <a:off x="0" y="0"/>
+          <a:ext cx="0" cy="0"/>
+          <a:chOff x="0" y="0"/>
+          <a:chExt cx="0" cy="0"/>
+        </a:xfrm>
+      </p:grpSpPr>
+      <p:sp>
+        <p:nvSpPr>
+          <p:cNvPr id="2" name="Title 1"/>
+          <p:cNvSpPr>
+            <a:spLocks noGrp="1"/>
+          </p:cNvSpPr>
+          <p:nvPr>
+            <p:ph type="title"/>
+          </p:nvPr>
+        </p:nvSpPr>
+        <p:spPr/>
+        <p:txBody>
+          <a:bodyPr/>
+          <a:lstStyle/>
+          <a:p>
+            <a:endParaRPr lang="en-US"/>
+          </a:p>
+        </p:txBody>
+      </p:sp>
+      <p:sp>
+        <p:nvSpPr>
+          <p:cNvPr id="3" name="Content Placeholder 2"/>
+          <p:cNvSpPr>
+            <a:spLocks noGrp="1"/>
+          </p:cNvSpPr>
+          <p:nvPr>
+            <p:ph idx="1"/>
+          </p:nvPr>
+        </p:nvSpPr>
+        <p:spPr/>
+        <p:txBody>
+          <a:bodyPr/>
+          <a:lstStyle/>
+          <a:p>
+            <a:endParaRPr lang="en-US"/>
+          </a:p>
+        </p:txBody>
+      </p:sp>
+      <p:pic>
+        <p:nvPicPr>
+          <p:cNvPr id="4098" name="Picture 2"/>
+          <p:cNvPicPr>
+            <a:picLocks noChangeAspect="1" noChangeArrowheads="1"/>
+          </p:cNvPicPr>
+          <p:nvPr/>
+        </p:nvPicPr>
+        <p:blipFill>
+          <a:blip r:embed="rId2"/>
+          <a:srcRect/>
+          <a:stretch>
+            <a:fillRect/>
+          </a:stretch>
+        </p:blipFill>
+        <p:spPr bwMode="auto">
+          <a:xfrm>
+            <a:off x="914400" y="838200"/>
+            <a:ext cx="7037820" cy="5638800"/>
+          </a:xfrm>
+          <a:prstGeom prst="rect">
+            <a:avLst/>
+          </a:prstGeom>
+          <a:noFill/>
+          <a:ln w="9525">
+            <a:noFill/>
+            <a:miter lim="800000"/>
+            <a:headEnd/>
+            <a:tailEnd/>
+          </a:ln>
+          <a:effectLst/>
+        </p:spPr>
+      </p:pic>
+    </p:spTree>
+  </p:cSld>
+  <p:clrMapOvr>
+    <a:masterClrMapping/>
+  </p:clrMapOvr>
+  <p:timing>
+    <p:tnLst>
+      <p:par>
+        <p:cTn id="1" dur="indefinite" restart="never" nodeType="tmRoot"/>
+      </p:par>
+    </p:tnLst>
+  </p:timing>
+</p:sld>
+</file>
+
+<file path=ppt/slides/slide135.xml><?xml version="1.0" encoding="utf-8"?>
+<p:sld xmlns:a="http://schemas.openxmlformats.org/drawingml/2006/main" xmlns:r="http://schemas.openxmlformats.org/officeDocument/2006/relationships" xmlns:p="http://schemas.openxmlformats.org/presentationml/2006/main">
+  <p:cSld>
+    <p:spTree>
+      <p:nvGrpSpPr>
+        <p:cNvPr id="1" name=""/>
+        <p:cNvGrpSpPr/>
+        <p:nvPr/>
+      </p:nvGrpSpPr>
+      <p:grpSpPr>
+        <a:xfrm>
+          <a:off x="0" y="0"/>
+          <a:ext cx="0" cy="0"/>
+          <a:chOff x="0" y="0"/>
+          <a:chExt cx="0" cy="0"/>
+        </a:xfrm>
+      </p:grpSpPr>
+      <p:sp>
+        <p:nvSpPr>
+          <p:cNvPr id="3" name="Content Placeholder 2"/>
+          <p:cNvSpPr>
+            <a:spLocks noGrp="1"/>
+          </p:cNvSpPr>
+          <p:nvPr>
+            <p:ph idx="1"/>
+          </p:nvPr>
+        </p:nvSpPr>
+        <p:spPr>
+          <a:xfrm>
+            <a:off x="457200" y="838200"/>
+            <a:ext cx="8229600" cy="5736336"/>
+          </a:xfrm>
+        </p:spPr>
+        <p:txBody>
+          <a:bodyPr/>
+          <a:lstStyle/>
+          <a:p>
+            <a:r>
+              <a:rPr lang="en-US" dirty="0" smtClean="0"/>
+              <a:t>The HTML file is the HTML template associated with that component.</a:t>
+            </a:r>
+          </a:p>
+          <a:p>
+            <a:r>
+              <a:rPr lang="en-US" dirty="0" smtClean="0"/>
+              <a:t>The SCSS or CSS is the associated CSS </a:t>
+            </a:r>
+            <a:r>
+              <a:rPr lang="en-US" dirty="0" err="1" smtClean="0"/>
+              <a:t>rulesets</a:t>
+            </a:r>
+            <a:r>
+              <a:rPr lang="en-US" dirty="0" smtClean="0"/>
+              <a:t> for that component (whatever is defined in the HTML file)</a:t>
+            </a:r>
+          </a:p>
+          <a:p>
+            <a:r>
+              <a:rPr lang="en-US" dirty="0" smtClean="0"/>
+              <a:t>The </a:t>
+            </a:r>
+            <a:r>
+              <a:rPr lang="en-US" i="1" dirty="0" smtClean="0"/>
+              <a:t>.</a:t>
+            </a:r>
+            <a:r>
+              <a:rPr lang="en-US" i="1" dirty="0" err="1" smtClean="0"/>
+              <a:t>spec.ts</a:t>
+            </a:r>
+            <a:r>
+              <a:rPr lang="en-US" dirty="0" smtClean="0"/>
+              <a:t> file is for testing purposes.</a:t>
+            </a:r>
+          </a:p>
+          <a:p>
+            <a:r>
+              <a:rPr lang="en-US" dirty="0" smtClean="0"/>
+              <a:t>The </a:t>
+            </a:r>
+            <a:r>
+              <a:rPr lang="en-US" i="1" dirty="0" smtClean="0"/>
+              <a:t>.</a:t>
+            </a:r>
+            <a:r>
+              <a:rPr lang="en-US" i="1" dirty="0" err="1" smtClean="0"/>
+              <a:t>ts</a:t>
+            </a:r>
+            <a:r>
+              <a:rPr lang="en-US" dirty="0" smtClean="0"/>
+              <a:t> file is the actual component file, and it's where you will likely spend most of your time. It defines a number of things.</a:t>
+            </a:r>
+          </a:p>
+          <a:p>
+            <a:endParaRPr lang="en-US" dirty="0"/>
+          </a:p>
+        </p:txBody>
+      </p:sp>
+      <p:pic>
+        <p:nvPicPr>
+          <p:cNvPr id="5122" name="Picture 2"/>
+          <p:cNvPicPr>
+            <a:picLocks noChangeAspect="1" noChangeArrowheads="1"/>
+          </p:cNvPicPr>
+          <p:nvPr/>
+        </p:nvPicPr>
+        <p:blipFill>
+          <a:blip r:embed="rId2"/>
+          <a:srcRect/>
+          <a:stretch>
+            <a:fillRect/>
+          </a:stretch>
+        </p:blipFill>
+        <p:spPr bwMode="auto">
+          <a:xfrm>
+            <a:off x="5257800" y="4724400"/>
+            <a:ext cx="3609975" cy="1933575"/>
+          </a:xfrm>
+          <a:prstGeom prst="rect">
+            <a:avLst/>
+          </a:prstGeom>
+          <a:noFill/>
+          <a:ln w="9525">
+            <a:noFill/>
+            <a:miter lim="800000"/>
+            <a:headEnd/>
+            <a:tailEnd/>
+          </a:ln>
+          <a:effectLst/>
+        </p:spPr>
+      </p:pic>
+    </p:spTree>
+  </p:cSld>
+  <p:clrMapOvr>
+    <a:masterClrMapping/>
+  </p:clrMapOvr>
+  <p:timing>
+    <p:tnLst>
+      <p:par>
+        <p:cTn id="1" dur="indefinite" restart="never" nodeType="tmRoot"/>
+      </p:par>
+    </p:tnLst>
+  </p:timing>
+</p:sld>
+</file>
+
+<file path=ppt/slides/slide136.xml><?xml version="1.0" encoding="utf-8"?>
+<p:sld xmlns:a="http://schemas.openxmlformats.org/drawingml/2006/main" xmlns:r="http://schemas.openxmlformats.org/officeDocument/2006/relationships" xmlns:p="http://schemas.openxmlformats.org/presentationml/2006/main">
+  <p:cSld>
+    <p:spTree>
+      <p:nvGrpSpPr>
+        <p:cNvPr id="1" name=""/>
+        <p:cNvGrpSpPr/>
+        <p:nvPr/>
+      </p:nvGrpSpPr>
+      <p:grpSpPr>
+        <a:xfrm>
+          <a:off x="0" y="0"/>
+          <a:ext cx="0" cy="0"/>
+          <a:chOff x="0" y="0"/>
+          <a:chExt cx="0" cy="0"/>
+        </a:xfrm>
+      </p:grpSpPr>
+      <p:sp>
+        <p:nvSpPr>
+          <p:cNvPr id="2" name="Title 1"/>
+          <p:cNvSpPr>
+            <a:spLocks noGrp="1"/>
+          </p:cNvSpPr>
+          <p:nvPr>
+            <p:ph type="title"/>
+          </p:nvPr>
+        </p:nvSpPr>
+        <p:spPr/>
+        <p:txBody>
+          <a:bodyPr/>
+          <a:lstStyle/>
+          <a:p>
+            <a:endParaRPr lang="en-US"/>
+          </a:p>
+        </p:txBody>
+      </p:sp>
+      <p:sp>
+        <p:nvSpPr>
+          <p:cNvPr id="3" name="Content Placeholder 2"/>
+          <p:cNvSpPr>
+            <a:spLocks noGrp="1"/>
+          </p:cNvSpPr>
+          <p:nvPr>
+            <p:ph idx="1"/>
+          </p:nvPr>
+        </p:nvSpPr>
+        <p:spPr/>
+        <p:txBody>
+          <a:bodyPr/>
+          <a:lstStyle/>
+          <a:p>
+            <a:endParaRPr lang="en-US"/>
+          </a:p>
+        </p:txBody>
+      </p:sp>
+      <p:pic>
+        <p:nvPicPr>
+          <p:cNvPr id="6146" name="Picture 2"/>
+          <p:cNvPicPr>
+            <a:picLocks noChangeAspect="1" noChangeArrowheads="1"/>
+          </p:cNvPicPr>
+          <p:nvPr/>
+        </p:nvPicPr>
+        <p:blipFill>
+          <a:blip r:embed="rId2"/>
+          <a:srcRect/>
+          <a:stretch>
+            <a:fillRect/>
+          </a:stretch>
+        </p:blipFill>
+        <p:spPr bwMode="auto">
+          <a:xfrm>
+            <a:off x="1219200" y="1371600"/>
+            <a:ext cx="6072188" cy="4312709"/>
+          </a:xfrm>
+          <a:prstGeom prst="rect">
+            <a:avLst/>
+          </a:prstGeom>
+          <a:noFill/>
+          <a:ln w="9525">
+            <a:noFill/>
+            <a:miter lim="800000"/>
+            <a:headEnd/>
+            <a:tailEnd/>
+          </a:ln>
+          <a:effectLst/>
+        </p:spPr>
+      </p:pic>
+    </p:spTree>
+  </p:cSld>
+  <p:clrMapOvr>
+    <a:masterClrMapping/>
+  </p:clrMapOvr>
+  <p:timing>
+    <p:tnLst>
+      <p:par>
+        <p:cTn id="1" dur="indefinite" restart="never" nodeType="tmRoot"/>
+      </p:par>
+    </p:tnLst>
+  </p:timing>
+</p:sld>
+</file>
+
+<file path=ppt/slides/slide137.xml><?xml version="1.0" encoding="utf-8"?>
+<p:sld xmlns:a="http://schemas.openxmlformats.org/drawingml/2006/main" xmlns:r="http://schemas.openxmlformats.org/officeDocument/2006/relationships" xmlns:p="http://schemas.openxmlformats.org/presentationml/2006/main">
+  <p:cSld>
+    <p:spTree>
+      <p:nvGrpSpPr>
+        <p:cNvPr id="1" name=""/>
+        <p:cNvGrpSpPr/>
+        <p:nvPr/>
+      </p:nvGrpSpPr>
+      <p:grpSpPr>
+        <a:xfrm>
+          <a:off x="0" y="0"/>
+          <a:ext cx="0" cy="0"/>
+          <a:chOff x="0" y="0"/>
+          <a:chExt cx="0" cy="0"/>
+        </a:xfrm>
+      </p:grpSpPr>
+      <p:sp>
+        <p:nvSpPr>
+          <p:cNvPr id="2" name="Title 1"/>
+          <p:cNvSpPr>
+            <a:spLocks noGrp="1"/>
+          </p:cNvSpPr>
+          <p:nvPr>
+            <p:ph type="title"/>
+          </p:nvPr>
+        </p:nvSpPr>
+        <p:spPr/>
+        <p:txBody>
+          <a:bodyPr/>
+          <a:lstStyle/>
+          <a:p>
+            <a:r>
+              <a:rPr lang="en-US" dirty="0" smtClean="0"/>
+              <a:t>Create components</a:t>
+            </a:r>
+            <a:endParaRPr lang="en-US" dirty="0"/>
+          </a:p>
+        </p:txBody>
+      </p:sp>
+      <p:sp>
+        <p:nvSpPr>
+          <p:cNvPr id="3" name="Content Placeholder 2"/>
+          <p:cNvSpPr>
+            <a:spLocks noGrp="1"/>
+          </p:cNvSpPr>
+          <p:nvPr>
+            <p:ph idx="1"/>
+          </p:nvPr>
+        </p:nvSpPr>
+        <p:spPr/>
+        <p:txBody>
+          <a:bodyPr/>
+          <a:lstStyle/>
+          <a:p>
+            <a:r>
+              <a:rPr lang="en-US" dirty="0" err="1" smtClean="0"/>
+              <a:t>ng</a:t>
+            </a:r>
+            <a:r>
+              <a:rPr lang="en-US" dirty="0" smtClean="0"/>
+              <a:t> generate component </a:t>
+            </a:r>
+            <a:r>
+              <a:rPr lang="en-US" dirty="0" smtClean="0"/>
+              <a:t>sidebar</a:t>
+            </a:r>
+          </a:p>
+          <a:p>
+            <a:r>
+              <a:rPr lang="en-US" dirty="0" err="1" smtClean="0"/>
+              <a:t>ng</a:t>
+            </a:r>
+            <a:r>
+              <a:rPr lang="en-US" dirty="0" smtClean="0"/>
+              <a:t> g c </a:t>
+            </a:r>
+            <a:r>
+              <a:rPr lang="en-US" dirty="0" smtClean="0"/>
+              <a:t>posts</a:t>
+            </a:r>
+          </a:p>
+          <a:p>
+            <a:r>
+              <a:rPr lang="en-US" dirty="0" err="1" smtClean="0"/>
+              <a:t>ng</a:t>
+            </a:r>
+            <a:r>
+              <a:rPr lang="en-US" dirty="0" smtClean="0"/>
+              <a:t> g c </a:t>
+            </a:r>
+            <a:r>
+              <a:rPr lang="en-US" dirty="0" smtClean="0"/>
+              <a:t>users</a:t>
+            </a:r>
+          </a:p>
+          <a:p>
+            <a:r>
+              <a:rPr lang="en-US" dirty="0" err="1" smtClean="0"/>
+              <a:t>ng</a:t>
+            </a:r>
+            <a:r>
+              <a:rPr lang="en-US" dirty="0" smtClean="0"/>
+              <a:t> g c details</a:t>
+            </a:r>
+            <a:endParaRPr lang="en-US" dirty="0"/>
+          </a:p>
+        </p:txBody>
+      </p:sp>
+    </p:spTree>
+  </p:cSld>
+  <p:clrMapOvr>
+    <a:masterClrMapping/>
+  </p:clrMapOvr>
+  <p:timing>
+    <p:tnLst>
+      <p:par>
+        <p:cTn id="1" dur="indefinite" restart="never" nodeType="tmRoot"/>
+      </p:par>
+    </p:tnLst>
+  </p:timing>
+</p:sld>
+</file>
+
+<file path=ppt/slides/slide138.xml><?xml version="1.0" encoding="utf-8"?>
+<p:sld xmlns:a="http://schemas.openxmlformats.org/drawingml/2006/main" xmlns:r="http://schemas.openxmlformats.org/officeDocument/2006/relationships" xmlns:p="http://schemas.openxmlformats.org/presentationml/2006/main">
+  <p:cSld>
+    <p:spTree>
+      <p:nvGrpSpPr>
+        <p:cNvPr id="1" name=""/>
+        <p:cNvGrpSpPr/>
+        <p:nvPr/>
+      </p:nvGrpSpPr>
+      <p:grpSpPr>
+        <a:xfrm>
+          <a:off x="0" y="0"/>
+          <a:ext cx="0" cy="0"/>
+          <a:chOff x="0" y="0"/>
+          <a:chExt cx="0" cy="0"/>
+        </a:xfrm>
+      </p:grpSpPr>
+      <p:sp>
+        <p:nvSpPr>
+          <p:cNvPr id="2" name="Title 1"/>
+          <p:cNvSpPr>
+            <a:spLocks noGrp="1"/>
+          </p:cNvSpPr>
+          <p:nvPr>
+            <p:ph type="title"/>
+          </p:nvPr>
+        </p:nvSpPr>
+        <p:spPr/>
+        <p:txBody>
+          <a:bodyPr/>
+          <a:lstStyle/>
+          <a:p>
+            <a:r>
+              <a:rPr lang="en-US" dirty="0" smtClean="0"/>
+              <a:t>Templating the app</a:t>
+            </a:r>
+            <a:endParaRPr lang="en-US" dirty="0"/>
+          </a:p>
+        </p:txBody>
+      </p:sp>
+      <p:sp>
+        <p:nvSpPr>
+          <p:cNvPr id="3" name="Content Placeholder 2"/>
+          <p:cNvSpPr>
+            <a:spLocks noGrp="1"/>
+          </p:cNvSpPr>
+          <p:nvPr>
+            <p:ph idx="1"/>
+          </p:nvPr>
+        </p:nvSpPr>
+        <p:spPr/>
+        <p:txBody>
+          <a:bodyPr/>
+          <a:lstStyle/>
+          <a:p>
+            <a:r>
+              <a:rPr lang="en-US" dirty="0" smtClean="0"/>
+              <a:t>Open the </a:t>
+            </a:r>
+            <a:r>
+              <a:rPr lang="en-US" b="1" dirty="0" err="1" smtClean="0"/>
+              <a:t>src</a:t>
+            </a:r>
+            <a:r>
+              <a:rPr lang="en-US" b="1" dirty="0" smtClean="0"/>
+              <a:t>/app/</a:t>
+            </a:r>
+            <a:r>
+              <a:rPr lang="en-US" b="1" dirty="0" err="1" smtClean="0"/>
+              <a:t>app.component.html</a:t>
+            </a:r>
+            <a:r>
+              <a:rPr lang="en-US" dirty="0" smtClean="0"/>
+              <a:t> </a:t>
+            </a:r>
+            <a:r>
+              <a:rPr lang="en-US" dirty="0" smtClean="0"/>
+              <a:t>file.</a:t>
+            </a:r>
+          </a:p>
+          <a:p>
+            <a:r>
+              <a:rPr lang="en-US" dirty="0" smtClean="0"/>
+              <a:t>Remove </a:t>
+            </a:r>
+            <a:r>
+              <a:rPr lang="en-US" dirty="0" smtClean="0"/>
+              <a:t>all existing html content and </a:t>
+            </a:r>
+            <a:r>
+              <a:rPr lang="en-US" dirty="0" smtClean="0"/>
+              <a:t>paste </a:t>
+            </a:r>
+            <a:r>
+              <a:rPr lang="en-US" dirty="0" smtClean="0"/>
+              <a:t>this.</a:t>
+            </a:r>
+          </a:p>
+          <a:p>
+            <a:endParaRPr lang="en-US" dirty="0"/>
+          </a:p>
+        </p:txBody>
+      </p:sp>
+      <p:pic>
+        <p:nvPicPr>
+          <p:cNvPr id="7170" name="Picture 2"/>
+          <p:cNvPicPr>
+            <a:picLocks noChangeAspect="1" noChangeArrowheads="1"/>
+          </p:cNvPicPr>
+          <p:nvPr/>
+        </p:nvPicPr>
+        <p:blipFill>
+          <a:blip r:embed="rId2"/>
+          <a:srcRect/>
+          <a:stretch>
+            <a:fillRect/>
+          </a:stretch>
+        </p:blipFill>
+        <p:spPr bwMode="auto">
+          <a:xfrm>
+            <a:off x="1905000" y="3429000"/>
+            <a:ext cx="5034897" cy="2667000"/>
+          </a:xfrm>
+          <a:prstGeom prst="rect">
+            <a:avLst/>
+          </a:prstGeom>
+          <a:noFill/>
+          <a:ln w="9525">
+            <a:noFill/>
+            <a:miter lim="800000"/>
+            <a:headEnd/>
+            <a:tailEnd/>
+          </a:ln>
+          <a:effectLst/>
+        </p:spPr>
+      </p:pic>
+    </p:spTree>
+  </p:cSld>
+  <p:clrMapOvr>
+    <a:masterClrMapping/>
+  </p:clrMapOvr>
+  <p:timing>
+    <p:tnLst>
+      <p:par>
+        <p:cTn id="1" dur="indefinite" restart="never" nodeType="tmRoot"/>
+      </p:par>
+    </p:tnLst>
+  </p:timing>
+</p:sld>
+</file>
+
+<file path=ppt/slides/slide139.xml><?xml version="1.0" encoding="utf-8"?>
+<p:sld xmlns:a="http://schemas.openxmlformats.org/drawingml/2006/main" xmlns:r="http://schemas.openxmlformats.org/officeDocument/2006/relationships" xmlns:p="http://schemas.openxmlformats.org/presentationml/2006/main">
+  <p:cSld>
+    <p:spTree>
+      <p:nvGrpSpPr>
+        <p:cNvPr id="1" name=""/>
+        <p:cNvGrpSpPr/>
+        <p:nvPr/>
+      </p:nvGrpSpPr>
+      <p:grpSpPr>
+        <a:xfrm>
+          <a:off x="0" y="0"/>
+          <a:ext cx="0" cy="0"/>
+          <a:chOff x="0" y="0"/>
+          <a:chExt cx="0" cy="0"/>
+        </a:xfrm>
+      </p:grpSpPr>
+      <p:sp>
+        <p:nvSpPr>
+          <p:cNvPr id="3" name="Content Placeholder 2"/>
+          <p:cNvSpPr>
+            <a:spLocks noGrp="1"/>
+          </p:cNvSpPr>
+          <p:nvPr>
+            <p:ph idx="1"/>
+          </p:nvPr>
+        </p:nvSpPr>
+        <p:spPr>
+          <a:xfrm>
+            <a:off x="457200" y="914400"/>
+            <a:ext cx="8229600" cy="5660136"/>
+          </a:xfrm>
+        </p:spPr>
+        <p:txBody>
+          <a:bodyPr/>
+          <a:lstStyle/>
+          <a:p>
+            <a:r>
+              <a:rPr lang="en-US" dirty="0" smtClean="0"/>
+              <a:t>Open /</a:t>
+            </a:r>
+            <a:r>
+              <a:rPr lang="en-US" b="1" dirty="0" err="1" smtClean="0"/>
+              <a:t>src</a:t>
+            </a:r>
+            <a:r>
+              <a:rPr lang="en-US" b="1" dirty="0" smtClean="0"/>
+              <a:t>/app/sidebar/</a:t>
+            </a:r>
+            <a:r>
+              <a:rPr lang="en-US" b="1" dirty="0" err="1" smtClean="0"/>
+              <a:t>sidebar.component.html</a:t>
+            </a:r>
+            <a:r>
+              <a:rPr lang="en-US" dirty="0" smtClean="0"/>
+              <a:t> file to define the sidebar </a:t>
+            </a:r>
+            <a:r>
+              <a:rPr lang="en-US" dirty="0" err="1" smtClean="0"/>
+              <a:t>templating</a:t>
+            </a:r>
+            <a:r>
+              <a:rPr lang="en-US" dirty="0" smtClean="0"/>
+              <a:t>.</a:t>
+            </a:r>
+          </a:p>
+          <a:p>
+            <a:endParaRPr lang="en-US" dirty="0"/>
+          </a:p>
+        </p:txBody>
+      </p:sp>
+      <p:pic>
+        <p:nvPicPr>
+          <p:cNvPr id="8195" name="Picture 3"/>
+          <p:cNvPicPr>
+            <a:picLocks noChangeAspect="1" noChangeArrowheads="1"/>
+          </p:cNvPicPr>
+          <p:nvPr/>
+        </p:nvPicPr>
+        <p:blipFill>
+          <a:blip r:embed="rId2"/>
+          <a:srcRect/>
+          <a:stretch>
+            <a:fillRect/>
+          </a:stretch>
+        </p:blipFill>
+        <p:spPr bwMode="auto">
+          <a:xfrm>
+            <a:off x="1905000" y="2590800"/>
+            <a:ext cx="5105400" cy="3205147"/>
+          </a:xfrm>
+          <a:prstGeom prst="rect">
+            <a:avLst/>
+          </a:prstGeom>
+          <a:noFill/>
+          <a:ln w="9525">
+            <a:noFill/>
+            <a:miter lim="800000"/>
+            <a:headEnd/>
+            <a:tailEnd/>
+          </a:ln>
+          <a:effectLst/>
+        </p:spPr>
+      </p:pic>
+    </p:spTree>
+  </p:cSld>
+  <p:clrMapOvr>
+    <a:masterClrMapping/>
+  </p:clrMapOvr>
+  <p:timing>
+    <p:tnLst>
+      <p:par>
+        <p:cTn id="1" dur="indefinite" restart="never" nodeType="tmRoot"/>
+      </p:par>
+    </p:tnLst>
+  </p:timing>
+</p:sld>
+</file>
+
 <file path=ppt/slides/slide14.xml><?xml version="1.0" encoding="utf-8"?>
 <p:sld xmlns:a="http://schemas.openxmlformats.org/drawingml/2006/main" xmlns:r="http://schemas.openxmlformats.org/officeDocument/2006/relationships" xmlns:p="http://schemas.openxmlformats.org/presentationml/2006/main">
   <p:cSld>
@@ -8943,6 +10538,1237 @@
   <p:clrMapOvr>
     <a:masterClrMapping/>
   </p:clrMapOvr>
+</p:sld>
+</file>
+
+<file path=ppt/slides/slide140.xml><?xml version="1.0" encoding="utf-8"?>
+<p:sld xmlns:a="http://schemas.openxmlformats.org/drawingml/2006/main" xmlns:r="http://schemas.openxmlformats.org/officeDocument/2006/relationships" xmlns:p="http://schemas.openxmlformats.org/presentationml/2006/main">
+  <p:cSld>
+    <p:spTree>
+      <p:nvGrpSpPr>
+        <p:cNvPr id="1" name=""/>
+        <p:cNvGrpSpPr/>
+        <p:nvPr/>
+      </p:nvGrpSpPr>
+      <p:grpSpPr>
+        <a:xfrm>
+          <a:off x="0" y="0"/>
+          <a:ext cx="0" cy="0"/>
+          <a:chOff x="0" y="0"/>
+          <a:chExt cx="0" cy="0"/>
+        </a:xfrm>
+      </p:grpSpPr>
+      <p:sp>
+        <p:nvSpPr>
+          <p:cNvPr id="3" name="Content Placeholder 2"/>
+          <p:cNvSpPr>
+            <a:spLocks noGrp="1"/>
+          </p:cNvSpPr>
+          <p:nvPr>
+            <p:ph idx="1"/>
+          </p:nvPr>
+        </p:nvSpPr>
+        <p:spPr>
+          <a:xfrm>
+            <a:off x="457200" y="1066800"/>
+            <a:ext cx="8229600" cy="5507736"/>
+          </a:xfrm>
+        </p:spPr>
+        <p:txBody>
+          <a:bodyPr/>
+          <a:lstStyle/>
+          <a:p>
+            <a:r>
+              <a:rPr lang="en-US" dirty="0" smtClean="0"/>
+              <a:t>open up </a:t>
+            </a:r>
+            <a:r>
+              <a:rPr lang="en-US" b="1" dirty="0" smtClean="0"/>
+              <a:t>/</a:t>
+            </a:r>
+            <a:r>
+              <a:rPr lang="en-US" b="1" dirty="0" err="1" smtClean="0"/>
+              <a:t>src</a:t>
+            </a:r>
+            <a:r>
+              <a:rPr lang="en-US" b="1" dirty="0" smtClean="0"/>
+              <a:t>/index.html</a:t>
+            </a:r>
+            <a:r>
+              <a:rPr lang="en-US" dirty="0" smtClean="0"/>
+              <a:t> and add the following 2 lines between the </a:t>
+            </a:r>
+            <a:r>
+              <a:rPr lang="en-US" i="1" dirty="0" smtClean="0"/>
+              <a:t>&lt;head&gt;</a:t>
+            </a:r>
+            <a:r>
+              <a:rPr lang="en-US" dirty="0" smtClean="0"/>
+              <a:t> tags:</a:t>
+            </a:r>
+            <a:endParaRPr lang="en-US" dirty="0"/>
+          </a:p>
+        </p:txBody>
+      </p:sp>
+      <p:pic>
+        <p:nvPicPr>
+          <p:cNvPr id="9218" name="Picture 2"/>
+          <p:cNvPicPr>
+            <a:picLocks noChangeAspect="1" noChangeArrowheads="1"/>
+          </p:cNvPicPr>
+          <p:nvPr/>
+        </p:nvPicPr>
+        <p:blipFill>
+          <a:blip r:embed="rId2"/>
+          <a:srcRect/>
+          <a:stretch>
+            <a:fillRect/>
+          </a:stretch>
+        </p:blipFill>
+        <p:spPr bwMode="auto">
+          <a:xfrm>
+            <a:off x="457200" y="2895600"/>
+            <a:ext cx="8429625" cy="1438275"/>
+          </a:xfrm>
+          <a:prstGeom prst="rect">
+            <a:avLst/>
+          </a:prstGeom>
+          <a:noFill/>
+          <a:ln w="9525">
+            <a:noFill/>
+            <a:miter lim="800000"/>
+            <a:headEnd/>
+            <a:tailEnd/>
+          </a:ln>
+          <a:effectLst/>
+        </p:spPr>
+      </p:pic>
+    </p:spTree>
+  </p:cSld>
+  <p:clrMapOvr>
+    <a:masterClrMapping/>
+  </p:clrMapOvr>
+  <p:timing>
+    <p:tnLst>
+      <p:par>
+        <p:cTn id="1" dur="indefinite" restart="never" nodeType="tmRoot"/>
+      </p:par>
+    </p:tnLst>
+  </p:timing>
+</p:sld>
+</file>
+
+<file path=ppt/slides/slide141.xml><?xml version="1.0" encoding="utf-8"?>
+<p:sld xmlns:a="http://schemas.openxmlformats.org/drawingml/2006/main" xmlns:r="http://schemas.openxmlformats.org/officeDocument/2006/relationships" xmlns:p="http://schemas.openxmlformats.org/presentationml/2006/main">
+  <p:cSld>
+    <p:spTree>
+      <p:nvGrpSpPr>
+        <p:cNvPr id="1" name=""/>
+        <p:cNvGrpSpPr/>
+        <p:nvPr/>
+      </p:nvGrpSpPr>
+      <p:grpSpPr>
+        <a:xfrm>
+          <a:off x="0" y="0"/>
+          <a:ext cx="0" cy="0"/>
+          <a:chOff x="0" y="0"/>
+          <a:chExt cx="0" cy="0"/>
+        </a:xfrm>
+      </p:grpSpPr>
+      <p:sp>
+        <p:nvSpPr>
+          <p:cNvPr id="3" name="Content Placeholder 2"/>
+          <p:cNvSpPr>
+            <a:spLocks noGrp="1"/>
+          </p:cNvSpPr>
+          <p:nvPr>
+            <p:ph idx="1"/>
+          </p:nvPr>
+        </p:nvSpPr>
+        <p:spPr>
+          <a:xfrm>
+            <a:off x="457200" y="1066800"/>
+            <a:ext cx="8229600" cy="5507736"/>
+          </a:xfrm>
+        </p:spPr>
+        <p:txBody>
+          <a:bodyPr/>
+          <a:lstStyle/>
+          <a:p>
+            <a:r>
+              <a:rPr lang="en-US" dirty="0" smtClean="0"/>
+              <a:t>Open </a:t>
+            </a:r>
+            <a:r>
+              <a:rPr lang="en-US" dirty="0" smtClean="0"/>
+              <a:t>up </a:t>
+            </a:r>
+            <a:r>
+              <a:rPr lang="en-US" b="1" dirty="0" smtClean="0"/>
+              <a:t>/</a:t>
+            </a:r>
+            <a:r>
+              <a:rPr lang="en-US" b="1" dirty="0" err="1" smtClean="0"/>
+              <a:t>src</a:t>
+            </a:r>
+            <a:r>
+              <a:rPr lang="en-US" b="1" dirty="0" smtClean="0"/>
+              <a:t>/styles.css</a:t>
+            </a:r>
+          </a:p>
+          <a:p>
+            <a:endParaRPr lang="en-US" dirty="0"/>
+          </a:p>
+        </p:txBody>
+      </p:sp>
+      <p:pic>
+        <p:nvPicPr>
+          <p:cNvPr id="10242" name="Picture 2"/>
+          <p:cNvPicPr>
+            <a:picLocks noChangeAspect="1" noChangeArrowheads="1"/>
+          </p:cNvPicPr>
+          <p:nvPr/>
+        </p:nvPicPr>
+        <p:blipFill>
+          <a:blip r:embed="rId2"/>
+          <a:srcRect/>
+          <a:stretch>
+            <a:fillRect/>
+          </a:stretch>
+        </p:blipFill>
+        <p:spPr bwMode="auto">
+          <a:xfrm>
+            <a:off x="5105400" y="459241"/>
+            <a:ext cx="3429000" cy="6398759"/>
+          </a:xfrm>
+          <a:prstGeom prst="rect">
+            <a:avLst/>
+          </a:prstGeom>
+          <a:noFill/>
+          <a:ln w="9525">
+            <a:noFill/>
+            <a:miter lim="800000"/>
+            <a:headEnd/>
+            <a:tailEnd/>
+          </a:ln>
+          <a:effectLst/>
+        </p:spPr>
+      </p:pic>
+    </p:spTree>
+  </p:cSld>
+  <p:clrMapOvr>
+    <a:masterClrMapping/>
+  </p:clrMapOvr>
+  <p:timing>
+    <p:tnLst>
+      <p:par>
+        <p:cTn id="1" dur="indefinite" restart="never" nodeType="tmRoot"/>
+      </p:par>
+    </p:tnLst>
+  </p:timing>
+</p:sld>
+</file>
+
+<file path=ppt/slides/slide142.xml><?xml version="1.0" encoding="utf-8"?>
+<p:sld xmlns:a="http://schemas.openxmlformats.org/drawingml/2006/main" xmlns:r="http://schemas.openxmlformats.org/officeDocument/2006/relationships" xmlns:p="http://schemas.openxmlformats.org/presentationml/2006/main">
+  <p:cSld>
+    <p:spTree>
+      <p:nvGrpSpPr>
+        <p:cNvPr id="1" name=""/>
+        <p:cNvGrpSpPr/>
+        <p:nvPr/>
+      </p:nvGrpSpPr>
+      <p:grpSpPr>
+        <a:xfrm>
+          <a:off x="0" y="0"/>
+          <a:ext cx="0" cy="0"/>
+          <a:chOff x="0" y="0"/>
+          <a:chExt cx="0" cy="0"/>
+        </a:xfrm>
+      </p:grpSpPr>
+      <p:sp>
+        <p:nvSpPr>
+          <p:cNvPr id="3" name="Content Placeholder 2"/>
+          <p:cNvSpPr>
+            <a:spLocks noGrp="1"/>
+          </p:cNvSpPr>
+          <p:nvPr>
+            <p:ph idx="1"/>
+          </p:nvPr>
+        </p:nvSpPr>
+        <p:spPr>
+          <a:xfrm>
+            <a:off x="457200" y="990600"/>
+            <a:ext cx="8229600" cy="5583936"/>
+          </a:xfrm>
+        </p:spPr>
+        <p:txBody>
+          <a:bodyPr/>
+          <a:lstStyle/>
+          <a:p>
+            <a:r>
+              <a:rPr lang="en-US" dirty="0" smtClean="0"/>
+              <a:t>O</a:t>
+            </a:r>
+            <a:r>
+              <a:rPr lang="en-US" dirty="0" smtClean="0"/>
+              <a:t>pen </a:t>
+            </a:r>
+            <a:r>
+              <a:rPr lang="en-US" dirty="0" smtClean="0"/>
+              <a:t>up the sidebar CSS file </a:t>
+            </a:r>
+            <a:r>
+              <a:rPr lang="en-US" b="1" dirty="0" smtClean="0"/>
+              <a:t>/</a:t>
+            </a:r>
+            <a:r>
+              <a:rPr lang="en-US" b="1" dirty="0" err="1" smtClean="0"/>
+              <a:t>src</a:t>
+            </a:r>
+            <a:r>
+              <a:rPr lang="en-US" b="1" dirty="0" smtClean="0"/>
+              <a:t>/app/sidebar/</a:t>
+            </a:r>
+            <a:r>
+              <a:rPr lang="en-US" b="1" dirty="0" err="1" smtClean="0"/>
+              <a:t>sidebar.component.scss</a:t>
+            </a:r>
+            <a:r>
+              <a:rPr lang="en-US" dirty="0" smtClean="0"/>
+              <a:t>:</a:t>
+            </a:r>
+            <a:endParaRPr lang="en-US" dirty="0"/>
+          </a:p>
+        </p:txBody>
+      </p:sp>
+      <p:pic>
+        <p:nvPicPr>
+          <p:cNvPr id="11266" name="Picture 2"/>
+          <p:cNvPicPr>
+            <a:picLocks noChangeAspect="1" noChangeArrowheads="1"/>
+          </p:cNvPicPr>
+          <p:nvPr/>
+        </p:nvPicPr>
+        <p:blipFill>
+          <a:blip r:embed="rId2"/>
+          <a:srcRect/>
+          <a:stretch>
+            <a:fillRect/>
+          </a:stretch>
+        </p:blipFill>
+        <p:spPr bwMode="auto">
+          <a:xfrm>
+            <a:off x="2667000" y="1981200"/>
+            <a:ext cx="4000500" cy="4876799"/>
+          </a:xfrm>
+          <a:prstGeom prst="rect">
+            <a:avLst/>
+          </a:prstGeom>
+          <a:noFill/>
+          <a:ln w="9525">
+            <a:noFill/>
+            <a:miter lim="800000"/>
+            <a:headEnd/>
+            <a:tailEnd/>
+          </a:ln>
+          <a:effectLst/>
+        </p:spPr>
+      </p:pic>
+    </p:spTree>
+  </p:cSld>
+  <p:clrMapOvr>
+    <a:masterClrMapping/>
+  </p:clrMapOvr>
+  <p:timing>
+    <p:tnLst>
+      <p:par>
+        <p:cTn id="1" dur="indefinite" restart="never" nodeType="tmRoot"/>
+      </p:par>
+    </p:tnLst>
+  </p:timing>
+</p:sld>
+</file>
+
+<file path=ppt/slides/slide143.xml><?xml version="1.0" encoding="utf-8"?>
+<p:sld xmlns:a="http://schemas.openxmlformats.org/drawingml/2006/main" xmlns:r="http://schemas.openxmlformats.org/officeDocument/2006/relationships" xmlns:p="http://schemas.openxmlformats.org/presentationml/2006/main">
+  <p:cSld>
+    <p:spTree>
+      <p:nvGrpSpPr>
+        <p:cNvPr id="1" name=""/>
+        <p:cNvGrpSpPr/>
+        <p:nvPr/>
+      </p:nvGrpSpPr>
+      <p:grpSpPr>
+        <a:xfrm>
+          <a:off x="0" y="0"/>
+          <a:ext cx="0" cy="0"/>
+          <a:chOff x="0" y="0"/>
+          <a:chExt cx="0" cy="0"/>
+        </a:xfrm>
+      </p:grpSpPr>
+      <p:sp>
+        <p:nvSpPr>
+          <p:cNvPr id="2" name="Title 1"/>
+          <p:cNvSpPr>
+            <a:spLocks noGrp="1"/>
+          </p:cNvSpPr>
+          <p:nvPr>
+            <p:ph type="title"/>
+          </p:nvPr>
+        </p:nvSpPr>
+        <p:spPr/>
+        <p:txBody>
+          <a:bodyPr>
+            <a:normAutofit/>
+          </a:bodyPr>
+          <a:lstStyle/>
+          <a:p>
+            <a:r>
+              <a:rPr lang="en-US" b="1" dirty="0" smtClean="0"/>
+              <a:t>Routing..</a:t>
+            </a:r>
+            <a:endParaRPr lang="en-US" dirty="0"/>
+          </a:p>
+        </p:txBody>
+      </p:sp>
+      <p:sp>
+        <p:nvSpPr>
+          <p:cNvPr id="3" name="Content Placeholder 2"/>
+          <p:cNvSpPr>
+            <a:spLocks noGrp="1"/>
+          </p:cNvSpPr>
+          <p:nvPr>
+            <p:ph idx="1"/>
+          </p:nvPr>
+        </p:nvSpPr>
+        <p:spPr/>
+        <p:txBody>
+          <a:bodyPr>
+            <a:normAutofit/>
+          </a:bodyPr>
+          <a:lstStyle/>
+          <a:p>
+            <a:r>
+              <a:rPr lang="en-US" sz="1600" dirty="0" smtClean="0"/>
+              <a:t>Open the</a:t>
+            </a:r>
+            <a:r>
+              <a:rPr lang="en-US" sz="1600" dirty="0" smtClean="0"/>
+              <a:t> </a:t>
+            </a:r>
+            <a:r>
+              <a:rPr lang="en-US" sz="1600" b="1" dirty="0" smtClean="0"/>
+              <a:t>/</a:t>
+            </a:r>
+            <a:r>
+              <a:rPr lang="en-US" sz="1600" b="1" dirty="0" err="1" smtClean="0"/>
+              <a:t>src</a:t>
+            </a:r>
+            <a:r>
+              <a:rPr lang="en-US" sz="1600" b="1" dirty="0" smtClean="0"/>
+              <a:t>/app/app-</a:t>
+            </a:r>
+            <a:r>
+              <a:rPr lang="en-US" sz="1600" b="1" dirty="0" err="1" smtClean="0"/>
+              <a:t>routing.module.ts</a:t>
+            </a:r>
+            <a:r>
+              <a:rPr lang="en-US" sz="1600" dirty="0" smtClean="0"/>
+              <a:t> </a:t>
+            </a:r>
+            <a:r>
+              <a:rPr lang="en-US" sz="1600" dirty="0" smtClean="0"/>
+              <a:t>file and add newly added components.</a:t>
+            </a:r>
+            <a:endParaRPr lang="en-US" sz="1600" dirty="0"/>
+          </a:p>
+        </p:txBody>
+      </p:sp>
+      <p:pic>
+        <p:nvPicPr>
+          <p:cNvPr id="12290" name="Picture 2"/>
+          <p:cNvPicPr>
+            <a:picLocks noChangeAspect="1" noChangeArrowheads="1"/>
+          </p:cNvPicPr>
+          <p:nvPr/>
+        </p:nvPicPr>
+        <p:blipFill>
+          <a:blip r:embed="rId2"/>
+          <a:srcRect/>
+          <a:stretch>
+            <a:fillRect/>
+          </a:stretch>
+        </p:blipFill>
+        <p:spPr bwMode="auto">
+          <a:xfrm>
+            <a:off x="2133600" y="2700850"/>
+            <a:ext cx="4953001" cy="4157150"/>
+          </a:xfrm>
+          <a:prstGeom prst="rect">
+            <a:avLst/>
+          </a:prstGeom>
+          <a:noFill/>
+          <a:ln w="9525">
+            <a:noFill/>
+            <a:miter lim="800000"/>
+            <a:headEnd/>
+            <a:tailEnd/>
+          </a:ln>
+          <a:effectLst/>
+        </p:spPr>
+      </p:pic>
+    </p:spTree>
+  </p:cSld>
+  <p:clrMapOvr>
+    <a:masterClrMapping/>
+  </p:clrMapOvr>
+  <p:timing>
+    <p:tnLst>
+      <p:par>
+        <p:cTn id="1" dur="indefinite" restart="never" nodeType="tmRoot"/>
+      </p:par>
+    </p:tnLst>
+  </p:timing>
+</p:sld>
+</file>
+
+<file path=ppt/slides/slide144.xml><?xml version="1.0" encoding="utf-8"?>
+<p:sld xmlns:a="http://schemas.openxmlformats.org/drawingml/2006/main" xmlns:r="http://schemas.openxmlformats.org/officeDocument/2006/relationships" xmlns:p="http://schemas.openxmlformats.org/presentationml/2006/main">
+  <p:cSld>
+    <p:spTree>
+      <p:nvGrpSpPr>
+        <p:cNvPr id="1" name=""/>
+        <p:cNvGrpSpPr/>
+        <p:nvPr/>
+      </p:nvGrpSpPr>
+      <p:grpSpPr>
+        <a:xfrm>
+          <a:off x="0" y="0"/>
+          <a:ext cx="0" cy="0"/>
+          <a:chOff x="0" y="0"/>
+          <a:chExt cx="0" cy="0"/>
+        </a:xfrm>
+      </p:grpSpPr>
+      <p:sp>
+        <p:nvSpPr>
+          <p:cNvPr id="2" name="Title 1"/>
+          <p:cNvSpPr>
+            <a:spLocks noGrp="1"/>
+          </p:cNvSpPr>
+          <p:nvPr>
+            <p:ph type="title"/>
+          </p:nvPr>
+        </p:nvSpPr>
+        <p:spPr/>
+        <p:txBody>
+          <a:bodyPr>
+            <a:normAutofit/>
+          </a:bodyPr>
+          <a:lstStyle/>
+          <a:p>
+            <a:r>
+              <a:rPr lang="en-US" b="1" dirty="0" smtClean="0"/>
+              <a:t>Services…</a:t>
+            </a:r>
+            <a:endParaRPr lang="en-US" dirty="0"/>
+          </a:p>
+        </p:txBody>
+      </p:sp>
+      <p:sp>
+        <p:nvSpPr>
+          <p:cNvPr id="3" name="Content Placeholder 2"/>
+          <p:cNvSpPr>
+            <a:spLocks noGrp="1"/>
+          </p:cNvSpPr>
+          <p:nvPr>
+            <p:ph idx="1"/>
+          </p:nvPr>
+        </p:nvSpPr>
+        <p:spPr/>
+        <p:txBody>
+          <a:bodyPr/>
+          <a:lstStyle/>
+          <a:p>
+            <a:r>
+              <a:rPr lang="en-US" dirty="0" smtClean="0"/>
+              <a:t>Create new service</a:t>
+            </a:r>
+          </a:p>
+          <a:p>
+            <a:pPr lvl="1"/>
+            <a:r>
+              <a:rPr lang="en-US" dirty="0" err="1" smtClean="0"/>
+              <a:t>ng</a:t>
+            </a:r>
+            <a:r>
+              <a:rPr lang="en-US" dirty="0" smtClean="0"/>
+              <a:t> generate service </a:t>
+            </a:r>
+            <a:r>
+              <a:rPr lang="en-US" dirty="0" smtClean="0"/>
+              <a:t>data</a:t>
+            </a:r>
+          </a:p>
+          <a:p>
+            <a:pPr lvl="1"/>
+            <a:endParaRPr lang="en-US" dirty="0" smtClean="0"/>
+          </a:p>
+          <a:p>
+            <a:r>
+              <a:rPr lang="en-US" dirty="0" smtClean="0"/>
+              <a:t>The purpose of our service file will be to communicate with an API via the Angular 6 HTTP Client.</a:t>
+            </a:r>
+            <a:endParaRPr lang="en-US" dirty="0"/>
+          </a:p>
+        </p:txBody>
+      </p:sp>
+    </p:spTree>
+  </p:cSld>
+  <p:clrMapOvr>
+    <a:masterClrMapping/>
+  </p:clrMapOvr>
+  <p:timing>
+    <p:tnLst>
+      <p:par>
+        <p:cTn id="1" dur="indefinite" restart="never" nodeType="tmRoot"/>
+      </p:par>
+    </p:tnLst>
+  </p:timing>
+</p:sld>
+</file>
+
+<file path=ppt/slides/slide145.xml><?xml version="1.0" encoding="utf-8"?>
+<p:sld xmlns:a="http://schemas.openxmlformats.org/drawingml/2006/main" xmlns:r="http://schemas.openxmlformats.org/officeDocument/2006/relationships" xmlns:p="http://schemas.openxmlformats.org/presentationml/2006/main">
+  <p:cSld>
+    <p:spTree>
+      <p:nvGrpSpPr>
+        <p:cNvPr id="1" name=""/>
+        <p:cNvGrpSpPr/>
+        <p:nvPr/>
+      </p:nvGrpSpPr>
+      <p:grpSpPr>
+        <a:xfrm>
+          <a:off x="0" y="0"/>
+          <a:ext cx="0" cy="0"/>
+          <a:chOff x="0" y="0"/>
+          <a:chExt cx="0" cy="0"/>
+        </a:xfrm>
+      </p:grpSpPr>
+      <p:sp>
+        <p:nvSpPr>
+          <p:cNvPr id="2" name="Title 1"/>
+          <p:cNvSpPr>
+            <a:spLocks noGrp="1"/>
+          </p:cNvSpPr>
+          <p:nvPr>
+            <p:ph type="title"/>
+          </p:nvPr>
+        </p:nvSpPr>
+        <p:spPr/>
+        <p:txBody>
+          <a:bodyPr>
+            <a:normAutofit/>
+          </a:bodyPr>
+          <a:lstStyle/>
+          <a:p>
+            <a:r>
+              <a:rPr lang="en-US" b="1" dirty="0" smtClean="0"/>
+              <a:t>HTTP </a:t>
+            </a:r>
+            <a:r>
+              <a:rPr lang="en-US" b="1" dirty="0" smtClean="0"/>
+              <a:t>Client…</a:t>
+            </a:r>
+            <a:endParaRPr lang="en-US" dirty="0"/>
+          </a:p>
+        </p:txBody>
+      </p:sp>
+      <p:sp>
+        <p:nvSpPr>
+          <p:cNvPr id="3" name="Content Placeholder 2"/>
+          <p:cNvSpPr>
+            <a:spLocks noGrp="1"/>
+          </p:cNvSpPr>
+          <p:nvPr>
+            <p:ph idx="1"/>
+          </p:nvPr>
+        </p:nvSpPr>
+        <p:spPr/>
+        <p:txBody>
+          <a:bodyPr/>
+          <a:lstStyle/>
+          <a:p>
+            <a:r>
+              <a:rPr lang="en-US" dirty="0" smtClean="0"/>
+              <a:t>import </a:t>
+            </a:r>
+            <a:r>
+              <a:rPr lang="en-US" dirty="0" smtClean="0"/>
+              <a:t>following code at </a:t>
+            </a:r>
+            <a:r>
+              <a:rPr lang="en-US" dirty="0" smtClean="0"/>
+              <a:t>the top of our </a:t>
+            </a:r>
+            <a:r>
+              <a:rPr lang="en-US" b="1" dirty="0" err="1" smtClean="0"/>
+              <a:t>data.service.ts</a:t>
+            </a:r>
+            <a:r>
+              <a:rPr lang="en-US" dirty="0" smtClean="0"/>
+              <a:t> </a:t>
+            </a:r>
+            <a:r>
+              <a:rPr lang="en-US" dirty="0" smtClean="0"/>
+              <a:t>file.</a:t>
+            </a:r>
+          </a:p>
+          <a:p>
+            <a:endParaRPr lang="en-US" dirty="0" smtClean="0"/>
+          </a:p>
+          <a:p>
+            <a:endParaRPr lang="en-US" dirty="0" smtClean="0"/>
+          </a:p>
+          <a:p>
+            <a:endParaRPr lang="en-US" dirty="0" smtClean="0"/>
+          </a:p>
+          <a:p>
+            <a:r>
+              <a:rPr lang="en-US" dirty="0" smtClean="0"/>
+              <a:t>Before we can use the </a:t>
+            </a:r>
+            <a:r>
+              <a:rPr lang="en-US" dirty="0" err="1" smtClean="0"/>
+              <a:t>HTTPClient</a:t>
+            </a:r>
+            <a:r>
+              <a:rPr lang="en-US" dirty="0" smtClean="0"/>
+              <a:t>, we need to add as an import in our app's </a:t>
+            </a:r>
+            <a:r>
+              <a:rPr lang="en-US" b="1" dirty="0" smtClean="0"/>
+              <a:t>/</a:t>
+            </a:r>
+            <a:r>
+              <a:rPr lang="en-US" b="1" dirty="0" err="1" smtClean="0"/>
+              <a:t>src</a:t>
+            </a:r>
+            <a:r>
+              <a:rPr lang="en-US" b="1" dirty="0" smtClean="0"/>
+              <a:t>/app/</a:t>
+            </a:r>
+            <a:r>
+              <a:rPr lang="en-US" b="1" dirty="0" err="1" smtClean="0"/>
+              <a:t>app.module.ts</a:t>
+            </a:r>
+            <a:r>
+              <a:rPr lang="en-US" dirty="0" smtClean="0"/>
+              <a:t> file:</a:t>
+            </a:r>
+            <a:endParaRPr lang="en-US" dirty="0"/>
+          </a:p>
+        </p:txBody>
+      </p:sp>
+      <p:pic>
+        <p:nvPicPr>
+          <p:cNvPr id="13314" name="Picture 2"/>
+          <p:cNvPicPr>
+            <a:picLocks noChangeAspect="1" noChangeArrowheads="1"/>
+          </p:cNvPicPr>
+          <p:nvPr/>
+        </p:nvPicPr>
+        <p:blipFill>
+          <a:blip r:embed="rId2"/>
+          <a:srcRect/>
+          <a:stretch>
+            <a:fillRect/>
+          </a:stretch>
+        </p:blipFill>
+        <p:spPr bwMode="auto">
+          <a:xfrm>
+            <a:off x="1219200" y="3352800"/>
+            <a:ext cx="6040582" cy="914400"/>
+          </a:xfrm>
+          <a:prstGeom prst="rect">
+            <a:avLst/>
+          </a:prstGeom>
+          <a:noFill/>
+          <a:ln w="9525">
+            <a:noFill/>
+            <a:miter lim="800000"/>
+            <a:headEnd/>
+            <a:tailEnd/>
+          </a:ln>
+          <a:effectLst/>
+        </p:spPr>
+      </p:pic>
+    </p:spTree>
+  </p:cSld>
+  <p:clrMapOvr>
+    <a:masterClrMapping/>
+  </p:clrMapOvr>
+  <p:timing>
+    <p:tnLst>
+      <p:par>
+        <p:cTn id="1" dur="indefinite" restart="never" nodeType="tmRoot"/>
+      </p:par>
+    </p:tnLst>
+  </p:timing>
+</p:sld>
+</file>
+
+<file path=ppt/slides/slide146.xml><?xml version="1.0" encoding="utf-8"?>
+<p:sld xmlns:a="http://schemas.openxmlformats.org/drawingml/2006/main" xmlns:r="http://schemas.openxmlformats.org/officeDocument/2006/relationships" xmlns:p="http://schemas.openxmlformats.org/presentationml/2006/main">
+  <p:cSld>
+    <p:spTree>
+      <p:nvGrpSpPr>
+        <p:cNvPr id="1" name=""/>
+        <p:cNvGrpSpPr/>
+        <p:nvPr/>
+      </p:nvGrpSpPr>
+      <p:grpSpPr>
+        <a:xfrm>
+          <a:off x="0" y="0"/>
+          <a:ext cx="0" cy="0"/>
+          <a:chOff x="0" y="0"/>
+          <a:chExt cx="0" cy="0"/>
+        </a:xfrm>
+      </p:grpSpPr>
+      <p:sp>
+        <p:nvSpPr>
+          <p:cNvPr id="2" name="Title 1"/>
+          <p:cNvSpPr>
+            <a:spLocks noGrp="1"/>
+          </p:cNvSpPr>
+          <p:nvPr>
+            <p:ph type="title"/>
+          </p:nvPr>
+        </p:nvSpPr>
+        <p:spPr/>
+        <p:txBody>
+          <a:bodyPr/>
+          <a:lstStyle/>
+          <a:p>
+            <a:endParaRPr lang="en-US"/>
+          </a:p>
+        </p:txBody>
+      </p:sp>
+      <p:sp>
+        <p:nvSpPr>
+          <p:cNvPr id="3" name="Content Placeholder 2"/>
+          <p:cNvSpPr>
+            <a:spLocks noGrp="1"/>
+          </p:cNvSpPr>
+          <p:nvPr>
+            <p:ph idx="1"/>
+          </p:nvPr>
+        </p:nvSpPr>
+        <p:spPr/>
+        <p:txBody>
+          <a:bodyPr/>
+          <a:lstStyle/>
+          <a:p>
+            <a:endParaRPr lang="en-US"/>
+          </a:p>
+        </p:txBody>
+      </p:sp>
+      <p:pic>
+        <p:nvPicPr>
+          <p:cNvPr id="14338" name="Picture 2"/>
+          <p:cNvPicPr>
+            <a:picLocks noChangeAspect="1" noChangeArrowheads="1"/>
+          </p:cNvPicPr>
+          <p:nvPr/>
+        </p:nvPicPr>
+        <p:blipFill>
+          <a:blip r:embed="rId2"/>
+          <a:srcRect/>
+          <a:stretch>
+            <a:fillRect/>
+          </a:stretch>
+        </p:blipFill>
+        <p:spPr bwMode="auto">
+          <a:xfrm>
+            <a:off x="609600" y="1295400"/>
+            <a:ext cx="7539342" cy="4572000"/>
+          </a:xfrm>
+          <a:prstGeom prst="rect">
+            <a:avLst/>
+          </a:prstGeom>
+          <a:noFill/>
+          <a:ln w="9525">
+            <a:noFill/>
+            <a:miter lim="800000"/>
+            <a:headEnd/>
+            <a:tailEnd/>
+          </a:ln>
+          <a:effectLst/>
+        </p:spPr>
+      </p:pic>
+    </p:spTree>
+  </p:cSld>
+  <p:clrMapOvr>
+    <a:masterClrMapping/>
+  </p:clrMapOvr>
+  <p:timing>
+    <p:tnLst>
+      <p:par>
+        <p:cTn id="1" dur="indefinite" restart="never" nodeType="tmRoot"/>
+      </p:par>
+    </p:tnLst>
+  </p:timing>
+</p:sld>
+</file>
+
+<file path=ppt/slides/slide147.xml><?xml version="1.0" encoding="utf-8"?>
+<p:sld xmlns:a="http://schemas.openxmlformats.org/drawingml/2006/main" xmlns:r="http://schemas.openxmlformats.org/officeDocument/2006/relationships" xmlns:p="http://schemas.openxmlformats.org/presentationml/2006/main">
+  <p:cSld>
+    <p:spTree>
+      <p:nvGrpSpPr>
+        <p:cNvPr id="1" name=""/>
+        <p:cNvGrpSpPr/>
+        <p:nvPr/>
+      </p:nvGrpSpPr>
+      <p:grpSpPr>
+        <a:xfrm>
+          <a:off x="0" y="0"/>
+          <a:ext cx="0" cy="0"/>
+          <a:chOff x="0" y="0"/>
+          <a:chExt cx="0" cy="0"/>
+        </a:xfrm>
+      </p:grpSpPr>
+      <p:sp>
+        <p:nvSpPr>
+          <p:cNvPr id="3" name="Content Placeholder 2"/>
+          <p:cNvSpPr>
+            <a:spLocks noGrp="1"/>
+          </p:cNvSpPr>
+          <p:nvPr>
+            <p:ph idx="1"/>
+          </p:nvPr>
+        </p:nvSpPr>
+        <p:spPr>
+          <a:xfrm>
+            <a:off x="457200" y="1143000"/>
+            <a:ext cx="8229600" cy="5431536"/>
+          </a:xfrm>
+        </p:spPr>
+        <p:txBody>
+          <a:bodyPr/>
+          <a:lstStyle/>
+          <a:p>
+            <a:r>
+              <a:rPr lang="en-US" dirty="0" smtClean="0"/>
+              <a:t>Next, let's open up the </a:t>
+            </a:r>
+            <a:r>
+              <a:rPr lang="en-US" b="1" dirty="0" smtClean="0"/>
+              <a:t>/</a:t>
+            </a:r>
+            <a:r>
+              <a:rPr lang="en-US" b="1" dirty="0" err="1" smtClean="0"/>
+              <a:t>src</a:t>
+            </a:r>
+            <a:r>
+              <a:rPr lang="en-US" b="1" dirty="0" smtClean="0"/>
+              <a:t>/app/users/</a:t>
+            </a:r>
+            <a:r>
+              <a:rPr lang="en-US" b="1" dirty="0" err="1" smtClean="0"/>
+              <a:t>users.component.ts</a:t>
+            </a:r>
+            <a:r>
+              <a:rPr lang="en-US" dirty="0" smtClean="0"/>
+              <a:t> file and import </a:t>
+            </a:r>
+            <a:r>
+              <a:rPr lang="en-US" dirty="0" smtClean="0"/>
+              <a:t>our service:</a:t>
+            </a:r>
+          </a:p>
+          <a:p>
+            <a:endParaRPr lang="en-US" dirty="0" smtClean="0"/>
+          </a:p>
+          <a:p>
+            <a:endParaRPr lang="en-US" dirty="0" smtClean="0"/>
+          </a:p>
+          <a:p>
+            <a:endParaRPr lang="en-US" dirty="0" smtClean="0"/>
+          </a:p>
+          <a:p>
+            <a:endParaRPr lang="en-US" dirty="0" smtClean="0"/>
+          </a:p>
+          <a:p>
+            <a:r>
+              <a:rPr lang="en-US" dirty="0" smtClean="0"/>
+              <a:t>To display the results, we're going to use an Observable, so we're importing it here, too.</a:t>
+            </a:r>
+            <a:endParaRPr lang="en-US" dirty="0"/>
+          </a:p>
+        </p:txBody>
+      </p:sp>
+      <p:pic>
+        <p:nvPicPr>
+          <p:cNvPr id="15362" name="Picture 2"/>
+          <p:cNvPicPr>
+            <a:picLocks noChangeAspect="1" noChangeArrowheads="1"/>
+          </p:cNvPicPr>
+          <p:nvPr/>
+        </p:nvPicPr>
+        <p:blipFill>
+          <a:blip r:embed="rId2"/>
+          <a:srcRect/>
+          <a:stretch>
+            <a:fillRect/>
+          </a:stretch>
+        </p:blipFill>
+        <p:spPr bwMode="auto">
+          <a:xfrm>
+            <a:off x="1828800" y="2667000"/>
+            <a:ext cx="5787390" cy="1066800"/>
+          </a:xfrm>
+          <a:prstGeom prst="rect">
+            <a:avLst/>
+          </a:prstGeom>
+          <a:noFill/>
+          <a:ln w="9525">
+            <a:noFill/>
+            <a:miter lim="800000"/>
+            <a:headEnd/>
+            <a:tailEnd/>
+          </a:ln>
+          <a:effectLst/>
+        </p:spPr>
+      </p:pic>
+    </p:spTree>
+  </p:cSld>
+  <p:clrMapOvr>
+    <a:masterClrMapping/>
+  </p:clrMapOvr>
+  <p:timing>
+    <p:tnLst>
+      <p:par>
+        <p:cTn id="1" dur="indefinite" restart="never" nodeType="tmRoot"/>
+      </p:par>
+    </p:tnLst>
+  </p:timing>
+</p:sld>
+</file>
+
+<file path=ppt/slides/slide148.xml><?xml version="1.0" encoding="utf-8"?>
+<p:sld xmlns:a="http://schemas.openxmlformats.org/drawingml/2006/main" xmlns:r="http://schemas.openxmlformats.org/officeDocument/2006/relationships" xmlns:p="http://schemas.openxmlformats.org/presentationml/2006/main">
+  <p:cSld>
+    <p:spTree>
+      <p:nvGrpSpPr>
+        <p:cNvPr id="1" name=""/>
+        <p:cNvGrpSpPr/>
+        <p:nvPr/>
+      </p:nvGrpSpPr>
+      <p:grpSpPr>
+        <a:xfrm>
+          <a:off x="0" y="0"/>
+          <a:ext cx="0" cy="0"/>
+          <a:chOff x="0" y="0"/>
+          <a:chExt cx="0" cy="0"/>
+        </a:xfrm>
+      </p:grpSpPr>
+      <p:sp>
+        <p:nvSpPr>
+          <p:cNvPr id="2" name="Title 1"/>
+          <p:cNvSpPr>
+            <a:spLocks noGrp="1"/>
+          </p:cNvSpPr>
+          <p:nvPr>
+            <p:ph type="title"/>
+          </p:nvPr>
+        </p:nvSpPr>
+        <p:spPr/>
+        <p:txBody>
+          <a:bodyPr/>
+          <a:lstStyle/>
+          <a:p>
+            <a:endParaRPr lang="en-US"/>
+          </a:p>
+        </p:txBody>
+      </p:sp>
+      <p:sp>
+        <p:nvSpPr>
+          <p:cNvPr id="3" name="Content Placeholder 2"/>
+          <p:cNvSpPr>
+            <a:spLocks noGrp="1"/>
+          </p:cNvSpPr>
+          <p:nvPr>
+            <p:ph idx="1"/>
+          </p:nvPr>
+        </p:nvSpPr>
+        <p:spPr/>
+        <p:txBody>
+          <a:bodyPr/>
+          <a:lstStyle/>
+          <a:p>
+            <a:endParaRPr lang="en-US" dirty="0"/>
+          </a:p>
+        </p:txBody>
+      </p:sp>
+      <p:pic>
+        <p:nvPicPr>
+          <p:cNvPr id="16386" name="Picture 2"/>
+          <p:cNvPicPr>
+            <a:picLocks noChangeAspect="1" noChangeArrowheads="1"/>
+          </p:cNvPicPr>
+          <p:nvPr/>
+        </p:nvPicPr>
+        <p:blipFill>
+          <a:blip r:embed="rId2"/>
+          <a:srcRect/>
+          <a:stretch>
+            <a:fillRect/>
+          </a:stretch>
+        </p:blipFill>
+        <p:spPr bwMode="auto">
+          <a:xfrm>
+            <a:off x="914400" y="901607"/>
+            <a:ext cx="6965861" cy="4813393"/>
+          </a:xfrm>
+          <a:prstGeom prst="rect">
+            <a:avLst/>
+          </a:prstGeom>
+          <a:noFill/>
+          <a:ln w="9525">
+            <a:noFill/>
+            <a:miter lim="800000"/>
+            <a:headEnd/>
+            <a:tailEnd/>
+          </a:ln>
+          <a:effectLst/>
+        </p:spPr>
+      </p:pic>
+    </p:spTree>
+  </p:cSld>
+  <p:clrMapOvr>
+    <a:masterClrMapping/>
+  </p:clrMapOvr>
+  <p:timing>
+    <p:tnLst>
+      <p:par>
+        <p:cTn id="1" dur="indefinite" restart="never" nodeType="tmRoot"/>
+      </p:par>
+    </p:tnLst>
+  </p:timing>
+</p:sld>
+</file>
+
+<file path=ppt/slides/slide149.xml><?xml version="1.0" encoding="utf-8"?>
+<p:sld xmlns:a="http://schemas.openxmlformats.org/drawingml/2006/main" xmlns:r="http://schemas.openxmlformats.org/officeDocument/2006/relationships" xmlns:p="http://schemas.openxmlformats.org/presentationml/2006/main">
+  <p:cSld>
+    <p:spTree>
+      <p:nvGrpSpPr>
+        <p:cNvPr id="1" name=""/>
+        <p:cNvGrpSpPr/>
+        <p:nvPr/>
+      </p:nvGrpSpPr>
+      <p:grpSpPr>
+        <a:xfrm>
+          <a:off x="0" y="0"/>
+          <a:ext cx="0" cy="0"/>
+          <a:chOff x="0" y="0"/>
+          <a:chExt cx="0" cy="0"/>
+        </a:xfrm>
+      </p:grpSpPr>
+      <p:sp>
+        <p:nvSpPr>
+          <p:cNvPr id="3" name="Content Placeholder 2"/>
+          <p:cNvSpPr>
+            <a:spLocks noGrp="1"/>
+          </p:cNvSpPr>
+          <p:nvPr>
+            <p:ph idx="1"/>
+          </p:nvPr>
+        </p:nvSpPr>
+        <p:spPr>
+          <a:xfrm>
+            <a:off x="457200" y="1143000"/>
+            <a:ext cx="8229600" cy="5431536"/>
+          </a:xfrm>
+        </p:spPr>
+        <p:txBody>
+          <a:bodyPr/>
+          <a:lstStyle/>
+          <a:p>
+            <a:r>
+              <a:rPr lang="en-US" dirty="0" smtClean="0"/>
+              <a:t>Next, open up </a:t>
+            </a:r>
+            <a:r>
+              <a:rPr lang="en-US" b="1" dirty="0" smtClean="0"/>
+              <a:t>/</a:t>
+            </a:r>
+            <a:r>
+              <a:rPr lang="en-US" b="1" dirty="0" err="1" smtClean="0"/>
+              <a:t>src</a:t>
+            </a:r>
+            <a:r>
+              <a:rPr lang="en-US" b="1" dirty="0" smtClean="0"/>
+              <a:t>/app/users/</a:t>
+            </a:r>
+            <a:r>
+              <a:rPr lang="en-US" b="1" dirty="0" err="1" smtClean="0"/>
+              <a:t>users.component.html</a:t>
+            </a:r>
+            <a:r>
+              <a:rPr lang="en-US" dirty="0" smtClean="0"/>
+              <a:t>:</a:t>
+            </a:r>
+            <a:endParaRPr lang="en-US" dirty="0"/>
+          </a:p>
+        </p:txBody>
+      </p:sp>
+      <p:pic>
+        <p:nvPicPr>
+          <p:cNvPr id="17411" name="Picture 3"/>
+          <p:cNvPicPr>
+            <a:picLocks noChangeAspect="1" noChangeArrowheads="1"/>
+          </p:cNvPicPr>
+          <p:nvPr/>
+        </p:nvPicPr>
+        <p:blipFill>
+          <a:blip r:embed="rId2"/>
+          <a:srcRect/>
+          <a:stretch>
+            <a:fillRect/>
+          </a:stretch>
+        </p:blipFill>
+        <p:spPr bwMode="auto">
+          <a:xfrm>
+            <a:off x="1066800" y="2286000"/>
+            <a:ext cx="7443490" cy="3205162"/>
+          </a:xfrm>
+          <a:prstGeom prst="rect">
+            <a:avLst/>
+          </a:prstGeom>
+          <a:noFill/>
+          <a:ln w="9525">
+            <a:noFill/>
+            <a:miter lim="800000"/>
+            <a:headEnd/>
+            <a:tailEnd/>
+          </a:ln>
+          <a:effectLst/>
+        </p:spPr>
+      </p:pic>
+    </p:spTree>
+  </p:cSld>
+  <p:clrMapOvr>
+    <a:masterClrMapping/>
+  </p:clrMapOvr>
+  <p:timing>
+    <p:tnLst>
+      <p:par>
+        <p:cTn id="1" dur="indefinite" restart="never" nodeType="tmRoot"/>
+      </p:par>
+    </p:tnLst>
+  </p:timing>
 </p:sld>
 </file>
 
@@ -9081,6 +11907,817 @@
   <p:clrMapOvr>
     <a:masterClrMapping/>
   </p:clrMapOvr>
+</p:sld>
+</file>
+
+<file path=ppt/slides/slide150.xml><?xml version="1.0" encoding="utf-8"?>
+<p:sld xmlns:a="http://schemas.openxmlformats.org/drawingml/2006/main" xmlns:r="http://schemas.openxmlformats.org/officeDocument/2006/relationships" xmlns:p="http://schemas.openxmlformats.org/presentationml/2006/main">
+  <p:cSld>
+    <p:spTree>
+      <p:nvGrpSpPr>
+        <p:cNvPr id="1" name=""/>
+        <p:cNvGrpSpPr/>
+        <p:nvPr/>
+      </p:nvGrpSpPr>
+      <p:grpSpPr>
+        <a:xfrm>
+          <a:off x="0" y="0"/>
+          <a:ext cx="0" cy="0"/>
+          <a:chOff x="0" y="0"/>
+          <a:chExt cx="0" cy="0"/>
+        </a:xfrm>
+      </p:grpSpPr>
+      <p:sp>
+        <p:nvSpPr>
+          <p:cNvPr id="3" name="Content Placeholder 2"/>
+          <p:cNvSpPr>
+            <a:spLocks noGrp="1"/>
+          </p:cNvSpPr>
+          <p:nvPr>
+            <p:ph idx="1"/>
+          </p:nvPr>
+        </p:nvSpPr>
+        <p:spPr>
+          <a:xfrm>
+            <a:off x="457200" y="1066800"/>
+            <a:ext cx="8229600" cy="5507736"/>
+          </a:xfrm>
+        </p:spPr>
+        <p:txBody>
+          <a:bodyPr/>
+          <a:lstStyle/>
+          <a:p>
+            <a:r>
+              <a:rPr lang="en-US" dirty="0" smtClean="0"/>
+              <a:t>Open the </a:t>
+            </a:r>
+            <a:r>
+              <a:rPr lang="en-US" dirty="0" smtClean="0"/>
+              <a:t>service file </a:t>
+            </a:r>
+            <a:r>
+              <a:rPr lang="en-US" b="1" dirty="0" smtClean="0"/>
+              <a:t>/</a:t>
+            </a:r>
+            <a:r>
+              <a:rPr lang="en-US" b="1" dirty="0" err="1" smtClean="0"/>
+              <a:t>src</a:t>
+            </a:r>
+            <a:r>
+              <a:rPr lang="en-US" b="1" dirty="0" smtClean="0"/>
+              <a:t>/app/</a:t>
+            </a:r>
+            <a:r>
+              <a:rPr lang="en-US" b="1" dirty="0" err="1" smtClean="0"/>
+              <a:t>data.service.ts</a:t>
+            </a:r>
+            <a:r>
+              <a:rPr lang="en-US" dirty="0" smtClean="0"/>
+              <a:t> and add the following methods:</a:t>
+            </a:r>
+            <a:endParaRPr lang="en-US" dirty="0"/>
+          </a:p>
+        </p:txBody>
+      </p:sp>
+      <p:pic>
+        <p:nvPicPr>
+          <p:cNvPr id="18434" name="Picture 2"/>
+          <p:cNvPicPr>
+            <a:picLocks noChangeAspect="1" noChangeArrowheads="1"/>
+          </p:cNvPicPr>
+          <p:nvPr/>
+        </p:nvPicPr>
+        <p:blipFill>
+          <a:blip r:embed="rId2"/>
+          <a:srcRect/>
+          <a:stretch>
+            <a:fillRect/>
+          </a:stretch>
+        </p:blipFill>
+        <p:spPr bwMode="auto">
+          <a:xfrm>
+            <a:off x="1066800" y="2743200"/>
+            <a:ext cx="7300716" cy="2295525"/>
+          </a:xfrm>
+          <a:prstGeom prst="rect">
+            <a:avLst/>
+          </a:prstGeom>
+          <a:noFill/>
+          <a:ln w="9525">
+            <a:noFill/>
+            <a:miter lim="800000"/>
+            <a:headEnd/>
+            <a:tailEnd/>
+          </a:ln>
+          <a:effectLst/>
+        </p:spPr>
+      </p:pic>
+    </p:spTree>
+  </p:cSld>
+  <p:clrMapOvr>
+    <a:masterClrMapping/>
+  </p:clrMapOvr>
+  <p:timing>
+    <p:tnLst>
+      <p:par>
+        <p:cTn id="1" dur="indefinite" restart="never" nodeType="tmRoot"/>
+      </p:par>
+    </p:tnLst>
+  </p:timing>
+</p:sld>
+</file>
+
+<file path=ppt/slides/slide151.xml><?xml version="1.0" encoding="utf-8"?>
+<p:sld xmlns:a="http://schemas.openxmlformats.org/drawingml/2006/main" xmlns:r="http://schemas.openxmlformats.org/officeDocument/2006/relationships" xmlns:p="http://schemas.openxmlformats.org/presentationml/2006/main">
+  <p:cSld>
+    <p:spTree>
+      <p:nvGrpSpPr>
+        <p:cNvPr id="1" name=""/>
+        <p:cNvGrpSpPr/>
+        <p:nvPr/>
+      </p:nvGrpSpPr>
+      <p:grpSpPr>
+        <a:xfrm>
+          <a:off x="0" y="0"/>
+          <a:ext cx="0" cy="0"/>
+          <a:chOff x="0" y="0"/>
+          <a:chExt cx="0" cy="0"/>
+        </a:xfrm>
+      </p:grpSpPr>
+      <p:sp>
+        <p:nvSpPr>
+          <p:cNvPr id="3" name="Content Placeholder 2"/>
+          <p:cNvSpPr>
+            <a:spLocks noGrp="1"/>
+          </p:cNvSpPr>
+          <p:nvPr>
+            <p:ph idx="1"/>
+          </p:nvPr>
+        </p:nvSpPr>
+        <p:spPr>
+          <a:xfrm>
+            <a:off x="457200" y="1143000"/>
+            <a:ext cx="8229600" cy="5431536"/>
+          </a:xfrm>
+        </p:spPr>
+        <p:txBody>
+          <a:bodyPr/>
+          <a:lstStyle/>
+          <a:p>
+            <a:r>
+              <a:rPr lang="en-US" dirty="0" smtClean="0"/>
+              <a:t>Open</a:t>
+            </a:r>
+            <a:r>
+              <a:rPr lang="en-US" b="1" dirty="0" smtClean="0"/>
+              <a:t> /</a:t>
+            </a:r>
+            <a:r>
+              <a:rPr lang="en-US" b="1" dirty="0" err="1" smtClean="0"/>
+              <a:t>src</a:t>
+            </a:r>
+            <a:r>
+              <a:rPr lang="en-US" b="1" dirty="0" smtClean="0"/>
+              <a:t>/app/details/</a:t>
+            </a:r>
+            <a:r>
+              <a:rPr lang="en-US" b="1" dirty="0" err="1" smtClean="0"/>
+              <a:t>details.component.ts</a:t>
+            </a:r>
+            <a:endParaRPr lang="en-US" dirty="0"/>
+          </a:p>
+        </p:txBody>
+      </p:sp>
+      <p:pic>
+        <p:nvPicPr>
+          <p:cNvPr id="19458" name="Picture 2"/>
+          <p:cNvPicPr>
+            <a:picLocks noChangeAspect="1" noChangeArrowheads="1"/>
+          </p:cNvPicPr>
+          <p:nvPr/>
+        </p:nvPicPr>
+        <p:blipFill>
+          <a:blip r:embed="rId2"/>
+          <a:srcRect/>
+          <a:stretch>
+            <a:fillRect/>
+          </a:stretch>
+        </p:blipFill>
+        <p:spPr bwMode="auto">
+          <a:xfrm>
+            <a:off x="2057400" y="2089219"/>
+            <a:ext cx="5514975" cy="4768781"/>
+          </a:xfrm>
+          <a:prstGeom prst="rect">
+            <a:avLst/>
+          </a:prstGeom>
+          <a:noFill/>
+          <a:ln w="9525">
+            <a:noFill/>
+            <a:miter lim="800000"/>
+            <a:headEnd/>
+            <a:tailEnd/>
+          </a:ln>
+          <a:effectLst/>
+        </p:spPr>
+      </p:pic>
+    </p:spTree>
+  </p:cSld>
+  <p:clrMapOvr>
+    <a:masterClrMapping/>
+  </p:clrMapOvr>
+  <p:timing>
+    <p:tnLst>
+      <p:par>
+        <p:cTn id="1" dur="indefinite" restart="never" nodeType="tmRoot"/>
+      </p:par>
+    </p:tnLst>
+  </p:timing>
+</p:sld>
+</file>
+
+<file path=ppt/slides/slide152.xml><?xml version="1.0" encoding="utf-8"?>
+<p:sld xmlns:a="http://schemas.openxmlformats.org/drawingml/2006/main" xmlns:r="http://schemas.openxmlformats.org/officeDocument/2006/relationships" xmlns:p="http://schemas.openxmlformats.org/presentationml/2006/main">
+  <p:cSld>
+    <p:spTree>
+      <p:nvGrpSpPr>
+        <p:cNvPr id="1" name=""/>
+        <p:cNvGrpSpPr/>
+        <p:nvPr/>
+      </p:nvGrpSpPr>
+      <p:grpSpPr>
+        <a:xfrm>
+          <a:off x="0" y="0"/>
+          <a:ext cx="0" cy="0"/>
+          <a:chOff x="0" y="0"/>
+          <a:chExt cx="0" cy="0"/>
+        </a:xfrm>
+      </p:grpSpPr>
+      <p:sp>
+        <p:nvSpPr>
+          <p:cNvPr id="3" name="Content Placeholder 2"/>
+          <p:cNvSpPr>
+            <a:spLocks noGrp="1"/>
+          </p:cNvSpPr>
+          <p:nvPr>
+            <p:ph idx="1"/>
+          </p:nvPr>
+        </p:nvSpPr>
+        <p:spPr>
+          <a:xfrm>
+            <a:off x="457200" y="1143000"/>
+            <a:ext cx="8229600" cy="5431536"/>
+          </a:xfrm>
+        </p:spPr>
+        <p:txBody>
+          <a:bodyPr/>
+          <a:lstStyle/>
+          <a:p>
+            <a:r>
+              <a:rPr lang="en-US" dirty="0" smtClean="0"/>
+              <a:t>Open up the </a:t>
+            </a:r>
+            <a:r>
+              <a:rPr lang="en-US" b="1" dirty="0" err="1" smtClean="0"/>
+              <a:t>details.component.html</a:t>
+            </a:r>
+            <a:r>
+              <a:rPr lang="en-US" dirty="0" smtClean="0"/>
+              <a:t> and specify:</a:t>
+            </a:r>
+            <a:endParaRPr lang="en-US" dirty="0"/>
+          </a:p>
+        </p:txBody>
+      </p:sp>
+      <p:pic>
+        <p:nvPicPr>
+          <p:cNvPr id="20482" name="Picture 2"/>
+          <p:cNvPicPr>
+            <a:picLocks noChangeAspect="1" noChangeArrowheads="1"/>
+          </p:cNvPicPr>
+          <p:nvPr/>
+        </p:nvPicPr>
+        <p:blipFill>
+          <a:blip r:embed="rId2"/>
+          <a:srcRect/>
+          <a:stretch>
+            <a:fillRect/>
+          </a:stretch>
+        </p:blipFill>
+        <p:spPr bwMode="auto">
+          <a:xfrm>
+            <a:off x="1295400" y="2590800"/>
+            <a:ext cx="6494552" cy="2253470"/>
+          </a:xfrm>
+          <a:prstGeom prst="rect">
+            <a:avLst/>
+          </a:prstGeom>
+          <a:noFill/>
+          <a:ln w="9525">
+            <a:noFill/>
+            <a:miter lim="800000"/>
+            <a:headEnd/>
+            <a:tailEnd/>
+          </a:ln>
+          <a:effectLst/>
+        </p:spPr>
+      </p:pic>
+    </p:spTree>
+  </p:cSld>
+  <p:clrMapOvr>
+    <a:masterClrMapping/>
+  </p:clrMapOvr>
+  <p:timing>
+    <p:tnLst>
+      <p:par>
+        <p:cTn id="1" dur="indefinite" restart="never" nodeType="tmRoot"/>
+      </p:par>
+    </p:tnLst>
+  </p:timing>
+</p:sld>
+</file>
+
+<file path=ppt/slides/slide153.xml><?xml version="1.0" encoding="utf-8"?>
+<p:sld xmlns:a="http://schemas.openxmlformats.org/drawingml/2006/main" xmlns:r="http://schemas.openxmlformats.org/officeDocument/2006/relationships" xmlns:p="http://schemas.openxmlformats.org/presentationml/2006/main">
+  <p:cSld>
+    <p:spTree>
+      <p:nvGrpSpPr>
+        <p:cNvPr id="1" name=""/>
+        <p:cNvGrpSpPr/>
+        <p:nvPr/>
+      </p:nvGrpSpPr>
+      <p:grpSpPr>
+        <a:xfrm>
+          <a:off x="0" y="0"/>
+          <a:ext cx="0" cy="0"/>
+          <a:chOff x="0" y="0"/>
+          <a:chExt cx="0" cy="0"/>
+        </a:xfrm>
+      </p:grpSpPr>
+      <p:sp>
+        <p:nvSpPr>
+          <p:cNvPr id="3" name="Content Placeholder 2"/>
+          <p:cNvSpPr>
+            <a:spLocks noGrp="1"/>
+          </p:cNvSpPr>
+          <p:nvPr>
+            <p:ph idx="1"/>
+          </p:nvPr>
+        </p:nvSpPr>
+        <p:spPr>
+          <a:xfrm>
+            <a:off x="457200" y="1143000"/>
+            <a:ext cx="8229600" cy="5431536"/>
+          </a:xfrm>
+        </p:spPr>
+        <p:txBody>
+          <a:bodyPr/>
+          <a:lstStyle/>
+          <a:p>
+            <a:r>
+              <a:rPr lang="en-US" dirty="0" smtClean="0"/>
+              <a:t>let's repeat this process for the </a:t>
+            </a:r>
+            <a:r>
+              <a:rPr lang="en-US" b="1" dirty="0" smtClean="0"/>
+              <a:t>/</a:t>
+            </a:r>
+            <a:r>
+              <a:rPr lang="en-US" b="1" dirty="0" err="1" smtClean="0"/>
+              <a:t>src</a:t>
+            </a:r>
+            <a:r>
+              <a:rPr lang="en-US" b="1" dirty="0" smtClean="0"/>
+              <a:t>/app/posts/</a:t>
+            </a:r>
+            <a:r>
+              <a:rPr lang="en-US" b="1" dirty="0" err="1" smtClean="0"/>
+              <a:t>posts.component.ts</a:t>
+            </a:r>
+            <a:r>
+              <a:rPr lang="en-US" dirty="0" smtClean="0"/>
+              <a:t> </a:t>
+            </a:r>
+            <a:r>
+              <a:rPr lang="en-US" dirty="0" smtClean="0"/>
+              <a:t>file</a:t>
+            </a:r>
+            <a:endParaRPr lang="en-US" dirty="0"/>
+          </a:p>
+        </p:txBody>
+      </p:sp>
+      <p:pic>
+        <p:nvPicPr>
+          <p:cNvPr id="21506" name="Picture 2"/>
+          <p:cNvPicPr>
+            <a:picLocks noChangeAspect="1" noChangeArrowheads="1"/>
+          </p:cNvPicPr>
+          <p:nvPr/>
+        </p:nvPicPr>
+        <p:blipFill>
+          <a:blip r:embed="rId2"/>
+          <a:srcRect/>
+          <a:stretch>
+            <a:fillRect/>
+          </a:stretch>
+        </p:blipFill>
+        <p:spPr bwMode="auto">
+          <a:xfrm>
+            <a:off x="1752600" y="2157412"/>
+            <a:ext cx="4800600" cy="4700588"/>
+          </a:xfrm>
+          <a:prstGeom prst="rect">
+            <a:avLst/>
+          </a:prstGeom>
+          <a:noFill/>
+          <a:ln w="9525">
+            <a:noFill/>
+            <a:miter lim="800000"/>
+            <a:headEnd/>
+            <a:tailEnd/>
+          </a:ln>
+          <a:effectLst/>
+        </p:spPr>
+      </p:pic>
+    </p:spTree>
+  </p:cSld>
+  <p:clrMapOvr>
+    <a:masterClrMapping/>
+  </p:clrMapOvr>
+  <p:timing>
+    <p:tnLst>
+      <p:par>
+        <p:cTn id="1" dur="indefinite" restart="never" nodeType="tmRoot"/>
+      </p:par>
+    </p:tnLst>
+  </p:timing>
+</p:sld>
+</file>
+
+<file path=ppt/slides/slide154.xml><?xml version="1.0" encoding="utf-8"?>
+<p:sld xmlns:a="http://schemas.openxmlformats.org/drawingml/2006/main" xmlns:r="http://schemas.openxmlformats.org/officeDocument/2006/relationships" xmlns:p="http://schemas.openxmlformats.org/presentationml/2006/main">
+  <p:cSld>
+    <p:spTree>
+      <p:nvGrpSpPr>
+        <p:cNvPr id="1" name=""/>
+        <p:cNvGrpSpPr/>
+        <p:nvPr/>
+      </p:nvGrpSpPr>
+      <p:grpSpPr>
+        <a:xfrm>
+          <a:off x="0" y="0"/>
+          <a:ext cx="0" cy="0"/>
+          <a:chOff x="0" y="0"/>
+          <a:chExt cx="0" cy="0"/>
+        </a:xfrm>
+      </p:grpSpPr>
+      <p:sp>
+        <p:nvSpPr>
+          <p:cNvPr id="3" name="Content Placeholder 2"/>
+          <p:cNvSpPr>
+            <a:spLocks noGrp="1"/>
+          </p:cNvSpPr>
+          <p:nvPr>
+            <p:ph idx="1"/>
+          </p:nvPr>
+        </p:nvSpPr>
+        <p:spPr>
+          <a:xfrm>
+            <a:off x="457200" y="1143000"/>
+            <a:ext cx="8229600" cy="5431536"/>
+          </a:xfrm>
+        </p:spPr>
+        <p:txBody>
+          <a:bodyPr/>
+          <a:lstStyle/>
+          <a:p>
+            <a:r>
+              <a:rPr lang="en-US" dirty="0" smtClean="0"/>
+              <a:t>And the </a:t>
+            </a:r>
+            <a:r>
+              <a:rPr lang="en-US" b="1" dirty="0" err="1" smtClean="0"/>
+              <a:t>posts.component.html</a:t>
+            </a:r>
+            <a:r>
+              <a:rPr lang="en-US" dirty="0" smtClean="0"/>
+              <a:t> file:</a:t>
+            </a:r>
+            <a:endParaRPr lang="en-US" dirty="0"/>
+          </a:p>
+        </p:txBody>
+      </p:sp>
+      <p:pic>
+        <p:nvPicPr>
+          <p:cNvPr id="22530" name="Picture 2"/>
+          <p:cNvPicPr>
+            <a:picLocks noChangeAspect="1" noChangeArrowheads="1"/>
+          </p:cNvPicPr>
+          <p:nvPr/>
+        </p:nvPicPr>
+        <p:blipFill>
+          <a:blip r:embed="rId2"/>
+          <a:srcRect/>
+          <a:stretch>
+            <a:fillRect/>
+          </a:stretch>
+        </p:blipFill>
+        <p:spPr bwMode="auto">
+          <a:xfrm>
+            <a:off x="1905000" y="2133600"/>
+            <a:ext cx="4557713" cy="2655675"/>
+          </a:xfrm>
+          <a:prstGeom prst="rect">
+            <a:avLst/>
+          </a:prstGeom>
+          <a:noFill/>
+          <a:ln w="9525">
+            <a:noFill/>
+            <a:miter lim="800000"/>
+            <a:headEnd/>
+            <a:tailEnd/>
+          </a:ln>
+          <a:effectLst/>
+        </p:spPr>
+      </p:pic>
+    </p:spTree>
+  </p:cSld>
+  <p:clrMapOvr>
+    <a:masterClrMapping/>
+  </p:clrMapOvr>
+  <p:timing>
+    <p:tnLst>
+      <p:par>
+        <p:cTn id="1" dur="indefinite" restart="never" nodeType="tmRoot"/>
+      </p:par>
+    </p:tnLst>
+  </p:timing>
+</p:sld>
+</file>
+
+<file path=ppt/slides/slide155.xml><?xml version="1.0" encoding="utf-8"?>
+<p:sld xmlns:a="http://schemas.openxmlformats.org/drawingml/2006/main" xmlns:r="http://schemas.openxmlformats.org/officeDocument/2006/relationships" xmlns:p="http://schemas.openxmlformats.org/presentationml/2006/main">
+  <p:cSld>
+    <p:spTree>
+      <p:nvGrpSpPr>
+        <p:cNvPr id="1" name=""/>
+        <p:cNvGrpSpPr/>
+        <p:nvPr/>
+      </p:nvGrpSpPr>
+      <p:grpSpPr>
+        <a:xfrm>
+          <a:off x="0" y="0"/>
+          <a:ext cx="0" cy="0"/>
+          <a:chOff x="0" y="0"/>
+          <a:chExt cx="0" cy="0"/>
+        </a:xfrm>
+      </p:grpSpPr>
+      <p:sp>
+        <p:nvSpPr>
+          <p:cNvPr id="2" name="Title 1"/>
+          <p:cNvSpPr>
+            <a:spLocks noGrp="1"/>
+          </p:cNvSpPr>
+          <p:nvPr>
+            <p:ph type="title"/>
+          </p:nvPr>
+        </p:nvSpPr>
+        <p:spPr/>
+        <p:txBody>
+          <a:bodyPr>
+            <a:normAutofit/>
+          </a:bodyPr>
+          <a:lstStyle/>
+          <a:p>
+            <a:r>
+              <a:rPr lang="en-US" b="1" dirty="0" smtClean="0"/>
+              <a:t>Class </a:t>
+            </a:r>
+            <a:r>
+              <a:rPr lang="en-US" b="1" dirty="0" smtClean="0"/>
+              <a:t>Binding….</a:t>
+            </a:r>
+            <a:endParaRPr lang="en-US" dirty="0"/>
+          </a:p>
+        </p:txBody>
+      </p:sp>
+      <p:sp>
+        <p:nvSpPr>
+          <p:cNvPr id="3" name="Content Placeholder 2"/>
+          <p:cNvSpPr>
+            <a:spLocks noGrp="1"/>
+          </p:cNvSpPr>
+          <p:nvPr>
+            <p:ph idx="1"/>
+          </p:nvPr>
+        </p:nvSpPr>
+        <p:spPr/>
+        <p:txBody>
+          <a:bodyPr/>
+          <a:lstStyle/>
+          <a:p>
+            <a:r>
+              <a:rPr lang="en-US" dirty="0" smtClean="0"/>
+              <a:t>Open the</a:t>
+            </a:r>
+            <a:r>
+              <a:rPr lang="en-US" dirty="0" smtClean="0"/>
+              <a:t> </a:t>
+            </a:r>
+            <a:r>
+              <a:rPr lang="en-US" b="1" dirty="0" smtClean="0"/>
+              <a:t>/</a:t>
+            </a:r>
+            <a:r>
+              <a:rPr lang="en-US" b="1" dirty="0" err="1" smtClean="0"/>
+              <a:t>src</a:t>
+            </a:r>
+            <a:r>
+              <a:rPr lang="en-US" b="1" dirty="0" smtClean="0"/>
+              <a:t>/app/sidebar/</a:t>
+            </a:r>
+            <a:r>
+              <a:rPr lang="en-US" b="1" dirty="0" err="1" smtClean="0"/>
+              <a:t>sidebar.component.ts</a:t>
+            </a:r>
+            <a:r>
+              <a:rPr lang="en-US" dirty="0" smtClean="0"/>
+              <a:t> file and add the following:</a:t>
+            </a:r>
+            <a:endParaRPr lang="en-US" dirty="0"/>
+          </a:p>
+        </p:txBody>
+      </p:sp>
+      <p:pic>
+        <p:nvPicPr>
+          <p:cNvPr id="23554" name="Picture 2"/>
+          <p:cNvPicPr>
+            <a:picLocks noChangeAspect="1" noChangeArrowheads="1"/>
+          </p:cNvPicPr>
+          <p:nvPr/>
+        </p:nvPicPr>
+        <p:blipFill>
+          <a:blip r:embed="rId2"/>
+          <a:srcRect/>
+          <a:stretch>
+            <a:fillRect/>
+          </a:stretch>
+        </p:blipFill>
+        <p:spPr bwMode="auto">
+          <a:xfrm>
+            <a:off x="1752600" y="3581400"/>
+            <a:ext cx="6057900" cy="3057525"/>
+          </a:xfrm>
+          <a:prstGeom prst="rect">
+            <a:avLst/>
+          </a:prstGeom>
+          <a:noFill/>
+          <a:ln w="9525">
+            <a:noFill/>
+            <a:miter lim="800000"/>
+            <a:headEnd/>
+            <a:tailEnd/>
+          </a:ln>
+          <a:effectLst/>
+        </p:spPr>
+      </p:pic>
+    </p:spTree>
+  </p:cSld>
+  <p:clrMapOvr>
+    <a:masterClrMapping/>
+  </p:clrMapOvr>
+  <p:timing>
+    <p:tnLst>
+      <p:par>
+        <p:cTn id="1" dur="indefinite" restart="never" nodeType="tmRoot"/>
+      </p:par>
+    </p:tnLst>
+  </p:timing>
+</p:sld>
+</file>
+
+<file path=ppt/slides/slide156.xml><?xml version="1.0" encoding="utf-8"?>
+<p:sld xmlns:a="http://schemas.openxmlformats.org/drawingml/2006/main" xmlns:r="http://schemas.openxmlformats.org/officeDocument/2006/relationships" xmlns:p="http://schemas.openxmlformats.org/presentationml/2006/main">
+  <p:cSld>
+    <p:spTree>
+      <p:nvGrpSpPr>
+        <p:cNvPr id="1" name=""/>
+        <p:cNvGrpSpPr/>
+        <p:nvPr/>
+      </p:nvGrpSpPr>
+      <p:grpSpPr>
+        <a:xfrm>
+          <a:off x="0" y="0"/>
+          <a:ext cx="0" cy="0"/>
+          <a:chOff x="0" y="0"/>
+          <a:chExt cx="0" cy="0"/>
+        </a:xfrm>
+      </p:grpSpPr>
+      <p:sp>
+        <p:nvSpPr>
+          <p:cNvPr id="2" name="Title 1"/>
+          <p:cNvSpPr>
+            <a:spLocks noGrp="1"/>
+          </p:cNvSpPr>
+          <p:nvPr>
+            <p:ph type="title"/>
+          </p:nvPr>
+        </p:nvSpPr>
+        <p:spPr/>
+        <p:txBody>
+          <a:bodyPr>
+            <a:normAutofit/>
+          </a:bodyPr>
+          <a:lstStyle/>
+          <a:p>
+            <a:r>
+              <a:rPr lang="en-US" b="1" dirty="0" smtClean="0"/>
+              <a:t>Class </a:t>
+            </a:r>
+            <a:r>
+              <a:rPr lang="en-US" b="1" dirty="0" smtClean="0"/>
+              <a:t>Binding….</a:t>
+            </a:r>
+            <a:endParaRPr lang="en-US" dirty="0"/>
+          </a:p>
+        </p:txBody>
+      </p:sp>
+      <p:sp>
+        <p:nvSpPr>
+          <p:cNvPr id="3" name="Content Placeholder 2"/>
+          <p:cNvSpPr>
+            <a:spLocks noGrp="1"/>
+          </p:cNvSpPr>
+          <p:nvPr>
+            <p:ph idx="1"/>
+          </p:nvPr>
+        </p:nvSpPr>
+        <p:spPr/>
+        <p:txBody>
+          <a:bodyPr/>
+          <a:lstStyle/>
+          <a:p>
+            <a:r>
+              <a:rPr lang="en-US" dirty="0" smtClean="0"/>
+              <a:t>Open the </a:t>
+            </a:r>
+            <a:r>
+              <a:rPr lang="en-US" b="1" dirty="0" err="1" smtClean="0"/>
+              <a:t>sidebar.component.html</a:t>
+            </a:r>
+            <a:r>
+              <a:rPr lang="en-US" dirty="0" smtClean="0"/>
+              <a:t> file and update it to match:</a:t>
+            </a:r>
+            <a:endParaRPr lang="en-US" dirty="0"/>
+          </a:p>
+        </p:txBody>
+      </p:sp>
+      <p:pic>
+        <p:nvPicPr>
+          <p:cNvPr id="24578" name="Picture 2"/>
+          <p:cNvPicPr>
+            <a:picLocks noChangeAspect="1" noChangeArrowheads="1"/>
+          </p:cNvPicPr>
+          <p:nvPr/>
+        </p:nvPicPr>
+        <p:blipFill>
+          <a:blip r:embed="rId2"/>
+          <a:srcRect/>
+          <a:stretch>
+            <a:fillRect/>
+          </a:stretch>
+        </p:blipFill>
+        <p:spPr bwMode="auto">
+          <a:xfrm>
+            <a:off x="1600200" y="3352800"/>
+            <a:ext cx="5724525" cy="3009900"/>
+          </a:xfrm>
+          <a:prstGeom prst="rect">
+            <a:avLst/>
+          </a:prstGeom>
+          <a:noFill/>
+          <a:ln w="9525">
+            <a:noFill/>
+            <a:miter lim="800000"/>
+            <a:headEnd/>
+            <a:tailEnd/>
+          </a:ln>
+          <a:effectLst/>
+        </p:spPr>
+      </p:pic>
+    </p:spTree>
+  </p:cSld>
+  <p:clrMapOvr>
+    <a:masterClrMapping/>
+  </p:clrMapOvr>
+  <p:timing>
+    <p:tnLst>
+      <p:par>
+        <p:cTn id="1" dur="indefinite" restart="never" nodeType="tmRoot"/>
+      </p:par>
+    </p:tnLst>
+  </p:timing>
 </p:sld>
 </file>
 
@@ -16268,21 +19905,21 @@
                 <a:gridCol w="1312609">
                   <a:extLst>
                     <a:ext uri="{9D8B030D-6E8A-4147-A177-3AD203B41FA5}">
-                      <a16:colId xmlns:a16="http://schemas.microsoft.com/office/drawing/2014/main" xmlns="" val="20000"/>
+                      <a16:colId xmlns="" xmlns:a16="http://schemas.microsoft.com/office/drawing/2014/main" val="20000"/>
                     </a:ext>
                   </a:extLst>
                 </a:gridCol>
                 <a:gridCol w="428104">
                   <a:extLst>
                     <a:ext uri="{9D8B030D-6E8A-4147-A177-3AD203B41FA5}">
-                      <a16:colId xmlns:a16="http://schemas.microsoft.com/office/drawing/2014/main" xmlns="" val="20001"/>
+                      <a16:colId xmlns="" xmlns:a16="http://schemas.microsoft.com/office/drawing/2014/main" val="20001"/>
                     </a:ext>
                   </a:extLst>
                 </a:gridCol>
                 <a:gridCol w="2511235">
                   <a:extLst>
                     <a:ext uri="{9D8B030D-6E8A-4147-A177-3AD203B41FA5}">
-                      <a16:colId xmlns:a16="http://schemas.microsoft.com/office/drawing/2014/main" xmlns="" val="20002"/>
+                      <a16:colId xmlns="" xmlns:a16="http://schemas.microsoft.com/office/drawing/2014/main" val="20002"/>
                     </a:ext>
                   </a:extLst>
                 </a:gridCol>
@@ -16327,7 +19964,7 @@
                 </a:tc>
                 <a:extLst>
                   <a:ext uri="{0D108BD9-81ED-4DB2-BD59-A6C34878D82A}">
-                    <a16:rowId xmlns:a16="http://schemas.microsoft.com/office/drawing/2014/main" xmlns="" val="10000"/>
+                    <a16:rowId xmlns="" xmlns:a16="http://schemas.microsoft.com/office/drawing/2014/main" val="10000"/>
                   </a:ext>
                 </a:extLst>
               </a:tr>
@@ -16372,7 +20009,7 @@
                 </a:tc>
                 <a:extLst>
                   <a:ext uri="{0D108BD9-81ED-4DB2-BD59-A6C34878D82A}">
-                    <a16:rowId xmlns:a16="http://schemas.microsoft.com/office/drawing/2014/main" xmlns="" val="10001"/>
+                    <a16:rowId xmlns="" xmlns:a16="http://schemas.microsoft.com/office/drawing/2014/main" val="10001"/>
                   </a:ext>
                 </a:extLst>
               </a:tr>
@@ -16425,7 +20062,7 @@
                 </a:tc>
                 <a:extLst>
                   <a:ext uri="{0D108BD9-81ED-4DB2-BD59-A6C34878D82A}">
-                    <a16:rowId xmlns:a16="http://schemas.microsoft.com/office/drawing/2014/main" xmlns="" val="10002"/>
+                    <a16:rowId xmlns="" xmlns:a16="http://schemas.microsoft.com/office/drawing/2014/main" val="10002"/>
                   </a:ext>
                 </a:extLst>
               </a:tr>
@@ -16473,7 +20110,7 @@
                 </a:tc>
                 <a:extLst>
                   <a:ext uri="{0D108BD9-81ED-4DB2-BD59-A6C34878D82A}">
-                    <a16:rowId xmlns:a16="http://schemas.microsoft.com/office/drawing/2014/main" xmlns="" val="10003"/>
+                    <a16:rowId xmlns="" xmlns:a16="http://schemas.microsoft.com/office/drawing/2014/main" val="10003"/>
                   </a:ext>
                 </a:extLst>
               </a:tr>
@@ -16518,7 +20155,7 @@
                 </a:tc>
                 <a:extLst>
                   <a:ext uri="{0D108BD9-81ED-4DB2-BD59-A6C34878D82A}">
-                    <a16:rowId xmlns:a16="http://schemas.microsoft.com/office/drawing/2014/main" xmlns="" val="10004"/>
+                    <a16:rowId xmlns="" xmlns:a16="http://schemas.microsoft.com/office/drawing/2014/main" val="10004"/>
                   </a:ext>
                 </a:extLst>
               </a:tr>
@@ -16561,7 +20198,7 @@
                 </a:tc>
                 <a:extLst>
                   <a:ext uri="{0D108BD9-81ED-4DB2-BD59-A6C34878D82A}">
-                    <a16:rowId xmlns:a16="http://schemas.microsoft.com/office/drawing/2014/main" xmlns="" val="10005"/>
+                    <a16:rowId xmlns="" xmlns:a16="http://schemas.microsoft.com/office/drawing/2014/main" val="10005"/>
                   </a:ext>
                 </a:extLst>
               </a:tr>
@@ -16614,7 +20251,7 @@
                 </a:tc>
                 <a:extLst>
                   <a:ext uri="{0D108BD9-81ED-4DB2-BD59-A6C34878D82A}">
-                    <a16:rowId xmlns:a16="http://schemas.microsoft.com/office/drawing/2014/main" xmlns="" val="10006"/>
+                    <a16:rowId xmlns="" xmlns:a16="http://schemas.microsoft.com/office/drawing/2014/main" val="10006"/>
                   </a:ext>
                 </a:extLst>
               </a:tr>
@@ -16662,7 +20299,7 @@
                 </a:tc>
                 <a:extLst>
                   <a:ext uri="{0D108BD9-81ED-4DB2-BD59-A6C34878D82A}">
-                    <a16:rowId xmlns:a16="http://schemas.microsoft.com/office/drawing/2014/main" xmlns="" val="10007"/>
+                    <a16:rowId xmlns="" xmlns:a16="http://schemas.microsoft.com/office/drawing/2014/main" val="10007"/>
                   </a:ext>
                 </a:extLst>
               </a:tr>
@@ -16707,7 +20344,7 @@
                 </a:tc>
                 <a:extLst>
                   <a:ext uri="{0D108BD9-81ED-4DB2-BD59-A6C34878D82A}">
-                    <a16:rowId xmlns:a16="http://schemas.microsoft.com/office/drawing/2014/main" xmlns="" val="10008"/>
+                    <a16:rowId xmlns="" xmlns:a16="http://schemas.microsoft.com/office/drawing/2014/main" val="10008"/>
                   </a:ext>
                 </a:extLst>
               </a:tr>
@@ -19729,7 +23366,7 @@
     </p:spTree>
     <p:extLst>
       <p:ext uri="{BB962C8B-B14F-4D97-AF65-F5344CB8AC3E}">
-        <p14:creationId xmlns:p14="http://schemas.microsoft.com/office/powerpoint/2010/main" xmlns="" val="1175906984"/>
+        <p14:creationId xmlns="" xmlns:p14="http://schemas.microsoft.com/office/powerpoint/2010/main" val="1175906984"/>
       </p:ext>
     </p:extLst>
   </p:cSld>
@@ -19761,7 +23398,7 @@
           <p:cNvPr id="2" name="Title 1">
             <a:extLst>
               <a:ext uri="{FF2B5EF4-FFF2-40B4-BE49-F238E27FC236}">
-                <a16:creationId xmlns:a16="http://schemas.microsoft.com/office/drawing/2014/main" xmlns="" id="{8EEC2D55-5149-4803-B0EF-289751728D7E}"/>
+                <a16:creationId xmlns="" xmlns:a16="http://schemas.microsoft.com/office/drawing/2014/main" id="{8EEC2D55-5149-4803-B0EF-289751728D7E}"/>
               </a:ext>
             </a:extLst>
           </p:cNvPr>
@@ -19789,7 +23426,7 @@
           <p:cNvPr id="3" name="Content Placeholder 2">
             <a:extLst>
               <a:ext uri="{FF2B5EF4-FFF2-40B4-BE49-F238E27FC236}">
-                <a16:creationId xmlns:a16="http://schemas.microsoft.com/office/drawing/2014/main" xmlns="" id="{60B6BC18-905B-43AB-BB9E-93E3D531E5A8}"/>
+                <a16:creationId xmlns="" xmlns:a16="http://schemas.microsoft.com/office/drawing/2014/main" id="{60B6BC18-905B-43AB-BB9E-93E3D531E5A8}"/>
               </a:ext>
             </a:extLst>
           </p:cNvPr>
@@ -19829,7 +23466,7 @@
     </p:spTree>
     <p:extLst>
       <p:ext uri="{BB962C8B-B14F-4D97-AF65-F5344CB8AC3E}">
-        <p14:creationId xmlns:p14="http://schemas.microsoft.com/office/powerpoint/2010/main" xmlns="" val="32502340"/>
+        <p14:creationId xmlns="" xmlns:p14="http://schemas.microsoft.com/office/powerpoint/2010/main" val="32502340"/>
       </p:ext>
     </p:extLst>
   </p:cSld>
@@ -19861,7 +23498,7 @@
           <p:cNvPr id="2" name="Title 1">
             <a:extLst>
               <a:ext uri="{FF2B5EF4-FFF2-40B4-BE49-F238E27FC236}">
-                <a16:creationId xmlns:a16="http://schemas.microsoft.com/office/drawing/2014/main" xmlns="" id="{832D342F-E565-4599-875E-59A92A87ABDC}"/>
+                <a16:creationId xmlns="" xmlns:a16="http://schemas.microsoft.com/office/drawing/2014/main" id="{832D342F-E565-4599-875E-59A92A87ABDC}"/>
               </a:ext>
             </a:extLst>
           </p:cNvPr>
@@ -19889,7 +23526,7 @@
           <p:cNvPr id="3" name="Content Placeholder 2">
             <a:extLst>
               <a:ext uri="{FF2B5EF4-FFF2-40B4-BE49-F238E27FC236}">
-                <a16:creationId xmlns:a16="http://schemas.microsoft.com/office/drawing/2014/main" xmlns="" id="{03B99A7D-D075-4218-9573-7D089BAF5817}"/>
+                <a16:creationId xmlns="" xmlns:a16="http://schemas.microsoft.com/office/drawing/2014/main" id="{03B99A7D-D075-4218-9573-7D089BAF5817}"/>
               </a:ext>
             </a:extLst>
           </p:cNvPr>
@@ -19927,7 +23564,7 @@
     </p:spTree>
     <p:extLst>
       <p:ext uri="{BB962C8B-B14F-4D97-AF65-F5344CB8AC3E}">
-        <p14:creationId xmlns:p14="http://schemas.microsoft.com/office/powerpoint/2010/main" xmlns="" val="3231591323"/>
+        <p14:creationId xmlns="" xmlns:p14="http://schemas.microsoft.com/office/powerpoint/2010/main" val="3231591323"/>
       </p:ext>
     </p:extLst>
   </p:cSld>
@@ -19959,7 +23596,7 @@
           <p:cNvPr id="2" name="Title 1">
             <a:extLst>
               <a:ext uri="{FF2B5EF4-FFF2-40B4-BE49-F238E27FC236}">
-                <a16:creationId xmlns:a16="http://schemas.microsoft.com/office/drawing/2014/main" xmlns="" id="{832D342F-E565-4599-875E-59A92A87ABDC}"/>
+                <a16:creationId xmlns="" xmlns:a16="http://schemas.microsoft.com/office/drawing/2014/main" id="{832D342F-E565-4599-875E-59A92A87ABDC}"/>
               </a:ext>
             </a:extLst>
           </p:cNvPr>
@@ -19987,7 +23624,7 @@
           <p:cNvPr id="3" name="Content Placeholder 2">
             <a:extLst>
               <a:ext uri="{FF2B5EF4-FFF2-40B4-BE49-F238E27FC236}">
-                <a16:creationId xmlns:a16="http://schemas.microsoft.com/office/drawing/2014/main" xmlns="" id="{03B99A7D-D075-4218-9573-7D089BAF5817}"/>
+                <a16:creationId xmlns="" xmlns:a16="http://schemas.microsoft.com/office/drawing/2014/main" id="{03B99A7D-D075-4218-9573-7D089BAF5817}"/>
               </a:ext>
             </a:extLst>
           </p:cNvPr>
@@ -20025,7 +23662,7 @@
     </p:spTree>
     <p:extLst>
       <p:ext uri="{BB962C8B-B14F-4D97-AF65-F5344CB8AC3E}">
-        <p14:creationId xmlns:p14="http://schemas.microsoft.com/office/powerpoint/2010/main" xmlns="" val="1114242558"/>
+        <p14:creationId xmlns="" xmlns:p14="http://schemas.microsoft.com/office/powerpoint/2010/main" val="1114242558"/>
       </p:ext>
     </p:extLst>
   </p:cSld>
@@ -20057,7 +23694,7 @@
           <p:cNvPr id="2" name="Title 1">
             <a:extLst>
               <a:ext uri="{FF2B5EF4-FFF2-40B4-BE49-F238E27FC236}">
-                <a16:creationId xmlns:a16="http://schemas.microsoft.com/office/drawing/2014/main" xmlns="" id="{B4ED5AAB-5A46-47C4-994B-2E9110324BD0}"/>
+                <a16:creationId xmlns="" xmlns:a16="http://schemas.microsoft.com/office/drawing/2014/main" id="{B4ED5AAB-5A46-47C4-994B-2E9110324BD0}"/>
               </a:ext>
             </a:extLst>
           </p:cNvPr>
@@ -20085,7 +23722,7 @@
           <p:cNvPr id="3" name="Content Placeholder 2">
             <a:extLst>
               <a:ext uri="{FF2B5EF4-FFF2-40B4-BE49-F238E27FC236}">
-                <a16:creationId xmlns:a16="http://schemas.microsoft.com/office/drawing/2014/main" xmlns="" id="{37BD1B3A-DB52-4880-8C0E-DBD66F5F93CE}"/>
+                <a16:creationId xmlns="" xmlns:a16="http://schemas.microsoft.com/office/drawing/2014/main" id="{37BD1B3A-DB52-4880-8C0E-DBD66F5F93CE}"/>
               </a:ext>
             </a:extLst>
           </p:cNvPr>
@@ -20136,7 +23773,7 @@
     </p:spTree>
     <p:extLst>
       <p:ext uri="{BB962C8B-B14F-4D97-AF65-F5344CB8AC3E}">
-        <p14:creationId xmlns:p14="http://schemas.microsoft.com/office/powerpoint/2010/main" xmlns="" val="3277765089"/>
+        <p14:creationId xmlns="" xmlns:p14="http://schemas.microsoft.com/office/powerpoint/2010/main" val="3277765089"/>
       </p:ext>
     </p:extLst>
   </p:cSld>
@@ -20168,7 +23805,7 @@
           <p:cNvPr id="2" name="Title 1">
             <a:extLst>
               <a:ext uri="{FF2B5EF4-FFF2-40B4-BE49-F238E27FC236}">
-                <a16:creationId xmlns:a16="http://schemas.microsoft.com/office/drawing/2014/main" xmlns="" id="{B4ED5AAB-5A46-47C4-994B-2E9110324BD0}"/>
+                <a16:creationId xmlns="" xmlns:a16="http://schemas.microsoft.com/office/drawing/2014/main" id="{B4ED5AAB-5A46-47C4-994B-2E9110324BD0}"/>
               </a:ext>
             </a:extLst>
           </p:cNvPr>
@@ -20196,7 +23833,7 @@
           <p:cNvPr id="3" name="Content Placeholder 2">
             <a:extLst>
               <a:ext uri="{FF2B5EF4-FFF2-40B4-BE49-F238E27FC236}">
-                <a16:creationId xmlns:a16="http://schemas.microsoft.com/office/drawing/2014/main" xmlns="" id="{37BD1B3A-DB52-4880-8C0E-DBD66F5F93CE}"/>
+                <a16:creationId xmlns="" xmlns:a16="http://schemas.microsoft.com/office/drawing/2014/main" id="{37BD1B3A-DB52-4880-8C0E-DBD66F5F93CE}"/>
               </a:ext>
             </a:extLst>
           </p:cNvPr>
@@ -20255,7 +23892,7 @@
     </p:spTree>
     <p:extLst>
       <p:ext uri="{BB962C8B-B14F-4D97-AF65-F5344CB8AC3E}">
-        <p14:creationId xmlns:p14="http://schemas.microsoft.com/office/powerpoint/2010/main" xmlns="" val="2866785911"/>
+        <p14:creationId xmlns="" xmlns:p14="http://schemas.microsoft.com/office/powerpoint/2010/main" val="2866785911"/>
       </p:ext>
     </p:extLst>
   </p:cSld>
@@ -20425,7 +24062,7 @@
           <p:cNvPr id="2" name="Title 1">
             <a:extLst>
               <a:ext uri="{FF2B5EF4-FFF2-40B4-BE49-F238E27FC236}">
-                <a16:creationId xmlns:a16="http://schemas.microsoft.com/office/drawing/2014/main" xmlns="" id="{B4ED5AAB-5A46-47C4-994B-2E9110324BD0}"/>
+                <a16:creationId xmlns="" xmlns:a16="http://schemas.microsoft.com/office/drawing/2014/main" id="{B4ED5AAB-5A46-47C4-994B-2E9110324BD0}"/>
               </a:ext>
             </a:extLst>
           </p:cNvPr>
@@ -20453,7 +24090,7 @@
           <p:cNvPr id="3" name="Content Placeholder 2">
             <a:extLst>
               <a:ext uri="{FF2B5EF4-FFF2-40B4-BE49-F238E27FC236}">
-                <a16:creationId xmlns:a16="http://schemas.microsoft.com/office/drawing/2014/main" xmlns="" id="{37BD1B3A-DB52-4880-8C0E-DBD66F5F93CE}"/>
+                <a16:creationId xmlns="" xmlns:a16="http://schemas.microsoft.com/office/drawing/2014/main" id="{37BD1B3A-DB52-4880-8C0E-DBD66F5F93CE}"/>
               </a:ext>
             </a:extLst>
           </p:cNvPr>
@@ -20504,7 +24141,7 @@
     </p:spTree>
     <p:extLst>
       <p:ext uri="{BB962C8B-B14F-4D97-AF65-F5344CB8AC3E}">
-        <p14:creationId xmlns:p14="http://schemas.microsoft.com/office/powerpoint/2010/main" xmlns="" val="1317634119"/>
+        <p14:creationId xmlns="" xmlns:p14="http://schemas.microsoft.com/office/powerpoint/2010/main" val="1317634119"/>
       </p:ext>
     </p:extLst>
   </p:cSld>
@@ -20536,7 +24173,7 @@
           <p:cNvPr id="2" name="Title 1">
             <a:extLst>
               <a:ext uri="{FF2B5EF4-FFF2-40B4-BE49-F238E27FC236}">
-                <a16:creationId xmlns:a16="http://schemas.microsoft.com/office/drawing/2014/main" xmlns="" id="{963AED7E-1B46-4B55-8444-929B24D03690}"/>
+                <a16:creationId xmlns="" xmlns:a16="http://schemas.microsoft.com/office/drawing/2014/main" id="{963AED7E-1B46-4B55-8444-929B24D03690}"/>
               </a:ext>
             </a:extLst>
           </p:cNvPr>
@@ -20564,7 +24201,7 @@
           <p:cNvPr id="3" name="Content Placeholder 2">
             <a:extLst>
               <a:ext uri="{FF2B5EF4-FFF2-40B4-BE49-F238E27FC236}">
-                <a16:creationId xmlns:a16="http://schemas.microsoft.com/office/drawing/2014/main" xmlns="" id="{81E7D289-20F0-422E-90D8-8AEED9AED7CB}"/>
+                <a16:creationId xmlns="" xmlns:a16="http://schemas.microsoft.com/office/drawing/2014/main" id="{81E7D289-20F0-422E-90D8-8AEED9AED7CB}"/>
               </a:ext>
             </a:extLst>
           </p:cNvPr>
@@ -20626,7 +24263,7 @@
     </p:spTree>
     <p:extLst>
       <p:ext uri="{BB962C8B-B14F-4D97-AF65-F5344CB8AC3E}">
-        <p14:creationId xmlns:p14="http://schemas.microsoft.com/office/powerpoint/2010/main" xmlns="" val="2324978716"/>
+        <p14:creationId xmlns="" xmlns:p14="http://schemas.microsoft.com/office/powerpoint/2010/main" val="2324978716"/>
       </p:ext>
     </p:extLst>
   </p:cSld>
@@ -20658,7 +24295,7 @@
           <p:cNvPr id="2" name="Title 1">
             <a:extLst>
               <a:ext uri="{FF2B5EF4-FFF2-40B4-BE49-F238E27FC236}">
-                <a16:creationId xmlns:a16="http://schemas.microsoft.com/office/drawing/2014/main" xmlns="" id="{963AED7E-1B46-4B55-8444-929B24D03690}"/>
+                <a16:creationId xmlns="" xmlns:a16="http://schemas.microsoft.com/office/drawing/2014/main" id="{963AED7E-1B46-4B55-8444-929B24D03690}"/>
               </a:ext>
             </a:extLst>
           </p:cNvPr>
@@ -20686,7 +24323,7 @@
           <p:cNvPr id="3" name="Content Placeholder 2">
             <a:extLst>
               <a:ext uri="{FF2B5EF4-FFF2-40B4-BE49-F238E27FC236}">
-                <a16:creationId xmlns:a16="http://schemas.microsoft.com/office/drawing/2014/main" xmlns="" id="{81E7D289-20F0-422E-90D8-8AEED9AED7CB}"/>
+                <a16:creationId xmlns="" xmlns:a16="http://schemas.microsoft.com/office/drawing/2014/main" id="{81E7D289-20F0-422E-90D8-8AEED9AED7CB}"/>
               </a:ext>
             </a:extLst>
           </p:cNvPr>
@@ -20714,7 +24351,7 @@
           <p:cNvPr id="1026" name="Picture 2" descr="https://www.tektutorialshub.com/wp-content/uploads/2016/08/Angular-2-Architecture-of-a-simpleTask-List-Application.png">
             <a:extLst>
               <a:ext uri="{FF2B5EF4-FFF2-40B4-BE49-F238E27FC236}">
-                <a16:creationId xmlns:a16="http://schemas.microsoft.com/office/drawing/2014/main" xmlns="" id="{1A5F1BB4-1D5D-48F8-BE60-036786F57804}"/>
+                <a16:creationId xmlns="" xmlns:a16="http://schemas.microsoft.com/office/drawing/2014/main" id="{1A5F1BB4-1D5D-48F8-BE60-036786F57804}"/>
               </a:ext>
             </a:extLst>
           </p:cNvPr>
@@ -20727,7 +24364,7 @@
           <a:blip r:embed="rId2">
             <a:extLst>
               <a:ext uri="{28A0092B-C50C-407E-A947-70E740481C1C}">
-                <a14:useLocalDpi xmlns:a14="http://schemas.microsoft.com/office/drawing/2010/main" xmlns="" val="0"/>
+                <a14:useLocalDpi xmlns="" xmlns:a14="http://schemas.microsoft.com/office/drawing/2010/main" val="0"/>
               </a:ext>
             </a:extLst>
           </a:blip>
@@ -20747,7 +24384,7 @@
           <a:noFill/>
           <a:extLst>
             <a:ext uri="{909E8E84-426E-40DD-AFC4-6F175D3DCCD1}">
-              <a14:hiddenFill xmlns:a14="http://schemas.microsoft.com/office/drawing/2010/main" xmlns="">
+              <a14:hiddenFill xmlns="" xmlns:a14="http://schemas.microsoft.com/office/drawing/2010/main">
                 <a:solidFill>
                   <a:srgbClr val="FFFFFF"/>
                 </a:solidFill>
@@ -20759,13 +24396,20 @@
     </p:spTree>
     <p:extLst>
       <p:ext uri="{BB962C8B-B14F-4D97-AF65-F5344CB8AC3E}">
-        <p14:creationId xmlns:p14="http://schemas.microsoft.com/office/powerpoint/2010/main" xmlns="" val="3130259011"/>
+        <p14:creationId xmlns="" xmlns:p14="http://schemas.microsoft.com/office/powerpoint/2010/main" val="3130259011"/>
       </p:ext>
     </p:extLst>
   </p:cSld>
   <p:clrMapOvr>
     <a:masterClrMapping/>
   </p:clrMapOvr>
+  <p:timing>
+    <p:tnLst>
+      <p:par>
+        <p:cTn id="1" dur="indefinite" restart="never" nodeType="tmRoot"/>
+      </p:par>
+    </p:tnLst>
+  </p:timing>
 </p:sld>
 </file>
 
@@ -20791,7 +24435,7 @@
           <p:cNvPr id="2" name="Title 1">
             <a:extLst>
               <a:ext uri="{FF2B5EF4-FFF2-40B4-BE49-F238E27FC236}">
-                <a16:creationId xmlns:a16="http://schemas.microsoft.com/office/drawing/2014/main" xmlns="" id="{422549AF-7BF7-42D3-B7B2-EB8CFA2DD8B2}"/>
+                <a16:creationId xmlns="" xmlns:a16="http://schemas.microsoft.com/office/drawing/2014/main" id="{422549AF-7BF7-42D3-B7B2-EB8CFA2DD8B2}"/>
               </a:ext>
             </a:extLst>
           </p:cNvPr>
@@ -20819,7 +24463,7 @@
           <p:cNvPr id="3" name="Content Placeholder 2">
             <a:extLst>
               <a:ext uri="{FF2B5EF4-FFF2-40B4-BE49-F238E27FC236}">
-                <a16:creationId xmlns:a16="http://schemas.microsoft.com/office/drawing/2014/main" xmlns="" id="{28635694-C9CE-4A4D-A7FB-A33318ABD9CB}"/>
+                <a16:creationId xmlns="" xmlns:a16="http://schemas.microsoft.com/office/drawing/2014/main" id="{28635694-C9CE-4A4D-A7FB-A33318ABD9CB}"/>
               </a:ext>
             </a:extLst>
           </p:cNvPr>
@@ -20844,7 +24488,7 @@
           <p:cNvPr id="2052" name="Picture 4" descr="https://www.tektutorialshub.com/wp-content/uploads/2016/08/Angular-2-Architecture-Overview-and-Concepts.png">
             <a:extLst>
               <a:ext uri="{FF2B5EF4-FFF2-40B4-BE49-F238E27FC236}">
-                <a16:creationId xmlns:a16="http://schemas.microsoft.com/office/drawing/2014/main" xmlns="" id="{04C834E8-FD98-4367-B748-47B86DB2D11C}"/>
+                <a16:creationId xmlns="" xmlns:a16="http://schemas.microsoft.com/office/drawing/2014/main" id="{04C834E8-FD98-4367-B748-47B86DB2D11C}"/>
               </a:ext>
             </a:extLst>
           </p:cNvPr>
@@ -20857,7 +24501,7 @@
           <a:blip r:embed="rId2">
             <a:extLst>
               <a:ext uri="{28A0092B-C50C-407E-A947-70E740481C1C}">
-                <a14:useLocalDpi xmlns:a14="http://schemas.microsoft.com/office/drawing/2010/main" xmlns="" val="0"/>
+                <a14:useLocalDpi xmlns="" xmlns:a14="http://schemas.microsoft.com/office/drawing/2010/main" val="0"/>
               </a:ext>
             </a:extLst>
           </a:blip>
@@ -20877,7 +24521,7 @@
           <a:noFill/>
           <a:extLst>
             <a:ext uri="{909E8E84-426E-40DD-AFC4-6F175D3DCCD1}">
-              <a14:hiddenFill xmlns:a14="http://schemas.microsoft.com/office/drawing/2010/main" xmlns="">
+              <a14:hiddenFill xmlns="" xmlns:a14="http://schemas.microsoft.com/office/drawing/2010/main">
                 <a:solidFill>
                   <a:srgbClr val="FFFFFF"/>
                 </a:solidFill>
@@ -20889,13 +24533,20 @@
     </p:spTree>
     <p:extLst>
       <p:ext uri="{BB962C8B-B14F-4D97-AF65-F5344CB8AC3E}">
-        <p14:creationId xmlns:p14="http://schemas.microsoft.com/office/powerpoint/2010/main" xmlns="" val="366738908"/>
+        <p14:creationId xmlns="" xmlns:p14="http://schemas.microsoft.com/office/powerpoint/2010/main" val="366738908"/>
       </p:ext>
     </p:extLst>
   </p:cSld>
   <p:clrMapOvr>
     <a:masterClrMapping/>
   </p:clrMapOvr>
+  <p:timing>
+    <p:tnLst>
+      <p:par>
+        <p:cTn id="1" dur="indefinite" restart="never" nodeType="tmRoot"/>
+      </p:par>
+    </p:tnLst>
+  </p:timing>
 </p:sld>
 </file>
 
@@ -20921,7 +24572,7 @@
           <p:cNvPr id="2" name="Title 1">
             <a:extLst>
               <a:ext uri="{FF2B5EF4-FFF2-40B4-BE49-F238E27FC236}">
-                <a16:creationId xmlns:a16="http://schemas.microsoft.com/office/drawing/2014/main" xmlns="" id="{EF7DA71E-CFB2-43EF-8E90-59FBC930408B}"/>
+                <a16:creationId xmlns="" xmlns:a16="http://schemas.microsoft.com/office/drawing/2014/main" id="{EF7DA71E-CFB2-43EF-8E90-59FBC930408B}"/>
               </a:ext>
             </a:extLst>
           </p:cNvPr>
@@ -20949,7 +24600,7 @@
           <p:cNvPr id="3" name="Content Placeholder 2">
             <a:extLst>
               <a:ext uri="{FF2B5EF4-FFF2-40B4-BE49-F238E27FC236}">
-                <a16:creationId xmlns:a16="http://schemas.microsoft.com/office/drawing/2014/main" xmlns="" id="{049B1154-500D-4578-81CD-EDA138B05B83}"/>
+                <a16:creationId xmlns="" xmlns:a16="http://schemas.microsoft.com/office/drawing/2014/main" id="{049B1154-500D-4578-81CD-EDA138B05B83}"/>
               </a:ext>
             </a:extLst>
           </p:cNvPr>
@@ -21021,13 +24672,20 @@
     </p:spTree>
     <p:extLst>
       <p:ext uri="{BB962C8B-B14F-4D97-AF65-F5344CB8AC3E}">
-        <p14:creationId xmlns:p14="http://schemas.microsoft.com/office/powerpoint/2010/main" xmlns="" val="3348442337"/>
+        <p14:creationId xmlns="" xmlns:p14="http://schemas.microsoft.com/office/powerpoint/2010/main" val="3348442337"/>
       </p:ext>
     </p:extLst>
   </p:cSld>
   <p:clrMapOvr>
     <a:masterClrMapping/>
   </p:clrMapOvr>
+  <p:timing>
+    <p:tnLst>
+      <p:par>
+        <p:cTn id="1" dur="indefinite" restart="never" nodeType="tmRoot"/>
+      </p:par>
+    </p:tnLst>
+  </p:timing>
 </p:sld>
 </file>
 
@@ -21053,7 +24711,7 @@
           <p:cNvPr id="2" name="Title 1">
             <a:extLst>
               <a:ext uri="{FF2B5EF4-FFF2-40B4-BE49-F238E27FC236}">
-                <a16:creationId xmlns:a16="http://schemas.microsoft.com/office/drawing/2014/main" xmlns="" id="{A72213CA-9CBC-411F-A76F-418D08503ADD}"/>
+                <a16:creationId xmlns="" xmlns:a16="http://schemas.microsoft.com/office/drawing/2014/main" id="{A72213CA-9CBC-411F-A76F-418D08503ADD}"/>
               </a:ext>
             </a:extLst>
           </p:cNvPr>
@@ -21081,7 +24739,7 @@
           <p:cNvPr id="3" name="Content Placeholder 2">
             <a:extLst>
               <a:ext uri="{FF2B5EF4-FFF2-40B4-BE49-F238E27FC236}">
-                <a16:creationId xmlns:a16="http://schemas.microsoft.com/office/drawing/2014/main" xmlns="" id="{449E51FA-719B-4EBB-825D-4545624EEE77}"/>
+                <a16:creationId xmlns="" xmlns:a16="http://schemas.microsoft.com/office/drawing/2014/main" id="{449E51FA-719B-4EBB-825D-4545624EEE77}"/>
               </a:ext>
             </a:extLst>
           </p:cNvPr>
@@ -21169,13 +24827,20 @@
     </p:spTree>
     <p:extLst>
       <p:ext uri="{BB962C8B-B14F-4D97-AF65-F5344CB8AC3E}">
-        <p14:creationId xmlns:p14="http://schemas.microsoft.com/office/powerpoint/2010/main" xmlns="" val="2097557205"/>
+        <p14:creationId xmlns="" xmlns:p14="http://schemas.microsoft.com/office/powerpoint/2010/main" val="2097557205"/>
       </p:ext>
     </p:extLst>
   </p:cSld>
   <p:clrMapOvr>
     <a:masterClrMapping/>
   </p:clrMapOvr>
+  <p:timing>
+    <p:tnLst>
+      <p:par>
+        <p:cTn id="1" dur="indefinite" restart="never" nodeType="tmRoot"/>
+      </p:par>
+    </p:tnLst>
+  </p:timing>
 </p:sld>
 </file>
 
@@ -21201,7 +24866,7 @@
           <p:cNvPr id="2" name="Title 1">
             <a:extLst>
               <a:ext uri="{FF2B5EF4-FFF2-40B4-BE49-F238E27FC236}">
-                <a16:creationId xmlns:a16="http://schemas.microsoft.com/office/drawing/2014/main" xmlns="" id="{C3901626-8091-46D5-8BD3-B20943B5ACFB}"/>
+                <a16:creationId xmlns="" xmlns:a16="http://schemas.microsoft.com/office/drawing/2014/main" id="{C3901626-8091-46D5-8BD3-B20943B5ACFB}"/>
               </a:ext>
             </a:extLst>
           </p:cNvPr>
@@ -21229,7 +24894,7 @@
           <p:cNvPr id="3" name="Content Placeholder 2">
             <a:extLst>
               <a:ext uri="{FF2B5EF4-FFF2-40B4-BE49-F238E27FC236}">
-                <a16:creationId xmlns:a16="http://schemas.microsoft.com/office/drawing/2014/main" xmlns="" id="{31FFE0CE-1500-49AD-895D-6BF4B9469504}"/>
+                <a16:creationId xmlns="" xmlns:a16="http://schemas.microsoft.com/office/drawing/2014/main" id="{31FFE0CE-1500-49AD-895D-6BF4B9469504}"/>
               </a:ext>
             </a:extLst>
           </p:cNvPr>
@@ -21254,7 +24919,7 @@
           <p:cNvPr id="4" name="Picture 3">
             <a:extLst>
               <a:ext uri="{FF2B5EF4-FFF2-40B4-BE49-F238E27FC236}">
-                <a16:creationId xmlns:a16="http://schemas.microsoft.com/office/drawing/2014/main" xmlns="" id="{47DF9908-9029-4D43-AC2C-DE981CB4890E}"/>
+                <a16:creationId xmlns="" xmlns:a16="http://schemas.microsoft.com/office/drawing/2014/main" id="{47DF9908-9029-4D43-AC2C-DE981CB4890E}"/>
               </a:ext>
             </a:extLst>
           </p:cNvPr>
@@ -21282,13 +24947,20 @@
     </p:spTree>
     <p:extLst>
       <p:ext uri="{BB962C8B-B14F-4D97-AF65-F5344CB8AC3E}">
-        <p14:creationId xmlns:p14="http://schemas.microsoft.com/office/powerpoint/2010/main" xmlns="" val="1781212812"/>
+        <p14:creationId xmlns="" xmlns:p14="http://schemas.microsoft.com/office/powerpoint/2010/main" val="1781212812"/>
       </p:ext>
     </p:extLst>
   </p:cSld>
   <p:clrMapOvr>
     <a:masterClrMapping/>
   </p:clrMapOvr>
+  <p:timing>
+    <p:tnLst>
+      <p:par>
+        <p:cTn id="1" dur="indefinite" restart="never" nodeType="tmRoot"/>
+      </p:par>
+    </p:tnLst>
+  </p:timing>
 </p:sld>
 </file>
 
@@ -21314,7 +24986,7 @@
           <p:cNvPr id="2" name="Title 1">
             <a:extLst>
               <a:ext uri="{FF2B5EF4-FFF2-40B4-BE49-F238E27FC236}">
-                <a16:creationId xmlns:a16="http://schemas.microsoft.com/office/drawing/2014/main" xmlns="" id="{79C3DC18-C688-425C-8810-87A6E308DB16}"/>
+                <a16:creationId xmlns="" xmlns:a16="http://schemas.microsoft.com/office/drawing/2014/main" id="{79C3DC18-C688-425C-8810-87A6E308DB16}"/>
               </a:ext>
             </a:extLst>
           </p:cNvPr>
@@ -21342,7 +25014,7 @@
           <p:cNvPr id="3" name="Content Placeholder 2">
             <a:extLst>
               <a:ext uri="{FF2B5EF4-FFF2-40B4-BE49-F238E27FC236}">
-                <a16:creationId xmlns:a16="http://schemas.microsoft.com/office/drawing/2014/main" xmlns="" id="{98B3D87C-FF39-4A00-9C8E-F669EE1E66A9}"/>
+                <a16:creationId xmlns="" xmlns:a16="http://schemas.microsoft.com/office/drawing/2014/main" id="{98B3D87C-FF39-4A00-9C8E-F669EE1E66A9}"/>
               </a:ext>
             </a:extLst>
           </p:cNvPr>
@@ -21389,13 +25061,20 @@
     </p:spTree>
     <p:extLst>
       <p:ext uri="{BB962C8B-B14F-4D97-AF65-F5344CB8AC3E}">
-        <p14:creationId xmlns:p14="http://schemas.microsoft.com/office/powerpoint/2010/main" xmlns="" val="2590951603"/>
+        <p14:creationId xmlns="" xmlns:p14="http://schemas.microsoft.com/office/powerpoint/2010/main" val="2590951603"/>
       </p:ext>
     </p:extLst>
   </p:cSld>
   <p:clrMapOvr>
     <a:masterClrMapping/>
   </p:clrMapOvr>
+  <p:timing>
+    <p:tnLst>
+      <p:par>
+        <p:cTn id="1" dur="indefinite" restart="never" nodeType="tmRoot"/>
+      </p:par>
+    </p:tnLst>
+  </p:timing>
 </p:sld>
 </file>
 
@@ -21421,7 +25100,7 @@
           <p:cNvPr id="2" name="Title 1">
             <a:extLst>
               <a:ext uri="{FF2B5EF4-FFF2-40B4-BE49-F238E27FC236}">
-                <a16:creationId xmlns:a16="http://schemas.microsoft.com/office/drawing/2014/main" xmlns="" id="{507E8D5B-F265-49C4-9636-4FFF1B3C8B88}"/>
+                <a16:creationId xmlns="" xmlns:a16="http://schemas.microsoft.com/office/drawing/2014/main" id="{507E8D5B-F265-49C4-9636-4FFF1B3C8B88}"/>
               </a:ext>
             </a:extLst>
           </p:cNvPr>
@@ -21449,7 +25128,7 @@
           <p:cNvPr id="3" name="Content Placeholder 2">
             <a:extLst>
               <a:ext uri="{FF2B5EF4-FFF2-40B4-BE49-F238E27FC236}">
-                <a16:creationId xmlns:a16="http://schemas.microsoft.com/office/drawing/2014/main" xmlns="" id="{5744C1A0-4C44-4331-B441-C92E515CA84B}"/>
+                <a16:creationId xmlns="" xmlns:a16="http://schemas.microsoft.com/office/drawing/2014/main" id="{5744C1A0-4C44-4331-B441-C92E515CA84B}"/>
               </a:ext>
             </a:extLst>
           </p:cNvPr>
@@ -21492,13 +25171,20 @@
     </p:spTree>
     <p:extLst>
       <p:ext uri="{BB962C8B-B14F-4D97-AF65-F5344CB8AC3E}">
-        <p14:creationId xmlns:p14="http://schemas.microsoft.com/office/powerpoint/2010/main" xmlns="" val="1927723443"/>
+        <p14:creationId xmlns="" xmlns:p14="http://schemas.microsoft.com/office/powerpoint/2010/main" val="1927723443"/>
       </p:ext>
     </p:extLst>
   </p:cSld>
   <p:clrMapOvr>
     <a:masterClrMapping/>
   </p:clrMapOvr>
+  <p:timing>
+    <p:tnLst>
+      <p:par>
+        <p:cTn id="1" dur="indefinite" restart="never" nodeType="tmRoot"/>
+      </p:par>
+    </p:tnLst>
+  </p:timing>
 </p:sld>
 </file>
 
@@ -21524,7 +25210,7 @@
           <p:cNvPr id="2" name="Title 1">
             <a:extLst>
               <a:ext uri="{FF2B5EF4-FFF2-40B4-BE49-F238E27FC236}">
-                <a16:creationId xmlns:a16="http://schemas.microsoft.com/office/drawing/2014/main" xmlns="" id="{3482096A-8D84-4869-B51A-3D1C7F21535F}"/>
+                <a16:creationId xmlns="" xmlns:a16="http://schemas.microsoft.com/office/drawing/2014/main" id="{3482096A-8D84-4869-B51A-3D1C7F21535F}"/>
               </a:ext>
             </a:extLst>
           </p:cNvPr>
@@ -21552,7 +25238,7 @@
           <p:cNvPr id="3" name="Content Placeholder 2">
             <a:extLst>
               <a:ext uri="{FF2B5EF4-FFF2-40B4-BE49-F238E27FC236}">
-                <a16:creationId xmlns:a16="http://schemas.microsoft.com/office/drawing/2014/main" xmlns="" id="{5B9E95CC-2878-4881-A994-AB8BBE62648E}"/>
+                <a16:creationId xmlns="" xmlns:a16="http://schemas.microsoft.com/office/drawing/2014/main" id="{5B9E95CC-2878-4881-A994-AB8BBE62648E}"/>
               </a:ext>
             </a:extLst>
           </p:cNvPr>
@@ -21608,7 +25294,7 @@
           <p:cNvPr id="4100" name="Picture 4" descr="Building Blocks of Angular Component Template, Metadata and Class">
             <a:extLst>
               <a:ext uri="{FF2B5EF4-FFF2-40B4-BE49-F238E27FC236}">
-                <a16:creationId xmlns:a16="http://schemas.microsoft.com/office/drawing/2014/main" xmlns="" id="{669A76A2-90D2-436E-A281-537A5A4FBE26}"/>
+                <a16:creationId xmlns="" xmlns:a16="http://schemas.microsoft.com/office/drawing/2014/main" id="{669A76A2-90D2-436E-A281-537A5A4FBE26}"/>
               </a:ext>
             </a:extLst>
           </p:cNvPr>
@@ -21621,7 +25307,7 @@
           <a:blip r:embed="rId2">
             <a:extLst>
               <a:ext uri="{28A0092B-C50C-407E-A947-70E740481C1C}">
-                <a14:useLocalDpi xmlns:a14="http://schemas.microsoft.com/office/drawing/2010/main" xmlns="" val="0"/>
+                <a14:useLocalDpi xmlns="" xmlns:a14="http://schemas.microsoft.com/office/drawing/2010/main" val="0"/>
               </a:ext>
             </a:extLst>
           </a:blip>
@@ -21641,7 +25327,7 @@
           <a:noFill/>
           <a:extLst>
             <a:ext uri="{909E8E84-426E-40DD-AFC4-6F175D3DCCD1}">
-              <a14:hiddenFill xmlns:a14="http://schemas.microsoft.com/office/drawing/2010/main" xmlns="">
+              <a14:hiddenFill xmlns="" xmlns:a14="http://schemas.microsoft.com/office/drawing/2010/main">
                 <a:solidFill>
                   <a:srgbClr val="FFFFFF"/>
                 </a:solidFill>
@@ -21653,13 +25339,20 @@
     </p:spTree>
     <p:extLst>
       <p:ext uri="{BB962C8B-B14F-4D97-AF65-F5344CB8AC3E}">
-        <p14:creationId xmlns:p14="http://schemas.microsoft.com/office/powerpoint/2010/main" xmlns="" val="3290780465"/>
+        <p14:creationId xmlns="" xmlns:p14="http://schemas.microsoft.com/office/powerpoint/2010/main" val="3290780465"/>
       </p:ext>
     </p:extLst>
   </p:cSld>
   <p:clrMapOvr>
     <a:masterClrMapping/>
   </p:clrMapOvr>
+  <p:timing>
+    <p:tnLst>
+      <p:par>
+        <p:cTn id="1" dur="indefinite" restart="never" nodeType="tmRoot"/>
+      </p:par>
+    </p:tnLst>
+  </p:timing>
 </p:sld>
 </file>
 
@@ -21799,7 +25492,7 @@
           <p:cNvPr id="2" name="Title 1">
             <a:extLst>
               <a:ext uri="{FF2B5EF4-FFF2-40B4-BE49-F238E27FC236}">
-                <a16:creationId xmlns:a16="http://schemas.microsoft.com/office/drawing/2014/main" xmlns="" id="{E0FD0AA1-E133-4CDD-BCE4-02DD6BB33201}"/>
+                <a16:creationId xmlns="" xmlns:a16="http://schemas.microsoft.com/office/drawing/2014/main" id="{E0FD0AA1-E133-4CDD-BCE4-02DD6BB33201}"/>
               </a:ext>
             </a:extLst>
           </p:cNvPr>
@@ -21837,7 +25530,7 @@
           <p:cNvPr id="3" name="Content Placeholder 2">
             <a:extLst>
               <a:ext uri="{FF2B5EF4-FFF2-40B4-BE49-F238E27FC236}">
-                <a16:creationId xmlns:a16="http://schemas.microsoft.com/office/drawing/2014/main" xmlns="" id="{093D1860-F7FC-432B-9B6F-0C1D80D7760A}"/>
+                <a16:creationId xmlns="" xmlns:a16="http://schemas.microsoft.com/office/drawing/2014/main" id="{093D1860-F7FC-432B-9B6F-0C1D80D7760A}"/>
               </a:ext>
             </a:extLst>
           </p:cNvPr>
@@ -21892,13 +25585,20 @@
     </p:spTree>
     <p:extLst>
       <p:ext uri="{BB962C8B-B14F-4D97-AF65-F5344CB8AC3E}">
-        <p14:creationId xmlns:p14="http://schemas.microsoft.com/office/powerpoint/2010/main" xmlns="" val="1666740136"/>
+        <p14:creationId xmlns="" xmlns:p14="http://schemas.microsoft.com/office/powerpoint/2010/main" val="1666740136"/>
       </p:ext>
     </p:extLst>
   </p:cSld>
   <p:clrMapOvr>
     <a:masterClrMapping/>
   </p:clrMapOvr>
+  <p:timing>
+    <p:tnLst>
+      <p:par>
+        <p:cTn id="1" dur="indefinite" restart="never" nodeType="tmRoot"/>
+      </p:par>
+    </p:tnLst>
+  </p:timing>
 </p:sld>
 </file>
 
@@ -21924,7 +25624,7 @@
           <p:cNvPr id="2" name="Title 1">
             <a:extLst>
               <a:ext uri="{FF2B5EF4-FFF2-40B4-BE49-F238E27FC236}">
-                <a16:creationId xmlns:a16="http://schemas.microsoft.com/office/drawing/2014/main" xmlns="" id="{5CB73AD8-F062-439E-81CD-51B09D647B44}"/>
+                <a16:creationId xmlns="" xmlns:a16="http://schemas.microsoft.com/office/drawing/2014/main" id="{5CB73AD8-F062-439E-81CD-51B09D647B44}"/>
               </a:ext>
             </a:extLst>
           </p:cNvPr>
@@ -21960,7 +25660,7 @@
           <p:cNvPr id="3" name="Content Placeholder 2">
             <a:extLst>
               <a:ext uri="{FF2B5EF4-FFF2-40B4-BE49-F238E27FC236}">
-                <a16:creationId xmlns:a16="http://schemas.microsoft.com/office/drawing/2014/main" xmlns="" id="{B0C6D53E-1377-4920-849B-799E905131FD}"/>
+                <a16:creationId xmlns="" xmlns:a16="http://schemas.microsoft.com/office/drawing/2014/main" id="{B0C6D53E-1377-4920-849B-799E905131FD}"/>
               </a:ext>
             </a:extLst>
           </p:cNvPr>
@@ -21985,7 +25685,7 @@
           <p:cNvPr id="5" name="Picture 4">
             <a:extLst>
               <a:ext uri="{FF2B5EF4-FFF2-40B4-BE49-F238E27FC236}">
-                <a16:creationId xmlns:a16="http://schemas.microsoft.com/office/drawing/2014/main" xmlns="" id="{5F7B1D38-B055-4E4F-97DF-85B666B9FC6C}"/>
+                <a16:creationId xmlns="" xmlns:a16="http://schemas.microsoft.com/office/drawing/2014/main" id="{5F7B1D38-B055-4E4F-97DF-85B666B9FC6C}"/>
               </a:ext>
             </a:extLst>
           </p:cNvPr>
@@ -22013,13 +25713,20 @@
     </p:spTree>
     <p:extLst>
       <p:ext uri="{BB962C8B-B14F-4D97-AF65-F5344CB8AC3E}">
-        <p14:creationId xmlns:p14="http://schemas.microsoft.com/office/powerpoint/2010/main" xmlns="" val="453086124"/>
+        <p14:creationId xmlns="" xmlns:p14="http://schemas.microsoft.com/office/powerpoint/2010/main" val="453086124"/>
       </p:ext>
     </p:extLst>
   </p:cSld>
   <p:clrMapOvr>
     <a:masterClrMapping/>
   </p:clrMapOvr>
+  <p:timing>
+    <p:tnLst>
+      <p:par>
+        <p:cTn id="1" dur="indefinite" restart="never" nodeType="tmRoot"/>
+      </p:par>
+    </p:tnLst>
+  </p:timing>
 </p:sld>
 </file>
 
@@ -22045,7 +25752,7 @@
           <p:cNvPr id="2" name="Title 1">
             <a:extLst>
               <a:ext uri="{FF2B5EF4-FFF2-40B4-BE49-F238E27FC236}">
-                <a16:creationId xmlns:a16="http://schemas.microsoft.com/office/drawing/2014/main" xmlns="" id="{7A6CE868-A736-4E37-87E8-0509154039E1}"/>
+                <a16:creationId xmlns="" xmlns:a16="http://schemas.microsoft.com/office/drawing/2014/main" id="{7A6CE868-A736-4E37-87E8-0509154039E1}"/>
               </a:ext>
             </a:extLst>
           </p:cNvPr>
@@ -22073,7 +25780,7 @@
           <p:cNvPr id="3" name="Content Placeholder 2">
             <a:extLst>
               <a:ext uri="{FF2B5EF4-FFF2-40B4-BE49-F238E27FC236}">
-                <a16:creationId xmlns:a16="http://schemas.microsoft.com/office/drawing/2014/main" xmlns="" id="{3D11E519-E905-4623-AF0F-3F06F2FD27AB}"/>
+                <a16:creationId xmlns="" xmlns:a16="http://schemas.microsoft.com/office/drawing/2014/main" id="{3D11E519-E905-4623-AF0F-3F06F2FD27AB}"/>
               </a:ext>
             </a:extLst>
           </p:cNvPr>
@@ -22115,13 +25822,20 @@
     </p:spTree>
     <p:extLst>
       <p:ext uri="{BB962C8B-B14F-4D97-AF65-F5344CB8AC3E}">
-        <p14:creationId xmlns:p14="http://schemas.microsoft.com/office/powerpoint/2010/main" xmlns="" val="876587309"/>
+        <p14:creationId xmlns="" xmlns:p14="http://schemas.microsoft.com/office/powerpoint/2010/main" val="876587309"/>
       </p:ext>
     </p:extLst>
   </p:cSld>
   <p:clrMapOvr>
     <a:masterClrMapping/>
   </p:clrMapOvr>
+  <p:timing>
+    <p:tnLst>
+      <p:par>
+        <p:cTn id="1" dur="indefinite" restart="never" nodeType="tmRoot"/>
+      </p:par>
+    </p:tnLst>
+  </p:timing>
 </p:sld>
 </file>
 
@@ -22147,7 +25861,7 @@
           <p:cNvPr id="2" name="Title 1">
             <a:extLst>
               <a:ext uri="{FF2B5EF4-FFF2-40B4-BE49-F238E27FC236}">
-                <a16:creationId xmlns:a16="http://schemas.microsoft.com/office/drawing/2014/main" xmlns="" id="{7A6CE868-A736-4E37-87E8-0509154039E1}"/>
+                <a16:creationId xmlns="" xmlns:a16="http://schemas.microsoft.com/office/drawing/2014/main" id="{7A6CE868-A736-4E37-87E8-0509154039E1}"/>
               </a:ext>
             </a:extLst>
           </p:cNvPr>
@@ -22175,7 +25889,7 @@
           <p:cNvPr id="3" name="Content Placeholder 2">
             <a:extLst>
               <a:ext uri="{FF2B5EF4-FFF2-40B4-BE49-F238E27FC236}">
-                <a16:creationId xmlns:a16="http://schemas.microsoft.com/office/drawing/2014/main" xmlns="" id="{3D11E519-E905-4623-AF0F-3F06F2FD27AB}"/>
+                <a16:creationId xmlns="" xmlns:a16="http://schemas.microsoft.com/office/drawing/2014/main" id="{3D11E519-E905-4623-AF0F-3F06F2FD27AB}"/>
               </a:ext>
             </a:extLst>
           </p:cNvPr>
@@ -22200,7 +25914,7 @@
           <p:cNvPr id="4" name="Picture 3">
             <a:extLst>
               <a:ext uri="{FF2B5EF4-FFF2-40B4-BE49-F238E27FC236}">
-                <a16:creationId xmlns:a16="http://schemas.microsoft.com/office/drawing/2014/main" xmlns="" id="{9F80CB7F-93E0-487E-B9CD-EC96016537B9}"/>
+                <a16:creationId xmlns="" xmlns:a16="http://schemas.microsoft.com/office/drawing/2014/main" id="{9F80CB7F-93E0-487E-B9CD-EC96016537B9}"/>
               </a:ext>
             </a:extLst>
           </p:cNvPr>
@@ -22228,13 +25942,20 @@
     </p:spTree>
     <p:extLst>
       <p:ext uri="{BB962C8B-B14F-4D97-AF65-F5344CB8AC3E}">
-        <p14:creationId xmlns:p14="http://schemas.microsoft.com/office/powerpoint/2010/main" xmlns="" val="4064380270"/>
+        <p14:creationId xmlns="" xmlns:p14="http://schemas.microsoft.com/office/powerpoint/2010/main" val="4064380270"/>
       </p:ext>
     </p:extLst>
   </p:cSld>
   <p:clrMapOvr>
     <a:masterClrMapping/>
   </p:clrMapOvr>
+  <p:timing>
+    <p:tnLst>
+      <p:par>
+        <p:cTn id="1" dur="indefinite" restart="never" nodeType="tmRoot"/>
+      </p:par>
+    </p:tnLst>
+  </p:timing>
 </p:sld>
 </file>
 
@@ -22260,7 +25981,7 @@
           <p:cNvPr id="2" name="Title 1">
             <a:extLst>
               <a:ext uri="{FF2B5EF4-FFF2-40B4-BE49-F238E27FC236}">
-                <a16:creationId xmlns:a16="http://schemas.microsoft.com/office/drawing/2014/main" xmlns="" id="{CC206211-C1DA-4D5E-95ED-C628F0ACF8C5}"/>
+                <a16:creationId xmlns="" xmlns:a16="http://schemas.microsoft.com/office/drawing/2014/main" id="{CC206211-C1DA-4D5E-95ED-C628F0ACF8C5}"/>
               </a:ext>
             </a:extLst>
           </p:cNvPr>
@@ -22293,7 +26014,7 @@
           <p:cNvPr id="3" name="Content Placeholder 2">
             <a:extLst>
               <a:ext uri="{FF2B5EF4-FFF2-40B4-BE49-F238E27FC236}">
-                <a16:creationId xmlns:a16="http://schemas.microsoft.com/office/drawing/2014/main" xmlns="" id="{6047B98C-4E65-4CF4-953F-BC1A0F4835FA}"/>
+                <a16:creationId xmlns="" xmlns:a16="http://schemas.microsoft.com/office/drawing/2014/main" id="{6047B98C-4E65-4CF4-953F-BC1A0F4835FA}"/>
               </a:ext>
             </a:extLst>
           </p:cNvPr>
@@ -22345,13 +26066,20 @@
     </p:spTree>
     <p:extLst>
       <p:ext uri="{BB962C8B-B14F-4D97-AF65-F5344CB8AC3E}">
-        <p14:creationId xmlns:p14="http://schemas.microsoft.com/office/powerpoint/2010/main" xmlns="" val="2444979793"/>
+        <p14:creationId xmlns="" xmlns:p14="http://schemas.microsoft.com/office/powerpoint/2010/main" val="2444979793"/>
       </p:ext>
     </p:extLst>
   </p:cSld>
   <p:clrMapOvr>
     <a:masterClrMapping/>
   </p:clrMapOvr>
+  <p:timing>
+    <p:tnLst>
+      <p:par>
+        <p:cTn id="1" dur="indefinite" restart="never" nodeType="tmRoot"/>
+      </p:par>
+    </p:tnLst>
+  </p:timing>
 </p:sld>
 </file>
 
@@ -22377,7 +26105,7 @@
           <p:cNvPr id="2" name="Title 1">
             <a:extLst>
               <a:ext uri="{FF2B5EF4-FFF2-40B4-BE49-F238E27FC236}">
-                <a16:creationId xmlns:a16="http://schemas.microsoft.com/office/drawing/2014/main" xmlns="" id="{E9E9EB54-1C01-4D8D-B5E1-513A32843026}"/>
+                <a16:creationId xmlns="" xmlns:a16="http://schemas.microsoft.com/office/drawing/2014/main" id="{E9E9EB54-1C01-4D8D-B5E1-513A32843026}"/>
               </a:ext>
             </a:extLst>
           </p:cNvPr>
@@ -22405,7 +26133,7 @@
           <p:cNvPr id="3" name="Content Placeholder 2">
             <a:extLst>
               <a:ext uri="{FF2B5EF4-FFF2-40B4-BE49-F238E27FC236}">
-                <a16:creationId xmlns:a16="http://schemas.microsoft.com/office/drawing/2014/main" xmlns="" id="{308C1543-8879-4EA4-B4A2-BF8EE98D4424}"/>
+                <a16:creationId xmlns="" xmlns:a16="http://schemas.microsoft.com/office/drawing/2014/main" id="{308C1543-8879-4EA4-B4A2-BF8EE98D4424}"/>
               </a:ext>
             </a:extLst>
           </p:cNvPr>
@@ -22464,13 +26192,20 @@
     </p:spTree>
     <p:extLst>
       <p:ext uri="{BB962C8B-B14F-4D97-AF65-F5344CB8AC3E}">
-        <p14:creationId xmlns:p14="http://schemas.microsoft.com/office/powerpoint/2010/main" xmlns="" val="2818046210"/>
+        <p14:creationId xmlns="" xmlns:p14="http://schemas.microsoft.com/office/powerpoint/2010/main" val="2818046210"/>
       </p:ext>
     </p:extLst>
   </p:cSld>
   <p:clrMapOvr>
     <a:masterClrMapping/>
   </p:clrMapOvr>
+  <p:timing>
+    <p:tnLst>
+      <p:par>
+        <p:cTn id="1" dur="indefinite" restart="never" nodeType="tmRoot"/>
+      </p:par>
+    </p:tnLst>
+  </p:timing>
 </p:sld>
 </file>
 
@@ -22496,7 +26231,7 @@
           <p:cNvPr id="2" name="Title 1">
             <a:extLst>
               <a:ext uri="{FF2B5EF4-FFF2-40B4-BE49-F238E27FC236}">
-                <a16:creationId xmlns:a16="http://schemas.microsoft.com/office/drawing/2014/main" xmlns="" id="{99A646D1-9F4F-48CF-BAB0-342067F29B39}"/>
+                <a16:creationId xmlns="" xmlns:a16="http://schemas.microsoft.com/office/drawing/2014/main" id="{99A646D1-9F4F-48CF-BAB0-342067F29B39}"/>
               </a:ext>
             </a:extLst>
           </p:cNvPr>
@@ -22524,7 +26259,7 @@
           <p:cNvPr id="3" name="Content Placeholder 2">
             <a:extLst>
               <a:ext uri="{FF2B5EF4-FFF2-40B4-BE49-F238E27FC236}">
-                <a16:creationId xmlns:a16="http://schemas.microsoft.com/office/drawing/2014/main" xmlns="" id="{8D43E271-D18B-499C-A02A-A9D53E47B31E}"/>
+                <a16:creationId xmlns="" xmlns:a16="http://schemas.microsoft.com/office/drawing/2014/main" id="{8D43E271-D18B-499C-A02A-A9D53E47B31E}"/>
               </a:ext>
             </a:extLst>
           </p:cNvPr>
@@ -22584,13 +26319,20 @@
     </p:spTree>
     <p:extLst>
       <p:ext uri="{BB962C8B-B14F-4D97-AF65-F5344CB8AC3E}">
-        <p14:creationId xmlns:p14="http://schemas.microsoft.com/office/powerpoint/2010/main" xmlns="" val="2248074531"/>
+        <p14:creationId xmlns="" xmlns:p14="http://schemas.microsoft.com/office/powerpoint/2010/main" val="2248074531"/>
       </p:ext>
     </p:extLst>
   </p:cSld>
   <p:clrMapOvr>
     <a:masterClrMapping/>
   </p:clrMapOvr>
+  <p:timing>
+    <p:tnLst>
+      <p:par>
+        <p:cTn id="1" dur="indefinite" restart="never" nodeType="tmRoot"/>
+      </p:par>
+    </p:tnLst>
+  </p:timing>
 </p:sld>
 </file>
 
@@ -22616,7 +26358,7 @@
           <p:cNvPr id="2" name="Title 1">
             <a:extLst>
               <a:ext uri="{FF2B5EF4-FFF2-40B4-BE49-F238E27FC236}">
-                <a16:creationId xmlns:a16="http://schemas.microsoft.com/office/drawing/2014/main" xmlns="" id="{28CEFD36-9EEE-44BD-A618-24395E57390C}"/>
+                <a16:creationId xmlns="" xmlns:a16="http://schemas.microsoft.com/office/drawing/2014/main" id="{28CEFD36-9EEE-44BD-A618-24395E57390C}"/>
               </a:ext>
             </a:extLst>
           </p:cNvPr>
@@ -22649,7 +26391,7 @@
           <p:cNvPr id="3" name="Content Placeholder 2">
             <a:extLst>
               <a:ext uri="{FF2B5EF4-FFF2-40B4-BE49-F238E27FC236}">
-                <a16:creationId xmlns:a16="http://schemas.microsoft.com/office/drawing/2014/main" xmlns="" id="{FB1C2EE1-559D-43FA-956B-FEEB8107E418}"/>
+                <a16:creationId xmlns="" xmlns:a16="http://schemas.microsoft.com/office/drawing/2014/main" id="{FB1C2EE1-559D-43FA-956B-FEEB8107E418}"/>
               </a:ext>
             </a:extLst>
           </p:cNvPr>
@@ -22693,7 +26435,7 @@
           <p:cNvPr id="4" name="Picture 3">
             <a:extLst>
               <a:ext uri="{FF2B5EF4-FFF2-40B4-BE49-F238E27FC236}">
-                <a16:creationId xmlns:a16="http://schemas.microsoft.com/office/drawing/2014/main" xmlns="" id="{9E881970-47E2-410F-80B2-0457887DE709}"/>
+                <a16:creationId xmlns="" xmlns:a16="http://schemas.microsoft.com/office/drawing/2014/main" id="{9E881970-47E2-410F-80B2-0457887DE709}"/>
               </a:ext>
             </a:extLst>
           </p:cNvPr>
@@ -22721,13 +26463,20 @@
     </p:spTree>
     <p:extLst>
       <p:ext uri="{BB962C8B-B14F-4D97-AF65-F5344CB8AC3E}">
-        <p14:creationId xmlns:p14="http://schemas.microsoft.com/office/powerpoint/2010/main" xmlns="" val="49964833"/>
+        <p14:creationId xmlns="" xmlns:p14="http://schemas.microsoft.com/office/powerpoint/2010/main" val="49964833"/>
       </p:ext>
     </p:extLst>
   </p:cSld>
   <p:clrMapOvr>
     <a:masterClrMapping/>
   </p:clrMapOvr>
+  <p:timing>
+    <p:tnLst>
+      <p:par>
+        <p:cTn id="1" dur="indefinite" restart="never" nodeType="tmRoot"/>
+      </p:par>
+    </p:tnLst>
+  </p:timing>
 </p:sld>
 </file>
 
@@ -22753,7 +26502,7 @@
           <p:cNvPr id="2" name="Title 1">
             <a:extLst>
               <a:ext uri="{FF2B5EF4-FFF2-40B4-BE49-F238E27FC236}">
-                <a16:creationId xmlns:a16="http://schemas.microsoft.com/office/drawing/2014/main" xmlns="" id="{28CEFD36-9EEE-44BD-A618-24395E57390C}"/>
+                <a16:creationId xmlns="" xmlns:a16="http://schemas.microsoft.com/office/drawing/2014/main" id="{28CEFD36-9EEE-44BD-A618-24395E57390C}"/>
               </a:ext>
             </a:extLst>
           </p:cNvPr>
@@ -22788,7 +26537,7 @@
           <p:cNvPr id="3" name="Content Placeholder 2">
             <a:extLst>
               <a:ext uri="{FF2B5EF4-FFF2-40B4-BE49-F238E27FC236}">
-                <a16:creationId xmlns:a16="http://schemas.microsoft.com/office/drawing/2014/main" xmlns="" id="{FB1C2EE1-559D-43FA-956B-FEEB8107E418}"/>
+                <a16:creationId xmlns="" xmlns:a16="http://schemas.microsoft.com/office/drawing/2014/main" id="{FB1C2EE1-559D-43FA-956B-FEEB8107E418}"/>
               </a:ext>
             </a:extLst>
           </p:cNvPr>
@@ -22848,7 +26597,7 @@
           <p:cNvPr id="5" name="Picture 4">
             <a:extLst>
               <a:ext uri="{FF2B5EF4-FFF2-40B4-BE49-F238E27FC236}">
-                <a16:creationId xmlns:a16="http://schemas.microsoft.com/office/drawing/2014/main" xmlns="" id="{336CCE73-FD10-490D-AF41-08A787EEE45F}"/>
+                <a16:creationId xmlns="" xmlns:a16="http://schemas.microsoft.com/office/drawing/2014/main" id="{336CCE73-FD10-490D-AF41-08A787EEE45F}"/>
               </a:ext>
             </a:extLst>
           </p:cNvPr>
@@ -22876,13 +26625,20 @@
     </p:spTree>
     <p:extLst>
       <p:ext uri="{BB962C8B-B14F-4D97-AF65-F5344CB8AC3E}">
-        <p14:creationId xmlns:p14="http://schemas.microsoft.com/office/powerpoint/2010/main" xmlns="" val="3584886726"/>
+        <p14:creationId xmlns="" xmlns:p14="http://schemas.microsoft.com/office/powerpoint/2010/main" val="3584886726"/>
       </p:ext>
     </p:extLst>
   </p:cSld>
   <p:clrMapOvr>
     <a:masterClrMapping/>
   </p:clrMapOvr>
+  <p:timing>
+    <p:tnLst>
+      <p:par>
+        <p:cTn id="1" dur="indefinite" restart="never" nodeType="tmRoot"/>
+      </p:par>
+    </p:tnLst>
+  </p:timing>
 </p:sld>
 </file>
 
@@ -22908,7 +26664,7 @@
           <p:cNvPr id="2" name="Title 1">
             <a:extLst>
               <a:ext uri="{FF2B5EF4-FFF2-40B4-BE49-F238E27FC236}">
-                <a16:creationId xmlns:a16="http://schemas.microsoft.com/office/drawing/2014/main" xmlns="" id="{28CEFD36-9EEE-44BD-A618-24395E57390C}"/>
+                <a16:creationId xmlns="" xmlns:a16="http://schemas.microsoft.com/office/drawing/2014/main" id="{28CEFD36-9EEE-44BD-A618-24395E57390C}"/>
               </a:ext>
             </a:extLst>
           </p:cNvPr>
@@ -22943,7 +26699,7 @@
           <p:cNvPr id="3" name="Content Placeholder 2">
             <a:extLst>
               <a:ext uri="{FF2B5EF4-FFF2-40B4-BE49-F238E27FC236}">
-                <a16:creationId xmlns:a16="http://schemas.microsoft.com/office/drawing/2014/main" xmlns="" id="{FB1C2EE1-559D-43FA-956B-FEEB8107E418}"/>
+                <a16:creationId xmlns="" xmlns:a16="http://schemas.microsoft.com/office/drawing/2014/main" id="{FB1C2EE1-559D-43FA-956B-FEEB8107E418}"/>
               </a:ext>
             </a:extLst>
           </p:cNvPr>
@@ -22979,7 +26735,7 @@
           <p:cNvPr id="4" name="Picture 3">
             <a:extLst>
               <a:ext uri="{FF2B5EF4-FFF2-40B4-BE49-F238E27FC236}">
-                <a16:creationId xmlns:a16="http://schemas.microsoft.com/office/drawing/2014/main" xmlns="" id="{CDDDD3DB-37E1-4718-A6D2-51B5C4FF4CCC}"/>
+                <a16:creationId xmlns="" xmlns:a16="http://schemas.microsoft.com/office/drawing/2014/main" id="{CDDDD3DB-37E1-4718-A6D2-51B5C4FF4CCC}"/>
               </a:ext>
             </a:extLst>
           </p:cNvPr>
@@ -23007,13 +26763,20 @@
     </p:spTree>
     <p:extLst>
       <p:ext uri="{BB962C8B-B14F-4D97-AF65-F5344CB8AC3E}">
-        <p14:creationId xmlns:p14="http://schemas.microsoft.com/office/powerpoint/2010/main" xmlns="" val="2113172796"/>
+        <p14:creationId xmlns="" xmlns:p14="http://schemas.microsoft.com/office/powerpoint/2010/main" val="2113172796"/>
       </p:ext>
     </p:extLst>
   </p:cSld>
   <p:clrMapOvr>
     <a:masterClrMapping/>
   </p:clrMapOvr>
+  <p:timing>
+    <p:tnLst>
+      <p:par>
+        <p:cTn id="1" dur="indefinite" restart="never" nodeType="tmRoot"/>
+      </p:par>
+    </p:tnLst>
+  </p:timing>
 </p:sld>
 </file>
 
